--- a/Daily/sprint9/Final_Presentation_Phase_I.pptx
+++ b/Daily/sprint9/Final_Presentation_Phase_I.pptx
@@ -1170,7 +1170,7 @@
           <a:p>
             <a:fld id="{9CDC8AA7-8D38-46C0-86D3-87BDB8133F92}" type="datetimeFigureOut">
               <a:rPr lang="de-DE" smtClean="0"/>
-              <a:t>08.07.20</a:t>
+              <a:t>08.07.2020</a:t>
             </a:fld>
             <a:endParaRPr lang="de-DE"/>
           </a:p>
@@ -1328,7 +1328,7 @@
           <a:p>
             <a:fld id="{10D08ABD-147D-43D8-AD0E-C56070E2C69D}" type="slidenum">
               <a:rPr lang="de-DE" smtClean="0"/>
-              <a:t>‹#›</a:t>
+              <a:t>‹Nr.›</a:t>
             </a:fld>
             <a:endParaRPr lang="de-DE"/>
           </a:p>
@@ -1483,8 +1483,9 @@
           <a:p>
             <a:r>
               <a:rPr lang="de-DE" dirty="0"/>
-              <a:t>All</a:t>
-            </a:r>
+              <a:t>Lisa</a:t>
+            </a:r>
+            <a:endParaRPr lang="en-US" dirty="0"/>
           </a:p>
         </p:txBody>
       </p:sp>
@@ -1505,7 +1506,7 @@
           <a:p>
             <a:fld id="{10D08ABD-147D-43D8-AD0E-C56070E2C69D}" type="slidenum">
               <a:rPr lang="de-DE" smtClean="0"/>
-              <a:t>2</a:t>
+              <a:t>1</a:t>
             </a:fld>
             <a:endParaRPr lang="de-DE"/>
           </a:p>
@@ -1514,7 +1515,7 @@
     </p:spTree>
     <p:extLst>
       <p:ext uri="{BB962C8B-B14F-4D97-AF65-F5344CB8AC3E}">
-        <p14:creationId xmlns:p14="http://schemas.microsoft.com/office/powerpoint/2010/main" val="4099928516"/>
+        <p14:creationId xmlns:p14="http://schemas.microsoft.com/office/powerpoint/2010/main" val="2825291974"/>
       </p:ext>
     </p:extLst>
   </p:cSld>
@@ -1570,8 +1571,9 @@
           <a:p>
             <a:r>
               <a:rPr lang="de-DE" dirty="0"/>
-              <a:t>Khaled, Lisa</a:t>
-            </a:r>
+              <a:t>Lisa</a:t>
+            </a:r>
+            <a:endParaRPr lang="en-US" dirty="0"/>
           </a:p>
         </p:txBody>
       </p:sp>
@@ -1592,7 +1594,7 @@
           <a:p>
             <a:fld id="{10D08ABD-147D-43D8-AD0E-C56070E2C69D}" type="slidenum">
               <a:rPr lang="de-DE" smtClean="0"/>
-              <a:t>15</a:t>
+              <a:t>11</a:t>
             </a:fld>
             <a:endParaRPr lang="de-DE"/>
           </a:p>
@@ -1601,7 +1603,7 @@
     </p:spTree>
     <p:extLst>
       <p:ext uri="{BB962C8B-B14F-4D97-AF65-F5344CB8AC3E}">
-        <p14:creationId xmlns:p14="http://schemas.microsoft.com/office/powerpoint/2010/main" val="1016937863"/>
+        <p14:creationId xmlns:p14="http://schemas.microsoft.com/office/powerpoint/2010/main" val="3638360588"/>
       </p:ext>
     </p:extLst>
   </p:cSld>
@@ -1657,8 +1659,9 @@
           <a:p>
             <a:r>
               <a:rPr lang="de-DE" dirty="0"/>
-              <a:t>Khaled, Lisa</a:t>
-            </a:r>
+              <a:t>Lisa</a:t>
+            </a:r>
+            <a:endParaRPr lang="en-US" dirty="0"/>
           </a:p>
         </p:txBody>
       </p:sp>
@@ -1679,7 +1682,7 @@
           <a:p>
             <a:fld id="{10D08ABD-147D-43D8-AD0E-C56070E2C69D}" type="slidenum">
               <a:rPr lang="de-DE" smtClean="0"/>
-              <a:t>16</a:t>
+              <a:t>12</a:t>
             </a:fld>
             <a:endParaRPr lang="de-DE"/>
           </a:p>
@@ -1688,7 +1691,7 @@
     </p:spTree>
     <p:extLst>
       <p:ext uri="{BB962C8B-B14F-4D97-AF65-F5344CB8AC3E}">
-        <p14:creationId xmlns:p14="http://schemas.microsoft.com/office/powerpoint/2010/main" val="1374875232"/>
+        <p14:creationId xmlns:p14="http://schemas.microsoft.com/office/powerpoint/2010/main" val="905350180"/>
       </p:ext>
     </p:extLst>
   </p:cSld>
@@ -1717,7 +1720,7 @@
       </p:grpSpPr>
       <p:sp>
         <p:nvSpPr>
-          <p:cNvPr id="2" name="Slide Image Placeholder 1"/>
+          <p:cNvPr id="2" name="Folienbildplatzhalter 1"/>
           <p:cNvSpPr>
             <a:spLocks noGrp="1" noRot="1" noChangeAspect="1"/>
           </p:cNvSpPr>
@@ -1729,7 +1732,7 @@
       </p:sp>
       <p:sp>
         <p:nvSpPr>
-          <p:cNvPr id="3" name="Notes Placeholder 2"/>
+          <p:cNvPr id="3" name="Notizenplatzhalter 2"/>
           <p:cNvSpPr>
             <a:spLocks noGrp="1"/>
           </p:cNvSpPr>
@@ -1743,17 +1746,16 @@
           <a:lstStyle/>
           <a:p>
             <a:r>
-              <a:rPr lang="de-DE" dirty="0">
-                <a:cs typeface="Calibri"/>
-              </a:rPr>
-              <a:t>Sergej</a:t>
-            </a:r>
-          </a:p>
-        </p:txBody>
-      </p:sp>
-      <p:sp>
-        <p:nvSpPr>
-          <p:cNvPr id="4" name="Slide Number Placeholder 3"/>
+              <a:rPr lang="de-DE" dirty="0"/>
+              <a:t>Lisa</a:t>
+            </a:r>
+            <a:endParaRPr lang="en-US" dirty="0"/>
+          </a:p>
+        </p:txBody>
+      </p:sp>
+      <p:sp>
+        <p:nvSpPr>
+          <p:cNvPr id="4" name="Foliennummernplatzhalter 3"/>
           <p:cNvSpPr>
             <a:spLocks noGrp="1"/>
           </p:cNvSpPr>
@@ -1768,7 +1770,7 @@
           <a:p>
             <a:fld id="{10D08ABD-147D-43D8-AD0E-C56070E2C69D}" type="slidenum">
               <a:rPr lang="de-DE" smtClean="0"/>
-              <a:t>17</a:t>
+              <a:t>13</a:t>
             </a:fld>
             <a:endParaRPr lang="de-DE"/>
           </a:p>
@@ -1777,7 +1779,7 @@
     </p:spTree>
     <p:extLst>
       <p:ext uri="{BB962C8B-B14F-4D97-AF65-F5344CB8AC3E}">
-        <p14:creationId xmlns:p14="http://schemas.microsoft.com/office/powerpoint/2010/main" val="845041203"/>
+        <p14:creationId xmlns:p14="http://schemas.microsoft.com/office/powerpoint/2010/main" val="492392227"/>
       </p:ext>
     </p:extLst>
   </p:cSld>
@@ -1806,7 +1808,7 @@
       </p:grpSpPr>
       <p:sp>
         <p:nvSpPr>
-          <p:cNvPr id="2" name="Espace réservé de l'image des diapositives 1"/>
+          <p:cNvPr id="2" name="Folienbildplatzhalter 1"/>
           <p:cNvSpPr>
             <a:spLocks noGrp="1" noRot="1" noChangeAspect="1"/>
           </p:cNvSpPr>
@@ -1818,7 +1820,7 @@
       </p:sp>
       <p:sp>
         <p:nvSpPr>
-          <p:cNvPr id="3" name="Espace réservé des commentaires 2"/>
+          <p:cNvPr id="3" name="Notizenplatzhalter 2"/>
           <p:cNvSpPr>
             <a:spLocks noGrp="1"/>
           </p:cNvSpPr>
@@ -1832,20 +1834,20 @@
           <a:lstStyle/>
           <a:p>
             <a:r>
-              <a:rPr lang="en-US" dirty="0"/>
-              <a:t>Decoded to 0 1 2 3 4 </a:t>
-            </a:r>
-          </a:p>
-        </p:txBody>
-      </p:sp>
-      <p:sp>
-        <p:nvSpPr>
-          <p:cNvPr id="4" name="Espace réservé du numéro de diapositive 3"/>
-          <p:cNvSpPr>
-            <a:spLocks noGrp="1"/>
-          </p:cNvSpPr>
-          <p:nvPr>
-            <p:ph type="sldNum" sz="quarter" idx="10"/>
+              <a:rPr lang="de-DE" dirty="0"/>
+              <a:t>Khaled</a:t>
+            </a:r>
+          </a:p>
+        </p:txBody>
+      </p:sp>
+      <p:sp>
+        <p:nvSpPr>
+          <p:cNvPr id="4" name="Foliennummernplatzhalter 3"/>
+          <p:cNvSpPr>
+            <a:spLocks noGrp="1"/>
+          </p:cNvSpPr>
+          <p:nvPr>
+            <p:ph type="sldNum" sz="quarter" idx="5"/>
           </p:nvPr>
         </p:nvSpPr>
         <p:spPr/>
@@ -1855,7 +1857,7 @@
           <a:p>
             <a:fld id="{10D08ABD-147D-43D8-AD0E-C56070E2C69D}" type="slidenum">
               <a:rPr lang="de-DE" smtClean="0"/>
-              <a:t>23</a:t>
+              <a:t>14</a:t>
             </a:fld>
             <a:endParaRPr lang="de-DE"/>
           </a:p>
@@ -1864,7 +1866,7 @@
     </p:spTree>
     <p:extLst>
       <p:ext uri="{BB962C8B-B14F-4D97-AF65-F5344CB8AC3E}">
-        <p14:creationId xmlns:p14="http://schemas.microsoft.com/office/powerpoint/2010/main" val="4037023125"/>
+        <p14:creationId xmlns:p14="http://schemas.microsoft.com/office/powerpoint/2010/main" val="409149639"/>
       </p:ext>
     </p:extLst>
   </p:cSld>
@@ -1893,7 +1895,7 @@
       </p:grpSpPr>
       <p:sp>
         <p:nvSpPr>
-          <p:cNvPr id="2" name="Espace réservé de l'image des diapositives 1"/>
+          <p:cNvPr id="2" name="Folienbildplatzhalter 1"/>
           <p:cNvSpPr>
             <a:spLocks noGrp="1" noRot="1" noChangeAspect="1"/>
           </p:cNvSpPr>
@@ -1905,7 +1907,7 @@
       </p:sp>
       <p:sp>
         <p:nvSpPr>
-          <p:cNvPr id="3" name="Espace réservé des commentaires 2"/>
+          <p:cNvPr id="3" name="Notizenplatzhalter 2"/>
           <p:cNvSpPr>
             <a:spLocks noGrp="1"/>
           </p:cNvSpPr>
@@ -1918,118 +1920,21 @@
           <a:bodyPr/>
           <a:lstStyle/>
           <a:p>
-            <a:pPr marL="0" marR="0" lvl="0" indent="0" algn="l" defTabSz="914400" rtl="0" eaLnBrk="1" fontAlgn="auto" latinLnBrk="0" hangingPunct="1">
-              <a:lnSpc>
-                <a:spcPct val="100000"/>
-              </a:lnSpc>
-              <a:spcBef>
-                <a:spcPts val="0"/>
-              </a:spcBef>
-              <a:spcAft>
-                <a:spcPts val="0"/>
-              </a:spcAft>
-              <a:buClrTx/>
-              <a:buSzTx/>
-              <a:buFontTx/>
-              <a:buNone/>
-              <a:tabLst/>
-              <a:defRPr/>
-            </a:pPr>
-            <a:r>
-              <a:rPr lang="en-US" dirty="0"/>
-              <a:t>abs (</a:t>
-            </a:r>
-            <a:r>
-              <a:rPr lang="en-US" dirty="0" err="1"/>
-              <a:t>yoriginal_home</a:t>
-            </a:r>
-            <a:r>
-              <a:rPr lang="en-US" dirty="0"/>
-              <a:t> – </a:t>
-            </a:r>
-            <a:r>
-              <a:rPr lang="en-US" dirty="0" err="1"/>
-              <a:t>ypred_home</a:t>
-            </a:r>
-            <a:r>
-              <a:rPr lang="en-US" dirty="0"/>
-              <a:t>) + abs (</a:t>
-            </a:r>
-            <a:r>
-              <a:rPr lang="en-US" dirty="0" err="1"/>
-              <a:t>yoriginal_away</a:t>
-            </a:r>
-            <a:r>
-              <a:rPr lang="en-US" dirty="0"/>
-              <a:t> – </a:t>
-            </a:r>
-            <a:r>
-              <a:rPr lang="en-US" dirty="0" err="1"/>
-              <a:t>ypred_away</a:t>
-            </a:r>
-            <a:r>
-              <a:rPr lang="en-US" dirty="0"/>
-              <a:t>) =&gt; score !!</a:t>
-            </a:r>
-          </a:p>
-          <a:p>
-            <a:r>
-              <a:rPr lang="en-US" dirty="0"/>
-              <a:t>OR </a:t>
-            </a:r>
-          </a:p>
-          <a:p>
-            <a:r>
-              <a:rPr lang="en-US" dirty="0"/>
-              <a:t>abs (</a:t>
-            </a:r>
-            <a:r>
-              <a:rPr lang="en-US" dirty="0" err="1"/>
-              <a:t>yoriginal_home</a:t>
-            </a:r>
-            <a:r>
-              <a:rPr lang="en-US" dirty="0"/>
-              <a:t> – </a:t>
-            </a:r>
-            <a:r>
-              <a:rPr lang="en-US" dirty="0" err="1"/>
-              <a:t>ypred_home</a:t>
-            </a:r>
-            <a:r>
-              <a:rPr lang="en-US" dirty="0"/>
-              <a:t>) :  </a:t>
-            </a:r>
-          </a:p>
-          <a:p>
-            <a:endParaRPr lang="en-US" dirty="0"/>
-          </a:p>
-          <a:p>
-            <a:endParaRPr lang="en-US" dirty="0"/>
-          </a:p>
-          <a:p>
-            <a:r>
-              <a:rPr lang="en-US" dirty="0"/>
-              <a:t>Difference between them! Are they independent or not (goals</a:t>
-            </a:r>
-            <a:r>
-              <a:rPr lang="en-US" baseline="0" dirty="0"/>
-              <a:t>)</a:t>
-            </a:r>
-            <a:r>
-              <a:rPr lang="en-US" dirty="0"/>
-              <a:t>!!</a:t>
-            </a:r>
-          </a:p>
-        </p:txBody>
-      </p:sp>
-      <p:sp>
-        <p:nvSpPr>
-          <p:cNvPr id="4" name="Espace réservé du numéro de diapositive 3"/>
-          <p:cNvSpPr>
-            <a:spLocks noGrp="1"/>
-          </p:cNvSpPr>
-          <p:nvPr>
-            <p:ph type="sldNum" sz="quarter" idx="10"/>
+            <a:r>
+              <a:rPr lang="de-DE" dirty="0"/>
+              <a:t>Khaled, Lisa</a:t>
+            </a:r>
+          </a:p>
+        </p:txBody>
+      </p:sp>
+      <p:sp>
+        <p:nvSpPr>
+          <p:cNvPr id="4" name="Foliennummernplatzhalter 3"/>
+          <p:cNvSpPr>
+            <a:spLocks noGrp="1"/>
+          </p:cNvSpPr>
+          <p:nvPr>
+            <p:ph type="sldNum" sz="quarter" idx="5"/>
           </p:nvPr>
         </p:nvSpPr>
         <p:spPr/>
@@ -2039,7 +1944,7 @@
           <a:p>
             <a:fld id="{10D08ABD-147D-43D8-AD0E-C56070E2C69D}" type="slidenum">
               <a:rPr lang="de-DE" smtClean="0"/>
-              <a:t>24</a:t>
+              <a:t>15</a:t>
             </a:fld>
             <a:endParaRPr lang="de-DE"/>
           </a:p>
@@ -2048,7 +1953,7 @@
     </p:spTree>
     <p:extLst>
       <p:ext uri="{BB962C8B-B14F-4D97-AF65-F5344CB8AC3E}">
-        <p14:creationId xmlns:p14="http://schemas.microsoft.com/office/powerpoint/2010/main" val="4071878624"/>
+        <p14:creationId xmlns:p14="http://schemas.microsoft.com/office/powerpoint/2010/main" val="1016937863"/>
       </p:ext>
     </p:extLst>
   </p:cSld>
@@ -2104,7 +2009,7 @@
           <a:p>
             <a:r>
               <a:rPr lang="de-DE" dirty="0"/>
-              <a:t>Khaled, Lisa</a:t>
+              <a:t>Khaled</a:t>
             </a:r>
           </a:p>
         </p:txBody>
@@ -2126,7 +2031,7 @@
           <a:p>
             <a:fld id="{10D08ABD-147D-43D8-AD0E-C56070E2C69D}" type="slidenum">
               <a:rPr lang="de-DE" smtClean="0"/>
-              <a:t>26</a:t>
+              <a:t>16</a:t>
             </a:fld>
             <a:endParaRPr lang="de-DE"/>
           </a:p>
@@ -2135,7 +2040,7 @@
     </p:spTree>
     <p:extLst>
       <p:ext uri="{BB962C8B-B14F-4D97-AF65-F5344CB8AC3E}">
-        <p14:creationId xmlns:p14="http://schemas.microsoft.com/office/powerpoint/2010/main" val="3234012776"/>
+        <p14:creationId xmlns:p14="http://schemas.microsoft.com/office/powerpoint/2010/main" val="1374875232"/>
       </p:ext>
     </p:extLst>
   </p:cSld>
@@ -2164,7 +2069,7 @@
       </p:grpSpPr>
       <p:sp>
         <p:nvSpPr>
-          <p:cNvPr id="2" name="Folienbildplatzhalter 1"/>
+          <p:cNvPr id="2" name="Slide Image Placeholder 1"/>
           <p:cNvSpPr>
             <a:spLocks noGrp="1" noRot="1" noChangeAspect="1"/>
           </p:cNvSpPr>
@@ -2176,7 +2081,7 @@
       </p:sp>
       <p:sp>
         <p:nvSpPr>
-          <p:cNvPr id="3" name="Notizenplatzhalter 2"/>
+          <p:cNvPr id="3" name="Notes Placeholder 2"/>
           <p:cNvSpPr>
             <a:spLocks noGrp="1"/>
           </p:cNvSpPr>
@@ -2190,15 +2095,17 @@
           <a:lstStyle/>
           <a:p>
             <a:r>
-              <a:rPr lang="de-DE" dirty="0"/>
-              <a:t>All</a:t>
-            </a:r>
-          </a:p>
-        </p:txBody>
-      </p:sp>
-      <p:sp>
-        <p:nvSpPr>
-          <p:cNvPr id="4" name="Foliennummernplatzhalter 3"/>
+              <a:rPr lang="de-DE" dirty="0">
+                <a:cs typeface="Calibri"/>
+              </a:rPr>
+              <a:t>Khaled</a:t>
+            </a:r>
+          </a:p>
+        </p:txBody>
+      </p:sp>
+      <p:sp>
+        <p:nvSpPr>
+          <p:cNvPr id="4" name="Slide Number Placeholder 3"/>
           <p:cNvSpPr>
             <a:spLocks noGrp="1"/>
           </p:cNvSpPr>
@@ -2213,7 +2120,7 @@
           <a:p>
             <a:fld id="{10D08ABD-147D-43D8-AD0E-C56070E2C69D}" type="slidenum">
               <a:rPr lang="de-DE" smtClean="0"/>
-              <a:t>28</a:t>
+              <a:t>17</a:t>
             </a:fld>
             <a:endParaRPr lang="de-DE"/>
           </a:p>
@@ -2222,7 +2129,271 @@
     </p:spTree>
     <p:extLst>
       <p:ext uri="{BB962C8B-B14F-4D97-AF65-F5344CB8AC3E}">
-        <p14:creationId xmlns:p14="http://schemas.microsoft.com/office/powerpoint/2010/main" val="3239764954"/>
+        <p14:creationId xmlns:p14="http://schemas.microsoft.com/office/powerpoint/2010/main" val="845041203"/>
+      </p:ext>
+    </p:extLst>
+  </p:cSld>
+  <p:clrMapOvr>
+    <a:masterClrMapping/>
+  </p:clrMapOvr>
+</p:notes>
+</file>
+
+<file path=ppt/notesSlides/notesSlide17.xml><?xml version="1.0" encoding="utf-8"?>
+<p:notes xmlns:a="http://schemas.openxmlformats.org/drawingml/2006/main" xmlns:r="http://schemas.openxmlformats.org/officeDocument/2006/relationships" xmlns:p="http://schemas.openxmlformats.org/presentationml/2006/main">
+  <p:cSld>
+    <p:spTree>
+      <p:nvGrpSpPr>
+        <p:cNvPr id="1" name=""/>
+        <p:cNvGrpSpPr/>
+        <p:nvPr/>
+      </p:nvGrpSpPr>
+      <p:grpSpPr>
+        <a:xfrm>
+          <a:off x="0" y="0"/>
+          <a:ext cx="0" cy="0"/>
+          <a:chOff x="0" y="0"/>
+          <a:chExt cx="0" cy="0"/>
+        </a:xfrm>
+      </p:grpSpPr>
+      <p:sp>
+        <p:nvSpPr>
+          <p:cNvPr id="2" name="Folienbildplatzhalter 1"/>
+          <p:cNvSpPr>
+            <a:spLocks noGrp="1" noRot="1" noChangeAspect="1"/>
+          </p:cNvSpPr>
+          <p:nvPr>
+            <p:ph type="sldImg"/>
+          </p:nvPr>
+        </p:nvSpPr>
+        <p:spPr/>
+      </p:sp>
+      <p:sp>
+        <p:nvSpPr>
+          <p:cNvPr id="3" name="Notizenplatzhalter 2"/>
+          <p:cNvSpPr>
+            <a:spLocks noGrp="1"/>
+          </p:cNvSpPr>
+          <p:nvPr>
+            <p:ph type="body" idx="1"/>
+          </p:nvPr>
+        </p:nvSpPr>
+        <p:spPr/>
+        <p:txBody>
+          <a:bodyPr/>
+          <a:lstStyle/>
+          <a:p>
+            <a:r>
+              <a:rPr lang="de-DE" dirty="0"/>
+              <a:t>Lisa</a:t>
+            </a:r>
+            <a:endParaRPr lang="en-US" dirty="0"/>
+          </a:p>
+        </p:txBody>
+      </p:sp>
+      <p:sp>
+        <p:nvSpPr>
+          <p:cNvPr id="4" name="Foliennummernplatzhalter 3"/>
+          <p:cNvSpPr>
+            <a:spLocks noGrp="1"/>
+          </p:cNvSpPr>
+          <p:nvPr>
+            <p:ph type="sldNum" sz="quarter" idx="5"/>
+          </p:nvPr>
+        </p:nvSpPr>
+        <p:spPr/>
+        <p:txBody>
+          <a:bodyPr/>
+          <a:lstStyle/>
+          <a:p>
+            <a:fld id="{10D08ABD-147D-43D8-AD0E-C56070E2C69D}" type="slidenum">
+              <a:rPr lang="de-DE" smtClean="0"/>
+              <a:t>18</a:t>
+            </a:fld>
+            <a:endParaRPr lang="de-DE"/>
+          </a:p>
+        </p:txBody>
+      </p:sp>
+    </p:spTree>
+    <p:extLst>
+      <p:ext uri="{BB962C8B-B14F-4D97-AF65-F5344CB8AC3E}">
+        <p14:creationId xmlns:p14="http://schemas.microsoft.com/office/powerpoint/2010/main" val="3378882569"/>
+      </p:ext>
+    </p:extLst>
+  </p:cSld>
+  <p:clrMapOvr>
+    <a:masterClrMapping/>
+  </p:clrMapOvr>
+</p:notes>
+</file>
+
+<file path=ppt/notesSlides/notesSlide18.xml><?xml version="1.0" encoding="utf-8"?>
+<p:notes xmlns:a="http://schemas.openxmlformats.org/drawingml/2006/main" xmlns:r="http://schemas.openxmlformats.org/officeDocument/2006/relationships" xmlns:p="http://schemas.openxmlformats.org/presentationml/2006/main">
+  <p:cSld>
+    <p:spTree>
+      <p:nvGrpSpPr>
+        <p:cNvPr id="1" name=""/>
+        <p:cNvGrpSpPr/>
+        <p:nvPr/>
+      </p:nvGrpSpPr>
+      <p:grpSpPr>
+        <a:xfrm>
+          <a:off x="0" y="0"/>
+          <a:ext cx="0" cy="0"/>
+          <a:chOff x="0" y="0"/>
+          <a:chExt cx="0" cy="0"/>
+        </a:xfrm>
+      </p:grpSpPr>
+      <p:sp>
+        <p:nvSpPr>
+          <p:cNvPr id="2" name="Folienbildplatzhalter 1"/>
+          <p:cNvSpPr>
+            <a:spLocks noGrp="1" noRot="1" noChangeAspect="1"/>
+          </p:cNvSpPr>
+          <p:nvPr>
+            <p:ph type="sldImg"/>
+          </p:nvPr>
+        </p:nvSpPr>
+        <p:spPr/>
+      </p:sp>
+      <p:sp>
+        <p:nvSpPr>
+          <p:cNvPr id="3" name="Notizenplatzhalter 2"/>
+          <p:cNvSpPr>
+            <a:spLocks noGrp="1"/>
+          </p:cNvSpPr>
+          <p:nvPr>
+            <p:ph type="body" idx="1"/>
+          </p:nvPr>
+        </p:nvSpPr>
+        <p:spPr/>
+        <p:txBody>
+          <a:bodyPr/>
+          <a:lstStyle/>
+          <a:p>
+            <a:r>
+              <a:rPr lang="de-DE" dirty="0" err="1"/>
+              <a:t>Hemlata</a:t>
+            </a:r>
+            <a:endParaRPr lang="en-US" dirty="0"/>
+          </a:p>
+        </p:txBody>
+      </p:sp>
+      <p:sp>
+        <p:nvSpPr>
+          <p:cNvPr id="4" name="Foliennummernplatzhalter 3"/>
+          <p:cNvSpPr>
+            <a:spLocks noGrp="1"/>
+          </p:cNvSpPr>
+          <p:nvPr>
+            <p:ph type="sldNum" sz="quarter" idx="5"/>
+          </p:nvPr>
+        </p:nvSpPr>
+        <p:spPr/>
+        <p:txBody>
+          <a:bodyPr/>
+          <a:lstStyle/>
+          <a:p>
+            <a:fld id="{10D08ABD-147D-43D8-AD0E-C56070E2C69D}" type="slidenum">
+              <a:rPr lang="de-DE" smtClean="0"/>
+              <a:t>19</a:t>
+            </a:fld>
+            <a:endParaRPr lang="de-DE"/>
+          </a:p>
+        </p:txBody>
+      </p:sp>
+    </p:spTree>
+    <p:extLst>
+      <p:ext uri="{BB962C8B-B14F-4D97-AF65-F5344CB8AC3E}">
+        <p14:creationId xmlns:p14="http://schemas.microsoft.com/office/powerpoint/2010/main" val="2460814420"/>
+      </p:ext>
+    </p:extLst>
+  </p:cSld>
+  <p:clrMapOvr>
+    <a:masterClrMapping/>
+  </p:clrMapOvr>
+</p:notes>
+</file>
+
+<file path=ppt/notesSlides/notesSlide19.xml><?xml version="1.0" encoding="utf-8"?>
+<p:notes xmlns:a="http://schemas.openxmlformats.org/drawingml/2006/main" xmlns:r="http://schemas.openxmlformats.org/officeDocument/2006/relationships" xmlns:p="http://schemas.openxmlformats.org/presentationml/2006/main">
+  <p:cSld>
+    <p:spTree>
+      <p:nvGrpSpPr>
+        <p:cNvPr id="1" name=""/>
+        <p:cNvGrpSpPr/>
+        <p:nvPr/>
+      </p:nvGrpSpPr>
+      <p:grpSpPr>
+        <a:xfrm>
+          <a:off x="0" y="0"/>
+          <a:ext cx="0" cy="0"/>
+          <a:chOff x="0" y="0"/>
+          <a:chExt cx="0" cy="0"/>
+        </a:xfrm>
+      </p:grpSpPr>
+      <p:sp>
+        <p:nvSpPr>
+          <p:cNvPr id="2" name="Folienbildplatzhalter 1"/>
+          <p:cNvSpPr>
+            <a:spLocks noGrp="1" noRot="1" noChangeAspect="1"/>
+          </p:cNvSpPr>
+          <p:nvPr>
+            <p:ph type="sldImg"/>
+          </p:nvPr>
+        </p:nvSpPr>
+        <p:spPr/>
+      </p:sp>
+      <p:sp>
+        <p:nvSpPr>
+          <p:cNvPr id="3" name="Notizenplatzhalter 2"/>
+          <p:cNvSpPr>
+            <a:spLocks noGrp="1"/>
+          </p:cNvSpPr>
+          <p:nvPr>
+            <p:ph type="body" idx="1"/>
+          </p:nvPr>
+        </p:nvSpPr>
+        <p:spPr/>
+        <p:txBody>
+          <a:bodyPr/>
+          <a:lstStyle/>
+          <a:p>
+            <a:r>
+              <a:rPr lang="de-DE" dirty="0" err="1"/>
+              <a:t>Hemlata</a:t>
+            </a:r>
+            <a:endParaRPr lang="en-US" dirty="0"/>
+          </a:p>
+        </p:txBody>
+      </p:sp>
+      <p:sp>
+        <p:nvSpPr>
+          <p:cNvPr id="4" name="Foliennummernplatzhalter 3"/>
+          <p:cNvSpPr>
+            <a:spLocks noGrp="1"/>
+          </p:cNvSpPr>
+          <p:nvPr>
+            <p:ph type="sldNum" sz="quarter" idx="5"/>
+          </p:nvPr>
+        </p:nvSpPr>
+        <p:spPr/>
+        <p:txBody>
+          <a:bodyPr/>
+          <a:lstStyle/>
+          <a:p>
+            <a:fld id="{10D08ABD-147D-43D8-AD0E-C56070E2C69D}" type="slidenum">
+              <a:rPr lang="de-DE" smtClean="0"/>
+              <a:t>20</a:t>
+            </a:fld>
+            <a:endParaRPr lang="de-DE"/>
+          </a:p>
+        </p:txBody>
+      </p:sp>
+    </p:spTree>
+    <p:extLst>
+      <p:ext uri="{BB962C8B-B14F-4D97-AF65-F5344CB8AC3E}">
+        <p14:creationId xmlns:p14="http://schemas.microsoft.com/office/powerpoint/2010/main" val="72455073"/>
       </p:ext>
     </p:extLst>
   </p:cSld>
@@ -2278,7 +2449,7 @@
           <a:p>
             <a:r>
               <a:rPr lang="de-DE" dirty="0"/>
-              <a:t>Sergej</a:t>
+              <a:t>Lisa</a:t>
             </a:r>
           </a:p>
         </p:txBody>
@@ -2300,7 +2471,7 @@
           <a:p>
             <a:fld id="{10D08ABD-147D-43D8-AD0E-C56070E2C69D}" type="slidenum">
               <a:rPr lang="de-DE" smtClean="0"/>
-              <a:t>4</a:t>
+              <a:t>2</a:t>
             </a:fld>
             <a:endParaRPr lang="de-DE"/>
           </a:p>
@@ -2309,7 +2480,726 @@
     </p:spTree>
     <p:extLst>
       <p:ext uri="{BB962C8B-B14F-4D97-AF65-F5344CB8AC3E}">
-        <p14:creationId xmlns:p14="http://schemas.microsoft.com/office/powerpoint/2010/main" val="1712933737"/>
+        <p14:creationId xmlns:p14="http://schemas.microsoft.com/office/powerpoint/2010/main" val="4099928516"/>
+      </p:ext>
+    </p:extLst>
+  </p:cSld>
+  <p:clrMapOvr>
+    <a:masterClrMapping/>
+  </p:clrMapOvr>
+</p:notes>
+</file>
+
+<file path=ppt/notesSlides/notesSlide20.xml><?xml version="1.0" encoding="utf-8"?>
+<p:notes xmlns:a="http://schemas.openxmlformats.org/drawingml/2006/main" xmlns:r="http://schemas.openxmlformats.org/officeDocument/2006/relationships" xmlns:p="http://schemas.openxmlformats.org/presentationml/2006/main">
+  <p:cSld>
+    <p:spTree>
+      <p:nvGrpSpPr>
+        <p:cNvPr id="1" name=""/>
+        <p:cNvGrpSpPr/>
+        <p:nvPr/>
+      </p:nvGrpSpPr>
+      <p:grpSpPr>
+        <a:xfrm>
+          <a:off x="0" y="0"/>
+          <a:ext cx="0" cy="0"/>
+          <a:chOff x="0" y="0"/>
+          <a:chExt cx="0" cy="0"/>
+        </a:xfrm>
+      </p:grpSpPr>
+      <p:sp>
+        <p:nvSpPr>
+          <p:cNvPr id="2" name="Folienbildplatzhalter 1"/>
+          <p:cNvSpPr>
+            <a:spLocks noGrp="1" noRot="1" noChangeAspect="1"/>
+          </p:cNvSpPr>
+          <p:nvPr>
+            <p:ph type="sldImg"/>
+          </p:nvPr>
+        </p:nvSpPr>
+        <p:spPr/>
+      </p:sp>
+      <p:sp>
+        <p:nvSpPr>
+          <p:cNvPr id="3" name="Notizenplatzhalter 2"/>
+          <p:cNvSpPr>
+            <a:spLocks noGrp="1"/>
+          </p:cNvSpPr>
+          <p:nvPr>
+            <p:ph type="body" idx="1"/>
+          </p:nvPr>
+        </p:nvSpPr>
+        <p:spPr/>
+        <p:txBody>
+          <a:bodyPr/>
+          <a:lstStyle/>
+          <a:p>
+            <a:r>
+              <a:rPr lang="de-DE" dirty="0"/>
+              <a:t>Lisa</a:t>
+            </a:r>
+            <a:endParaRPr lang="en-US" dirty="0"/>
+          </a:p>
+        </p:txBody>
+      </p:sp>
+      <p:sp>
+        <p:nvSpPr>
+          <p:cNvPr id="4" name="Foliennummernplatzhalter 3"/>
+          <p:cNvSpPr>
+            <a:spLocks noGrp="1"/>
+          </p:cNvSpPr>
+          <p:nvPr>
+            <p:ph type="sldNum" sz="quarter" idx="5"/>
+          </p:nvPr>
+        </p:nvSpPr>
+        <p:spPr/>
+        <p:txBody>
+          <a:bodyPr/>
+          <a:lstStyle/>
+          <a:p>
+            <a:fld id="{10D08ABD-147D-43D8-AD0E-C56070E2C69D}" type="slidenum">
+              <a:rPr lang="de-DE" smtClean="0"/>
+              <a:t>21</a:t>
+            </a:fld>
+            <a:endParaRPr lang="de-DE"/>
+          </a:p>
+        </p:txBody>
+      </p:sp>
+    </p:spTree>
+    <p:extLst>
+      <p:ext uri="{BB962C8B-B14F-4D97-AF65-F5344CB8AC3E}">
+        <p14:creationId xmlns:p14="http://schemas.microsoft.com/office/powerpoint/2010/main" val="3492478579"/>
+      </p:ext>
+    </p:extLst>
+  </p:cSld>
+  <p:clrMapOvr>
+    <a:masterClrMapping/>
+  </p:clrMapOvr>
+</p:notes>
+</file>
+
+<file path=ppt/notesSlides/notesSlide21.xml><?xml version="1.0" encoding="utf-8"?>
+<p:notes xmlns:a="http://schemas.openxmlformats.org/drawingml/2006/main" xmlns:r="http://schemas.openxmlformats.org/officeDocument/2006/relationships" xmlns:p="http://schemas.openxmlformats.org/presentationml/2006/main">
+  <p:cSld>
+    <p:spTree>
+      <p:nvGrpSpPr>
+        <p:cNvPr id="1" name=""/>
+        <p:cNvGrpSpPr/>
+        <p:nvPr/>
+      </p:nvGrpSpPr>
+      <p:grpSpPr>
+        <a:xfrm>
+          <a:off x="0" y="0"/>
+          <a:ext cx="0" cy="0"/>
+          <a:chOff x="0" y="0"/>
+          <a:chExt cx="0" cy="0"/>
+        </a:xfrm>
+      </p:grpSpPr>
+      <p:sp>
+        <p:nvSpPr>
+          <p:cNvPr id="2" name="Folienbildplatzhalter 1"/>
+          <p:cNvSpPr>
+            <a:spLocks noGrp="1" noRot="1" noChangeAspect="1"/>
+          </p:cNvSpPr>
+          <p:nvPr>
+            <p:ph type="sldImg"/>
+          </p:nvPr>
+        </p:nvSpPr>
+        <p:spPr/>
+      </p:sp>
+      <p:sp>
+        <p:nvSpPr>
+          <p:cNvPr id="3" name="Notizenplatzhalter 2"/>
+          <p:cNvSpPr>
+            <a:spLocks noGrp="1"/>
+          </p:cNvSpPr>
+          <p:nvPr>
+            <p:ph type="body" idx="1"/>
+          </p:nvPr>
+        </p:nvSpPr>
+        <p:spPr/>
+        <p:txBody>
+          <a:bodyPr/>
+          <a:lstStyle/>
+          <a:p>
+            <a:r>
+              <a:rPr lang="de-DE" dirty="0"/>
+              <a:t>Lisa</a:t>
+            </a:r>
+            <a:endParaRPr lang="en-US" dirty="0"/>
+          </a:p>
+        </p:txBody>
+      </p:sp>
+      <p:sp>
+        <p:nvSpPr>
+          <p:cNvPr id="4" name="Foliennummernplatzhalter 3"/>
+          <p:cNvSpPr>
+            <a:spLocks noGrp="1"/>
+          </p:cNvSpPr>
+          <p:nvPr>
+            <p:ph type="sldNum" sz="quarter" idx="5"/>
+          </p:nvPr>
+        </p:nvSpPr>
+        <p:spPr/>
+        <p:txBody>
+          <a:bodyPr/>
+          <a:lstStyle/>
+          <a:p>
+            <a:fld id="{10D08ABD-147D-43D8-AD0E-C56070E2C69D}" type="slidenum">
+              <a:rPr lang="de-DE" smtClean="0"/>
+              <a:t>22</a:t>
+            </a:fld>
+            <a:endParaRPr lang="de-DE"/>
+          </a:p>
+        </p:txBody>
+      </p:sp>
+    </p:spTree>
+    <p:extLst>
+      <p:ext uri="{BB962C8B-B14F-4D97-AF65-F5344CB8AC3E}">
+        <p14:creationId xmlns:p14="http://schemas.microsoft.com/office/powerpoint/2010/main" val="2916017031"/>
+      </p:ext>
+    </p:extLst>
+  </p:cSld>
+  <p:clrMapOvr>
+    <a:masterClrMapping/>
+  </p:clrMapOvr>
+</p:notes>
+</file>
+
+<file path=ppt/notesSlides/notesSlide22.xml><?xml version="1.0" encoding="utf-8"?>
+<p:notes xmlns:a="http://schemas.openxmlformats.org/drawingml/2006/main" xmlns:r="http://schemas.openxmlformats.org/officeDocument/2006/relationships" xmlns:p="http://schemas.openxmlformats.org/presentationml/2006/main">
+  <p:cSld>
+    <p:spTree>
+      <p:nvGrpSpPr>
+        <p:cNvPr id="1" name=""/>
+        <p:cNvGrpSpPr/>
+        <p:nvPr/>
+      </p:nvGrpSpPr>
+      <p:grpSpPr>
+        <a:xfrm>
+          <a:off x="0" y="0"/>
+          <a:ext cx="0" cy="0"/>
+          <a:chOff x="0" y="0"/>
+          <a:chExt cx="0" cy="0"/>
+        </a:xfrm>
+      </p:grpSpPr>
+      <p:sp>
+        <p:nvSpPr>
+          <p:cNvPr id="2" name="Espace réservé de l'image des diapositives 1"/>
+          <p:cNvSpPr>
+            <a:spLocks noGrp="1" noRot="1" noChangeAspect="1"/>
+          </p:cNvSpPr>
+          <p:nvPr>
+            <p:ph type="sldImg"/>
+          </p:nvPr>
+        </p:nvSpPr>
+        <p:spPr/>
+      </p:sp>
+      <p:sp>
+        <p:nvSpPr>
+          <p:cNvPr id="3" name="Espace réservé des commentaires 2"/>
+          <p:cNvSpPr>
+            <a:spLocks noGrp="1"/>
+          </p:cNvSpPr>
+          <p:nvPr>
+            <p:ph type="body" idx="1"/>
+          </p:nvPr>
+        </p:nvSpPr>
+        <p:spPr/>
+        <p:txBody>
+          <a:bodyPr/>
+          <a:lstStyle/>
+          <a:p>
+            <a:r>
+              <a:rPr lang="en-US" dirty="0" err="1"/>
+              <a:t>Hemlata</a:t>
+            </a:r>
+            <a:endParaRPr lang="en-US" dirty="0"/>
+          </a:p>
+        </p:txBody>
+      </p:sp>
+      <p:sp>
+        <p:nvSpPr>
+          <p:cNvPr id="4" name="Espace réservé du numéro de diapositive 3"/>
+          <p:cNvSpPr>
+            <a:spLocks noGrp="1"/>
+          </p:cNvSpPr>
+          <p:nvPr>
+            <p:ph type="sldNum" sz="quarter" idx="10"/>
+          </p:nvPr>
+        </p:nvSpPr>
+        <p:spPr/>
+        <p:txBody>
+          <a:bodyPr/>
+          <a:lstStyle/>
+          <a:p>
+            <a:fld id="{10D08ABD-147D-43D8-AD0E-C56070E2C69D}" type="slidenum">
+              <a:rPr lang="de-DE" smtClean="0"/>
+              <a:t>23</a:t>
+            </a:fld>
+            <a:endParaRPr lang="de-DE"/>
+          </a:p>
+        </p:txBody>
+      </p:sp>
+    </p:spTree>
+    <p:extLst>
+      <p:ext uri="{BB962C8B-B14F-4D97-AF65-F5344CB8AC3E}">
+        <p14:creationId xmlns:p14="http://schemas.microsoft.com/office/powerpoint/2010/main" val="4037023125"/>
+      </p:ext>
+    </p:extLst>
+  </p:cSld>
+  <p:clrMapOvr>
+    <a:masterClrMapping/>
+  </p:clrMapOvr>
+</p:notes>
+</file>
+
+<file path=ppt/notesSlides/notesSlide23.xml><?xml version="1.0" encoding="utf-8"?>
+<p:notes xmlns:a="http://schemas.openxmlformats.org/drawingml/2006/main" xmlns:r="http://schemas.openxmlformats.org/officeDocument/2006/relationships" xmlns:p="http://schemas.openxmlformats.org/presentationml/2006/main">
+  <p:cSld>
+    <p:spTree>
+      <p:nvGrpSpPr>
+        <p:cNvPr id="1" name=""/>
+        <p:cNvGrpSpPr/>
+        <p:nvPr/>
+      </p:nvGrpSpPr>
+      <p:grpSpPr>
+        <a:xfrm>
+          <a:off x="0" y="0"/>
+          <a:ext cx="0" cy="0"/>
+          <a:chOff x="0" y="0"/>
+          <a:chExt cx="0" cy="0"/>
+        </a:xfrm>
+      </p:grpSpPr>
+      <p:sp>
+        <p:nvSpPr>
+          <p:cNvPr id="2" name="Espace réservé de l'image des diapositives 1"/>
+          <p:cNvSpPr>
+            <a:spLocks noGrp="1" noRot="1" noChangeAspect="1"/>
+          </p:cNvSpPr>
+          <p:nvPr>
+            <p:ph type="sldImg"/>
+          </p:nvPr>
+        </p:nvSpPr>
+        <p:spPr/>
+      </p:sp>
+      <p:sp>
+        <p:nvSpPr>
+          <p:cNvPr id="3" name="Espace réservé des commentaires 2"/>
+          <p:cNvSpPr>
+            <a:spLocks noGrp="1"/>
+          </p:cNvSpPr>
+          <p:nvPr>
+            <p:ph type="body" idx="1"/>
+          </p:nvPr>
+        </p:nvSpPr>
+        <p:spPr/>
+        <p:txBody>
+          <a:bodyPr/>
+          <a:lstStyle/>
+          <a:p>
+            <a:pPr marL="0" marR="0" lvl="0" indent="0" algn="l" defTabSz="914400" rtl="0" eaLnBrk="1" fontAlgn="auto" latinLnBrk="0" hangingPunct="1">
+              <a:lnSpc>
+                <a:spcPct val="100000"/>
+              </a:lnSpc>
+              <a:spcBef>
+                <a:spcPts val="0"/>
+              </a:spcBef>
+              <a:spcAft>
+                <a:spcPts val="0"/>
+              </a:spcAft>
+              <a:buClrTx/>
+              <a:buSzTx/>
+              <a:buFontTx/>
+              <a:buNone/>
+              <a:tabLst/>
+              <a:defRPr/>
+            </a:pPr>
+            <a:r>
+              <a:rPr lang="en-US" dirty="0" err="1"/>
+              <a:t>Hemlata</a:t>
+            </a:r>
+            <a:endParaRPr lang="en-US" dirty="0"/>
+          </a:p>
+        </p:txBody>
+      </p:sp>
+      <p:sp>
+        <p:nvSpPr>
+          <p:cNvPr id="4" name="Espace réservé du numéro de diapositive 3"/>
+          <p:cNvSpPr>
+            <a:spLocks noGrp="1"/>
+          </p:cNvSpPr>
+          <p:nvPr>
+            <p:ph type="sldNum" sz="quarter" idx="10"/>
+          </p:nvPr>
+        </p:nvSpPr>
+        <p:spPr/>
+        <p:txBody>
+          <a:bodyPr/>
+          <a:lstStyle/>
+          <a:p>
+            <a:fld id="{10D08ABD-147D-43D8-AD0E-C56070E2C69D}" type="slidenum">
+              <a:rPr lang="de-DE" smtClean="0"/>
+              <a:t>24</a:t>
+            </a:fld>
+            <a:endParaRPr lang="de-DE"/>
+          </a:p>
+        </p:txBody>
+      </p:sp>
+    </p:spTree>
+    <p:extLst>
+      <p:ext uri="{BB962C8B-B14F-4D97-AF65-F5344CB8AC3E}">
+        <p14:creationId xmlns:p14="http://schemas.microsoft.com/office/powerpoint/2010/main" val="4071878624"/>
+      </p:ext>
+    </p:extLst>
+  </p:cSld>
+  <p:clrMapOvr>
+    <a:masterClrMapping/>
+  </p:clrMapOvr>
+</p:notes>
+</file>
+
+<file path=ppt/notesSlides/notesSlide24.xml><?xml version="1.0" encoding="utf-8"?>
+<p:notes xmlns:a="http://schemas.openxmlformats.org/drawingml/2006/main" xmlns:r="http://schemas.openxmlformats.org/officeDocument/2006/relationships" xmlns:p="http://schemas.openxmlformats.org/presentationml/2006/main">
+  <p:cSld>
+    <p:spTree>
+      <p:nvGrpSpPr>
+        <p:cNvPr id="1" name=""/>
+        <p:cNvGrpSpPr/>
+        <p:nvPr/>
+      </p:nvGrpSpPr>
+      <p:grpSpPr>
+        <a:xfrm>
+          <a:off x="0" y="0"/>
+          <a:ext cx="0" cy="0"/>
+          <a:chOff x="0" y="0"/>
+          <a:chExt cx="0" cy="0"/>
+        </a:xfrm>
+      </p:grpSpPr>
+      <p:sp>
+        <p:nvSpPr>
+          <p:cNvPr id="2" name="Folienbildplatzhalter 1"/>
+          <p:cNvSpPr>
+            <a:spLocks noGrp="1" noRot="1" noChangeAspect="1"/>
+          </p:cNvSpPr>
+          <p:nvPr>
+            <p:ph type="sldImg"/>
+          </p:nvPr>
+        </p:nvSpPr>
+        <p:spPr/>
+      </p:sp>
+      <p:sp>
+        <p:nvSpPr>
+          <p:cNvPr id="3" name="Notizenplatzhalter 2"/>
+          <p:cNvSpPr>
+            <a:spLocks noGrp="1"/>
+          </p:cNvSpPr>
+          <p:nvPr>
+            <p:ph type="body" idx="1"/>
+          </p:nvPr>
+        </p:nvSpPr>
+        <p:spPr/>
+        <p:txBody>
+          <a:bodyPr/>
+          <a:lstStyle/>
+          <a:p>
+            <a:r>
+              <a:rPr lang="de-DE" dirty="0"/>
+              <a:t>Till</a:t>
+            </a:r>
+            <a:endParaRPr lang="en-US" dirty="0"/>
+          </a:p>
+        </p:txBody>
+      </p:sp>
+      <p:sp>
+        <p:nvSpPr>
+          <p:cNvPr id="4" name="Foliennummernplatzhalter 3"/>
+          <p:cNvSpPr>
+            <a:spLocks noGrp="1"/>
+          </p:cNvSpPr>
+          <p:nvPr>
+            <p:ph type="sldNum" sz="quarter" idx="5"/>
+          </p:nvPr>
+        </p:nvSpPr>
+        <p:spPr/>
+        <p:txBody>
+          <a:bodyPr/>
+          <a:lstStyle/>
+          <a:p>
+            <a:fld id="{10D08ABD-147D-43D8-AD0E-C56070E2C69D}" type="slidenum">
+              <a:rPr lang="de-DE" smtClean="0"/>
+              <a:t>25</a:t>
+            </a:fld>
+            <a:endParaRPr lang="de-DE"/>
+          </a:p>
+        </p:txBody>
+      </p:sp>
+    </p:spTree>
+    <p:extLst>
+      <p:ext uri="{BB962C8B-B14F-4D97-AF65-F5344CB8AC3E}">
+        <p14:creationId xmlns:p14="http://schemas.microsoft.com/office/powerpoint/2010/main" val="228222005"/>
+      </p:ext>
+    </p:extLst>
+  </p:cSld>
+  <p:clrMapOvr>
+    <a:masterClrMapping/>
+  </p:clrMapOvr>
+</p:notes>
+</file>
+
+<file path=ppt/notesSlides/notesSlide25.xml><?xml version="1.0" encoding="utf-8"?>
+<p:notes xmlns:a="http://schemas.openxmlformats.org/drawingml/2006/main" xmlns:r="http://schemas.openxmlformats.org/officeDocument/2006/relationships" xmlns:p="http://schemas.openxmlformats.org/presentationml/2006/main">
+  <p:cSld>
+    <p:spTree>
+      <p:nvGrpSpPr>
+        <p:cNvPr id="1" name=""/>
+        <p:cNvGrpSpPr/>
+        <p:nvPr/>
+      </p:nvGrpSpPr>
+      <p:grpSpPr>
+        <a:xfrm>
+          <a:off x="0" y="0"/>
+          <a:ext cx="0" cy="0"/>
+          <a:chOff x="0" y="0"/>
+          <a:chExt cx="0" cy="0"/>
+        </a:xfrm>
+      </p:grpSpPr>
+      <p:sp>
+        <p:nvSpPr>
+          <p:cNvPr id="2" name="Folienbildplatzhalter 1"/>
+          <p:cNvSpPr>
+            <a:spLocks noGrp="1" noRot="1" noChangeAspect="1"/>
+          </p:cNvSpPr>
+          <p:nvPr>
+            <p:ph type="sldImg"/>
+          </p:nvPr>
+        </p:nvSpPr>
+        <p:spPr/>
+      </p:sp>
+      <p:sp>
+        <p:nvSpPr>
+          <p:cNvPr id="3" name="Notizenplatzhalter 2"/>
+          <p:cNvSpPr>
+            <a:spLocks noGrp="1"/>
+          </p:cNvSpPr>
+          <p:nvPr>
+            <p:ph type="body" idx="1"/>
+          </p:nvPr>
+        </p:nvSpPr>
+        <p:spPr/>
+        <p:txBody>
+          <a:bodyPr/>
+          <a:lstStyle/>
+          <a:p>
+            <a:r>
+              <a:rPr lang="de-DE" dirty="0"/>
+              <a:t>Lisa</a:t>
+            </a:r>
+          </a:p>
+        </p:txBody>
+      </p:sp>
+      <p:sp>
+        <p:nvSpPr>
+          <p:cNvPr id="4" name="Foliennummernplatzhalter 3"/>
+          <p:cNvSpPr>
+            <a:spLocks noGrp="1"/>
+          </p:cNvSpPr>
+          <p:nvPr>
+            <p:ph type="sldNum" sz="quarter" idx="5"/>
+          </p:nvPr>
+        </p:nvSpPr>
+        <p:spPr/>
+        <p:txBody>
+          <a:bodyPr/>
+          <a:lstStyle/>
+          <a:p>
+            <a:fld id="{10D08ABD-147D-43D8-AD0E-C56070E2C69D}" type="slidenum">
+              <a:rPr lang="de-DE" smtClean="0"/>
+              <a:t>26</a:t>
+            </a:fld>
+            <a:endParaRPr lang="de-DE"/>
+          </a:p>
+        </p:txBody>
+      </p:sp>
+    </p:spTree>
+    <p:extLst>
+      <p:ext uri="{BB962C8B-B14F-4D97-AF65-F5344CB8AC3E}">
+        <p14:creationId xmlns:p14="http://schemas.microsoft.com/office/powerpoint/2010/main" val="3234012776"/>
+      </p:ext>
+    </p:extLst>
+  </p:cSld>
+  <p:clrMapOvr>
+    <a:masterClrMapping/>
+  </p:clrMapOvr>
+</p:notes>
+</file>
+
+<file path=ppt/notesSlides/notesSlide26.xml><?xml version="1.0" encoding="utf-8"?>
+<p:notes xmlns:a="http://schemas.openxmlformats.org/drawingml/2006/main" xmlns:r="http://schemas.openxmlformats.org/officeDocument/2006/relationships" xmlns:p="http://schemas.openxmlformats.org/presentationml/2006/main">
+  <p:cSld>
+    <p:spTree>
+      <p:nvGrpSpPr>
+        <p:cNvPr id="1" name=""/>
+        <p:cNvGrpSpPr/>
+        <p:nvPr/>
+      </p:nvGrpSpPr>
+      <p:grpSpPr>
+        <a:xfrm>
+          <a:off x="0" y="0"/>
+          <a:ext cx="0" cy="0"/>
+          <a:chOff x="0" y="0"/>
+          <a:chExt cx="0" cy="0"/>
+        </a:xfrm>
+      </p:grpSpPr>
+      <p:sp>
+        <p:nvSpPr>
+          <p:cNvPr id="2" name="Folienbildplatzhalter 1"/>
+          <p:cNvSpPr>
+            <a:spLocks noGrp="1" noRot="1" noChangeAspect="1"/>
+          </p:cNvSpPr>
+          <p:nvPr>
+            <p:ph type="sldImg"/>
+          </p:nvPr>
+        </p:nvSpPr>
+        <p:spPr/>
+      </p:sp>
+      <p:sp>
+        <p:nvSpPr>
+          <p:cNvPr id="3" name="Notizenplatzhalter 2"/>
+          <p:cNvSpPr>
+            <a:spLocks noGrp="1"/>
+          </p:cNvSpPr>
+          <p:nvPr>
+            <p:ph type="body" idx="1"/>
+          </p:nvPr>
+        </p:nvSpPr>
+        <p:spPr/>
+        <p:txBody>
+          <a:bodyPr/>
+          <a:lstStyle/>
+          <a:p>
+            <a:r>
+              <a:rPr lang="de-DE" dirty="0"/>
+              <a:t>Lisa</a:t>
+            </a:r>
+            <a:endParaRPr lang="en-US" dirty="0"/>
+          </a:p>
+        </p:txBody>
+      </p:sp>
+      <p:sp>
+        <p:nvSpPr>
+          <p:cNvPr id="4" name="Foliennummernplatzhalter 3"/>
+          <p:cNvSpPr>
+            <a:spLocks noGrp="1"/>
+          </p:cNvSpPr>
+          <p:nvPr>
+            <p:ph type="sldNum" sz="quarter" idx="5"/>
+          </p:nvPr>
+        </p:nvSpPr>
+        <p:spPr/>
+        <p:txBody>
+          <a:bodyPr/>
+          <a:lstStyle/>
+          <a:p>
+            <a:fld id="{10D08ABD-147D-43D8-AD0E-C56070E2C69D}" type="slidenum">
+              <a:rPr lang="de-DE" smtClean="0"/>
+              <a:t>27</a:t>
+            </a:fld>
+            <a:endParaRPr lang="de-DE"/>
+          </a:p>
+        </p:txBody>
+      </p:sp>
+    </p:spTree>
+    <p:extLst>
+      <p:ext uri="{BB962C8B-B14F-4D97-AF65-F5344CB8AC3E}">
+        <p14:creationId xmlns:p14="http://schemas.microsoft.com/office/powerpoint/2010/main" val="923184506"/>
+      </p:ext>
+    </p:extLst>
+  </p:cSld>
+  <p:clrMapOvr>
+    <a:masterClrMapping/>
+  </p:clrMapOvr>
+</p:notes>
+</file>
+
+<file path=ppt/notesSlides/notesSlide27.xml><?xml version="1.0" encoding="utf-8"?>
+<p:notes xmlns:a="http://schemas.openxmlformats.org/drawingml/2006/main" xmlns:r="http://schemas.openxmlformats.org/officeDocument/2006/relationships" xmlns:p="http://schemas.openxmlformats.org/presentationml/2006/main">
+  <p:cSld>
+    <p:spTree>
+      <p:nvGrpSpPr>
+        <p:cNvPr id="1" name=""/>
+        <p:cNvGrpSpPr/>
+        <p:nvPr/>
+      </p:nvGrpSpPr>
+      <p:grpSpPr>
+        <a:xfrm>
+          <a:off x="0" y="0"/>
+          <a:ext cx="0" cy="0"/>
+          <a:chOff x="0" y="0"/>
+          <a:chExt cx="0" cy="0"/>
+        </a:xfrm>
+      </p:grpSpPr>
+      <p:sp>
+        <p:nvSpPr>
+          <p:cNvPr id="2" name="Folienbildplatzhalter 1"/>
+          <p:cNvSpPr>
+            <a:spLocks noGrp="1" noRot="1" noChangeAspect="1"/>
+          </p:cNvSpPr>
+          <p:nvPr>
+            <p:ph type="sldImg"/>
+          </p:nvPr>
+        </p:nvSpPr>
+        <p:spPr/>
+      </p:sp>
+      <p:sp>
+        <p:nvSpPr>
+          <p:cNvPr id="3" name="Notizenplatzhalter 2"/>
+          <p:cNvSpPr>
+            <a:spLocks noGrp="1"/>
+          </p:cNvSpPr>
+          <p:nvPr>
+            <p:ph type="body" idx="1"/>
+          </p:nvPr>
+        </p:nvSpPr>
+        <p:spPr/>
+        <p:txBody>
+          <a:bodyPr/>
+          <a:lstStyle/>
+          <a:p>
+            <a:r>
+              <a:rPr lang="de-DE" dirty="0"/>
+              <a:t>All</a:t>
+            </a:r>
+          </a:p>
+        </p:txBody>
+      </p:sp>
+      <p:sp>
+        <p:nvSpPr>
+          <p:cNvPr id="4" name="Foliennummernplatzhalter 3"/>
+          <p:cNvSpPr>
+            <a:spLocks noGrp="1"/>
+          </p:cNvSpPr>
+          <p:nvPr>
+            <p:ph type="sldNum" sz="quarter" idx="5"/>
+          </p:nvPr>
+        </p:nvSpPr>
+        <p:spPr/>
+        <p:txBody>
+          <a:bodyPr/>
+          <a:lstStyle/>
+          <a:p>
+            <a:fld id="{10D08ABD-147D-43D8-AD0E-C56070E2C69D}" type="slidenum">
+              <a:rPr lang="de-DE" smtClean="0"/>
+              <a:t>28</a:t>
+            </a:fld>
+            <a:endParaRPr lang="de-DE"/>
+          </a:p>
+        </p:txBody>
+      </p:sp>
+    </p:spTree>
+    <p:extLst>
+      <p:ext uri="{BB962C8B-B14F-4D97-AF65-F5344CB8AC3E}">
+        <p14:creationId xmlns:p14="http://schemas.microsoft.com/office/powerpoint/2010/main" val="3239764954"/>
       </p:ext>
     </p:extLst>
   </p:cSld>
@@ -2365,7 +3255,7 @@
           <a:p>
             <a:r>
               <a:rPr lang="de-DE" dirty="0"/>
-              <a:t>Sergej</a:t>
+              <a:t>Khaled</a:t>
             </a:r>
           </a:p>
         </p:txBody>
@@ -2387,7 +3277,7 @@
           <a:p>
             <a:fld id="{10D08ABD-147D-43D8-AD0E-C56070E2C69D}" type="slidenum">
               <a:rPr lang="de-DE" smtClean="0"/>
-              <a:t>5</a:t>
+              <a:t>4</a:t>
             </a:fld>
             <a:endParaRPr lang="de-DE"/>
           </a:p>
@@ -2396,7 +3286,7 @@
     </p:spTree>
     <p:extLst>
       <p:ext uri="{BB962C8B-B14F-4D97-AF65-F5344CB8AC3E}">
-        <p14:creationId xmlns:p14="http://schemas.microsoft.com/office/powerpoint/2010/main" val="2031205997"/>
+        <p14:creationId xmlns:p14="http://schemas.microsoft.com/office/powerpoint/2010/main" val="1712933737"/>
       </p:ext>
     </p:extLst>
   </p:cSld>
@@ -2452,7 +3342,7 @@
           <a:p>
             <a:r>
               <a:rPr lang="de-DE" dirty="0"/>
-              <a:t>Martin</a:t>
+              <a:t>Khaled</a:t>
             </a:r>
           </a:p>
         </p:txBody>
@@ -2474,7 +3364,7 @@
           <a:p>
             <a:fld id="{10D08ABD-147D-43D8-AD0E-C56070E2C69D}" type="slidenum">
               <a:rPr lang="de-DE" smtClean="0"/>
-              <a:t>6</a:t>
+              <a:t>5</a:t>
             </a:fld>
             <a:endParaRPr lang="de-DE"/>
           </a:p>
@@ -2483,7 +3373,7 @@
     </p:spTree>
     <p:extLst>
       <p:ext uri="{BB962C8B-B14F-4D97-AF65-F5344CB8AC3E}">
-        <p14:creationId xmlns:p14="http://schemas.microsoft.com/office/powerpoint/2010/main" val="3352847751"/>
+        <p14:creationId xmlns:p14="http://schemas.microsoft.com/office/powerpoint/2010/main" val="2031205997"/>
       </p:ext>
     </p:extLst>
   </p:cSld>
@@ -2539,7 +3429,7 @@
           <a:p>
             <a:r>
               <a:rPr lang="de-DE" dirty="0"/>
-              <a:t>Sergej</a:t>
+              <a:t>Khaled</a:t>
             </a:r>
           </a:p>
         </p:txBody>
@@ -2561,7 +3451,7 @@
           <a:p>
             <a:fld id="{10D08ABD-147D-43D8-AD0E-C56070E2C69D}" type="slidenum">
               <a:rPr lang="de-DE" smtClean="0"/>
-              <a:t>7</a:t>
+              <a:t>6</a:t>
             </a:fld>
             <a:endParaRPr lang="de-DE"/>
           </a:p>
@@ -2570,7 +3460,7 @@
     </p:spTree>
     <p:extLst>
       <p:ext uri="{BB962C8B-B14F-4D97-AF65-F5344CB8AC3E}">
-        <p14:creationId xmlns:p14="http://schemas.microsoft.com/office/powerpoint/2010/main" val="2726345927"/>
+        <p14:creationId xmlns:p14="http://schemas.microsoft.com/office/powerpoint/2010/main" val="3352847751"/>
       </p:ext>
     </p:extLst>
   </p:cSld>
@@ -2626,7 +3516,7 @@
           <a:p>
             <a:r>
               <a:rPr lang="de-DE" dirty="0"/>
-              <a:t>Sergej</a:t>
+              <a:t>Khaled</a:t>
             </a:r>
           </a:p>
         </p:txBody>
@@ -2648,7 +3538,7 @@
           <a:p>
             <a:fld id="{10D08ABD-147D-43D8-AD0E-C56070E2C69D}" type="slidenum">
               <a:rPr lang="de-DE" smtClean="0"/>
-              <a:t>8</a:t>
+              <a:t>7</a:t>
             </a:fld>
             <a:endParaRPr lang="de-DE"/>
           </a:p>
@@ -2657,7 +3547,7 @@
     </p:spTree>
     <p:extLst>
       <p:ext uri="{BB962C8B-B14F-4D97-AF65-F5344CB8AC3E}">
-        <p14:creationId xmlns:p14="http://schemas.microsoft.com/office/powerpoint/2010/main" val="289808041"/>
+        <p14:creationId xmlns:p14="http://schemas.microsoft.com/office/powerpoint/2010/main" val="2726345927"/>
       </p:ext>
     </p:extLst>
   </p:cSld>
@@ -2713,7 +3603,7 @@
           <a:p>
             <a:r>
               <a:rPr lang="de-DE" dirty="0"/>
-              <a:t>Sergej</a:t>
+              <a:t>Khaled</a:t>
             </a:r>
           </a:p>
         </p:txBody>
@@ -2735,7 +3625,7 @@
           <a:p>
             <a:fld id="{10D08ABD-147D-43D8-AD0E-C56070E2C69D}" type="slidenum">
               <a:rPr lang="de-DE" smtClean="0"/>
-              <a:t>9</a:t>
+              <a:t>8</a:t>
             </a:fld>
             <a:endParaRPr lang="de-DE"/>
           </a:p>
@@ -2744,7 +3634,7 @@
     </p:spTree>
     <p:extLst>
       <p:ext uri="{BB962C8B-B14F-4D97-AF65-F5344CB8AC3E}">
-        <p14:creationId xmlns:p14="http://schemas.microsoft.com/office/powerpoint/2010/main" val="3612216237"/>
+        <p14:creationId xmlns:p14="http://schemas.microsoft.com/office/powerpoint/2010/main" val="289808041"/>
       </p:ext>
     </p:extLst>
   </p:cSld>
@@ -2800,7 +3690,7 @@
           <a:p>
             <a:r>
               <a:rPr lang="de-DE" dirty="0"/>
-              <a:t>Sergej</a:t>
+              <a:t>Khaled</a:t>
             </a:r>
           </a:p>
         </p:txBody>
@@ -2822,7 +3712,7 @@
           <a:p>
             <a:fld id="{10D08ABD-147D-43D8-AD0E-C56070E2C69D}" type="slidenum">
               <a:rPr lang="de-DE" smtClean="0"/>
-              <a:t>10</a:t>
+              <a:t>9</a:t>
             </a:fld>
             <a:endParaRPr lang="de-DE"/>
           </a:p>
@@ -2831,7 +3721,7 @@
     </p:spTree>
     <p:extLst>
       <p:ext uri="{BB962C8B-B14F-4D97-AF65-F5344CB8AC3E}">
-        <p14:creationId xmlns:p14="http://schemas.microsoft.com/office/powerpoint/2010/main" val="377713378"/>
+        <p14:creationId xmlns:p14="http://schemas.microsoft.com/office/powerpoint/2010/main" val="3612216237"/>
       </p:ext>
     </p:extLst>
   </p:cSld>
@@ -2887,7 +3777,7 @@
           <a:p>
             <a:r>
               <a:rPr lang="de-DE" dirty="0"/>
-              <a:t>Khaled, Lisa</a:t>
+              <a:t>Khaled</a:t>
             </a:r>
           </a:p>
         </p:txBody>
@@ -2909,7 +3799,7 @@
           <a:p>
             <a:fld id="{10D08ABD-147D-43D8-AD0E-C56070E2C69D}" type="slidenum">
               <a:rPr lang="de-DE" smtClean="0"/>
-              <a:t>14</a:t>
+              <a:t>10</a:t>
             </a:fld>
             <a:endParaRPr lang="de-DE"/>
           </a:p>
@@ -2918,7 +3808,7 @@
     </p:spTree>
     <p:extLst>
       <p:ext uri="{BB962C8B-B14F-4D97-AF65-F5344CB8AC3E}">
-        <p14:creationId xmlns:p14="http://schemas.microsoft.com/office/powerpoint/2010/main" val="409149639"/>
+        <p14:creationId xmlns:p14="http://schemas.microsoft.com/office/powerpoint/2010/main" val="377713378"/>
       </p:ext>
     </p:extLst>
   </p:cSld>
@@ -3073,9 +3963,9 @@
           <a:bodyPr/>
           <a:lstStyle/>
           <a:p>
-            <a:fld id="{0BE53A1E-06E4-4C2E-89F2-9370B10FF3AC}" type="datetime1">
+            <a:fld id="{7ABF9344-E2D6-41B8-8336-B38128CBBEFE}" type="datetime1">
               <a:rPr lang="de-DE" smtClean="0"/>
-              <a:t>08.07.20</a:t>
+              <a:t>08.07.2020</a:t>
             </a:fld>
             <a:endParaRPr lang="de-DE" dirty="0"/>
           </a:p>
@@ -3104,7 +3994,7 @@
           <a:p>
             <a:r>
               <a:rPr lang="de-DE"/>
-              <a:t>Lisa Boos, Khaled Jallouli, Sergej Dechant, Martin Schmid</a:t>
+              <a:t>Lisa Boos, Till Hoffmann, Khaled Jallouli, Hemlata Prajapati</a:t>
             </a:r>
             <a:endParaRPr lang="de-DE" dirty="0"/>
           </a:p>
@@ -3141,7 +4031,7 @@
           <a:p>
             <a:fld id="{9A48FC86-4651-46AF-9E4A-D3FC30E17613}" type="slidenum">
               <a:rPr lang="de-DE" smtClean="0"/>
-              <a:t>‹#›</a:t>
+              <a:t>‹Nr.›</a:t>
             </a:fld>
             <a:endParaRPr lang="de-DE"/>
           </a:p>
@@ -3283,9 +4173,9 @@
           <a:bodyPr/>
           <a:lstStyle/>
           <a:p>
-            <a:fld id="{97DCCE8C-7C19-4CE2-849C-730D9D984115}" type="datetime1">
+            <a:fld id="{92D88334-638A-4E37-A722-9BFF55B4E2BD}" type="datetime1">
               <a:rPr lang="de-DE" smtClean="0"/>
-              <a:t>08.07.20</a:t>
+              <a:t>08.07.2020</a:t>
             </a:fld>
             <a:endParaRPr lang="de-DE"/>
           </a:p>
@@ -3314,7 +4204,7 @@
           <a:p>
             <a:r>
               <a:rPr lang="de-DE"/>
-              <a:t>Lisa Boos, Khaled Jallouli, Sergej Dechant, Martin Schmid</a:t>
+              <a:t>Lisa Boos, Till Hoffmann, Khaled Jallouli, Hemlata Prajapati</a:t>
             </a:r>
           </a:p>
         </p:txBody>
@@ -3350,7 +4240,7 @@
           <a:p>
             <a:fld id="{9A48FC86-4651-46AF-9E4A-D3FC30E17613}" type="slidenum">
               <a:rPr lang="de-DE" smtClean="0"/>
-              <a:t>‹#›</a:t>
+              <a:t>‹Nr.›</a:t>
             </a:fld>
             <a:endParaRPr lang="de-DE"/>
           </a:p>
@@ -3502,9 +4392,9 @@
           <a:bodyPr/>
           <a:lstStyle/>
           <a:p>
-            <a:fld id="{221A1AFA-2D7A-4A35-B2E9-5179FAD91C9A}" type="datetime1">
+            <a:fld id="{A307E243-58B9-4062-B4DD-2FC86F3FE2CE}" type="datetime1">
               <a:rPr lang="de-DE" smtClean="0"/>
-              <a:t>08.07.20</a:t>
+              <a:t>08.07.2020</a:t>
             </a:fld>
             <a:endParaRPr lang="de-DE"/>
           </a:p>
@@ -3533,7 +4423,7 @@
           <a:p>
             <a:r>
               <a:rPr lang="de-DE"/>
-              <a:t>Lisa Boos, Khaled Jallouli, Sergej Dechant, Martin Schmid</a:t>
+              <a:t>Lisa Boos, Till Hoffmann, Khaled Jallouli, Hemlata Prajapati</a:t>
             </a:r>
           </a:p>
         </p:txBody>
@@ -3569,7 +4459,7 @@
           <a:p>
             <a:fld id="{9A48FC86-4651-46AF-9E4A-D3FC30E17613}" type="slidenum">
               <a:rPr lang="de-DE" smtClean="0"/>
-              <a:t>‹#›</a:t>
+              <a:t>‹Nr.›</a:t>
             </a:fld>
             <a:endParaRPr lang="de-DE"/>
           </a:p>
@@ -3711,9 +4601,9 @@
           <a:bodyPr/>
           <a:lstStyle/>
           <a:p>
-            <a:fld id="{C0D11AC0-B5D5-4B5F-9ECB-B7E6CF8984ED}" type="datetime1">
+            <a:fld id="{D3B4A22E-EFB2-4269-B19E-F96688142D44}" type="datetime1">
               <a:rPr lang="de-DE" smtClean="0"/>
-              <a:t>08.07.20</a:t>
+              <a:t>08.07.2020</a:t>
             </a:fld>
             <a:endParaRPr lang="de-DE"/>
           </a:p>
@@ -3742,7 +4632,7 @@
           <a:p>
             <a:r>
               <a:rPr lang="de-DE"/>
-              <a:t>Lisa Boos, Khaled Jallouli, Sergej Dechant, Martin Schmid</a:t>
+              <a:t>Lisa Boos, Till Hoffmann, Khaled Jallouli, Hemlata Prajapati</a:t>
             </a:r>
           </a:p>
         </p:txBody>
@@ -3778,7 +4668,7 @@
           <a:p>
             <a:fld id="{9A48FC86-4651-46AF-9E4A-D3FC30E17613}" type="slidenum">
               <a:rPr lang="de-DE" smtClean="0"/>
-              <a:t>‹#›</a:t>
+              <a:t>‹Nr.›</a:t>
             </a:fld>
             <a:endParaRPr lang="de-DE"/>
           </a:p>
@@ -3997,9 +4887,9 @@
           <a:bodyPr/>
           <a:lstStyle/>
           <a:p>
-            <a:fld id="{0123EED1-A1E1-4DB9-BAD8-427B5E5A78DA}" type="datetime1">
+            <a:fld id="{E57F6921-F63E-4D78-B944-128566970DF6}" type="datetime1">
               <a:rPr lang="de-DE" smtClean="0"/>
-              <a:t>08.07.20</a:t>
+              <a:t>08.07.2020</a:t>
             </a:fld>
             <a:endParaRPr lang="de-DE"/>
           </a:p>
@@ -4028,7 +4918,7 @@
           <a:p>
             <a:r>
               <a:rPr lang="de-DE"/>
-              <a:t>Lisa Boos, Khaled Jallouli, Sergej Dechant, Martin Schmid</a:t>
+              <a:t>Lisa Boos, Till Hoffmann, Khaled Jallouli, Hemlata Prajapati</a:t>
             </a:r>
           </a:p>
         </p:txBody>
@@ -4064,7 +4954,7 @@
           <a:p>
             <a:fld id="{9A48FC86-4651-46AF-9E4A-D3FC30E17613}" type="slidenum">
               <a:rPr lang="de-DE" smtClean="0"/>
-              <a:t>‹#›</a:t>
+              <a:t>‹Nr.›</a:t>
             </a:fld>
             <a:endParaRPr lang="de-DE"/>
           </a:p>
@@ -4273,9 +5163,9 @@
           <a:bodyPr/>
           <a:lstStyle/>
           <a:p>
-            <a:fld id="{C0292DAF-4A36-4066-A6DB-535EF8475358}" type="datetime1">
+            <a:fld id="{53F7DFF1-5CF9-4DD8-B5A5-322A26530AEA}" type="datetime1">
               <a:rPr lang="de-DE" smtClean="0"/>
-              <a:t>08.07.20</a:t>
+              <a:t>08.07.2020</a:t>
             </a:fld>
             <a:endParaRPr lang="de-DE"/>
           </a:p>
@@ -4304,7 +5194,7 @@
           <a:p>
             <a:r>
               <a:rPr lang="de-DE"/>
-              <a:t>Lisa Boos, Khaled Jallouli, Sergej Dechant, Martin Schmid</a:t>
+              <a:t>Lisa Boos, Till Hoffmann, Khaled Jallouli, Hemlata Prajapati</a:t>
             </a:r>
           </a:p>
         </p:txBody>
@@ -4340,7 +5230,7 @@
           <a:p>
             <a:fld id="{9A48FC86-4651-46AF-9E4A-D3FC30E17613}" type="slidenum">
               <a:rPr lang="de-DE" smtClean="0"/>
-              <a:t>‹#›</a:t>
+              <a:t>‹Nr.›</a:t>
             </a:fld>
             <a:endParaRPr lang="de-DE"/>
           </a:p>
@@ -4696,9 +5586,9 @@
           <a:bodyPr/>
           <a:lstStyle/>
           <a:p>
-            <a:fld id="{082539BE-CECA-45E4-BBE9-22C1404E74AB}" type="datetime1">
+            <a:fld id="{B4AC1EFC-A134-49D1-A96F-8F166B05C93E}" type="datetime1">
               <a:rPr lang="de-DE" smtClean="0"/>
-              <a:t>08.07.20</a:t>
+              <a:t>08.07.2020</a:t>
             </a:fld>
             <a:endParaRPr lang="de-DE"/>
           </a:p>
@@ -4727,7 +5617,7 @@
           <a:p>
             <a:r>
               <a:rPr lang="de-DE"/>
-              <a:t>Lisa Boos, Khaled Jallouli, Sergej Dechant, Martin Schmid</a:t>
+              <a:t>Lisa Boos, Till Hoffmann, Khaled Jallouli, Hemlata Prajapati</a:t>
             </a:r>
           </a:p>
         </p:txBody>
@@ -4763,7 +5653,7 @@
           <a:p>
             <a:fld id="{9A48FC86-4651-46AF-9E4A-D3FC30E17613}" type="slidenum">
               <a:rPr lang="de-DE" smtClean="0"/>
-              <a:t>‹#›</a:t>
+              <a:t>‹Nr.›</a:t>
             </a:fld>
             <a:endParaRPr lang="de-DE"/>
           </a:p>
@@ -4848,9 +5738,9 @@
           <a:bodyPr/>
           <a:lstStyle/>
           <a:p>
-            <a:fld id="{7AFFB96A-BCEB-45BA-8370-8CD7A48406BE}" type="datetime1">
+            <a:fld id="{4268A0E3-80E2-4119-B122-D6E1EA8E4290}" type="datetime1">
               <a:rPr lang="de-DE" smtClean="0"/>
-              <a:t>08.07.20</a:t>
+              <a:t>08.07.2020</a:t>
             </a:fld>
             <a:endParaRPr lang="de-DE"/>
           </a:p>
@@ -4879,7 +5769,7 @@
           <a:p>
             <a:r>
               <a:rPr lang="de-DE"/>
-              <a:t>Lisa Boos, Khaled Jallouli, Sergej Dechant, Martin Schmid</a:t>
+              <a:t>Lisa Boos, Till Hoffmann, Khaled Jallouli, Hemlata Prajapati</a:t>
             </a:r>
           </a:p>
         </p:txBody>
@@ -4915,7 +5805,7 @@
           <a:p>
             <a:fld id="{9A48FC86-4651-46AF-9E4A-D3FC30E17613}" type="slidenum">
               <a:rPr lang="de-DE" smtClean="0"/>
-              <a:t>‹#›</a:t>
+              <a:t>‹Nr.›</a:t>
             </a:fld>
             <a:endParaRPr lang="de-DE"/>
           </a:p>
@@ -4972,9 +5862,9 @@
           <a:bodyPr/>
           <a:lstStyle/>
           <a:p>
-            <a:fld id="{DE3AD3D5-E4EA-4F9D-AD7B-23F76A457472}" type="datetime1">
+            <a:fld id="{12689309-06AD-42C7-B6C4-9C57374B3903}" type="datetime1">
               <a:rPr lang="de-DE" smtClean="0"/>
-              <a:t>08.07.20</a:t>
+              <a:t>08.07.2020</a:t>
             </a:fld>
             <a:endParaRPr lang="de-DE"/>
           </a:p>
@@ -5003,7 +5893,7 @@
           <a:p>
             <a:r>
               <a:rPr lang="de-DE"/>
-              <a:t>Lisa Boos, Khaled Jallouli, Sergej Dechant, Martin Schmid</a:t>
+              <a:t>Lisa Boos, Till Hoffmann, Khaled Jallouli, Hemlata Prajapati</a:t>
             </a:r>
           </a:p>
         </p:txBody>
@@ -5039,7 +5929,7 @@
           <a:p>
             <a:fld id="{9A48FC86-4651-46AF-9E4A-D3FC30E17613}" type="slidenum">
               <a:rPr lang="de-DE" smtClean="0"/>
-              <a:t>‹#›</a:t>
+              <a:t>‹Nr.›</a:t>
             </a:fld>
             <a:endParaRPr lang="de-DE"/>
           </a:p>
@@ -5294,9 +6184,9 @@
           <a:bodyPr/>
           <a:lstStyle/>
           <a:p>
-            <a:fld id="{85B45B05-9F08-4563-869B-61599241AF1E}" type="datetime1">
+            <a:fld id="{88D297F6-F1B5-474E-9B8C-816C396AE099}" type="datetime1">
               <a:rPr lang="de-DE" smtClean="0"/>
-              <a:t>08.07.20</a:t>
+              <a:t>08.07.2020</a:t>
             </a:fld>
             <a:endParaRPr lang="de-DE"/>
           </a:p>
@@ -5325,7 +6215,7 @@
           <a:p>
             <a:r>
               <a:rPr lang="de-DE"/>
-              <a:t>Lisa Boos, Khaled Jallouli, Sergej Dechant, Martin Schmid</a:t>
+              <a:t>Lisa Boos, Till Hoffmann, Khaled Jallouli, Hemlata Prajapati</a:t>
             </a:r>
           </a:p>
         </p:txBody>
@@ -5361,7 +6251,7 @@
           <a:p>
             <a:fld id="{9A48FC86-4651-46AF-9E4A-D3FC30E17613}" type="slidenum">
               <a:rPr lang="de-DE" smtClean="0"/>
-              <a:t>‹#›</a:t>
+              <a:t>‹Nr.›</a:t>
             </a:fld>
             <a:endParaRPr lang="de-DE"/>
           </a:p>
@@ -5593,9 +6483,9 @@
           <a:bodyPr/>
           <a:lstStyle/>
           <a:p>
-            <a:fld id="{D652A3BE-F7B5-4A63-8062-DDAA4613127D}" type="datetime1">
+            <a:fld id="{F529DD80-3AD9-468C-8F3F-44249342E2F9}" type="datetime1">
               <a:rPr lang="de-DE" smtClean="0"/>
-              <a:t>08.07.20</a:t>
+              <a:t>08.07.2020</a:t>
             </a:fld>
             <a:endParaRPr lang="de-DE"/>
           </a:p>
@@ -5624,7 +6514,7 @@
           <a:p>
             <a:r>
               <a:rPr lang="de-DE"/>
-              <a:t>Lisa Boos, Khaled Jallouli, Sergej Dechant, Martin Schmid</a:t>
+              <a:t>Lisa Boos, Till Hoffmann, Khaled Jallouli, Hemlata Prajapati</a:t>
             </a:r>
           </a:p>
         </p:txBody>
@@ -5660,7 +6550,7 @@
           <a:p>
             <a:fld id="{9A48FC86-4651-46AF-9E4A-D3FC30E17613}" type="slidenum">
               <a:rPr lang="de-DE" smtClean="0"/>
-              <a:t>‹#›</a:t>
+              <a:t>‹Nr.›</a:t>
             </a:fld>
             <a:endParaRPr lang="de-DE"/>
           </a:p>
@@ -5845,9 +6735,9 @@
             </a:lvl1pPr>
           </a:lstStyle>
           <a:p>
-            <a:fld id="{021D039D-3FEB-4CB2-8AA5-58331A7224C8}" type="datetime1">
+            <a:fld id="{B2EB379E-BA81-4797-9D73-594FFC8C1978}" type="datetime1">
               <a:rPr lang="de-DE" smtClean="0"/>
-              <a:t>08.07.20</a:t>
+              <a:t>08.07.2020</a:t>
             </a:fld>
             <a:endParaRPr lang="de-DE" dirty="0"/>
           </a:p>
@@ -5893,8 +6783,28 @@
           </a:lstStyle>
           <a:p>
             <a:r>
-              <a:rPr lang="de-DE"/>
-              <a:t>Lisa Boos, Khaled Jallouli, Sergej Dechant, Martin Schmid</a:t>
+              <a:rPr lang="de-DE" dirty="0"/>
+              <a:t>Lisa Boos, Till Hoffmann, Khaled </a:t>
+            </a:r>
+            <a:r>
+              <a:rPr lang="de-DE" dirty="0" err="1"/>
+              <a:t>Jallouli</a:t>
+            </a:r>
+            <a:r>
+              <a:rPr lang="de-DE" dirty="0"/>
+              <a:t>, </a:t>
+            </a:r>
+            <a:r>
+              <a:rPr lang="de-DE" dirty="0" err="1"/>
+              <a:t>Hemlata</a:t>
+            </a:r>
+            <a:r>
+              <a:rPr lang="de-DE" dirty="0"/>
+              <a:t> </a:t>
+            </a:r>
+            <a:r>
+              <a:rPr lang="de-DE" dirty="0" err="1"/>
+              <a:t>Prajapati</a:t>
             </a:r>
             <a:endParaRPr lang="de-DE" dirty="0"/>
           </a:p>
@@ -5977,7 +6887,7 @@
           <a:p>
             <a:fld id="{5999A4A4-2D96-49E3-B364-04D265390CD4}" type="slidenum">
               <a:rPr lang="de-DE" smtClean="0"/>
-              <a:t>‹#›</a:t>
+              <a:t>‹Nr.›</a:t>
             </a:fld>
             <a:endParaRPr lang="de-DE"/>
           </a:p>
@@ -6400,6 +7310,33 @@
               <a:rPr lang="de-DE" dirty="0" err="1"/>
               <a:t>games</a:t>
             </a:r>
+            <a:endParaRPr lang="de-DE" dirty="0"/>
+          </a:p>
+          <a:p>
+            <a:r>
+              <a:rPr lang="de-DE" dirty="0"/>
+              <a:t>Lisa Boos, Till Hoffmann, Khaled </a:t>
+            </a:r>
+            <a:r>
+              <a:rPr lang="de-DE" dirty="0" err="1"/>
+              <a:t>Jallouli</a:t>
+            </a:r>
+            <a:r>
+              <a:rPr lang="de-DE" dirty="0"/>
+              <a:t>, </a:t>
+            </a:r>
+            <a:r>
+              <a:rPr lang="de-DE" dirty="0" err="1"/>
+              <a:t>Hemlata</a:t>
+            </a:r>
+            <a:r>
+              <a:rPr lang="de-DE" dirty="0"/>
+              <a:t> </a:t>
+            </a:r>
+            <a:r>
+              <a:rPr lang="de-DE" dirty="0" err="1"/>
+              <a:t>Prajapati</a:t>
+            </a:r>
             <a:endParaRPr lang="en-US" dirty="0"/>
           </a:p>
         </p:txBody>
@@ -6514,9 +7451,9 @@
           <a:bodyPr/>
           <a:lstStyle/>
           <a:p>
-            <a:fld id="{C0D11AC0-B5D5-4B5F-9ECB-B7E6CF8984ED}" type="datetime1">
+            <a:fld id="{05D2F1A8-5FA3-4E43-8092-4BFF3A2D9E3F}" type="datetime1">
               <a:rPr lang="de-DE" smtClean="0"/>
-              <a:t>08.07.20</a:t>
+              <a:t>08.07.2020</a:t>
             </a:fld>
             <a:endParaRPr lang="de-DE"/>
           </a:p>
@@ -6545,7 +7482,7 @@
           <a:p>
             <a:r>
               <a:rPr lang="de-DE"/>
-              <a:t>Lisa Boos, Khaled Jallouli, Sergej Dechant, Martin Schmid</a:t>
+              <a:t>Lisa Boos, Till Hoffmann, Khaled Jallouli, Hemlata Prajapati</a:t>
             </a:r>
           </a:p>
         </p:txBody>
@@ -6693,9 +7630,9 @@
           <a:bodyPr/>
           <a:lstStyle/>
           <a:p>
-            <a:fld id="{C0D11AC0-B5D5-4B5F-9ECB-B7E6CF8984ED}" type="datetime1">
+            <a:fld id="{D3E6BCF9-FF11-4254-BA36-227E050BFDE9}" type="datetime1">
               <a:rPr lang="de-DE" smtClean="0"/>
-              <a:t>08.07.20</a:t>
+              <a:t>08.07.2020</a:t>
             </a:fld>
             <a:endParaRPr lang="de-DE"/>
           </a:p>
@@ -6724,7 +7661,7 @@
           <a:p>
             <a:r>
               <a:rPr lang="de-DE"/>
-              <a:t>Lisa Boos, Khaled Jallouli, Sergej Dechant, Martin Schmid</a:t>
+              <a:t>Lisa Boos, Till Hoffmann, Khaled Jallouli, Hemlata Prajapati</a:t>
             </a:r>
           </a:p>
         </p:txBody>
@@ -6781,7 +7718,7 @@
           <a:p>
             <a:r>
               <a:rPr lang="en-US" dirty="0"/>
-              <a:t>Normalization</a:t>
+              <a:t>Normalization – old and new better way</a:t>
             </a:r>
           </a:p>
           <a:p>
@@ -6810,7 +7747,7 @@
           <p:nvPr/>
         </p:nvPicPr>
         <p:blipFill>
-          <a:blip r:embed="rId2">
+          <a:blip r:embed="rId3">
             <a:extLst>
               <a:ext uri="{28A0092B-C50C-407E-A947-70E740481C1C}">
                 <a14:useLocalDpi xmlns:a14="http://schemas.microsoft.com/office/drawing/2010/main" val="0"/>
@@ -6912,7 +7849,7 @@
           <a:p>
             <a:r>
               <a:rPr lang="en-US" dirty="0"/>
-              <a:t>Normalization</a:t>
+              <a:t>Normalization for Classification vs Regression</a:t>
             </a:r>
           </a:p>
           <a:p>
@@ -6941,9 +7878,9 @@
           <a:bodyPr/>
           <a:lstStyle/>
           <a:p>
-            <a:fld id="{C0D11AC0-B5D5-4B5F-9ECB-B7E6CF8984ED}" type="datetime1">
+            <a:fld id="{61019BA1-E988-4352-9936-E8B4BA34E226}" type="datetime1">
               <a:rPr lang="de-DE" smtClean="0"/>
-              <a:t>08.07.20</a:t>
+              <a:t>08.07.2020</a:t>
             </a:fld>
             <a:endParaRPr lang="de-DE"/>
           </a:p>
@@ -6972,7 +7909,7 @@
           <a:p>
             <a:r>
               <a:rPr lang="de-DE"/>
-              <a:t>Lisa Boos, Khaled Jallouli, Sergej Dechant, Martin Schmid</a:t>
+              <a:t>Lisa Boos, Till Hoffmann, Khaled Jallouli, Hemlata Prajapati</a:t>
             </a:r>
           </a:p>
         </p:txBody>
@@ -7021,7 +7958,7 @@
           <p:nvPr/>
         </p:nvPicPr>
         <p:blipFill>
-          <a:blip r:embed="rId2">
+          <a:blip r:embed="rId3">
             <a:extLst>
               <a:ext uri="{28A0092B-C50C-407E-A947-70E740481C1C}">
                 <a14:useLocalDpi xmlns:a14="http://schemas.microsoft.com/office/drawing/2010/main" val="0"/>
@@ -7160,9 +8097,9 @@
           <a:bodyPr/>
           <a:lstStyle/>
           <a:p>
-            <a:fld id="{C0D11AC0-B5D5-4B5F-9ECB-B7E6CF8984ED}" type="datetime1">
+            <a:fld id="{C1EF57CE-BBA6-43ED-94BC-1095B629580F}" type="datetime1">
               <a:rPr lang="de-DE" smtClean="0"/>
-              <a:t>08.07.20</a:t>
+              <a:t>08.07.2020</a:t>
             </a:fld>
             <a:endParaRPr lang="de-DE"/>
           </a:p>
@@ -7191,7 +8128,7 @@
           <a:p>
             <a:r>
               <a:rPr lang="de-DE"/>
-              <a:t>Lisa Boos, Khaled Jallouli, Sergej Dechant, Martin Schmid</a:t>
+              <a:t>Lisa Boos, Till Hoffmann, Khaled Jallouli, Hemlata Prajapati</a:t>
             </a:r>
           </a:p>
         </p:txBody>
@@ -7240,7 +8177,7 @@
           <p:nvPr/>
         </p:nvPicPr>
         <p:blipFill>
-          <a:blip r:embed="rId2">
+          <a:blip r:embed="rId3">
             <a:extLst>
               <a:ext uri="{28A0092B-C50C-407E-A947-70E740481C1C}">
                 <a14:useLocalDpi xmlns:a14="http://schemas.microsoft.com/office/drawing/2010/main" val="0"/>
@@ -7255,42 +8192,6 @@
           <a:xfrm>
             <a:off x="1292224" y="2686049"/>
             <a:ext cx="4208463" cy="3490913"/>
-          </a:xfrm>
-          <a:prstGeom prst="rect">
-            <a:avLst/>
-          </a:prstGeom>
-        </p:spPr>
-      </p:pic>
-      <p:pic>
-        <p:nvPicPr>
-          <p:cNvPr id="10" name="Picture 9">
-            <a:extLst>
-              <a:ext uri="{FF2B5EF4-FFF2-40B4-BE49-F238E27FC236}">
-                <a16:creationId xmlns:a16="http://schemas.microsoft.com/office/drawing/2014/main" id="{984FF4D6-7D04-5B40-89BA-B1B55CAB8E73}"/>
-              </a:ext>
-            </a:extLst>
-          </p:cNvPr>
-          <p:cNvPicPr>
-            <a:picLocks noChangeAspect="1"/>
-          </p:cNvPicPr>
-          <p:nvPr/>
-        </p:nvPicPr>
-        <p:blipFill>
-          <a:blip r:embed="rId3">
-            <a:extLst>
-              <a:ext uri="{28A0092B-C50C-407E-A947-70E740481C1C}">
-                <a14:useLocalDpi xmlns:a14="http://schemas.microsoft.com/office/drawing/2010/main" val="0"/>
-              </a:ext>
-            </a:extLst>
-          </a:blip>
-          <a:stretch>
-            <a:fillRect/>
-          </a:stretch>
-        </p:blipFill>
-        <p:spPr>
-          <a:xfrm>
-            <a:off x="6843712" y="2686049"/>
-            <a:ext cx="4510088" cy="2757489"/>
           </a:xfrm>
           <a:prstGeom prst="rect">
             <a:avLst/>
@@ -7343,6 +8244,36 @@
           </a:p>
         </p:txBody>
       </p:sp>
+      <p:pic>
+        <p:nvPicPr>
+          <p:cNvPr id="7" name="Grafik 6">
+            <a:extLst>
+              <a:ext uri="{FF2B5EF4-FFF2-40B4-BE49-F238E27FC236}">
+                <a16:creationId xmlns:a16="http://schemas.microsoft.com/office/drawing/2014/main" id="{0D5F60F0-E457-4621-8D19-51A915F0BC5E}"/>
+              </a:ext>
+            </a:extLst>
+          </p:cNvPr>
+          <p:cNvPicPr>
+            <a:picLocks noChangeAspect="1"/>
+          </p:cNvPicPr>
+          <p:nvPr/>
+        </p:nvPicPr>
+        <p:blipFill>
+          <a:blip r:embed="rId4"/>
+          <a:stretch>
+            <a:fillRect/>
+          </a:stretch>
+        </p:blipFill>
+        <p:spPr>
+          <a:xfrm>
+            <a:off x="6861176" y="2975785"/>
+            <a:ext cx="5067300" cy="1895475"/>
+          </a:xfrm>
+          <a:prstGeom prst="rect">
+            <a:avLst/>
+          </a:prstGeom>
+        </p:spPr>
+      </p:pic>
     </p:spTree>
     <p:extLst>
       <p:ext uri="{BB962C8B-B14F-4D97-AF65-F5344CB8AC3E}">
@@ -7396,7 +8327,7 @@
           <a:p>
             <a:r>
               <a:rPr lang="de-DE" b="1" dirty="0"/>
-              <a:t>3. Modeling- </a:t>
+              <a:t>3. Modelling-</a:t>
             </a:r>
             <a:r>
               <a:rPr lang="de-DE" b="1" dirty="0" err="1"/>
@@ -8146,9 +9077,9 @@
           <a:bodyPr/>
           <a:lstStyle/>
           <a:p>
-            <a:fld id="{C0D11AC0-B5D5-4B5F-9ECB-B7E6CF8984ED}" type="datetime1">
+            <a:fld id="{3FFEE27C-4C75-402F-86D4-D52044750E31}" type="datetime1">
               <a:rPr lang="de-DE" smtClean="0"/>
-              <a:t>08.07.20</a:t>
+              <a:t>08.07.2020</a:t>
             </a:fld>
             <a:endParaRPr lang="de-DE"/>
           </a:p>
@@ -8177,7 +9108,7 @@
           <a:p>
             <a:r>
               <a:rPr lang="de-DE"/>
-              <a:t>Lisa Boos, Khaled Jallouli, Sergej Dechant, Martin Schmid</a:t>
+              <a:t>Lisa Boos, Till Hoffmann, Khaled Jallouli, Hemlata Prajapati</a:t>
             </a:r>
           </a:p>
         </p:txBody>
@@ -8270,7 +9201,7 @@
             </a:br>
             <a:r>
               <a:rPr lang="de-DE" b="1" dirty="0"/>
-              <a:t>3. Modeling- </a:t>
+              <a:t>3. Modelling-</a:t>
             </a:r>
             <a:r>
               <a:rPr lang="de-DE" b="1" dirty="0" err="1"/>
@@ -8608,9 +9539,9 @@
           <a:bodyPr/>
           <a:lstStyle/>
           <a:p>
-            <a:fld id="{C0D11AC0-B5D5-4B5F-9ECB-B7E6CF8984ED}" type="datetime1">
+            <a:fld id="{0298CE40-95A1-44A6-875C-8992484B9971}" type="datetime1">
               <a:rPr lang="de-DE" smtClean="0"/>
-              <a:t>08.07.20</a:t>
+              <a:t>08.07.2020</a:t>
             </a:fld>
             <a:endParaRPr lang="de-DE"/>
           </a:p>
@@ -8639,7 +9570,7 @@
           <a:p>
             <a:r>
               <a:rPr lang="de-DE"/>
-              <a:t>Lisa Boos, Khaled Jallouli, Sergej Dechant, Martin Schmid</a:t>
+              <a:t>Lisa Boos, Till Hoffmann, Khaled Jallouli, Hemlata Prajapati</a:t>
             </a:r>
           </a:p>
         </p:txBody>
@@ -8756,7 +9687,7 @@
           <a:p>
             <a:r>
               <a:rPr lang="de-DE" b="1" dirty="0"/>
-              <a:t>3. Modeling- </a:t>
+              <a:t>3. Modelling-</a:t>
             </a:r>
             <a:r>
               <a:rPr lang="de-DE" b="1" dirty="0" err="1"/>
@@ -9265,9 +10196,9 @@
           <a:bodyPr/>
           <a:lstStyle/>
           <a:p>
-            <a:fld id="{C0D11AC0-B5D5-4B5F-9ECB-B7E6CF8984ED}" type="datetime1">
+            <a:fld id="{DBFD3584-5F40-43F0-92BE-0A3E03C5BD59}" type="datetime1">
               <a:rPr lang="de-DE" smtClean="0"/>
-              <a:t>08.07.20</a:t>
+              <a:t>08.07.2020</a:t>
             </a:fld>
             <a:endParaRPr lang="de-DE"/>
           </a:p>
@@ -9296,7 +10227,7 @@
           <a:p>
             <a:r>
               <a:rPr lang="de-DE"/>
-              <a:t>Lisa Boos, Khaled Jallouli, Sergej Dechant, Martin Schmid</a:t>
+              <a:t>Lisa Boos, Till Hoffmann, Khaled Jallouli, Hemlata Prajapati</a:t>
             </a:r>
           </a:p>
         </p:txBody>
@@ -9383,7 +10314,7 @@
           <a:p>
             <a:r>
               <a:rPr lang="de-DE" b="1" dirty="0"/>
-              <a:t>3. Modeling- </a:t>
+              <a:t>3. Modelling-</a:t>
             </a:r>
             <a:r>
               <a:rPr lang="de-DE" b="1" dirty="0" err="1"/>
@@ -10306,9 +11237,9 @@
           <a:bodyPr/>
           <a:lstStyle/>
           <a:p>
-            <a:fld id="{C0D11AC0-B5D5-4B5F-9ECB-B7E6CF8984ED}" type="datetime1">
+            <a:fld id="{DFFCAE16-F0CB-428B-9963-DABAE8DE919E}" type="datetime1">
               <a:rPr lang="de-DE" smtClean="0"/>
-              <a:t>08.07.20</a:t>
+              <a:t>08.07.2020</a:t>
             </a:fld>
             <a:endParaRPr lang="de-DE"/>
           </a:p>
@@ -10337,7 +11268,7 @@
           <a:p>
             <a:r>
               <a:rPr lang="de-DE"/>
-              <a:t>Lisa Boos, Khaled Jallouli, Sergej Dechant, Martin Schmid</a:t>
+              <a:t>Lisa Boos, Till Hoffmann, Khaled Jallouli, Hemlata Prajapati</a:t>
             </a:r>
           </a:p>
         </p:txBody>
@@ -10424,7 +11355,7 @@
           <a:p>
             <a:r>
               <a:rPr lang="de-DE" b="1" dirty="0"/>
-              <a:t>3. Modeling- </a:t>
+              <a:t>3. Modelling-</a:t>
             </a:r>
             <a:r>
               <a:rPr lang="de-DE" b="1" dirty="0" err="1"/>
@@ -10548,9 +11479,9 @@
           <a:bodyPr/>
           <a:lstStyle/>
           <a:p>
-            <a:fld id="{C0D11AC0-B5D5-4B5F-9ECB-B7E6CF8984ED}" type="datetime1">
+            <a:fld id="{BF0644D2-057E-4260-B66C-D62978A67776}" type="datetime1">
               <a:rPr lang="de-DE" smtClean="0"/>
-              <a:t>08.07.20</a:t>
+              <a:t>08.07.2020</a:t>
             </a:fld>
             <a:endParaRPr lang="de-DE"/>
           </a:p>
@@ -10579,7 +11510,7 @@
           <a:p>
             <a:r>
               <a:rPr lang="de-DE"/>
-              <a:t>Lisa Boos, Khaled Jallouli, Sergej Dechant, Martin Schmid</a:t>
+              <a:t>Lisa Boos, Till Hoffmann, Khaled Jallouli, Hemlata Prajapati</a:t>
             </a:r>
           </a:p>
         </p:txBody>
@@ -10628,7 +11559,7 @@
           <p:nvPr/>
         </p:nvPicPr>
         <p:blipFill>
-          <a:blip r:embed="rId2">
+          <a:blip r:embed="rId3">
             <a:extLst>
               <a:ext uri="{28A0092B-C50C-407E-A947-70E740481C1C}">
                 <a14:useLocalDpi xmlns:a14="http://schemas.microsoft.com/office/drawing/2010/main" val="0"/>
@@ -10701,14 +11632,14 @@
           <a:lstStyle/>
           <a:p>
             <a:r>
-              <a:rPr lang="en-US" dirty="0"/>
+              <a:rPr lang="en-US" b="1" dirty="0"/>
               <a:t>3. Modeling- Predicting the goals</a:t>
             </a:r>
             <a:br>
-              <a:rPr lang="en-US" dirty="0"/>
+              <a:rPr lang="en-US" b="1" dirty="0"/>
             </a:br>
             <a:r>
-              <a:rPr lang="en-US" dirty="0"/>
+              <a:rPr lang="en-US" b="1" dirty="0"/>
               <a:t>(Using Scikit)</a:t>
             </a:r>
           </a:p>
@@ -10930,9 +11861,9 @@
           <a:bodyPr/>
           <a:lstStyle/>
           <a:p>
-            <a:fld id="{C0D11AC0-B5D5-4B5F-9ECB-B7E6CF8984ED}" type="datetime1">
+            <a:fld id="{7E9C6BE6-20A7-4DCE-898C-AFAAF2200B70}" type="datetime1">
               <a:rPr lang="de-DE" smtClean="0"/>
-              <a:t>08.07.20</a:t>
+              <a:t>08.07.2020</a:t>
             </a:fld>
             <a:endParaRPr lang="de-DE"/>
           </a:p>
@@ -10961,7 +11892,7 @@
           <a:p>
             <a:r>
               <a:rPr lang="de-DE"/>
-              <a:t>Lisa Boos, Khaled Jallouli, Sergej Dechant, Martin Schmid</a:t>
+              <a:t>Lisa Boos, Till Hoffmann, Khaled Jallouli, Hemlata Prajapati</a:t>
             </a:r>
           </a:p>
         </p:txBody>
@@ -11171,14 +12102,7 @@
             <a:pPr lvl="1"/>
             <a:r>
               <a:rPr lang="de-DE" dirty="0"/>
-              <a:t>Modeling</a:t>
-            </a:r>
-          </a:p>
-          <a:p>
-            <a:pPr lvl="1"/>
-            <a:r>
-              <a:rPr lang="de-DE" dirty="0"/>
-              <a:t>Evaluation</a:t>
+              <a:t>Modelling</a:t>
             </a:r>
           </a:p>
           <a:p>
@@ -11223,9 +12147,9 @@
           <a:bodyPr/>
           <a:lstStyle/>
           <a:p>
-            <a:fld id="{C6223174-C04E-4692-B781-48D66986E0F3}" type="datetime1">
+            <a:fld id="{6E5E49ED-8A04-4300-BC21-606722A8E6EE}" type="datetime1">
               <a:rPr lang="de-DE" smtClean="0"/>
-              <a:t>08.07.20</a:t>
+              <a:t>08.07.2020</a:t>
             </a:fld>
             <a:endParaRPr lang="de-DE"/>
           </a:p>
@@ -11253,9 +12177,30 @@
           <a:lstStyle/>
           <a:p>
             <a:r>
-              <a:rPr lang="de-DE"/>
-              <a:t>Lisa Boos, Khaled Jallouli, Sergej Dechant, Martin Schmid</a:t>
-            </a:r>
+              <a:rPr lang="de-DE" dirty="0"/>
+              <a:t>Lisa Boos, Till Hoffmann, Khaled </a:t>
+            </a:r>
+            <a:r>
+              <a:rPr lang="de-DE" dirty="0" err="1"/>
+              <a:t>Jallouli</a:t>
+            </a:r>
+            <a:r>
+              <a:rPr lang="de-DE" dirty="0"/>
+              <a:t>, </a:t>
+            </a:r>
+            <a:r>
+              <a:rPr lang="de-DE" dirty="0" err="1"/>
+              <a:t>Hemlata</a:t>
+            </a:r>
+            <a:r>
+              <a:rPr lang="de-DE" dirty="0"/>
+              <a:t> </a:t>
+            </a:r>
+            <a:r>
+              <a:rPr lang="de-DE" dirty="0" err="1"/>
+              <a:t>Prajapati</a:t>
+            </a:r>
+            <a:endParaRPr lang="de-DE" dirty="0"/>
           </a:p>
         </p:txBody>
       </p:sp>
@@ -11493,9 +12438,9 @@
           <a:bodyPr/>
           <a:lstStyle/>
           <a:p>
-            <a:fld id="{C0D11AC0-B5D5-4B5F-9ECB-B7E6CF8984ED}" type="datetime1">
+            <a:fld id="{596E9DDF-1D90-4BD9-B937-2107135F8F05}" type="datetime1">
               <a:rPr lang="de-DE" smtClean="0"/>
-              <a:t>08.07.20</a:t>
+              <a:t>08.07.2020</a:t>
             </a:fld>
             <a:endParaRPr lang="de-DE"/>
           </a:p>
@@ -11524,7 +12469,7 @@
           <a:p>
             <a:r>
               <a:rPr lang="de-DE"/>
-              <a:t>Lisa Boos, Khaled Jallouli, Sergej Dechant, Martin Schmid</a:t>
+              <a:t>Lisa Boos, Till Hoffmann, Khaled Jallouli, Hemlata Prajapati</a:t>
             </a:r>
           </a:p>
         </p:txBody>
@@ -11571,7 +12516,7 @@
           <p:nvPr/>
         </p:nvPicPr>
         <p:blipFill>
-          <a:blip r:embed="rId2">
+          <a:blip r:embed="rId3">
             <a:extLst>
               <a:ext uri="{28A0092B-C50C-407E-A947-70E740481C1C}">
                 <a14:useLocalDpi xmlns:a14="http://schemas.microsoft.com/office/drawing/2010/main" val="0"/>
@@ -11661,7 +12606,7 @@
           <a:p>
             <a:r>
               <a:rPr lang="de-DE"/>
-              <a:t>Soccer Team</a:t>
+              <a:t>Lisa Boos, Till Hoffmann, Khaled Jallouli, Hemlata Prajapati</a:t>
             </a:r>
             <a:endParaRPr lang="de-DE" dirty="0"/>
           </a:p>
@@ -11682,9 +12627,9 @@
           <a:bodyPr/>
           <a:lstStyle/>
           <a:p>
-            <a:fld id="{65BB1F06-C981-4372-9313-3438B46A69C0}" type="datetime4">
+            <a:fld id="{2CA82912-125F-43FC-A872-07B5FFBA6423}" type="datetime1">
               <a:rPr lang="de-DE" smtClean="0"/>
-              <a:t>8. Juli 2020</a:t>
+              <a:t>08.07.2020</a:t>
             </a:fld>
             <a:endParaRPr lang="de-DE"/>
           </a:p>
@@ -11699,7 +12644,7 @@
           <p:nvPr/>
         </p:nvPicPr>
         <p:blipFill>
-          <a:blip r:embed="rId2">
+          <a:blip r:embed="rId3">
             <a:extLst>
               <a:ext uri="{28A0092B-C50C-407E-A947-70E740481C1C}">
                 <a14:useLocalDpi xmlns:a14="http://schemas.microsoft.com/office/drawing/2010/main" val="0"/>
@@ -11720,6 +12665,35 @@
           </a:prstGeom>
         </p:spPr>
       </p:pic>
+      <p:sp>
+        <p:nvSpPr>
+          <p:cNvPr id="3" name="Foliennummernplatzhalter 2">
+            <a:extLst>
+              <a:ext uri="{FF2B5EF4-FFF2-40B4-BE49-F238E27FC236}">
+                <a16:creationId xmlns:a16="http://schemas.microsoft.com/office/drawing/2014/main" id="{13FB55AE-2413-4B2D-AAE8-51AD3F8A934E}"/>
+              </a:ext>
+            </a:extLst>
+          </p:cNvPr>
+          <p:cNvSpPr>
+            <a:spLocks noGrp="1"/>
+          </p:cNvSpPr>
+          <p:nvPr>
+            <p:ph type="sldNum" sz="quarter" idx="12"/>
+          </p:nvPr>
+        </p:nvSpPr>
+        <p:spPr/>
+        <p:txBody>
+          <a:bodyPr/>
+          <a:lstStyle/>
+          <a:p>
+            <a:fld id="{9A48FC86-4651-46AF-9E4A-D3FC30E17613}" type="slidenum">
+              <a:rPr lang="de-DE" smtClean="0"/>
+              <a:t>21</a:t>
+            </a:fld>
+            <a:endParaRPr lang="de-DE"/>
+          </a:p>
+        </p:txBody>
+      </p:sp>
     </p:spTree>
     <p:extLst>
       <p:ext uri="{BB962C8B-B14F-4D97-AF65-F5344CB8AC3E}">
@@ -11789,7 +12763,7 @@
           <a:p>
             <a:r>
               <a:rPr lang="de-DE"/>
-              <a:t>Soccer Team</a:t>
+              <a:t>Lisa Boos, Till Hoffmann, Khaled Jallouli, Hemlata Prajapati</a:t>
             </a:r>
             <a:endParaRPr lang="de-DE" dirty="0"/>
           </a:p>
@@ -11810,9 +12784,9 @@
           <a:bodyPr/>
           <a:lstStyle/>
           <a:p>
-            <a:fld id="{65BB1F06-C981-4372-9313-3438B46A69C0}" type="datetime4">
+            <a:fld id="{4B6C2BC7-A1AC-4F23-B303-50B5C0868CD1}" type="datetime1">
               <a:rPr lang="de-DE" smtClean="0"/>
-              <a:t>8. Juli 2020</a:t>
+              <a:t>08.07.2020</a:t>
             </a:fld>
             <a:endParaRPr lang="de-DE"/>
           </a:p>
@@ -11827,7 +12801,7 @@
           <p:nvPr/>
         </p:nvPicPr>
         <p:blipFill>
-          <a:blip r:embed="rId2">
+          <a:blip r:embed="rId3">
             <a:extLst>
               <a:ext uri="{28A0092B-C50C-407E-A947-70E740481C1C}">
                 <a14:useLocalDpi xmlns:a14="http://schemas.microsoft.com/office/drawing/2010/main" val="0"/>
@@ -11857,7 +12831,7 @@
           <p:nvPr/>
         </p:nvPicPr>
         <p:blipFill>
-          <a:blip r:embed="rId3">
+          <a:blip r:embed="rId4">
             <a:extLst>
               <a:ext uri="{28A0092B-C50C-407E-A947-70E740481C1C}">
                 <a14:useLocalDpi xmlns:a14="http://schemas.microsoft.com/office/drawing/2010/main" val="0"/>
@@ -11957,6 +12931,35 @@
               <a:ea typeface="Calibri" panose="020F0502020204030204" pitchFamily="34" charset="0"/>
               <a:cs typeface="Arial" panose="020B0604020202020204" pitchFamily="34" charset="0"/>
             </a:endParaRPr>
+          </a:p>
+        </p:txBody>
+      </p:sp>
+      <p:sp>
+        <p:nvSpPr>
+          <p:cNvPr id="6" name="Foliennummernplatzhalter 5">
+            <a:extLst>
+              <a:ext uri="{FF2B5EF4-FFF2-40B4-BE49-F238E27FC236}">
+                <a16:creationId xmlns:a16="http://schemas.microsoft.com/office/drawing/2014/main" id="{86276B9C-EFEB-4640-B9C6-3554F9090A8A}"/>
+              </a:ext>
+            </a:extLst>
+          </p:cNvPr>
+          <p:cNvSpPr>
+            <a:spLocks noGrp="1"/>
+          </p:cNvSpPr>
+          <p:nvPr>
+            <p:ph type="sldNum" sz="quarter" idx="12"/>
+          </p:nvPr>
+        </p:nvSpPr>
+        <p:spPr/>
+        <p:txBody>
+          <a:bodyPr/>
+          <a:lstStyle/>
+          <a:p>
+            <a:fld id="{9A48FC86-4651-46AF-9E4A-D3FC30E17613}" type="slidenum">
+              <a:rPr lang="de-DE" smtClean="0"/>
+              <a:t>22</a:t>
+            </a:fld>
+            <a:endParaRPr lang="de-DE"/>
           </a:p>
         </p:txBody>
       </p:sp>
@@ -12521,6 +13524,10 @@
           <a:bodyPr/>
           <a:lstStyle/>
           <a:p>
+            <a:r>
+              <a:rPr lang="de-DE"/>
+              <a:t>Lisa Boos, Till Hoffmann, Khaled Jallouli, Hemlata Prajapati</a:t>
+            </a:r>
             <a:endParaRPr lang="de-DE" dirty="0"/>
           </a:p>
         </p:txBody>
@@ -12602,6 +13609,64 @@
               <a:t>Quality Criteria</a:t>
             </a:r>
             <a:endParaRPr lang="en-US" sz="2200" b="1" dirty="0"/>
+          </a:p>
+        </p:txBody>
+      </p:sp>
+      <p:sp>
+        <p:nvSpPr>
+          <p:cNvPr id="3" name="Datumsplatzhalter 2">
+            <a:extLst>
+              <a:ext uri="{FF2B5EF4-FFF2-40B4-BE49-F238E27FC236}">
+                <a16:creationId xmlns:a16="http://schemas.microsoft.com/office/drawing/2014/main" id="{50E7D065-4347-461E-A310-D077FFA7AEDB}"/>
+              </a:ext>
+            </a:extLst>
+          </p:cNvPr>
+          <p:cNvSpPr>
+            <a:spLocks noGrp="1"/>
+          </p:cNvSpPr>
+          <p:nvPr>
+            <p:ph type="dt" sz="half" idx="10"/>
+          </p:nvPr>
+        </p:nvSpPr>
+        <p:spPr/>
+        <p:txBody>
+          <a:bodyPr/>
+          <a:lstStyle/>
+          <a:p>
+            <a:fld id="{9499F743-8BFE-416E-A488-F538D570F245}" type="datetime1">
+              <a:rPr lang="de-DE" smtClean="0"/>
+              <a:t>08.07.2020</a:t>
+            </a:fld>
+            <a:endParaRPr lang="de-DE"/>
+          </a:p>
+        </p:txBody>
+      </p:sp>
+      <p:sp>
+        <p:nvSpPr>
+          <p:cNvPr id="6" name="Foliennummernplatzhalter 5">
+            <a:extLst>
+              <a:ext uri="{FF2B5EF4-FFF2-40B4-BE49-F238E27FC236}">
+                <a16:creationId xmlns:a16="http://schemas.microsoft.com/office/drawing/2014/main" id="{449E486C-8699-47ED-A562-EFD23DE0D973}"/>
+              </a:ext>
+            </a:extLst>
+          </p:cNvPr>
+          <p:cNvSpPr>
+            <a:spLocks noGrp="1"/>
+          </p:cNvSpPr>
+          <p:nvPr>
+            <p:ph type="sldNum" sz="quarter" idx="12"/>
+          </p:nvPr>
+        </p:nvSpPr>
+        <p:spPr/>
+        <p:txBody>
+          <a:bodyPr/>
+          <a:lstStyle/>
+          <a:p>
+            <a:fld id="{9A48FC86-4651-46AF-9E4A-D3FC30E17613}" type="slidenum">
+              <a:rPr lang="de-DE" smtClean="0"/>
+              <a:t>23</a:t>
+            </a:fld>
+            <a:endParaRPr lang="de-DE"/>
           </a:p>
         </p:txBody>
       </p:sp>
@@ -12672,6 +13737,10 @@
           <a:bodyPr/>
           <a:lstStyle/>
           <a:p>
+            <a:r>
+              <a:rPr lang="de-DE"/>
+              <a:t>Lisa Boos, Till Hoffmann, Khaled Jallouli, Hemlata Prajapati</a:t>
+            </a:r>
             <a:endParaRPr lang="de-DE" dirty="0"/>
           </a:p>
         </p:txBody>
@@ -13244,6 +14313,64 @@
           </a:graphicData>
         </a:graphic>
       </p:graphicFrame>
+      <p:sp>
+        <p:nvSpPr>
+          <p:cNvPr id="5" name="Datumsplatzhalter 4">
+            <a:extLst>
+              <a:ext uri="{FF2B5EF4-FFF2-40B4-BE49-F238E27FC236}">
+                <a16:creationId xmlns:a16="http://schemas.microsoft.com/office/drawing/2014/main" id="{CEEACF86-5ED5-4581-8D51-A1F0BE8D0627}"/>
+              </a:ext>
+            </a:extLst>
+          </p:cNvPr>
+          <p:cNvSpPr>
+            <a:spLocks noGrp="1"/>
+          </p:cNvSpPr>
+          <p:nvPr>
+            <p:ph type="dt" sz="half" idx="10"/>
+          </p:nvPr>
+        </p:nvSpPr>
+        <p:spPr/>
+        <p:txBody>
+          <a:bodyPr/>
+          <a:lstStyle/>
+          <a:p>
+            <a:fld id="{CE4801CE-F68B-4A9E-BD77-DA62B163CD77}" type="datetime1">
+              <a:rPr lang="de-DE" smtClean="0"/>
+              <a:t>08.07.2020</a:t>
+            </a:fld>
+            <a:endParaRPr lang="de-DE"/>
+          </a:p>
+        </p:txBody>
+      </p:sp>
+      <p:sp>
+        <p:nvSpPr>
+          <p:cNvPr id="6" name="Foliennummernplatzhalter 5">
+            <a:extLst>
+              <a:ext uri="{FF2B5EF4-FFF2-40B4-BE49-F238E27FC236}">
+                <a16:creationId xmlns:a16="http://schemas.microsoft.com/office/drawing/2014/main" id="{F038AFD7-1214-42B8-A8A8-7C41D162EA69}"/>
+              </a:ext>
+            </a:extLst>
+          </p:cNvPr>
+          <p:cNvSpPr>
+            <a:spLocks noGrp="1"/>
+          </p:cNvSpPr>
+          <p:nvPr>
+            <p:ph type="sldNum" sz="quarter" idx="12"/>
+          </p:nvPr>
+        </p:nvSpPr>
+        <p:spPr/>
+        <p:txBody>
+          <a:bodyPr/>
+          <a:lstStyle/>
+          <a:p>
+            <a:fld id="{9A48FC86-4651-46AF-9E4A-D3FC30E17613}" type="slidenum">
+              <a:rPr lang="de-DE" smtClean="0"/>
+              <a:t>24</a:t>
+            </a:fld>
+            <a:endParaRPr lang="de-DE"/>
+          </a:p>
+        </p:txBody>
+      </p:sp>
     </p:spTree>
     <p:extLst>
       <p:ext uri="{BB962C8B-B14F-4D97-AF65-F5344CB8AC3E}">
@@ -13348,9 +14475,9 @@
           <a:bodyPr/>
           <a:lstStyle/>
           <a:p>
-            <a:fld id="{C0D11AC0-B5D5-4B5F-9ECB-B7E6CF8984ED}" type="datetime1">
+            <a:fld id="{EDF96B14-A623-450A-9B64-7434B038D636}" type="datetime1">
               <a:rPr lang="de-DE" smtClean="0"/>
-              <a:t>08.07.20</a:t>
+              <a:t>08.07.2020</a:t>
             </a:fld>
             <a:endParaRPr lang="de-DE"/>
           </a:p>
@@ -13379,7 +14506,7 @@
           <a:p>
             <a:r>
               <a:rPr lang="de-DE"/>
-              <a:t>Lisa Boos, Khaled Jallouli, Sergej Dechant, Martin Schmid</a:t>
+              <a:t>Lisa Boos, Till Hoffmann, Khaled Jallouli, Hemlata Prajapati</a:t>
             </a:r>
           </a:p>
         </p:txBody>
@@ -13539,9 +14666,9 @@
           <a:bodyPr/>
           <a:lstStyle/>
           <a:p>
-            <a:fld id="{C0D11AC0-B5D5-4B5F-9ECB-B7E6CF8984ED}" type="datetime1">
+            <a:fld id="{233C9EE0-8D39-4357-A047-B642434D37AC}" type="datetime1">
               <a:rPr lang="de-DE" smtClean="0"/>
-              <a:t>08.07.20</a:t>
+              <a:t>08.07.2020</a:t>
             </a:fld>
             <a:endParaRPr lang="de-DE"/>
           </a:p>
@@ -13570,7 +14697,7 @@
           <a:p>
             <a:r>
               <a:rPr lang="de-DE"/>
-              <a:t>Lisa Boos, Khaled Jallouli, Sergej Dechant, Martin Schmid</a:t>
+              <a:t>Lisa Boos, Till Hoffmann, Khaled Jallouli, Hemlata Prajapati</a:t>
             </a:r>
           </a:p>
         </p:txBody>
@@ -14129,9 +15256,9 @@
           <a:bodyPr/>
           <a:lstStyle/>
           <a:p>
-            <a:fld id="{C0D11AC0-B5D5-4B5F-9ECB-B7E6CF8984ED}" type="datetime1">
+            <a:fld id="{6D2DF944-3ADE-4B60-BC56-9F44F2858CA9}" type="datetime1">
               <a:rPr lang="de-DE" smtClean="0"/>
-              <a:t>08.07.20</a:t>
+              <a:t>08.07.2020</a:t>
             </a:fld>
             <a:endParaRPr lang="de-DE"/>
           </a:p>
@@ -14160,7 +15287,7 @@
           <a:p>
             <a:r>
               <a:rPr lang="de-DE"/>
-              <a:t>Lisa Boos, Khaled Jallouli, Sergej Dechant, Martin Schmid</a:t>
+              <a:t>Lisa Boos, Till Hoffmann, Khaled Jallouli, Hemlata Prajapati</a:t>
             </a:r>
           </a:p>
         </p:txBody>
@@ -14318,9 +15445,9 @@
           <a:bodyPr/>
           <a:lstStyle/>
           <a:p>
-            <a:fld id="{C0D11AC0-B5D5-4B5F-9ECB-B7E6CF8984ED}" type="datetime1">
+            <a:fld id="{73121E6A-75D1-489E-A4D4-2AF6E562FD72}" type="datetime1">
               <a:rPr lang="de-DE" smtClean="0"/>
-              <a:t>08.07.20</a:t>
+              <a:t>08.07.2020</a:t>
             </a:fld>
             <a:endParaRPr lang="de-DE"/>
           </a:p>
@@ -14348,17 +15475,10 @@
           <a:lstStyle/>
           <a:p>
             <a:r>
-              <a:rPr lang="de-DE" dirty="0"/>
-              <a:t>Lisa Boos, Khaled </a:t>
-            </a:r>
-            <a:r>
-              <a:rPr lang="de-DE" dirty="0" err="1"/>
-              <a:t>Jallouli</a:t>
-            </a:r>
-            <a:r>
-              <a:rPr lang="de-DE" dirty="0"/>
-              <a:t>, Sergej Dechant, Martin Schmid</a:t>
-            </a:r>
+              <a:rPr lang="de-DE"/>
+              <a:t>Lisa Boos, Till Hoffmann, Khaled Jallouli, Hemlata Prajapati</a:t>
+            </a:r>
+            <a:endParaRPr lang="de-DE" dirty="0"/>
           </a:p>
         </p:txBody>
       </p:sp>
@@ -14558,9 +15678,9 @@
           <a:bodyPr/>
           <a:lstStyle/>
           <a:p>
-            <a:fld id="{C0D11AC0-B5D5-4B5F-9ECB-B7E6CF8984ED}" type="datetime1">
+            <a:fld id="{5130B58D-2B6C-443E-B36A-2B519790863E}" type="datetime1">
               <a:rPr lang="de-DE" smtClean="0"/>
-              <a:t>08.07.20</a:t>
+              <a:t>08.07.2020</a:t>
             </a:fld>
             <a:endParaRPr lang="de-DE"/>
           </a:p>
@@ -14588,9 +15708,30 @@
           <a:lstStyle/>
           <a:p>
             <a:r>
-              <a:rPr lang="de-DE"/>
-              <a:t>Lisa Boos, Khaled Jallouli, Sergej Dechant, Martin Schmid</a:t>
-            </a:r>
+              <a:rPr lang="de-DE" dirty="0"/>
+              <a:t>Lisa Boos, Till Hoffmann, Khaled </a:t>
+            </a:r>
+            <a:r>
+              <a:rPr lang="de-DE" dirty="0" err="1"/>
+              <a:t>Jallouli</a:t>
+            </a:r>
+            <a:r>
+              <a:rPr lang="de-DE" dirty="0"/>
+              <a:t>, </a:t>
+            </a:r>
+            <a:r>
+              <a:rPr lang="de-DE" dirty="0" err="1"/>
+              <a:t>Hemlata</a:t>
+            </a:r>
+            <a:r>
+              <a:rPr lang="de-DE" dirty="0"/>
+              <a:t> </a:t>
+            </a:r>
+            <a:r>
+              <a:rPr lang="de-DE" dirty="0" err="1"/>
+              <a:t>Prajapati</a:t>
+            </a:r>
+            <a:endParaRPr lang="de-DE" dirty="0"/>
           </a:p>
         </p:txBody>
       </p:sp>
@@ -14742,9 +15883,9 @@
           <a:bodyPr/>
           <a:lstStyle/>
           <a:p>
-            <a:fld id="{0123EED1-A1E1-4DB9-BAD8-427B5E5A78DA}" type="datetime1">
+            <a:fld id="{ABD4FFFE-BDA5-4C6D-818F-AC63415EF76E}" type="datetime1">
               <a:rPr lang="de-DE" smtClean="0"/>
-              <a:t>08.07.20</a:t>
+              <a:t>08.07.2020</a:t>
             </a:fld>
             <a:endParaRPr lang="de-DE"/>
           </a:p>
@@ -14773,7 +15914,7 @@
           <a:p>
             <a:r>
               <a:rPr lang="de-DE"/>
-              <a:t>Lisa Boos, Khaled Jallouli, Sergej Dechant, Martin Schmid</a:t>
+              <a:t>Lisa Boos, Till Hoffmann, Khaled Jallouli, Hemlata Prajapati</a:t>
             </a:r>
           </a:p>
         </p:txBody>
@@ -14891,9 +16032,9 @@
           <a:bodyPr/>
           <a:lstStyle/>
           <a:p>
-            <a:fld id="{0123EED1-A1E1-4DB9-BAD8-427B5E5A78DA}" type="datetime1">
+            <a:fld id="{2FD63A82-654A-43A1-BAA7-24963EF8A3A2}" type="datetime1">
               <a:rPr lang="de-DE" smtClean="0"/>
-              <a:t>08.07.20</a:t>
+              <a:t>08.07.2020</a:t>
             </a:fld>
             <a:endParaRPr lang="de-DE"/>
           </a:p>
@@ -14922,7 +16063,7 @@
           <a:p>
             <a:r>
               <a:rPr lang="de-DE"/>
-              <a:t>Lisa Boos, Khaled Jallouli, Sergej Dechant, Martin Schmid</a:t>
+              <a:t>Lisa Boos, Till Hoffmann, Khaled Jallouli, Hemlata Prajapati</a:t>
             </a:r>
           </a:p>
         </p:txBody>
@@ -15125,9 +16266,9 @@
           <a:bodyPr/>
           <a:lstStyle/>
           <a:p>
-            <a:fld id="{C0D11AC0-B5D5-4B5F-9ECB-B7E6CF8984ED}" type="datetime1">
+            <a:fld id="{130A0F16-7F19-4F54-A379-46DDC64559F7}" type="datetime1">
               <a:rPr lang="de-DE" smtClean="0"/>
-              <a:t>08.07.20</a:t>
+              <a:t>08.07.2020</a:t>
             </a:fld>
             <a:endParaRPr lang="de-DE"/>
           </a:p>
@@ -15156,7 +16297,7 @@
           <a:p>
             <a:r>
               <a:rPr lang="de-DE"/>
-              <a:t>Lisa Boos, Khaled Jallouli, Sergej Dechant, Martin Schmid</a:t>
+              <a:t>Lisa Boos, Till Hoffmann, Khaled Jallouli, Hemlata Prajapati</a:t>
             </a:r>
           </a:p>
         </p:txBody>
@@ -15371,9 +16512,9 @@
           <a:bodyPr/>
           <a:lstStyle/>
           <a:p>
-            <a:fld id="{C0D11AC0-B5D5-4B5F-9ECB-B7E6CF8984ED}" type="datetime1">
+            <a:fld id="{2D46D04C-DC23-4E80-BD61-66B3B72FB21B}" type="datetime1">
               <a:rPr lang="de-DE" smtClean="0"/>
-              <a:t>08.07.20</a:t>
+              <a:t>08.07.2020</a:t>
             </a:fld>
             <a:endParaRPr lang="de-DE"/>
           </a:p>
@@ -15402,7 +16543,7 @@
           <a:p>
             <a:r>
               <a:rPr lang="de-DE"/>
-              <a:t>Lisa Boos, Khaled Jallouli, Sergej Dechant, Martin Schmid</a:t>
+              <a:t>Lisa Boos, Till Hoffmann, Khaled Jallouli, Hemlata Prajapati</a:t>
             </a:r>
           </a:p>
         </p:txBody>
@@ -15581,9 +16722,9 @@
           <a:bodyPr/>
           <a:lstStyle/>
           <a:p>
-            <a:fld id="{C0D11AC0-B5D5-4B5F-9ECB-B7E6CF8984ED}" type="datetime1">
+            <a:fld id="{3310BFC6-DDC1-4279-8EE1-4ECAD53CE75B}" type="datetime1">
               <a:rPr lang="de-DE" smtClean="0"/>
-              <a:t>08.07.20</a:t>
+              <a:t>08.07.2020</a:t>
             </a:fld>
             <a:endParaRPr lang="de-DE"/>
           </a:p>
@@ -15612,7 +16753,7 @@
           <a:p>
             <a:r>
               <a:rPr lang="de-DE"/>
-              <a:t>Lisa Boos, Khaled Jallouli, Sergej Dechant, Martin Schmid</a:t>
+              <a:t>Lisa Boos, Till Hoffmann, Khaled Jallouli, Hemlata Prajapati</a:t>
             </a:r>
           </a:p>
         </p:txBody>
@@ -15791,9 +16932,9 @@
           <a:bodyPr/>
           <a:lstStyle/>
           <a:p>
-            <a:fld id="{C0D11AC0-B5D5-4B5F-9ECB-B7E6CF8984ED}" type="datetime1">
+            <a:fld id="{7655E4B9-D977-42D8-9C94-D401F46191AA}" type="datetime1">
               <a:rPr lang="de-DE" smtClean="0"/>
-              <a:t>08.07.20</a:t>
+              <a:t>08.07.2020</a:t>
             </a:fld>
             <a:endParaRPr lang="de-DE"/>
           </a:p>
@@ -15822,7 +16963,7 @@
           <a:p>
             <a:r>
               <a:rPr lang="de-DE"/>
-              <a:t>Lisa Boos, Khaled Jallouli, Sergej Dechant, Martin Schmid</a:t>
+              <a:t>Lisa Boos, Till Hoffmann, Khaled Jallouli, Hemlata Prajapati</a:t>
             </a:r>
           </a:p>
         </p:txBody>

--- a/Daily/sprint9/Final_Presentation_Phase_I.pptx
+++ b/Daily/sprint9/Final_Presentation_Phase_I.pptx
@@ -5,7 +5,7 @@
     <p:sldMasterId id="2147483648" r:id="rId1"/>
   </p:sldMasterIdLst>
   <p:notesMasterIdLst>
-    <p:notesMasterId r:id="rId30"/>
+    <p:notesMasterId r:id="rId32"/>
   </p:notesMasterIdLst>
   <p:sldIdLst>
     <p:sldId id="256" r:id="rId2"/>
@@ -26,16 +26,18 @@
     <p:sldId id="271" r:id="rId17"/>
     <p:sldId id="272" r:id="rId18"/>
     <p:sldId id="300" r:id="rId19"/>
-    <p:sldId id="301" r:id="rId20"/>
-    <p:sldId id="302" r:id="rId21"/>
-    <p:sldId id="276" r:id="rId22"/>
-    <p:sldId id="304" r:id="rId23"/>
+    <p:sldId id="276" r:id="rId20"/>
+    <p:sldId id="304" r:id="rId21"/>
+    <p:sldId id="301" r:id="rId22"/>
+    <p:sldId id="302" r:id="rId23"/>
     <p:sldId id="305" r:id="rId24"/>
     <p:sldId id="306" r:id="rId25"/>
     <p:sldId id="307" r:id="rId26"/>
-    <p:sldId id="285" r:id="rId27"/>
-    <p:sldId id="295" r:id="rId28"/>
-    <p:sldId id="267" r:id="rId29"/>
+    <p:sldId id="308" r:id="rId27"/>
+    <p:sldId id="311" r:id="rId28"/>
+    <p:sldId id="285" r:id="rId29"/>
+    <p:sldId id="295" r:id="rId30"/>
+    <p:sldId id="267" r:id="rId31"/>
   </p:sldIdLst>
   <p:sldSz cx="12192000" cy="6858000"/>
   <p:notesSz cx="6858000" cy="1352550"/>
@@ -161,13 +163,15 @@
             <p14:sldId id="271"/>
             <p14:sldId id="272"/>
             <p14:sldId id="300"/>
+            <p14:sldId id="276"/>
+            <p14:sldId id="304"/>
             <p14:sldId id="301"/>
             <p14:sldId id="302"/>
-            <p14:sldId id="276"/>
-            <p14:sldId id="304"/>
             <p14:sldId id="305"/>
             <p14:sldId id="306"/>
             <p14:sldId id="307"/>
+            <p14:sldId id="308"/>
+            <p14:sldId id="311"/>
             <p14:sldId id="285"/>
             <p14:sldId id="295"/>
             <p14:sldId id="267"/>
@@ -1328,7 +1332,7 @@
           <a:p>
             <a:fld id="{10D08ABD-147D-43D8-AD0E-C56070E2C69D}" type="slidenum">
               <a:rPr lang="de-DE" smtClean="0"/>
-              <a:t>‹Nr.›</a:t>
+              <a:t>‹#›</a:t>
             </a:fld>
             <a:endParaRPr lang="de-DE"/>
           </a:p>
@@ -2272,8 +2276,8 @@
           <a:lstStyle/>
           <a:p>
             <a:r>
-              <a:rPr lang="de-DE" dirty="0" err="1"/>
-              <a:t>Hemlata</a:t>
+              <a:rPr lang="de-DE" dirty="0"/>
+              <a:t>Lisa</a:t>
             </a:r>
             <a:endParaRPr lang="en-US" dirty="0"/>
           </a:p>
@@ -2305,7 +2309,7 @@
     </p:spTree>
     <p:extLst>
       <p:ext uri="{BB962C8B-B14F-4D97-AF65-F5344CB8AC3E}">
-        <p14:creationId xmlns:p14="http://schemas.microsoft.com/office/powerpoint/2010/main" val="2460814420"/>
+        <p14:creationId xmlns:p14="http://schemas.microsoft.com/office/powerpoint/2010/main" val="3492478579"/>
       </p:ext>
     </p:extLst>
   </p:cSld>
@@ -2360,8 +2364,8 @@
           <a:lstStyle/>
           <a:p>
             <a:r>
-              <a:rPr lang="de-DE" dirty="0" err="1"/>
-              <a:t>Hemlata</a:t>
+              <a:rPr lang="de-DE" dirty="0"/>
+              <a:t>Lisa</a:t>
             </a:r>
             <a:endParaRPr lang="en-US" dirty="0"/>
           </a:p>
@@ -2393,7 +2397,7 @@
     </p:spTree>
     <p:extLst>
       <p:ext uri="{BB962C8B-B14F-4D97-AF65-F5344CB8AC3E}">
-        <p14:creationId xmlns:p14="http://schemas.microsoft.com/office/powerpoint/2010/main" val="72455073"/>
+        <p14:creationId xmlns:p14="http://schemas.microsoft.com/office/powerpoint/2010/main" val="2916017031"/>
       </p:ext>
     </p:extLst>
   </p:cSld>
@@ -2535,8 +2539,8 @@
           <a:lstStyle/>
           <a:p>
             <a:r>
-              <a:rPr lang="de-DE" dirty="0"/>
-              <a:t>Lisa</a:t>
+              <a:rPr lang="de-DE" dirty="0" err="1"/>
+              <a:t>Hemlata</a:t>
             </a:r>
             <a:endParaRPr lang="en-US" dirty="0"/>
           </a:p>
@@ -2568,7 +2572,7 @@
     </p:spTree>
     <p:extLst>
       <p:ext uri="{BB962C8B-B14F-4D97-AF65-F5344CB8AC3E}">
-        <p14:creationId xmlns:p14="http://schemas.microsoft.com/office/powerpoint/2010/main" val="3492478579"/>
+        <p14:creationId xmlns:p14="http://schemas.microsoft.com/office/powerpoint/2010/main" val="2460814420"/>
       </p:ext>
     </p:extLst>
   </p:cSld>
@@ -2623,8 +2627,8 @@
           <a:lstStyle/>
           <a:p>
             <a:r>
-              <a:rPr lang="de-DE" dirty="0"/>
-              <a:t>Lisa</a:t>
+              <a:rPr lang="de-DE" dirty="0" err="1"/>
+              <a:t>Hemlata</a:t>
             </a:r>
             <a:endParaRPr lang="en-US" dirty="0"/>
           </a:p>
@@ -2656,7 +2660,7 @@
     </p:spTree>
     <p:extLst>
       <p:ext uri="{BB962C8B-B14F-4D97-AF65-F5344CB8AC3E}">
-        <p14:creationId xmlns:p14="http://schemas.microsoft.com/office/powerpoint/2010/main" val="2916017031"/>
+        <p14:creationId xmlns:p14="http://schemas.microsoft.com/office/powerpoint/2010/main" val="72455073"/>
       </p:ext>
     </p:extLst>
   </p:cSld>
@@ -2966,7 +2970,7 @@
       </p:grpSpPr>
       <p:sp>
         <p:nvSpPr>
-          <p:cNvPr id="2" name="Folienbildplatzhalter 1"/>
+          <p:cNvPr id="2" name="Slide Image Placeholder 1"/>
           <p:cNvSpPr>
             <a:spLocks noGrp="1" noRot="1" noChangeAspect="1"/>
           </p:cNvSpPr>
@@ -2978,7 +2982,7 @@
       </p:sp>
       <p:sp>
         <p:nvSpPr>
-          <p:cNvPr id="3" name="Notizenplatzhalter 2"/>
+          <p:cNvPr id="3" name="Notes Placeholder 2"/>
           <p:cNvSpPr>
             <a:spLocks noGrp="1"/>
           </p:cNvSpPr>
@@ -2992,15 +2996,16 @@
           <a:lstStyle/>
           <a:p>
             <a:r>
-              <a:rPr lang="de-DE" dirty="0"/>
-              <a:t>Lisa</a:t>
-            </a:r>
-          </a:p>
-        </p:txBody>
-      </p:sp>
-      <p:sp>
-        <p:nvSpPr>
-          <p:cNvPr id="4" name="Foliennummernplatzhalter 3"/>
+              <a:rPr lang="en-US" dirty="0"/>
+              <a:t>Till</a:t>
+            </a:r>
+            <a:endParaRPr lang="en-DE" dirty="0"/>
+          </a:p>
+        </p:txBody>
+      </p:sp>
+      <p:sp>
+        <p:nvSpPr>
+          <p:cNvPr id="4" name="Slide Number Placeholder 3"/>
           <p:cNvSpPr>
             <a:spLocks noGrp="1"/>
           </p:cNvSpPr>
@@ -3024,7 +3029,7 @@
     </p:spTree>
     <p:extLst>
       <p:ext uri="{BB962C8B-B14F-4D97-AF65-F5344CB8AC3E}">
-        <p14:creationId xmlns:p14="http://schemas.microsoft.com/office/powerpoint/2010/main" val="3234012776"/>
+        <p14:creationId xmlns:p14="http://schemas.microsoft.com/office/powerpoint/2010/main" val="3466764427"/>
       </p:ext>
     </p:extLst>
   </p:cSld>
@@ -3053,7 +3058,7 @@
       </p:grpSpPr>
       <p:sp>
         <p:nvSpPr>
-          <p:cNvPr id="2" name="Folienbildplatzhalter 1"/>
+          <p:cNvPr id="2" name="Slide Image Placeholder 1"/>
           <p:cNvSpPr>
             <a:spLocks noGrp="1" noRot="1" noChangeAspect="1"/>
           </p:cNvSpPr>
@@ -3065,7 +3070,7 @@
       </p:sp>
       <p:sp>
         <p:nvSpPr>
-          <p:cNvPr id="3" name="Notizenplatzhalter 2"/>
+          <p:cNvPr id="3" name="Notes Placeholder 2"/>
           <p:cNvSpPr>
             <a:spLocks noGrp="1"/>
           </p:cNvSpPr>
@@ -3079,16 +3084,16 @@
           <a:lstStyle/>
           <a:p>
             <a:r>
-              <a:rPr lang="de-DE" dirty="0"/>
-              <a:t>Lisa</a:t>
-            </a:r>
-            <a:endParaRPr lang="en-US" dirty="0"/>
-          </a:p>
-        </p:txBody>
-      </p:sp>
-      <p:sp>
-        <p:nvSpPr>
-          <p:cNvPr id="4" name="Foliennummernplatzhalter 3"/>
+              <a:rPr lang="en-US" dirty="0"/>
+              <a:t>Till</a:t>
+            </a:r>
+            <a:endParaRPr lang="en-DE" dirty="0"/>
+          </a:p>
+        </p:txBody>
+      </p:sp>
+      <p:sp>
+        <p:nvSpPr>
+          <p:cNvPr id="4" name="Slide Number Placeholder 3"/>
           <p:cNvSpPr>
             <a:spLocks noGrp="1"/>
           </p:cNvSpPr>
@@ -3112,7 +3117,7 @@
     </p:spTree>
     <p:extLst>
       <p:ext uri="{BB962C8B-B14F-4D97-AF65-F5344CB8AC3E}">
-        <p14:creationId xmlns:p14="http://schemas.microsoft.com/office/powerpoint/2010/main" val="923184506"/>
+        <p14:creationId xmlns:p14="http://schemas.microsoft.com/office/powerpoint/2010/main" val="3313550029"/>
       </p:ext>
     </p:extLst>
   </p:cSld>
@@ -3168,8 +3173,125 @@
           <a:p>
             <a:r>
               <a:rPr lang="de-DE" dirty="0"/>
-              <a:t>All</a:t>
-            </a:r>
+              <a:t>Till</a:t>
+            </a:r>
+          </a:p>
+          <a:p>
+            <a:pPr marL="171450" indent="-171450">
+              <a:buFontTx/>
+              <a:buChar char="-"/>
+            </a:pPr>
+            <a:r>
+              <a:rPr lang="de-DE" dirty="0" err="1"/>
+              <a:t>Scrum</a:t>
+            </a:r>
+            <a:r>
+              <a:rPr lang="de-DE" dirty="0"/>
+              <a:t> </a:t>
+            </a:r>
+            <a:r>
+              <a:rPr lang="de-DE" dirty="0" err="1"/>
+              <a:t>master</a:t>
+            </a:r>
+            <a:r>
+              <a:rPr lang="de-DE" dirty="0"/>
+              <a:t> was </a:t>
+            </a:r>
+            <a:r>
+              <a:rPr lang="de-DE" dirty="0" err="1"/>
+              <a:t>best</a:t>
+            </a:r>
+            <a:endParaRPr lang="de-DE" dirty="0"/>
+          </a:p>
+          <a:p>
+            <a:pPr marL="171450" indent="-171450">
+              <a:buFontTx/>
+              <a:buChar char="-"/>
+            </a:pPr>
+            <a:r>
+              <a:rPr lang="de-DE" dirty="0" err="1"/>
+              <a:t>Scrum</a:t>
+            </a:r>
+            <a:r>
+              <a:rPr lang="de-DE" dirty="0"/>
+              <a:t> </a:t>
+            </a:r>
+            <a:r>
+              <a:rPr lang="de-DE" dirty="0" err="1"/>
+              <a:t>is</a:t>
+            </a:r>
+            <a:r>
+              <a:rPr lang="de-DE" dirty="0"/>
+              <a:t> </a:t>
+            </a:r>
+            <a:r>
+              <a:rPr lang="de-DE" dirty="0" err="1"/>
+              <a:t>working</a:t>
+            </a:r>
+            <a:r>
+              <a:rPr lang="de-DE" dirty="0"/>
+              <a:t> </a:t>
+            </a:r>
+            <a:r>
+              <a:rPr lang="de-DE" dirty="0" err="1"/>
+              <a:t>fine</a:t>
+            </a:r>
+            <a:endParaRPr lang="de-DE" dirty="0"/>
+          </a:p>
+          <a:p>
+            <a:pPr marL="171450" indent="-171450">
+              <a:buFontTx/>
+              <a:buChar char="-"/>
+            </a:pPr>
+            <a:r>
+              <a:rPr lang="de-DE" dirty="0"/>
+              <a:t>SOME OF US </a:t>
+            </a:r>
+            <a:r>
+              <a:rPr lang="de-DE" dirty="0" err="1"/>
+              <a:t>want</a:t>
+            </a:r>
+            <a:r>
+              <a:rPr lang="de-DE" dirty="0"/>
+              <a:t> </a:t>
+            </a:r>
+            <a:r>
+              <a:rPr lang="de-DE" dirty="0" err="1"/>
+              <a:t>to</a:t>
+            </a:r>
+            <a:r>
+              <a:rPr lang="de-DE" dirty="0"/>
+              <a:t> </a:t>
+            </a:r>
+            <a:r>
+              <a:rPr lang="de-DE" dirty="0" err="1"/>
+              <a:t>work</a:t>
+            </a:r>
+            <a:r>
+              <a:rPr lang="de-DE" dirty="0"/>
+              <a:t> </a:t>
+            </a:r>
+            <a:r>
+              <a:rPr lang="de-DE" dirty="0" err="1"/>
+              <a:t>further</a:t>
+            </a:r>
+            <a:r>
+              <a:rPr lang="de-DE" dirty="0"/>
+              <a:t> on </a:t>
+            </a:r>
+            <a:r>
+              <a:rPr lang="de-DE" dirty="0" err="1"/>
+              <a:t>the</a:t>
+            </a:r>
+            <a:r>
+              <a:rPr lang="de-DE" dirty="0"/>
+              <a:t> </a:t>
+            </a:r>
+            <a:r>
+              <a:rPr lang="de-DE" dirty="0" err="1"/>
+              <a:t>project</a:t>
+            </a:r>
+            <a:endParaRPr lang="de-DE" dirty="0"/>
           </a:p>
         </p:txBody>
       </p:sp>
@@ -3191,6 +3313,180 @@
             <a:fld id="{10D08ABD-147D-43D8-AD0E-C56070E2C69D}" type="slidenum">
               <a:rPr lang="de-DE" smtClean="0"/>
               <a:t>28</a:t>
+            </a:fld>
+            <a:endParaRPr lang="de-DE"/>
+          </a:p>
+        </p:txBody>
+      </p:sp>
+    </p:spTree>
+    <p:extLst>
+      <p:ext uri="{BB962C8B-B14F-4D97-AF65-F5344CB8AC3E}">
+        <p14:creationId xmlns:p14="http://schemas.microsoft.com/office/powerpoint/2010/main" val="3234012776"/>
+      </p:ext>
+    </p:extLst>
+  </p:cSld>
+  <p:clrMapOvr>
+    <a:masterClrMapping/>
+  </p:clrMapOvr>
+</p:notes>
+</file>
+
+<file path=ppt/notesSlides/notesSlide28.xml><?xml version="1.0" encoding="utf-8"?>
+<p:notes xmlns:a="http://schemas.openxmlformats.org/drawingml/2006/main" xmlns:r="http://schemas.openxmlformats.org/officeDocument/2006/relationships" xmlns:p="http://schemas.openxmlformats.org/presentationml/2006/main">
+  <p:cSld>
+    <p:spTree>
+      <p:nvGrpSpPr>
+        <p:cNvPr id="1" name=""/>
+        <p:cNvGrpSpPr/>
+        <p:nvPr/>
+      </p:nvGrpSpPr>
+      <p:grpSpPr>
+        <a:xfrm>
+          <a:off x="0" y="0"/>
+          <a:ext cx="0" cy="0"/>
+          <a:chOff x="0" y="0"/>
+          <a:chExt cx="0" cy="0"/>
+        </a:xfrm>
+      </p:grpSpPr>
+      <p:sp>
+        <p:nvSpPr>
+          <p:cNvPr id="2" name="Folienbildplatzhalter 1"/>
+          <p:cNvSpPr>
+            <a:spLocks noGrp="1" noRot="1" noChangeAspect="1"/>
+          </p:cNvSpPr>
+          <p:nvPr>
+            <p:ph type="sldImg"/>
+          </p:nvPr>
+        </p:nvSpPr>
+        <p:spPr/>
+      </p:sp>
+      <p:sp>
+        <p:nvSpPr>
+          <p:cNvPr id="3" name="Notizenplatzhalter 2"/>
+          <p:cNvSpPr>
+            <a:spLocks noGrp="1"/>
+          </p:cNvSpPr>
+          <p:nvPr>
+            <p:ph type="body" idx="1"/>
+          </p:nvPr>
+        </p:nvSpPr>
+        <p:spPr/>
+        <p:txBody>
+          <a:bodyPr/>
+          <a:lstStyle/>
+          <a:p>
+            <a:r>
+              <a:rPr lang="de-DE" dirty="0"/>
+              <a:t>Till</a:t>
+            </a:r>
+          </a:p>
+        </p:txBody>
+      </p:sp>
+      <p:sp>
+        <p:nvSpPr>
+          <p:cNvPr id="4" name="Foliennummernplatzhalter 3"/>
+          <p:cNvSpPr>
+            <a:spLocks noGrp="1"/>
+          </p:cNvSpPr>
+          <p:nvPr>
+            <p:ph type="sldNum" sz="quarter" idx="5"/>
+          </p:nvPr>
+        </p:nvSpPr>
+        <p:spPr/>
+        <p:txBody>
+          <a:bodyPr/>
+          <a:lstStyle/>
+          <a:p>
+            <a:fld id="{10D08ABD-147D-43D8-AD0E-C56070E2C69D}" type="slidenum">
+              <a:rPr lang="de-DE" smtClean="0"/>
+              <a:t>29</a:t>
+            </a:fld>
+            <a:endParaRPr lang="de-DE"/>
+          </a:p>
+        </p:txBody>
+      </p:sp>
+    </p:spTree>
+    <p:extLst>
+      <p:ext uri="{BB962C8B-B14F-4D97-AF65-F5344CB8AC3E}">
+        <p14:creationId xmlns:p14="http://schemas.microsoft.com/office/powerpoint/2010/main" val="923184506"/>
+      </p:ext>
+    </p:extLst>
+  </p:cSld>
+  <p:clrMapOvr>
+    <a:masterClrMapping/>
+  </p:clrMapOvr>
+</p:notes>
+</file>
+
+<file path=ppt/notesSlides/notesSlide29.xml><?xml version="1.0" encoding="utf-8"?>
+<p:notes xmlns:a="http://schemas.openxmlformats.org/drawingml/2006/main" xmlns:r="http://schemas.openxmlformats.org/officeDocument/2006/relationships" xmlns:p="http://schemas.openxmlformats.org/presentationml/2006/main">
+  <p:cSld>
+    <p:spTree>
+      <p:nvGrpSpPr>
+        <p:cNvPr id="1" name=""/>
+        <p:cNvGrpSpPr/>
+        <p:nvPr/>
+      </p:nvGrpSpPr>
+      <p:grpSpPr>
+        <a:xfrm>
+          <a:off x="0" y="0"/>
+          <a:ext cx="0" cy="0"/>
+          <a:chOff x="0" y="0"/>
+          <a:chExt cx="0" cy="0"/>
+        </a:xfrm>
+      </p:grpSpPr>
+      <p:sp>
+        <p:nvSpPr>
+          <p:cNvPr id="2" name="Folienbildplatzhalter 1"/>
+          <p:cNvSpPr>
+            <a:spLocks noGrp="1" noRot="1" noChangeAspect="1"/>
+          </p:cNvSpPr>
+          <p:nvPr>
+            <p:ph type="sldImg"/>
+          </p:nvPr>
+        </p:nvSpPr>
+        <p:spPr/>
+      </p:sp>
+      <p:sp>
+        <p:nvSpPr>
+          <p:cNvPr id="3" name="Notizenplatzhalter 2"/>
+          <p:cNvSpPr>
+            <a:spLocks noGrp="1"/>
+          </p:cNvSpPr>
+          <p:nvPr>
+            <p:ph type="body" idx="1"/>
+          </p:nvPr>
+        </p:nvSpPr>
+        <p:spPr/>
+        <p:txBody>
+          <a:bodyPr/>
+          <a:lstStyle/>
+          <a:p>
+            <a:r>
+              <a:rPr lang="de-DE" dirty="0"/>
+              <a:t>All</a:t>
+            </a:r>
+          </a:p>
+        </p:txBody>
+      </p:sp>
+      <p:sp>
+        <p:nvSpPr>
+          <p:cNvPr id="4" name="Foliennummernplatzhalter 3"/>
+          <p:cNvSpPr>
+            <a:spLocks noGrp="1"/>
+          </p:cNvSpPr>
+          <p:nvPr>
+            <p:ph type="sldNum" sz="quarter" idx="5"/>
+          </p:nvPr>
+        </p:nvSpPr>
+        <p:spPr/>
+        <p:txBody>
+          <a:bodyPr/>
+          <a:lstStyle/>
+          <a:p>
+            <a:fld id="{10D08ABD-147D-43D8-AD0E-C56070E2C69D}" type="slidenum">
+              <a:rPr lang="de-DE" smtClean="0"/>
+              <a:t>30</a:t>
             </a:fld>
             <a:endParaRPr lang="de-DE"/>
           </a:p>
@@ -4031,7 +4327,7 @@
           <a:p>
             <a:fld id="{9A48FC86-4651-46AF-9E4A-D3FC30E17613}" type="slidenum">
               <a:rPr lang="de-DE" smtClean="0"/>
-              <a:t>‹Nr.›</a:t>
+              <a:t>‹#›</a:t>
             </a:fld>
             <a:endParaRPr lang="de-DE"/>
           </a:p>
@@ -4240,7 +4536,7 @@
           <a:p>
             <a:fld id="{9A48FC86-4651-46AF-9E4A-D3FC30E17613}" type="slidenum">
               <a:rPr lang="de-DE" smtClean="0"/>
-              <a:t>‹Nr.›</a:t>
+              <a:t>‹#›</a:t>
             </a:fld>
             <a:endParaRPr lang="de-DE"/>
           </a:p>
@@ -4459,7 +4755,7 @@
           <a:p>
             <a:fld id="{9A48FC86-4651-46AF-9E4A-D3FC30E17613}" type="slidenum">
               <a:rPr lang="de-DE" smtClean="0"/>
-              <a:t>‹Nr.›</a:t>
+              <a:t>‹#›</a:t>
             </a:fld>
             <a:endParaRPr lang="de-DE"/>
           </a:p>
@@ -4668,7 +4964,7 @@
           <a:p>
             <a:fld id="{9A48FC86-4651-46AF-9E4A-D3FC30E17613}" type="slidenum">
               <a:rPr lang="de-DE" smtClean="0"/>
-              <a:t>‹Nr.›</a:t>
+              <a:t>‹#›</a:t>
             </a:fld>
             <a:endParaRPr lang="de-DE"/>
           </a:p>
@@ -4954,7 +5250,7 @@
           <a:p>
             <a:fld id="{9A48FC86-4651-46AF-9E4A-D3FC30E17613}" type="slidenum">
               <a:rPr lang="de-DE" smtClean="0"/>
-              <a:t>‹Nr.›</a:t>
+              <a:t>‹#›</a:t>
             </a:fld>
             <a:endParaRPr lang="de-DE"/>
           </a:p>
@@ -5230,7 +5526,7 @@
           <a:p>
             <a:fld id="{9A48FC86-4651-46AF-9E4A-D3FC30E17613}" type="slidenum">
               <a:rPr lang="de-DE" smtClean="0"/>
-              <a:t>‹Nr.›</a:t>
+              <a:t>‹#›</a:t>
             </a:fld>
             <a:endParaRPr lang="de-DE"/>
           </a:p>
@@ -5653,7 +5949,7 @@
           <a:p>
             <a:fld id="{9A48FC86-4651-46AF-9E4A-D3FC30E17613}" type="slidenum">
               <a:rPr lang="de-DE" smtClean="0"/>
-              <a:t>‹Nr.›</a:t>
+              <a:t>‹#›</a:t>
             </a:fld>
             <a:endParaRPr lang="de-DE"/>
           </a:p>
@@ -5805,7 +6101,7 @@
           <a:p>
             <a:fld id="{9A48FC86-4651-46AF-9E4A-D3FC30E17613}" type="slidenum">
               <a:rPr lang="de-DE" smtClean="0"/>
-              <a:t>‹Nr.›</a:t>
+              <a:t>‹#›</a:t>
             </a:fld>
             <a:endParaRPr lang="de-DE"/>
           </a:p>
@@ -5929,7 +6225,7 @@
           <a:p>
             <a:fld id="{9A48FC86-4651-46AF-9E4A-D3FC30E17613}" type="slidenum">
               <a:rPr lang="de-DE" smtClean="0"/>
-              <a:t>‹Nr.›</a:t>
+              <a:t>‹#›</a:t>
             </a:fld>
             <a:endParaRPr lang="de-DE"/>
           </a:p>
@@ -6251,7 +6547,7 @@
           <a:p>
             <a:fld id="{9A48FC86-4651-46AF-9E4A-D3FC30E17613}" type="slidenum">
               <a:rPr lang="de-DE" smtClean="0"/>
-              <a:t>‹Nr.›</a:t>
+              <a:t>‹#›</a:t>
             </a:fld>
             <a:endParaRPr lang="de-DE"/>
           </a:p>
@@ -6550,7 +6846,7 @@
           <a:p>
             <a:fld id="{9A48FC86-4651-46AF-9E4A-D3FC30E17613}" type="slidenum">
               <a:rPr lang="de-DE" smtClean="0"/>
-              <a:t>‹Nr.›</a:t>
+              <a:t>‹#›</a:t>
             </a:fld>
             <a:endParaRPr lang="de-DE"/>
           </a:p>
@@ -6887,7 +7183,7 @@
           <a:p>
             <a:fld id="{5999A4A4-2D96-49E3-B364-04D265390CD4}" type="slidenum">
               <a:rPr lang="de-DE" smtClean="0"/>
-              <a:t>‹Nr.›</a:t>
+              <a:t>‹#›</a:t>
             </a:fld>
             <a:endParaRPr lang="de-DE"/>
           </a:p>
@@ -7603,7 +7899,18 @@
           <a:lstStyle/>
           <a:p>
             <a:r>
-              <a:rPr lang="en-US" dirty="0"/>
+              <a:rPr lang="en-US" b="1" dirty="0"/>
+              <a:t>2. Data Pre-Processing</a:t>
+            </a:r>
+            <a:br>
+              <a:rPr lang="en-US" b="1" dirty="0"/>
+            </a:br>
+            <a:r>
+              <a:rPr lang="de-DE" b="1" dirty="0"/>
+              <a:t>     - </a:t>
+            </a:r>
+            <a:r>
+              <a:rPr lang="en-US" b="1" dirty="0"/>
               <a:t>Prediction of the final results</a:t>
             </a:r>
           </a:p>
@@ -7820,7 +8127,18 @@
           <a:lstStyle/>
           <a:p>
             <a:r>
-              <a:rPr lang="en-US" dirty="0"/>
+              <a:rPr lang="en-US" b="1" dirty="0"/>
+              <a:t>2. Data Pre-Processing</a:t>
+            </a:r>
+            <a:br>
+              <a:rPr lang="en-US" b="1" dirty="0"/>
+            </a:br>
+            <a:r>
+              <a:rPr lang="de-DE" b="1" dirty="0"/>
+              <a:t>     - </a:t>
+            </a:r>
+            <a:r>
+              <a:rPr lang="en-US" b="1" dirty="0"/>
               <a:t>Prediction of scored goals</a:t>
             </a:r>
           </a:p>
@@ -8031,16 +8349,19 @@
           <a:lstStyle/>
           <a:p>
             <a:r>
-              <a:rPr lang="en-US" dirty="0"/>
-              <a:t>Prediction of scored goals </a:t>
-            </a:r>
-            <a:r>
-              <a:rPr lang="en-US" dirty="0" err="1"/>
-              <a:t>cont</a:t>
-            </a:r>
-            <a:r>
-              <a:rPr lang="en-US" dirty="0"/>
-              <a:t>…</a:t>
+              <a:rPr lang="en-US" b="1" dirty="0"/>
+              <a:t>2. Data Pre-Processing</a:t>
+            </a:r>
+            <a:br>
+              <a:rPr lang="en-US" b="1" dirty="0"/>
+            </a:br>
+            <a:r>
+              <a:rPr lang="de-DE" b="1" dirty="0"/>
+              <a:t>     - </a:t>
+            </a:r>
+            <a:r>
+              <a:rPr lang="en-US" b="1" dirty="0"/>
+              <a:t>Prediction of scored goals count…</a:t>
             </a:r>
           </a:p>
         </p:txBody>
@@ -8327,7 +8648,14 @@
           <a:p>
             <a:r>
               <a:rPr lang="de-DE" b="1" dirty="0"/>
-              <a:t>3. Modelling-</a:t>
+              <a:t>3. Modelling</a:t>
+            </a:r>
+            <a:br>
+              <a:rPr lang="de-DE" b="1" dirty="0"/>
+            </a:br>
+            <a:r>
+              <a:rPr lang="de-DE" b="1" dirty="0"/>
+              <a:t>     - </a:t>
             </a:r>
             <a:r>
               <a:rPr lang="de-DE" b="1" dirty="0" err="1"/>
@@ -8394,7 +8722,7 @@
                 <a:ea typeface="+mn-lt"/>
                 <a:cs typeface="+mn-lt"/>
               </a:rPr>
-              <a:t>Select Modeling </a:t>
+              <a:t>Select </a:t>
             </a:r>
             <a:r>
               <a:rPr lang="de-DE" b="1" dirty="0" err="1">
@@ -8406,7 +8734,31 @@
                 <a:ea typeface="+mn-lt"/>
                 <a:cs typeface="+mn-lt"/>
               </a:rPr>
-              <a:t>Techniques</a:t>
+              <a:t>modelling</a:t>
+            </a:r>
+            <a:r>
+              <a:rPr lang="de-DE" b="1" dirty="0">
+                <a:solidFill>
+                  <a:schemeClr val="accent1">
+                    <a:lumMod val="50000"/>
+                  </a:schemeClr>
+                </a:solidFill>
+                <a:ea typeface="+mn-lt"/>
+                <a:cs typeface="+mn-lt"/>
+              </a:rPr>
+              <a:t> </a:t>
+            </a:r>
+            <a:r>
+              <a:rPr lang="de-DE" b="1" dirty="0" err="1">
+                <a:solidFill>
+                  <a:schemeClr val="accent1">
+                    <a:lumMod val="50000"/>
+                  </a:schemeClr>
+                </a:solidFill>
+                <a:ea typeface="+mn-lt"/>
+                <a:cs typeface="+mn-lt"/>
+              </a:rPr>
+              <a:t>techniques</a:t>
             </a:r>
             <a:endParaRPr lang="de-DE" b="1" dirty="0">
               <a:solidFill>
@@ -8587,7 +8939,31 @@
                 <a:ea typeface="+mn-lt"/>
                 <a:cs typeface="+mn-lt"/>
               </a:rPr>
-              <a:t>Generate Test Design</a:t>
+              <a:t>Generate </a:t>
+            </a:r>
+            <a:r>
+              <a:rPr lang="de-DE" b="1" dirty="0" err="1">
+                <a:solidFill>
+                  <a:schemeClr val="accent1">
+                    <a:lumMod val="50000"/>
+                  </a:schemeClr>
+                </a:solidFill>
+                <a:ea typeface="+mn-lt"/>
+                <a:cs typeface="+mn-lt"/>
+              </a:rPr>
+              <a:t>test</a:t>
+            </a:r>
+            <a:r>
+              <a:rPr lang="de-DE" b="1" dirty="0">
+                <a:solidFill>
+                  <a:schemeClr val="accent1">
+                    <a:lumMod val="50000"/>
+                  </a:schemeClr>
+                </a:solidFill>
+                <a:ea typeface="+mn-lt"/>
+                <a:cs typeface="+mn-lt"/>
+              </a:rPr>
+              <a:t> design</a:t>
             </a:r>
           </a:p>
           <a:p>
@@ -8631,44 +9007,30 @@
                 <a:ea typeface="+mn-lt"/>
                 <a:cs typeface="+mn-lt"/>
               </a:rPr>
-              <a:t> (70%) and </a:t>
+              <a:t> (70%) and Test </a:t>
             </a:r>
             <a:r>
               <a:rPr lang="de-DE" sz="1800" dirty="0" err="1">
                 <a:ea typeface="+mn-lt"/>
                 <a:cs typeface="+mn-lt"/>
               </a:rPr>
-              <a:t>test</a:t>
+              <a:t>set</a:t>
             </a:r>
             <a:r>
               <a:rPr lang="de-DE" sz="1800" dirty="0">
                 <a:ea typeface="+mn-lt"/>
                 <a:cs typeface="+mn-lt"/>
               </a:rPr>
-              <a:t> </a:t>
+              <a:t> (30%) not </a:t>
             </a:r>
             <a:r>
               <a:rPr lang="de-DE" sz="1800" dirty="0" err="1">
                 <a:ea typeface="+mn-lt"/>
                 <a:cs typeface="+mn-lt"/>
               </a:rPr>
-              <a:t>set</a:t>
-            </a:r>
-            <a:r>
-              <a:rPr lang="de-DE" sz="1800" dirty="0">
-                <a:ea typeface="+mn-lt"/>
-                <a:cs typeface="+mn-lt"/>
-              </a:rPr>
-              <a:t> (30%) not </a:t>
-            </a:r>
-            <a:r>
-              <a:rPr lang="de-DE" sz="1800" dirty="0" err="1">
-                <a:ea typeface="+mn-lt"/>
-                <a:cs typeface="+mn-lt"/>
-              </a:rPr>
               <a:t>shuffled</a:t>
             </a:r>
-            <a:endParaRPr lang="de-DE" sz="1800" u="sng" dirty="0" err="1">
+            <a:endParaRPr lang="de-DE" sz="1800" u="sng" dirty="0">
               <a:ea typeface="+mn-lt"/>
               <a:cs typeface="+mn-lt"/>
             </a:endParaRPr>
@@ -8861,7 +9223,7 @@
                 <a:ea typeface="+mn-lt"/>
                 <a:cs typeface="+mn-lt"/>
               </a:rPr>
-              <a:t>Stop</a:t>
+              <a:t>stop</a:t>
             </a:r>
             <a:r>
               <a:rPr lang="de-DE" dirty="0">
@@ -9193,15 +9555,16 @@
           <a:bodyPr/>
           <a:lstStyle/>
           <a:p>
+            <a:r>
+              <a:rPr lang="de-DE" b="1" dirty="0"/>
+              <a:t>3. Modelling</a:t>
+            </a:r>
             <a:br>
-              <a:rPr lang="de-DE" b="1" dirty="0">
-                <a:ea typeface="+mj-lt"/>
-                <a:cs typeface="+mj-lt"/>
-              </a:rPr>
+              <a:rPr lang="de-DE" b="1" dirty="0"/>
             </a:br>
             <a:r>
               <a:rPr lang="de-DE" b="1" dirty="0"/>
-              <a:t>3. Modelling-</a:t>
+              <a:t>     - </a:t>
             </a:r>
             <a:r>
               <a:rPr lang="de-DE" b="1" dirty="0" err="1"/>
@@ -9299,7 +9662,7 @@
               </a:rPr>
               <a:t> Models</a:t>
             </a:r>
-            <a:endParaRPr lang="en-US" b="1">
+            <a:endParaRPr lang="en-US" b="1" dirty="0">
               <a:solidFill>
                 <a:schemeClr val="accent1">
                   <a:lumMod val="50000"/>
@@ -9475,7 +9838,7 @@
               <a:buChar char="ü"/>
             </a:pPr>
             <a:r>
-              <a:rPr lang="de-DE" sz="2400" err="1">
+              <a:rPr lang="de-DE" sz="2400" dirty="0" err="1">
                 <a:cs typeface="Calibri"/>
               </a:rPr>
               <a:t>Accuracy</a:t>
@@ -9687,7 +10050,14 @@
           <a:p>
             <a:r>
               <a:rPr lang="de-DE" b="1" dirty="0"/>
-              <a:t>3. Modelling-</a:t>
+              <a:t>3. Modelling</a:t>
+            </a:r>
+            <a:br>
+              <a:rPr lang="de-DE" b="1" dirty="0"/>
+            </a:br>
+            <a:r>
+              <a:rPr lang="de-DE" b="1" dirty="0"/>
+              <a:t>     - </a:t>
             </a:r>
             <a:r>
               <a:rPr lang="de-DE" b="1" dirty="0" err="1"/>
@@ -9751,7 +10121,7 @@
               <a:t> Multi-</a:t>
             </a:r>
             <a:r>
-              <a:rPr lang="de-DE" sz="2600" u="sng" err="1">
+              <a:rPr lang="de-DE" sz="2600" u="sng" dirty="0" err="1">
                 <a:ea typeface="+mn-lt"/>
                 <a:cs typeface="+mn-lt"/>
               </a:rPr>
@@ -9765,13 +10135,13 @@
               <a:t> </a:t>
             </a:r>
             <a:r>
-              <a:rPr lang="de-DE" sz="2600" u="sng" err="1">
+              <a:rPr lang="de-DE" sz="2600" u="sng" dirty="0" err="1">
                 <a:ea typeface="+mn-lt"/>
                 <a:cs typeface="+mn-lt"/>
               </a:rPr>
               <a:t>Perceptron</a:t>
             </a:r>
-            <a:endParaRPr lang="de-DE" sz="2600" u="sng">
+            <a:endParaRPr lang="de-DE" sz="2600" u="sng" dirty="0">
               <a:ea typeface="+mn-lt"/>
               <a:cs typeface="+mn-lt"/>
             </a:endParaRPr>
@@ -9842,7 +10212,7 @@
               </a:rPr>
               <a:t>)</a:t>
             </a:r>
-            <a:endParaRPr lang="en-US" sz="2400">
+            <a:endParaRPr lang="en-US" sz="2400" dirty="0">
               <a:ea typeface="+mn-lt"/>
               <a:cs typeface="+mn-lt"/>
             </a:endParaRPr>
@@ -9887,7 +10257,7 @@
               </a:rPr>
               <a:t>)</a:t>
             </a:r>
-            <a:endParaRPr lang="en-US" sz="2400">
+            <a:endParaRPr lang="en-US" sz="2400" dirty="0">
               <a:ea typeface="+mn-lt"/>
               <a:cs typeface="+mn-lt"/>
             </a:endParaRPr>
@@ -9968,30 +10338,16 @@
                 <a:ea typeface="+mn-lt"/>
                 <a:cs typeface="+mn-lt"/>
               </a:rPr>
-              <a:t>: </a:t>
+              <a:t>: Sigmoid and </a:t>
             </a:r>
             <a:r>
               <a:rPr lang="de-DE" sz="2400" dirty="0" err="1">
                 <a:ea typeface="+mn-lt"/>
                 <a:cs typeface="+mn-lt"/>
               </a:rPr>
-              <a:t>sigmoid</a:t>
-            </a:r>
-            <a:r>
-              <a:rPr lang="de-DE" sz="2400" dirty="0">
-                <a:ea typeface="+mn-lt"/>
-                <a:cs typeface="+mn-lt"/>
-              </a:rPr>
-              <a:t> and </a:t>
-            </a:r>
-            <a:r>
-              <a:rPr lang="de-DE" sz="2400" dirty="0" err="1">
-                <a:ea typeface="+mn-lt"/>
-                <a:cs typeface="+mn-lt"/>
-              </a:rPr>
               <a:t>softmax</a:t>
             </a:r>
-            <a:endParaRPr lang="de-DE" sz="2400">
+            <a:endParaRPr lang="de-DE" sz="2400" dirty="0">
               <a:ea typeface="+mn-lt"/>
               <a:cs typeface="+mn-lt"/>
             </a:endParaRPr>
@@ -10013,7 +10369,7 @@
                 <a:ea typeface="+mn-lt"/>
                 <a:cs typeface="+mn-lt"/>
               </a:rPr>
-              <a:t>stochastic</a:t>
+              <a:t>Stochastic</a:t>
             </a:r>
             <a:r>
               <a:rPr lang="de-DE" sz="2400" dirty="0">
@@ -10043,7 +10399,7 @@
               </a:rPr>
               <a:t>descent</a:t>
             </a:r>
-            <a:endParaRPr lang="de-DE" sz="2400">
+            <a:endParaRPr lang="de-DE" sz="2400" dirty="0">
               <a:ea typeface="+mn-lt"/>
               <a:cs typeface="+mn-lt"/>
             </a:endParaRPr>
@@ -10314,7 +10670,14 @@
           <a:p>
             <a:r>
               <a:rPr lang="de-DE" b="1" dirty="0"/>
-              <a:t>3. Modelling-</a:t>
+              <a:t>3. Modelling</a:t>
+            </a:r>
+            <a:br>
+              <a:rPr lang="de-DE" b="1" dirty="0"/>
+            </a:br>
+            <a:r>
+              <a:rPr lang="de-DE" b="1" dirty="0"/>
+              <a:t>     - </a:t>
             </a:r>
             <a:r>
               <a:rPr lang="de-DE" b="1" dirty="0" err="1"/>
@@ -10445,7 +10808,7 @@
                 <a:ea typeface="+mn-lt"/>
                 <a:cs typeface="+mn-lt"/>
               </a:rPr>
-              <a:t>from</a:t>
+              <a:t>From</a:t>
             </a:r>
             <a:r>
               <a:rPr lang="de-DE" sz="2400" dirty="0">
@@ -10680,7 +11043,7 @@
                 </a:solidFill>
                 <a:cs typeface="Calibri"/>
               </a:rPr>
-              <a:t>: gradual </a:t>
+              <a:t>: Gradual </a:t>
             </a:r>
             <a:r>
               <a:rPr lang="de-DE" sz="2400" dirty="0" err="1">
@@ -10986,7 +11349,7 @@
                 <a:ea typeface="+mn-lt"/>
                 <a:cs typeface="+mn-lt"/>
               </a:rPr>
-              <a:t>Regularization techniques </a:t>
+              <a:t>Regularization techniques</a:t>
             </a:r>
             <a:r>
               <a:rPr lang="de-DE" sz="2400" dirty="0">
@@ -11000,7 +11363,7 @@
                 <a:ea typeface="+mn-lt"/>
                 <a:cs typeface="+mn-lt"/>
               </a:rPr>
-              <a:t>weight</a:t>
+              <a:t>Weight</a:t>
             </a:r>
             <a:r>
               <a:rPr lang="de-DE" sz="2400" dirty="0">
@@ -11104,7 +11467,7 @@
                 <a:ea typeface="+mn-lt"/>
                 <a:cs typeface="+mn-lt"/>
               </a:rPr>
-              <a:t>Predict</a:t>
+              <a:t>Predicts</a:t>
             </a:r>
             <a:r>
               <a:rPr lang="de-DE" sz="2400" b="1" dirty="0">
@@ -11355,7 +11718,14 @@
           <a:p>
             <a:r>
               <a:rPr lang="de-DE" b="1" dirty="0"/>
-              <a:t>3. Modelling-</a:t>
+              <a:t>3. Modelling</a:t>
+            </a:r>
+            <a:br>
+              <a:rPr lang="de-DE" b="1" dirty="0"/>
+            </a:br>
+            <a:r>
+              <a:rPr lang="de-DE" b="1" dirty="0"/>
+              <a:t>     - </a:t>
             </a:r>
             <a:r>
               <a:rPr lang="de-DE" b="1" dirty="0" err="1"/>
@@ -11414,7 +11784,7 @@
             </a:pPr>
             <a:r>
               <a:rPr lang="en-US" dirty="0"/>
-              <a:t>Better Normalization</a:t>
+              <a:t>Better normalization</a:t>
             </a:r>
           </a:p>
           <a:p>
@@ -11424,7 +11794,7 @@
             </a:pPr>
             <a:r>
               <a:rPr lang="en-US" dirty="0"/>
-              <a:t>No Early step out</a:t>
+              <a:t>No early step out</a:t>
             </a:r>
           </a:p>
           <a:p>
@@ -11434,7 +11804,7 @@
             </a:pPr>
             <a:r>
               <a:rPr lang="en-US" dirty="0"/>
-              <a:t>Test Accuracy: 51.14%</a:t>
+              <a:t>Test accuracy: 51.14%</a:t>
             </a:r>
           </a:p>
           <a:p>
@@ -11450,7 +11820,7 @@
                   </a:schemeClr>
                 </a:solidFill>
               </a:rPr>
-              <a:t>Problem Solved: Predict 3 classes</a:t>
+              <a:t>Problem solved: Predicts 3 classes</a:t>
             </a:r>
           </a:p>
           <a:p>
@@ -11572,7 +11942,7 @@
         </p:blipFill>
         <p:spPr>
           <a:xfrm>
-            <a:off x="6409531" y="1870075"/>
+            <a:off x="6951662" y="2218867"/>
             <a:ext cx="4402138" cy="3711574"/>
           </a:xfrm>
           <a:prstGeom prst="rect">
@@ -11612,13 +11982,7 @@
       </p:grpSpPr>
       <p:sp>
         <p:nvSpPr>
-          <p:cNvPr id="2" name="Title 1">
-            <a:extLst>
-              <a:ext uri="{FF2B5EF4-FFF2-40B4-BE49-F238E27FC236}">
-                <a16:creationId xmlns:a16="http://schemas.microsoft.com/office/drawing/2014/main" id="{E78C2EF9-7E30-BF43-A0CE-B6BA7F97CE94}"/>
-              </a:ext>
-            </a:extLst>
-          </p:cNvPr>
+          <p:cNvPr id="2" name="Titre 1"/>
           <p:cNvSpPr>
             <a:spLocks noGrp="1"/>
           </p:cNvSpPr>
@@ -11633,222 +11997,48 @@
           <a:p>
             <a:r>
               <a:rPr lang="en-US" b="1" dirty="0"/>
-              <a:t>3. Modeling- Predicting the goals</a:t>
+              <a:t>3. Modelling</a:t>
             </a:r>
             <a:br>
+              <a:rPr lang="de-DE" b="1" dirty="0"/>
+            </a:br>
+            <a:r>
+              <a:rPr lang="de-DE" b="1" dirty="0"/>
+              <a:t>     - </a:t>
+            </a:r>
+            <a:r>
               <a:rPr lang="en-US" b="1" dirty="0"/>
-            </a:br>
-            <a:r>
-              <a:rPr lang="en-US" b="1" dirty="0"/>
-              <a:t>(Using Scikit)</a:t>
-            </a:r>
-          </a:p>
-        </p:txBody>
-      </p:sp>
-      <p:sp>
-        <p:nvSpPr>
-          <p:cNvPr id="3" name="Content Placeholder 2">
-            <a:extLst>
-              <a:ext uri="{FF2B5EF4-FFF2-40B4-BE49-F238E27FC236}">
-                <a16:creationId xmlns:a16="http://schemas.microsoft.com/office/drawing/2014/main" id="{217EF918-CD77-A447-9195-A094319297E9}"/>
-              </a:ext>
-            </a:extLst>
-          </p:cNvPr>
-          <p:cNvSpPr>
-            <a:spLocks noGrp="1"/>
-          </p:cNvSpPr>
-          <p:nvPr>
-            <p:ph idx="1"/>
-          </p:nvPr>
-        </p:nvSpPr>
-        <p:spPr/>
-        <p:txBody>
-          <a:bodyPr>
-            <a:normAutofit lnSpcReduction="10000"/>
-          </a:bodyPr>
-          <a:lstStyle/>
-          <a:p>
-            <a:pPr marL="285750" indent="-285750">
-              <a:buClr>
-                <a:schemeClr val="accent1">
-                  <a:lumMod val="75000"/>
-                </a:schemeClr>
-              </a:buClr>
-              <a:buFont typeface="Arial" panose="020B0604020202020204" pitchFamily="34" charset="0"/>
-              <a:buChar char="▌"/>
-            </a:pPr>
-            <a:r>
-              <a:rPr lang="en-US" b="1" dirty="0"/>
-              <a:t>Multi-Output Regressor: </a:t>
-            </a:r>
-            <a:r>
-              <a:rPr lang="en-US" dirty="0"/>
-              <a:t>Gradient Boosting Regressor</a:t>
-            </a:r>
-            <a:endParaRPr lang="en-US" b="1" dirty="0"/>
-          </a:p>
-          <a:p>
-            <a:pPr marL="742950" lvl="1" indent="-285750">
-              <a:buClr>
-                <a:schemeClr val="accent1">
-                  <a:lumMod val="60000"/>
-                  <a:lumOff val="40000"/>
-                </a:schemeClr>
-              </a:buClr>
-              <a:buFont typeface="Arial" panose="020B0604020202020204" pitchFamily="34" charset="0"/>
-              <a:buChar char="►"/>
-            </a:pPr>
-            <a:r>
-              <a:rPr lang="en-US" dirty="0"/>
-              <a:t> Quality Criteria: 79% (Home: 77%, Away:81%)</a:t>
-            </a:r>
-          </a:p>
-          <a:p>
-            <a:pPr marL="285750" indent="-285750">
-              <a:buClr>
-                <a:schemeClr val="accent1">
-                  <a:lumMod val="75000"/>
-                </a:schemeClr>
-              </a:buClr>
-              <a:buFont typeface="Arial" panose="020B0604020202020204" pitchFamily="34" charset="0"/>
-              <a:buChar char="▌"/>
-            </a:pPr>
-            <a:r>
-              <a:rPr lang="en-US" b="1" dirty="0"/>
-              <a:t>Decision Tree Regressor</a:t>
-            </a:r>
-          </a:p>
-          <a:p>
-            <a:pPr marL="742950" lvl="1" indent="-285750">
-              <a:buClr>
-                <a:schemeClr val="accent1">
-                  <a:lumMod val="60000"/>
-                  <a:lumOff val="40000"/>
-                </a:schemeClr>
-              </a:buClr>
-              <a:buFont typeface="Arial" panose="020B0604020202020204" pitchFamily="34" charset="0"/>
-              <a:buChar char="►"/>
-            </a:pPr>
-            <a:r>
-              <a:rPr lang="en-US" dirty="0"/>
-              <a:t> Quality Criteria : 77% (Home: 76%, Away:78%)</a:t>
-            </a:r>
-          </a:p>
-          <a:p>
-            <a:pPr marL="285750" indent="-285750">
-              <a:buClr>
-                <a:schemeClr val="accent1">
-                  <a:lumMod val="75000"/>
-                </a:schemeClr>
-              </a:buClr>
-              <a:buFont typeface="Arial" panose="020B0604020202020204" pitchFamily="34" charset="0"/>
-              <a:buChar char="▌"/>
-            </a:pPr>
-            <a:r>
-              <a:rPr lang="en-US" b="1" dirty="0"/>
-              <a:t>Random Forest Regressor</a:t>
-            </a:r>
-          </a:p>
-          <a:p>
-            <a:pPr marL="742950" lvl="1" indent="-285750">
-              <a:buClr>
-                <a:schemeClr val="accent1">
-                  <a:lumMod val="60000"/>
-                  <a:lumOff val="40000"/>
-                </a:schemeClr>
-              </a:buClr>
-              <a:buFont typeface="Arial" panose="020B0604020202020204" pitchFamily="34" charset="0"/>
-              <a:buChar char="►"/>
-            </a:pPr>
-            <a:r>
-              <a:rPr lang="en-US" dirty="0"/>
-              <a:t> Quality Criteria : 77% (Home: 75%, Away:79%)</a:t>
-            </a:r>
-          </a:p>
-          <a:p>
-            <a:pPr marL="285750" indent="-285750">
-              <a:buClr>
-                <a:schemeClr val="accent1">
-                  <a:lumMod val="75000"/>
-                </a:schemeClr>
-              </a:buClr>
-              <a:buFont typeface="Arial" panose="020B0604020202020204" pitchFamily="34" charset="0"/>
-              <a:buChar char="▌"/>
-            </a:pPr>
-            <a:r>
-              <a:rPr lang="en-US" b="1" dirty="0"/>
-              <a:t>MLP Regressor: </a:t>
-            </a:r>
-            <a:r>
-              <a:rPr lang="en-US" dirty="0"/>
-              <a:t>Solver Adam</a:t>
-            </a:r>
-          </a:p>
-          <a:p>
-            <a:pPr marL="742950" lvl="1" indent="-285750">
-              <a:buClr>
-                <a:schemeClr val="accent1">
-                  <a:lumMod val="60000"/>
-                  <a:lumOff val="40000"/>
-                </a:schemeClr>
-              </a:buClr>
-              <a:buFont typeface="Arial" panose="020B0604020202020204" pitchFamily="34" charset="0"/>
-              <a:buChar char="►"/>
-            </a:pPr>
-            <a:r>
-              <a:rPr lang="en-US" dirty="0"/>
-              <a:t> Quality Criteria : 79% (Home: 78%, Away:80%)</a:t>
-            </a:r>
-          </a:p>
-          <a:p>
-            <a:pPr marL="285750" indent="-285750">
-              <a:buClr>
-                <a:schemeClr val="accent1">
-                  <a:lumMod val="75000"/>
-                </a:schemeClr>
-              </a:buClr>
-              <a:buFont typeface="Arial" panose="020B0604020202020204" pitchFamily="34" charset="0"/>
-              <a:buChar char="▌"/>
-            </a:pPr>
-            <a:r>
-              <a:rPr lang="en-US" b="1" dirty="0"/>
-              <a:t>MLP Regressor: </a:t>
-            </a:r>
-            <a:r>
-              <a:rPr lang="en-US" dirty="0"/>
-              <a:t>Solver SGD</a:t>
-            </a:r>
-          </a:p>
-          <a:p>
-            <a:pPr marL="742950" lvl="1" indent="-285750">
-              <a:buClr>
-                <a:schemeClr val="accent1">
-                  <a:lumMod val="60000"/>
-                  <a:lumOff val="40000"/>
-                </a:schemeClr>
-              </a:buClr>
-              <a:buFont typeface="Arial" panose="020B0604020202020204" pitchFamily="34" charset="0"/>
-              <a:buChar char="►"/>
-            </a:pPr>
-            <a:r>
-              <a:rPr lang="en-US" dirty="0"/>
-              <a:t> Quality Criteria : 77% (Home: 75%, Away:79%)</a:t>
-            </a:r>
-          </a:p>
-          <a:p>
-            <a:endParaRPr lang="en-US" dirty="0"/>
-          </a:p>
-        </p:txBody>
-      </p:sp>
-      <p:sp>
-        <p:nvSpPr>
-          <p:cNvPr id="4" name="Date Placeholder 3">
-            <a:extLst>
-              <a:ext uri="{FF2B5EF4-FFF2-40B4-BE49-F238E27FC236}">
-                <a16:creationId xmlns:a16="http://schemas.microsoft.com/office/drawing/2014/main" id="{6FA4FF7B-E299-3A4B-8E33-042963423742}"/>
-              </a:ext>
-            </a:extLst>
-          </p:cNvPr>
+              <a:t>Multi-Class Classification</a:t>
+            </a:r>
+          </a:p>
+        </p:txBody>
+      </p:sp>
+      <p:sp>
+        <p:nvSpPr>
+          <p:cNvPr id="4" name="Espace réservé du pied de page 3"/>
+          <p:cNvSpPr>
+            <a:spLocks noGrp="1"/>
+          </p:cNvSpPr>
+          <p:nvPr>
+            <p:ph type="ftr" sz="quarter" idx="11"/>
+          </p:nvPr>
+        </p:nvSpPr>
+        <p:spPr/>
+        <p:txBody>
+          <a:bodyPr/>
+          <a:lstStyle/>
+          <a:p>
+            <a:r>
+              <a:rPr lang="de-DE"/>
+              <a:t>Lisa Boos, Till Hoffmann, Khaled Jallouli, Hemlata Prajapati</a:t>
+            </a:r>
+            <a:endParaRPr lang="de-DE" dirty="0"/>
+          </a:p>
+        </p:txBody>
+      </p:sp>
+      <p:sp>
+        <p:nvSpPr>
+          <p:cNvPr id="7" name="Espace réservé de la date 6"/>
           <p:cNvSpPr>
             <a:spLocks noGrp="1"/>
           </p:cNvSpPr>
@@ -11861,7 +12051,7 @@
           <a:bodyPr/>
           <a:lstStyle/>
           <a:p>
-            <a:fld id="{7E9C6BE6-20A7-4DCE-898C-AFAAF2200B70}" type="datetime1">
+            <a:fld id="{2CA82912-125F-43FC-A872-07B5FFBA6423}" type="datetime1">
               <a:rPr lang="de-DE" smtClean="0"/>
               <a:t>08.07.2020</a:t>
             </a:fld>
@@ -11869,40 +12059,42 @@
           </a:p>
         </p:txBody>
       </p:sp>
-      <p:sp>
-        <p:nvSpPr>
-          <p:cNvPr id="5" name="Footer Placeholder 4">
-            <a:extLst>
-              <a:ext uri="{FF2B5EF4-FFF2-40B4-BE49-F238E27FC236}">
-                <a16:creationId xmlns:a16="http://schemas.microsoft.com/office/drawing/2014/main" id="{F96D021F-BD94-ED4C-8615-0445AB48C70F}"/>
-              </a:ext>
-            </a:extLst>
-          </p:cNvPr>
-          <p:cNvSpPr>
-            <a:spLocks noGrp="1"/>
-          </p:cNvSpPr>
-          <p:nvPr>
-            <p:ph type="ftr" sz="quarter" idx="11"/>
-          </p:nvPr>
-        </p:nvSpPr>
-        <p:spPr/>
-        <p:txBody>
-          <a:bodyPr/>
-          <a:lstStyle/>
-          <a:p>
-            <a:r>
-              <a:rPr lang="de-DE"/>
-              <a:t>Lisa Boos, Till Hoffmann, Khaled Jallouli, Hemlata Prajapati</a:t>
-            </a:r>
-          </a:p>
-        </p:txBody>
-      </p:sp>
-      <p:sp>
-        <p:nvSpPr>
-          <p:cNvPr id="6" name="Slide Number Placeholder 5">
-            <a:extLst>
-              <a:ext uri="{FF2B5EF4-FFF2-40B4-BE49-F238E27FC236}">
-                <a16:creationId xmlns:a16="http://schemas.microsoft.com/office/drawing/2014/main" id="{83D71821-2DE4-914B-AC74-FB5B5D007DB3}"/>
+      <p:pic>
+        <p:nvPicPr>
+          <p:cNvPr id="9" name="Image 8"/>
+          <p:cNvPicPr>
+            <a:picLocks noChangeAspect="1"/>
+          </p:cNvPicPr>
+          <p:nvPr/>
+        </p:nvPicPr>
+        <p:blipFill>
+          <a:blip r:embed="rId3">
+            <a:extLst>
+              <a:ext uri="{28A0092B-C50C-407E-A947-70E740481C1C}">
+                <a14:useLocalDpi xmlns:a14="http://schemas.microsoft.com/office/drawing/2010/main" val="0"/>
+              </a:ext>
+            </a:extLst>
+          </a:blip>
+          <a:stretch>
+            <a:fillRect/>
+          </a:stretch>
+        </p:blipFill>
+        <p:spPr>
+          <a:xfrm>
+            <a:off x="1272035" y="2285208"/>
+            <a:ext cx="9647930" cy="3476622"/>
+          </a:xfrm>
+          <a:prstGeom prst="rect">
+            <a:avLst/>
+          </a:prstGeom>
+        </p:spPr>
+      </p:pic>
+      <p:sp>
+        <p:nvSpPr>
+          <p:cNvPr id="3" name="Foliennummernplatzhalter 2">
+            <a:extLst>
+              <a:ext uri="{FF2B5EF4-FFF2-40B4-BE49-F238E27FC236}">
+                <a16:creationId xmlns:a16="http://schemas.microsoft.com/office/drawing/2014/main" id="{13FB55AE-2413-4B2D-AAE8-51AD3F8A934E}"/>
               </a:ext>
             </a:extLst>
           </p:cNvPr>
@@ -11929,7 +12121,7 @@
     </p:spTree>
     <p:extLst>
       <p:ext uri="{BB962C8B-B14F-4D97-AF65-F5344CB8AC3E}">
-        <p14:creationId xmlns:p14="http://schemas.microsoft.com/office/powerpoint/2010/main" val="663711068"/>
+        <p14:creationId xmlns:p14="http://schemas.microsoft.com/office/powerpoint/2010/main" val="3910539004"/>
       </p:ext>
     </p:extLst>
   </p:cSld>
@@ -11978,7 +12170,7 @@
           <a:lstStyle/>
           <a:p>
             <a:r>
-              <a:rPr lang="de-DE" dirty="0"/>
+              <a:rPr lang="de-DE" b="1" dirty="0"/>
               <a:t>Agenda</a:t>
             </a:r>
           </a:p>
@@ -12056,7 +12248,10 @@
             </a:endParaRPr>
           </a:p>
           <a:p>
-            <a:pPr lvl="1"/>
+            <a:pPr marL="914400" lvl="1" indent="-457200">
+              <a:buFont typeface="+mj-lt"/>
+              <a:buAutoNum type="arabicPeriod"/>
+            </a:pPr>
             <a:r>
               <a:rPr lang="de-DE" dirty="0">
                 <a:cs typeface="Calibri"/>
@@ -12066,7 +12261,10 @@
             <a:endParaRPr lang="de-DE" dirty="0"/>
           </a:p>
           <a:p>
-            <a:pPr lvl="1"/>
+            <a:pPr marL="914400" lvl="1" indent="-457200">
+              <a:buFont typeface="+mj-lt"/>
+              <a:buAutoNum type="arabicPeriod"/>
+            </a:pPr>
             <a:r>
               <a:rPr lang="de-DE" dirty="0">
                 <a:ea typeface="+mn-lt"/>
@@ -12084,7 +12282,10 @@
             <a:endParaRPr lang="de-DE" dirty="0" err="1"/>
           </a:p>
           <a:p>
-            <a:pPr lvl="1"/>
+            <a:pPr marL="914400" lvl="1" indent="-457200">
+              <a:buFont typeface="+mj-lt"/>
+              <a:buAutoNum type="arabicPeriod"/>
+            </a:pPr>
             <a:r>
               <a:rPr lang="de-DE" dirty="0"/>
               <a:t>Data </a:t>
@@ -12099,14 +12300,20 @@
             </a:r>
           </a:p>
           <a:p>
-            <a:pPr lvl="1"/>
+            <a:pPr marL="914400" lvl="1" indent="-457200">
+              <a:buFont typeface="+mj-lt"/>
+              <a:buAutoNum type="arabicPeriod"/>
+            </a:pPr>
             <a:r>
               <a:rPr lang="de-DE" dirty="0"/>
               <a:t>Modelling</a:t>
             </a:r>
           </a:p>
           <a:p>
-            <a:pPr lvl="1"/>
+            <a:pPr marL="914400" lvl="1" indent="-457200">
+              <a:buFont typeface="+mj-lt"/>
+              <a:buAutoNum type="arabicPeriod"/>
+            </a:pPr>
             <a:r>
               <a:rPr lang="de-DE" dirty="0" err="1"/>
               <a:t>Deployment</a:t>
@@ -12114,14 +12321,24 @@
             <a:endParaRPr lang="de-DE" dirty="0"/>
           </a:p>
           <a:p>
-            <a:pPr lvl="1"/>
+            <a:pPr marL="914400" lvl="1" indent="-457200">
+              <a:buFont typeface="+mj-lt"/>
+              <a:buAutoNum type="arabicPeriod"/>
+            </a:pPr>
             <a:r>
               <a:rPr lang="de-DE" dirty="0" err="1"/>
               <a:t>Conclusion</a:t>
             </a:r>
+            <a:endParaRPr lang="de-DE" dirty="0"/>
+          </a:p>
+          <a:p>
+            <a:pPr marL="914400" lvl="1" indent="-457200">
+              <a:buFont typeface="+mj-lt"/>
+              <a:buAutoNum type="arabicPeriod"/>
+            </a:pPr>
             <a:r>
               <a:rPr lang="de-DE" dirty="0"/>
-              <a:t> &amp; Outlook</a:t>
+              <a:t>Outlook</a:t>
             </a:r>
           </a:p>
         </p:txBody>
@@ -12265,13 +12482,7 @@
       </p:grpSpPr>
       <p:sp>
         <p:nvSpPr>
-          <p:cNvPr id="2" name="Title 1">
-            <a:extLst>
-              <a:ext uri="{FF2B5EF4-FFF2-40B4-BE49-F238E27FC236}">
-                <a16:creationId xmlns:a16="http://schemas.microsoft.com/office/drawing/2014/main" id="{B877C95B-C883-E549-BE75-346DB8072961}"/>
-              </a:ext>
-            </a:extLst>
-          </p:cNvPr>
+          <p:cNvPr id="2" name="Titre 1"/>
           <p:cNvSpPr>
             <a:spLocks noGrp="1"/>
           </p:cNvSpPr>
@@ -12279,42 +12490,154 @@
             <p:ph type="title"/>
           </p:nvPr>
         </p:nvSpPr>
+        <p:spPr/>
+        <p:txBody>
+          <a:bodyPr/>
+          <a:lstStyle/>
+          <a:p>
+            <a:r>
+              <a:rPr lang="en-US" b="1" dirty="0"/>
+              <a:t>3. Modelling</a:t>
+            </a:r>
+            <a:br>
+              <a:rPr lang="de-DE" b="1" dirty="0"/>
+            </a:br>
+            <a:r>
+              <a:rPr lang="de-DE" b="1" dirty="0"/>
+              <a:t>     - </a:t>
+            </a:r>
+            <a:r>
+              <a:rPr lang="en-US" b="1" dirty="0"/>
+              <a:t>Multi-Class Classification</a:t>
+            </a:r>
+          </a:p>
+        </p:txBody>
+      </p:sp>
+      <p:sp>
+        <p:nvSpPr>
+          <p:cNvPr id="4" name="Espace réservé du pied de page 3"/>
+          <p:cNvSpPr>
+            <a:spLocks noGrp="1"/>
+          </p:cNvSpPr>
+          <p:nvPr>
+            <p:ph type="ftr" sz="quarter" idx="11"/>
+          </p:nvPr>
+        </p:nvSpPr>
+        <p:spPr/>
+        <p:txBody>
+          <a:bodyPr/>
+          <a:lstStyle/>
+          <a:p>
+            <a:r>
+              <a:rPr lang="de-DE"/>
+              <a:t>Lisa Boos, Till Hoffmann, Khaled Jallouli, Hemlata Prajapati</a:t>
+            </a:r>
+            <a:endParaRPr lang="de-DE" dirty="0"/>
+          </a:p>
+        </p:txBody>
+      </p:sp>
+      <p:sp>
+        <p:nvSpPr>
+          <p:cNvPr id="7" name="Espace réservé de la date 6"/>
+          <p:cNvSpPr>
+            <a:spLocks noGrp="1"/>
+          </p:cNvSpPr>
+          <p:nvPr>
+            <p:ph type="dt" sz="half" idx="10"/>
+          </p:nvPr>
+        </p:nvSpPr>
+        <p:spPr/>
+        <p:txBody>
+          <a:bodyPr/>
+          <a:lstStyle/>
+          <a:p>
+            <a:fld id="{4B6C2BC7-A1AC-4F23-B303-50B5C0868CD1}" type="datetime1">
+              <a:rPr lang="de-DE" smtClean="0"/>
+              <a:t>08.07.2020</a:t>
+            </a:fld>
+            <a:endParaRPr lang="de-DE"/>
+          </a:p>
+        </p:txBody>
+      </p:sp>
+      <p:pic>
+        <p:nvPicPr>
+          <p:cNvPr id="10" name="Image 9"/>
+          <p:cNvPicPr>
+            <a:picLocks noChangeAspect="1"/>
+          </p:cNvPicPr>
+          <p:nvPr/>
+        </p:nvPicPr>
+        <p:blipFill>
+          <a:blip r:embed="rId3">
+            <a:extLst>
+              <a:ext uri="{28A0092B-C50C-407E-A947-70E740481C1C}">
+                <a14:useLocalDpi xmlns:a14="http://schemas.microsoft.com/office/drawing/2010/main" val="0"/>
+              </a:ext>
+            </a:extLst>
+          </a:blip>
+          <a:stretch>
+            <a:fillRect/>
+          </a:stretch>
+        </p:blipFill>
         <p:spPr>
           <a:xfrm>
-            <a:off x="838200" y="365125"/>
-            <a:ext cx="8305800" cy="1325563"/>
+            <a:off x="838200" y="2807514"/>
+            <a:ext cx="4876800" cy="3272175"/>
           </a:xfrm>
+          <a:prstGeom prst="rect">
+            <a:avLst/>
+          </a:prstGeom>
         </p:spPr>
-        <p:txBody>
-          <a:bodyPr/>
-          <a:lstStyle/>
-          <a:p>
-            <a:r>
-              <a:rPr lang="en-US" dirty="0"/>
-              <a:t>Modeling- Predicting the goals (using Keras)</a:t>
-            </a:r>
-          </a:p>
-        </p:txBody>
-      </p:sp>
-      <p:sp>
-        <p:nvSpPr>
-          <p:cNvPr id="3" name="Content Placeholder 2">
-            <a:extLst>
-              <a:ext uri="{FF2B5EF4-FFF2-40B4-BE49-F238E27FC236}">
-                <a16:creationId xmlns:a16="http://schemas.microsoft.com/office/drawing/2014/main" id="{ED73BD12-4ECB-FD41-9333-E0F1B5E15F33}"/>
-              </a:ext>
-            </a:extLst>
-          </p:cNvPr>
-          <p:cNvSpPr>
-            <a:spLocks noGrp="1"/>
-          </p:cNvSpPr>
-          <p:nvPr>
-            <p:ph idx="1"/>
-          </p:nvPr>
-        </p:nvSpPr>
-        <p:spPr/>
-        <p:txBody>
-          <a:bodyPr/>
+      </p:pic>
+      <p:pic>
+        <p:nvPicPr>
+          <p:cNvPr id="3" name="Image 2"/>
+          <p:cNvPicPr>
+            <a:picLocks noChangeAspect="1"/>
+          </p:cNvPicPr>
+          <p:nvPr/>
+        </p:nvPicPr>
+        <p:blipFill>
+          <a:blip r:embed="rId4">
+            <a:extLst>
+              <a:ext uri="{28A0092B-C50C-407E-A947-70E740481C1C}">
+                <a14:useLocalDpi xmlns:a14="http://schemas.microsoft.com/office/drawing/2010/main" val="0"/>
+              </a:ext>
+            </a:extLst>
+          </a:blip>
+          <a:stretch>
+            <a:fillRect/>
+          </a:stretch>
+        </p:blipFill>
+        <p:spPr>
+          <a:xfrm>
+            <a:off x="6096000" y="2807514"/>
+            <a:ext cx="5035749" cy="3272175"/>
+          </a:xfrm>
+          <a:prstGeom prst="rect">
+            <a:avLst/>
+          </a:prstGeom>
+        </p:spPr>
+      </p:pic>
+      <p:sp>
+        <p:nvSpPr>
+          <p:cNvPr id="5" name="Rectangle 4"/>
+          <p:cNvSpPr/>
+          <p:nvPr/>
+        </p:nvSpPr>
+        <p:spPr>
+          <a:xfrm>
+            <a:off x="838200" y="1699687"/>
+            <a:ext cx="6096000" cy="954107"/>
+          </a:xfrm>
+          <a:prstGeom prst="rect">
+            <a:avLst/>
+          </a:prstGeom>
+        </p:spPr>
+        <p:txBody>
+          <a:bodyPr>
+            <a:spAutoFit/>
+          </a:bodyPr>
           <a:lstStyle/>
           <a:p>
             <a:pPr marL="285750" indent="-285750">
@@ -12327,159 +12650,63 @@
               <a:buChar char="▌"/>
             </a:pPr>
             <a:r>
-              <a:rPr lang="en-US" b="1" dirty="0"/>
-              <a:t>ANN</a:t>
-            </a:r>
-          </a:p>
-          <a:p>
-            <a:pPr marL="742950" lvl="1" indent="-285750">
+              <a:rPr lang="en-GB" b="1" dirty="0"/>
+              <a:t>Quality test accuracy:</a:t>
+            </a:r>
+            <a:r>
+              <a:rPr lang="en-GB" dirty="0"/>
+              <a:t> 80%</a:t>
+            </a:r>
+            <a:endParaRPr lang="en-US" dirty="0">
+              <a:latin typeface="Calibri" panose="020F0502020204030204" pitchFamily="34" charset="0"/>
+              <a:ea typeface="Calibri" panose="020F0502020204030204" pitchFamily="34" charset="0"/>
+              <a:cs typeface="Arial" panose="020B0604020202020204" pitchFamily="34" charset="0"/>
+            </a:endParaRPr>
+          </a:p>
+          <a:p>
+            <a:pPr marL="285750" indent="-285750">
               <a:buClr>
                 <a:schemeClr val="accent1">
-                  <a:lumMod val="60000"/>
-                  <a:lumOff val="40000"/>
+                  <a:lumMod val="75000"/>
                 </a:schemeClr>
               </a:buClr>
               <a:buFont typeface="Arial" panose="020B0604020202020204" pitchFamily="34" charset="0"/>
-              <a:buChar char="►"/>
+              <a:buChar char="▌"/>
             </a:pPr>
-            <a:r>
-              <a:rPr lang="en-US" dirty="0"/>
-              <a:t> 21 features in Input layer, 3 Hidden layers (30,20,10) and Output layer (2)</a:t>
-            </a:r>
-          </a:p>
-          <a:p>
-            <a:pPr marL="742950" lvl="1" indent="-285750">
+            <a:endParaRPr lang="en-US" dirty="0"/>
+          </a:p>
+          <a:p>
+            <a:pPr marL="285750" indent="-285750">
               <a:buClr>
                 <a:schemeClr val="accent1">
-                  <a:lumMod val="60000"/>
-                  <a:lumOff val="40000"/>
+                  <a:lumMod val="75000"/>
                 </a:schemeClr>
               </a:buClr>
               <a:buFont typeface="Arial" panose="020B0604020202020204" pitchFamily="34" charset="0"/>
-              <a:buChar char="►"/>
+              <a:buChar char="▌"/>
             </a:pPr>
             <a:r>
-              <a:rPr lang="en-IN" dirty="0"/>
-              <a:t>Test Accuracy: 47 %</a:t>
-            </a:r>
-            <a:endParaRPr lang="en-US" dirty="0"/>
-          </a:p>
-          <a:p>
-            <a:pPr marL="742950" lvl="1" indent="-285750">
-              <a:buClr>
-                <a:schemeClr val="accent1">
-                  <a:lumMod val="60000"/>
-                  <a:lumOff val="40000"/>
-                </a:schemeClr>
-              </a:buClr>
-              <a:buFont typeface="Arial" panose="020B0604020202020204" pitchFamily="34" charset="0"/>
-              <a:buChar char="►"/>
-            </a:pPr>
-            <a:r>
-              <a:rPr lang="en-US" dirty="0"/>
-              <a:t> Quality Criteria: </a:t>
-            </a:r>
-          </a:p>
-          <a:p>
-            <a:pPr marL="1200150" lvl="2" indent="-285750">
-              <a:buClr>
-                <a:schemeClr val="accent1">
-                  <a:lumMod val="60000"/>
-                  <a:lumOff val="40000"/>
-                </a:schemeClr>
-              </a:buClr>
-              <a:buFont typeface="Arial" panose="020B0604020202020204" pitchFamily="34" charset="0"/>
-              <a:buChar char="►"/>
-            </a:pPr>
-            <a:r>
-              <a:rPr lang="en-US" dirty="0"/>
-              <a:t>Training: 79% (Home: 78%, Away:80%)</a:t>
-            </a:r>
-          </a:p>
-          <a:p>
-            <a:pPr marL="1200150" lvl="2" indent="-285750">
-              <a:buClr>
-                <a:schemeClr val="accent1">
-                  <a:lumMod val="60000"/>
-                  <a:lumOff val="40000"/>
-                </a:schemeClr>
-              </a:buClr>
-              <a:buFont typeface="Arial" panose="020B0604020202020204" pitchFamily="34" charset="0"/>
-              <a:buChar char="►"/>
-            </a:pPr>
-            <a:r>
-              <a:rPr lang="en-US" dirty="0"/>
-              <a:t>Test: 78% (Home: 77%, Away:80%)</a:t>
-            </a:r>
-          </a:p>
-          <a:p>
-            <a:endParaRPr lang="en-US" dirty="0"/>
-          </a:p>
-        </p:txBody>
-      </p:sp>
-      <p:sp>
-        <p:nvSpPr>
-          <p:cNvPr id="4" name="Date Placeholder 3">
-            <a:extLst>
-              <a:ext uri="{FF2B5EF4-FFF2-40B4-BE49-F238E27FC236}">
-                <a16:creationId xmlns:a16="http://schemas.microsoft.com/office/drawing/2014/main" id="{833AB5A6-A4C9-B34B-84D8-BBC2E62C7FB9}"/>
-              </a:ext>
-            </a:extLst>
-          </p:cNvPr>
-          <p:cNvSpPr>
-            <a:spLocks noGrp="1"/>
-          </p:cNvSpPr>
-          <p:nvPr>
-            <p:ph type="dt" sz="half" idx="10"/>
-          </p:nvPr>
-        </p:nvSpPr>
-        <p:spPr/>
-        <p:txBody>
-          <a:bodyPr/>
-          <a:lstStyle/>
-          <a:p>
-            <a:fld id="{596E9DDF-1D90-4BD9-B937-2107135F8F05}" type="datetime1">
-              <a:rPr lang="de-DE" smtClean="0"/>
-              <a:t>08.07.2020</a:t>
-            </a:fld>
-            <a:endParaRPr lang="de-DE"/>
-          </a:p>
-        </p:txBody>
-      </p:sp>
-      <p:sp>
-        <p:nvSpPr>
-          <p:cNvPr id="5" name="Footer Placeholder 4">
-            <a:extLst>
-              <a:ext uri="{FF2B5EF4-FFF2-40B4-BE49-F238E27FC236}">
-                <a16:creationId xmlns:a16="http://schemas.microsoft.com/office/drawing/2014/main" id="{9F38D1A9-D7D9-F340-A8A7-9406C37FFD0E}"/>
-              </a:ext>
-            </a:extLst>
-          </p:cNvPr>
-          <p:cNvSpPr>
-            <a:spLocks noGrp="1"/>
-          </p:cNvSpPr>
-          <p:nvPr>
-            <p:ph type="ftr" sz="quarter" idx="11"/>
-          </p:nvPr>
-        </p:nvSpPr>
-        <p:spPr/>
-        <p:txBody>
-          <a:bodyPr/>
-          <a:lstStyle/>
-          <a:p>
-            <a:r>
-              <a:rPr lang="de-DE"/>
-              <a:t>Lisa Boos, Till Hoffmann, Khaled Jallouli, Hemlata Prajapati</a:t>
-            </a:r>
-          </a:p>
-        </p:txBody>
-      </p:sp>
-      <p:sp>
-        <p:nvSpPr>
-          <p:cNvPr id="6" name="Slide Number Placeholder 5">
-            <a:extLst>
-              <a:ext uri="{FF2B5EF4-FFF2-40B4-BE49-F238E27FC236}">
-                <a16:creationId xmlns:a16="http://schemas.microsoft.com/office/drawing/2014/main" id="{D5D65B65-FB02-F44B-BDDB-61AE51D5B8B3}"/>
+              <a:rPr lang="en-GB" b="1" dirty="0"/>
+              <a:t>Test accuracy: </a:t>
+            </a:r>
+            <a:r>
+              <a:rPr lang="en-GB" dirty="0"/>
+              <a:t>34%</a:t>
+            </a:r>
+            <a:endParaRPr lang="en-US" dirty="0">
+              <a:latin typeface="Calibri" panose="020F0502020204030204" pitchFamily="34" charset="0"/>
+              <a:ea typeface="Calibri" panose="020F0502020204030204" pitchFamily="34" charset="0"/>
+              <a:cs typeface="Arial" panose="020B0604020202020204" pitchFamily="34" charset="0"/>
+            </a:endParaRPr>
+          </a:p>
+        </p:txBody>
+      </p:sp>
+      <p:sp>
+        <p:nvSpPr>
+          <p:cNvPr id="6" name="Foliennummernplatzhalter 5">
+            <a:extLst>
+              <a:ext uri="{FF2B5EF4-FFF2-40B4-BE49-F238E27FC236}">
+                <a16:creationId xmlns:a16="http://schemas.microsoft.com/office/drawing/2014/main" id="{86276B9C-EFEB-4640-B9C6-3554F9090A8A}"/>
               </a:ext>
             </a:extLst>
           </p:cNvPr>
@@ -12503,44 +12730,10 @@
           </a:p>
         </p:txBody>
       </p:sp>
-      <p:pic>
-        <p:nvPicPr>
-          <p:cNvPr id="7" name="Picture 6">
-            <a:extLst>
-              <a:ext uri="{FF2B5EF4-FFF2-40B4-BE49-F238E27FC236}">
-                <a16:creationId xmlns:a16="http://schemas.microsoft.com/office/drawing/2014/main" id="{262BC9EE-54AB-284E-BBD7-315F0E334D36}"/>
-              </a:ext>
-            </a:extLst>
-          </p:cNvPr>
-          <p:cNvPicPr/>
-          <p:nvPr/>
-        </p:nvPicPr>
-        <p:blipFill>
-          <a:blip r:embed="rId3">
-            <a:extLst>
-              <a:ext uri="{28A0092B-C50C-407E-A947-70E740481C1C}">
-                <a14:useLocalDpi xmlns:a14="http://schemas.microsoft.com/office/drawing/2010/main" val="0"/>
-              </a:ext>
-            </a:extLst>
-          </a:blip>
-          <a:stretch>
-            <a:fillRect/>
-          </a:stretch>
-        </p:blipFill>
-        <p:spPr>
-          <a:xfrm>
-            <a:off x="6686550" y="2778189"/>
-            <a:ext cx="4529138" cy="3398774"/>
-          </a:xfrm>
-          <a:prstGeom prst="rect">
-            <a:avLst/>
-          </a:prstGeom>
-        </p:spPr>
-      </p:pic>
     </p:spTree>
     <p:extLst>
       <p:ext uri="{BB962C8B-B14F-4D97-AF65-F5344CB8AC3E}">
-        <p14:creationId xmlns:p14="http://schemas.microsoft.com/office/powerpoint/2010/main" val="2955837216"/>
+        <p14:creationId xmlns:p14="http://schemas.microsoft.com/office/powerpoint/2010/main" val="1977777915"/>
       </p:ext>
     </p:extLst>
   </p:cSld>
@@ -12569,7 +12762,13 @@
       </p:grpSpPr>
       <p:sp>
         <p:nvSpPr>
-          <p:cNvPr id="2" name="Titre 1"/>
+          <p:cNvPr id="2" name="Title 1">
+            <a:extLst>
+              <a:ext uri="{FF2B5EF4-FFF2-40B4-BE49-F238E27FC236}">
+                <a16:creationId xmlns:a16="http://schemas.microsoft.com/office/drawing/2014/main" id="{E78C2EF9-7E30-BF43-A0CE-B6BA7F97CE94}"/>
+              </a:ext>
+            </a:extLst>
+          </p:cNvPr>
           <p:cNvSpPr>
             <a:spLocks noGrp="1"/>
           </p:cNvSpPr>
@@ -12579,42 +12778,233 @@
         </p:nvSpPr>
         <p:spPr/>
         <p:txBody>
-          <a:bodyPr/>
+          <a:bodyPr>
+            <a:normAutofit/>
+          </a:bodyPr>
           <a:lstStyle/>
           <a:p>
             <a:r>
               <a:rPr lang="en-US" b="1" dirty="0"/>
-              <a:t>Multi-Class Classification</a:t>
-            </a:r>
-          </a:p>
-        </p:txBody>
-      </p:sp>
-      <p:sp>
-        <p:nvSpPr>
-          <p:cNvPr id="4" name="Espace réservé du pied de page 3"/>
-          <p:cNvSpPr>
-            <a:spLocks noGrp="1"/>
-          </p:cNvSpPr>
-          <p:nvPr>
-            <p:ph type="ftr" sz="quarter" idx="11"/>
-          </p:nvPr>
-        </p:nvSpPr>
-        <p:spPr/>
-        <p:txBody>
-          <a:bodyPr/>
-          <a:lstStyle/>
-          <a:p>
-            <a:r>
-              <a:rPr lang="de-DE"/>
-              <a:t>Lisa Boos, Till Hoffmann, Khaled Jallouli, Hemlata Prajapati</a:t>
-            </a:r>
-            <a:endParaRPr lang="de-DE" dirty="0"/>
-          </a:p>
-        </p:txBody>
-      </p:sp>
-      <p:sp>
-        <p:nvSpPr>
-          <p:cNvPr id="7" name="Espace réservé de la date 6"/>
+              <a:t>3. Modelling</a:t>
+            </a:r>
+            <a:br>
+              <a:rPr lang="de-DE" b="1" dirty="0"/>
+            </a:br>
+            <a:r>
+              <a:rPr lang="de-DE" b="1" dirty="0"/>
+              <a:t>     - </a:t>
+            </a:r>
+            <a:r>
+              <a:rPr lang="en-US" b="1" dirty="0"/>
+              <a:t>Predicting the goals (using Scikit)</a:t>
+            </a:r>
+          </a:p>
+        </p:txBody>
+      </p:sp>
+      <p:sp>
+        <p:nvSpPr>
+          <p:cNvPr id="3" name="Content Placeholder 2">
+            <a:extLst>
+              <a:ext uri="{FF2B5EF4-FFF2-40B4-BE49-F238E27FC236}">
+                <a16:creationId xmlns:a16="http://schemas.microsoft.com/office/drawing/2014/main" id="{217EF918-CD77-A447-9195-A094319297E9}"/>
+              </a:ext>
+            </a:extLst>
+          </p:cNvPr>
+          <p:cNvSpPr>
+            <a:spLocks noGrp="1"/>
+          </p:cNvSpPr>
+          <p:nvPr>
+            <p:ph idx="1"/>
+          </p:nvPr>
+        </p:nvSpPr>
+        <p:spPr/>
+        <p:txBody>
+          <a:bodyPr>
+            <a:normAutofit lnSpcReduction="10000"/>
+          </a:bodyPr>
+          <a:lstStyle/>
+          <a:p>
+            <a:pPr marL="285750" indent="-285750">
+              <a:buClr>
+                <a:schemeClr val="accent1">
+                  <a:lumMod val="75000"/>
+                </a:schemeClr>
+              </a:buClr>
+              <a:buFont typeface="Arial" panose="020B0604020202020204" pitchFamily="34" charset="0"/>
+              <a:buChar char="▌"/>
+            </a:pPr>
+            <a:r>
+              <a:rPr lang="en-US" b="1" dirty="0"/>
+              <a:t>Multi-Output Regressor: </a:t>
+            </a:r>
+            <a:r>
+              <a:rPr lang="en-US" dirty="0"/>
+              <a:t>Gradient boosting regressor</a:t>
+            </a:r>
+            <a:endParaRPr lang="en-US" b="1" dirty="0"/>
+          </a:p>
+          <a:p>
+            <a:pPr marL="742950" lvl="1" indent="-285750">
+              <a:buClr>
+                <a:schemeClr val="accent1">
+                  <a:lumMod val="60000"/>
+                  <a:lumOff val="40000"/>
+                </a:schemeClr>
+              </a:buClr>
+              <a:buFont typeface="Arial" panose="020B0604020202020204" pitchFamily="34" charset="0"/>
+              <a:buChar char="►"/>
+            </a:pPr>
+            <a:r>
+              <a:rPr lang="en-US" dirty="0"/>
+              <a:t> Quality Criteria: 79% (Home: 77%, Away:81%)</a:t>
+            </a:r>
+          </a:p>
+          <a:p>
+            <a:pPr marL="285750" indent="-285750">
+              <a:buClr>
+                <a:schemeClr val="accent1">
+                  <a:lumMod val="75000"/>
+                </a:schemeClr>
+              </a:buClr>
+              <a:buFont typeface="Arial" panose="020B0604020202020204" pitchFamily="34" charset="0"/>
+              <a:buChar char="▌"/>
+            </a:pPr>
+            <a:r>
+              <a:rPr lang="en-US" b="1" dirty="0"/>
+              <a:t>Decision Tree Regressor</a:t>
+            </a:r>
+          </a:p>
+          <a:p>
+            <a:pPr marL="742950" lvl="1" indent="-285750">
+              <a:buClr>
+                <a:schemeClr val="accent1">
+                  <a:lumMod val="60000"/>
+                  <a:lumOff val="40000"/>
+                </a:schemeClr>
+              </a:buClr>
+              <a:buFont typeface="Arial" panose="020B0604020202020204" pitchFamily="34" charset="0"/>
+              <a:buChar char="►"/>
+            </a:pPr>
+            <a:r>
+              <a:rPr lang="en-US" dirty="0"/>
+              <a:t> Quality Criteria : 77% (Home: 76%, Away:78%)</a:t>
+            </a:r>
+          </a:p>
+          <a:p>
+            <a:pPr marL="285750" indent="-285750">
+              <a:buClr>
+                <a:schemeClr val="accent1">
+                  <a:lumMod val="75000"/>
+                </a:schemeClr>
+              </a:buClr>
+              <a:buFont typeface="Arial" panose="020B0604020202020204" pitchFamily="34" charset="0"/>
+              <a:buChar char="▌"/>
+            </a:pPr>
+            <a:r>
+              <a:rPr lang="en-US" b="1" dirty="0"/>
+              <a:t>Random Forest Regressor</a:t>
+            </a:r>
+          </a:p>
+          <a:p>
+            <a:pPr marL="742950" lvl="1" indent="-285750">
+              <a:buClr>
+                <a:schemeClr val="accent1">
+                  <a:lumMod val="60000"/>
+                  <a:lumOff val="40000"/>
+                </a:schemeClr>
+              </a:buClr>
+              <a:buFont typeface="Arial" panose="020B0604020202020204" pitchFamily="34" charset="0"/>
+              <a:buChar char="►"/>
+            </a:pPr>
+            <a:r>
+              <a:rPr lang="en-US" dirty="0"/>
+              <a:t> Quality Criteria : 77% (Home: 75%, Away:79%)</a:t>
+            </a:r>
+          </a:p>
+          <a:p>
+            <a:pPr marL="285750" indent="-285750">
+              <a:buClr>
+                <a:schemeClr val="accent1">
+                  <a:lumMod val="75000"/>
+                </a:schemeClr>
+              </a:buClr>
+              <a:buFont typeface="Arial" panose="020B0604020202020204" pitchFamily="34" charset="0"/>
+              <a:buChar char="▌"/>
+            </a:pPr>
+            <a:r>
+              <a:rPr lang="en-US" b="1" dirty="0"/>
+              <a:t>MLP Regressor: </a:t>
+            </a:r>
+            <a:r>
+              <a:rPr lang="en-US" dirty="0"/>
+              <a:t>Solver Adam</a:t>
+            </a:r>
+          </a:p>
+          <a:p>
+            <a:pPr marL="742950" lvl="1" indent="-285750">
+              <a:buClr>
+                <a:schemeClr val="accent1">
+                  <a:lumMod val="60000"/>
+                  <a:lumOff val="40000"/>
+                </a:schemeClr>
+              </a:buClr>
+              <a:buFont typeface="Arial" panose="020B0604020202020204" pitchFamily="34" charset="0"/>
+              <a:buChar char="►"/>
+            </a:pPr>
+            <a:r>
+              <a:rPr lang="en-US" dirty="0"/>
+              <a:t> Quality Criteria : 79% (Home: 78%, Away:80%)</a:t>
+            </a:r>
+          </a:p>
+          <a:p>
+            <a:pPr marL="285750" indent="-285750">
+              <a:buClr>
+                <a:schemeClr val="accent1">
+                  <a:lumMod val="75000"/>
+                </a:schemeClr>
+              </a:buClr>
+              <a:buFont typeface="Arial" panose="020B0604020202020204" pitchFamily="34" charset="0"/>
+              <a:buChar char="▌"/>
+            </a:pPr>
+            <a:r>
+              <a:rPr lang="en-US" b="1" dirty="0"/>
+              <a:t>MLP Regressor: </a:t>
+            </a:r>
+            <a:r>
+              <a:rPr lang="en-US" dirty="0"/>
+              <a:t>Solver SGD</a:t>
+            </a:r>
+          </a:p>
+          <a:p>
+            <a:pPr marL="742950" lvl="1" indent="-285750">
+              <a:buClr>
+                <a:schemeClr val="accent1">
+                  <a:lumMod val="60000"/>
+                  <a:lumOff val="40000"/>
+                </a:schemeClr>
+              </a:buClr>
+              <a:buFont typeface="Arial" panose="020B0604020202020204" pitchFamily="34" charset="0"/>
+              <a:buChar char="►"/>
+            </a:pPr>
+            <a:r>
+              <a:rPr lang="en-US" dirty="0"/>
+              <a:t> Quality Criteria : 77% (Home: 75%, Away:79%)</a:t>
+            </a:r>
+          </a:p>
+          <a:p>
+            <a:endParaRPr lang="en-US" dirty="0"/>
+          </a:p>
+        </p:txBody>
+      </p:sp>
+      <p:sp>
+        <p:nvSpPr>
+          <p:cNvPr id="4" name="Date Placeholder 3">
+            <a:extLst>
+              <a:ext uri="{FF2B5EF4-FFF2-40B4-BE49-F238E27FC236}">
+                <a16:creationId xmlns:a16="http://schemas.microsoft.com/office/drawing/2014/main" id="{6FA4FF7B-E299-3A4B-8E33-042963423742}"/>
+              </a:ext>
+            </a:extLst>
+          </p:cNvPr>
           <p:cNvSpPr>
             <a:spLocks noGrp="1"/>
           </p:cNvSpPr>
@@ -12627,7 +13017,7 @@
           <a:bodyPr/>
           <a:lstStyle/>
           <a:p>
-            <a:fld id="{2CA82912-125F-43FC-A872-07B5FFBA6423}" type="datetime1">
+            <a:fld id="{7E9C6BE6-20A7-4DCE-898C-AFAAF2200B70}" type="datetime1">
               <a:rPr lang="de-DE" smtClean="0"/>
               <a:t>08.07.2020</a:t>
             </a:fld>
@@ -12635,42 +13025,40 @@
           </a:p>
         </p:txBody>
       </p:sp>
-      <p:pic>
-        <p:nvPicPr>
-          <p:cNvPr id="9" name="Image 8"/>
-          <p:cNvPicPr>
-            <a:picLocks noChangeAspect="1"/>
-          </p:cNvPicPr>
-          <p:nvPr/>
-        </p:nvPicPr>
-        <p:blipFill>
-          <a:blip r:embed="rId3">
-            <a:extLst>
-              <a:ext uri="{28A0092B-C50C-407E-A947-70E740481C1C}">
-                <a14:useLocalDpi xmlns:a14="http://schemas.microsoft.com/office/drawing/2010/main" val="0"/>
-              </a:ext>
-            </a:extLst>
-          </a:blip>
-          <a:stretch>
-            <a:fillRect/>
-          </a:stretch>
-        </p:blipFill>
-        <p:spPr>
-          <a:xfrm>
-            <a:off x="838200" y="1819026"/>
-            <a:ext cx="9647930" cy="3476622"/>
-          </a:xfrm>
-          <a:prstGeom prst="rect">
-            <a:avLst/>
-          </a:prstGeom>
-        </p:spPr>
-      </p:pic>
-      <p:sp>
-        <p:nvSpPr>
-          <p:cNvPr id="3" name="Foliennummernplatzhalter 2">
-            <a:extLst>
-              <a:ext uri="{FF2B5EF4-FFF2-40B4-BE49-F238E27FC236}">
-                <a16:creationId xmlns:a16="http://schemas.microsoft.com/office/drawing/2014/main" id="{13FB55AE-2413-4B2D-AAE8-51AD3F8A934E}"/>
+      <p:sp>
+        <p:nvSpPr>
+          <p:cNvPr id="5" name="Footer Placeholder 4">
+            <a:extLst>
+              <a:ext uri="{FF2B5EF4-FFF2-40B4-BE49-F238E27FC236}">
+                <a16:creationId xmlns:a16="http://schemas.microsoft.com/office/drawing/2014/main" id="{F96D021F-BD94-ED4C-8615-0445AB48C70F}"/>
+              </a:ext>
+            </a:extLst>
+          </p:cNvPr>
+          <p:cNvSpPr>
+            <a:spLocks noGrp="1"/>
+          </p:cNvSpPr>
+          <p:nvPr>
+            <p:ph type="ftr" sz="quarter" idx="11"/>
+          </p:nvPr>
+        </p:nvSpPr>
+        <p:spPr/>
+        <p:txBody>
+          <a:bodyPr/>
+          <a:lstStyle/>
+          <a:p>
+            <a:r>
+              <a:rPr lang="de-DE"/>
+              <a:t>Lisa Boos, Till Hoffmann, Khaled Jallouli, Hemlata Prajapati</a:t>
+            </a:r>
+          </a:p>
+        </p:txBody>
+      </p:sp>
+      <p:sp>
+        <p:nvSpPr>
+          <p:cNvPr id="6" name="Slide Number Placeholder 5">
+            <a:extLst>
+              <a:ext uri="{FF2B5EF4-FFF2-40B4-BE49-F238E27FC236}">
+                <a16:creationId xmlns:a16="http://schemas.microsoft.com/office/drawing/2014/main" id="{83D71821-2DE4-914B-AC74-FB5B5D007DB3}"/>
               </a:ext>
             </a:extLst>
           </p:cNvPr>
@@ -12697,7 +13085,7 @@
     </p:spTree>
     <p:extLst>
       <p:ext uri="{BB962C8B-B14F-4D97-AF65-F5344CB8AC3E}">
-        <p14:creationId xmlns:p14="http://schemas.microsoft.com/office/powerpoint/2010/main" val="3910539004"/>
+        <p14:creationId xmlns:p14="http://schemas.microsoft.com/office/powerpoint/2010/main" val="663711068"/>
       </p:ext>
     </p:extLst>
   </p:cSld>
@@ -12726,7 +13114,13 @@
       </p:grpSpPr>
       <p:sp>
         <p:nvSpPr>
-          <p:cNvPr id="2" name="Titre 1"/>
+          <p:cNvPr id="2" name="Title 1">
+            <a:extLst>
+              <a:ext uri="{FF2B5EF4-FFF2-40B4-BE49-F238E27FC236}">
+                <a16:creationId xmlns:a16="http://schemas.microsoft.com/office/drawing/2014/main" id="{B877C95B-C883-E549-BE75-346DB8072961}"/>
+              </a:ext>
+            </a:extLst>
+          </p:cNvPr>
           <p:cNvSpPr>
             <a:spLocks noGrp="1"/>
           </p:cNvSpPr>
@@ -12734,143 +13128,55 @@
             <p:ph type="title"/>
           </p:nvPr>
         </p:nvSpPr>
-        <p:spPr/>
-        <p:txBody>
-          <a:bodyPr/>
-          <a:lstStyle/>
-          <a:p>
-            <a:r>
-              <a:rPr lang="en-US" b="1" dirty="0"/>
-              <a:t>Multi-Class Classification</a:t>
-            </a:r>
-          </a:p>
-        </p:txBody>
-      </p:sp>
-      <p:sp>
-        <p:nvSpPr>
-          <p:cNvPr id="4" name="Espace réservé du pied de page 3"/>
-          <p:cNvSpPr>
-            <a:spLocks noGrp="1"/>
-          </p:cNvSpPr>
-          <p:nvPr>
-            <p:ph type="ftr" sz="quarter" idx="11"/>
-          </p:nvPr>
-        </p:nvSpPr>
-        <p:spPr/>
-        <p:txBody>
-          <a:bodyPr/>
-          <a:lstStyle/>
-          <a:p>
-            <a:r>
-              <a:rPr lang="de-DE"/>
-              <a:t>Lisa Boos, Till Hoffmann, Khaled Jallouli, Hemlata Prajapati</a:t>
-            </a:r>
-            <a:endParaRPr lang="de-DE" dirty="0"/>
-          </a:p>
-        </p:txBody>
-      </p:sp>
-      <p:sp>
-        <p:nvSpPr>
-          <p:cNvPr id="7" name="Espace réservé de la date 6"/>
-          <p:cNvSpPr>
-            <a:spLocks noGrp="1"/>
-          </p:cNvSpPr>
-          <p:nvPr>
-            <p:ph type="dt" sz="half" idx="10"/>
-          </p:nvPr>
-        </p:nvSpPr>
-        <p:spPr/>
-        <p:txBody>
-          <a:bodyPr/>
-          <a:lstStyle/>
-          <a:p>
-            <a:fld id="{4B6C2BC7-A1AC-4F23-B303-50B5C0868CD1}" type="datetime1">
-              <a:rPr lang="de-DE" smtClean="0"/>
-              <a:t>08.07.2020</a:t>
-            </a:fld>
-            <a:endParaRPr lang="de-DE"/>
-          </a:p>
-        </p:txBody>
-      </p:sp>
-      <p:pic>
-        <p:nvPicPr>
-          <p:cNvPr id="10" name="Image 9"/>
-          <p:cNvPicPr>
-            <a:picLocks noChangeAspect="1"/>
-          </p:cNvPicPr>
-          <p:nvPr/>
-        </p:nvPicPr>
-        <p:blipFill>
-          <a:blip r:embed="rId3">
-            <a:extLst>
-              <a:ext uri="{28A0092B-C50C-407E-A947-70E740481C1C}">
-                <a14:useLocalDpi xmlns:a14="http://schemas.microsoft.com/office/drawing/2010/main" val="0"/>
-              </a:ext>
-            </a:extLst>
-          </a:blip>
-          <a:stretch>
-            <a:fillRect/>
-          </a:stretch>
-        </p:blipFill>
         <p:spPr>
           <a:xfrm>
-            <a:off x="838200" y="2807514"/>
-            <a:ext cx="4876800" cy="3272175"/>
+            <a:off x="838199" y="365125"/>
+            <a:ext cx="8673445" cy="1325563"/>
           </a:xfrm>
-          <a:prstGeom prst="rect">
-            <a:avLst/>
-          </a:prstGeom>
         </p:spPr>
-      </p:pic>
-      <p:pic>
-        <p:nvPicPr>
-          <p:cNvPr id="3" name="Image 2"/>
-          <p:cNvPicPr>
-            <a:picLocks noChangeAspect="1"/>
-          </p:cNvPicPr>
-          <p:nvPr/>
-        </p:nvPicPr>
-        <p:blipFill>
-          <a:blip r:embed="rId4">
-            <a:extLst>
-              <a:ext uri="{28A0092B-C50C-407E-A947-70E740481C1C}">
-                <a14:useLocalDpi xmlns:a14="http://schemas.microsoft.com/office/drawing/2010/main" val="0"/>
-              </a:ext>
-            </a:extLst>
-          </a:blip>
-          <a:stretch>
-            <a:fillRect/>
-          </a:stretch>
-        </p:blipFill>
-        <p:spPr>
-          <a:xfrm>
-            <a:off x="6096000" y="2807514"/>
-            <a:ext cx="5035749" cy="3272175"/>
-          </a:xfrm>
-          <a:prstGeom prst="rect">
-            <a:avLst/>
-          </a:prstGeom>
-        </p:spPr>
-      </p:pic>
-      <p:sp>
-        <p:nvSpPr>
-          <p:cNvPr id="5" name="Rectangle 4"/>
-          <p:cNvSpPr/>
-          <p:nvPr/>
-        </p:nvSpPr>
-        <p:spPr>
-          <a:xfrm>
-            <a:off x="838200" y="1699687"/>
-            <a:ext cx="6096000" cy="954107"/>
-          </a:xfrm>
-          <a:prstGeom prst="rect">
-            <a:avLst/>
-          </a:prstGeom>
-        </p:spPr>
         <p:txBody>
           <a:bodyPr>
-            <a:spAutoFit/>
+            <a:noAutofit/>
           </a:bodyPr>
+          <a:lstStyle/>
+          <a:p>
+            <a:r>
+              <a:rPr lang="en-US" b="1" dirty="0"/>
+              <a:t>3. Modelling</a:t>
+            </a:r>
+            <a:br>
+              <a:rPr lang="de-DE" b="1" dirty="0"/>
+            </a:br>
+            <a:r>
+              <a:rPr lang="de-DE" b="1" dirty="0"/>
+              <a:t>     - </a:t>
+            </a:r>
+            <a:r>
+              <a:rPr lang="en-US" b="1" dirty="0"/>
+              <a:t>Predicting the goals (using Keras)</a:t>
+            </a:r>
+          </a:p>
+        </p:txBody>
+      </p:sp>
+      <p:sp>
+        <p:nvSpPr>
+          <p:cNvPr id="3" name="Content Placeholder 2">
+            <a:extLst>
+              <a:ext uri="{FF2B5EF4-FFF2-40B4-BE49-F238E27FC236}">
+                <a16:creationId xmlns:a16="http://schemas.microsoft.com/office/drawing/2014/main" id="{ED73BD12-4ECB-FD41-9333-E0F1B5E15F33}"/>
+              </a:ext>
+            </a:extLst>
+          </p:cNvPr>
+          <p:cNvSpPr>
+            <a:spLocks noGrp="1"/>
+          </p:cNvSpPr>
+          <p:nvPr>
+            <p:ph idx="1"/>
+          </p:nvPr>
+        </p:nvSpPr>
+        <p:spPr/>
+        <p:txBody>
+          <a:bodyPr/>
           <a:lstStyle/>
           <a:p>
             <a:pPr marL="285750" indent="-285750">
@@ -12883,63 +13189,159 @@
               <a:buChar char="▌"/>
             </a:pPr>
             <a:r>
-              <a:rPr lang="en-GB" b="1" dirty="0"/>
-              <a:t>Quality Test Accuracy:</a:t>
-            </a:r>
-            <a:r>
-              <a:rPr lang="en-GB" dirty="0"/>
-              <a:t> 80%</a:t>
-            </a:r>
-            <a:endParaRPr lang="en-US" dirty="0">
-              <a:latin typeface="Calibri" panose="020F0502020204030204" pitchFamily="34" charset="0"/>
-              <a:ea typeface="Calibri" panose="020F0502020204030204" pitchFamily="34" charset="0"/>
-              <a:cs typeface="Arial" panose="020B0604020202020204" pitchFamily="34" charset="0"/>
-            </a:endParaRPr>
-          </a:p>
-          <a:p>
-            <a:pPr marL="285750" indent="-285750">
+              <a:rPr lang="en-US" b="1" dirty="0"/>
+              <a:t>ANN</a:t>
+            </a:r>
+          </a:p>
+          <a:p>
+            <a:pPr marL="742950" lvl="1" indent="-285750">
               <a:buClr>
                 <a:schemeClr val="accent1">
-                  <a:lumMod val="75000"/>
+                  <a:lumMod val="60000"/>
+                  <a:lumOff val="40000"/>
                 </a:schemeClr>
               </a:buClr>
               <a:buFont typeface="Arial" panose="020B0604020202020204" pitchFamily="34" charset="0"/>
-              <a:buChar char="▌"/>
+              <a:buChar char="►"/>
             </a:pPr>
-            <a:endParaRPr lang="en-US" dirty="0"/>
-          </a:p>
-          <a:p>
-            <a:pPr marL="285750" indent="-285750">
+            <a:r>
+              <a:rPr lang="en-US" dirty="0"/>
+              <a:t> 21 features in Input layer, 3 Hidden layers (30,20,10) and Output layer (2)</a:t>
+            </a:r>
+          </a:p>
+          <a:p>
+            <a:pPr marL="742950" lvl="1" indent="-285750">
               <a:buClr>
                 <a:schemeClr val="accent1">
-                  <a:lumMod val="75000"/>
+                  <a:lumMod val="60000"/>
+                  <a:lumOff val="40000"/>
                 </a:schemeClr>
               </a:buClr>
               <a:buFont typeface="Arial" panose="020B0604020202020204" pitchFamily="34" charset="0"/>
-              <a:buChar char="▌"/>
+              <a:buChar char="►"/>
             </a:pPr>
             <a:r>
-              <a:rPr lang="en-GB" b="1" dirty="0"/>
-              <a:t>Test Accuracy: </a:t>
-            </a:r>
-            <a:r>
-              <a:rPr lang="en-GB" dirty="0"/>
-              <a:t>34%</a:t>
-            </a:r>
-            <a:endParaRPr lang="en-US" dirty="0">
-              <a:latin typeface="Calibri" panose="020F0502020204030204" pitchFamily="34" charset="0"/>
-              <a:ea typeface="Calibri" panose="020F0502020204030204" pitchFamily="34" charset="0"/>
-              <a:cs typeface="Arial" panose="020B0604020202020204" pitchFamily="34" charset="0"/>
-            </a:endParaRPr>
-          </a:p>
-        </p:txBody>
-      </p:sp>
-      <p:sp>
-        <p:nvSpPr>
-          <p:cNvPr id="6" name="Foliennummernplatzhalter 5">
-            <a:extLst>
-              <a:ext uri="{FF2B5EF4-FFF2-40B4-BE49-F238E27FC236}">
-                <a16:creationId xmlns:a16="http://schemas.microsoft.com/office/drawing/2014/main" id="{86276B9C-EFEB-4640-B9C6-3554F9090A8A}"/>
+              <a:rPr lang="en-IN" dirty="0"/>
+              <a:t>Test accuracy: 47 %</a:t>
+            </a:r>
+            <a:endParaRPr lang="en-US" dirty="0"/>
+          </a:p>
+          <a:p>
+            <a:pPr marL="742950" lvl="1" indent="-285750">
+              <a:buClr>
+                <a:schemeClr val="accent1">
+                  <a:lumMod val="60000"/>
+                  <a:lumOff val="40000"/>
+                </a:schemeClr>
+              </a:buClr>
+              <a:buFont typeface="Arial" panose="020B0604020202020204" pitchFamily="34" charset="0"/>
+              <a:buChar char="►"/>
+            </a:pPr>
+            <a:r>
+              <a:rPr lang="en-US" dirty="0"/>
+              <a:t> Quality Criteria: </a:t>
+            </a:r>
+          </a:p>
+          <a:p>
+            <a:pPr marL="1200150" lvl="2" indent="-285750">
+              <a:buClr>
+                <a:schemeClr val="accent1">
+                  <a:lumMod val="60000"/>
+                  <a:lumOff val="40000"/>
+                </a:schemeClr>
+              </a:buClr>
+              <a:buFont typeface="Arial" panose="020B0604020202020204" pitchFamily="34" charset="0"/>
+              <a:buChar char="►"/>
+            </a:pPr>
+            <a:r>
+              <a:rPr lang="en-US" dirty="0"/>
+              <a:t>Training: 79% (Home: 78%, Away:80%)</a:t>
+            </a:r>
+          </a:p>
+          <a:p>
+            <a:pPr marL="1200150" lvl="2" indent="-285750">
+              <a:buClr>
+                <a:schemeClr val="accent1">
+                  <a:lumMod val="60000"/>
+                  <a:lumOff val="40000"/>
+                </a:schemeClr>
+              </a:buClr>
+              <a:buFont typeface="Arial" panose="020B0604020202020204" pitchFamily="34" charset="0"/>
+              <a:buChar char="►"/>
+            </a:pPr>
+            <a:r>
+              <a:rPr lang="en-US" dirty="0"/>
+              <a:t>Test: 78% (Home: 77%, Away:80%)</a:t>
+            </a:r>
+          </a:p>
+          <a:p>
+            <a:endParaRPr lang="en-US" dirty="0"/>
+          </a:p>
+        </p:txBody>
+      </p:sp>
+      <p:sp>
+        <p:nvSpPr>
+          <p:cNvPr id="4" name="Date Placeholder 3">
+            <a:extLst>
+              <a:ext uri="{FF2B5EF4-FFF2-40B4-BE49-F238E27FC236}">
+                <a16:creationId xmlns:a16="http://schemas.microsoft.com/office/drawing/2014/main" id="{833AB5A6-A4C9-B34B-84D8-BBC2E62C7FB9}"/>
+              </a:ext>
+            </a:extLst>
+          </p:cNvPr>
+          <p:cNvSpPr>
+            <a:spLocks noGrp="1"/>
+          </p:cNvSpPr>
+          <p:nvPr>
+            <p:ph type="dt" sz="half" idx="10"/>
+          </p:nvPr>
+        </p:nvSpPr>
+        <p:spPr/>
+        <p:txBody>
+          <a:bodyPr/>
+          <a:lstStyle/>
+          <a:p>
+            <a:fld id="{596E9DDF-1D90-4BD9-B937-2107135F8F05}" type="datetime1">
+              <a:rPr lang="de-DE" smtClean="0"/>
+              <a:t>08.07.2020</a:t>
+            </a:fld>
+            <a:endParaRPr lang="de-DE"/>
+          </a:p>
+        </p:txBody>
+      </p:sp>
+      <p:sp>
+        <p:nvSpPr>
+          <p:cNvPr id="5" name="Footer Placeholder 4">
+            <a:extLst>
+              <a:ext uri="{FF2B5EF4-FFF2-40B4-BE49-F238E27FC236}">
+                <a16:creationId xmlns:a16="http://schemas.microsoft.com/office/drawing/2014/main" id="{9F38D1A9-D7D9-F340-A8A7-9406C37FFD0E}"/>
+              </a:ext>
+            </a:extLst>
+          </p:cNvPr>
+          <p:cNvSpPr>
+            <a:spLocks noGrp="1"/>
+          </p:cNvSpPr>
+          <p:nvPr>
+            <p:ph type="ftr" sz="quarter" idx="11"/>
+          </p:nvPr>
+        </p:nvSpPr>
+        <p:spPr/>
+        <p:txBody>
+          <a:bodyPr/>
+          <a:lstStyle/>
+          <a:p>
+            <a:r>
+              <a:rPr lang="de-DE"/>
+              <a:t>Lisa Boos, Till Hoffmann, Khaled Jallouli, Hemlata Prajapati</a:t>
+            </a:r>
+          </a:p>
+        </p:txBody>
+      </p:sp>
+      <p:sp>
+        <p:nvSpPr>
+          <p:cNvPr id="6" name="Slide Number Placeholder 5">
+            <a:extLst>
+              <a:ext uri="{FF2B5EF4-FFF2-40B4-BE49-F238E27FC236}">
+                <a16:creationId xmlns:a16="http://schemas.microsoft.com/office/drawing/2014/main" id="{D5D65B65-FB02-F44B-BDDB-61AE51D5B8B3}"/>
               </a:ext>
             </a:extLst>
           </p:cNvPr>
@@ -12963,10 +13365,43 @@
           </a:p>
         </p:txBody>
       </p:sp>
+      <p:pic>
+        <p:nvPicPr>
+          <p:cNvPr id="7" name="Picture 6">
+            <a:extLst>
+              <a:ext uri="{FF2B5EF4-FFF2-40B4-BE49-F238E27FC236}">
+                <a16:creationId xmlns:a16="http://schemas.microsoft.com/office/drawing/2014/main" id="{262BC9EE-54AB-284E-BBD7-315F0E334D36}"/>
+              </a:ext>
+            </a:extLst>
+          </p:cNvPr>
+          <p:cNvPicPr/>
+          <p:nvPr/>
+        </p:nvPicPr>
+        <p:blipFill rotWithShape="1">
+          <a:blip r:embed="rId3">
+            <a:extLst>
+              <a:ext uri="{28A0092B-C50C-407E-A947-70E740481C1C}">
+                <a14:useLocalDpi xmlns:a14="http://schemas.microsoft.com/office/drawing/2010/main" val="0"/>
+              </a:ext>
+            </a:extLst>
+          </a:blip>
+          <a:srcRect l="2016" t="-1" b="2290"/>
+          <a:stretch/>
+        </p:blipFill>
+        <p:spPr>
+          <a:xfrm>
+            <a:off x="6777872" y="2929021"/>
+            <a:ext cx="4437816" cy="3320953"/>
+          </a:xfrm>
+          <a:prstGeom prst="rect">
+            <a:avLst/>
+          </a:prstGeom>
+        </p:spPr>
+      </p:pic>
     </p:spTree>
     <p:extLst>
       <p:ext uri="{BB962C8B-B14F-4D97-AF65-F5344CB8AC3E}">
-        <p14:creationId xmlns:p14="http://schemas.microsoft.com/office/powerpoint/2010/main" val="1977777915"/>
+        <p14:creationId xmlns:p14="http://schemas.microsoft.com/office/powerpoint/2010/main" val="2955837216"/>
       </p:ext>
     </p:extLst>
   </p:cSld>
@@ -13008,6 +13443,17 @@
           <a:bodyPr/>
           <a:lstStyle/>
           <a:p>
+            <a:r>
+              <a:rPr lang="en-US" b="1" dirty="0"/>
+              <a:t>3. Modelling</a:t>
+            </a:r>
+            <a:br>
+              <a:rPr lang="de-DE" b="1" dirty="0"/>
+            </a:br>
+            <a:r>
+              <a:rPr lang="de-DE" b="1" dirty="0"/>
+              <a:t>     - </a:t>
+            </a:r>
             <a:r>
               <a:rPr lang="en-US" b="1" dirty="0"/>
               <a:t>Round predicted value</a:t>
@@ -13717,6 +14163,17 @@
           <a:p>
             <a:r>
               <a:rPr lang="en-US" b="1" dirty="0"/>
+              <a:t>3. Modelling</a:t>
+            </a:r>
+            <a:br>
+              <a:rPr lang="de-DE" b="1" dirty="0"/>
+            </a:br>
+            <a:r>
+              <a:rPr lang="de-DE" b="1" dirty="0"/>
+              <a:t>     - </a:t>
+            </a:r>
+            <a:r>
+              <a:rPr lang="en-US" b="1" dirty="0"/>
               <a:t>Quality Criteria</a:t>
             </a:r>
           </a:p>
@@ -13773,7 +14230,7 @@
             </a:pPr>
             <a:r>
               <a:rPr lang="en-US" b="1" dirty="0"/>
-              <a:t>Based on Degree difference:</a:t>
+              <a:t>Based on degree difference:</a:t>
             </a:r>
             <a:endParaRPr lang="en-US" dirty="0"/>
           </a:p>
@@ -13798,7 +14255,7 @@
             </a:r>
             <a:r>
               <a:rPr lang="en-US" dirty="0"/>
-              <a:t> – </a:t>
+              <a:t> - </a:t>
             </a:r>
             <a:r>
               <a:rPr lang="en-US" dirty="0" err="1"/>
@@ -13921,7 +14378,7 @@
             </a:r>
             <a:r>
               <a:rPr lang="en-US" sz="2100" dirty="0"/>
-              <a:t>(degree difference home goals + degree difference away goals) /2 </a:t>
+              <a:t>(degree difference home goals + degree difference away goals) / 2 </a:t>
             </a:r>
           </a:p>
           <a:p>
@@ -14403,6 +14860,57 @@
       </p:grpSpPr>
       <p:sp>
         <p:nvSpPr>
+          <p:cNvPr id="29" name="Rectangle 28">
+            <a:extLst>
+              <a:ext uri="{FF2B5EF4-FFF2-40B4-BE49-F238E27FC236}">
+                <a16:creationId xmlns:a16="http://schemas.microsoft.com/office/drawing/2014/main" id="{8702679B-5D5E-4BD1-AEBB-7D5DAE2DB1D4}"/>
+              </a:ext>
+            </a:extLst>
+          </p:cNvPr>
+          <p:cNvSpPr/>
+          <p:nvPr/>
+        </p:nvSpPr>
+        <p:spPr>
+          <a:xfrm>
+            <a:off x="2383005" y="1690688"/>
+            <a:ext cx="9735013" cy="4479293"/>
+          </a:xfrm>
+          <a:prstGeom prst="rect">
+            <a:avLst/>
+          </a:prstGeom>
+          <a:solidFill>
+            <a:srgbClr val="000000">
+              <a:alpha val="10196"/>
+            </a:srgbClr>
+          </a:solidFill>
+        </p:spPr>
+        <p:style>
+          <a:lnRef idx="2">
+            <a:schemeClr val="accent1">
+              <a:shade val="50000"/>
+            </a:schemeClr>
+          </a:lnRef>
+          <a:fillRef idx="1">
+            <a:schemeClr val="accent1"/>
+          </a:fillRef>
+          <a:effectRef idx="0">
+            <a:schemeClr val="accent1"/>
+          </a:effectRef>
+          <a:fontRef idx="minor">
+            <a:schemeClr val="lt1"/>
+          </a:fontRef>
+        </p:style>
+        <p:txBody>
+          <a:bodyPr rtlCol="0" anchor="ctr"/>
+          <a:lstStyle/>
+          <a:p>
+            <a:pPr algn="ctr"/>
+            <a:endParaRPr lang="en-DE" dirty="0"/>
+          </a:p>
+        </p:txBody>
+      </p:sp>
+      <p:sp>
+        <p:nvSpPr>
           <p:cNvPr id="2" name="Title 1">
             <a:extLst>
               <a:ext uri="{FF2B5EF4-FFF2-40B4-BE49-F238E27FC236}">
@@ -14423,34 +14931,9 @@
           <a:lstStyle/>
           <a:p>
             <a:r>
-              <a:rPr lang="en-US" dirty="0"/>
-              <a:t>Deployment</a:t>
-            </a:r>
-          </a:p>
-        </p:txBody>
-      </p:sp>
-      <p:sp>
-        <p:nvSpPr>
-          <p:cNvPr id="3" name="Content Placeholder 2">
-            <a:extLst>
-              <a:ext uri="{FF2B5EF4-FFF2-40B4-BE49-F238E27FC236}">
-                <a16:creationId xmlns:a16="http://schemas.microsoft.com/office/drawing/2014/main" id="{FE752FD2-F399-7C41-A164-B01F3C45AB5A}"/>
-              </a:ext>
-            </a:extLst>
-          </p:cNvPr>
-          <p:cNvSpPr>
-            <a:spLocks noGrp="1"/>
-          </p:cNvSpPr>
-          <p:nvPr>
-            <p:ph idx="1"/>
-          </p:nvPr>
-        </p:nvSpPr>
-        <p:spPr/>
-        <p:txBody>
-          <a:bodyPr/>
-          <a:lstStyle/>
-          <a:p>
-            <a:endParaRPr lang="en-US"/>
+              <a:rPr lang="en-US" b="1" dirty="0"/>
+              <a:t>4. Deployment</a:t>
+            </a:r>
           </a:p>
         </p:txBody>
       </p:sp>
@@ -14537,6 +15020,1020 @@
               <a:t>25</a:t>
             </a:fld>
             <a:endParaRPr lang="de-DE"/>
+          </a:p>
+        </p:txBody>
+      </p:sp>
+      <p:sp>
+        <p:nvSpPr>
+          <p:cNvPr id="9" name="Rectangle 8">
+            <a:extLst>
+              <a:ext uri="{FF2B5EF4-FFF2-40B4-BE49-F238E27FC236}">
+                <a16:creationId xmlns:a16="http://schemas.microsoft.com/office/drawing/2014/main" id="{CF1AFBD6-31A5-4D1D-B924-E820538235A8}"/>
+              </a:ext>
+            </a:extLst>
+          </p:cNvPr>
+          <p:cNvSpPr/>
+          <p:nvPr/>
+        </p:nvSpPr>
+        <p:spPr>
+          <a:xfrm>
+            <a:off x="7253053" y="1877120"/>
+            <a:ext cx="4695967" cy="1119615"/>
+          </a:xfrm>
+          <a:prstGeom prst="rect">
+            <a:avLst/>
+          </a:prstGeom>
+          <a:solidFill>
+            <a:schemeClr val="accent5">
+              <a:lumMod val="20000"/>
+              <a:lumOff val="80000"/>
+            </a:schemeClr>
+          </a:solidFill>
+        </p:spPr>
+        <p:style>
+          <a:lnRef idx="2">
+            <a:schemeClr val="accent1">
+              <a:shade val="50000"/>
+            </a:schemeClr>
+          </a:lnRef>
+          <a:fillRef idx="1">
+            <a:schemeClr val="accent1"/>
+          </a:fillRef>
+          <a:effectRef idx="0">
+            <a:schemeClr val="accent1"/>
+          </a:effectRef>
+          <a:fontRef idx="minor">
+            <a:schemeClr val="lt1"/>
+          </a:fontRef>
+        </p:style>
+        <p:txBody>
+          <a:bodyPr rtlCol="0" anchor="t"/>
+          <a:lstStyle/>
+          <a:p>
+            <a:r>
+              <a:rPr lang="en-US" dirty="0" err="1">
+                <a:solidFill>
+                  <a:schemeClr val="tx1"/>
+                </a:solidFill>
+              </a:rPr>
+              <a:t>db</a:t>
+            </a:r>
+            <a:endParaRPr lang="aa-ET" dirty="0">
+              <a:solidFill>
+                <a:schemeClr val="tx1"/>
+              </a:solidFill>
+            </a:endParaRPr>
+          </a:p>
+        </p:txBody>
+      </p:sp>
+      <p:sp>
+        <p:nvSpPr>
+          <p:cNvPr id="10" name="Rectangle 9">
+            <a:extLst>
+              <a:ext uri="{FF2B5EF4-FFF2-40B4-BE49-F238E27FC236}">
+                <a16:creationId xmlns:a16="http://schemas.microsoft.com/office/drawing/2014/main" id="{2A8CDD16-A0EC-4050-9BAF-8B80AE57A884}"/>
+              </a:ext>
+            </a:extLst>
+          </p:cNvPr>
+          <p:cNvSpPr/>
+          <p:nvPr/>
+        </p:nvSpPr>
+        <p:spPr>
+          <a:xfrm>
+            <a:off x="2579369" y="3565937"/>
+            <a:ext cx="1597446" cy="746410"/>
+          </a:xfrm>
+          <a:prstGeom prst="rect">
+            <a:avLst/>
+          </a:prstGeom>
+          <a:solidFill>
+            <a:schemeClr val="accent6">
+              <a:lumMod val="40000"/>
+              <a:lumOff val="60000"/>
+            </a:schemeClr>
+          </a:solidFill>
+        </p:spPr>
+        <p:style>
+          <a:lnRef idx="2">
+            <a:schemeClr val="accent1">
+              <a:shade val="50000"/>
+            </a:schemeClr>
+          </a:lnRef>
+          <a:fillRef idx="1">
+            <a:schemeClr val="accent1"/>
+          </a:fillRef>
+          <a:effectRef idx="0">
+            <a:schemeClr val="accent1"/>
+          </a:effectRef>
+          <a:fontRef idx="minor">
+            <a:schemeClr val="lt1"/>
+          </a:fontRef>
+        </p:style>
+        <p:txBody>
+          <a:bodyPr rtlCol="0" anchor="ctr"/>
+          <a:lstStyle/>
+          <a:p>
+            <a:pPr algn="ctr"/>
+            <a:r>
+              <a:rPr lang="en-US" dirty="0">
+                <a:solidFill>
+                  <a:schemeClr val="tx1"/>
+                </a:solidFill>
+              </a:rPr>
+              <a:t>server.py</a:t>
+            </a:r>
+            <a:endParaRPr lang="aa-ET" dirty="0">
+              <a:solidFill>
+                <a:schemeClr val="tx1"/>
+              </a:solidFill>
+            </a:endParaRPr>
+          </a:p>
+        </p:txBody>
+      </p:sp>
+      <p:sp>
+        <p:nvSpPr>
+          <p:cNvPr id="11" name="Rectangle 10">
+            <a:extLst>
+              <a:ext uri="{FF2B5EF4-FFF2-40B4-BE49-F238E27FC236}">
+                <a16:creationId xmlns:a16="http://schemas.microsoft.com/office/drawing/2014/main" id="{CA42E028-E77D-4270-89A8-67ED208B97E8}"/>
+              </a:ext>
+            </a:extLst>
+          </p:cNvPr>
+          <p:cNvSpPr/>
+          <p:nvPr/>
+        </p:nvSpPr>
+        <p:spPr>
+          <a:xfrm>
+            <a:off x="4880058" y="3565937"/>
+            <a:ext cx="1597446" cy="746410"/>
+          </a:xfrm>
+          <a:prstGeom prst="rect">
+            <a:avLst/>
+          </a:prstGeom>
+          <a:solidFill>
+            <a:schemeClr val="accent6">
+              <a:lumMod val="40000"/>
+              <a:lumOff val="60000"/>
+            </a:schemeClr>
+          </a:solidFill>
+        </p:spPr>
+        <p:style>
+          <a:lnRef idx="2">
+            <a:schemeClr val="accent1">
+              <a:shade val="50000"/>
+            </a:schemeClr>
+          </a:lnRef>
+          <a:fillRef idx="1">
+            <a:schemeClr val="accent1"/>
+          </a:fillRef>
+          <a:effectRef idx="0">
+            <a:schemeClr val="accent1"/>
+          </a:effectRef>
+          <a:fontRef idx="minor">
+            <a:schemeClr val="lt1"/>
+          </a:fontRef>
+        </p:style>
+        <p:txBody>
+          <a:bodyPr rtlCol="0" anchor="ctr"/>
+          <a:lstStyle/>
+          <a:p>
+            <a:pPr algn="ctr"/>
+            <a:r>
+              <a:rPr lang="en-US" dirty="0">
+                <a:solidFill>
+                  <a:schemeClr val="tx1"/>
+                </a:solidFill>
+              </a:rPr>
+              <a:t>controller.py</a:t>
+            </a:r>
+            <a:endParaRPr lang="aa-ET" dirty="0">
+              <a:solidFill>
+                <a:schemeClr val="tx1"/>
+              </a:solidFill>
+            </a:endParaRPr>
+          </a:p>
+        </p:txBody>
+      </p:sp>
+      <p:sp>
+        <p:nvSpPr>
+          <p:cNvPr id="12" name="Rectangle 11">
+            <a:extLst>
+              <a:ext uri="{FF2B5EF4-FFF2-40B4-BE49-F238E27FC236}">
+                <a16:creationId xmlns:a16="http://schemas.microsoft.com/office/drawing/2014/main" id="{208F8C79-18D5-404E-91BF-77344DFE3393}"/>
+              </a:ext>
+            </a:extLst>
+          </p:cNvPr>
+          <p:cNvSpPr/>
+          <p:nvPr/>
+        </p:nvSpPr>
+        <p:spPr>
+          <a:xfrm>
+            <a:off x="8211549" y="2091005"/>
+            <a:ext cx="1597446" cy="746410"/>
+          </a:xfrm>
+          <a:prstGeom prst="rect">
+            <a:avLst/>
+          </a:prstGeom>
+          <a:solidFill>
+            <a:schemeClr val="accent6">
+              <a:lumMod val="40000"/>
+              <a:lumOff val="60000"/>
+            </a:schemeClr>
+          </a:solidFill>
+        </p:spPr>
+        <p:style>
+          <a:lnRef idx="2">
+            <a:schemeClr val="accent1">
+              <a:shade val="50000"/>
+            </a:schemeClr>
+          </a:lnRef>
+          <a:fillRef idx="1">
+            <a:schemeClr val="accent1"/>
+          </a:fillRef>
+          <a:effectRef idx="0">
+            <a:schemeClr val="accent1"/>
+          </a:effectRef>
+          <a:fontRef idx="minor">
+            <a:schemeClr val="lt1"/>
+          </a:fontRef>
+        </p:style>
+        <p:txBody>
+          <a:bodyPr rtlCol="0" anchor="ctr"/>
+          <a:lstStyle/>
+          <a:p>
+            <a:pPr algn="ctr"/>
+            <a:r>
+              <a:rPr lang="en-US" dirty="0">
+                <a:solidFill>
+                  <a:schemeClr val="tx1"/>
+                </a:solidFill>
+              </a:rPr>
+              <a:t>helper.py</a:t>
+            </a:r>
+            <a:endParaRPr lang="aa-ET" dirty="0">
+              <a:solidFill>
+                <a:schemeClr val="tx1"/>
+              </a:solidFill>
+            </a:endParaRPr>
+          </a:p>
+        </p:txBody>
+      </p:sp>
+      <p:sp>
+        <p:nvSpPr>
+          <p:cNvPr id="13" name="Rectangle 12">
+            <a:extLst>
+              <a:ext uri="{FF2B5EF4-FFF2-40B4-BE49-F238E27FC236}">
+                <a16:creationId xmlns:a16="http://schemas.microsoft.com/office/drawing/2014/main" id="{148A9A7B-C844-4C50-BF40-24B090C3CC33}"/>
+              </a:ext>
+            </a:extLst>
+          </p:cNvPr>
+          <p:cNvSpPr/>
+          <p:nvPr/>
+        </p:nvSpPr>
+        <p:spPr>
+          <a:xfrm>
+            <a:off x="10077991" y="2091005"/>
+            <a:ext cx="1597446" cy="746410"/>
+          </a:xfrm>
+          <a:prstGeom prst="rect">
+            <a:avLst/>
+          </a:prstGeom>
+          <a:solidFill>
+            <a:schemeClr val="accent4">
+              <a:lumMod val="20000"/>
+              <a:lumOff val="80000"/>
+            </a:schemeClr>
+          </a:solidFill>
+        </p:spPr>
+        <p:style>
+          <a:lnRef idx="2">
+            <a:schemeClr val="accent1">
+              <a:shade val="50000"/>
+            </a:schemeClr>
+          </a:lnRef>
+          <a:fillRef idx="1">
+            <a:schemeClr val="accent1"/>
+          </a:fillRef>
+          <a:effectRef idx="0">
+            <a:schemeClr val="accent1"/>
+          </a:effectRef>
+          <a:fontRef idx="minor">
+            <a:schemeClr val="lt1"/>
+          </a:fontRef>
+        </p:style>
+        <p:txBody>
+          <a:bodyPr rtlCol="0" anchor="ctr"/>
+          <a:lstStyle/>
+          <a:p>
+            <a:pPr algn="ctr"/>
+            <a:r>
+              <a:rPr lang="en-US" dirty="0" err="1">
+                <a:solidFill>
+                  <a:schemeClr val="tx1"/>
+                </a:solidFill>
+              </a:rPr>
+              <a:t>db.sqlite</a:t>
+            </a:r>
+            <a:endParaRPr lang="aa-ET" dirty="0">
+              <a:solidFill>
+                <a:schemeClr val="tx1"/>
+              </a:solidFill>
+            </a:endParaRPr>
+          </a:p>
+        </p:txBody>
+      </p:sp>
+      <p:sp>
+        <p:nvSpPr>
+          <p:cNvPr id="14" name="Rectangle 13">
+            <a:extLst>
+              <a:ext uri="{FF2B5EF4-FFF2-40B4-BE49-F238E27FC236}">
+                <a16:creationId xmlns:a16="http://schemas.microsoft.com/office/drawing/2014/main" id="{23E69E37-3868-4A7A-BBB1-6CAAFF31F41D}"/>
+              </a:ext>
+            </a:extLst>
+          </p:cNvPr>
+          <p:cNvSpPr/>
+          <p:nvPr/>
+        </p:nvSpPr>
+        <p:spPr>
+          <a:xfrm>
+            <a:off x="7253053" y="3330366"/>
+            <a:ext cx="4695967" cy="1119616"/>
+          </a:xfrm>
+          <a:prstGeom prst="rect">
+            <a:avLst/>
+          </a:prstGeom>
+          <a:solidFill>
+            <a:schemeClr val="accent5">
+              <a:lumMod val="20000"/>
+              <a:lumOff val="80000"/>
+            </a:schemeClr>
+          </a:solidFill>
+        </p:spPr>
+        <p:style>
+          <a:lnRef idx="2">
+            <a:schemeClr val="accent1">
+              <a:shade val="50000"/>
+            </a:schemeClr>
+          </a:lnRef>
+          <a:fillRef idx="1">
+            <a:schemeClr val="accent1"/>
+          </a:fillRef>
+          <a:effectRef idx="0">
+            <a:schemeClr val="accent1"/>
+          </a:effectRef>
+          <a:fontRef idx="minor">
+            <a:schemeClr val="lt1"/>
+          </a:fontRef>
+        </p:style>
+        <p:txBody>
+          <a:bodyPr rtlCol="0" anchor="t"/>
+          <a:lstStyle/>
+          <a:p>
+            <a:r>
+              <a:rPr lang="en-US" dirty="0">
+                <a:solidFill>
+                  <a:schemeClr val="tx1"/>
+                </a:solidFill>
+              </a:rPr>
+              <a:t>ml</a:t>
+            </a:r>
+            <a:endParaRPr lang="aa-ET" dirty="0">
+              <a:solidFill>
+                <a:schemeClr val="tx1"/>
+              </a:solidFill>
+            </a:endParaRPr>
+          </a:p>
+        </p:txBody>
+      </p:sp>
+      <p:sp>
+        <p:nvSpPr>
+          <p:cNvPr id="15" name="Rectangle 14">
+            <a:extLst>
+              <a:ext uri="{FF2B5EF4-FFF2-40B4-BE49-F238E27FC236}">
+                <a16:creationId xmlns:a16="http://schemas.microsoft.com/office/drawing/2014/main" id="{7E4A416E-F79B-4D3D-AF66-FDD51153BF76}"/>
+              </a:ext>
+            </a:extLst>
+          </p:cNvPr>
+          <p:cNvSpPr/>
+          <p:nvPr/>
+        </p:nvSpPr>
+        <p:spPr>
+          <a:xfrm>
+            <a:off x="8211549" y="3570881"/>
+            <a:ext cx="1597446" cy="746410"/>
+          </a:xfrm>
+          <a:prstGeom prst="rect">
+            <a:avLst/>
+          </a:prstGeom>
+          <a:solidFill>
+            <a:schemeClr val="accent6">
+              <a:lumMod val="40000"/>
+              <a:lumOff val="60000"/>
+            </a:schemeClr>
+          </a:solidFill>
+        </p:spPr>
+        <p:style>
+          <a:lnRef idx="2">
+            <a:schemeClr val="accent1">
+              <a:shade val="50000"/>
+            </a:schemeClr>
+          </a:lnRef>
+          <a:fillRef idx="1">
+            <a:schemeClr val="accent1"/>
+          </a:fillRef>
+          <a:effectRef idx="0">
+            <a:schemeClr val="accent1"/>
+          </a:effectRef>
+          <a:fontRef idx="minor">
+            <a:schemeClr val="lt1"/>
+          </a:fontRef>
+        </p:style>
+        <p:txBody>
+          <a:bodyPr rtlCol="0" anchor="ctr"/>
+          <a:lstStyle/>
+          <a:p>
+            <a:pPr algn="ctr"/>
+            <a:r>
+              <a:rPr lang="en-US" dirty="0">
+                <a:solidFill>
+                  <a:schemeClr val="tx1"/>
+                </a:solidFill>
+              </a:rPr>
+              <a:t>helper.py</a:t>
+            </a:r>
+            <a:endParaRPr lang="aa-ET" dirty="0">
+              <a:solidFill>
+                <a:schemeClr val="tx1"/>
+              </a:solidFill>
+            </a:endParaRPr>
+          </a:p>
+        </p:txBody>
+      </p:sp>
+      <p:sp>
+        <p:nvSpPr>
+          <p:cNvPr id="16" name="Rectangle 15">
+            <a:extLst>
+              <a:ext uri="{FF2B5EF4-FFF2-40B4-BE49-F238E27FC236}">
+                <a16:creationId xmlns:a16="http://schemas.microsoft.com/office/drawing/2014/main" id="{0FC0A875-BECF-4D70-ABDD-5D1E03EFD4A8}"/>
+              </a:ext>
+            </a:extLst>
+          </p:cNvPr>
+          <p:cNvSpPr/>
+          <p:nvPr/>
+        </p:nvSpPr>
+        <p:spPr>
+          <a:xfrm>
+            <a:off x="10077991" y="3570881"/>
+            <a:ext cx="1597446" cy="746410"/>
+          </a:xfrm>
+          <a:prstGeom prst="rect">
+            <a:avLst/>
+          </a:prstGeom>
+          <a:solidFill>
+            <a:schemeClr val="accent2">
+              <a:lumMod val="20000"/>
+              <a:lumOff val="80000"/>
+            </a:schemeClr>
+          </a:solidFill>
+        </p:spPr>
+        <p:style>
+          <a:lnRef idx="2">
+            <a:schemeClr val="accent1">
+              <a:shade val="50000"/>
+            </a:schemeClr>
+          </a:lnRef>
+          <a:fillRef idx="1">
+            <a:schemeClr val="accent1"/>
+          </a:fillRef>
+          <a:effectRef idx="0">
+            <a:schemeClr val="accent1"/>
+          </a:effectRef>
+          <a:fontRef idx="minor">
+            <a:schemeClr val="lt1"/>
+          </a:fontRef>
+        </p:style>
+        <p:txBody>
+          <a:bodyPr rtlCol="0" anchor="ctr"/>
+          <a:lstStyle/>
+          <a:p>
+            <a:pPr algn="ctr"/>
+            <a:r>
+              <a:rPr lang="en-US" dirty="0">
+                <a:solidFill>
+                  <a:schemeClr val="tx1"/>
+                </a:solidFill>
+              </a:rPr>
+              <a:t>model.h5</a:t>
+            </a:r>
+            <a:endParaRPr lang="aa-ET" dirty="0">
+              <a:solidFill>
+                <a:schemeClr val="tx1"/>
+              </a:solidFill>
+            </a:endParaRPr>
+          </a:p>
+        </p:txBody>
+      </p:sp>
+      <p:sp>
+        <p:nvSpPr>
+          <p:cNvPr id="17" name="Rectangle 16">
+            <a:extLst>
+              <a:ext uri="{FF2B5EF4-FFF2-40B4-BE49-F238E27FC236}">
+                <a16:creationId xmlns:a16="http://schemas.microsoft.com/office/drawing/2014/main" id="{EF9ABB5F-1B4C-415F-991B-B3F33AD6DC6C}"/>
+              </a:ext>
+            </a:extLst>
+          </p:cNvPr>
+          <p:cNvSpPr/>
+          <p:nvPr/>
+        </p:nvSpPr>
+        <p:spPr>
+          <a:xfrm>
+            <a:off x="7253053" y="4822360"/>
+            <a:ext cx="2824938" cy="1159478"/>
+          </a:xfrm>
+          <a:prstGeom prst="rect">
+            <a:avLst/>
+          </a:prstGeom>
+          <a:solidFill>
+            <a:schemeClr val="accent5">
+              <a:lumMod val="20000"/>
+              <a:lumOff val="80000"/>
+            </a:schemeClr>
+          </a:solidFill>
+        </p:spPr>
+        <p:style>
+          <a:lnRef idx="2">
+            <a:schemeClr val="accent1">
+              <a:shade val="50000"/>
+            </a:schemeClr>
+          </a:lnRef>
+          <a:fillRef idx="1">
+            <a:schemeClr val="accent1"/>
+          </a:fillRef>
+          <a:effectRef idx="0">
+            <a:schemeClr val="accent1"/>
+          </a:effectRef>
+          <a:fontRef idx="minor">
+            <a:schemeClr val="lt1"/>
+          </a:fontRef>
+        </p:style>
+        <p:txBody>
+          <a:bodyPr rtlCol="0" anchor="t"/>
+          <a:lstStyle/>
+          <a:p>
+            <a:r>
+              <a:rPr lang="en-US" dirty="0">
+                <a:solidFill>
+                  <a:schemeClr val="tx1"/>
+                </a:solidFill>
+              </a:rPr>
+              <a:t>fetching</a:t>
+            </a:r>
+            <a:endParaRPr lang="aa-ET" dirty="0">
+              <a:solidFill>
+                <a:schemeClr val="tx1"/>
+              </a:solidFill>
+            </a:endParaRPr>
+          </a:p>
+        </p:txBody>
+      </p:sp>
+      <p:sp>
+        <p:nvSpPr>
+          <p:cNvPr id="18" name="Rectangle 17">
+            <a:extLst>
+              <a:ext uri="{FF2B5EF4-FFF2-40B4-BE49-F238E27FC236}">
+                <a16:creationId xmlns:a16="http://schemas.microsoft.com/office/drawing/2014/main" id="{F71C3014-7212-4CC1-825E-C8BB1C744C7F}"/>
+              </a:ext>
+            </a:extLst>
+          </p:cNvPr>
+          <p:cNvSpPr/>
+          <p:nvPr/>
+        </p:nvSpPr>
+        <p:spPr>
+          <a:xfrm>
+            <a:off x="8211549" y="5085700"/>
+            <a:ext cx="1597446" cy="746410"/>
+          </a:xfrm>
+          <a:prstGeom prst="rect">
+            <a:avLst/>
+          </a:prstGeom>
+          <a:solidFill>
+            <a:schemeClr val="accent6">
+              <a:lumMod val="40000"/>
+              <a:lumOff val="60000"/>
+            </a:schemeClr>
+          </a:solidFill>
+        </p:spPr>
+        <p:style>
+          <a:lnRef idx="2">
+            <a:schemeClr val="accent1">
+              <a:shade val="50000"/>
+            </a:schemeClr>
+          </a:lnRef>
+          <a:fillRef idx="1">
+            <a:schemeClr val="accent1"/>
+          </a:fillRef>
+          <a:effectRef idx="0">
+            <a:schemeClr val="accent1"/>
+          </a:effectRef>
+          <a:fontRef idx="minor">
+            <a:schemeClr val="lt1"/>
+          </a:fontRef>
+        </p:style>
+        <p:txBody>
+          <a:bodyPr rtlCol="0" anchor="ctr"/>
+          <a:lstStyle/>
+          <a:p>
+            <a:pPr algn="ctr"/>
+            <a:r>
+              <a:rPr lang="en-US" dirty="0">
+                <a:solidFill>
+                  <a:schemeClr val="tx1"/>
+                </a:solidFill>
+              </a:rPr>
+              <a:t>helper.py</a:t>
+            </a:r>
+            <a:endParaRPr lang="aa-ET" dirty="0">
+              <a:solidFill>
+                <a:schemeClr val="tx1"/>
+              </a:solidFill>
+            </a:endParaRPr>
+          </a:p>
+        </p:txBody>
+      </p:sp>
+      <p:cxnSp>
+        <p:nvCxnSpPr>
+          <p:cNvPr id="19" name="Straight Connector 18">
+            <a:extLst>
+              <a:ext uri="{FF2B5EF4-FFF2-40B4-BE49-F238E27FC236}">
+                <a16:creationId xmlns:a16="http://schemas.microsoft.com/office/drawing/2014/main" id="{1ECDEC08-8B29-4356-B8E8-01EBF01268E2}"/>
+              </a:ext>
+            </a:extLst>
+          </p:cNvPr>
+          <p:cNvCxnSpPr>
+            <a:stCxn id="10" idx="3"/>
+            <a:endCxn id="11" idx="1"/>
+          </p:cNvCxnSpPr>
+          <p:nvPr/>
+        </p:nvCxnSpPr>
+        <p:spPr>
+          <a:xfrm>
+            <a:off x="4176815" y="3939142"/>
+            <a:ext cx="703243" cy="0"/>
+          </a:xfrm>
+          <a:prstGeom prst="line">
+            <a:avLst/>
+          </a:prstGeom>
+        </p:spPr>
+        <p:style>
+          <a:lnRef idx="1">
+            <a:schemeClr val="dk1"/>
+          </a:lnRef>
+          <a:fillRef idx="0">
+            <a:schemeClr val="dk1"/>
+          </a:fillRef>
+          <a:effectRef idx="0">
+            <a:schemeClr val="dk1"/>
+          </a:effectRef>
+          <a:fontRef idx="minor">
+            <a:schemeClr val="tx1"/>
+          </a:fontRef>
+        </p:style>
+      </p:cxnSp>
+      <p:cxnSp>
+        <p:nvCxnSpPr>
+          <p:cNvPr id="20" name="Straight Connector 19">
+            <a:extLst>
+              <a:ext uri="{FF2B5EF4-FFF2-40B4-BE49-F238E27FC236}">
+                <a16:creationId xmlns:a16="http://schemas.microsoft.com/office/drawing/2014/main" id="{AC8CFF9D-C2E9-430F-8BD4-81B1F13B0367}"/>
+              </a:ext>
+            </a:extLst>
+          </p:cNvPr>
+          <p:cNvCxnSpPr>
+            <a:cxnSpLocks/>
+            <a:stCxn id="11" idx="3"/>
+            <a:endCxn id="12" idx="1"/>
+          </p:cNvCxnSpPr>
+          <p:nvPr/>
+        </p:nvCxnSpPr>
+        <p:spPr>
+          <a:xfrm flipV="1">
+            <a:off x="6477504" y="2464210"/>
+            <a:ext cx="1734045" cy="1474932"/>
+          </a:xfrm>
+          <a:prstGeom prst="line">
+            <a:avLst/>
+          </a:prstGeom>
+        </p:spPr>
+        <p:style>
+          <a:lnRef idx="1">
+            <a:schemeClr val="dk1"/>
+          </a:lnRef>
+          <a:fillRef idx="0">
+            <a:schemeClr val="dk1"/>
+          </a:fillRef>
+          <a:effectRef idx="0">
+            <a:schemeClr val="dk1"/>
+          </a:effectRef>
+          <a:fontRef idx="minor">
+            <a:schemeClr val="tx1"/>
+          </a:fontRef>
+        </p:style>
+      </p:cxnSp>
+      <p:cxnSp>
+        <p:nvCxnSpPr>
+          <p:cNvPr id="21" name="Straight Connector 20">
+            <a:extLst>
+              <a:ext uri="{FF2B5EF4-FFF2-40B4-BE49-F238E27FC236}">
+                <a16:creationId xmlns:a16="http://schemas.microsoft.com/office/drawing/2014/main" id="{9636E169-DC67-4027-A77E-65F112947A2A}"/>
+              </a:ext>
+            </a:extLst>
+          </p:cNvPr>
+          <p:cNvCxnSpPr>
+            <a:cxnSpLocks/>
+            <a:stCxn id="11" idx="3"/>
+            <a:endCxn id="15" idx="1"/>
+          </p:cNvCxnSpPr>
+          <p:nvPr/>
+        </p:nvCxnSpPr>
+        <p:spPr>
+          <a:xfrm>
+            <a:off x="6477504" y="3939142"/>
+            <a:ext cx="1734045" cy="4944"/>
+          </a:xfrm>
+          <a:prstGeom prst="line">
+            <a:avLst/>
+          </a:prstGeom>
+        </p:spPr>
+        <p:style>
+          <a:lnRef idx="1">
+            <a:schemeClr val="dk1"/>
+          </a:lnRef>
+          <a:fillRef idx="0">
+            <a:schemeClr val="dk1"/>
+          </a:fillRef>
+          <a:effectRef idx="0">
+            <a:schemeClr val="dk1"/>
+          </a:effectRef>
+          <a:fontRef idx="minor">
+            <a:schemeClr val="tx1"/>
+          </a:fontRef>
+        </p:style>
+      </p:cxnSp>
+      <p:cxnSp>
+        <p:nvCxnSpPr>
+          <p:cNvPr id="22" name="Straight Connector 21">
+            <a:extLst>
+              <a:ext uri="{FF2B5EF4-FFF2-40B4-BE49-F238E27FC236}">
+                <a16:creationId xmlns:a16="http://schemas.microsoft.com/office/drawing/2014/main" id="{455AA643-776F-4232-A75D-3B4042E1C1FC}"/>
+              </a:ext>
+            </a:extLst>
+          </p:cNvPr>
+          <p:cNvCxnSpPr>
+            <a:cxnSpLocks/>
+            <a:stCxn id="11" idx="3"/>
+            <a:endCxn id="18" idx="1"/>
+          </p:cNvCxnSpPr>
+          <p:nvPr/>
+        </p:nvCxnSpPr>
+        <p:spPr>
+          <a:xfrm>
+            <a:off x="6477504" y="3939142"/>
+            <a:ext cx="1734045" cy="1519763"/>
+          </a:xfrm>
+          <a:prstGeom prst="line">
+            <a:avLst/>
+          </a:prstGeom>
+        </p:spPr>
+        <p:style>
+          <a:lnRef idx="1">
+            <a:schemeClr val="dk1"/>
+          </a:lnRef>
+          <a:fillRef idx="0">
+            <a:schemeClr val="dk1"/>
+          </a:fillRef>
+          <a:effectRef idx="0">
+            <a:schemeClr val="dk1"/>
+          </a:effectRef>
+          <a:fontRef idx="minor">
+            <a:schemeClr val="tx1"/>
+          </a:fontRef>
+        </p:style>
+      </p:cxnSp>
+      <p:cxnSp>
+        <p:nvCxnSpPr>
+          <p:cNvPr id="23" name="Straight Connector 22">
+            <a:extLst>
+              <a:ext uri="{FF2B5EF4-FFF2-40B4-BE49-F238E27FC236}">
+                <a16:creationId xmlns:a16="http://schemas.microsoft.com/office/drawing/2014/main" id="{7CFFF585-AF04-4776-96B7-9B399BD8B583}"/>
+              </a:ext>
+            </a:extLst>
+          </p:cNvPr>
+          <p:cNvCxnSpPr>
+            <a:cxnSpLocks/>
+            <a:stCxn id="15" idx="3"/>
+            <a:endCxn id="16" idx="1"/>
+          </p:cNvCxnSpPr>
+          <p:nvPr/>
+        </p:nvCxnSpPr>
+        <p:spPr>
+          <a:xfrm>
+            <a:off x="9808995" y="3944086"/>
+            <a:ext cx="268996" cy="0"/>
+          </a:xfrm>
+          <a:prstGeom prst="line">
+            <a:avLst/>
+          </a:prstGeom>
+        </p:spPr>
+        <p:style>
+          <a:lnRef idx="1">
+            <a:schemeClr val="dk1"/>
+          </a:lnRef>
+          <a:fillRef idx="0">
+            <a:schemeClr val="dk1"/>
+          </a:fillRef>
+          <a:effectRef idx="0">
+            <a:schemeClr val="dk1"/>
+          </a:effectRef>
+          <a:fontRef idx="minor">
+            <a:schemeClr val="tx1"/>
+          </a:fontRef>
+        </p:style>
+      </p:cxnSp>
+      <p:cxnSp>
+        <p:nvCxnSpPr>
+          <p:cNvPr id="24" name="Straight Connector 23">
+            <a:extLst>
+              <a:ext uri="{FF2B5EF4-FFF2-40B4-BE49-F238E27FC236}">
+                <a16:creationId xmlns:a16="http://schemas.microsoft.com/office/drawing/2014/main" id="{11CDE796-0D52-4F6E-B4E8-B405F6C18933}"/>
+              </a:ext>
+            </a:extLst>
+          </p:cNvPr>
+          <p:cNvCxnSpPr>
+            <a:cxnSpLocks/>
+          </p:cNvCxnSpPr>
+          <p:nvPr/>
+        </p:nvCxnSpPr>
+        <p:spPr>
+          <a:xfrm>
+            <a:off x="9808995" y="2464210"/>
+            <a:ext cx="268996" cy="0"/>
+          </a:xfrm>
+          <a:prstGeom prst="line">
+            <a:avLst/>
+          </a:prstGeom>
+        </p:spPr>
+        <p:style>
+          <a:lnRef idx="1">
+            <a:schemeClr val="dk1"/>
+          </a:lnRef>
+          <a:fillRef idx="0">
+            <a:schemeClr val="dk1"/>
+          </a:fillRef>
+          <a:effectRef idx="0">
+            <a:schemeClr val="dk1"/>
+          </a:effectRef>
+          <a:fontRef idx="minor">
+            <a:schemeClr val="tx1"/>
+          </a:fontRef>
+        </p:style>
+      </p:cxnSp>
+      <p:sp>
+        <p:nvSpPr>
+          <p:cNvPr id="25" name="Rectangle 24">
+            <a:extLst>
+              <a:ext uri="{FF2B5EF4-FFF2-40B4-BE49-F238E27FC236}">
+                <a16:creationId xmlns:a16="http://schemas.microsoft.com/office/drawing/2014/main" id="{91861BA3-047E-44F1-B902-E5DEBBA7DEE0}"/>
+              </a:ext>
+            </a:extLst>
+          </p:cNvPr>
+          <p:cNvSpPr/>
+          <p:nvPr/>
+        </p:nvSpPr>
+        <p:spPr>
+          <a:xfrm>
+            <a:off x="200184" y="3557059"/>
+            <a:ext cx="1597446" cy="746410"/>
+          </a:xfrm>
+          <a:prstGeom prst="rect">
+            <a:avLst/>
+          </a:prstGeom>
+          <a:solidFill>
+            <a:schemeClr val="accent3">
+              <a:lumMod val="40000"/>
+              <a:lumOff val="60000"/>
+            </a:schemeClr>
+          </a:solidFill>
+        </p:spPr>
+        <p:style>
+          <a:lnRef idx="2">
+            <a:schemeClr val="accent1">
+              <a:shade val="50000"/>
+            </a:schemeClr>
+          </a:lnRef>
+          <a:fillRef idx="1">
+            <a:schemeClr val="accent1"/>
+          </a:fillRef>
+          <a:effectRef idx="0">
+            <a:schemeClr val="accent1"/>
+          </a:effectRef>
+          <a:fontRef idx="minor">
+            <a:schemeClr val="lt1"/>
+          </a:fontRef>
+        </p:style>
+        <p:txBody>
+          <a:bodyPr rtlCol="0" anchor="ctr"/>
+          <a:lstStyle/>
+          <a:p>
+            <a:pPr algn="ctr"/>
+            <a:r>
+              <a:rPr lang="en-US" dirty="0">
+                <a:solidFill>
+                  <a:schemeClr val="tx1"/>
+                </a:solidFill>
+              </a:rPr>
+              <a:t>Frontend</a:t>
+            </a:r>
+            <a:endParaRPr lang="aa-ET" dirty="0">
+              <a:solidFill>
+                <a:schemeClr val="tx1"/>
+              </a:solidFill>
+            </a:endParaRPr>
+          </a:p>
+        </p:txBody>
+      </p:sp>
+      <p:cxnSp>
+        <p:nvCxnSpPr>
+          <p:cNvPr id="26" name="Straight Connector 25">
+            <a:extLst>
+              <a:ext uri="{FF2B5EF4-FFF2-40B4-BE49-F238E27FC236}">
+                <a16:creationId xmlns:a16="http://schemas.microsoft.com/office/drawing/2014/main" id="{8585B8F1-F01D-4350-94FD-24CFC659B013}"/>
+              </a:ext>
+            </a:extLst>
+          </p:cNvPr>
+          <p:cNvCxnSpPr>
+            <a:cxnSpLocks/>
+            <a:stCxn id="25" idx="3"/>
+            <a:endCxn id="29" idx="1"/>
+          </p:cNvCxnSpPr>
+          <p:nvPr/>
+        </p:nvCxnSpPr>
+        <p:spPr>
+          <a:xfrm>
+            <a:off x="1797630" y="3930264"/>
+            <a:ext cx="585375" cy="71"/>
+          </a:xfrm>
+          <a:prstGeom prst="line">
+            <a:avLst/>
+          </a:prstGeom>
+        </p:spPr>
+        <p:style>
+          <a:lnRef idx="1">
+            <a:schemeClr val="dk1"/>
+          </a:lnRef>
+          <a:fillRef idx="0">
+            <a:schemeClr val="dk1"/>
+          </a:fillRef>
+          <a:effectRef idx="0">
+            <a:schemeClr val="dk1"/>
+          </a:effectRef>
+          <a:fontRef idx="minor">
+            <a:schemeClr val="tx1"/>
+          </a:fontRef>
+        </p:style>
+      </p:cxnSp>
+      <p:sp>
+        <p:nvSpPr>
+          <p:cNvPr id="33" name="TextBox 32">
+            <a:extLst>
+              <a:ext uri="{FF2B5EF4-FFF2-40B4-BE49-F238E27FC236}">
+                <a16:creationId xmlns:a16="http://schemas.microsoft.com/office/drawing/2014/main" id="{A404B2A1-8B21-4C09-9C27-1B629B6061BA}"/>
+              </a:ext>
+            </a:extLst>
+          </p:cNvPr>
+          <p:cNvSpPr txBox="1"/>
+          <p:nvPr/>
+        </p:nvSpPr>
+        <p:spPr>
+          <a:xfrm>
+            <a:off x="2579369" y="1719907"/>
+            <a:ext cx="1447060" cy="369332"/>
+          </a:xfrm>
+          <a:prstGeom prst="rect">
+            <a:avLst/>
+          </a:prstGeom>
+          <a:noFill/>
+        </p:spPr>
+        <p:txBody>
+          <a:bodyPr wrap="square" rtlCol="0">
+            <a:spAutoFit/>
+          </a:bodyPr>
+          <a:lstStyle/>
+          <a:p>
+            <a:r>
+              <a:rPr lang="en-US" dirty="0"/>
+              <a:t>Backend</a:t>
+            </a:r>
+            <a:endParaRPr lang="en-DE" dirty="0"/>
           </a:p>
         </p:txBody>
       </p:sp>
@@ -14572,6 +16069,661 @@
       </p:grpSpPr>
       <p:sp>
         <p:nvSpPr>
+          <p:cNvPr id="2" name="Title 1">
+            <a:extLst>
+              <a:ext uri="{FF2B5EF4-FFF2-40B4-BE49-F238E27FC236}">
+                <a16:creationId xmlns:a16="http://schemas.microsoft.com/office/drawing/2014/main" id="{C8219268-6342-4A06-8DA5-6A58A6A244B5}"/>
+              </a:ext>
+            </a:extLst>
+          </p:cNvPr>
+          <p:cNvSpPr>
+            <a:spLocks noGrp="1"/>
+          </p:cNvSpPr>
+          <p:nvPr>
+            <p:ph type="title"/>
+          </p:nvPr>
+        </p:nvSpPr>
+        <p:spPr/>
+        <p:txBody>
+          <a:bodyPr/>
+          <a:lstStyle/>
+          <a:p>
+            <a:r>
+              <a:rPr lang="en-US" b="1" dirty="0"/>
+              <a:t>4. Deployment</a:t>
+            </a:r>
+            <a:br>
+              <a:rPr lang="de-DE" b="1" dirty="0"/>
+            </a:br>
+            <a:r>
+              <a:rPr lang="de-DE" b="1" dirty="0"/>
+              <a:t>     - Frontend</a:t>
+            </a:r>
+            <a:endParaRPr lang="en-DE" b="1" dirty="0"/>
+          </a:p>
+        </p:txBody>
+      </p:sp>
+      <p:sp>
+        <p:nvSpPr>
+          <p:cNvPr id="4" name="Date Placeholder 3">
+            <a:extLst>
+              <a:ext uri="{FF2B5EF4-FFF2-40B4-BE49-F238E27FC236}">
+                <a16:creationId xmlns:a16="http://schemas.microsoft.com/office/drawing/2014/main" id="{470A81C7-5BEC-4601-A1B8-9043280B9F83}"/>
+              </a:ext>
+            </a:extLst>
+          </p:cNvPr>
+          <p:cNvSpPr>
+            <a:spLocks noGrp="1"/>
+          </p:cNvSpPr>
+          <p:nvPr>
+            <p:ph type="dt" sz="half" idx="10"/>
+          </p:nvPr>
+        </p:nvSpPr>
+        <p:spPr/>
+        <p:txBody>
+          <a:bodyPr/>
+          <a:lstStyle/>
+          <a:p>
+            <a:fld id="{D3B4A22E-EFB2-4269-B19E-F96688142D44}" type="datetime1">
+              <a:rPr lang="de-DE" smtClean="0"/>
+              <a:t>08.07.2020</a:t>
+            </a:fld>
+            <a:endParaRPr lang="de-DE"/>
+          </a:p>
+        </p:txBody>
+      </p:sp>
+      <p:sp>
+        <p:nvSpPr>
+          <p:cNvPr id="5" name="Footer Placeholder 4">
+            <a:extLst>
+              <a:ext uri="{FF2B5EF4-FFF2-40B4-BE49-F238E27FC236}">
+                <a16:creationId xmlns:a16="http://schemas.microsoft.com/office/drawing/2014/main" id="{DBA47D56-BE1D-4430-A036-12B94840ECD6}"/>
+              </a:ext>
+            </a:extLst>
+          </p:cNvPr>
+          <p:cNvSpPr>
+            <a:spLocks noGrp="1"/>
+          </p:cNvSpPr>
+          <p:nvPr>
+            <p:ph type="ftr" sz="quarter" idx="11"/>
+          </p:nvPr>
+        </p:nvSpPr>
+        <p:spPr/>
+        <p:txBody>
+          <a:bodyPr/>
+          <a:lstStyle/>
+          <a:p>
+            <a:r>
+              <a:rPr lang="de-DE"/>
+              <a:t>Lisa Boos, Till Hoffmann, Khaled Jallouli, Hemlata Prajapati</a:t>
+            </a:r>
+          </a:p>
+        </p:txBody>
+      </p:sp>
+      <p:sp>
+        <p:nvSpPr>
+          <p:cNvPr id="6" name="Slide Number Placeholder 5">
+            <a:extLst>
+              <a:ext uri="{FF2B5EF4-FFF2-40B4-BE49-F238E27FC236}">
+                <a16:creationId xmlns:a16="http://schemas.microsoft.com/office/drawing/2014/main" id="{308BE21A-F306-41D9-9B02-2DB771EB6B3C}"/>
+              </a:ext>
+            </a:extLst>
+          </p:cNvPr>
+          <p:cNvSpPr>
+            <a:spLocks noGrp="1"/>
+          </p:cNvSpPr>
+          <p:nvPr>
+            <p:ph type="sldNum" sz="quarter" idx="12"/>
+          </p:nvPr>
+        </p:nvSpPr>
+        <p:spPr/>
+        <p:txBody>
+          <a:bodyPr/>
+          <a:lstStyle/>
+          <a:p>
+            <a:fld id="{9A48FC86-4651-46AF-9E4A-D3FC30E17613}" type="slidenum">
+              <a:rPr lang="de-DE" smtClean="0"/>
+              <a:t>26</a:t>
+            </a:fld>
+            <a:endParaRPr lang="de-DE"/>
+          </a:p>
+        </p:txBody>
+      </p:sp>
+      <p:pic>
+        <p:nvPicPr>
+          <p:cNvPr id="1026" name="Picture 2" descr="Vue.js: Good, Bad, and Choice | Hacker Noon">
+            <a:extLst>
+              <a:ext uri="{FF2B5EF4-FFF2-40B4-BE49-F238E27FC236}">
+                <a16:creationId xmlns:a16="http://schemas.microsoft.com/office/drawing/2014/main" id="{C6452138-FFA0-4C7B-BA46-F18847A741A8}"/>
+              </a:ext>
+            </a:extLst>
+          </p:cNvPr>
+          <p:cNvPicPr>
+            <a:picLocks noChangeAspect="1" noChangeArrowheads="1"/>
+          </p:cNvPicPr>
+          <p:nvPr/>
+        </p:nvPicPr>
+        <p:blipFill rotWithShape="1">
+          <a:blip r:embed="rId3">
+            <a:extLst>
+              <a:ext uri="{28A0092B-C50C-407E-A947-70E740481C1C}">
+                <a14:useLocalDpi xmlns:a14="http://schemas.microsoft.com/office/drawing/2010/main" val="0"/>
+              </a:ext>
+            </a:extLst>
+          </a:blip>
+          <a:srcRect l="5207" t="10000" r="3470" b="14876"/>
+          <a:stretch/>
+        </p:blipFill>
+        <p:spPr bwMode="auto">
+          <a:xfrm>
+            <a:off x="4509856" y="365125"/>
+            <a:ext cx="3018408" cy="1037547"/>
+          </a:xfrm>
+          <a:prstGeom prst="rect">
+            <a:avLst/>
+          </a:prstGeom>
+          <a:noFill/>
+          <a:extLst>
+            <a:ext uri="{909E8E84-426E-40DD-AFC4-6F175D3DCCD1}">
+              <a14:hiddenFill xmlns:a14="http://schemas.microsoft.com/office/drawing/2010/main">
+                <a:solidFill>
+                  <a:srgbClr val="FFFFFF"/>
+                </a:solidFill>
+              </a14:hiddenFill>
+            </a:ext>
+          </a:extLst>
+        </p:spPr>
+      </p:pic>
+      <p:sp>
+        <p:nvSpPr>
+          <p:cNvPr id="7" name="TextBox 6">
+            <a:extLst>
+              <a:ext uri="{FF2B5EF4-FFF2-40B4-BE49-F238E27FC236}">
+                <a16:creationId xmlns:a16="http://schemas.microsoft.com/office/drawing/2014/main" id="{21ED647F-5593-41F0-B9DA-288DA9501079}"/>
+              </a:ext>
+            </a:extLst>
+          </p:cNvPr>
+          <p:cNvSpPr txBox="1"/>
+          <p:nvPr/>
+        </p:nvSpPr>
+        <p:spPr>
+          <a:xfrm>
+            <a:off x="5370990" y="1123034"/>
+            <a:ext cx="1120820" cy="400110"/>
+          </a:xfrm>
+          <a:prstGeom prst="rect">
+            <a:avLst/>
+          </a:prstGeom>
+          <a:noFill/>
+        </p:spPr>
+        <p:txBody>
+          <a:bodyPr wrap="none" rtlCol="0">
+            <a:spAutoFit/>
+          </a:bodyPr>
+          <a:lstStyle/>
+          <a:p>
+            <a:r>
+              <a:rPr lang="en-US" sz="2000" dirty="0">
+                <a:latin typeface="Open Sans" panose="020B0606030504020204" pitchFamily="34" charset="0"/>
+                <a:ea typeface="Open Sans" panose="020B0606030504020204" pitchFamily="34" charset="0"/>
+                <a:cs typeface="Open Sans" panose="020B0606030504020204" pitchFamily="34" charset="0"/>
+              </a:rPr>
+              <a:t>+ AXIOS</a:t>
+            </a:r>
+            <a:endParaRPr lang="en-DE" sz="2000" dirty="0">
+              <a:latin typeface="Open Sans" panose="020B0606030504020204" pitchFamily="34" charset="0"/>
+              <a:ea typeface="Open Sans" panose="020B0606030504020204" pitchFamily="34" charset="0"/>
+              <a:cs typeface="Open Sans" panose="020B0606030504020204" pitchFamily="34" charset="0"/>
+            </a:endParaRPr>
+          </a:p>
+        </p:txBody>
+      </p:sp>
+      <p:pic>
+        <p:nvPicPr>
+          <p:cNvPr id="1028" name="Picture 4">
+            <a:extLst>
+              <a:ext uri="{FF2B5EF4-FFF2-40B4-BE49-F238E27FC236}">
+                <a16:creationId xmlns:a16="http://schemas.microsoft.com/office/drawing/2014/main" id="{319254AE-9258-4697-97A4-4DEC5EA346FF}"/>
+              </a:ext>
+            </a:extLst>
+          </p:cNvPr>
+          <p:cNvPicPr>
+            <a:picLocks noChangeAspect="1" noChangeArrowheads="1"/>
+          </p:cNvPicPr>
+          <p:nvPr/>
+        </p:nvPicPr>
+        <p:blipFill>
+          <a:blip r:embed="rId4">
+            <a:extLst>
+              <a:ext uri="{28A0092B-C50C-407E-A947-70E740481C1C}">
+                <a14:useLocalDpi xmlns:a14="http://schemas.microsoft.com/office/drawing/2010/main" val="0"/>
+              </a:ext>
+            </a:extLst>
+          </a:blip>
+          <a:srcRect/>
+          <a:stretch>
+            <a:fillRect/>
+          </a:stretch>
+        </p:blipFill>
+        <p:spPr bwMode="auto">
+          <a:xfrm>
+            <a:off x="7639564" y="493272"/>
+            <a:ext cx="855494" cy="855494"/>
+          </a:xfrm>
+          <a:prstGeom prst="rect">
+            <a:avLst/>
+          </a:prstGeom>
+          <a:noFill/>
+          <a:extLst>
+            <a:ext uri="{909E8E84-426E-40DD-AFC4-6F175D3DCCD1}">
+              <a14:hiddenFill xmlns:a14="http://schemas.microsoft.com/office/drawing/2010/main">
+                <a:solidFill>
+                  <a:srgbClr val="FFFFFF"/>
+                </a:solidFill>
+              </a14:hiddenFill>
+            </a:ext>
+          </a:extLst>
+        </p:spPr>
+      </p:pic>
+      <p:pic>
+        <p:nvPicPr>
+          <p:cNvPr id="10" name="Image 3">
+            <a:extLst>
+              <a:ext uri="{FF2B5EF4-FFF2-40B4-BE49-F238E27FC236}">
+                <a16:creationId xmlns:a16="http://schemas.microsoft.com/office/drawing/2014/main" id="{D69FD556-D070-4517-94DA-B1A4AC842CE9}"/>
+              </a:ext>
+            </a:extLst>
+          </p:cNvPr>
+          <p:cNvPicPr>
+            <a:picLocks noChangeAspect="1"/>
+          </p:cNvPicPr>
+          <p:nvPr/>
+        </p:nvPicPr>
+        <p:blipFill>
+          <a:blip r:embed="rId5">
+            <a:extLst>
+              <a:ext uri="{28A0092B-C50C-407E-A947-70E740481C1C}">
+                <a14:useLocalDpi xmlns:a14="http://schemas.microsoft.com/office/drawing/2010/main" val="0"/>
+              </a:ext>
+            </a:extLst>
+          </a:blip>
+          <a:stretch>
+            <a:fillRect/>
+          </a:stretch>
+        </p:blipFill>
+        <p:spPr>
+          <a:xfrm>
+            <a:off x="1330960" y="1659811"/>
+            <a:ext cx="9474200" cy="4642358"/>
+          </a:xfrm>
+          <a:prstGeom prst="rect">
+            <a:avLst/>
+          </a:prstGeom>
+        </p:spPr>
+      </p:pic>
+    </p:spTree>
+    <p:extLst>
+      <p:ext uri="{BB962C8B-B14F-4D97-AF65-F5344CB8AC3E}">
+        <p14:creationId xmlns:p14="http://schemas.microsoft.com/office/powerpoint/2010/main" val="1584035415"/>
+      </p:ext>
+    </p:extLst>
+  </p:cSld>
+  <p:clrMapOvr>
+    <a:masterClrMapping/>
+  </p:clrMapOvr>
+</p:sld>
+</file>
+
+<file path=ppt/slides/slide27.xml><?xml version="1.0" encoding="utf-8"?>
+<p:sld xmlns:a="http://schemas.openxmlformats.org/drawingml/2006/main" xmlns:r="http://schemas.openxmlformats.org/officeDocument/2006/relationships" xmlns:p="http://schemas.openxmlformats.org/presentationml/2006/main">
+  <p:cSld>
+    <p:spTree>
+      <p:nvGrpSpPr>
+        <p:cNvPr id="1" name=""/>
+        <p:cNvGrpSpPr/>
+        <p:nvPr/>
+      </p:nvGrpSpPr>
+      <p:grpSpPr>
+        <a:xfrm>
+          <a:off x="0" y="0"/>
+          <a:ext cx="0" cy="0"/>
+          <a:chOff x="0" y="0"/>
+          <a:chExt cx="0" cy="0"/>
+        </a:xfrm>
+      </p:grpSpPr>
+      <p:sp>
+        <p:nvSpPr>
+          <p:cNvPr id="2" name="Title 1">
+            <a:extLst>
+              <a:ext uri="{FF2B5EF4-FFF2-40B4-BE49-F238E27FC236}">
+                <a16:creationId xmlns:a16="http://schemas.microsoft.com/office/drawing/2014/main" id="{C8219268-6342-4A06-8DA5-6A58A6A244B5}"/>
+              </a:ext>
+            </a:extLst>
+          </p:cNvPr>
+          <p:cNvSpPr>
+            <a:spLocks noGrp="1"/>
+          </p:cNvSpPr>
+          <p:nvPr>
+            <p:ph type="title"/>
+          </p:nvPr>
+        </p:nvSpPr>
+        <p:spPr/>
+        <p:txBody>
+          <a:bodyPr/>
+          <a:lstStyle/>
+          <a:p>
+            <a:r>
+              <a:rPr lang="en-US" b="1" dirty="0"/>
+              <a:t>4. Deployment</a:t>
+            </a:r>
+            <a:br>
+              <a:rPr lang="de-DE" b="1" dirty="0"/>
+            </a:br>
+            <a:r>
+              <a:rPr lang="de-DE" b="1" dirty="0"/>
+              <a:t>     - API</a:t>
+            </a:r>
+            <a:endParaRPr lang="en-DE" b="1" dirty="0"/>
+          </a:p>
+        </p:txBody>
+      </p:sp>
+      <p:sp>
+        <p:nvSpPr>
+          <p:cNvPr id="3" name="Content Placeholder 2">
+            <a:extLst>
+              <a:ext uri="{FF2B5EF4-FFF2-40B4-BE49-F238E27FC236}">
+                <a16:creationId xmlns:a16="http://schemas.microsoft.com/office/drawing/2014/main" id="{5D0973F4-358A-4783-8751-673DBA18FE3D}"/>
+              </a:ext>
+            </a:extLst>
+          </p:cNvPr>
+          <p:cNvSpPr>
+            <a:spLocks noGrp="1"/>
+          </p:cNvSpPr>
+          <p:nvPr>
+            <p:ph idx="1"/>
+          </p:nvPr>
+        </p:nvSpPr>
+        <p:spPr/>
+        <p:txBody>
+          <a:bodyPr>
+            <a:normAutofit fontScale="70000" lnSpcReduction="20000"/>
+          </a:bodyPr>
+          <a:lstStyle/>
+          <a:p>
+            <a:r>
+              <a:rPr lang="en-US" dirty="0"/>
+              <a:t>GET /</a:t>
+            </a:r>
+            <a:r>
+              <a:rPr lang="en-US" dirty="0" err="1"/>
+              <a:t>soccerGamesClassification</a:t>
+            </a:r>
+            <a:endParaRPr lang="en-US" dirty="0"/>
+          </a:p>
+          <a:p>
+            <a:pPr lvl="1"/>
+            <a:r>
+              <a:rPr lang="en-US" dirty="0"/>
+              <a:t>Returns </a:t>
+            </a:r>
+            <a:r>
+              <a:rPr lang="en-US" dirty="0" err="1"/>
+              <a:t>matchlist</a:t>
+            </a:r>
+            <a:r>
+              <a:rPr lang="en-US" dirty="0"/>
+              <a:t> with </a:t>
+            </a:r>
+            <a:r>
+              <a:rPr lang="en-US" dirty="0" err="1"/>
+              <a:t>classificiation</a:t>
+            </a:r>
+            <a:r>
+              <a:rPr lang="en-US" dirty="0"/>
+              <a:t> result</a:t>
+            </a:r>
+          </a:p>
+          <a:p>
+            <a:r>
+              <a:rPr lang="en-US" dirty="0"/>
+              <a:t>GET /</a:t>
+            </a:r>
+            <a:r>
+              <a:rPr lang="en-US" dirty="0" err="1"/>
+              <a:t>soccerGamesRegression</a:t>
+            </a:r>
+            <a:endParaRPr lang="en-US" dirty="0"/>
+          </a:p>
+          <a:p>
+            <a:pPr lvl="1"/>
+            <a:r>
+              <a:rPr lang="en-US" dirty="0"/>
+              <a:t>Returns </a:t>
+            </a:r>
+            <a:r>
+              <a:rPr lang="en-US" dirty="0" err="1"/>
+              <a:t>matchlist</a:t>
+            </a:r>
+            <a:r>
+              <a:rPr lang="en-US" dirty="0"/>
+              <a:t> with regression result</a:t>
+            </a:r>
+          </a:p>
+          <a:p>
+            <a:r>
+              <a:rPr lang="en-US" dirty="0"/>
+              <a:t>GET /</a:t>
+            </a:r>
+            <a:r>
+              <a:rPr lang="en-US" dirty="0" err="1"/>
+              <a:t>retrainClassification</a:t>
+            </a:r>
+            <a:endParaRPr lang="en-US" dirty="0"/>
+          </a:p>
+          <a:p>
+            <a:pPr lvl="1"/>
+            <a:r>
+              <a:rPr lang="en-US" dirty="0"/>
+              <a:t>Backend retrains a new classification model</a:t>
+            </a:r>
+          </a:p>
+          <a:p>
+            <a:pPr lvl="1"/>
+            <a:r>
+              <a:rPr lang="en-US" dirty="0"/>
+              <a:t>Backend reruns new model on whole database</a:t>
+            </a:r>
+          </a:p>
+          <a:p>
+            <a:pPr lvl="1"/>
+            <a:r>
+              <a:rPr lang="en-US" dirty="0"/>
+              <a:t>Returns “ok”</a:t>
+            </a:r>
+          </a:p>
+          <a:p>
+            <a:r>
+              <a:rPr lang="en-US" dirty="0"/>
+              <a:t>GET /</a:t>
+            </a:r>
+            <a:r>
+              <a:rPr lang="en-US" dirty="0" err="1"/>
+              <a:t>retrainRegression</a:t>
+            </a:r>
+            <a:endParaRPr lang="en-US" dirty="0"/>
+          </a:p>
+          <a:p>
+            <a:pPr lvl="1"/>
+            <a:r>
+              <a:rPr lang="en-US" dirty="0"/>
+              <a:t>Backend retrains a new regression model</a:t>
+            </a:r>
+          </a:p>
+          <a:p>
+            <a:pPr lvl="1"/>
+            <a:r>
+              <a:rPr lang="en-US" dirty="0"/>
+              <a:t>Backend reruns new model on whole database</a:t>
+            </a:r>
+          </a:p>
+          <a:p>
+            <a:pPr lvl="1"/>
+            <a:r>
+              <a:rPr lang="en-US" dirty="0"/>
+              <a:t>Returns “ok”</a:t>
+            </a:r>
+          </a:p>
+          <a:p>
+            <a:r>
+              <a:rPr lang="en-US" dirty="0"/>
+              <a:t>GET /</a:t>
+            </a:r>
+            <a:r>
+              <a:rPr lang="en-US" dirty="0" err="1"/>
+              <a:t>fetchNewMatches</a:t>
+            </a:r>
+            <a:endParaRPr lang="en-US" dirty="0"/>
+          </a:p>
+          <a:p>
+            <a:pPr lvl="1"/>
+            <a:r>
+              <a:rPr lang="en-US" dirty="0"/>
+              <a:t>Backend fetches new matches from </a:t>
+            </a:r>
+            <a:r>
+              <a:rPr lang="en-US" dirty="0" err="1"/>
+              <a:t>datasources</a:t>
+            </a:r>
+            <a:endParaRPr lang="en-US" dirty="0"/>
+          </a:p>
+          <a:p>
+            <a:pPr lvl="1"/>
+            <a:r>
+              <a:rPr lang="en-US" dirty="0"/>
+              <a:t>Returns “ok”</a:t>
+            </a:r>
+            <a:endParaRPr lang="en-DE" dirty="0"/>
+          </a:p>
+        </p:txBody>
+      </p:sp>
+      <p:sp>
+        <p:nvSpPr>
+          <p:cNvPr id="4" name="Date Placeholder 3">
+            <a:extLst>
+              <a:ext uri="{FF2B5EF4-FFF2-40B4-BE49-F238E27FC236}">
+                <a16:creationId xmlns:a16="http://schemas.microsoft.com/office/drawing/2014/main" id="{470A81C7-5BEC-4601-A1B8-9043280B9F83}"/>
+              </a:ext>
+            </a:extLst>
+          </p:cNvPr>
+          <p:cNvSpPr>
+            <a:spLocks noGrp="1"/>
+          </p:cNvSpPr>
+          <p:nvPr>
+            <p:ph type="dt" sz="half" idx="10"/>
+          </p:nvPr>
+        </p:nvSpPr>
+        <p:spPr/>
+        <p:txBody>
+          <a:bodyPr/>
+          <a:lstStyle/>
+          <a:p>
+            <a:fld id="{D3B4A22E-EFB2-4269-B19E-F96688142D44}" type="datetime1">
+              <a:rPr lang="de-DE" smtClean="0"/>
+              <a:t>08.07.2020</a:t>
+            </a:fld>
+            <a:endParaRPr lang="de-DE"/>
+          </a:p>
+        </p:txBody>
+      </p:sp>
+      <p:sp>
+        <p:nvSpPr>
+          <p:cNvPr id="5" name="Footer Placeholder 4">
+            <a:extLst>
+              <a:ext uri="{FF2B5EF4-FFF2-40B4-BE49-F238E27FC236}">
+                <a16:creationId xmlns:a16="http://schemas.microsoft.com/office/drawing/2014/main" id="{DBA47D56-BE1D-4430-A036-12B94840ECD6}"/>
+              </a:ext>
+            </a:extLst>
+          </p:cNvPr>
+          <p:cNvSpPr>
+            <a:spLocks noGrp="1"/>
+          </p:cNvSpPr>
+          <p:nvPr>
+            <p:ph type="ftr" sz="quarter" idx="11"/>
+          </p:nvPr>
+        </p:nvSpPr>
+        <p:spPr/>
+        <p:txBody>
+          <a:bodyPr/>
+          <a:lstStyle/>
+          <a:p>
+            <a:r>
+              <a:rPr lang="de-DE"/>
+              <a:t>Lisa Boos, Till Hoffmann, Khaled Jallouli, Hemlata Prajapati</a:t>
+            </a:r>
+          </a:p>
+        </p:txBody>
+      </p:sp>
+      <p:sp>
+        <p:nvSpPr>
+          <p:cNvPr id="6" name="Slide Number Placeholder 5">
+            <a:extLst>
+              <a:ext uri="{FF2B5EF4-FFF2-40B4-BE49-F238E27FC236}">
+                <a16:creationId xmlns:a16="http://schemas.microsoft.com/office/drawing/2014/main" id="{308BE21A-F306-41D9-9B02-2DB771EB6B3C}"/>
+              </a:ext>
+            </a:extLst>
+          </p:cNvPr>
+          <p:cNvSpPr>
+            <a:spLocks noGrp="1"/>
+          </p:cNvSpPr>
+          <p:nvPr>
+            <p:ph type="sldNum" sz="quarter" idx="12"/>
+          </p:nvPr>
+        </p:nvSpPr>
+        <p:spPr/>
+        <p:txBody>
+          <a:bodyPr/>
+          <a:lstStyle/>
+          <a:p>
+            <a:fld id="{9A48FC86-4651-46AF-9E4A-D3FC30E17613}" type="slidenum">
+              <a:rPr lang="de-DE" smtClean="0"/>
+              <a:t>27</a:t>
+            </a:fld>
+            <a:endParaRPr lang="de-DE"/>
+          </a:p>
+        </p:txBody>
+      </p:sp>
+    </p:spTree>
+    <p:extLst>
+      <p:ext uri="{BB962C8B-B14F-4D97-AF65-F5344CB8AC3E}">
+        <p14:creationId xmlns:p14="http://schemas.microsoft.com/office/powerpoint/2010/main" val="863772145"/>
+      </p:ext>
+    </p:extLst>
+  </p:cSld>
+  <p:clrMapOvr>
+    <a:masterClrMapping/>
+  </p:clrMapOvr>
+</p:sld>
+</file>
+
+<file path=ppt/slides/slide28.xml><?xml version="1.0" encoding="utf-8"?>
+<p:sld xmlns:a="http://schemas.openxmlformats.org/drawingml/2006/main" xmlns:r="http://schemas.openxmlformats.org/officeDocument/2006/relationships" xmlns:p="http://schemas.openxmlformats.org/presentationml/2006/main">
+  <p:cSld>
+    <p:spTree>
+      <p:nvGrpSpPr>
+        <p:cNvPr id="1" name=""/>
+        <p:cNvGrpSpPr/>
+        <p:nvPr/>
+      </p:nvGrpSpPr>
+      <p:grpSpPr>
+        <a:xfrm>
+          <a:off x="0" y="0"/>
+          <a:ext cx="0" cy="0"/>
+          <a:chOff x="0" y="0"/>
+          <a:chExt cx="0" cy="0"/>
+        </a:xfrm>
+      </p:grpSpPr>
+      <p:sp>
+        <p:nvSpPr>
           <p:cNvPr id="2" name="Titel 1">
             <a:extLst>
               <a:ext uri="{FF2B5EF4-FFF2-40B4-BE49-F238E27FC236}">
@@ -14641,7 +16793,7 @@
             <a:pPr marL="0" indent="0">
               <a:buNone/>
             </a:pPr>
-            <a:endParaRPr lang="de-DE"/>
+            <a:endParaRPr lang="de-DE" dirty="0"/>
           </a:p>
         </p:txBody>
       </p:sp>
@@ -14725,7 +16877,7 @@
           <a:p>
             <a:fld id="{9A48FC86-4651-46AF-9E4A-D3FC30E17613}" type="slidenum">
               <a:rPr lang="de-DE" smtClean="0"/>
-              <a:t>26</a:t>
+              <a:t>28</a:t>
             </a:fld>
             <a:endParaRPr lang="de-DE"/>
           </a:p>
@@ -14927,7 +17079,7 @@
               <a:rPr lang="en-US" dirty="0">
                 <a:cs typeface="Calibri"/>
               </a:rPr>
-              <a:t>Scrum Team-Work</a:t>
+              <a:t>Scrum teamwork</a:t>
             </a:r>
           </a:p>
           <a:p>
@@ -14935,7 +17087,7 @@
               <a:rPr lang="en-US" dirty="0">
                 <a:cs typeface="Calibri"/>
               </a:rPr>
-              <a:t>Learned very much about Neural Network</a:t>
+              <a:t>Learned very much about Neural Networks</a:t>
             </a:r>
           </a:p>
           <a:p>
@@ -14943,7 +17095,7 @@
               <a:rPr lang="en-US" dirty="0">
                 <a:cs typeface="Calibri"/>
               </a:rPr>
-              <a:t>Decent Outcome </a:t>
+              <a:t>Pretty good outcome</a:t>
             </a:r>
           </a:p>
           <a:p>
@@ -14977,7 +17129,7 @@
 </p:sld>
 </file>
 
-<file path=ppt/slides/slide27.xml><?xml version="1.0" encoding="utf-8"?>
+<file path=ppt/slides/slide29.xml><?xml version="1.0" encoding="utf-8"?>
 <p:sld xmlns:a="http://schemas.openxmlformats.org/drawingml/2006/main" xmlns:r="http://schemas.openxmlformats.org/officeDocument/2006/relationships" xmlns:p="http://schemas.openxmlformats.org/presentationml/2006/main">
   <p:cSld>
     <p:spTree>
@@ -15020,7 +17172,7 @@
                 <a:ea typeface="+mj-lt"/>
                 <a:cs typeface="+mj-lt"/>
               </a:rPr>
-              <a:t>Outlook</a:t>
+              <a:t>6. Outlook</a:t>
             </a:r>
             <a:endParaRPr lang="en-US" dirty="0"/>
           </a:p>
@@ -15050,180 +17202,55 @@
           <a:lstStyle/>
           <a:p>
             <a:r>
-              <a:rPr lang="de-DE" dirty="0">
+              <a:rPr lang="en-US" dirty="0">
                 <a:cs typeface="Calibri"/>
               </a:rPr>
-              <a:t>Test different </a:t>
-            </a:r>
-            <a:r>
-              <a:rPr lang="de-DE" dirty="0" err="1">
+              <a:t>Try different ways of normalization</a:t>
+            </a:r>
+          </a:p>
+          <a:p>
+            <a:r>
+              <a:rPr lang="en-US" dirty="0">
                 <a:cs typeface="Calibri"/>
               </a:rPr>
-              <a:t>paramaters</a:t>
-            </a:r>
-            <a:r>
-              <a:rPr lang="de-DE" dirty="0">
+              <a:t>Use more features</a:t>
+            </a:r>
+          </a:p>
+          <a:p>
+            <a:r>
+              <a:rPr lang="en-US" dirty="0">
                 <a:cs typeface="Calibri"/>
               </a:rPr>
-              <a:t> (</a:t>
-            </a:r>
-            <a:r>
-              <a:rPr lang="de-DE" dirty="0" err="1">
+              <a:t>Remove dependency on betting data</a:t>
+            </a:r>
+          </a:p>
+          <a:p>
+            <a:r>
+              <a:rPr lang="en-US" dirty="0">
                 <a:cs typeface="Calibri"/>
               </a:rPr>
-              <a:t>activation</a:t>
-            </a:r>
-            <a:r>
-              <a:rPr lang="de-DE" dirty="0">
+              <a:t>Improve frontend (design, functionality)</a:t>
+            </a:r>
+          </a:p>
+          <a:p>
+            <a:r>
+              <a:rPr lang="en-US" dirty="0">
                 <a:cs typeface="Calibri"/>
               </a:rPr>
-              <a:t> </a:t>
-            </a:r>
-            <a:r>
-              <a:rPr lang="de-DE" dirty="0" err="1">
+              <a:t>Improve deployment (</a:t>
+            </a:r>
+            <a:r>
+              <a:rPr lang="en-US" dirty="0" err="1">
                 <a:cs typeface="Calibri"/>
               </a:rPr>
-              <a:t>functions</a:t>
-            </a:r>
-            <a:r>
-              <a:rPr lang="de-DE" dirty="0">
+              <a:t>f.e</a:t>
+            </a:r>
+            <a:r>
+              <a:rPr lang="en-US" dirty="0">
                 <a:cs typeface="Calibri"/>
               </a:rPr>
-              <a:t>, </a:t>
-            </a:r>
-            <a:r>
-              <a:rPr lang="de-DE" dirty="0" err="1">
-                <a:cs typeface="Calibri"/>
-              </a:rPr>
-              <a:t>optimizers</a:t>
-            </a:r>
-            <a:r>
-              <a:rPr lang="de-DE" dirty="0">
-                <a:cs typeface="Calibri"/>
-              </a:rPr>
-              <a:t>) </a:t>
-            </a:r>
-            <a:endParaRPr lang="de-DE" dirty="0" err="1">
-              <a:ea typeface="+mn-lt"/>
-              <a:cs typeface="+mn-lt"/>
-            </a:endParaRPr>
-          </a:p>
-          <a:p>
-            <a:r>
-              <a:rPr lang="de-DE" dirty="0">
-                <a:cs typeface="Calibri"/>
-              </a:rPr>
-              <a:t>Test different </a:t>
-            </a:r>
-            <a:r>
-              <a:rPr lang="de-DE" dirty="0" err="1">
-                <a:cs typeface="Calibri"/>
-              </a:rPr>
-              <a:t>modeling</a:t>
-            </a:r>
-            <a:r>
-              <a:rPr lang="de-DE" dirty="0">
-                <a:cs typeface="Calibri"/>
-              </a:rPr>
-              <a:t> </a:t>
-            </a:r>
-            <a:r>
-              <a:rPr lang="de-DE" dirty="0" err="1">
-                <a:cs typeface="Calibri"/>
-              </a:rPr>
-              <a:t>techniques</a:t>
-            </a:r>
-            <a:r>
-              <a:rPr lang="de-DE" dirty="0">
-                <a:cs typeface="Calibri"/>
-              </a:rPr>
-              <a:t>: </a:t>
-            </a:r>
-            <a:r>
-              <a:rPr lang="de-DE" dirty="0" err="1">
-                <a:cs typeface="Calibri"/>
-              </a:rPr>
-              <a:t>Logistic</a:t>
-            </a:r>
-            <a:r>
-              <a:rPr lang="de-DE" dirty="0">
-                <a:cs typeface="Calibri"/>
-              </a:rPr>
-              <a:t> Regression</a:t>
-            </a:r>
-            <a:endParaRPr lang="de-DE" dirty="0">
-              <a:ea typeface="+mn-lt"/>
-              <a:cs typeface="+mn-lt"/>
-            </a:endParaRPr>
-          </a:p>
-          <a:p>
-            <a:r>
-              <a:rPr lang="de-DE" dirty="0">
-                <a:ea typeface="+mn-lt"/>
-                <a:cs typeface="+mn-lt"/>
-              </a:rPr>
-              <a:t>Test different </a:t>
-            </a:r>
-            <a:r>
-              <a:rPr lang="de-DE" dirty="0" err="1">
-                <a:ea typeface="+mn-lt"/>
-                <a:cs typeface="+mn-lt"/>
-              </a:rPr>
-              <a:t>features</a:t>
-            </a:r>
-            <a:endParaRPr lang="de-DE" dirty="0">
-              <a:ea typeface="+mn-lt"/>
-              <a:cs typeface="+mn-lt"/>
-            </a:endParaRPr>
-          </a:p>
-          <a:p>
-            <a:r>
-              <a:rPr lang="de-DE" dirty="0" err="1">
-                <a:ea typeface="+mn-lt"/>
-                <a:cs typeface="+mn-lt"/>
-              </a:rPr>
-              <a:t>Deployment</a:t>
-            </a:r>
-            <a:r>
-              <a:rPr lang="de-DE" dirty="0">
-                <a:ea typeface="+mn-lt"/>
-                <a:cs typeface="+mn-lt"/>
-              </a:rPr>
-              <a:t> (</a:t>
-            </a:r>
-            <a:r>
-              <a:rPr lang="de-DE" dirty="0" err="1">
-                <a:ea typeface="+mn-lt"/>
-                <a:cs typeface="+mn-lt"/>
-              </a:rPr>
-              <a:t>Flask</a:t>
-            </a:r>
-            <a:r>
-              <a:rPr lang="de-DE" dirty="0">
-                <a:ea typeface="+mn-lt"/>
-                <a:cs typeface="+mn-lt"/>
-              </a:rPr>
-              <a:t> </a:t>
-            </a:r>
-            <a:r>
-              <a:rPr lang="de-DE" dirty="0" err="1">
-                <a:ea typeface="+mn-lt"/>
-                <a:cs typeface="+mn-lt"/>
-              </a:rPr>
-              <a:t>app</a:t>
-            </a:r>
-            <a:r>
-              <a:rPr lang="de-DE" dirty="0">
-                <a:ea typeface="+mn-lt"/>
-                <a:cs typeface="+mn-lt"/>
-              </a:rPr>
-              <a:t>)</a:t>
-            </a:r>
-          </a:p>
-          <a:p>
-            <a:endParaRPr lang="en-US" dirty="0">
-              <a:cs typeface="Calibri"/>
-            </a:endParaRPr>
+              <a:t>. container, scaling)</a:t>
+            </a:r>
           </a:p>
           <a:p>
             <a:pPr marL="0" indent="0">
@@ -15315,7 +17342,7 @@
           <a:p>
             <a:fld id="{9A48FC86-4651-46AF-9E4A-D3FC30E17613}" type="slidenum">
               <a:rPr lang="de-DE" smtClean="0"/>
-              <a:t>27</a:t>
+              <a:t>29</a:t>
             </a:fld>
             <a:endParaRPr lang="de-DE"/>
           </a:p>
@@ -15325,196 +17352,6 @@
     <p:extLst>
       <p:ext uri="{BB962C8B-B14F-4D97-AF65-F5344CB8AC3E}">
         <p14:creationId xmlns:p14="http://schemas.microsoft.com/office/powerpoint/2010/main" val="136832147"/>
-      </p:ext>
-    </p:extLst>
-  </p:cSld>
-  <p:clrMapOvr>
-    <a:masterClrMapping/>
-  </p:clrMapOvr>
-</p:sld>
-</file>
-
-<file path=ppt/slides/slide28.xml><?xml version="1.0" encoding="utf-8"?>
-<p:sld xmlns:a="http://schemas.openxmlformats.org/drawingml/2006/main" xmlns:r="http://schemas.openxmlformats.org/officeDocument/2006/relationships" xmlns:p="http://schemas.openxmlformats.org/presentationml/2006/main">
-  <p:cSld>
-    <p:spTree>
-      <p:nvGrpSpPr>
-        <p:cNvPr id="1" name=""/>
-        <p:cNvGrpSpPr/>
-        <p:nvPr/>
-      </p:nvGrpSpPr>
-      <p:grpSpPr>
-        <a:xfrm>
-          <a:off x="0" y="0"/>
-          <a:ext cx="0" cy="0"/>
-          <a:chOff x="0" y="0"/>
-          <a:chExt cx="0" cy="0"/>
-        </a:xfrm>
-      </p:grpSpPr>
-      <p:sp>
-        <p:nvSpPr>
-          <p:cNvPr id="3" name="Inhaltsplatzhalter 2">
-            <a:extLst>
-              <a:ext uri="{FF2B5EF4-FFF2-40B4-BE49-F238E27FC236}">
-                <a16:creationId xmlns:a16="http://schemas.microsoft.com/office/drawing/2014/main" id="{5ACA964D-0C5D-4CFA-A777-5AF9E6C619E6}"/>
-              </a:ext>
-            </a:extLst>
-          </p:cNvPr>
-          <p:cNvSpPr>
-            <a:spLocks noGrp="1"/>
-          </p:cNvSpPr>
-          <p:nvPr>
-            <p:ph idx="1"/>
-          </p:nvPr>
-        </p:nvSpPr>
-        <p:spPr/>
-        <p:txBody>
-          <a:bodyPr vert="horz" lIns="91440" tIns="45720" rIns="91440" bIns="45720" rtlCol="0" anchor="t">
-            <a:normAutofit/>
-          </a:bodyPr>
-          <a:lstStyle/>
-          <a:p>
-            <a:pPr algn="ctr"/>
-            <a:endParaRPr lang="de-DE" dirty="0"/>
-          </a:p>
-          <a:p>
-            <a:pPr algn="ctr"/>
-            <a:endParaRPr lang="de-DE" dirty="0"/>
-          </a:p>
-          <a:p>
-            <a:pPr algn="ctr"/>
-            <a:endParaRPr lang="de-DE" dirty="0"/>
-          </a:p>
-          <a:p>
-            <a:pPr marL="0" indent="0" algn="ctr">
-              <a:buNone/>
-            </a:pPr>
-            <a:r>
-              <a:rPr lang="de-DE" dirty="0" err="1"/>
-              <a:t>Thanks</a:t>
-            </a:r>
-            <a:r>
-              <a:rPr lang="de-DE" dirty="0"/>
-              <a:t> </a:t>
-            </a:r>
-            <a:r>
-              <a:rPr lang="de-DE" dirty="0" err="1"/>
-              <a:t>for</a:t>
-            </a:r>
-            <a:r>
-              <a:rPr lang="de-DE" dirty="0"/>
-              <a:t> </a:t>
-            </a:r>
-            <a:r>
-              <a:rPr lang="de-DE" dirty="0" err="1"/>
-              <a:t>your</a:t>
-            </a:r>
-            <a:r>
-              <a:rPr lang="de-DE" dirty="0"/>
-              <a:t> </a:t>
-            </a:r>
-            <a:r>
-              <a:rPr lang="de-DE" dirty="0" err="1"/>
-              <a:t>attention</a:t>
-            </a:r>
-            <a:r>
-              <a:rPr lang="de-DE" dirty="0"/>
-              <a:t>!</a:t>
-            </a:r>
-          </a:p>
-        </p:txBody>
-      </p:sp>
-      <p:sp>
-        <p:nvSpPr>
-          <p:cNvPr id="4" name="Datumsplatzhalter 3">
-            <a:extLst>
-              <a:ext uri="{FF2B5EF4-FFF2-40B4-BE49-F238E27FC236}">
-                <a16:creationId xmlns:a16="http://schemas.microsoft.com/office/drawing/2014/main" id="{52644F5B-A87E-4BA2-8FE3-4CACA83A10A0}"/>
-              </a:ext>
-            </a:extLst>
-          </p:cNvPr>
-          <p:cNvSpPr>
-            <a:spLocks noGrp="1"/>
-          </p:cNvSpPr>
-          <p:nvPr>
-            <p:ph type="dt" sz="half" idx="10"/>
-          </p:nvPr>
-        </p:nvSpPr>
-        <p:spPr/>
-        <p:txBody>
-          <a:bodyPr/>
-          <a:lstStyle/>
-          <a:p>
-            <a:fld id="{73121E6A-75D1-489E-A4D4-2AF6E562FD72}" type="datetime1">
-              <a:rPr lang="de-DE" smtClean="0"/>
-              <a:t>08.07.2020</a:t>
-            </a:fld>
-            <a:endParaRPr lang="de-DE"/>
-          </a:p>
-        </p:txBody>
-      </p:sp>
-      <p:sp>
-        <p:nvSpPr>
-          <p:cNvPr id="5" name="Fußzeilenplatzhalter 4">
-            <a:extLst>
-              <a:ext uri="{FF2B5EF4-FFF2-40B4-BE49-F238E27FC236}">
-                <a16:creationId xmlns:a16="http://schemas.microsoft.com/office/drawing/2014/main" id="{BA1788CF-0A35-43B5-B3F8-B60B17AE4A38}"/>
-              </a:ext>
-            </a:extLst>
-          </p:cNvPr>
-          <p:cNvSpPr>
-            <a:spLocks noGrp="1"/>
-          </p:cNvSpPr>
-          <p:nvPr>
-            <p:ph type="ftr" sz="quarter" idx="11"/>
-          </p:nvPr>
-        </p:nvSpPr>
-        <p:spPr/>
-        <p:txBody>
-          <a:bodyPr/>
-          <a:lstStyle/>
-          <a:p>
-            <a:r>
-              <a:rPr lang="de-DE"/>
-              <a:t>Lisa Boos, Till Hoffmann, Khaled Jallouli, Hemlata Prajapati</a:t>
-            </a:r>
-            <a:endParaRPr lang="de-DE" dirty="0"/>
-          </a:p>
-        </p:txBody>
-      </p:sp>
-      <p:sp>
-        <p:nvSpPr>
-          <p:cNvPr id="6" name="Foliennummernplatzhalter 5">
-            <a:extLst>
-              <a:ext uri="{FF2B5EF4-FFF2-40B4-BE49-F238E27FC236}">
-                <a16:creationId xmlns:a16="http://schemas.microsoft.com/office/drawing/2014/main" id="{3576FCEE-945A-4A93-8EF8-18DA542EDA7E}"/>
-              </a:ext>
-            </a:extLst>
-          </p:cNvPr>
-          <p:cNvSpPr>
-            <a:spLocks noGrp="1"/>
-          </p:cNvSpPr>
-          <p:nvPr>
-            <p:ph type="sldNum" sz="quarter" idx="12"/>
-          </p:nvPr>
-        </p:nvSpPr>
-        <p:spPr/>
-        <p:txBody>
-          <a:bodyPr/>
-          <a:lstStyle/>
-          <a:p>
-            <a:fld id="{9A48FC86-4651-46AF-9E4A-D3FC30E17613}" type="slidenum">
-              <a:rPr lang="de-DE" smtClean="0"/>
-              <a:t>28</a:t>
-            </a:fld>
-            <a:endParaRPr lang="de-DE"/>
-          </a:p>
-        </p:txBody>
-      </p:sp>
-    </p:spTree>
-    <p:extLst>
-      <p:ext uri="{BB962C8B-B14F-4D97-AF65-F5344CB8AC3E}">
-        <p14:creationId xmlns:p14="http://schemas.microsoft.com/office/powerpoint/2010/main" val="1695118127"/>
       </p:ext>
     </p:extLst>
   </p:cSld>
@@ -15639,7 +17476,7 @@
               <a:rPr lang="en-US" dirty="0">
                 <a:cs typeface="Calibri"/>
               </a:rPr>
-              <a:t>Finding a good model for the prediction- classification and regression</a:t>
+              <a:t>Finding a good model for the prediction – classification &amp; regression</a:t>
             </a:r>
           </a:p>
           <a:p>
@@ -15768,6 +17605,196 @@
     <p:extLst>
       <p:ext uri="{BB962C8B-B14F-4D97-AF65-F5344CB8AC3E}">
         <p14:creationId xmlns:p14="http://schemas.microsoft.com/office/powerpoint/2010/main" val="1389725933"/>
+      </p:ext>
+    </p:extLst>
+  </p:cSld>
+  <p:clrMapOvr>
+    <a:masterClrMapping/>
+  </p:clrMapOvr>
+</p:sld>
+</file>
+
+<file path=ppt/slides/slide30.xml><?xml version="1.0" encoding="utf-8"?>
+<p:sld xmlns:a="http://schemas.openxmlformats.org/drawingml/2006/main" xmlns:r="http://schemas.openxmlformats.org/officeDocument/2006/relationships" xmlns:p="http://schemas.openxmlformats.org/presentationml/2006/main">
+  <p:cSld>
+    <p:spTree>
+      <p:nvGrpSpPr>
+        <p:cNvPr id="1" name=""/>
+        <p:cNvGrpSpPr/>
+        <p:nvPr/>
+      </p:nvGrpSpPr>
+      <p:grpSpPr>
+        <a:xfrm>
+          <a:off x="0" y="0"/>
+          <a:ext cx="0" cy="0"/>
+          <a:chOff x="0" y="0"/>
+          <a:chExt cx="0" cy="0"/>
+        </a:xfrm>
+      </p:grpSpPr>
+      <p:sp>
+        <p:nvSpPr>
+          <p:cNvPr id="3" name="Inhaltsplatzhalter 2">
+            <a:extLst>
+              <a:ext uri="{FF2B5EF4-FFF2-40B4-BE49-F238E27FC236}">
+                <a16:creationId xmlns:a16="http://schemas.microsoft.com/office/drawing/2014/main" id="{5ACA964D-0C5D-4CFA-A777-5AF9E6C619E6}"/>
+              </a:ext>
+            </a:extLst>
+          </p:cNvPr>
+          <p:cNvSpPr>
+            <a:spLocks noGrp="1"/>
+          </p:cNvSpPr>
+          <p:nvPr>
+            <p:ph idx="1"/>
+          </p:nvPr>
+        </p:nvSpPr>
+        <p:spPr/>
+        <p:txBody>
+          <a:bodyPr vert="horz" lIns="91440" tIns="45720" rIns="91440" bIns="45720" rtlCol="0" anchor="t">
+            <a:normAutofit/>
+          </a:bodyPr>
+          <a:lstStyle/>
+          <a:p>
+            <a:pPr algn="ctr"/>
+            <a:endParaRPr lang="de-DE" dirty="0"/>
+          </a:p>
+          <a:p>
+            <a:pPr algn="ctr"/>
+            <a:endParaRPr lang="de-DE" dirty="0"/>
+          </a:p>
+          <a:p>
+            <a:pPr algn="ctr"/>
+            <a:endParaRPr lang="de-DE" dirty="0"/>
+          </a:p>
+          <a:p>
+            <a:pPr marL="0" indent="0" algn="ctr">
+              <a:buNone/>
+            </a:pPr>
+            <a:r>
+              <a:rPr lang="de-DE" dirty="0" err="1"/>
+              <a:t>Thanks</a:t>
+            </a:r>
+            <a:r>
+              <a:rPr lang="de-DE" dirty="0"/>
+              <a:t> </a:t>
+            </a:r>
+            <a:r>
+              <a:rPr lang="de-DE" dirty="0" err="1"/>
+              <a:t>for</a:t>
+            </a:r>
+            <a:r>
+              <a:rPr lang="de-DE" dirty="0"/>
+              <a:t> </a:t>
+            </a:r>
+            <a:r>
+              <a:rPr lang="de-DE" dirty="0" err="1"/>
+              <a:t>your</a:t>
+            </a:r>
+            <a:r>
+              <a:rPr lang="de-DE" dirty="0"/>
+              <a:t> </a:t>
+            </a:r>
+            <a:r>
+              <a:rPr lang="de-DE" dirty="0" err="1"/>
+              <a:t>attention</a:t>
+            </a:r>
+            <a:r>
+              <a:rPr lang="de-DE" dirty="0"/>
+              <a:t>!</a:t>
+            </a:r>
+          </a:p>
+        </p:txBody>
+      </p:sp>
+      <p:sp>
+        <p:nvSpPr>
+          <p:cNvPr id="4" name="Datumsplatzhalter 3">
+            <a:extLst>
+              <a:ext uri="{FF2B5EF4-FFF2-40B4-BE49-F238E27FC236}">
+                <a16:creationId xmlns:a16="http://schemas.microsoft.com/office/drawing/2014/main" id="{52644F5B-A87E-4BA2-8FE3-4CACA83A10A0}"/>
+              </a:ext>
+            </a:extLst>
+          </p:cNvPr>
+          <p:cNvSpPr>
+            <a:spLocks noGrp="1"/>
+          </p:cNvSpPr>
+          <p:nvPr>
+            <p:ph type="dt" sz="half" idx="10"/>
+          </p:nvPr>
+        </p:nvSpPr>
+        <p:spPr/>
+        <p:txBody>
+          <a:bodyPr/>
+          <a:lstStyle/>
+          <a:p>
+            <a:fld id="{FC21E6BC-48F8-4776-9F64-24FB2EF6738F}" type="datetime1">
+              <a:rPr lang="de-DE" smtClean="0"/>
+              <a:t>08.07.2020</a:t>
+            </a:fld>
+            <a:endParaRPr lang="de-DE" dirty="0"/>
+          </a:p>
+        </p:txBody>
+      </p:sp>
+      <p:sp>
+        <p:nvSpPr>
+          <p:cNvPr id="5" name="Fußzeilenplatzhalter 4">
+            <a:extLst>
+              <a:ext uri="{FF2B5EF4-FFF2-40B4-BE49-F238E27FC236}">
+                <a16:creationId xmlns:a16="http://schemas.microsoft.com/office/drawing/2014/main" id="{BA1788CF-0A35-43B5-B3F8-B60B17AE4A38}"/>
+              </a:ext>
+            </a:extLst>
+          </p:cNvPr>
+          <p:cNvSpPr>
+            <a:spLocks noGrp="1"/>
+          </p:cNvSpPr>
+          <p:nvPr>
+            <p:ph type="ftr" sz="quarter" idx="11"/>
+          </p:nvPr>
+        </p:nvSpPr>
+        <p:spPr/>
+        <p:txBody>
+          <a:bodyPr/>
+          <a:lstStyle/>
+          <a:p>
+            <a:r>
+              <a:rPr lang="de-DE"/>
+              <a:t>Lisa Boos, Till Hoffmann, Khaled Jallouli, Hemlata Prajapati</a:t>
+            </a:r>
+            <a:endParaRPr lang="de-DE" dirty="0"/>
+          </a:p>
+        </p:txBody>
+      </p:sp>
+      <p:sp>
+        <p:nvSpPr>
+          <p:cNvPr id="6" name="Foliennummernplatzhalter 5">
+            <a:extLst>
+              <a:ext uri="{FF2B5EF4-FFF2-40B4-BE49-F238E27FC236}">
+                <a16:creationId xmlns:a16="http://schemas.microsoft.com/office/drawing/2014/main" id="{3576FCEE-945A-4A93-8EF8-18DA542EDA7E}"/>
+              </a:ext>
+            </a:extLst>
+          </p:cNvPr>
+          <p:cNvSpPr>
+            <a:spLocks noGrp="1"/>
+          </p:cNvSpPr>
+          <p:nvPr>
+            <p:ph type="sldNum" sz="quarter" idx="12"/>
+          </p:nvPr>
+        </p:nvSpPr>
+        <p:spPr/>
+        <p:txBody>
+          <a:bodyPr/>
+          <a:lstStyle/>
+          <a:p>
+            <a:fld id="{9A48FC86-4651-46AF-9E4A-D3FC30E17613}" type="slidenum">
+              <a:rPr lang="de-DE" smtClean="0"/>
+              <a:t>30</a:t>
+            </a:fld>
+            <a:endParaRPr lang="de-DE"/>
+          </a:p>
+        </p:txBody>
+      </p:sp>
+    </p:spTree>
+    <p:extLst>
+      <p:ext uri="{BB962C8B-B14F-4D97-AF65-F5344CB8AC3E}">
+        <p14:creationId xmlns:p14="http://schemas.microsoft.com/office/powerpoint/2010/main" val="1695118127"/>
       </p:ext>
     </p:extLst>
   </p:cSld>

--- a/Daily/sprint9/Final_Presentation_Phase_I.pptx
+++ b/Daily/sprint9/Final_Presentation_Phase_I.pptx
@@ -1174,7 +1174,7 @@
           <a:p>
             <a:fld id="{9CDC8AA7-8D38-46C0-86D3-87BDB8133F92}" type="datetimeFigureOut">
               <a:rPr lang="de-DE" smtClean="0"/>
-              <a:t>08.07.2020</a:t>
+              <a:t>10.07.2020</a:t>
             </a:fld>
             <a:endParaRPr lang="de-DE"/>
           </a:p>
@@ -3244,6 +3244,132 @@
               <a:buChar char="-"/>
             </a:pPr>
             <a:r>
+              <a:rPr lang="de-DE" dirty="0" err="1"/>
+              <a:t>Actual</a:t>
+            </a:r>
+            <a:r>
+              <a:rPr lang="de-DE" dirty="0"/>
+              <a:t> </a:t>
+            </a:r>
+            <a:r>
+              <a:rPr lang="de-DE" dirty="0" err="1"/>
+              <a:t>outcome</a:t>
+            </a:r>
+            <a:r>
+              <a:rPr lang="de-DE" dirty="0"/>
+              <a:t> </a:t>
+            </a:r>
+            <a:r>
+              <a:rPr lang="de-DE" dirty="0" err="1"/>
+              <a:t>is</a:t>
+            </a:r>
+            <a:r>
+              <a:rPr lang="de-DE" dirty="0"/>
+              <a:t> not </a:t>
+            </a:r>
+            <a:r>
+              <a:rPr lang="de-DE" dirty="0" err="1"/>
+              <a:t>bad</a:t>
+            </a:r>
+            <a:r>
+              <a:rPr lang="de-DE" dirty="0"/>
+              <a:t>, </a:t>
+            </a:r>
+            <a:r>
+              <a:rPr lang="de-DE" dirty="0" err="1"/>
+              <a:t>instead</a:t>
+            </a:r>
+            <a:r>
+              <a:rPr lang="de-DE" dirty="0"/>
+              <a:t> </a:t>
+            </a:r>
+            <a:r>
+              <a:rPr lang="de-DE" dirty="0" err="1"/>
+              <a:t>its</a:t>
+            </a:r>
+            <a:r>
+              <a:rPr lang="de-DE" dirty="0"/>
+              <a:t> </a:t>
+            </a:r>
+            <a:r>
+              <a:rPr lang="de-DE" dirty="0" err="1"/>
+              <a:t>pretty</a:t>
+            </a:r>
+            <a:r>
+              <a:rPr lang="de-DE" dirty="0"/>
+              <a:t> </a:t>
+            </a:r>
+            <a:r>
+              <a:rPr lang="de-DE" dirty="0" err="1"/>
+              <a:t>good</a:t>
+            </a:r>
+            <a:r>
+              <a:rPr lang="de-DE" dirty="0"/>
+              <a:t>. (As </a:t>
+            </a:r>
+            <a:r>
+              <a:rPr lang="de-DE" dirty="0" err="1"/>
+              <a:t>always</a:t>
+            </a:r>
+            <a:r>
+              <a:rPr lang="de-DE" dirty="0"/>
+              <a:t>, at </a:t>
+            </a:r>
+            <a:r>
+              <a:rPr lang="de-DE" dirty="0" err="1"/>
+              <a:t>the</a:t>
+            </a:r>
+            <a:r>
+              <a:rPr lang="de-DE" dirty="0"/>
+              <a:t> end </a:t>
+            </a:r>
+            <a:r>
+              <a:rPr lang="de-DE" dirty="0" err="1"/>
+              <a:t>the</a:t>
+            </a:r>
+            <a:r>
+              <a:rPr lang="de-DE" dirty="0"/>
+              <a:t> </a:t>
+            </a:r>
+            <a:r>
+              <a:rPr lang="de-DE" dirty="0" err="1"/>
+              <a:t>learning</a:t>
+            </a:r>
+            <a:r>
+              <a:rPr lang="de-DE" dirty="0"/>
+              <a:t> </a:t>
+            </a:r>
+            <a:r>
+              <a:rPr lang="de-DE" dirty="0" err="1"/>
+              <a:t>ratio</a:t>
+            </a:r>
+            <a:r>
+              <a:rPr lang="de-DE" dirty="0"/>
+              <a:t> </a:t>
+            </a:r>
+            <a:r>
+              <a:rPr lang="de-DE" dirty="0" err="1"/>
+              <a:t>increases</a:t>
+            </a:r>
+            <a:r>
+              <a:rPr lang="de-DE" dirty="0"/>
+              <a:t> </a:t>
+            </a:r>
+            <a:r>
+              <a:rPr lang="de-DE" dirty="0" err="1"/>
+              <a:t>trememdously</a:t>
+            </a:r>
+            <a:r>
+              <a:rPr lang="de-DE" dirty="0"/>
+              <a:t>)</a:t>
+            </a:r>
+          </a:p>
+          <a:p>
+            <a:pPr marL="171450" indent="-171450">
+              <a:buFontTx/>
+              <a:buChar char="-"/>
+            </a:pPr>
+            <a:r>
               <a:rPr lang="de-DE" dirty="0"/>
               <a:t>SOME OF US </a:t>
             </a:r>
@@ -4261,7 +4387,7 @@
           <a:p>
             <a:fld id="{7ABF9344-E2D6-41B8-8336-B38128CBBEFE}" type="datetime1">
               <a:rPr lang="de-DE" smtClean="0"/>
-              <a:t>08.07.2020</a:t>
+              <a:t>10.07.2020</a:t>
             </a:fld>
             <a:endParaRPr lang="de-DE" dirty="0"/>
           </a:p>
@@ -4471,7 +4597,7 @@
           <a:p>
             <a:fld id="{92D88334-638A-4E37-A722-9BFF55B4E2BD}" type="datetime1">
               <a:rPr lang="de-DE" smtClean="0"/>
-              <a:t>08.07.2020</a:t>
+              <a:t>10.07.2020</a:t>
             </a:fld>
             <a:endParaRPr lang="de-DE"/>
           </a:p>
@@ -4690,7 +4816,7 @@
           <a:p>
             <a:fld id="{A307E243-58B9-4062-B4DD-2FC86F3FE2CE}" type="datetime1">
               <a:rPr lang="de-DE" smtClean="0"/>
-              <a:t>08.07.2020</a:t>
+              <a:t>10.07.2020</a:t>
             </a:fld>
             <a:endParaRPr lang="de-DE"/>
           </a:p>
@@ -4899,7 +5025,7 @@
           <a:p>
             <a:fld id="{D3B4A22E-EFB2-4269-B19E-F96688142D44}" type="datetime1">
               <a:rPr lang="de-DE" smtClean="0"/>
-              <a:t>08.07.2020</a:t>
+              <a:t>10.07.2020</a:t>
             </a:fld>
             <a:endParaRPr lang="de-DE"/>
           </a:p>
@@ -5185,7 +5311,7 @@
           <a:p>
             <a:fld id="{E57F6921-F63E-4D78-B944-128566970DF6}" type="datetime1">
               <a:rPr lang="de-DE" smtClean="0"/>
-              <a:t>08.07.2020</a:t>
+              <a:t>10.07.2020</a:t>
             </a:fld>
             <a:endParaRPr lang="de-DE"/>
           </a:p>
@@ -5461,7 +5587,7 @@
           <a:p>
             <a:fld id="{53F7DFF1-5CF9-4DD8-B5A5-322A26530AEA}" type="datetime1">
               <a:rPr lang="de-DE" smtClean="0"/>
-              <a:t>08.07.2020</a:t>
+              <a:t>10.07.2020</a:t>
             </a:fld>
             <a:endParaRPr lang="de-DE"/>
           </a:p>
@@ -5884,7 +6010,7 @@
           <a:p>
             <a:fld id="{B4AC1EFC-A134-49D1-A96F-8F166B05C93E}" type="datetime1">
               <a:rPr lang="de-DE" smtClean="0"/>
-              <a:t>08.07.2020</a:t>
+              <a:t>10.07.2020</a:t>
             </a:fld>
             <a:endParaRPr lang="de-DE"/>
           </a:p>
@@ -6036,7 +6162,7 @@
           <a:p>
             <a:fld id="{4268A0E3-80E2-4119-B122-D6E1EA8E4290}" type="datetime1">
               <a:rPr lang="de-DE" smtClean="0"/>
-              <a:t>08.07.2020</a:t>
+              <a:t>10.07.2020</a:t>
             </a:fld>
             <a:endParaRPr lang="de-DE"/>
           </a:p>
@@ -6160,7 +6286,7 @@
           <a:p>
             <a:fld id="{12689309-06AD-42C7-B6C4-9C57374B3903}" type="datetime1">
               <a:rPr lang="de-DE" smtClean="0"/>
-              <a:t>08.07.2020</a:t>
+              <a:t>10.07.2020</a:t>
             </a:fld>
             <a:endParaRPr lang="de-DE"/>
           </a:p>
@@ -6482,7 +6608,7 @@
           <a:p>
             <a:fld id="{88D297F6-F1B5-474E-9B8C-816C396AE099}" type="datetime1">
               <a:rPr lang="de-DE" smtClean="0"/>
-              <a:t>08.07.2020</a:t>
+              <a:t>10.07.2020</a:t>
             </a:fld>
             <a:endParaRPr lang="de-DE"/>
           </a:p>
@@ -6781,7 +6907,7 @@
           <a:p>
             <a:fld id="{F529DD80-3AD9-468C-8F3F-44249342E2F9}" type="datetime1">
               <a:rPr lang="de-DE" smtClean="0"/>
-              <a:t>08.07.2020</a:t>
+              <a:t>10.07.2020</a:t>
             </a:fld>
             <a:endParaRPr lang="de-DE"/>
           </a:p>
@@ -7033,7 +7159,7 @@
           <a:p>
             <a:fld id="{B2EB379E-BA81-4797-9D73-594FFC8C1978}" type="datetime1">
               <a:rPr lang="de-DE" smtClean="0"/>
-              <a:t>08.07.2020</a:t>
+              <a:t>10.07.2020</a:t>
             </a:fld>
             <a:endParaRPr lang="de-DE" dirty="0"/>
           </a:p>
@@ -7749,7 +7875,7 @@
           <a:p>
             <a:fld id="{05D2F1A8-5FA3-4E43-8092-4BFF3A2D9E3F}" type="datetime1">
               <a:rPr lang="de-DE" smtClean="0"/>
-              <a:t>08.07.2020</a:t>
+              <a:t>10.07.2020</a:t>
             </a:fld>
             <a:endParaRPr lang="de-DE"/>
           </a:p>
@@ -7939,7 +8065,7 @@
           <a:p>
             <a:fld id="{D3E6BCF9-FF11-4254-BA36-227E050BFDE9}" type="datetime1">
               <a:rPr lang="de-DE" smtClean="0"/>
-              <a:t>08.07.2020</a:t>
+              <a:t>10.07.2020</a:t>
             </a:fld>
             <a:endParaRPr lang="de-DE"/>
           </a:p>
@@ -8023,12 +8149,30 @@
           <a:bodyPr/>
           <a:lstStyle/>
           <a:p>
+            <a:pPr marL="285750" indent="-285750">
+              <a:buClr>
+                <a:schemeClr val="accent1">
+                  <a:lumMod val="75000"/>
+                </a:schemeClr>
+              </a:buClr>
+              <a:buFont typeface="Arial" panose="020B0604020202020204" pitchFamily="34" charset="0"/>
+              <a:buChar char="▌"/>
+            </a:pPr>
             <a:r>
               <a:rPr lang="en-US" dirty="0"/>
               <a:t>Normalization – old and new better way</a:t>
             </a:r>
           </a:p>
           <a:p>
+            <a:pPr marL="285750" indent="-285750">
+              <a:buClr>
+                <a:schemeClr val="accent1">
+                  <a:lumMod val="75000"/>
+                </a:schemeClr>
+              </a:buClr>
+              <a:buFont typeface="Arial" panose="020B0604020202020204" pitchFamily="34" charset="0"/>
+              <a:buChar char="▌"/>
+            </a:pPr>
             <a:r>
               <a:rPr lang="en-US" dirty="0"/>
               <a:t>Encoding</a:t>
@@ -8067,8 +8211,8 @@
         </p:blipFill>
         <p:spPr>
           <a:xfrm>
-            <a:off x="1009650" y="3128964"/>
-            <a:ext cx="10344150" cy="2757486"/>
+            <a:off x="490195" y="3072402"/>
+            <a:ext cx="11170762" cy="2611961"/>
           </a:xfrm>
           <a:prstGeom prst="rect">
             <a:avLst/>
@@ -8165,6 +8309,15 @@
           <a:bodyPr/>
           <a:lstStyle/>
           <a:p>
+            <a:pPr marL="285750" indent="-285750">
+              <a:buClr>
+                <a:schemeClr val="accent1">
+                  <a:lumMod val="75000"/>
+                </a:schemeClr>
+              </a:buClr>
+              <a:buFont typeface="Arial" panose="020B0604020202020204" pitchFamily="34" charset="0"/>
+              <a:buChar char="▌"/>
+            </a:pPr>
             <a:r>
               <a:rPr lang="en-US" dirty="0"/>
               <a:t>Normalization for Classification vs Regression</a:t>
@@ -8198,7 +8351,7 @@
           <a:p>
             <a:fld id="{61019BA1-E988-4352-9936-E8B4BA34E226}" type="datetime1">
               <a:rPr lang="de-DE" smtClean="0"/>
-              <a:t>08.07.2020</a:t>
+              <a:t>10.07.2020</a:t>
             </a:fld>
             <a:endParaRPr lang="de-DE"/>
           </a:p>
@@ -8289,8 +8442,8 @@
         </p:blipFill>
         <p:spPr>
           <a:xfrm>
-            <a:off x="1054100" y="3028950"/>
-            <a:ext cx="10299700" cy="2971799"/>
+            <a:off x="452487" y="3028951"/>
+            <a:ext cx="11217897" cy="2664840"/>
           </a:xfrm>
           <a:prstGeom prst="rect">
             <a:avLst/>
@@ -8387,6 +8540,15 @@
           <a:bodyPr/>
           <a:lstStyle/>
           <a:p>
+            <a:pPr marL="285750" indent="-285750">
+              <a:buClr>
+                <a:schemeClr val="accent1">
+                  <a:lumMod val="75000"/>
+                </a:schemeClr>
+              </a:buClr>
+              <a:buFont typeface="Arial" panose="020B0604020202020204" pitchFamily="34" charset="0"/>
+              <a:buChar char="▌"/>
+            </a:pPr>
             <a:r>
               <a:rPr lang="en-US" dirty="0"/>
               <a:t>Encoding</a:t>
@@ -8420,7 +8582,7 @@
           <a:p>
             <a:fld id="{C1EF57CE-BBA6-43ED-94BC-1095B629580F}" type="datetime1">
               <a:rPr lang="de-DE" smtClean="0"/>
-              <a:t>08.07.2020</a:t>
+              <a:t>10.07.2020</a:t>
             </a:fld>
             <a:endParaRPr lang="de-DE"/>
           </a:p>
@@ -8483,42 +8645,6 @@
           </a:p>
         </p:txBody>
       </p:sp>
-      <p:pic>
-        <p:nvPicPr>
-          <p:cNvPr id="8" name="Picture 7">
-            <a:extLst>
-              <a:ext uri="{FF2B5EF4-FFF2-40B4-BE49-F238E27FC236}">
-                <a16:creationId xmlns:a16="http://schemas.microsoft.com/office/drawing/2014/main" id="{7307290B-EA04-004E-9260-EEB31260C899}"/>
-              </a:ext>
-            </a:extLst>
-          </p:cNvPr>
-          <p:cNvPicPr>
-            <a:picLocks noChangeAspect="1"/>
-          </p:cNvPicPr>
-          <p:nvPr/>
-        </p:nvPicPr>
-        <p:blipFill>
-          <a:blip r:embed="rId3">
-            <a:extLst>
-              <a:ext uri="{28A0092B-C50C-407E-A947-70E740481C1C}">
-                <a14:useLocalDpi xmlns:a14="http://schemas.microsoft.com/office/drawing/2010/main" val="0"/>
-              </a:ext>
-            </a:extLst>
-          </a:blip>
-          <a:stretch>
-            <a:fillRect/>
-          </a:stretch>
-        </p:blipFill>
-        <p:spPr>
-          <a:xfrm>
-            <a:off x="1292224" y="2686049"/>
-            <a:ext cx="4208463" cy="3490913"/>
-          </a:xfrm>
-          <a:prstGeom prst="rect">
-            <a:avLst/>
-          </a:prstGeom>
-        </p:spPr>
-      </p:pic>
       <p:sp>
         <p:nvSpPr>
           <p:cNvPr id="11" name="Right Arrow 10">
@@ -8580,7 +8706,7 @@
           <p:nvPr/>
         </p:nvPicPr>
         <p:blipFill>
-          <a:blip r:embed="rId4"/>
+          <a:blip r:embed="rId3"/>
           <a:stretch>
             <a:fillRect/>
           </a:stretch>
@@ -8589,6 +8715,36 @@
           <a:xfrm>
             <a:off x="6861176" y="2975785"/>
             <a:ext cx="5067300" cy="1895475"/>
+          </a:xfrm>
+          <a:prstGeom prst="rect">
+            <a:avLst/>
+          </a:prstGeom>
+        </p:spPr>
+      </p:pic>
+      <p:pic>
+        <p:nvPicPr>
+          <p:cNvPr id="10" name="Picture 9">
+            <a:extLst>
+              <a:ext uri="{FF2B5EF4-FFF2-40B4-BE49-F238E27FC236}">
+                <a16:creationId xmlns:a16="http://schemas.microsoft.com/office/drawing/2014/main" id="{6FD7B387-C0AC-41E4-BCFC-F7985FE16E83}"/>
+              </a:ext>
+            </a:extLst>
+          </p:cNvPr>
+          <p:cNvPicPr>
+            <a:picLocks noChangeAspect="1"/>
+          </p:cNvPicPr>
+          <p:nvPr/>
+        </p:nvPicPr>
+        <p:blipFill>
+          <a:blip r:embed="rId4"/>
+          <a:stretch>
+            <a:fillRect/>
+          </a:stretch>
+        </p:blipFill>
+        <p:spPr>
+          <a:xfrm>
+            <a:off x="1059608" y="2603554"/>
+            <a:ext cx="3905348" cy="3395371"/>
           </a:xfrm>
           <a:prstGeom prst="rect">
             <a:avLst/>
@@ -8760,107 +8916,102 @@
               </a:rPr>
               <a:t>techniques</a:t>
             </a:r>
-            <a:endParaRPr lang="de-DE" b="1" dirty="0">
-              <a:solidFill>
+            <a:endParaRPr lang="en-US" b="1" dirty="0"/>
+          </a:p>
+          <a:p>
+            <a:pPr marL="742950" lvl="1" indent="-285750">
+              <a:buClr>
                 <a:schemeClr val="accent1">
-                  <a:lumMod val="50000"/>
+                  <a:lumMod val="60000"/>
+                  <a:lumOff val="40000"/>
                 </a:schemeClr>
-              </a:solidFill>
-              <a:ea typeface="+mn-lt"/>
-              <a:cs typeface="+mn-lt"/>
-            </a:endParaRPr>
-          </a:p>
-          <a:p>
-            <a:pPr lvl="1">
-              <a:buFont typeface="Wingdings" panose="020B0604020202020204" pitchFamily="34" charset="0"/>
-              <a:buChar char="q"/>
+              </a:buClr>
+              <a:buFont typeface="Arial" panose="020B0604020202020204" pitchFamily="34" charset="0"/>
+              <a:buChar char="►"/>
             </a:pPr>
+            <a:r>
+              <a:rPr lang="en-US" dirty="0"/>
+              <a:t> </a:t>
+            </a:r>
+            <a:r>
+              <a:rPr lang="de-DE" dirty="0" err="1">
+                <a:ea typeface="+mn-lt"/>
+                <a:cs typeface="+mn-lt"/>
+              </a:rPr>
+              <a:t>Supervised</a:t>
+            </a:r>
             <a:r>
               <a:rPr lang="de-DE" dirty="0">
                 <a:ea typeface="+mn-lt"/>
                 <a:cs typeface="+mn-lt"/>
               </a:rPr>
-              <a:t> </a:t>
+              <a:t> </a:t>
             </a:r>
             <a:r>
               <a:rPr lang="de-DE" dirty="0" err="1">
                 <a:ea typeface="+mn-lt"/>
                 <a:cs typeface="+mn-lt"/>
               </a:rPr>
-              <a:t>Supervised</a:t>
+              <a:t>Machine</a:t>
             </a:r>
             <a:r>
               <a:rPr lang="de-DE" dirty="0">
                 <a:ea typeface="+mn-lt"/>
                 <a:cs typeface="+mn-lt"/>
               </a:rPr>
-              <a:t> </a:t>
+              <a:t> Learning </a:t>
             </a:r>
             <a:r>
               <a:rPr lang="de-DE" dirty="0" err="1">
                 <a:ea typeface="+mn-lt"/>
                 <a:cs typeface="+mn-lt"/>
               </a:rPr>
-              <a:t>Machine</a:t>
+              <a:t>Algorithms</a:t>
             </a:r>
             <a:r>
               <a:rPr lang="de-DE" dirty="0">
                 <a:ea typeface="+mn-lt"/>
                 <a:cs typeface="+mn-lt"/>
               </a:rPr>
-              <a:t> Learning </a:t>
+              <a:t>: Multi-</a:t>
             </a:r>
             <a:r>
               <a:rPr lang="de-DE" dirty="0" err="1">
                 <a:ea typeface="+mn-lt"/>
                 <a:cs typeface="+mn-lt"/>
               </a:rPr>
-              <a:t>Algorithms</a:t>
+              <a:t>class</a:t>
             </a:r>
             <a:r>
               <a:rPr lang="de-DE" dirty="0">
                 <a:ea typeface="+mn-lt"/>
                 <a:cs typeface="+mn-lt"/>
               </a:rPr>
-              <a:t>: Multi-</a:t>
+              <a:t> </a:t>
             </a:r>
             <a:r>
               <a:rPr lang="de-DE" dirty="0" err="1">
                 <a:ea typeface="+mn-lt"/>
                 <a:cs typeface="+mn-lt"/>
               </a:rPr>
-              <a:t>class</a:t>
-            </a:r>
-            <a:r>
-              <a:rPr lang="de-DE" dirty="0">
-                <a:ea typeface="+mn-lt"/>
-                <a:cs typeface="+mn-lt"/>
-              </a:rPr>
+              <a:t>classification</a:t>
+            </a:r>
+            <a:endParaRPr lang="en-US" b="1" dirty="0"/>
+          </a:p>
+          <a:p>
+            <a:pPr marL="742950" lvl="1" indent="-285750">
+              <a:buClr>
+                <a:schemeClr val="accent1">
+                  <a:lumMod val="60000"/>
+                  <a:lumOff val="40000"/>
+                </a:schemeClr>
+              </a:buClr>
+              <a:buFont typeface="Arial" panose="020B0604020202020204" pitchFamily="34" charset="0"/>
+              <a:buChar char="►"/>
+            </a:pPr>
+            <a:r>
+              <a:rPr lang="en-US" dirty="0"/>
               <a:t> </a:t>
-            </a:r>
-            <a:r>
-              <a:rPr lang="de-DE" dirty="0" err="1">
-                <a:ea typeface="+mn-lt"/>
-                <a:cs typeface="+mn-lt"/>
-              </a:rPr>
-              <a:t>classification</a:t>
-            </a:r>
-            <a:endParaRPr lang="de-DE" dirty="0">
-              <a:ea typeface="+mn-lt"/>
-              <a:cs typeface="+mn-lt"/>
-            </a:endParaRPr>
-          </a:p>
-          <a:p>
-            <a:pPr lvl="1">
-              <a:buFont typeface="Wingdings" panose="020B0604020202020204" pitchFamily="34" charset="0"/>
-              <a:buChar char="q"/>
-            </a:pPr>
-            <a:r>
-              <a:rPr lang="de-DE" dirty="0">
-                <a:ea typeface="+mn-lt"/>
-                <a:cs typeface="+mn-lt"/>
-              </a:rPr>
-              <a:t> </a:t>
             </a:r>
             <a:r>
               <a:rPr lang="de-DE" dirty="0" err="1">
@@ -8965,35 +9116,107 @@
               </a:rPr>
               <a:t> design</a:t>
             </a:r>
-          </a:p>
-          <a:p>
-            <a:pPr lvl="1">
-              <a:buFont typeface="Wingdings" panose="020B0604020202020204" pitchFamily="34" charset="0"/>
-              <a:buChar char="q"/>
+            <a:endParaRPr lang="en-US" b="1" dirty="0"/>
+          </a:p>
+          <a:p>
+            <a:pPr marL="742950" lvl="1" indent="-285750">
+              <a:buClr>
+                <a:schemeClr val="accent1">
+                  <a:lumMod val="60000"/>
+                  <a:lumOff val="40000"/>
+                </a:schemeClr>
+              </a:buClr>
+              <a:buFont typeface="Arial" panose="020B0604020202020204" pitchFamily="34" charset="0"/>
+              <a:buChar char="►"/>
             </a:pPr>
+            <a:r>
+              <a:rPr lang="en-US" dirty="0"/>
+              <a:t> </a:t>
+            </a:r>
             <a:r>
               <a:rPr lang="de-DE" dirty="0">
                 <a:ea typeface="+mn-lt"/>
                 <a:cs typeface="+mn-lt"/>
               </a:rPr>
-              <a:t> Data Splitting:</a:t>
-            </a:r>
-            <a:endParaRPr lang="de-DE" u="sng" dirty="0">
+              <a:t>Data Splitting:</a:t>
+            </a:r>
+            <a:endParaRPr lang="en-US" b="1" dirty="0"/>
+          </a:p>
+          <a:p>
+            <a:pPr marL="1200150" lvl="2" indent="-285750">
+              <a:buClr>
+                <a:schemeClr val="accent1">
+                  <a:lumMod val="60000"/>
+                  <a:lumOff val="40000"/>
+                </a:schemeClr>
+              </a:buClr>
+              <a:buFont typeface="Arial" panose="020B0604020202020204" pitchFamily="34" charset="0"/>
+              <a:buChar char="►"/>
+            </a:pPr>
+            <a:r>
+              <a:rPr lang="de-DE" sz="1800" dirty="0">
+                <a:ea typeface="+mn-lt"/>
+                <a:cs typeface="+mn-lt"/>
+              </a:rPr>
+              <a:t>Training </a:t>
+            </a:r>
+            <a:r>
+              <a:rPr lang="de-DE" sz="1800" dirty="0" err="1">
+                <a:ea typeface="+mn-lt"/>
+                <a:cs typeface="+mn-lt"/>
+              </a:rPr>
+              <a:t>set</a:t>
+            </a:r>
+            <a:r>
+              <a:rPr lang="de-DE" sz="1800" dirty="0">
+                <a:ea typeface="+mn-lt"/>
+                <a:cs typeface="+mn-lt"/>
+              </a:rPr>
+              <a:t> (70%) and Test </a:t>
+            </a:r>
+            <a:r>
+              <a:rPr lang="de-DE" sz="1800" dirty="0" err="1">
+                <a:ea typeface="+mn-lt"/>
+                <a:cs typeface="+mn-lt"/>
+              </a:rPr>
+              <a:t>set</a:t>
+            </a:r>
+            <a:r>
+              <a:rPr lang="de-DE" sz="1800" dirty="0">
+                <a:ea typeface="+mn-lt"/>
+                <a:cs typeface="+mn-lt"/>
+              </a:rPr>
+              <a:t> (30%) not </a:t>
+            </a:r>
+            <a:r>
+              <a:rPr lang="de-DE" sz="1800" dirty="0" err="1">
+                <a:ea typeface="+mn-lt"/>
+                <a:cs typeface="+mn-lt"/>
+              </a:rPr>
+              <a:t>shuffled</a:t>
+            </a:r>
+            <a:endParaRPr lang="de-DE" sz="1400" u="sng" dirty="0">
               <a:ea typeface="+mn-lt"/>
               <a:cs typeface="+mn-lt"/>
             </a:endParaRPr>
           </a:p>
           <a:p>
-            <a:pPr lvl="2">
-              <a:buFont typeface="Courier New" panose="020B0604020202020204" pitchFamily="34" charset="0"/>
-              <a:buChar char="o"/>
+            <a:pPr marL="1200150" lvl="2" indent="-285750">
+              <a:buClr>
+                <a:schemeClr val="accent1">
+                  <a:lumMod val="60000"/>
+                  <a:lumOff val="40000"/>
+                </a:schemeClr>
+              </a:buClr>
+              <a:buFont typeface="Arial" panose="020B0604020202020204" pitchFamily="34" charset="0"/>
+              <a:buChar char="►"/>
             </a:pPr>
             <a:r>
               <a:rPr lang="de-DE" sz="1800" dirty="0">
                 <a:ea typeface="+mn-lt"/>
                 <a:cs typeface="+mn-lt"/>
               </a:rPr>
-              <a:t>Training </a:t>
+              <a:t>Test </a:t>
             </a:r>
             <a:r>
               <a:rPr lang="de-DE" sz="1800" dirty="0" err="1">
@@ -9007,7 +9230,7 @@
                 <a:ea typeface="+mn-lt"/>
                 <a:cs typeface="+mn-lt"/>
               </a:rPr>
-              <a:t> (70%) and Test </a:t>
+              <a:t> (5%), Training </a:t>
             </a:r>
             <a:r>
               <a:rPr lang="de-DE" sz="1800" dirty="0" err="1">
@@ -9021,80 +9244,70 @@
                 <a:ea typeface="+mn-lt"/>
                 <a:cs typeface="+mn-lt"/>
               </a:rPr>
-              <a:t> (30%) not </a:t>
+              <a:t> (80% </a:t>
             </a:r>
             <a:r>
               <a:rPr lang="de-DE" sz="1800" dirty="0" err="1">
                 <a:ea typeface="+mn-lt"/>
                 <a:cs typeface="+mn-lt"/>
               </a:rPr>
-              <a:t>shuffled</a:t>
-            </a:r>
-            <a:endParaRPr lang="de-DE" sz="1800" u="sng" dirty="0">
-              <a:ea typeface="+mn-lt"/>
-              <a:cs typeface="+mn-lt"/>
-            </a:endParaRPr>
-          </a:p>
-          <a:p>
-            <a:pPr lvl="2">
-              <a:buFont typeface="Courier New" panose="020B0604020202020204" pitchFamily="34" charset="0"/>
-              <a:buChar char="o"/>
-            </a:pPr>
+              <a:t>of</a:t>
+            </a:r>
             <a:r>
               <a:rPr lang="de-DE" sz="1800" dirty="0">
                 <a:ea typeface="+mn-lt"/>
                 <a:cs typeface="+mn-lt"/>
               </a:rPr>
-              <a:t>Test </a:t>
+              <a:t> </a:t>
             </a:r>
             <a:r>
               <a:rPr lang="de-DE" sz="1800" dirty="0" err="1">
                 <a:ea typeface="+mn-lt"/>
                 <a:cs typeface="+mn-lt"/>
               </a:rPr>
-              <a:t>set</a:t>
+              <a:t>the</a:t>
             </a:r>
             <a:r>
               <a:rPr lang="de-DE" sz="1800" dirty="0">
                 <a:ea typeface="+mn-lt"/>
                 <a:cs typeface="+mn-lt"/>
               </a:rPr>
-              <a:t> (5%), Training </a:t>
+              <a:t> </a:t>
             </a:r>
             <a:r>
               <a:rPr lang="de-DE" sz="1800" dirty="0" err="1">
                 <a:ea typeface="+mn-lt"/>
                 <a:cs typeface="+mn-lt"/>
               </a:rPr>
-              <a:t>set</a:t>
+              <a:t>remaining</a:t>
             </a:r>
             <a:r>
               <a:rPr lang="de-DE" sz="1800" dirty="0">
                 <a:ea typeface="+mn-lt"/>
                 <a:cs typeface="+mn-lt"/>
               </a:rPr>
-              <a:t> (80% </a:t>
+              <a:t> 95%) and Validation </a:t>
             </a:r>
             <a:r>
               <a:rPr lang="de-DE" sz="1800" dirty="0" err="1">
                 <a:ea typeface="+mn-lt"/>
                 <a:cs typeface="+mn-lt"/>
               </a:rPr>
-              <a:t>of</a:t>
+              <a:t>set</a:t>
             </a:r>
             <a:r>
               <a:rPr lang="de-DE" sz="1800" dirty="0">
                 <a:ea typeface="+mn-lt"/>
                 <a:cs typeface="+mn-lt"/>
               </a:rPr>
-              <a:t> </a:t>
+              <a:t> (20% </a:t>
             </a:r>
             <a:r>
               <a:rPr lang="de-DE" sz="1800" dirty="0" err="1">
                 <a:ea typeface="+mn-lt"/>
                 <a:cs typeface="+mn-lt"/>
               </a:rPr>
-              <a:t>the</a:t>
+              <a:t>of</a:t>
             </a:r>
             <a:r>
               <a:rPr lang="de-DE" sz="1800" dirty="0">
@@ -9108,81 +9321,46 @@
                 <a:ea typeface="+mn-lt"/>
                 <a:cs typeface="+mn-lt"/>
               </a:rPr>
-              <a:t>remaining</a:t>
+              <a:t>the</a:t>
             </a:r>
             <a:r>
               <a:rPr lang="de-DE" sz="1800" dirty="0">
                 <a:ea typeface="+mn-lt"/>
                 <a:cs typeface="+mn-lt"/>
               </a:rPr>
-              <a:t> 95%) and Validation </a:t>
+              <a:t> </a:t>
             </a:r>
             <a:r>
               <a:rPr lang="de-DE" sz="1800" dirty="0" err="1">
                 <a:ea typeface="+mn-lt"/>
                 <a:cs typeface="+mn-lt"/>
               </a:rPr>
-              <a:t>set</a:t>
+              <a:t>remaining</a:t>
             </a:r>
             <a:r>
               <a:rPr lang="de-DE" sz="1800" dirty="0">
                 <a:ea typeface="+mn-lt"/>
                 <a:cs typeface="+mn-lt"/>
               </a:rPr>
-              <a:t> (20% </a:t>
-            </a:r>
-            <a:r>
-              <a:rPr lang="de-DE" sz="1800" dirty="0" err="1">
-                <a:ea typeface="+mn-lt"/>
-                <a:cs typeface="+mn-lt"/>
-              </a:rPr>
-              <a:t>of</a:t>
-            </a:r>
-            <a:r>
-              <a:rPr lang="de-DE" sz="1800" dirty="0">
-                <a:ea typeface="+mn-lt"/>
-                <a:cs typeface="+mn-lt"/>
-              </a:rPr>
+              <a:t> 95%) </a:t>
+            </a:r>
+            <a:endParaRPr lang="en-US" b="1" dirty="0"/>
+          </a:p>
+          <a:p>
+            <a:pPr marL="742950" lvl="1" indent="-285750">
+              <a:buClr>
+                <a:schemeClr val="accent1">
+                  <a:lumMod val="60000"/>
+                  <a:lumOff val="40000"/>
+                </a:schemeClr>
+              </a:buClr>
+              <a:buFont typeface="Arial" panose="020B0604020202020204" pitchFamily="34" charset="0"/>
+              <a:buChar char="►"/>
+            </a:pPr>
+            <a:r>
+              <a:rPr lang="en-US" dirty="0"/>
               <a:t> </a:t>
             </a:r>
-            <a:r>
-              <a:rPr lang="de-DE" sz="1800" dirty="0" err="1">
-                <a:ea typeface="+mn-lt"/>
-                <a:cs typeface="+mn-lt"/>
-              </a:rPr>
-              <a:t>the</a:t>
-            </a:r>
-            <a:r>
-              <a:rPr lang="de-DE" sz="1800" dirty="0">
-                <a:ea typeface="+mn-lt"/>
-                <a:cs typeface="+mn-lt"/>
-              </a:rPr>
-              <a:t> </a:t>
-            </a:r>
-            <a:r>
-              <a:rPr lang="de-DE" sz="1800" dirty="0" err="1">
-                <a:ea typeface="+mn-lt"/>
-                <a:cs typeface="+mn-lt"/>
-              </a:rPr>
-              <a:t>remaining</a:t>
-            </a:r>
-            <a:r>
-              <a:rPr lang="de-DE" sz="1800" dirty="0">
-                <a:ea typeface="+mn-lt"/>
-                <a:cs typeface="+mn-lt"/>
-              </a:rPr>
-              <a:t> 95%) </a:t>
-            </a:r>
-            <a:endParaRPr lang="de-DE" sz="1800" u="sng" dirty="0">
-              <a:ea typeface="+mn-lt"/>
-              <a:cs typeface="+mn-lt"/>
-            </a:endParaRPr>
-          </a:p>
-          <a:p>
-            <a:pPr lvl="1">
-              <a:buFont typeface="Wingdings" panose="020B0604020202020204" pitchFamily="34" charset="0"/>
-              <a:buChar char="q"/>
-            </a:pPr>
             <a:r>
               <a:rPr lang="de-DE" dirty="0">
                 <a:ea typeface="+mn-lt"/>
@@ -9316,12 +9494,23 @@
               </a:rPr>
               <a:t>)</a:t>
             </a:r>
-          </a:p>
-          <a:p>
-            <a:pPr lvl="1">
-              <a:buFont typeface="Wingdings" panose="020B0604020202020204" pitchFamily="34" charset="0"/>
-              <a:buChar char="q"/>
+            <a:endParaRPr lang="en-US" b="1" dirty="0"/>
+          </a:p>
+          <a:p>
+            <a:pPr marL="742950" lvl="1" indent="-285750">
+              <a:buClr>
+                <a:schemeClr val="accent1">
+                  <a:lumMod val="60000"/>
+                  <a:lumOff val="40000"/>
+                </a:schemeClr>
+              </a:buClr>
+              <a:buFont typeface="Arial" panose="020B0604020202020204" pitchFamily="34" charset="0"/>
+              <a:buChar char="►"/>
             </a:pPr>
+            <a:r>
+              <a:rPr lang="en-US" dirty="0"/>
+              <a:t> </a:t>
+            </a:r>
             <a:r>
               <a:rPr lang="de-DE" dirty="0">
                 <a:ea typeface="+mn-lt"/>
@@ -9441,7 +9630,7 @@
           <a:p>
             <a:fld id="{3FFEE27C-4C75-402F-86D4-D52044750E31}" type="datetime1">
               <a:rPr lang="de-DE" smtClean="0"/>
-              <a:t>08.07.2020</a:t>
+              <a:t>10.07.2020</a:t>
             </a:fld>
             <a:endParaRPr lang="de-DE"/>
           </a:p>
@@ -9594,295 +9783,6 @@
       </p:sp>
       <p:sp>
         <p:nvSpPr>
-          <p:cNvPr id="3" name="Content Placeholder 2">
-            <a:extLst>
-              <a:ext uri="{FF2B5EF4-FFF2-40B4-BE49-F238E27FC236}">
-                <a16:creationId xmlns:a16="http://schemas.microsoft.com/office/drawing/2014/main" id="{2E801F55-8E3C-4A72-AFA7-D42A10B2B979}"/>
-              </a:ext>
-            </a:extLst>
-          </p:cNvPr>
-          <p:cNvSpPr>
-            <a:spLocks noGrp="1"/>
-          </p:cNvSpPr>
-          <p:nvPr>
-            <p:ph idx="1"/>
-          </p:nvPr>
-        </p:nvSpPr>
-        <p:spPr/>
-        <p:txBody>
-          <a:bodyPr vert="horz" lIns="91440" tIns="45720" rIns="91440" bIns="45720" rtlCol="0" anchor="t">
-            <a:normAutofit/>
-          </a:bodyPr>
-          <a:lstStyle/>
-          <a:p>
-            <a:pPr marL="0" indent="0">
-              <a:buNone/>
-            </a:pPr>
-            <a:r>
-              <a:rPr lang="de-DE" dirty="0">
-                <a:solidFill>
-                  <a:schemeClr val="accent1">
-                    <a:lumMod val="50000"/>
-                  </a:schemeClr>
-                </a:solidFill>
-                <a:cs typeface="Calibri"/>
-              </a:rPr>
-              <a:t>3.  </a:t>
-            </a:r>
-            <a:r>
-              <a:rPr lang="de-DE" b="1" dirty="0">
-                <a:solidFill>
-                  <a:schemeClr val="accent1">
-                    <a:lumMod val="50000"/>
-                  </a:schemeClr>
-                </a:solidFill>
-                <a:cs typeface="Calibri"/>
-              </a:rPr>
-              <a:t> </a:t>
-            </a:r>
-            <a:r>
-              <a:rPr lang="de-DE" b="1" dirty="0" err="1">
-                <a:solidFill>
-                  <a:schemeClr val="accent1">
-                    <a:lumMod val="50000"/>
-                  </a:schemeClr>
-                </a:solidFill>
-                <a:cs typeface="Calibri"/>
-              </a:rPr>
-              <a:t>Build</a:t>
-            </a:r>
-            <a:r>
-              <a:rPr lang="de-DE" b="1" dirty="0">
-                <a:solidFill>
-                  <a:schemeClr val="accent1">
-                    <a:lumMod val="50000"/>
-                  </a:schemeClr>
-                </a:solidFill>
-                <a:cs typeface="Calibri"/>
-              </a:rPr>
-              <a:t> Models</a:t>
-            </a:r>
-            <a:endParaRPr lang="en-US" b="1" dirty="0">
-              <a:solidFill>
-                <a:schemeClr val="accent1">
-                  <a:lumMod val="50000"/>
-                </a:schemeClr>
-              </a:solidFill>
-              <a:ea typeface="+mn-lt"/>
-              <a:cs typeface="+mn-lt"/>
-            </a:endParaRPr>
-          </a:p>
-          <a:p>
-            <a:pPr lvl="1">
-              <a:buFont typeface="Wingdings,Sans-Serif" panose="020B0604020202020204" pitchFamily="34" charset="0"/>
-              <a:buChar char="q"/>
-            </a:pPr>
-            <a:r>
-              <a:rPr lang="de-DE" sz="2600" u="sng" dirty="0">
-                <a:cs typeface="Calibri"/>
-              </a:rPr>
-              <a:t> </a:t>
-            </a:r>
-            <a:r>
-              <a:rPr lang="de-DE" sz="2600" u="sng" dirty="0" err="1">
-                <a:cs typeface="Calibri"/>
-              </a:rPr>
-              <a:t>Decision</a:t>
-            </a:r>
-            <a:r>
-              <a:rPr lang="de-DE" sz="2600" u="sng" dirty="0">
-                <a:cs typeface="Calibri"/>
-              </a:rPr>
-              <a:t> </a:t>
-            </a:r>
-            <a:r>
-              <a:rPr lang="de-DE" sz="2600" u="sng" dirty="0" err="1">
-                <a:cs typeface="Calibri"/>
-              </a:rPr>
-              <a:t>Tree</a:t>
-            </a:r>
-            <a:endParaRPr lang="de-DE" sz="2600" u="sng" dirty="0">
-              <a:ea typeface="+mn-lt"/>
-              <a:cs typeface="+mn-lt"/>
-            </a:endParaRPr>
-          </a:p>
-          <a:p>
-            <a:pPr lvl="2">
-              <a:buFont typeface="Wingdings" panose="020B0604020202020204" pitchFamily="34" charset="0"/>
-              <a:buChar char="ü"/>
-            </a:pPr>
-            <a:r>
-              <a:rPr lang="de-DE" sz="2400" dirty="0">
-                <a:solidFill>
-                  <a:srgbClr val="000000"/>
-                </a:solidFill>
-                <a:cs typeface="Calibri"/>
-              </a:rPr>
-              <a:t>Dataset: </a:t>
-            </a:r>
-            <a:r>
-              <a:rPr lang="de-DE" sz="2400" dirty="0">
-                <a:ea typeface="+mn-lt"/>
-                <a:cs typeface="+mn-lt"/>
-              </a:rPr>
-              <a:t>First </a:t>
-            </a:r>
-            <a:r>
-              <a:rPr lang="de-DE" sz="2400" dirty="0" err="1">
-                <a:ea typeface="+mn-lt"/>
-                <a:cs typeface="+mn-lt"/>
-              </a:rPr>
-              <a:t>sliding</a:t>
-            </a:r>
-            <a:r>
-              <a:rPr lang="de-DE" sz="2400" dirty="0">
-                <a:ea typeface="+mn-lt"/>
-                <a:cs typeface="+mn-lt"/>
-              </a:rPr>
-              <a:t> </a:t>
-            </a:r>
-            <a:r>
-              <a:rPr lang="de-DE" sz="2400" dirty="0" err="1">
-                <a:ea typeface="+mn-lt"/>
-                <a:cs typeface="+mn-lt"/>
-              </a:rPr>
-              <a:t>window</a:t>
-            </a:r>
-            <a:r>
-              <a:rPr lang="de-DE" sz="2400" dirty="0">
-                <a:ea typeface="+mn-lt"/>
-                <a:cs typeface="+mn-lt"/>
-              </a:rPr>
-              <a:t> </a:t>
-            </a:r>
-            <a:r>
-              <a:rPr lang="de-DE" sz="2400" dirty="0" err="1">
-                <a:ea typeface="+mn-lt"/>
-                <a:cs typeface="+mn-lt"/>
-              </a:rPr>
-              <a:t>option</a:t>
-            </a:r>
-            <a:r>
-              <a:rPr lang="de-DE" sz="2400" dirty="0">
-                <a:ea typeface="+mn-lt"/>
-                <a:cs typeface="+mn-lt"/>
-              </a:rPr>
-              <a:t> (13 </a:t>
-            </a:r>
-            <a:r>
-              <a:rPr lang="de-DE" sz="2400" dirty="0" err="1">
-                <a:ea typeface="+mn-lt"/>
-                <a:cs typeface="+mn-lt"/>
-              </a:rPr>
-              <a:t>features</a:t>
-            </a:r>
-            <a:r>
-              <a:rPr lang="de-DE" sz="2400" dirty="0">
-                <a:ea typeface="+mn-lt"/>
-                <a:cs typeface="+mn-lt"/>
-              </a:rPr>
-              <a:t>)</a:t>
-            </a:r>
-          </a:p>
-          <a:p>
-            <a:pPr lvl="2">
-              <a:buFont typeface="Wingdings" panose="020B0604020202020204" pitchFamily="34" charset="0"/>
-              <a:buChar char="ü"/>
-            </a:pPr>
-            <a:r>
-              <a:rPr lang="de-DE" sz="2400" dirty="0">
-                <a:cs typeface="Calibri"/>
-              </a:rPr>
-              <a:t>Depth </a:t>
-            </a:r>
-            <a:r>
-              <a:rPr lang="de-DE" sz="2400" dirty="0" err="1">
-                <a:cs typeface="Calibri"/>
-              </a:rPr>
-              <a:t>of</a:t>
-            </a:r>
-            <a:r>
-              <a:rPr lang="de-DE" sz="2400" dirty="0">
-                <a:cs typeface="Calibri"/>
-              </a:rPr>
-              <a:t> </a:t>
-            </a:r>
-            <a:r>
-              <a:rPr lang="de-DE" sz="2400" dirty="0" err="1">
-                <a:cs typeface="Calibri"/>
-              </a:rPr>
-              <a:t>the</a:t>
-            </a:r>
-            <a:r>
-              <a:rPr lang="de-DE" sz="2400" dirty="0">
-                <a:cs typeface="Calibri"/>
-              </a:rPr>
-              <a:t> </a:t>
-            </a:r>
-            <a:r>
-              <a:rPr lang="de-DE" sz="2400" dirty="0" err="1">
-                <a:cs typeface="Calibri"/>
-              </a:rPr>
-              <a:t>tree</a:t>
-            </a:r>
-            <a:r>
-              <a:rPr lang="de-DE" sz="2400" dirty="0">
-                <a:cs typeface="Calibri"/>
-              </a:rPr>
-              <a:t>: 4</a:t>
-            </a:r>
-          </a:p>
-          <a:p>
-            <a:pPr lvl="2">
-              <a:buFont typeface="Wingdings" panose="020B0604020202020204" pitchFamily="34" charset="0"/>
-              <a:buChar char="ü"/>
-            </a:pPr>
-            <a:r>
-              <a:rPr lang="de-DE" sz="2400" dirty="0" err="1">
-                <a:cs typeface="Calibri"/>
-              </a:rPr>
-              <a:t>Accuracy</a:t>
-            </a:r>
-            <a:r>
-              <a:rPr lang="de-DE" sz="2400" dirty="0">
-                <a:cs typeface="Calibri"/>
-              </a:rPr>
-              <a:t>: 52.95%</a:t>
-            </a:r>
-            <a:endParaRPr lang="de-DE" sz="2400" dirty="0">
-              <a:solidFill>
-                <a:srgbClr val="000000"/>
-              </a:solidFill>
-              <a:cs typeface="Calibri"/>
-            </a:endParaRPr>
-          </a:p>
-          <a:p>
-            <a:pPr marL="914400" lvl="2" indent="0">
-              <a:buNone/>
-            </a:pPr>
-            <a:endParaRPr lang="de-DE" dirty="0">
-              <a:solidFill>
-                <a:srgbClr val="000000"/>
-              </a:solidFill>
-              <a:cs typeface="Calibri"/>
-            </a:endParaRPr>
-          </a:p>
-          <a:p>
-            <a:pPr lvl="1">
-              <a:buFont typeface="Wingdings,Sans-Serif" panose="020B0604020202020204" pitchFamily="34" charset="0"/>
-              <a:buChar char="q"/>
-            </a:pPr>
-            <a:endParaRPr lang="de-DE" dirty="0">
-              <a:solidFill>
-                <a:srgbClr val="000000"/>
-              </a:solidFill>
-              <a:cs typeface="Calibri"/>
-            </a:endParaRPr>
-          </a:p>
-        </p:txBody>
-      </p:sp>
-      <p:sp>
-        <p:nvSpPr>
           <p:cNvPr id="4" name="Date Placeholder 3">
             <a:extLst>
               <a:ext uri="{FF2B5EF4-FFF2-40B4-BE49-F238E27FC236}">
@@ -9904,7 +9804,7 @@
           <a:p>
             <a:fld id="{0298CE40-95A1-44A6-875C-8992484B9971}" type="datetime1">
               <a:rPr lang="de-DE" smtClean="0"/>
-              <a:t>08.07.2020</a:t>
+              <a:t>10.07.2020</a:t>
             </a:fld>
             <a:endParaRPr lang="de-DE"/>
           </a:p>
@@ -9997,6 +9897,289 @@
           </a:prstGeom>
         </p:spPr>
       </p:pic>
+      <p:sp>
+        <p:nvSpPr>
+          <p:cNvPr id="3" name="Content Placeholder 2">
+            <a:extLst>
+              <a:ext uri="{FF2B5EF4-FFF2-40B4-BE49-F238E27FC236}">
+                <a16:creationId xmlns:a16="http://schemas.microsoft.com/office/drawing/2014/main" id="{2E801F55-8E3C-4A72-AFA7-D42A10B2B979}"/>
+              </a:ext>
+            </a:extLst>
+          </p:cNvPr>
+          <p:cNvSpPr>
+            <a:spLocks noGrp="1"/>
+          </p:cNvSpPr>
+          <p:nvPr>
+            <p:ph idx="1"/>
+          </p:nvPr>
+        </p:nvSpPr>
+        <p:spPr/>
+        <p:txBody>
+          <a:bodyPr vert="horz" lIns="91440" tIns="45720" rIns="91440" bIns="45720" rtlCol="0" anchor="t">
+            <a:normAutofit/>
+          </a:bodyPr>
+          <a:lstStyle/>
+          <a:p>
+            <a:pPr marL="0" indent="0">
+              <a:buNone/>
+            </a:pPr>
+            <a:r>
+              <a:rPr lang="de-DE" b="1" dirty="0">
+                <a:solidFill>
+                  <a:schemeClr val="accent1">
+                    <a:lumMod val="50000"/>
+                  </a:schemeClr>
+                </a:solidFill>
+                <a:cs typeface="Calibri"/>
+              </a:rPr>
+              <a:t>3.   </a:t>
+            </a:r>
+            <a:r>
+              <a:rPr lang="de-DE" b="1" dirty="0" err="1">
+                <a:solidFill>
+                  <a:schemeClr val="accent1">
+                    <a:lumMod val="50000"/>
+                  </a:schemeClr>
+                </a:solidFill>
+                <a:cs typeface="Calibri"/>
+              </a:rPr>
+              <a:t>Build</a:t>
+            </a:r>
+            <a:r>
+              <a:rPr lang="de-DE" b="1" dirty="0">
+                <a:solidFill>
+                  <a:schemeClr val="accent1">
+                    <a:lumMod val="50000"/>
+                  </a:schemeClr>
+                </a:solidFill>
+                <a:cs typeface="Calibri"/>
+              </a:rPr>
+              <a:t> Models</a:t>
+            </a:r>
+            <a:endParaRPr lang="en-US" b="1" dirty="0">
+              <a:solidFill>
+                <a:schemeClr val="accent1">
+                  <a:lumMod val="50000"/>
+                </a:schemeClr>
+              </a:solidFill>
+              <a:ea typeface="+mn-lt"/>
+              <a:cs typeface="+mn-lt"/>
+            </a:endParaRPr>
+          </a:p>
+          <a:p>
+            <a:pPr marL="285750" indent="-285750">
+              <a:buClr>
+                <a:schemeClr val="accent1">
+                  <a:lumMod val="75000"/>
+                </a:schemeClr>
+              </a:buClr>
+              <a:buFont typeface="Arial" panose="020B0604020202020204" pitchFamily="34" charset="0"/>
+              <a:buChar char="▌"/>
+            </a:pPr>
+            <a:r>
+              <a:rPr lang="de-DE" sz="2600" u="sng" dirty="0" err="1">
+                <a:cs typeface="Calibri"/>
+              </a:rPr>
+              <a:t>Decision</a:t>
+            </a:r>
+            <a:r>
+              <a:rPr lang="de-DE" sz="2600" u="sng" dirty="0">
+                <a:cs typeface="Calibri"/>
+              </a:rPr>
+              <a:t> </a:t>
+            </a:r>
+            <a:r>
+              <a:rPr lang="de-DE" sz="2600" u="sng" dirty="0" err="1">
+                <a:cs typeface="Calibri"/>
+              </a:rPr>
+              <a:t>Tree</a:t>
+            </a:r>
+            <a:endParaRPr lang="en-US" b="1" dirty="0"/>
+          </a:p>
+          <a:p>
+            <a:pPr marL="742950" lvl="1" indent="-285750">
+              <a:buClr>
+                <a:schemeClr val="accent1">
+                  <a:lumMod val="60000"/>
+                  <a:lumOff val="40000"/>
+                </a:schemeClr>
+              </a:buClr>
+              <a:buFont typeface="Arial" panose="020B0604020202020204" pitchFamily="34" charset="0"/>
+              <a:buChar char="►"/>
+            </a:pPr>
+            <a:r>
+              <a:rPr lang="en-US" dirty="0"/>
+              <a:t> </a:t>
+            </a:r>
+            <a:r>
+              <a:rPr lang="de-DE" sz="2400" dirty="0">
+                <a:solidFill>
+                  <a:srgbClr val="000000"/>
+                </a:solidFill>
+                <a:cs typeface="Calibri"/>
+              </a:rPr>
+              <a:t>Dataset: </a:t>
+            </a:r>
+            <a:r>
+              <a:rPr lang="de-DE" sz="2400" dirty="0">
+                <a:ea typeface="+mn-lt"/>
+                <a:cs typeface="+mn-lt"/>
+              </a:rPr>
+              <a:t>First </a:t>
+            </a:r>
+            <a:r>
+              <a:rPr lang="de-DE" sz="2400" dirty="0" err="1">
+                <a:ea typeface="+mn-lt"/>
+                <a:cs typeface="+mn-lt"/>
+              </a:rPr>
+              <a:t>sliding</a:t>
+            </a:r>
+            <a:r>
+              <a:rPr lang="de-DE" sz="2400" dirty="0">
+                <a:ea typeface="+mn-lt"/>
+                <a:cs typeface="+mn-lt"/>
+              </a:rPr>
+              <a:t> </a:t>
+            </a:r>
+            <a:r>
+              <a:rPr lang="de-DE" sz="2400" dirty="0" err="1">
+                <a:ea typeface="+mn-lt"/>
+                <a:cs typeface="+mn-lt"/>
+              </a:rPr>
+              <a:t>window</a:t>
+            </a:r>
+            <a:r>
+              <a:rPr lang="de-DE" sz="2400" dirty="0">
+                <a:ea typeface="+mn-lt"/>
+                <a:cs typeface="+mn-lt"/>
+              </a:rPr>
+              <a:t> </a:t>
+            </a:r>
+            <a:r>
+              <a:rPr lang="de-DE" sz="2400" dirty="0" err="1">
+                <a:ea typeface="+mn-lt"/>
+                <a:cs typeface="+mn-lt"/>
+              </a:rPr>
+              <a:t>option</a:t>
+            </a:r>
+            <a:r>
+              <a:rPr lang="de-DE" sz="2400" dirty="0">
+                <a:ea typeface="+mn-lt"/>
+                <a:cs typeface="+mn-lt"/>
+              </a:rPr>
+              <a:t> (13 </a:t>
+            </a:r>
+            <a:r>
+              <a:rPr lang="de-DE" sz="2400" dirty="0" err="1">
+                <a:ea typeface="+mn-lt"/>
+                <a:cs typeface="+mn-lt"/>
+              </a:rPr>
+              <a:t>features</a:t>
+            </a:r>
+            <a:r>
+              <a:rPr lang="de-DE" sz="2400" dirty="0">
+                <a:ea typeface="+mn-lt"/>
+                <a:cs typeface="+mn-lt"/>
+              </a:rPr>
+              <a:t>)</a:t>
+            </a:r>
+            <a:endParaRPr lang="en-US" b="1" dirty="0"/>
+          </a:p>
+          <a:p>
+            <a:pPr marL="742950" lvl="1" indent="-285750">
+              <a:buClr>
+                <a:schemeClr val="accent1">
+                  <a:lumMod val="60000"/>
+                  <a:lumOff val="40000"/>
+                </a:schemeClr>
+              </a:buClr>
+              <a:buFont typeface="Arial" panose="020B0604020202020204" pitchFamily="34" charset="0"/>
+              <a:buChar char="►"/>
+            </a:pPr>
+            <a:r>
+              <a:rPr lang="en-US" dirty="0"/>
+              <a:t> </a:t>
+            </a:r>
+            <a:r>
+              <a:rPr lang="de-DE" sz="2400" dirty="0">
+                <a:cs typeface="Calibri"/>
+              </a:rPr>
+              <a:t>Depth </a:t>
+            </a:r>
+            <a:r>
+              <a:rPr lang="de-DE" sz="2400" dirty="0" err="1">
+                <a:cs typeface="Calibri"/>
+              </a:rPr>
+              <a:t>of</a:t>
+            </a:r>
+            <a:r>
+              <a:rPr lang="de-DE" sz="2400" dirty="0">
+                <a:cs typeface="Calibri"/>
+              </a:rPr>
+              <a:t> </a:t>
+            </a:r>
+            <a:r>
+              <a:rPr lang="de-DE" sz="2400" dirty="0" err="1">
+                <a:cs typeface="Calibri"/>
+              </a:rPr>
+              <a:t>the</a:t>
+            </a:r>
+            <a:r>
+              <a:rPr lang="de-DE" sz="2400" dirty="0">
+                <a:cs typeface="Calibri"/>
+              </a:rPr>
+              <a:t> </a:t>
+            </a:r>
+            <a:r>
+              <a:rPr lang="de-DE" sz="2400" dirty="0" err="1">
+                <a:cs typeface="Calibri"/>
+              </a:rPr>
+              <a:t>tree</a:t>
+            </a:r>
+            <a:r>
+              <a:rPr lang="de-DE" sz="2400" dirty="0">
+                <a:cs typeface="Calibri"/>
+              </a:rPr>
+              <a:t>: 4</a:t>
+            </a:r>
+            <a:endParaRPr lang="en-US" b="1" dirty="0"/>
+          </a:p>
+          <a:p>
+            <a:pPr marL="742950" lvl="1" indent="-285750">
+              <a:buClr>
+                <a:schemeClr val="accent1">
+                  <a:lumMod val="60000"/>
+                  <a:lumOff val="40000"/>
+                </a:schemeClr>
+              </a:buClr>
+              <a:buFont typeface="Arial" panose="020B0604020202020204" pitchFamily="34" charset="0"/>
+              <a:buChar char="►"/>
+            </a:pPr>
+            <a:r>
+              <a:rPr lang="en-US" dirty="0"/>
+              <a:t> </a:t>
+            </a:r>
+            <a:r>
+              <a:rPr lang="de-DE" sz="2400" dirty="0" err="1">
+                <a:cs typeface="Calibri"/>
+              </a:rPr>
+              <a:t>Accuracy</a:t>
+            </a:r>
+            <a:r>
+              <a:rPr lang="de-DE" sz="2400" dirty="0">
+                <a:cs typeface="Calibri"/>
+              </a:rPr>
+              <a:t>: 52.95%</a:t>
+            </a:r>
+            <a:endParaRPr lang="de-DE" dirty="0">
+              <a:solidFill>
+                <a:srgbClr val="000000"/>
+              </a:solidFill>
+              <a:cs typeface="Calibri"/>
+            </a:endParaRPr>
+          </a:p>
+        </p:txBody>
+      </p:sp>
     </p:spTree>
     <p:extLst>
       <p:ext uri="{BB962C8B-B14F-4D97-AF65-F5344CB8AC3E}">
@@ -10109,9 +10292,14 @@
           </a:bodyPr>
           <a:lstStyle/>
           <a:p>
-            <a:pPr lvl="1">
-              <a:buFont typeface="Wingdings,Sans-Serif" panose="020B0604020202020204" pitchFamily="34" charset="0"/>
-              <a:buChar char="q"/>
+            <a:pPr marL="285750" indent="-285750">
+              <a:buClr>
+                <a:schemeClr val="accent1">
+                  <a:lumMod val="75000"/>
+                </a:schemeClr>
+              </a:buClr>
+              <a:buFont typeface="Arial" panose="020B0604020202020204" pitchFamily="34" charset="0"/>
+              <a:buChar char="▌"/>
             </a:pPr>
             <a:r>
               <a:rPr lang="de-DE" sz="2600" u="sng" dirty="0">
@@ -10141,280 +10329,314 @@
               </a:rPr>
               <a:t>Perceptron</a:t>
             </a:r>
-            <a:endParaRPr lang="de-DE" sz="2600" u="sng" dirty="0">
+            <a:endParaRPr lang="en-US" b="1" dirty="0"/>
+          </a:p>
+          <a:p>
+            <a:pPr marL="742950" lvl="1" indent="-285750">
+              <a:buClr>
+                <a:schemeClr val="accent1">
+                  <a:lumMod val="60000"/>
+                  <a:lumOff val="40000"/>
+                </a:schemeClr>
+              </a:buClr>
+              <a:buFont typeface="Arial" panose="020B0604020202020204" pitchFamily="34" charset="0"/>
+              <a:buChar char="►"/>
+            </a:pPr>
+            <a:r>
+              <a:rPr lang="en-US" dirty="0"/>
+              <a:t> </a:t>
+            </a:r>
+            <a:r>
+              <a:rPr lang="de-DE" sz="2400" dirty="0">
+                <a:ea typeface="+mn-lt"/>
+                <a:cs typeface="+mn-lt"/>
+              </a:rPr>
+              <a:t>Dataset: </a:t>
+            </a:r>
+            <a:r>
+              <a:rPr lang="de-DE" sz="2400" dirty="0">
+                <a:cs typeface="Calibri"/>
+              </a:rPr>
+              <a:t>First </a:t>
+            </a:r>
+            <a:r>
+              <a:rPr lang="de-DE" sz="2400" dirty="0" err="1">
+                <a:cs typeface="Calibri"/>
+              </a:rPr>
+              <a:t>sliding</a:t>
+            </a:r>
+            <a:r>
+              <a:rPr lang="de-DE" sz="2400" dirty="0">
+                <a:cs typeface="Calibri"/>
+              </a:rPr>
+              <a:t> </a:t>
+            </a:r>
+            <a:r>
+              <a:rPr lang="de-DE" sz="2400" dirty="0" err="1">
+                <a:cs typeface="Calibri"/>
+              </a:rPr>
+              <a:t>window</a:t>
+            </a:r>
+            <a:r>
+              <a:rPr lang="de-DE" sz="2400" dirty="0">
+                <a:cs typeface="Calibri"/>
+              </a:rPr>
+              <a:t> </a:t>
+            </a:r>
+            <a:r>
+              <a:rPr lang="de-DE" sz="2400" dirty="0" err="1">
+                <a:cs typeface="Calibri"/>
+              </a:rPr>
+              <a:t>option</a:t>
+            </a:r>
+            <a:r>
+              <a:rPr lang="de-DE" sz="2400" dirty="0">
+                <a:cs typeface="Calibri"/>
+              </a:rPr>
+              <a:t> (13 </a:t>
+            </a:r>
+            <a:r>
+              <a:rPr lang="de-DE" sz="2400" dirty="0" err="1">
+                <a:cs typeface="Calibri"/>
+              </a:rPr>
+              <a:t>features</a:t>
+            </a:r>
+            <a:r>
+              <a:rPr lang="de-DE" sz="2400" dirty="0">
+                <a:cs typeface="Calibri"/>
+              </a:rPr>
+              <a:t>)</a:t>
+            </a:r>
+            <a:endParaRPr lang="en-US" b="1" dirty="0"/>
+          </a:p>
+          <a:p>
+            <a:pPr marL="742950" lvl="1" indent="-285750">
+              <a:buClr>
+                <a:schemeClr val="accent1">
+                  <a:lumMod val="60000"/>
+                  <a:lumOff val="40000"/>
+                </a:schemeClr>
+              </a:buClr>
+              <a:buFont typeface="Arial" panose="020B0604020202020204" pitchFamily="34" charset="0"/>
+              <a:buChar char="►"/>
+            </a:pPr>
+            <a:r>
+              <a:rPr lang="en-US" dirty="0"/>
+              <a:t> </a:t>
+            </a:r>
+            <a:r>
+              <a:rPr lang="de-DE" sz="2400" dirty="0">
+                <a:ea typeface="+mn-lt"/>
+                <a:cs typeface="+mn-lt"/>
+              </a:rPr>
+              <a:t>Hidden </a:t>
+            </a:r>
+            <a:r>
+              <a:rPr lang="de-DE" sz="2400" dirty="0" err="1">
+                <a:ea typeface="+mn-lt"/>
+                <a:cs typeface="+mn-lt"/>
+              </a:rPr>
+              <a:t>layers</a:t>
+            </a:r>
+            <a:r>
+              <a:rPr lang="de-DE" sz="2400" dirty="0">
+                <a:ea typeface="+mn-lt"/>
+                <a:cs typeface="+mn-lt"/>
+              </a:rPr>
+              <a:t>: 2(52,32 </a:t>
+            </a:r>
+            <a:r>
+              <a:rPr lang="de-DE" sz="2400" dirty="0" err="1">
+                <a:ea typeface="+mn-lt"/>
+                <a:cs typeface="+mn-lt"/>
+              </a:rPr>
+              <a:t>neurons</a:t>
+            </a:r>
+            <a:r>
+              <a:rPr lang="de-DE" sz="2400" dirty="0">
+                <a:ea typeface="+mn-lt"/>
+                <a:cs typeface="+mn-lt"/>
+              </a:rPr>
+              <a:t>)</a:t>
+            </a:r>
+            <a:endParaRPr lang="en-US" b="1" dirty="0"/>
+          </a:p>
+          <a:p>
+            <a:pPr marL="742950" lvl="1" indent="-285750">
+              <a:buClr>
+                <a:schemeClr val="accent1">
+                  <a:lumMod val="60000"/>
+                  <a:lumOff val="40000"/>
+                </a:schemeClr>
+              </a:buClr>
+              <a:buFont typeface="Arial" panose="020B0604020202020204" pitchFamily="34" charset="0"/>
+              <a:buChar char="►"/>
+            </a:pPr>
+            <a:r>
+              <a:rPr lang="en-US" dirty="0"/>
+              <a:t> </a:t>
+            </a:r>
+            <a:r>
+              <a:rPr lang="de-DE" sz="2400" dirty="0">
+                <a:ea typeface="+mn-lt"/>
+                <a:cs typeface="+mn-lt"/>
+              </a:rPr>
+              <a:t>Output </a:t>
+            </a:r>
+            <a:r>
+              <a:rPr lang="de-DE" sz="2400" dirty="0" err="1">
+                <a:ea typeface="+mn-lt"/>
+                <a:cs typeface="+mn-lt"/>
+              </a:rPr>
+              <a:t>layer</a:t>
+            </a:r>
+            <a:r>
+              <a:rPr lang="de-DE" sz="2400" dirty="0">
+                <a:ea typeface="+mn-lt"/>
+                <a:cs typeface="+mn-lt"/>
+              </a:rPr>
+              <a:t>: 3 </a:t>
+            </a:r>
+            <a:r>
+              <a:rPr lang="de-DE" sz="2400" dirty="0" err="1">
+                <a:ea typeface="+mn-lt"/>
+                <a:cs typeface="+mn-lt"/>
+              </a:rPr>
+              <a:t>neurons</a:t>
+            </a:r>
+            <a:endParaRPr lang="en-US" b="1" dirty="0"/>
+          </a:p>
+          <a:p>
+            <a:pPr marL="742950" lvl="1" indent="-285750">
+              <a:buClr>
+                <a:schemeClr val="accent1">
+                  <a:lumMod val="60000"/>
+                  <a:lumOff val="40000"/>
+                </a:schemeClr>
+              </a:buClr>
+              <a:buFont typeface="Arial" panose="020B0604020202020204" pitchFamily="34" charset="0"/>
+              <a:buChar char="►"/>
+            </a:pPr>
+            <a:r>
+              <a:rPr lang="en-US" dirty="0"/>
+              <a:t> </a:t>
+            </a:r>
+            <a:r>
+              <a:rPr lang="de-DE" sz="2400" dirty="0" err="1">
+                <a:ea typeface="+mn-lt"/>
+                <a:cs typeface="+mn-lt"/>
+              </a:rPr>
+              <a:t>Activation</a:t>
+            </a:r>
+            <a:r>
+              <a:rPr lang="de-DE" sz="2400" dirty="0">
+                <a:ea typeface="+mn-lt"/>
+                <a:cs typeface="+mn-lt"/>
+              </a:rPr>
+              <a:t> </a:t>
+            </a:r>
+            <a:r>
+              <a:rPr lang="de-DE" sz="2400" dirty="0" err="1">
+                <a:ea typeface="+mn-lt"/>
+                <a:cs typeface="+mn-lt"/>
+              </a:rPr>
+              <a:t>functions</a:t>
+            </a:r>
+            <a:r>
+              <a:rPr lang="de-DE" sz="2400" dirty="0">
+                <a:ea typeface="+mn-lt"/>
+                <a:cs typeface="+mn-lt"/>
+              </a:rPr>
+              <a:t>: Sigmoid and </a:t>
+            </a:r>
+            <a:r>
+              <a:rPr lang="de-DE" sz="2400" dirty="0" err="1">
+                <a:ea typeface="+mn-lt"/>
+                <a:cs typeface="+mn-lt"/>
+              </a:rPr>
+              <a:t>softmax</a:t>
+            </a:r>
+            <a:endParaRPr lang="en-US" b="1" dirty="0"/>
+          </a:p>
+          <a:p>
+            <a:pPr marL="742950" lvl="1" indent="-285750">
+              <a:buClr>
+                <a:schemeClr val="accent1">
+                  <a:lumMod val="60000"/>
+                  <a:lumOff val="40000"/>
+                </a:schemeClr>
+              </a:buClr>
+              <a:buFont typeface="Arial" panose="020B0604020202020204" pitchFamily="34" charset="0"/>
+              <a:buChar char="►"/>
+            </a:pPr>
+            <a:r>
+              <a:rPr lang="en-US" dirty="0"/>
+              <a:t> </a:t>
+            </a:r>
+            <a:r>
+              <a:rPr lang="de-DE" sz="2400" dirty="0">
+                <a:ea typeface="+mn-lt"/>
+                <a:cs typeface="+mn-lt"/>
+              </a:rPr>
+              <a:t>Optimizer: </a:t>
+            </a:r>
+            <a:r>
+              <a:rPr lang="de-DE" sz="2400" dirty="0" err="1">
+                <a:ea typeface="+mn-lt"/>
+                <a:cs typeface="+mn-lt"/>
+              </a:rPr>
+              <a:t>Stochastic</a:t>
+            </a:r>
+            <a:r>
+              <a:rPr lang="de-DE" sz="2400" dirty="0">
+                <a:ea typeface="+mn-lt"/>
+                <a:cs typeface="+mn-lt"/>
+              </a:rPr>
+              <a:t> </a:t>
+            </a:r>
+            <a:r>
+              <a:rPr lang="de-DE" sz="2400" dirty="0" err="1">
+                <a:ea typeface="+mn-lt"/>
+                <a:cs typeface="+mn-lt"/>
+              </a:rPr>
+              <a:t>gradient</a:t>
+            </a:r>
+            <a:r>
+              <a:rPr lang="de-DE" sz="2400" dirty="0">
+                <a:ea typeface="+mn-lt"/>
+                <a:cs typeface="+mn-lt"/>
+              </a:rPr>
+              <a:t> </a:t>
+            </a:r>
+            <a:r>
+              <a:rPr lang="de-DE" sz="2400" dirty="0" err="1">
+                <a:ea typeface="+mn-lt"/>
+                <a:cs typeface="+mn-lt"/>
+              </a:rPr>
+              <a:t>descent</a:t>
+            </a:r>
+            <a:endParaRPr lang="de-DE" dirty="0">
               <a:ea typeface="+mn-lt"/>
               <a:cs typeface="+mn-lt"/>
             </a:endParaRPr>
           </a:p>
           <a:p>
-            <a:pPr lvl="2">
-              <a:buFont typeface="Wingdings,Sans-Serif" panose="020B0604020202020204" pitchFamily="34" charset="0"/>
-              <a:buChar char="ü"/>
+            <a:pPr marL="742950" lvl="1" indent="-285750">
+              <a:buClr>
+                <a:schemeClr val="accent1">
+                  <a:lumMod val="60000"/>
+                  <a:lumOff val="40000"/>
+                </a:schemeClr>
+              </a:buClr>
+              <a:buFont typeface="Arial" panose="020B0604020202020204" pitchFamily="34" charset="0"/>
+              <a:buChar char="►"/>
             </a:pPr>
             <a:r>
               <a:rPr lang="de-DE" sz="2400" dirty="0">
                 <a:ea typeface="+mn-lt"/>
                 <a:cs typeface="+mn-lt"/>
               </a:rPr>
-              <a:t> Dataset: </a:t>
-            </a:r>
-            <a:r>
-              <a:rPr lang="de-DE" sz="2400" dirty="0">
-                <a:cs typeface="Calibri"/>
-              </a:rPr>
-              <a:t>First </a:t>
-            </a:r>
-            <a:r>
-              <a:rPr lang="de-DE" sz="2400" dirty="0" err="1">
-                <a:cs typeface="Calibri"/>
-              </a:rPr>
-              <a:t>sliding</a:t>
-            </a:r>
-            <a:r>
-              <a:rPr lang="de-DE" sz="2400" dirty="0">
-                <a:cs typeface="Calibri"/>
-              </a:rPr>
               <a:t> </a:t>
-            </a:r>
-            <a:r>
-              <a:rPr lang="de-DE" sz="2400" dirty="0" err="1">
-                <a:cs typeface="Calibri"/>
-              </a:rPr>
-              <a:t>window</a:t>
-            </a:r>
-            <a:r>
-              <a:rPr lang="de-DE" sz="2400" dirty="0">
-                <a:cs typeface="Calibri"/>
-              </a:rPr>
-              <a:t> </a:t>
-            </a:r>
-            <a:r>
-              <a:rPr lang="de-DE" sz="2400" dirty="0" err="1">
-                <a:cs typeface="Calibri"/>
-              </a:rPr>
-              <a:t>option</a:t>
-            </a:r>
-            <a:r>
-              <a:rPr lang="de-DE" sz="2400" dirty="0">
-                <a:cs typeface="Calibri"/>
-              </a:rPr>
-              <a:t> (13 </a:t>
-            </a:r>
-            <a:r>
-              <a:rPr lang="de-DE" sz="2400" dirty="0" err="1">
-                <a:cs typeface="Calibri"/>
-              </a:rPr>
-              <a:t>features</a:t>
-            </a:r>
-            <a:r>
-              <a:rPr lang="de-DE" sz="2400" dirty="0">
-                <a:cs typeface="Calibri"/>
-              </a:rPr>
-              <a:t>)</a:t>
-            </a:r>
-            <a:endParaRPr lang="en-US" sz="2400" dirty="0">
-              <a:ea typeface="+mn-lt"/>
-              <a:cs typeface="+mn-lt"/>
-            </a:endParaRPr>
-          </a:p>
-          <a:p>
-            <a:pPr lvl="2">
-              <a:buFont typeface="Wingdings,Sans-Serif" panose="020B0604020202020204" pitchFamily="34" charset="0"/>
-              <a:buChar char="ü"/>
-            </a:pPr>
-            <a:r>
-              <a:rPr lang="de-DE" sz="2400" dirty="0">
-                <a:ea typeface="+mn-lt"/>
-                <a:cs typeface="+mn-lt"/>
-              </a:rPr>
-              <a:t> Hidden </a:t>
-            </a:r>
-            <a:r>
-              <a:rPr lang="de-DE" sz="2400" dirty="0" err="1">
-                <a:ea typeface="+mn-lt"/>
-                <a:cs typeface="+mn-lt"/>
-              </a:rPr>
-              <a:t>layers</a:t>
-            </a:r>
-            <a:r>
-              <a:rPr lang="de-DE" sz="2400" dirty="0">
-                <a:ea typeface="+mn-lt"/>
-                <a:cs typeface="+mn-lt"/>
-              </a:rPr>
-              <a:t>: 2(52,32 </a:t>
-            </a:r>
-            <a:r>
-              <a:rPr lang="de-DE" sz="2400" dirty="0" err="1">
-                <a:ea typeface="+mn-lt"/>
-                <a:cs typeface="+mn-lt"/>
-              </a:rPr>
-              <a:t>neurons</a:t>
-            </a:r>
-            <a:r>
-              <a:rPr lang="de-DE" sz="2400" dirty="0">
-                <a:ea typeface="+mn-lt"/>
-                <a:cs typeface="+mn-lt"/>
-              </a:rPr>
-              <a:t>)</a:t>
-            </a:r>
-            <a:endParaRPr lang="en-US" sz="2400" dirty="0">
-              <a:ea typeface="+mn-lt"/>
-              <a:cs typeface="+mn-lt"/>
-            </a:endParaRPr>
-          </a:p>
-          <a:p>
-            <a:pPr lvl="2">
-              <a:buFont typeface="Wingdings,Sans-Serif" panose="020B0604020202020204" pitchFamily="34" charset="0"/>
-              <a:buChar char="ü"/>
-            </a:pPr>
-            <a:r>
-              <a:rPr lang="de-DE" sz="2400" dirty="0">
-                <a:ea typeface="+mn-lt"/>
-                <a:cs typeface="+mn-lt"/>
-              </a:rPr>
-              <a:t> Output </a:t>
-            </a:r>
-            <a:r>
-              <a:rPr lang="de-DE" sz="2400" dirty="0" err="1">
-                <a:ea typeface="+mn-lt"/>
-                <a:cs typeface="+mn-lt"/>
-              </a:rPr>
-              <a:t>layer</a:t>
-            </a:r>
-            <a:r>
-              <a:rPr lang="de-DE" sz="2400" dirty="0">
-                <a:ea typeface="+mn-lt"/>
-                <a:cs typeface="+mn-lt"/>
-              </a:rPr>
-              <a:t>: 3 </a:t>
-            </a:r>
-            <a:r>
-              <a:rPr lang="de-DE" sz="2400" dirty="0" err="1">
-                <a:ea typeface="+mn-lt"/>
-                <a:cs typeface="+mn-lt"/>
-              </a:rPr>
-              <a:t>neurons</a:t>
-            </a:r>
-            <a:endParaRPr lang="de-DE" sz="2400" dirty="0">
-              <a:ea typeface="+mn-lt"/>
-              <a:cs typeface="+mn-lt"/>
-            </a:endParaRPr>
-          </a:p>
-          <a:p>
-            <a:pPr lvl="2">
-              <a:buFont typeface="Wingdings,Sans-Serif" panose="020B0604020202020204" pitchFamily="34" charset="0"/>
-              <a:buChar char="ü"/>
-            </a:pPr>
-            <a:r>
-              <a:rPr lang="de-DE" sz="2400" dirty="0">
-                <a:ea typeface="+mn-lt"/>
-                <a:cs typeface="+mn-lt"/>
-              </a:rPr>
-              <a:t> </a:t>
-            </a:r>
-            <a:r>
-              <a:rPr lang="de-DE" sz="2400" dirty="0" err="1">
-                <a:ea typeface="+mn-lt"/>
-                <a:cs typeface="+mn-lt"/>
-              </a:rPr>
-              <a:t>Activation</a:t>
-            </a:r>
-            <a:r>
-              <a:rPr lang="de-DE" sz="2400" dirty="0">
-                <a:ea typeface="+mn-lt"/>
-                <a:cs typeface="+mn-lt"/>
-              </a:rPr>
-              <a:t> </a:t>
-            </a:r>
-            <a:r>
-              <a:rPr lang="de-DE" sz="2400" dirty="0" err="1">
-                <a:ea typeface="+mn-lt"/>
-                <a:cs typeface="+mn-lt"/>
-              </a:rPr>
-              <a:t>functions</a:t>
-            </a:r>
-            <a:r>
-              <a:rPr lang="de-DE" sz="2400" dirty="0">
-                <a:ea typeface="+mn-lt"/>
-                <a:cs typeface="+mn-lt"/>
-              </a:rPr>
-              <a:t>: Sigmoid and </a:t>
-            </a:r>
-            <a:r>
-              <a:rPr lang="de-DE" sz="2400" dirty="0" err="1">
-                <a:ea typeface="+mn-lt"/>
-                <a:cs typeface="+mn-lt"/>
-              </a:rPr>
-              <a:t>softmax</a:t>
-            </a:r>
-            <a:endParaRPr lang="de-DE" sz="2400" dirty="0">
-              <a:ea typeface="+mn-lt"/>
-              <a:cs typeface="+mn-lt"/>
-            </a:endParaRPr>
-          </a:p>
-          <a:p>
-            <a:pPr lvl="2">
-              <a:buFont typeface="Wingdings,Sans-Serif" panose="020B0604020202020204" pitchFamily="34" charset="0"/>
-              <a:buChar char="ü"/>
-            </a:pPr>
-            <a:r>
-              <a:rPr lang="de-DE" sz="2400" dirty="0">
-                <a:ea typeface="+mn-lt"/>
-                <a:cs typeface="+mn-lt"/>
-              </a:rPr>
-              <a:t> Optimizer: </a:t>
-            </a:r>
-            <a:r>
-              <a:rPr lang="de-DE" sz="2400" dirty="0" err="1">
-                <a:ea typeface="+mn-lt"/>
-                <a:cs typeface="+mn-lt"/>
-              </a:rPr>
-              <a:t>Stochastic</a:t>
-            </a:r>
-            <a:r>
-              <a:rPr lang="de-DE" sz="2400" dirty="0">
-                <a:ea typeface="+mn-lt"/>
-                <a:cs typeface="+mn-lt"/>
-              </a:rPr>
-              <a:t> </a:t>
-            </a:r>
-            <a:r>
-              <a:rPr lang="de-DE" sz="2400" dirty="0" err="1">
-                <a:ea typeface="+mn-lt"/>
-                <a:cs typeface="+mn-lt"/>
-              </a:rPr>
-              <a:t>gradient</a:t>
-            </a:r>
-            <a:r>
-              <a:rPr lang="de-DE" sz="2400" dirty="0">
-                <a:ea typeface="+mn-lt"/>
-                <a:cs typeface="+mn-lt"/>
-              </a:rPr>
-              <a:t> </a:t>
-            </a:r>
-            <a:r>
-              <a:rPr lang="de-DE" sz="2400" dirty="0" err="1">
-                <a:ea typeface="+mn-lt"/>
-                <a:cs typeface="+mn-lt"/>
-              </a:rPr>
-              <a:t>descent</a:t>
-            </a:r>
-            <a:endParaRPr lang="de-DE" sz="2400" dirty="0">
-              <a:ea typeface="+mn-lt"/>
-              <a:cs typeface="+mn-lt"/>
-            </a:endParaRPr>
-          </a:p>
-          <a:p>
-            <a:pPr lvl="2">
-              <a:buFont typeface="Wingdings,Sans-Serif" panose="020B0604020202020204" pitchFamily="34" charset="0"/>
-              <a:buChar char="ü"/>
-            </a:pPr>
-            <a:r>
-              <a:rPr lang="de-DE" sz="2400" dirty="0">
-                <a:ea typeface="+mn-lt"/>
-                <a:cs typeface="+mn-lt"/>
-              </a:rPr>
-              <a:t> </a:t>
             </a:r>
             <a:r>
               <a:rPr lang="de-DE" sz="2400" dirty="0" err="1">
@@ -10554,7 +10776,7 @@
           <a:p>
             <a:fld id="{DBFD3584-5F40-43F0-92BE-0A3E03C5BD59}" type="datetime1">
               <a:rPr lang="de-DE" smtClean="0"/>
-              <a:t>08.07.2020</a:t>
+              <a:t>10.07.2020</a:t>
             </a:fld>
             <a:endParaRPr lang="de-DE"/>
           </a:p>
@@ -10729,15 +10951,20 @@
           </a:bodyPr>
           <a:lstStyle/>
           <a:p>
-            <a:pPr lvl="1">
-              <a:buFont typeface="Wingdings,Sans-Serif" panose="020B0604020202020204" pitchFamily="34" charset="0"/>
-              <a:buChar char="q"/>
+            <a:pPr marL="285750" indent="-285750">
+              <a:buClr>
+                <a:schemeClr val="accent1">
+                  <a:lumMod val="75000"/>
+                </a:schemeClr>
+              </a:buClr>
+              <a:buFont typeface="Arial" panose="020B0604020202020204" pitchFamily="34" charset="0"/>
+              <a:buChar char="▌"/>
             </a:pPr>
             <a:r>
               <a:rPr lang="de-DE" sz="2600" u="sng" dirty="0">
                 <a:cs typeface="Calibri"/>
               </a:rPr>
-              <a:t> Keras </a:t>
+              <a:t>Keras </a:t>
             </a:r>
             <a:r>
               <a:rPr lang="de-DE" sz="2600" u="sng" dirty="0" err="1">
@@ -10765,22 +10992,22 @@
               </a:rPr>
               <a:t> Network</a:t>
             </a:r>
-            <a:endParaRPr lang="en-US" sz="2600" u="sng" dirty="0">
-              <a:ea typeface="+mn-lt"/>
-              <a:cs typeface="+mn-lt"/>
-            </a:endParaRPr>
-          </a:p>
-          <a:p>
-            <a:pPr lvl="2">
-              <a:buFont typeface="Wingdings" panose="020B0604020202020204" pitchFamily="34" charset="0"/>
-              <a:buChar char="ü"/>
+            <a:endParaRPr lang="en-US" b="1" dirty="0"/>
+          </a:p>
+          <a:p>
+            <a:pPr marL="742950" lvl="1" indent="-285750">
+              <a:buClr>
+                <a:schemeClr val="accent1">
+                  <a:lumMod val="60000"/>
+                  <a:lumOff val="40000"/>
+                </a:schemeClr>
+              </a:buClr>
+              <a:buFont typeface="Arial" panose="020B0604020202020204" pitchFamily="34" charset="0"/>
+              <a:buChar char="►"/>
             </a:pPr>
             <a:r>
-              <a:rPr lang="de-DE" sz="2200" dirty="0">
-                <a:ea typeface="+mn-lt"/>
-                <a:cs typeface="+mn-lt"/>
-              </a:rPr>
-              <a:t> </a:t>
+              <a:rPr lang="en-US" dirty="0"/>
+              <a:t> </a:t>
             </a:r>
             <a:r>
               <a:rPr lang="de-DE" sz="2400" dirty="0">
@@ -10852,16 +11079,32 @@
               </a:rPr>
               <a:t>layers</a:t>
             </a:r>
-            <a:endParaRPr lang="de-DE" sz="2400" u="sng" dirty="0">
-              <a:ea typeface="+mn-lt"/>
-              <a:cs typeface="+mn-lt"/>
-            </a:endParaRPr>
-          </a:p>
-          <a:p>
-            <a:pPr lvl="2">
-              <a:buFont typeface="Wingdings" panose="020B0604020202020204" pitchFamily="34" charset="0"/>
-              <a:buChar char="ü"/>
+            <a:endParaRPr lang="en-US" b="1" dirty="0"/>
+          </a:p>
+          <a:p>
+            <a:pPr marL="742950" lvl="1" indent="-285750">
+              <a:buClr>
+                <a:schemeClr val="accent1">
+                  <a:lumMod val="60000"/>
+                  <a:lumOff val="40000"/>
+                </a:schemeClr>
+              </a:buClr>
+              <a:buFont typeface="Arial" panose="020B0604020202020204" pitchFamily="34" charset="0"/>
+              <a:buChar char="►"/>
             </a:pPr>
+            <a:r>
+              <a:rPr lang="en-US" dirty="0"/>
+              <a:t> </a:t>
+            </a:r>
+            <a:r>
+              <a:rPr lang="de-DE" sz="2400" dirty="0" err="1">
+                <a:solidFill>
+                  <a:srgbClr val="000000"/>
+                </a:solidFill>
+                <a:cs typeface="Calibri"/>
+              </a:rPr>
+              <a:t>Activation</a:t>
+            </a:r>
             <a:r>
               <a:rPr lang="de-DE" sz="2400" dirty="0">
                 <a:solidFill>
@@ -10869,7 +11112,7 @@
                 </a:solidFill>
                 <a:cs typeface="Calibri"/>
               </a:rPr>
-              <a:t> </a:t>
+              <a:t> </a:t>
             </a:r>
             <a:r>
               <a:rPr lang="de-DE" sz="2400" dirty="0" err="1">
@@ -10878,7 +11121,7 @@
                 </a:solidFill>
                 <a:cs typeface="Calibri"/>
               </a:rPr>
-              <a:t>Activation</a:t>
+              <a:t>functions</a:t>
             </a:r>
             <a:r>
               <a:rPr lang="de-DE" sz="2400" dirty="0">
@@ -10887,7 +11130,7 @@
                 </a:solidFill>
                 <a:cs typeface="Calibri"/>
               </a:rPr>
-              <a:t> </a:t>
+              <a:t>: </a:t>
             </a:r>
             <a:r>
               <a:rPr lang="de-DE" sz="2400" dirty="0" err="1">
@@ -10896,7 +11139,7 @@
                 </a:solidFill>
                 <a:cs typeface="Calibri"/>
               </a:rPr>
-              <a:t>functions</a:t>
+              <a:t>ReLU</a:t>
             </a:r>
             <a:r>
               <a:rPr lang="de-DE" sz="2400" dirty="0">
@@ -10905,7 +11148,7 @@
                 </a:solidFill>
                 <a:cs typeface="Calibri"/>
               </a:rPr>
-              <a:t>: </a:t>
+              <a:t> and </a:t>
             </a:r>
             <a:r>
               <a:rPr lang="de-DE" sz="2400" dirty="0" err="1">
@@ -10914,7 +11157,7 @@
                 </a:solidFill>
                 <a:cs typeface="Calibri"/>
               </a:rPr>
-              <a:t>ReLU</a:t>
+              <a:t>Softmax</a:t>
             </a:r>
             <a:r>
               <a:rPr lang="de-DE" sz="2400" dirty="0">
@@ -10923,7 +11166,7 @@
                 </a:solidFill>
                 <a:cs typeface="Calibri"/>
               </a:rPr>
-              <a:t> and </a:t>
+              <a:t>(last </a:t>
             </a:r>
             <a:r>
               <a:rPr lang="de-DE" sz="2400" dirty="0" err="1">
@@ -10932,7 +11175,7 @@
                 </a:solidFill>
                 <a:cs typeface="Calibri"/>
               </a:rPr>
-              <a:t>Softmax</a:t>
+              <a:t>layer</a:t>
             </a:r>
             <a:r>
               <a:rPr lang="de-DE" sz="2400" dirty="0">
@@ -10941,7 +11184,7 @@
                 </a:solidFill>
                 <a:cs typeface="Calibri"/>
               </a:rPr>
-              <a:t>(last </a:t>
+              <a:t>, multi-</a:t>
             </a:r>
             <a:r>
               <a:rPr lang="de-DE" sz="2400" dirty="0" err="1">
@@ -10950,7 +11193,7 @@
                 </a:solidFill>
                 <a:cs typeface="Calibri"/>
               </a:rPr>
-              <a:t>layer</a:t>
+              <a:t>class</a:t>
             </a:r>
             <a:r>
               <a:rPr lang="de-DE" sz="2400" dirty="0">
@@ -10959,7 +11202,7 @@
                 </a:solidFill>
                 <a:cs typeface="Calibri"/>
               </a:rPr>
-              <a:t>, multi-</a:t>
+              <a:t> </a:t>
             </a:r>
             <a:r>
               <a:rPr lang="de-DE" sz="2400" dirty="0" err="1">
@@ -10968,7 +11211,7 @@
                 </a:solidFill>
                 <a:cs typeface="Calibri"/>
               </a:rPr>
-              <a:t>class</a:t>
+              <a:t>classification</a:t>
             </a:r>
             <a:r>
               <a:rPr lang="de-DE" sz="2400" dirty="0">
@@ -10977,6 +11220,49 @@
                 </a:solidFill>
                 <a:cs typeface="Calibri"/>
               </a:rPr>
+              <a:t>)</a:t>
+            </a:r>
+            <a:endParaRPr lang="en-US" b="1" dirty="0"/>
+          </a:p>
+          <a:p>
+            <a:pPr marL="742950" lvl="1" indent="-285750">
+              <a:buClr>
+                <a:schemeClr val="accent1">
+                  <a:lumMod val="60000"/>
+                  <a:lumOff val="40000"/>
+                </a:schemeClr>
+              </a:buClr>
+              <a:buFont typeface="Arial" panose="020B0604020202020204" pitchFamily="34" charset="0"/>
+              <a:buChar char="►"/>
+            </a:pPr>
+            <a:r>
+              <a:rPr lang="en-US" dirty="0"/>
+              <a:t> </a:t>
+            </a:r>
+            <a:r>
+              <a:rPr lang="de-DE" sz="2400" dirty="0">
+                <a:solidFill>
+                  <a:srgbClr val="000000"/>
+                </a:solidFill>
+                <a:cs typeface="Calibri"/>
+              </a:rPr>
+              <a:t>Optimizer: Adam</a:t>
+            </a:r>
+            <a:endParaRPr lang="en-US" b="1" dirty="0"/>
+          </a:p>
+          <a:p>
+            <a:pPr marL="742950" lvl="1" indent="-285750">
+              <a:buClr>
+                <a:schemeClr val="accent1">
+                  <a:lumMod val="60000"/>
+                  <a:lumOff val="40000"/>
+                </a:schemeClr>
+              </a:buClr>
+              <a:buFont typeface="Arial" panose="020B0604020202020204" pitchFamily="34" charset="0"/>
+              <a:buChar char="►"/>
+            </a:pPr>
+            <a:r>
+              <a:rPr lang="en-US" dirty="0"/>
               <a:t> </a:t>
             </a:r>
             <a:r>
@@ -10986,7 +11272,7 @@
                 </a:solidFill>
                 <a:cs typeface="Calibri"/>
               </a:rPr>
-              <a:t>classification</a:t>
+              <a:t>Optimizations</a:t>
             </a:r>
             <a:r>
               <a:rPr lang="de-DE" sz="2400" dirty="0">
@@ -10995,14 +11281,17 @@
                 </a:solidFill>
                 <a:cs typeface="Calibri"/>
               </a:rPr>
-              <a:t>)</a:t>
-            </a:r>
-          </a:p>
-          <a:p>
-            <a:pPr lvl="2">
-              <a:buFont typeface="Wingdings" panose="020B0604020202020204" pitchFamily="34" charset="0"/>
-              <a:buChar char="ü"/>
-            </a:pPr>
+              <a:t>: Gradual </a:t>
+            </a:r>
+            <a:r>
+              <a:rPr lang="de-DE" sz="2400" dirty="0" err="1">
+                <a:solidFill>
+                  <a:srgbClr val="000000"/>
+                </a:solidFill>
+                <a:cs typeface="Calibri"/>
+              </a:rPr>
+              <a:t>reduction</a:t>
+            </a:r>
             <a:r>
               <a:rPr lang="de-DE" sz="2400" dirty="0">
                 <a:solidFill>
@@ -11010,14 +11299,17 @@
                 </a:solidFill>
                 <a:cs typeface="Calibri"/>
               </a:rPr>
-              <a:t> Optimizer: Adam</a:t>
-            </a:r>
-          </a:p>
-          <a:p>
-            <a:pPr lvl="2">
-              <a:buFont typeface="Wingdings" panose="020B0604020202020204" pitchFamily="34" charset="0"/>
-              <a:buChar char="ü"/>
-            </a:pPr>
+              <a:t> </a:t>
+            </a:r>
+            <a:r>
+              <a:rPr lang="de-DE" sz="2400" dirty="0" err="1">
+                <a:solidFill>
+                  <a:srgbClr val="000000"/>
+                </a:solidFill>
+                <a:cs typeface="Calibri"/>
+              </a:rPr>
+              <a:t>of</a:t>
+            </a:r>
             <a:r>
               <a:rPr lang="de-DE" sz="2400" dirty="0">
                 <a:solidFill>
@@ -11034,7 +11326,7 @@
                 </a:solidFill>
                 <a:cs typeface="Calibri"/>
               </a:rPr>
-              <a:t>Optimizations</a:t>
+              <a:t>learning</a:t>
             </a:r>
             <a:r>
               <a:rPr lang="de-DE" sz="2400" dirty="0">
@@ -11043,7 +11335,7 @@
                 </a:solidFill>
                 <a:cs typeface="Calibri"/>
               </a:rPr>
-              <a:t>: Gradual </a:t>
+              <a:t> rate, </a:t>
             </a:r>
             <a:r>
               <a:rPr lang="de-DE" sz="2400" dirty="0" err="1">
@@ -11052,7 +11344,7 @@
                 </a:solidFill>
                 <a:cs typeface="Calibri"/>
               </a:rPr>
-              <a:t>reduction</a:t>
+              <a:t>batch</a:t>
             </a:r>
             <a:r>
               <a:rPr lang="de-DE" sz="2400" dirty="0">
@@ -11070,7 +11362,7 @@
                 </a:solidFill>
                 <a:cs typeface="Calibri"/>
               </a:rPr>
-              <a:t>of</a:t>
+              <a:t>size</a:t>
             </a:r>
             <a:r>
               <a:rPr lang="de-DE" sz="2400" dirty="0">
@@ -11088,7 +11380,7 @@
                 </a:solidFill>
                 <a:cs typeface="Calibri"/>
               </a:rPr>
-              <a:t>learning</a:t>
+              <a:t>optimized</a:t>
             </a:r>
             <a:r>
               <a:rPr lang="de-DE" sz="2400" dirty="0">
@@ -11097,7 +11389,7 @@
                 </a:solidFill>
                 <a:cs typeface="Calibri"/>
               </a:rPr>
-              <a:t> rate, </a:t>
+              <a:t> </a:t>
             </a:r>
             <a:r>
               <a:rPr lang="de-DE" sz="2400" dirty="0" err="1">
@@ -11106,7 +11398,7 @@
                 </a:solidFill>
                 <a:cs typeface="Calibri"/>
               </a:rPr>
-              <a:t>batch</a:t>
+              <a:t>for</a:t>
             </a:r>
             <a:r>
               <a:rPr lang="de-DE" sz="2400" dirty="0">
@@ -11115,7 +11407,7 @@
                 </a:solidFill>
                 <a:cs typeface="Calibri"/>
               </a:rPr>
-              <a:t> </a:t>
+              <a:t> GPUs, </a:t>
             </a:r>
             <a:r>
               <a:rPr lang="de-DE" sz="2400" dirty="0" err="1">
@@ -11124,7 +11416,7 @@
                 </a:solidFill>
                 <a:cs typeface="Calibri"/>
               </a:rPr>
-              <a:t>size</a:t>
+              <a:t>patience</a:t>
             </a:r>
             <a:r>
               <a:rPr lang="de-DE" sz="2400" dirty="0">
@@ -11142,7 +11434,7 @@
                 </a:solidFill>
                 <a:cs typeface="Calibri"/>
               </a:rPr>
-              <a:t>optimized</a:t>
+              <a:t>of</a:t>
             </a:r>
             <a:r>
               <a:rPr lang="de-DE" sz="2400" dirty="0">
@@ -11151,7 +11443,7 @@
                 </a:solidFill>
                 <a:cs typeface="Calibri"/>
               </a:rPr>
-              <a:t> </a:t>
+              <a:t> 200 </a:t>
             </a:r>
             <a:r>
               <a:rPr lang="de-DE" sz="2400" dirty="0" err="1">
@@ -11160,7 +11452,24 @@
                 </a:solidFill>
                 <a:cs typeface="Calibri"/>
               </a:rPr>
-              <a:t>for</a:t>
+              <a:t>epochs</a:t>
+            </a:r>
+            <a:endParaRPr lang="en-US" b="1" dirty="0"/>
+          </a:p>
+          <a:p>
+            <a:pPr marL="742950" lvl="1" indent="-285750">
+              <a:buClr>
+                <a:schemeClr val="accent1">
+                  <a:lumMod val="60000"/>
+                  <a:lumOff val="40000"/>
+                </a:schemeClr>
+              </a:buClr>
+              <a:buFont typeface="Arial" panose="020B0604020202020204" pitchFamily="34" charset="0"/>
+              <a:buChar char="►"/>
+            </a:pPr>
+            <a:r>
+              <a:rPr lang="en-US" dirty="0"/>
+              <a:t> </a:t>
             </a:r>
             <a:r>
               <a:rPr lang="de-DE" sz="2400" dirty="0">
@@ -11169,7 +11478,7 @@
                 </a:solidFill>
                 <a:cs typeface="Calibri"/>
               </a:rPr>
-              <a:t> GPUs, </a:t>
+              <a:t>Loss </a:t>
             </a:r>
             <a:r>
               <a:rPr lang="de-DE" sz="2400" dirty="0" err="1">
@@ -11178,7 +11487,7 @@
                 </a:solidFill>
                 <a:cs typeface="Calibri"/>
               </a:rPr>
-              <a:t>patience</a:t>
+              <a:t>function</a:t>
             </a:r>
             <a:r>
               <a:rPr lang="de-DE" sz="2400" dirty="0">
@@ -11187,36 +11496,79 @@
                 </a:solidFill>
                 <a:cs typeface="Calibri"/>
               </a:rPr>
+              <a:t>: </a:t>
+            </a:r>
+            <a:r>
+              <a:rPr lang="de-DE" sz="2400" dirty="0" err="1">
+                <a:ea typeface="+mn-lt"/>
+                <a:cs typeface="+mn-lt"/>
+              </a:rPr>
+              <a:t>Sparse</a:t>
+            </a:r>
+            <a:r>
+              <a:rPr lang="de-DE" sz="2400" dirty="0">
+                <a:ea typeface="+mn-lt"/>
+                <a:cs typeface="+mn-lt"/>
+              </a:rPr>
               <a:t> </a:t>
             </a:r>
             <a:r>
               <a:rPr lang="de-DE" sz="2400" dirty="0" err="1">
-                <a:solidFill>
-                  <a:srgbClr val="000000"/>
-                </a:solidFill>
-                <a:cs typeface="Calibri"/>
-              </a:rPr>
-              <a:t>of</a:t>
+                <a:ea typeface="+mn-lt"/>
+                <a:cs typeface="+mn-lt"/>
+              </a:rPr>
+              <a:t>Categorical</a:t>
             </a:r>
             <a:r>
               <a:rPr lang="de-DE" sz="2400" dirty="0">
-                <a:solidFill>
-                  <a:srgbClr val="000000"/>
-                </a:solidFill>
-                <a:cs typeface="Calibri"/>
-              </a:rPr>
-              <a:t> 200 </a:t>
+                <a:ea typeface="+mn-lt"/>
+                <a:cs typeface="+mn-lt"/>
+              </a:rPr>
+              <a:t> </a:t>
             </a:r>
             <a:r>
               <a:rPr lang="de-DE" sz="2400" dirty="0" err="1">
-                <a:solidFill>
-                  <a:srgbClr val="000000"/>
-                </a:solidFill>
-                <a:cs typeface="Calibri"/>
-              </a:rPr>
-              <a:t>epochs</a:t>
-            </a:r>
-            <a:endParaRPr lang="de-DE" sz="2400" dirty="0">
+                <a:ea typeface="+mn-lt"/>
+                <a:cs typeface="+mn-lt"/>
+              </a:rPr>
+              <a:t>Crossentropy</a:t>
+            </a:r>
+            <a:r>
+              <a:rPr lang="de-DE" sz="2400" dirty="0">
+                <a:ea typeface="+mn-lt"/>
+                <a:cs typeface="+mn-lt"/>
+              </a:rPr>
+              <a:t> (due </a:t>
+            </a:r>
+            <a:r>
+              <a:rPr lang="de-DE" sz="2400" dirty="0" err="1">
+                <a:ea typeface="+mn-lt"/>
+                <a:cs typeface="+mn-lt"/>
+              </a:rPr>
+              <a:t>to</a:t>
+            </a:r>
+            <a:r>
+              <a:rPr lang="de-DE" sz="2400" dirty="0">
+                <a:ea typeface="+mn-lt"/>
+                <a:cs typeface="+mn-lt"/>
+              </a:rPr>
+              <a:t> </a:t>
+            </a:r>
+            <a:r>
+              <a:rPr lang="de-DE" sz="2400" dirty="0" err="1">
+                <a:ea typeface="+mn-lt"/>
+                <a:cs typeface="+mn-lt"/>
+              </a:rPr>
+              <a:t>class-encoding</a:t>
+            </a:r>
+            <a:r>
+              <a:rPr lang="de-DE" sz="2400" dirty="0">
+                <a:ea typeface="+mn-lt"/>
+                <a:cs typeface="+mn-lt"/>
+              </a:rPr>
+              <a:t>)</a:t>
+            </a:r>
+            <a:endParaRPr lang="de-DE" dirty="0">
               <a:solidFill>
                 <a:srgbClr val="000000"/>
               </a:solidFill>
@@ -11224,201 +11576,118 @@
             </a:endParaRPr>
           </a:p>
           <a:p>
-            <a:pPr lvl="2">
-              <a:buFont typeface="Wingdings" panose="020B0604020202020204" pitchFamily="34" charset="0"/>
-              <a:buChar char="ü"/>
+            <a:pPr marL="742950" lvl="1" indent="-285750">
+              <a:buClr>
+                <a:schemeClr val="accent1">
+                  <a:lumMod val="60000"/>
+                  <a:lumOff val="40000"/>
+                </a:schemeClr>
+              </a:buClr>
+              <a:buFont typeface="Arial" panose="020B0604020202020204" pitchFamily="34" charset="0"/>
+              <a:buChar char="►"/>
             </a:pPr>
             <a:r>
               <a:rPr lang="de-DE" sz="2400" dirty="0">
                 <a:solidFill>
                   <a:srgbClr val="000000"/>
                 </a:solidFill>
+                <a:ea typeface="+mn-lt"/>
                 <a:cs typeface="Calibri"/>
               </a:rPr>
-              <a:t> Loss </a:t>
+              <a:t> </a:t>
+            </a:r>
+            <a:r>
+              <a:rPr lang="en-US" sz="2400" dirty="0">
+                <a:ea typeface="+mn-lt"/>
+                <a:cs typeface="+mn-lt"/>
+              </a:rPr>
+              <a:t>Regularization techniques</a:t>
+            </a:r>
+            <a:r>
+              <a:rPr lang="de-DE" sz="2400" dirty="0">
+                <a:ea typeface="+mn-lt"/>
+                <a:cs typeface="+mn-lt"/>
+              </a:rPr>
+              <a:t>: </a:t>
             </a:r>
             <a:r>
               <a:rPr lang="de-DE" sz="2400" dirty="0" err="1">
-                <a:solidFill>
-                  <a:srgbClr val="000000"/>
-                </a:solidFill>
-                <a:cs typeface="Calibri"/>
-              </a:rPr>
-              <a:t>function</a:t>
-            </a:r>
+                <a:ea typeface="+mn-lt"/>
+                <a:cs typeface="+mn-lt"/>
+              </a:rPr>
+              <a:t>Weight</a:t>
+            </a:r>
+            <a:r>
+              <a:rPr lang="de-DE" sz="2400" dirty="0">
+                <a:ea typeface="+mn-lt"/>
+                <a:cs typeface="+mn-lt"/>
+              </a:rPr>
+              <a:t> </a:t>
+            </a:r>
+            <a:r>
+              <a:rPr lang="en-US" sz="2400" dirty="0">
+                <a:ea typeface="+mn-lt"/>
+                <a:cs typeface="+mn-lt"/>
+              </a:rPr>
+              <a:t>regularization (</a:t>
+            </a:r>
+            <a:r>
+              <a:rPr lang="de-DE" sz="2400" dirty="0">
+                <a:ea typeface="+mn-lt"/>
+                <a:cs typeface="+mn-lt"/>
+              </a:rPr>
+              <a:t>L2) and/</a:t>
+            </a:r>
+            <a:r>
+              <a:rPr lang="de-DE" sz="2400" dirty="0" err="1">
+                <a:ea typeface="+mn-lt"/>
+                <a:cs typeface="+mn-lt"/>
+              </a:rPr>
+              <a:t>or</a:t>
+            </a:r>
+            <a:r>
+              <a:rPr lang="de-DE" sz="2400" dirty="0">
+                <a:ea typeface="+mn-lt"/>
+                <a:cs typeface="+mn-lt"/>
+              </a:rPr>
+              <a:t> </a:t>
+            </a:r>
+            <a:r>
+              <a:rPr lang="de-DE" sz="2400" dirty="0" err="1">
+                <a:ea typeface="+mn-lt"/>
+                <a:cs typeface="+mn-lt"/>
+              </a:rPr>
+              <a:t>dropout</a:t>
+            </a:r>
+            <a:endParaRPr lang="de-DE" dirty="0">
+              <a:solidFill>
+                <a:srgbClr val="000000"/>
+              </a:solidFill>
+              <a:ea typeface="+mn-lt"/>
+              <a:cs typeface="Calibri"/>
+            </a:endParaRPr>
+          </a:p>
+          <a:p>
+            <a:pPr marL="742950" lvl="1" indent="-285750">
+              <a:buClr>
+                <a:schemeClr val="accent1">
+                  <a:lumMod val="60000"/>
+                  <a:lumOff val="40000"/>
+                </a:schemeClr>
+              </a:buClr>
+              <a:buFont typeface="Arial" panose="020B0604020202020204" pitchFamily="34" charset="0"/>
+              <a:buChar char="►"/>
+            </a:pPr>
             <a:r>
               <a:rPr lang="de-DE" sz="2400" dirty="0">
                 <a:solidFill>
                   <a:srgbClr val="000000"/>
                 </a:solidFill>
+                <a:ea typeface="+mn-lt"/>
                 <a:cs typeface="Calibri"/>
               </a:rPr>
-              <a:t>: </a:t>
-            </a:r>
-            <a:r>
-              <a:rPr lang="de-DE" sz="2400" dirty="0" err="1">
-                <a:ea typeface="+mn-lt"/>
-                <a:cs typeface="+mn-lt"/>
-              </a:rPr>
-              <a:t>Sparse</a:t>
-            </a:r>
-            <a:r>
-              <a:rPr lang="de-DE" sz="2400" dirty="0">
-                <a:ea typeface="+mn-lt"/>
-                <a:cs typeface="+mn-lt"/>
-              </a:rPr>
               <a:t> </a:t>
             </a:r>
-            <a:r>
-              <a:rPr lang="de-DE" sz="2400" dirty="0" err="1">
-                <a:ea typeface="+mn-lt"/>
-                <a:cs typeface="+mn-lt"/>
-              </a:rPr>
-              <a:t>Categorical</a:t>
-            </a:r>
-            <a:r>
-              <a:rPr lang="de-DE" sz="2400" dirty="0">
-                <a:ea typeface="+mn-lt"/>
-                <a:cs typeface="+mn-lt"/>
-              </a:rPr>
-              <a:t> </a:t>
-            </a:r>
-            <a:r>
-              <a:rPr lang="de-DE" sz="2400" dirty="0" err="1">
-                <a:ea typeface="+mn-lt"/>
-                <a:cs typeface="+mn-lt"/>
-              </a:rPr>
-              <a:t>Crossentropy</a:t>
-            </a:r>
-            <a:r>
-              <a:rPr lang="de-DE" sz="2400" dirty="0">
-                <a:ea typeface="+mn-lt"/>
-                <a:cs typeface="+mn-lt"/>
-              </a:rPr>
-              <a:t> (due </a:t>
-            </a:r>
-            <a:r>
-              <a:rPr lang="de-DE" sz="2400" dirty="0" err="1">
-                <a:ea typeface="+mn-lt"/>
-                <a:cs typeface="+mn-lt"/>
-              </a:rPr>
-              <a:t>to</a:t>
-            </a:r>
-            <a:r>
-              <a:rPr lang="de-DE" sz="2400" dirty="0">
-                <a:ea typeface="+mn-lt"/>
-                <a:cs typeface="+mn-lt"/>
-              </a:rPr>
-              <a:t> </a:t>
-            </a:r>
-            <a:r>
-              <a:rPr lang="de-DE" sz="2400" dirty="0" err="1">
-                <a:ea typeface="+mn-lt"/>
-                <a:cs typeface="+mn-lt"/>
-              </a:rPr>
-              <a:t>class-encoding</a:t>
-            </a:r>
-            <a:r>
-              <a:rPr lang="de-DE" sz="2400" dirty="0">
-                <a:ea typeface="+mn-lt"/>
-                <a:cs typeface="+mn-lt"/>
-              </a:rPr>
-              <a:t>)</a:t>
-            </a:r>
-            <a:endParaRPr lang="de-DE" sz="2400" dirty="0">
-              <a:solidFill>
-                <a:srgbClr val="000000"/>
-              </a:solidFill>
-              <a:cs typeface="Calibri"/>
-            </a:endParaRPr>
-          </a:p>
-          <a:p>
-            <a:pPr lvl="2">
-              <a:buFont typeface="Wingdings" panose="020B0604020202020204" pitchFamily="34" charset="0"/>
-              <a:buChar char="ü"/>
-            </a:pPr>
-            <a:r>
-              <a:rPr lang="de-DE" sz="2400" dirty="0">
-                <a:ea typeface="+mn-lt"/>
-                <a:cs typeface="+mn-lt"/>
-              </a:rPr>
-              <a:t> </a:t>
-            </a:r>
-            <a:r>
-              <a:rPr lang="en-US" sz="2400" dirty="0">
-                <a:ea typeface="+mn-lt"/>
-                <a:cs typeface="+mn-lt"/>
-              </a:rPr>
-              <a:t>Regularization techniques</a:t>
-            </a:r>
-            <a:r>
-              <a:rPr lang="de-DE" sz="2400" dirty="0">
-                <a:ea typeface="+mn-lt"/>
-                <a:cs typeface="+mn-lt"/>
-              </a:rPr>
-              <a:t>: </a:t>
-            </a:r>
-            <a:r>
-              <a:rPr lang="de-DE" sz="2400" dirty="0" err="1">
-                <a:ea typeface="+mn-lt"/>
-                <a:cs typeface="+mn-lt"/>
-              </a:rPr>
-              <a:t>Weight</a:t>
-            </a:r>
-            <a:r>
-              <a:rPr lang="de-DE" sz="2400" dirty="0">
-                <a:ea typeface="+mn-lt"/>
-                <a:cs typeface="+mn-lt"/>
-              </a:rPr>
-              <a:t> </a:t>
-            </a:r>
-            <a:r>
-              <a:rPr lang="en-US" sz="2400" dirty="0">
-                <a:ea typeface="+mn-lt"/>
-                <a:cs typeface="+mn-lt"/>
-              </a:rPr>
-              <a:t>regularization (</a:t>
-            </a:r>
-            <a:r>
-              <a:rPr lang="de-DE" sz="2400" dirty="0">
-                <a:ea typeface="+mn-lt"/>
-                <a:cs typeface="+mn-lt"/>
-              </a:rPr>
-              <a:t>L2) and/</a:t>
-            </a:r>
-            <a:r>
-              <a:rPr lang="de-DE" sz="2400" dirty="0" err="1">
-                <a:ea typeface="+mn-lt"/>
-                <a:cs typeface="+mn-lt"/>
-              </a:rPr>
-              <a:t>or</a:t>
-            </a:r>
-            <a:r>
-              <a:rPr lang="de-DE" sz="2400" dirty="0">
-                <a:ea typeface="+mn-lt"/>
-                <a:cs typeface="+mn-lt"/>
-              </a:rPr>
-              <a:t> </a:t>
-            </a:r>
-            <a:r>
-              <a:rPr lang="de-DE" sz="2400" dirty="0" err="1">
-                <a:ea typeface="+mn-lt"/>
-                <a:cs typeface="+mn-lt"/>
-              </a:rPr>
-              <a:t>dropout</a:t>
-            </a:r>
-            <a:endParaRPr lang="de-DE" sz="2400" dirty="0">
-              <a:solidFill>
-                <a:srgbClr val="000000"/>
-              </a:solidFill>
-              <a:cs typeface="Calibri"/>
-            </a:endParaRPr>
-          </a:p>
-          <a:p>
-            <a:pPr lvl="2">
-              <a:buFont typeface="Wingdings" panose="020B0604020202020204" pitchFamily="34" charset="0"/>
-              <a:buChar char="ü"/>
-            </a:pPr>
             <a:r>
               <a:rPr lang="de-DE" sz="2400" dirty="0" err="1">
                 <a:solidFill>
@@ -11602,7 +11871,7 @@
           <a:p>
             <a:fld id="{DFFCAE16-F0CB-428B-9963-DABAE8DE919E}" type="datetime1">
               <a:rPr lang="de-DE" smtClean="0"/>
-              <a:t>08.07.2020</a:t>
+              <a:t>10.07.2020</a:t>
             </a:fld>
             <a:endParaRPr lang="de-DE"/>
           </a:p>
@@ -11772,39 +12041,72 @@
           <a:bodyPr/>
           <a:lstStyle/>
           <a:p>
+            <a:pPr marL="285750" indent="-285750">
+              <a:buClr>
+                <a:schemeClr val="accent1">
+                  <a:lumMod val="75000"/>
+                </a:schemeClr>
+              </a:buClr>
+              <a:buFont typeface="Arial" panose="020B0604020202020204" pitchFamily="34" charset="0"/>
+              <a:buChar char="▌"/>
+            </a:pPr>
             <a:r>
               <a:rPr lang="en-US" sz="3200" dirty="0"/>
               <a:t>Improvements:</a:t>
             </a:r>
-          </a:p>
-          <a:p>
-            <a:pPr>
-              <a:buFont typeface="Wingdings" pitchFamily="2" charset="2"/>
-              <a:buChar char="Ø"/>
+            <a:endParaRPr lang="en-US" b="1" dirty="0"/>
+          </a:p>
+          <a:p>
+            <a:pPr marL="742950" lvl="1" indent="-285750">
+              <a:buClr>
+                <a:schemeClr val="accent1">
+                  <a:lumMod val="60000"/>
+                  <a:lumOff val="40000"/>
+                </a:schemeClr>
+              </a:buClr>
+              <a:buFont typeface="Arial" panose="020B0604020202020204" pitchFamily="34" charset="0"/>
+              <a:buChar char="►"/>
             </a:pPr>
             <a:r>
               <a:rPr lang="en-US" dirty="0"/>
-              <a:t>Better normalization</a:t>
-            </a:r>
-          </a:p>
-          <a:p>
-            <a:pPr>
-              <a:buFont typeface="Wingdings" pitchFamily="2" charset="2"/>
-              <a:buChar char="Ø"/>
+              <a:t> Better </a:t>
+            </a:r>
+            <a:r>
+              <a:rPr lang="en-US" dirty="0" err="1"/>
+              <a:t>normalizatiob</a:t>
+            </a:r>
+            <a:endParaRPr lang="en-US" dirty="0"/>
+          </a:p>
+          <a:p>
+            <a:pPr marL="742950" lvl="1" indent="-285750">
+              <a:buClr>
+                <a:schemeClr val="accent1">
+                  <a:lumMod val="60000"/>
+                  <a:lumOff val="40000"/>
+                </a:schemeClr>
+              </a:buClr>
+              <a:buFont typeface="Arial" panose="020B0604020202020204" pitchFamily="34" charset="0"/>
+              <a:buChar char="►"/>
             </a:pPr>
             <a:r>
               <a:rPr lang="en-US" dirty="0"/>
-              <a:t>No early step out</a:t>
-            </a:r>
-          </a:p>
-          <a:p>
-            <a:pPr>
-              <a:buFont typeface="Wingdings" pitchFamily="2" charset="2"/>
-              <a:buChar char="Ø"/>
+              <a:t> No early step out</a:t>
+            </a:r>
+          </a:p>
+          <a:p>
+            <a:pPr marL="742950" lvl="1" indent="-285750">
+              <a:buClr>
+                <a:schemeClr val="accent1">
+                  <a:lumMod val="60000"/>
+                  <a:lumOff val="40000"/>
+                </a:schemeClr>
+              </a:buClr>
+              <a:buFont typeface="Arial" panose="020B0604020202020204" pitchFamily="34" charset="0"/>
+              <a:buChar char="►"/>
             </a:pPr>
             <a:r>
               <a:rPr lang="en-US" dirty="0"/>
-              <a:t>Test accuracy: 51.14%</a:t>
+              <a:t> Test accuracy: 51.14%</a:t>
             </a:r>
           </a:p>
           <a:p>
@@ -11851,7 +12153,7 @@
           <a:p>
             <a:fld id="{BF0644D2-057E-4260-B66C-D62978A67776}" type="datetime1">
               <a:rPr lang="de-DE" smtClean="0"/>
-              <a:t>08.07.2020</a:t>
+              <a:t>10.07.2020</a:t>
             </a:fld>
             <a:endParaRPr lang="de-DE"/>
           </a:p>
@@ -12053,7 +12355,7 @@
           <a:p>
             <a:fld id="{2CA82912-125F-43FC-A872-07B5FFBA6423}" type="datetime1">
               <a:rPr lang="de-DE" smtClean="0"/>
-              <a:t>08.07.2020</a:t>
+              <a:t>10.07.2020</a:t>
             </a:fld>
             <a:endParaRPr lang="de-DE"/>
           </a:p>
@@ -12199,6 +12501,15 @@
           </a:bodyPr>
           <a:lstStyle/>
           <a:p>
+            <a:pPr marL="285750" indent="-285750">
+              <a:buClr>
+                <a:schemeClr val="accent1">
+                  <a:lumMod val="75000"/>
+                </a:schemeClr>
+              </a:buClr>
+              <a:buFont typeface="Arial" panose="020B0604020202020204" pitchFamily="34" charset="0"/>
+              <a:buChar char="▌"/>
+            </a:pPr>
             <a:r>
               <a:rPr lang="de-DE" dirty="0" err="1"/>
               <a:t>Predicting</a:t>
@@ -12366,7 +12677,7 @@
           <a:p>
             <a:fld id="{6E5E49ED-8A04-4300-BC21-606722A8E6EE}" type="datetime1">
               <a:rPr lang="de-DE" smtClean="0"/>
-              <a:t>08.07.2020</a:t>
+              <a:t>10.07.2020</a:t>
             </a:fld>
             <a:endParaRPr lang="de-DE"/>
           </a:p>
@@ -12553,7 +12864,7 @@
           <a:p>
             <a:fld id="{4B6C2BC7-A1AC-4F23-B303-50B5C0868CD1}" type="datetime1">
               <a:rPr lang="de-DE" smtClean="0"/>
-              <a:t>08.07.2020</a:t>
+              <a:t>10.07.2020</a:t>
             </a:fld>
             <a:endParaRPr lang="de-DE"/>
           </a:p>
@@ -13019,7 +13330,7 @@
           <a:p>
             <a:fld id="{7E9C6BE6-20A7-4DCE-898C-AFAAF2200B70}" type="datetime1">
               <a:rPr lang="de-DE" smtClean="0"/>
-              <a:t>08.07.2020</a:t>
+              <a:t>10.07.2020</a:t>
             </a:fld>
             <a:endParaRPr lang="de-DE"/>
           </a:p>
@@ -13302,7 +13613,7 @@
           <a:p>
             <a:fld id="{596E9DDF-1D90-4BD9-B937-2107135F8F05}" type="datetime1">
               <a:rPr lang="de-DE" smtClean="0"/>
-              <a:t>08.07.2020</a:t>
+              <a:t>10.07.2020</a:t>
             </a:fld>
             <a:endParaRPr lang="de-DE"/>
           </a:p>
@@ -14081,7 +14392,7 @@
           <a:p>
             <a:fld id="{9499F743-8BFE-416E-A488-F538D570F245}" type="datetime1">
               <a:rPr lang="de-DE" smtClean="0"/>
-              <a:t>08.07.2020</a:t>
+              <a:t>10.07.2020</a:t>
             </a:fld>
             <a:endParaRPr lang="de-DE"/>
           </a:p>
@@ -14793,7 +15104,7 @@
           <a:p>
             <a:fld id="{CE4801CE-F68B-4A9E-BD77-DA62B163CD77}" type="datetime1">
               <a:rPr lang="de-DE" smtClean="0"/>
-              <a:t>08.07.2020</a:t>
+              <a:t>10.07.2020</a:t>
             </a:fld>
             <a:endParaRPr lang="de-DE"/>
           </a:p>
@@ -14883,6 +15194,11 @@
               <a:alpha val="10196"/>
             </a:srgbClr>
           </a:solidFill>
+          <a:ln>
+            <a:solidFill>
+              <a:schemeClr val="tx1"/>
+            </a:solidFill>
+          </a:ln>
         </p:spPr>
         <p:style>
           <a:lnRef idx="2">
@@ -14960,7 +15276,7 @@
           <a:p>
             <a:fld id="{EDF96B14-A623-450A-9B64-7434B038D636}" type="datetime1">
               <a:rPr lang="de-DE" smtClean="0"/>
-              <a:t>08.07.2020</a:t>
+              <a:t>10.07.2020</a:t>
             </a:fld>
             <a:endParaRPr lang="de-DE"/>
           </a:p>
@@ -15049,6 +15365,11 @@
               <a:lumOff val="80000"/>
             </a:schemeClr>
           </a:solidFill>
+          <a:ln>
+            <a:solidFill>
+              <a:schemeClr val="tx1"/>
+            </a:solidFill>
+          </a:ln>
         </p:spPr>
         <p:style>
           <a:lnRef idx="2">
@@ -15112,6 +15433,11 @@
               <a:lumOff val="60000"/>
             </a:schemeClr>
           </a:solidFill>
+          <a:ln>
+            <a:solidFill>
+              <a:schemeClr val="tx1"/>
+            </a:solidFill>
+          </a:ln>
         </p:spPr>
         <p:style>
           <a:lnRef idx="2">
@@ -15176,6 +15502,11 @@
               <a:lumOff val="60000"/>
             </a:schemeClr>
           </a:solidFill>
+          <a:ln>
+            <a:solidFill>
+              <a:schemeClr val="tx1"/>
+            </a:solidFill>
+          </a:ln>
         </p:spPr>
         <p:style>
           <a:lnRef idx="2">
@@ -15240,6 +15571,11 @@
               <a:lumOff val="60000"/>
             </a:schemeClr>
           </a:solidFill>
+          <a:ln>
+            <a:solidFill>
+              <a:schemeClr val="tx1"/>
+            </a:solidFill>
+          </a:ln>
         </p:spPr>
         <p:style>
           <a:lnRef idx="2">
@@ -15304,6 +15640,11 @@
               <a:lumOff val="80000"/>
             </a:schemeClr>
           </a:solidFill>
+          <a:ln>
+            <a:solidFill>
+              <a:schemeClr val="tx1"/>
+            </a:solidFill>
+          </a:ln>
         </p:spPr>
         <p:style>
           <a:lnRef idx="2">
@@ -15368,6 +15709,11 @@
               <a:lumOff val="80000"/>
             </a:schemeClr>
           </a:solidFill>
+          <a:ln>
+            <a:solidFill>
+              <a:schemeClr val="tx1"/>
+            </a:solidFill>
+          </a:ln>
         </p:spPr>
         <p:style>
           <a:lnRef idx="2">
@@ -15431,6 +15777,11 @@
               <a:lumOff val="60000"/>
             </a:schemeClr>
           </a:solidFill>
+          <a:ln>
+            <a:solidFill>
+              <a:schemeClr val="tx1"/>
+            </a:solidFill>
+          </a:ln>
         </p:spPr>
         <p:style>
           <a:lnRef idx="2">
@@ -15495,6 +15846,11 @@
               <a:lumOff val="80000"/>
             </a:schemeClr>
           </a:solidFill>
+          <a:ln>
+            <a:solidFill>
+              <a:schemeClr val="tx1"/>
+            </a:solidFill>
+          </a:ln>
         </p:spPr>
         <p:style>
           <a:lnRef idx="2">
@@ -15559,6 +15915,11 @@
               <a:lumOff val="80000"/>
             </a:schemeClr>
           </a:solidFill>
+          <a:ln>
+            <a:solidFill>
+              <a:schemeClr val="tx1"/>
+            </a:solidFill>
+          </a:ln>
         </p:spPr>
         <p:style>
           <a:lnRef idx="2">
@@ -15622,6 +15983,11 @@
               <a:lumOff val="60000"/>
             </a:schemeClr>
           </a:solidFill>
+          <a:ln>
+            <a:solidFill>
+              <a:schemeClr val="tx1"/>
+            </a:solidFill>
+          </a:ln>
         </p:spPr>
         <p:style>
           <a:lnRef idx="2">
@@ -15683,6 +16049,11 @@
           <a:prstGeom prst="line">
             <a:avLst/>
           </a:prstGeom>
+          <a:ln>
+            <a:solidFill>
+              <a:schemeClr val="tx1"/>
+            </a:solidFill>
+          </a:ln>
         </p:spPr>
         <p:style>
           <a:lnRef idx="1">
@@ -15723,6 +16094,11 @@
           <a:prstGeom prst="line">
             <a:avLst/>
           </a:prstGeom>
+          <a:ln>
+            <a:solidFill>
+              <a:schemeClr val="tx1"/>
+            </a:solidFill>
+          </a:ln>
         </p:spPr>
         <p:style>
           <a:lnRef idx="1">
@@ -15763,6 +16139,11 @@
           <a:prstGeom prst="line">
             <a:avLst/>
           </a:prstGeom>
+          <a:ln>
+            <a:solidFill>
+              <a:schemeClr val="tx1"/>
+            </a:solidFill>
+          </a:ln>
         </p:spPr>
         <p:style>
           <a:lnRef idx="1">
@@ -15803,6 +16184,11 @@
           <a:prstGeom prst="line">
             <a:avLst/>
           </a:prstGeom>
+          <a:ln>
+            <a:solidFill>
+              <a:schemeClr val="tx1"/>
+            </a:solidFill>
+          </a:ln>
         </p:spPr>
         <p:style>
           <a:lnRef idx="1">
@@ -15843,6 +16229,11 @@
           <a:prstGeom prst="line">
             <a:avLst/>
           </a:prstGeom>
+          <a:ln>
+            <a:solidFill>
+              <a:schemeClr val="tx1"/>
+            </a:solidFill>
+          </a:ln>
         </p:spPr>
         <p:style>
           <a:lnRef idx="1">
@@ -15881,6 +16272,11 @@
           <a:prstGeom prst="line">
             <a:avLst/>
           </a:prstGeom>
+          <a:ln>
+            <a:solidFill>
+              <a:schemeClr val="tx1"/>
+            </a:solidFill>
+          </a:ln>
         </p:spPr>
         <p:style>
           <a:lnRef idx="1">
@@ -15923,6 +16319,11 @@
               <a:lumOff val="60000"/>
             </a:schemeClr>
           </a:solidFill>
+          <a:ln>
+            <a:solidFill>
+              <a:schemeClr val="tx1"/>
+            </a:solidFill>
+          </a:ln>
         </p:spPr>
         <p:style>
           <a:lnRef idx="2">
@@ -15973,18 +16374,23 @@
           <p:cNvCxnSpPr>
             <a:cxnSpLocks/>
             <a:stCxn id="25" idx="3"/>
-            <a:endCxn id="29" idx="1"/>
+            <a:endCxn id="10" idx="1"/>
           </p:cNvCxnSpPr>
           <p:nvPr/>
         </p:nvCxnSpPr>
         <p:spPr>
           <a:xfrm>
             <a:off x="1797630" y="3930264"/>
-            <a:ext cx="585375" cy="71"/>
+            <a:ext cx="781739" cy="8878"/>
           </a:xfrm>
           <a:prstGeom prst="line">
             <a:avLst/>
           </a:prstGeom>
+          <a:ln>
+            <a:solidFill>
+              <a:schemeClr val="tx1"/>
+            </a:solidFill>
+          </a:ln>
         </p:spPr>
         <p:style>
           <a:lnRef idx="1">
@@ -16022,6 +16428,11 @@
             <a:avLst/>
           </a:prstGeom>
           <a:noFill/>
+          <a:ln>
+            <a:solidFill>
+              <a:schemeClr val="tx1"/>
+            </a:solidFill>
+          </a:ln>
         </p:spPr>
         <p:txBody>
           <a:bodyPr wrap="square" rtlCol="0">
@@ -16126,7 +16537,7 @@
           <a:p>
             <a:fld id="{D3B4A22E-EFB2-4269-B19E-F96688142D44}" type="datetime1">
               <a:rPr lang="de-DE" smtClean="0"/>
-              <a:t>08.07.2020</a:t>
+              <a:t>10.07.2020</a:t>
             </a:fld>
             <a:endParaRPr lang="de-DE"/>
           </a:p>
@@ -16353,12 +16764,17 @@
         </p:blipFill>
         <p:spPr>
           <a:xfrm>
-            <a:off x="1330960" y="1659811"/>
+            <a:off x="1358900" y="1690688"/>
             <a:ext cx="9474200" cy="4642358"/>
           </a:xfrm>
           <a:prstGeom prst="rect">
             <a:avLst/>
           </a:prstGeom>
+          <a:ln>
+            <a:solidFill>
+              <a:schemeClr val="tx1"/>
+            </a:solidFill>
+          </a:ln>
         </p:spPr>
       </p:pic>
     </p:spTree>
@@ -16450,6 +16866,15 @@
           </a:bodyPr>
           <a:lstStyle/>
           <a:p>
+            <a:pPr marL="285750" indent="-285750">
+              <a:buClr>
+                <a:schemeClr val="accent1">
+                  <a:lumMod val="75000"/>
+                </a:schemeClr>
+              </a:buClr>
+              <a:buFont typeface="Arial" panose="020B0604020202020204" pitchFamily="34" charset="0"/>
+              <a:buChar char="▌"/>
+            </a:pPr>
             <a:r>
               <a:rPr lang="en-US" dirty="0"/>
               <a:t>GET /</a:t>
@@ -16458,10 +16883,19 @@
               <a:rPr lang="en-US" dirty="0" err="1"/>
               <a:t>soccerGamesClassification</a:t>
             </a:r>
-            <a:endParaRPr lang="en-US" dirty="0"/>
-          </a:p>
-          <a:p>
-            <a:pPr lvl="1"/>
+            <a:endParaRPr lang="en-US" b="1" dirty="0"/>
+          </a:p>
+          <a:p>
+            <a:pPr marL="742950" lvl="1" indent="-285750">
+              <a:buClr>
+                <a:schemeClr val="accent1">
+                  <a:lumMod val="60000"/>
+                  <a:lumOff val="40000"/>
+                </a:schemeClr>
+              </a:buClr>
+              <a:buFont typeface="Arial" panose="020B0604020202020204" pitchFamily="34" charset="0"/>
+              <a:buChar char="►"/>
+            </a:pPr>
             <a:r>
               <a:rPr lang="en-US" dirty="0"/>
               <a:t>Returns </a:t>
@@ -16484,6 +16918,15 @@
             </a:r>
           </a:p>
           <a:p>
+            <a:pPr marL="285750" indent="-285750">
+              <a:buClr>
+                <a:schemeClr val="accent1">
+                  <a:lumMod val="75000"/>
+                </a:schemeClr>
+              </a:buClr>
+              <a:buFont typeface="Arial" panose="020B0604020202020204" pitchFamily="34" charset="0"/>
+              <a:buChar char="▌"/>
+            </a:pPr>
             <a:r>
               <a:rPr lang="en-US" dirty="0"/>
               <a:t>GET /</a:t>
@@ -16492,10 +16935,19 @@
               <a:rPr lang="en-US" dirty="0" err="1"/>
               <a:t>soccerGamesRegression</a:t>
             </a:r>
-            <a:endParaRPr lang="en-US" dirty="0"/>
-          </a:p>
-          <a:p>
-            <a:pPr lvl="1"/>
+            <a:endParaRPr lang="en-US" b="1" dirty="0"/>
+          </a:p>
+          <a:p>
+            <a:pPr marL="742950" lvl="1" indent="-285750">
+              <a:buClr>
+                <a:schemeClr val="accent1">
+                  <a:lumMod val="60000"/>
+                  <a:lumOff val="40000"/>
+                </a:schemeClr>
+              </a:buClr>
+              <a:buFont typeface="Arial" panose="020B0604020202020204" pitchFamily="34" charset="0"/>
+              <a:buChar char="►"/>
+            </a:pPr>
             <a:r>
               <a:rPr lang="en-US" dirty="0"/>
               <a:t>Returns </a:t>
@@ -16510,6 +16962,15 @@
             </a:r>
           </a:p>
           <a:p>
+            <a:pPr marL="285750" indent="-285750">
+              <a:buClr>
+                <a:schemeClr val="accent1">
+                  <a:lumMod val="75000"/>
+                </a:schemeClr>
+              </a:buClr>
+              <a:buFont typeface="Arial" panose="020B0604020202020204" pitchFamily="34" charset="0"/>
+              <a:buChar char="▌"/>
+            </a:pPr>
             <a:r>
               <a:rPr lang="en-US" dirty="0"/>
               <a:t>GET /</a:t>
@@ -16518,30 +16979,68 @@
               <a:rPr lang="en-US" dirty="0" err="1"/>
               <a:t>retrainClassification</a:t>
             </a:r>
-            <a:endParaRPr lang="en-US" dirty="0"/>
-          </a:p>
-          <a:p>
-            <a:pPr lvl="1"/>
+            <a:endParaRPr lang="en-US" b="1" dirty="0"/>
+          </a:p>
+          <a:p>
+            <a:pPr marL="742950" lvl="1" indent="-285750">
+              <a:buClr>
+                <a:schemeClr val="accent1">
+                  <a:lumMod val="60000"/>
+                  <a:lumOff val="40000"/>
+                </a:schemeClr>
+              </a:buClr>
+              <a:buFont typeface="Arial" panose="020B0604020202020204" pitchFamily="34" charset="0"/>
+              <a:buChar char="►"/>
+            </a:pPr>
             <a:r>
               <a:rPr lang="en-US" dirty="0"/>
               <a:t>Backend retrains a new classification model</a:t>
             </a:r>
-          </a:p>
-          <a:p>
-            <a:pPr lvl="1"/>
+            <a:endParaRPr lang="en-US" b="1" dirty="0"/>
+          </a:p>
+          <a:p>
+            <a:pPr marL="742950" lvl="1" indent="-285750">
+              <a:buClr>
+                <a:schemeClr val="accent1">
+                  <a:lumMod val="60000"/>
+                  <a:lumOff val="40000"/>
+                </a:schemeClr>
+              </a:buClr>
+              <a:buFont typeface="Arial" panose="020B0604020202020204" pitchFamily="34" charset="0"/>
+              <a:buChar char="►"/>
+            </a:pPr>
             <a:r>
               <a:rPr lang="en-US" dirty="0"/>
               <a:t>Backend reruns new model on whole database</a:t>
             </a:r>
-          </a:p>
-          <a:p>
-            <a:pPr lvl="1"/>
+            <a:endParaRPr lang="en-US" b="1" dirty="0"/>
+          </a:p>
+          <a:p>
+            <a:pPr marL="742950" lvl="1" indent="-285750">
+              <a:buClr>
+                <a:schemeClr val="accent1">
+                  <a:lumMod val="60000"/>
+                  <a:lumOff val="40000"/>
+                </a:schemeClr>
+              </a:buClr>
+              <a:buFont typeface="Arial" panose="020B0604020202020204" pitchFamily="34" charset="0"/>
+              <a:buChar char="►"/>
+            </a:pPr>
             <a:r>
               <a:rPr lang="en-US" dirty="0"/>
               <a:t>Returns “ok”</a:t>
             </a:r>
           </a:p>
           <a:p>
+            <a:pPr marL="285750" indent="-285750">
+              <a:buClr>
+                <a:schemeClr val="accent1">
+                  <a:lumMod val="75000"/>
+                </a:schemeClr>
+              </a:buClr>
+              <a:buFont typeface="Arial" panose="020B0604020202020204" pitchFamily="34" charset="0"/>
+              <a:buChar char="▌"/>
+            </a:pPr>
             <a:r>
               <a:rPr lang="en-US" dirty="0"/>
               <a:t>GET /</a:t>
@@ -16550,30 +17049,68 @@
               <a:rPr lang="en-US" dirty="0" err="1"/>
               <a:t>retrainRegression</a:t>
             </a:r>
-            <a:endParaRPr lang="en-US" dirty="0"/>
-          </a:p>
-          <a:p>
-            <a:pPr lvl="1"/>
+            <a:endParaRPr lang="en-US" b="1" dirty="0"/>
+          </a:p>
+          <a:p>
+            <a:pPr marL="742950" lvl="1" indent="-285750">
+              <a:buClr>
+                <a:schemeClr val="accent1">
+                  <a:lumMod val="60000"/>
+                  <a:lumOff val="40000"/>
+                </a:schemeClr>
+              </a:buClr>
+              <a:buFont typeface="Arial" panose="020B0604020202020204" pitchFamily="34" charset="0"/>
+              <a:buChar char="►"/>
+            </a:pPr>
             <a:r>
               <a:rPr lang="en-US" dirty="0"/>
-              <a:t>Backend retrains a new regression model</a:t>
-            </a:r>
-          </a:p>
-          <a:p>
-            <a:pPr lvl="1"/>
+              <a:t> Backend retrains a new regression model</a:t>
+            </a:r>
+            <a:endParaRPr lang="en-US" b="1" dirty="0"/>
+          </a:p>
+          <a:p>
+            <a:pPr marL="742950" lvl="1" indent="-285750">
+              <a:buClr>
+                <a:schemeClr val="accent1">
+                  <a:lumMod val="60000"/>
+                  <a:lumOff val="40000"/>
+                </a:schemeClr>
+              </a:buClr>
+              <a:buFont typeface="Arial" panose="020B0604020202020204" pitchFamily="34" charset="0"/>
+              <a:buChar char="►"/>
+            </a:pPr>
             <a:r>
               <a:rPr lang="en-US" dirty="0"/>
               <a:t>Backend reruns new model on whole database</a:t>
             </a:r>
-          </a:p>
-          <a:p>
-            <a:pPr lvl="1"/>
+            <a:endParaRPr lang="en-US" b="1" dirty="0"/>
+          </a:p>
+          <a:p>
+            <a:pPr marL="742950" lvl="1" indent="-285750">
+              <a:buClr>
+                <a:schemeClr val="accent1">
+                  <a:lumMod val="60000"/>
+                  <a:lumOff val="40000"/>
+                </a:schemeClr>
+              </a:buClr>
+              <a:buFont typeface="Arial" panose="020B0604020202020204" pitchFamily="34" charset="0"/>
+              <a:buChar char="►"/>
+            </a:pPr>
             <a:r>
               <a:rPr lang="en-US" dirty="0"/>
               <a:t>Returns “ok”</a:t>
             </a:r>
           </a:p>
           <a:p>
+            <a:pPr marL="285750" indent="-285750">
+              <a:buClr>
+                <a:schemeClr val="accent1">
+                  <a:lumMod val="75000"/>
+                </a:schemeClr>
+              </a:buClr>
+              <a:buFont typeface="Arial" panose="020B0604020202020204" pitchFamily="34" charset="0"/>
+              <a:buChar char="▌"/>
+            </a:pPr>
             <a:r>
               <a:rPr lang="en-US" dirty="0"/>
               <a:t>GET /</a:t>
@@ -16582,10 +17119,19 @@
               <a:rPr lang="en-US" dirty="0" err="1"/>
               <a:t>fetchNewMatches</a:t>
             </a:r>
-            <a:endParaRPr lang="en-US" dirty="0"/>
-          </a:p>
-          <a:p>
-            <a:pPr lvl="1"/>
+            <a:endParaRPr lang="en-US" b="1" dirty="0"/>
+          </a:p>
+          <a:p>
+            <a:pPr marL="742950" lvl="1" indent="-285750">
+              <a:buClr>
+                <a:schemeClr val="accent1">
+                  <a:lumMod val="60000"/>
+                  <a:lumOff val="40000"/>
+                </a:schemeClr>
+              </a:buClr>
+              <a:buFont typeface="Arial" panose="020B0604020202020204" pitchFamily="34" charset="0"/>
+              <a:buChar char="►"/>
+            </a:pPr>
             <a:r>
               <a:rPr lang="en-US" dirty="0"/>
               <a:t>Backend fetches new matches from </a:t>
@@ -16594,10 +17140,19 @@
               <a:rPr lang="en-US" dirty="0" err="1"/>
               <a:t>datasources</a:t>
             </a:r>
-            <a:endParaRPr lang="en-US" dirty="0"/>
-          </a:p>
-          <a:p>
-            <a:pPr lvl="1"/>
+            <a:endParaRPr lang="en-US" b="1" dirty="0"/>
+          </a:p>
+          <a:p>
+            <a:pPr marL="742950" lvl="1" indent="-285750">
+              <a:buClr>
+                <a:schemeClr val="accent1">
+                  <a:lumMod val="60000"/>
+                  <a:lumOff val="40000"/>
+                </a:schemeClr>
+              </a:buClr>
+              <a:buFont typeface="Arial" panose="020B0604020202020204" pitchFamily="34" charset="0"/>
+              <a:buChar char="►"/>
+            </a:pPr>
             <a:r>
               <a:rPr lang="en-US" dirty="0"/>
               <a:t>Returns “ok”</a:t>
@@ -16629,7 +17184,7 @@
           <a:p>
             <a:fld id="{D3B4A22E-EFB2-4269-B19E-F96688142D44}" type="datetime1">
               <a:rPr lang="de-DE" smtClean="0"/>
-              <a:t>08.07.2020</a:t>
+              <a:t>10.07.2020</a:t>
             </a:fld>
             <a:endParaRPr lang="de-DE"/>
           </a:p>
@@ -16820,7 +17375,7 @@
           <a:p>
             <a:fld id="{233C9EE0-8D39-4357-A047-B642434D37AC}" type="datetime1">
               <a:rPr lang="de-DE" smtClean="0"/>
-              <a:t>08.07.2020</a:t>
+              <a:t>10.07.2020</a:t>
             </a:fld>
             <a:endParaRPr lang="de-DE"/>
           </a:p>
@@ -17075,6 +17630,15 @@
             </a:lvl9pPr>
           </a:lstStyle>
           <a:p>
+            <a:pPr marL="285750" indent="-285750">
+              <a:buClr>
+                <a:schemeClr val="accent1">
+                  <a:lumMod val="75000"/>
+                </a:schemeClr>
+              </a:buClr>
+              <a:buFont typeface="Arial" panose="020B0604020202020204" pitchFamily="34" charset="0"/>
+              <a:buChar char="▌"/>
+            </a:pPr>
             <a:r>
               <a:rPr lang="en-US" dirty="0">
                 <a:cs typeface="Calibri"/>
@@ -17083,6 +17647,15 @@
             </a:r>
           </a:p>
           <a:p>
+            <a:pPr marL="285750" indent="-285750">
+              <a:buClr>
+                <a:schemeClr val="accent1">
+                  <a:lumMod val="75000"/>
+                </a:schemeClr>
+              </a:buClr>
+              <a:buFont typeface="Arial" panose="020B0604020202020204" pitchFamily="34" charset="0"/>
+              <a:buChar char="▌"/>
+            </a:pPr>
             <a:r>
               <a:rPr lang="en-US" dirty="0">
                 <a:cs typeface="Calibri"/>
@@ -17091,6 +17664,15 @@
             </a:r>
           </a:p>
           <a:p>
+            <a:pPr marL="285750" indent="-285750">
+              <a:buClr>
+                <a:schemeClr val="accent1">
+                  <a:lumMod val="75000"/>
+                </a:schemeClr>
+              </a:buClr>
+              <a:buFont typeface="Arial" panose="020B0604020202020204" pitchFamily="34" charset="0"/>
+              <a:buChar char="▌"/>
+            </a:pPr>
             <a:r>
               <a:rPr lang="en-US" dirty="0">
                 <a:cs typeface="Calibri"/>
@@ -17099,6 +17681,15 @@
             </a:r>
           </a:p>
           <a:p>
+            <a:pPr marL="285750" indent="-285750">
+              <a:buClr>
+                <a:schemeClr val="accent1">
+                  <a:lumMod val="75000"/>
+                </a:schemeClr>
+              </a:buClr>
+              <a:buFont typeface="Arial" panose="020B0604020202020204" pitchFamily="34" charset="0"/>
+              <a:buChar char="▌"/>
+            </a:pPr>
             <a:r>
               <a:rPr lang="en-US" dirty="0">
                 <a:cs typeface="Calibri"/>
@@ -17201,6 +17792,15 @@
           </a:bodyPr>
           <a:lstStyle/>
           <a:p>
+            <a:pPr marL="285750" indent="-285750">
+              <a:buClr>
+                <a:schemeClr val="accent1">
+                  <a:lumMod val="75000"/>
+                </a:schemeClr>
+              </a:buClr>
+              <a:buFont typeface="Arial" panose="020B0604020202020204" pitchFamily="34" charset="0"/>
+              <a:buChar char="▌"/>
+            </a:pPr>
             <a:r>
               <a:rPr lang="en-US" dirty="0">
                 <a:cs typeface="Calibri"/>
@@ -17209,6 +17809,15 @@
             </a:r>
           </a:p>
           <a:p>
+            <a:pPr marL="285750" indent="-285750">
+              <a:buClr>
+                <a:schemeClr val="accent1">
+                  <a:lumMod val="75000"/>
+                </a:schemeClr>
+              </a:buClr>
+              <a:buFont typeface="Arial" panose="020B0604020202020204" pitchFamily="34" charset="0"/>
+              <a:buChar char="▌"/>
+            </a:pPr>
             <a:r>
               <a:rPr lang="en-US" dirty="0">
                 <a:cs typeface="Calibri"/>
@@ -17217,6 +17826,15 @@
             </a:r>
           </a:p>
           <a:p>
+            <a:pPr marL="285750" indent="-285750">
+              <a:buClr>
+                <a:schemeClr val="accent1">
+                  <a:lumMod val="75000"/>
+                </a:schemeClr>
+              </a:buClr>
+              <a:buFont typeface="Arial" panose="020B0604020202020204" pitchFamily="34" charset="0"/>
+              <a:buChar char="▌"/>
+            </a:pPr>
             <a:r>
               <a:rPr lang="en-US" dirty="0">
                 <a:cs typeface="Calibri"/>
@@ -17225,6 +17843,15 @@
             </a:r>
           </a:p>
           <a:p>
+            <a:pPr marL="285750" indent="-285750">
+              <a:buClr>
+                <a:schemeClr val="accent1">
+                  <a:lumMod val="75000"/>
+                </a:schemeClr>
+              </a:buClr>
+              <a:buFont typeface="Arial" panose="020B0604020202020204" pitchFamily="34" charset="0"/>
+              <a:buChar char="▌"/>
+            </a:pPr>
             <a:r>
               <a:rPr lang="en-US" dirty="0">
                 <a:cs typeface="Calibri"/>
@@ -17233,6 +17860,15 @@
             </a:r>
           </a:p>
           <a:p>
+            <a:pPr marL="285750" indent="-285750">
+              <a:buClr>
+                <a:schemeClr val="accent1">
+                  <a:lumMod val="75000"/>
+                </a:schemeClr>
+              </a:buClr>
+              <a:buFont typeface="Arial" panose="020B0604020202020204" pitchFamily="34" charset="0"/>
+              <a:buChar char="▌"/>
+            </a:pPr>
             <a:r>
               <a:rPr lang="en-US" dirty="0">
                 <a:cs typeface="Calibri"/>
@@ -17285,7 +17921,7 @@
           <a:p>
             <a:fld id="{6D2DF944-3ADE-4B60-BC56-9F44F2858CA9}" type="datetime1">
               <a:rPr lang="de-DE" smtClean="0"/>
-              <a:t>08.07.2020</a:t>
+              <a:t>10.07.2020</a:t>
             </a:fld>
             <a:endParaRPr lang="de-DE"/>
           </a:p>
@@ -17432,6 +18068,15 @@
           </a:bodyPr>
           <a:lstStyle/>
           <a:p>
+            <a:pPr marL="285750" indent="-285750">
+              <a:buClr>
+                <a:schemeClr val="accent1">
+                  <a:lumMod val="75000"/>
+                </a:schemeClr>
+              </a:buClr>
+              <a:buFont typeface="Arial" panose="020B0604020202020204" pitchFamily="34" charset="0"/>
+              <a:buChar char="▌"/>
+            </a:pPr>
             <a:r>
               <a:rPr lang="en-US" dirty="0">
                 <a:cs typeface="Calibri"/>
@@ -17440,6 +18085,15 @@
             </a:r>
           </a:p>
           <a:p>
+            <a:pPr marL="285750" indent="-285750">
+              <a:buClr>
+                <a:schemeClr val="accent1">
+                  <a:lumMod val="75000"/>
+                </a:schemeClr>
+              </a:buClr>
+              <a:buFont typeface="Arial" panose="020B0604020202020204" pitchFamily="34" charset="0"/>
+              <a:buChar char="▌"/>
+            </a:pPr>
             <a:r>
               <a:rPr lang="en-US" dirty="0">
                 <a:cs typeface="Calibri"/>
@@ -17448,6 +18102,15 @@
             </a:r>
           </a:p>
           <a:p>
+            <a:pPr marL="285750" indent="-285750">
+              <a:buClr>
+                <a:schemeClr val="accent1">
+                  <a:lumMod val="75000"/>
+                </a:schemeClr>
+              </a:buClr>
+              <a:buFont typeface="Arial" panose="020B0604020202020204" pitchFamily="34" charset="0"/>
+              <a:buChar char="▌"/>
+            </a:pPr>
             <a:r>
               <a:rPr lang="en-US" dirty="0">
                 <a:cs typeface="Calibri"/>
@@ -17456,6 +18119,15 @@
             </a:r>
           </a:p>
           <a:p>
+            <a:pPr marL="285750" indent="-285750">
+              <a:buClr>
+                <a:schemeClr val="accent1">
+                  <a:lumMod val="75000"/>
+                </a:schemeClr>
+              </a:buClr>
+              <a:buFont typeface="Arial" panose="020B0604020202020204" pitchFamily="34" charset="0"/>
+              <a:buChar char="▌"/>
+            </a:pPr>
             <a:r>
               <a:rPr lang="en-US" dirty="0">
                 <a:cs typeface="Calibri"/>
@@ -17464,6 +18136,15 @@
             </a:r>
           </a:p>
           <a:p>
+            <a:pPr marL="285750" indent="-285750">
+              <a:buClr>
+                <a:schemeClr val="accent1">
+                  <a:lumMod val="75000"/>
+                </a:schemeClr>
+              </a:buClr>
+              <a:buFont typeface="Arial" panose="020B0604020202020204" pitchFamily="34" charset="0"/>
+              <a:buChar char="▌"/>
+            </a:pPr>
             <a:r>
               <a:rPr lang="en-US" dirty="0">
                 <a:cs typeface="Calibri"/>
@@ -17472,6 +18153,15 @@
             </a:r>
           </a:p>
           <a:p>
+            <a:pPr marL="285750" indent="-285750">
+              <a:buClr>
+                <a:schemeClr val="accent1">
+                  <a:lumMod val="75000"/>
+                </a:schemeClr>
+              </a:buClr>
+              <a:buFont typeface="Arial" panose="020B0604020202020204" pitchFamily="34" charset="0"/>
+              <a:buChar char="▌"/>
+            </a:pPr>
             <a:r>
               <a:rPr lang="en-US" dirty="0">
                 <a:cs typeface="Calibri"/>
@@ -17480,6 +18170,15 @@
             </a:r>
           </a:p>
           <a:p>
+            <a:pPr marL="285750" indent="-285750">
+              <a:buClr>
+                <a:schemeClr val="accent1">
+                  <a:lumMod val="75000"/>
+                </a:schemeClr>
+              </a:buClr>
+              <a:buFont typeface="Arial" panose="020B0604020202020204" pitchFamily="34" charset="0"/>
+              <a:buChar char="▌"/>
+            </a:pPr>
             <a:r>
               <a:rPr lang="en-US" dirty="0">
                 <a:cs typeface="Calibri"/>
@@ -17517,7 +18216,7 @@
           <a:p>
             <a:fld id="{5130B58D-2B6C-443E-B36A-2B519790863E}" type="datetime1">
               <a:rPr lang="de-DE" smtClean="0"/>
-              <a:t>08.07.2020</a:t>
+              <a:t>10.07.2020</a:t>
             </a:fld>
             <a:endParaRPr lang="de-DE"/>
           </a:p>
@@ -17727,7 +18426,7 @@
           <a:p>
             <a:fld id="{FC21E6BC-48F8-4776-9F64-24FB2EF6738F}" type="datetime1">
               <a:rPr lang="de-DE" smtClean="0"/>
-              <a:t>08.07.2020</a:t>
+              <a:t>10.07.2020</a:t>
             </a:fld>
             <a:endParaRPr lang="de-DE" dirty="0"/>
           </a:p>
@@ -17884,7 +18583,7 @@
         </p:blipFill>
         <p:spPr>
           <a:xfrm>
-            <a:off x="5029200" y="144218"/>
+            <a:off x="5029200" y="134791"/>
             <a:ext cx="5605126" cy="6212132"/>
           </a:xfrm>
         </p:spPr>
@@ -17912,7 +18611,7 @@
           <a:p>
             <a:fld id="{ABD4FFFE-BDA5-4C6D-818F-AC63415EF76E}" type="datetime1">
               <a:rPr lang="de-DE" smtClean="0"/>
-              <a:t>08.07.2020</a:t>
+              <a:t>10.07.2020</a:t>
             </a:fld>
             <a:endParaRPr lang="de-DE"/>
           </a:p>
@@ -18061,7 +18760,7 @@
           <a:p>
             <a:fld id="{2FD63A82-654A-43A1-BAA7-24963EF8A3A2}" type="datetime1">
               <a:rPr lang="de-DE" smtClean="0"/>
-              <a:t>08.07.2020</a:t>
+              <a:t>10.07.2020</a:t>
             </a:fld>
             <a:endParaRPr lang="de-DE"/>
           </a:p>
@@ -18295,7 +18994,7 @@
           <a:p>
             <a:fld id="{130A0F16-7F19-4F54-A379-46DDC64559F7}" type="datetime1">
               <a:rPr lang="de-DE" smtClean="0"/>
-              <a:t>08.07.2020</a:t>
+              <a:t>10.07.2020</a:t>
             </a:fld>
             <a:endParaRPr lang="de-DE"/>
           </a:p>
@@ -18541,7 +19240,7 @@
           <a:p>
             <a:fld id="{2D46D04C-DC23-4E80-BD61-66B3B72FB21B}" type="datetime1">
               <a:rPr lang="de-DE" smtClean="0"/>
-              <a:t>08.07.2020</a:t>
+              <a:t>10.07.2020</a:t>
             </a:fld>
             <a:endParaRPr lang="de-DE"/>
           </a:p>
@@ -18751,7 +19450,7 @@
           <a:p>
             <a:fld id="{3310BFC6-DDC1-4279-8EE1-4ECAD53CE75B}" type="datetime1">
               <a:rPr lang="de-DE" smtClean="0"/>
-              <a:t>08.07.2020</a:t>
+              <a:t>10.07.2020</a:t>
             </a:fld>
             <a:endParaRPr lang="de-DE"/>
           </a:p>
@@ -18961,7 +19660,7 @@
           <a:p>
             <a:fld id="{7655E4B9-D977-42D8-9C94-D401F46191AA}" type="datetime1">
               <a:rPr lang="de-DE" smtClean="0"/>
-              <a:t>08.07.2020</a:t>
+              <a:t>10.07.2020</a:t>
             </a:fld>
             <a:endParaRPr lang="de-DE"/>
           </a:p>

--- a/Daily/sprint9/Final_Presentation_Phase_I.pptx
+++ b/Daily/sprint9/Final_Presentation_Phase_I.pptx
@@ -12,8 +12,8 @@
     <p:sldId id="277" r:id="rId3"/>
     <p:sldId id="296" r:id="rId4"/>
     <p:sldId id="283" r:id="rId5"/>
-    <p:sldId id="286" r:id="rId6"/>
-    <p:sldId id="284" r:id="rId7"/>
+    <p:sldId id="284" r:id="rId6"/>
+    <p:sldId id="286" r:id="rId7"/>
     <p:sldId id="287" r:id="rId8"/>
     <p:sldId id="288" r:id="rId9"/>
     <p:sldId id="289" r:id="rId10"/>
@@ -143,14 +143,10 @@
           <p14:sldIdLst>
             <p14:sldId id="256"/>
             <p14:sldId id="277"/>
-          </p14:sldIdLst>
-        </p14:section>
-        <p14:section name="Predicting Soccer Games" id="{B1430087-9EC6-4535-B17C-9E2511C0332D}">
-          <p14:sldIdLst>
             <p14:sldId id="296"/>
             <p14:sldId id="283"/>
+            <p14:sldId id="284"/>
             <p14:sldId id="286"/>
-            <p14:sldId id="284"/>
             <p14:sldId id="287"/>
             <p14:sldId id="288"/>
             <p14:sldId id="289"/>
@@ -1332,7 +1328,7 @@
           <a:p>
             <a:fld id="{10D08ABD-147D-43D8-AD0E-C56070E2C69D}" type="slidenum">
               <a:rPr lang="de-DE" smtClean="0"/>
-              <a:t>‹#›</a:t>
+              <a:t>‹N°›</a:t>
             </a:fld>
             <a:endParaRPr lang="de-DE"/>
           </a:p>
@@ -1575,9 +1571,8 @@
           <a:p>
             <a:r>
               <a:rPr lang="de-DE" dirty="0"/>
-              <a:t>Lisa</a:t>
-            </a:r>
-            <a:endParaRPr lang="en-US" dirty="0"/>
+              <a:t>Khaled</a:t>
+            </a:r>
           </a:p>
         </p:txBody>
       </p:sp>
@@ -1598,7 +1593,7 @@
           <a:p>
             <a:fld id="{10D08ABD-147D-43D8-AD0E-C56070E2C69D}" type="slidenum">
               <a:rPr lang="de-DE" smtClean="0"/>
-              <a:t>11</a:t>
+              <a:t>10</a:t>
             </a:fld>
             <a:endParaRPr lang="de-DE"/>
           </a:p>
@@ -1607,7 +1602,7 @@
     </p:spTree>
     <p:extLst>
       <p:ext uri="{BB962C8B-B14F-4D97-AF65-F5344CB8AC3E}">
-        <p14:creationId xmlns:p14="http://schemas.microsoft.com/office/powerpoint/2010/main" val="3638360588"/>
+        <p14:creationId xmlns:p14="http://schemas.microsoft.com/office/powerpoint/2010/main" val="377713378"/>
       </p:ext>
     </p:extLst>
   </p:cSld>
@@ -1686,7 +1681,7 @@
           <a:p>
             <a:fld id="{10D08ABD-147D-43D8-AD0E-C56070E2C69D}" type="slidenum">
               <a:rPr lang="de-DE" smtClean="0"/>
-              <a:t>12</a:t>
+              <a:t>11</a:t>
             </a:fld>
             <a:endParaRPr lang="de-DE"/>
           </a:p>
@@ -1695,7 +1690,7 @@
     </p:spTree>
     <p:extLst>
       <p:ext uri="{BB962C8B-B14F-4D97-AF65-F5344CB8AC3E}">
-        <p14:creationId xmlns:p14="http://schemas.microsoft.com/office/powerpoint/2010/main" val="905350180"/>
+        <p14:creationId xmlns:p14="http://schemas.microsoft.com/office/powerpoint/2010/main" val="3638360588"/>
       </p:ext>
     </p:extLst>
   </p:cSld>
@@ -1774,7 +1769,7 @@
           <a:p>
             <a:fld id="{10D08ABD-147D-43D8-AD0E-C56070E2C69D}" type="slidenum">
               <a:rPr lang="de-DE" smtClean="0"/>
-              <a:t>13</a:t>
+              <a:t>12</a:t>
             </a:fld>
             <a:endParaRPr lang="de-DE"/>
           </a:p>
@@ -1783,7 +1778,7 @@
     </p:spTree>
     <p:extLst>
       <p:ext uri="{BB962C8B-B14F-4D97-AF65-F5344CB8AC3E}">
-        <p14:creationId xmlns:p14="http://schemas.microsoft.com/office/powerpoint/2010/main" val="492392227"/>
+        <p14:creationId xmlns:p14="http://schemas.microsoft.com/office/powerpoint/2010/main" val="905350180"/>
       </p:ext>
     </p:extLst>
   </p:cSld>
@@ -1839,8 +1834,9 @@
           <a:p>
             <a:r>
               <a:rPr lang="de-DE" dirty="0"/>
-              <a:t>Khaled</a:t>
-            </a:r>
+              <a:t>Lisa</a:t>
+            </a:r>
+            <a:endParaRPr lang="en-US" dirty="0"/>
           </a:p>
         </p:txBody>
       </p:sp>
@@ -1861,7 +1857,7 @@
           <a:p>
             <a:fld id="{10D08ABD-147D-43D8-AD0E-C56070E2C69D}" type="slidenum">
               <a:rPr lang="de-DE" smtClean="0"/>
-              <a:t>14</a:t>
+              <a:t>13</a:t>
             </a:fld>
             <a:endParaRPr lang="de-DE"/>
           </a:p>
@@ -1870,7 +1866,7 @@
     </p:spTree>
     <p:extLst>
       <p:ext uri="{BB962C8B-B14F-4D97-AF65-F5344CB8AC3E}">
-        <p14:creationId xmlns:p14="http://schemas.microsoft.com/office/powerpoint/2010/main" val="409149639"/>
+        <p14:creationId xmlns:p14="http://schemas.microsoft.com/office/powerpoint/2010/main" val="492392227"/>
       </p:ext>
     </p:extLst>
   </p:cSld>
@@ -1926,7 +1922,7 @@
           <a:p>
             <a:r>
               <a:rPr lang="de-DE" dirty="0"/>
-              <a:t>Khaled, Lisa</a:t>
+              <a:t>Khaled</a:t>
             </a:r>
           </a:p>
         </p:txBody>
@@ -1948,7 +1944,7 @@
           <a:p>
             <a:fld id="{10D08ABD-147D-43D8-AD0E-C56070E2C69D}" type="slidenum">
               <a:rPr lang="de-DE" smtClean="0"/>
-              <a:t>15</a:t>
+              <a:t>14</a:t>
             </a:fld>
             <a:endParaRPr lang="de-DE"/>
           </a:p>
@@ -1957,7 +1953,7 @@
     </p:spTree>
     <p:extLst>
       <p:ext uri="{BB962C8B-B14F-4D97-AF65-F5344CB8AC3E}">
-        <p14:creationId xmlns:p14="http://schemas.microsoft.com/office/powerpoint/2010/main" val="1016937863"/>
+        <p14:creationId xmlns:p14="http://schemas.microsoft.com/office/powerpoint/2010/main" val="409149639"/>
       </p:ext>
     </p:extLst>
   </p:cSld>
@@ -2013,7 +2009,7 @@
           <a:p>
             <a:r>
               <a:rPr lang="de-DE" dirty="0"/>
-              <a:t>Khaled</a:t>
+              <a:t>Khaled, Lisa</a:t>
             </a:r>
           </a:p>
         </p:txBody>
@@ -2035,7 +2031,7 @@
           <a:p>
             <a:fld id="{10D08ABD-147D-43D8-AD0E-C56070E2C69D}" type="slidenum">
               <a:rPr lang="de-DE" smtClean="0"/>
-              <a:t>16</a:t>
+              <a:t>15</a:t>
             </a:fld>
             <a:endParaRPr lang="de-DE"/>
           </a:p>
@@ -2044,7 +2040,7 @@
     </p:spTree>
     <p:extLst>
       <p:ext uri="{BB962C8B-B14F-4D97-AF65-F5344CB8AC3E}">
-        <p14:creationId xmlns:p14="http://schemas.microsoft.com/office/powerpoint/2010/main" val="1374875232"/>
+        <p14:creationId xmlns:p14="http://schemas.microsoft.com/office/powerpoint/2010/main" val="1016937863"/>
       </p:ext>
     </p:extLst>
   </p:cSld>
@@ -2073,7 +2069,7 @@
       </p:grpSpPr>
       <p:sp>
         <p:nvSpPr>
-          <p:cNvPr id="2" name="Slide Image Placeholder 1"/>
+          <p:cNvPr id="2" name="Folienbildplatzhalter 1"/>
           <p:cNvSpPr>
             <a:spLocks noGrp="1" noRot="1" noChangeAspect="1"/>
           </p:cNvSpPr>
@@ -2085,7 +2081,7 @@
       </p:sp>
       <p:sp>
         <p:nvSpPr>
-          <p:cNvPr id="3" name="Notes Placeholder 2"/>
+          <p:cNvPr id="3" name="Notizenplatzhalter 2"/>
           <p:cNvSpPr>
             <a:spLocks noGrp="1"/>
           </p:cNvSpPr>
@@ -2099,9 +2095,7 @@
           <a:lstStyle/>
           <a:p>
             <a:r>
-              <a:rPr lang="de-DE" dirty="0">
-                <a:cs typeface="Calibri"/>
-              </a:rPr>
+              <a:rPr lang="de-DE" dirty="0"/>
               <a:t>Khaled</a:t>
             </a:r>
           </a:p>
@@ -2109,7 +2103,7 @@
       </p:sp>
       <p:sp>
         <p:nvSpPr>
-          <p:cNvPr id="4" name="Slide Number Placeholder 3"/>
+          <p:cNvPr id="4" name="Foliennummernplatzhalter 3"/>
           <p:cNvSpPr>
             <a:spLocks noGrp="1"/>
           </p:cNvSpPr>
@@ -2124,7 +2118,7 @@
           <a:p>
             <a:fld id="{10D08ABD-147D-43D8-AD0E-C56070E2C69D}" type="slidenum">
               <a:rPr lang="de-DE" smtClean="0"/>
-              <a:t>17</a:t>
+              <a:t>16</a:t>
             </a:fld>
             <a:endParaRPr lang="de-DE"/>
           </a:p>
@@ -2133,7 +2127,7 @@
     </p:spTree>
     <p:extLst>
       <p:ext uri="{BB962C8B-B14F-4D97-AF65-F5344CB8AC3E}">
-        <p14:creationId xmlns:p14="http://schemas.microsoft.com/office/powerpoint/2010/main" val="845041203"/>
+        <p14:creationId xmlns:p14="http://schemas.microsoft.com/office/powerpoint/2010/main" val="1374875232"/>
       </p:ext>
     </p:extLst>
   </p:cSld>
@@ -2162,7 +2156,7 @@
       </p:grpSpPr>
       <p:sp>
         <p:nvSpPr>
-          <p:cNvPr id="2" name="Folienbildplatzhalter 1"/>
+          <p:cNvPr id="2" name="Slide Image Placeholder 1"/>
           <p:cNvSpPr>
             <a:spLocks noGrp="1" noRot="1" noChangeAspect="1"/>
           </p:cNvSpPr>
@@ -2174,7 +2168,7 @@
       </p:sp>
       <p:sp>
         <p:nvSpPr>
-          <p:cNvPr id="3" name="Notizenplatzhalter 2"/>
+          <p:cNvPr id="3" name="Notes Placeholder 2"/>
           <p:cNvSpPr>
             <a:spLocks noGrp="1"/>
           </p:cNvSpPr>
@@ -2188,16 +2182,17 @@
           <a:lstStyle/>
           <a:p>
             <a:r>
-              <a:rPr lang="de-DE" dirty="0"/>
-              <a:t>Lisa</a:t>
-            </a:r>
-            <a:endParaRPr lang="en-US" dirty="0"/>
-          </a:p>
-        </p:txBody>
-      </p:sp>
-      <p:sp>
-        <p:nvSpPr>
-          <p:cNvPr id="4" name="Foliennummernplatzhalter 3"/>
+              <a:rPr lang="de-DE" dirty="0">
+                <a:cs typeface="Calibri"/>
+              </a:rPr>
+              <a:t>Khaled</a:t>
+            </a:r>
+          </a:p>
+        </p:txBody>
+      </p:sp>
+      <p:sp>
+        <p:nvSpPr>
+          <p:cNvPr id="4" name="Slide Number Placeholder 3"/>
           <p:cNvSpPr>
             <a:spLocks noGrp="1"/>
           </p:cNvSpPr>
@@ -2212,7 +2207,7 @@
           <a:p>
             <a:fld id="{10D08ABD-147D-43D8-AD0E-C56070E2C69D}" type="slidenum">
               <a:rPr lang="de-DE" smtClean="0"/>
-              <a:t>18</a:t>
+              <a:t>17</a:t>
             </a:fld>
             <a:endParaRPr lang="de-DE"/>
           </a:p>
@@ -2221,7 +2216,7 @@
     </p:spTree>
     <p:extLst>
       <p:ext uri="{BB962C8B-B14F-4D97-AF65-F5344CB8AC3E}">
-        <p14:creationId xmlns:p14="http://schemas.microsoft.com/office/powerpoint/2010/main" val="3378882569"/>
+        <p14:creationId xmlns:p14="http://schemas.microsoft.com/office/powerpoint/2010/main" val="845041203"/>
       </p:ext>
     </p:extLst>
   </p:cSld>
@@ -2300,7 +2295,7 @@
           <a:p>
             <a:fld id="{10D08ABD-147D-43D8-AD0E-C56070E2C69D}" type="slidenum">
               <a:rPr lang="de-DE" smtClean="0"/>
-              <a:t>19</a:t>
+              <a:t>18</a:t>
             </a:fld>
             <a:endParaRPr lang="de-DE"/>
           </a:p>
@@ -2309,7 +2304,7 @@
     </p:spTree>
     <p:extLst>
       <p:ext uri="{BB962C8B-B14F-4D97-AF65-F5344CB8AC3E}">
-        <p14:creationId xmlns:p14="http://schemas.microsoft.com/office/powerpoint/2010/main" val="3492478579"/>
+        <p14:creationId xmlns:p14="http://schemas.microsoft.com/office/powerpoint/2010/main" val="3378882569"/>
       </p:ext>
     </p:extLst>
   </p:cSld>
@@ -2388,7 +2383,7 @@
           <a:p>
             <a:fld id="{10D08ABD-147D-43D8-AD0E-C56070E2C69D}" type="slidenum">
               <a:rPr lang="de-DE" smtClean="0"/>
-              <a:t>20</a:t>
+              <a:t>19</a:t>
             </a:fld>
             <a:endParaRPr lang="de-DE"/>
           </a:p>
@@ -2397,7 +2392,7 @@
     </p:spTree>
     <p:extLst>
       <p:ext uri="{BB962C8B-B14F-4D97-AF65-F5344CB8AC3E}">
-        <p14:creationId xmlns:p14="http://schemas.microsoft.com/office/powerpoint/2010/main" val="2916017031"/>
+        <p14:creationId xmlns:p14="http://schemas.microsoft.com/office/powerpoint/2010/main" val="3492478579"/>
       </p:ext>
     </p:extLst>
   </p:cSld>
@@ -2539,8 +2534,8 @@
           <a:lstStyle/>
           <a:p>
             <a:r>
-              <a:rPr lang="de-DE" dirty="0" err="1"/>
-              <a:t>Hemlata</a:t>
+              <a:rPr lang="de-DE" dirty="0"/>
+              <a:t>Lisa</a:t>
             </a:r>
             <a:endParaRPr lang="en-US" dirty="0"/>
           </a:p>
@@ -2563,7 +2558,7 @@
           <a:p>
             <a:fld id="{10D08ABD-147D-43D8-AD0E-C56070E2C69D}" type="slidenum">
               <a:rPr lang="de-DE" smtClean="0"/>
-              <a:t>21</a:t>
+              <a:t>20</a:t>
             </a:fld>
             <a:endParaRPr lang="de-DE"/>
           </a:p>
@@ -2572,7 +2567,7 @@
     </p:spTree>
     <p:extLst>
       <p:ext uri="{BB962C8B-B14F-4D97-AF65-F5344CB8AC3E}">
-        <p14:creationId xmlns:p14="http://schemas.microsoft.com/office/powerpoint/2010/main" val="2460814420"/>
+        <p14:creationId xmlns:p14="http://schemas.microsoft.com/office/powerpoint/2010/main" val="2916017031"/>
       </p:ext>
     </p:extLst>
   </p:cSld>
@@ -2651,7 +2646,7 @@
           <a:p>
             <a:fld id="{10D08ABD-147D-43D8-AD0E-C56070E2C69D}" type="slidenum">
               <a:rPr lang="de-DE" smtClean="0"/>
-              <a:t>22</a:t>
+              <a:t>21</a:t>
             </a:fld>
             <a:endParaRPr lang="de-DE"/>
           </a:p>
@@ -2660,7 +2655,7 @@
     </p:spTree>
     <p:extLst>
       <p:ext uri="{BB962C8B-B14F-4D97-AF65-F5344CB8AC3E}">
-        <p14:creationId xmlns:p14="http://schemas.microsoft.com/office/powerpoint/2010/main" val="72455073"/>
+        <p14:creationId xmlns:p14="http://schemas.microsoft.com/office/powerpoint/2010/main" val="2460814420"/>
       </p:ext>
     </p:extLst>
   </p:cSld>
@@ -2689,7 +2684,7 @@
       </p:grpSpPr>
       <p:sp>
         <p:nvSpPr>
-          <p:cNvPr id="2" name="Espace réservé de l'image des diapositives 1"/>
+          <p:cNvPr id="2" name="Folienbildplatzhalter 1"/>
           <p:cNvSpPr>
             <a:spLocks noGrp="1" noRot="1" noChangeAspect="1"/>
           </p:cNvSpPr>
@@ -2701,7 +2696,7 @@
       </p:sp>
       <p:sp>
         <p:nvSpPr>
-          <p:cNvPr id="3" name="Espace réservé des commentaires 2"/>
+          <p:cNvPr id="3" name="Notizenplatzhalter 2"/>
           <p:cNvSpPr>
             <a:spLocks noGrp="1"/>
           </p:cNvSpPr>
@@ -2715,7 +2710,7 @@
           <a:lstStyle/>
           <a:p>
             <a:r>
-              <a:rPr lang="en-US" dirty="0" err="1"/>
+              <a:rPr lang="de-DE" dirty="0" err="1"/>
               <a:t>Hemlata</a:t>
             </a:r>
             <a:endParaRPr lang="en-US" dirty="0"/>
@@ -2724,12 +2719,12 @@
       </p:sp>
       <p:sp>
         <p:nvSpPr>
-          <p:cNvPr id="4" name="Espace réservé du numéro de diapositive 3"/>
-          <p:cNvSpPr>
-            <a:spLocks noGrp="1"/>
-          </p:cNvSpPr>
-          <p:nvPr>
-            <p:ph type="sldNum" sz="quarter" idx="10"/>
+          <p:cNvPr id="4" name="Foliennummernplatzhalter 3"/>
+          <p:cNvSpPr>
+            <a:spLocks noGrp="1"/>
+          </p:cNvSpPr>
+          <p:nvPr>
+            <p:ph type="sldNum" sz="quarter" idx="5"/>
           </p:nvPr>
         </p:nvSpPr>
         <p:spPr/>
@@ -2739,7 +2734,7 @@
           <a:p>
             <a:fld id="{10D08ABD-147D-43D8-AD0E-C56070E2C69D}" type="slidenum">
               <a:rPr lang="de-DE" smtClean="0"/>
-              <a:t>23</a:t>
+              <a:t>22</a:t>
             </a:fld>
             <a:endParaRPr lang="de-DE"/>
           </a:p>
@@ -2748,7 +2743,7 @@
     </p:spTree>
     <p:extLst>
       <p:ext uri="{BB962C8B-B14F-4D97-AF65-F5344CB8AC3E}">
-        <p14:creationId xmlns:p14="http://schemas.microsoft.com/office/powerpoint/2010/main" val="4037023125"/>
+        <p14:creationId xmlns:p14="http://schemas.microsoft.com/office/powerpoint/2010/main" val="72455073"/>
       </p:ext>
     </p:extLst>
   </p:cSld>
@@ -2802,23 +2797,6 @@
           <a:bodyPr/>
           <a:lstStyle/>
           <a:p>
-            <a:pPr marL="0" marR="0" lvl="0" indent="0" algn="l" defTabSz="914400" rtl="0" eaLnBrk="1" fontAlgn="auto" latinLnBrk="0" hangingPunct="1">
-              <a:lnSpc>
-                <a:spcPct val="100000"/>
-              </a:lnSpc>
-              <a:spcBef>
-                <a:spcPts val="0"/>
-              </a:spcBef>
-              <a:spcAft>
-                <a:spcPts val="0"/>
-              </a:spcAft>
-              <a:buClrTx/>
-              <a:buSzTx/>
-              <a:buFontTx/>
-              <a:buNone/>
-              <a:tabLst/>
-              <a:defRPr/>
-            </a:pPr>
             <a:r>
               <a:rPr lang="en-US" dirty="0" err="1"/>
               <a:t>Hemlata</a:t>
@@ -2844,7 +2822,7 @@
           <a:p>
             <a:fld id="{10D08ABD-147D-43D8-AD0E-C56070E2C69D}" type="slidenum">
               <a:rPr lang="de-DE" smtClean="0"/>
-              <a:t>24</a:t>
+              <a:t>23</a:t>
             </a:fld>
             <a:endParaRPr lang="de-DE"/>
           </a:p>
@@ -2853,7 +2831,7 @@
     </p:spTree>
     <p:extLst>
       <p:ext uri="{BB962C8B-B14F-4D97-AF65-F5344CB8AC3E}">
-        <p14:creationId xmlns:p14="http://schemas.microsoft.com/office/powerpoint/2010/main" val="4071878624"/>
+        <p14:creationId xmlns:p14="http://schemas.microsoft.com/office/powerpoint/2010/main" val="4037023125"/>
       </p:ext>
     </p:extLst>
   </p:cSld>
@@ -2882,7 +2860,7 @@
       </p:grpSpPr>
       <p:sp>
         <p:nvSpPr>
-          <p:cNvPr id="2" name="Folienbildplatzhalter 1"/>
+          <p:cNvPr id="2" name="Espace réservé de l'image des diapositives 1"/>
           <p:cNvSpPr>
             <a:spLocks noGrp="1" noRot="1" noChangeAspect="1"/>
           </p:cNvSpPr>
@@ -2894,7 +2872,7 @@
       </p:sp>
       <p:sp>
         <p:nvSpPr>
-          <p:cNvPr id="3" name="Notizenplatzhalter 2"/>
+          <p:cNvPr id="3" name="Espace réservé des commentaires 2"/>
           <p:cNvSpPr>
             <a:spLocks noGrp="1"/>
           </p:cNvSpPr>
@@ -2907,9 +2885,26 @@
           <a:bodyPr/>
           <a:lstStyle/>
           <a:p>
-            <a:r>
-              <a:rPr lang="de-DE" dirty="0"/>
-              <a:t>Till</a:t>
+            <a:pPr marL="0" marR="0" lvl="0" indent="0" algn="l" defTabSz="914400" rtl="0" eaLnBrk="1" fontAlgn="auto" latinLnBrk="0" hangingPunct="1">
+              <a:lnSpc>
+                <a:spcPct val="100000"/>
+              </a:lnSpc>
+              <a:spcBef>
+                <a:spcPts val="0"/>
+              </a:spcBef>
+              <a:spcAft>
+                <a:spcPts val="0"/>
+              </a:spcAft>
+              <a:buClrTx/>
+              <a:buSzTx/>
+              <a:buFontTx/>
+              <a:buNone/>
+              <a:tabLst/>
+              <a:defRPr/>
+            </a:pPr>
+            <a:r>
+              <a:rPr lang="en-US" dirty="0" err="1"/>
+              <a:t>Hemlata</a:t>
             </a:r>
             <a:endParaRPr lang="en-US" dirty="0"/>
           </a:p>
@@ -2917,12 +2912,12 @@
       </p:sp>
       <p:sp>
         <p:nvSpPr>
-          <p:cNvPr id="4" name="Foliennummernplatzhalter 3"/>
-          <p:cNvSpPr>
-            <a:spLocks noGrp="1"/>
-          </p:cNvSpPr>
-          <p:nvPr>
-            <p:ph type="sldNum" sz="quarter" idx="5"/>
+          <p:cNvPr id="4" name="Espace réservé du numéro de diapositive 3"/>
+          <p:cNvSpPr>
+            <a:spLocks noGrp="1"/>
+          </p:cNvSpPr>
+          <p:nvPr>
+            <p:ph type="sldNum" sz="quarter" idx="10"/>
           </p:nvPr>
         </p:nvSpPr>
         <p:spPr/>
@@ -2932,7 +2927,7 @@
           <a:p>
             <a:fld id="{10D08ABD-147D-43D8-AD0E-C56070E2C69D}" type="slidenum">
               <a:rPr lang="de-DE" smtClean="0"/>
-              <a:t>25</a:t>
+              <a:t>24</a:t>
             </a:fld>
             <a:endParaRPr lang="de-DE"/>
           </a:p>
@@ -2941,7 +2936,7 @@
     </p:spTree>
     <p:extLst>
       <p:ext uri="{BB962C8B-B14F-4D97-AF65-F5344CB8AC3E}">
-        <p14:creationId xmlns:p14="http://schemas.microsoft.com/office/powerpoint/2010/main" val="228222005"/>
+        <p14:creationId xmlns:p14="http://schemas.microsoft.com/office/powerpoint/2010/main" val="4071878624"/>
       </p:ext>
     </p:extLst>
   </p:cSld>
@@ -2970,7 +2965,7 @@
       </p:grpSpPr>
       <p:sp>
         <p:nvSpPr>
-          <p:cNvPr id="2" name="Slide Image Placeholder 1"/>
+          <p:cNvPr id="2" name="Folienbildplatzhalter 1"/>
           <p:cNvSpPr>
             <a:spLocks noGrp="1" noRot="1" noChangeAspect="1"/>
           </p:cNvSpPr>
@@ -2982,7 +2977,7 @@
       </p:sp>
       <p:sp>
         <p:nvSpPr>
-          <p:cNvPr id="3" name="Notes Placeholder 2"/>
+          <p:cNvPr id="3" name="Notizenplatzhalter 2"/>
           <p:cNvSpPr>
             <a:spLocks noGrp="1"/>
           </p:cNvSpPr>
@@ -2996,16 +2991,16 @@
           <a:lstStyle/>
           <a:p>
             <a:r>
-              <a:rPr lang="en-US" dirty="0"/>
+              <a:rPr lang="de-DE" dirty="0"/>
               <a:t>Till</a:t>
             </a:r>
-            <a:endParaRPr lang="en-DE" dirty="0"/>
-          </a:p>
-        </p:txBody>
-      </p:sp>
-      <p:sp>
-        <p:nvSpPr>
-          <p:cNvPr id="4" name="Slide Number Placeholder 3"/>
+            <a:endParaRPr lang="en-US" dirty="0"/>
+          </a:p>
+        </p:txBody>
+      </p:sp>
+      <p:sp>
+        <p:nvSpPr>
+          <p:cNvPr id="4" name="Foliennummernplatzhalter 3"/>
           <p:cNvSpPr>
             <a:spLocks noGrp="1"/>
           </p:cNvSpPr>
@@ -3020,7 +3015,7 @@
           <a:p>
             <a:fld id="{10D08ABD-147D-43D8-AD0E-C56070E2C69D}" type="slidenum">
               <a:rPr lang="de-DE" smtClean="0"/>
-              <a:t>26</a:t>
+              <a:t>25</a:t>
             </a:fld>
             <a:endParaRPr lang="de-DE"/>
           </a:p>
@@ -3029,7 +3024,7 @@
     </p:spTree>
     <p:extLst>
       <p:ext uri="{BB962C8B-B14F-4D97-AF65-F5344CB8AC3E}">
-        <p14:creationId xmlns:p14="http://schemas.microsoft.com/office/powerpoint/2010/main" val="3466764427"/>
+        <p14:creationId xmlns:p14="http://schemas.microsoft.com/office/powerpoint/2010/main" val="228222005"/>
       </p:ext>
     </p:extLst>
   </p:cSld>
@@ -3087,7 +3082,7 @@
               <a:rPr lang="en-US" dirty="0"/>
               <a:t>Till</a:t>
             </a:r>
-            <a:endParaRPr lang="en-DE" dirty="0"/>
+            <a:endParaRPr lang="aa-ET" dirty="0"/>
           </a:p>
         </p:txBody>
       </p:sp>
@@ -3108,7 +3103,7 @@
           <a:p>
             <a:fld id="{10D08ABD-147D-43D8-AD0E-C56070E2C69D}" type="slidenum">
               <a:rPr lang="de-DE" smtClean="0"/>
-              <a:t>27</a:t>
+              <a:t>26</a:t>
             </a:fld>
             <a:endParaRPr lang="de-DE"/>
           </a:p>
@@ -3117,7 +3112,7 @@
     </p:spTree>
     <p:extLst>
       <p:ext uri="{BB962C8B-B14F-4D97-AF65-F5344CB8AC3E}">
-        <p14:creationId xmlns:p14="http://schemas.microsoft.com/office/powerpoint/2010/main" val="3313550029"/>
+        <p14:creationId xmlns:p14="http://schemas.microsoft.com/office/powerpoint/2010/main" val="3466764427"/>
       </p:ext>
     </p:extLst>
   </p:cSld>
@@ -3146,7 +3141,7 @@
       </p:grpSpPr>
       <p:sp>
         <p:nvSpPr>
-          <p:cNvPr id="2" name="Folienbildplatzhalter 1"/>
+          <p:cNvPr id="2" name="Slide Image Placeholder 1"/>
           <p:cNvSpPr>
             <a:spLocks noGrp="1" noRot="1" noChangeAspect="1"/>
           </p:cNvSpPr>
@@ -3158,7 +3153,7 @@
       </p:sp>
       <p:sp>
         <p:nvSpPr>
-          <p:cNvPr id="3" name="Notizenplatzhalter 2"/>
+          <p:cNvPr id="3" name="Notes Placeholder 2"/>
           <p:cNvSpPr>
             <a:spLocks noGrp="1"/>
           </p:cNvSpPr>
@@ -3172,258 +3167,16 @@
           <a:lstStyle/>
           <a:p>
             <a:r>
-              <a:rPr lang="de-DE" dirty="0"/>
+              <a:rPr lang="en-US" dirty="0"/>
               <a:t>Till</a:t>
             </a:r>
-          </a:p>
-          <a:p>
-            <a:pPr marL="171450" indent="-171450">
-              <a:buFontTx/>
-              <a:buChar char="-"/>
-            </a:pPr>
-            <a:r>
-              <a:rPr lang="de-DE" dirty="0" err="1"/>
-              <a:t>Scrum</a:t>
-            </a:r>
-            <a:r>
-              <a:rPr lang="de-DE" dirty="0"/>
-              <a:t> </a:t>
-            </a:r>
-            <a:r>
-              <a:rPr lang="de-DE" dirty="0" err="1"/>
-              <a:t>master</a:t>
-            </a:r>
-            <a:r>
-              <a:rPr lang="de-DE" dirty="0"/>
-              <a:t> was </a:t>
-            </a:r>
-            <a:r>
-              <a:rPr lang="de-DE" dirty="0" err="1"/>
-              <a:t>best</a:t>
-            </a:r>
-            <a:endParaRPr lang="de-DE" dirty="0"/>
-          </a:p>
-          <a:p>
-            <a:pPr marL="171450" indent="-171450">
-              <a:buFontTx/>
-              <a:buChar char="-"/>
-            </a:pPr>
-            <a:r>
-              <a:rPr lang="de-DE" dirty="0" err="1"/>
-              <a:t>Scrum</a:t>
-            </a:r>
-            <a:r>
-              <a:rPr lang="de-DE" dirty="0"/>
-              <a:t> </a:t>
-            </a:r>
-            <a:r>
-              <a:rPr lang="de-DE" dirty="0" err="1"/>
-              <a:t>is</a:t>
-            </a:r>
-            <a:r>
-              <a:rPr lang="de-DE" dirty="0"/>
-              <a:t> </a:t>
-            </a:r>
-            <a:r>
-              <a:rPr lang="de-DE" dirty="0" err="1"/>
-              <a:t>working</a:t>
-            </a:r>
-            <a:r>
-              <a:rPr lang="de-DE" dirty="0"/>
-              <a:t> </a:t>
-            </a:r>
-            <a:r>
-              <a:rPr lang="de-DE" dirty="0" err="1"/>
-              <a:t>fine</a:t>
-            </a:r>
-            <a:endParaRPr lang="de-DE" dirty="0"/>
-          </a:p>
-          <a:p>
-            <a:pPr marL="171450" indent="-171450">
-              <a:buFontTx/>
-              <a:buChar char="-"/>
-            </a:pPr>
-            <a:r>
-              <a:rPr lang="de-DE" dirty="0" err="1"/>
-              <a:t>Actual</a:t>
-            </a:r>
-            <a:r>
-              <a:rPr lang="de-DE" dirty="0"/>
-              <a:t> </a:t>
-            </a:r>
-            <a:r>
-              <a:rPr lang="de-DE" dirty="0" err="1"/>
-              <a:t>outcome</a:t>
-            </a:r>
-            <a:r>
-              <a:rPr lang="de-DE" dirty="0"/>
-              <a:t> </a:t>
-            </a:r>
-            <a:r>
-              <a:rPr lang="de-DE" dirty="0" err="1"/>
-              <a:t>is</a:t>
-            </a:r>
-            <a:r>
-              <a:rPr lang="de-DE" dirty="0"/>
-              <a:t> not </a:t>
-            </a:r>
-            <a:r>
-              <a:rPr lang="de-DE" dirty="0" err="1"/>
-              <a:t>bad</a:t>
-            </a:r>
-            <a:r>
-              <a:rPr lang="de-DE" dirty="0"/>
-              <a:t>, </a:t>
-            </a:r>
-            <a:r>
-              <a:rPr lang="de-DE" dirty="0" err="1"/>
-              <a:t>instead</a:t>
-            </a:r>
-            <a:r>
-              <a:rPr lang="de-DE" dirty="0"/>
-              <a:t> </a:t>
-            </a:r>
-            <a:r>
-              <a:rPr lang="de-DE" dirty="0" err="1"/>
-              <a:t>its</a:t>
-            </a:r>
-            <a:r>
-              <a:rPr lang="de-DE" dirty="0"/>
-              <a:t> </a:t>
-            </a:r>
-            <a:r>
-              <a:rPr lang="de-DE" dirty="0" err="1"/>
-              <a:t>pretty</a:t>
-            </a:r>
-            <a:r>
-              <a:rPr lang="de-DE" dirty="0"/>
-              <a:t> </a:t>
-            </a:r>
-            <a:r>
-              <a:rPr lang="de-DE" dirty="0" err="1"/>
-              <a:t>good</a:t>
-            </a:r>
-            <a:r>
-              <a:rPr lang="de-DE" dirty="0"/>
-              <a:t>. (As </a:t>
-            </a:r>
-            <a:r>
-              <a:rPr lang="de-DE" dirty="0" err="1"/>
-              <a:t>always</a:t>
-            </a:r>
-            <a:r>
-              <a:rPr lang="de-DE" dirty="0"/>
-              <a:t>, at </a:t>
-            </a:r>
-            <a:r>
-              <a:rPr lang="de-DE" dirty="0" err="1"/>
-              <a:t>the</a:t>
-            </a:r>
-            <a:r>
-              <a:rPr lang="de-DE" dirty="0"/>
-              <a:t> end </a:t>
-            </a:r>
-            <a:r>
-              <a:rPr lang="de-DE" dirty="0" err="1"/>
-              <a:t>the</a:t>
-            </a:r>
-            <a:r>
-              <a:rPr lang="de-DE" dirty="0"/>
-              <a:t> </a:t>
-            </a:r>
-            <a:r>
-              <a:rPr lang="de-DE" dirty="0" err="1"/>
-              <a:t>learning</a:t>
-            </a:r>
-            <a:r>
-              <a:rPr lang="de-DE" dirty="0"/>
-              <a:t> </a:t>
-            </a:r>
-            <a:r>
-              <a:rPr lang="de-DE" dirty="0" err="1"/>
-              <a:t>ratio</a:t>
-            </a:r>
-            <a:r>
-              <a:rPr lang="de-DE" dirty="0"/>
-              <a:t> </a:t>
-            </a:r>
-            <a:r>
-              <a:rPr lang="de-DE" dirty="0" err="1"/>
-              <a:t>increases</a:t>
-            </a:r>
-            <a:r>
-              <a:rPr lang="de-DE" dirty="0"/>
-              <a:t> </a:t>
-            </a:r>
-            <a:r>
-              <a:rPr lang="de-DE" dirty="0" err="1"/>
-              <a:t>trememdously</a:t>
-            </a:r>
-            <a:r>
-              <a:rPr lang="de-DE" dirty="0"/>
-              <a:t>)</a:t>
-            </a:r>
-          </a:p>
-          <a:p>
-            <a:pPr marL="171450" indent="-171450">
-              <a:buFontTx/>
-              <a:buChar char="-"/>
-            </a:pPr>
-            <a:r>
-              <a:rPr lang="de-DE" dirty="0"/>
-              <a:t>SOME OF US </a:t>
-            </a:r>
-            <a:r>
-              <a:rPr lang="de-DE" dirty="0" err="1"/>
-              <a:t>want</a:t>
-            </a:r>
-            <a:r>
-              <a:rPr lang="de-DE" dirty="0"/>
-              <a:t> </a:t>
-            </a:r>
-            <a:r>
-              <a:rPr lang="de-DE" dirty="0" err="1"/>
-              <a:t>to</a:t>
-            </a:r>
-            <a:r>
-              <a:rPr lang="de-DE" dirty="0"/>
-              <a:t> </a:t>
-            </a:r>
-            <a:r>
-              <a:rPr lang="de-DE" dirty="0" err="1"/>
-              <a:t>work</a:t>
-            </a:r>
-            <a:r>
-              <a:rPr lang="de-DE" dirty="0"/>
-              <a:t> </a:t>
-            </a:r>
-            <a:r>
-              <a:rPr lang="de-DE" dirty="0" err="1"/>
-              <a:t>further</a:t>
-            </a:r>
-            <a:r>
-              <a:rPr lang="de-DE" dirty="0"/>
-              <a:t> on </a:t>
-            </a:r>
-            <a:r>
-              <a:rPr lang="de-DE" dirty="0" err="1"/>
-              <a:t>the</a:t>
-            </a:r>
-            <a:r>
-              <a:rPr lang="de-DE" dirty="0"/>
-              <a:t> </a:t>
-            </a:r>
-            <a:r>
-              <a:rPr lang="de-DE" dirty="0" err="1"/>
-              <a:t>project</a:t>
-            </a:r>
-            <a:endParaRPr lang="de-DE" dirty="0"/>
-          </a:p>
-        </p:txBody>
-      </p:sp>
-      <p:sp>
-        <p:nvSpPr>
-          <p:cNvPr id="4" name="Foliennummernplatzhalter 3"/>
+            <a:endParaRPr lang="aa-ET" dirty="0"/>
+          </a:p>
+        </p:txBody>
+      </p:sp>
+      <p:sp>
+        <p:nvSpPr>
+          <p:cNvPr id="4" name="Slide Number Placeholder 3"/>
           <p:cNvSpPr>
             <a:spLocks noGrp="1"/>
           </p:cNvSpPr>
@@ -3438,7 +3191,7 @@
           <a:p>
             <a:fld id="{10D08ABD-147D-43D8-AD0E-C56070E2C69D}" type="slidenum">
               <a:rPr lang="de-DE" smtClean="0"/>
-              <a:t>28</a:t>
+              <a:t>27</a:t>
             </a:fld>
             <a:endParaRPr lang="de-DE"/>
           </a:p>
@@ -3447,7 +3200,7 @@
     </p:spTree>
     <p:extLst>
       <p:ext uri="{BB962C8B-B14F-4D97-AF65-F5344CB8AC3E}">
-        <p14:creationId xmlns:p14="http://schemas.microsoft.com/office/powerpoint/2010/main" val="3234012776"/>
+        <p14:creationId xmlns:p14="http://schemas.microsoft.com/office/powerpoint/2010/main" val="3313550029"/>
       </p:ext>
     </p:extLst>
   </p:cSld>
@@ -3506,6 +3259,249 @@
               <a:t>Till</a:t>
             </a:r>
           </a:p>
+          <a:p>
+            <a:pPr marL="171450" indent="-171450">
+              <a:buFontTx/>
+              <a:buChar char="-"/>
+            </a:pPr>
+            <a:r>
+              <a:rPr lang="de-DE" dirty="0" err="1"/>
+              <a:t>Scrum</a:t>
+            </a:r>
+            <a:r>
+              <a:rPr lang="de-DE" dirty="0"/>
+              <a:t> </a:t>
+            </a:r>
+            <a:r>
+              <a:rPr lang="de-DE" dirty="0" err="1"/>
+              <a:t>master</a:t>
+            </a:r>
+            <a:r>
+              <a:rPr lang="de-DE" dirty="0"/>
+              <a:t> was </a:t>
+            </a:r>
+            <a:r>
+              <a:rPr lang="de-DE" dirty="0" err="1"/>
+              <a:t>best</a:t>
+            </a:r>
+            <a:endParaRPr lang="de-DE" dirty="0"/>
+          </a:p>
+          <a:p>
+            <a:pPr marL="171450" indent="-171450">
+              <a:buFontTx/>
+              <a:buChar char="-"/>
+            </a:pPr>
+            <a:r>
+              <a:rPr lang="de-DE" dirty="0" err="1"/>
+              <a:t>Scrum</a:t>
+            </a:r>
+            <a:r>
+              <a:rPr lang="de-DE" dirty="0"/>
+              <a:t> </a:t>
+            </a:r>
+            <a:r>
+              <a:rPr lang="de-DE" dirty="0" err="1"/>
+              <a:t>is</a:t>
+            </a:r>
+            <a:r>
+              <a:rPr lang="de-DE" dirty="0"/>
+              <a:t> </a:t>
+            </a:r>
+            <a:r>
+              <a:rPr lang="de-DE" dirty="0" err="1"/>
+              <a:t>working</a:t>
+            </a:r>
+            <a:r>
+              <a:rPr lang="de-DE" dirty="0"/>
+              <a:t> </a:t>
+            </a:r>
+            <a:r>
+              <a:rPr lang="de-DE" dirty="0" err="1"/>
+              <a:t>fine</a:t>
+            </a:r>
+            <a:endParaRPr lang="de-DE" dirty="0"/>
+          </a:p>
+          <a:p>
+            <a:pPr marL="171450" indent="-171450">
+              <a:buFontTx/>
+              <a:buChar char="-"/>
+            </a:pPr>
+            <a:r>
+              <a:rPr lang="de-DE" dirty="0" err="1"/>
+              <a:t>Actual</a:t>
+            </a:r>
+            <a:r>
+              <a:rPr lang="de-DE" dirty="0"/>
+              <a:t> </a:t>
+            </a:r>
+            <a:r>
+              <a:rPr lang="de-DE" dirty="0" err="1"/>
+              <a:t>outcome</a:t>
+            </a:r>
+            <a:r>
+              <a:rPr lang="de-DE" dirty="0"/>
+              <a:t> </a:t>
+            </a:r>
+            <a:r>
+              <a:rPr lang="de-DE" dirty="0" err="1"/>
+              <a:t>is</a:t>
+            </a:r>
+            <a:r>
+              <a:rPr lang="de-DE" dirty="0"/>
+              <a:t> not </a:t>
+            </a:r>
+            <a:r>
+              <a:rPr lang="de-DE" dirty="0" err="1"/>
+              <a:t>bad</a:t>
+            </a:r>
+            <a:r>
+              <a:rPr lang="de-DE" dirty="0"/>
+              <a:t>, </a:t>
+            </a:r>
+            <a:r>
+              <a:rPr lang="de-DE" dirty="0" err="1"/>
+              <a:t>instead</a:t>
+            </a:r>
+            <a:r>
+              <a:rPr lang="de-DE" dirty="0"/>
+              <a:t> </a:t>
+            </a:r>
+            <a:r>
+              <a:rPr lang="de-DE" dirty="0" err="1"/>
+              <a:t>its</a:t>
+            </a:r>
+            <a:r>
+              <a:rPr lang="de-DE" dirty="0"/>
+              <a:t> </a:t>
+            </a:r>
+            <a:r>
+              <a:rPr lang="de-DE" dirty="0" err="1"/>
+              <a:t>pretty</a:t>
+            </a:r>
+            <a:r>
+              <a:rPr lang="de-DE" dirty="0"/>
+              <a:t> </a:t>
+            </a:r>
+            <a:r>
+              <a:rPr lang="de-DE" dirty="0" err="1"/>
+              <a:t>good</a:t>
+            </a:r>
+            <a:r>
+              <a:rPr lang="de-DE" dirty="0"/>
+              <a:t>. (As </a:t>
+            </a:r>
+            <a:r>
+              <a:rPr lang="de-DE" dirty="0" err="1"/>
+              <a:t>always</a:t>
+            </a:r>
+            <a:r>
+              <a:rPr lang="de-DE" dirty="0"/>
+              <a:t>, at </a:t>
+            </a:r>
+            <a:r>
+              <a:rPr lang="de-DE" dirty="0" err="1"/>
+              <a:t>the</a:t>
+            </a:r>
+            <a:r>
+              <a:rPr lang="de-DE" dirty="0"/>
+              <a:t> end </a:t>
+            </a:r>
+            <a:r>
+              <a:rPr lang="de-DE" dirty="0" err="1"/>
+              <a:t>the</a:t>
+            </a:r>
+            <a:r>
+              <a:rPr lang="de-DE" dirty="0"/>
+              <a:t> </a:t>
+            </a:r>
+            <a:r>
+              <a:rPr lang="de-DE" dirty="0" err="1"/>
+              <a:t>learning</a:t>
+            </a:r>
+            <a:r>
+              <a:rPr lang="de-DE" dirty="0"/>
+              <a:t> </a:t>
+            </a:r>
+            <a:r>
+              <a:rPr lang="de-DE" dirty="0" err="1"/>
+              <a:t>ratio</a:t>
+            </a:r>
+            <a:r>
+              <a:rPr lang="de-DE" dirty="0"/>
+              <a:t> </a:t>
+            </a:r>
+            <a:r>
+              <a:rPr lang="de-DE" dirty="0" err="1"/>
+              <a:t>increases</a:t>
+            </a:r>
+            <a:r>
+              <a:rPr lang="de-DE" dirty="0"/>
+              <a:t> </a:t>
+            </a:r>
+            <a:r>
+              <a:rPr lang="de-DE" dirty="0" err="1"/>
+              <a:t>trememdously</a:t>
+            </a:r>
+            <a:r>
+              <a:rPr lang="de-DE" dirty="0"/>
+              <a:t>)</a:t>
+            </a:r>
+          </a:p>
+          <a:p>
+            <a:pPr marL="171450" indent="-171450">
+              <a:buFontTx/>
+              <a:buChar char="-"/>
+            </a:pPr>
+            <a:r>
+              <a:rPr lang="de-DE" dirty="0"/>
+              <a:t>SOME OF US </a:t>
+            </a:r>
+            <a:r>
+              <a:rPr lang="de-DE" dirty="0" err="1"/>
+              <a:t>want</a:t>
+            </a:r>
+            <a:r>
+              <a:rPr lang="de-DE" dirty="0"/>
+              <a:t> </a:t>
+            </a:r>
+            <a:r>
+              <a:rPr lang="de-DE" dirty="0" err="1"/>
+              <a:t>to</a:t>
+            </a:r>
+            <a:r>
+              <a:rPr lang="de-DE" dirty="0"/>
+              <a:t> </a:t>
+            </a:r>
+            <a:r>
+              <a:rPr lang="de-DE" dirty="0" err="1"/>
+              <a:t>work</a:t>
+            </a:r>
+            <a:r>
+              <a:rPr lang="de-DE" dirty="0"/>
+              <a:t> </a:t>
+            </a:r>
+            <a:r>
+              <a:rPr lang="de-DE" dirty="0" err="1"/>
+              <a:t>further</a:t>
+            </a:r>
+            <a:r>
+              <a:rPr lang="de-DE" dirty="0"/>
+              <a:t> on </a:t>
+            </a:r>
+            <a:r>
+              <a:rPr lang="de-DE" dirty="0" err="1"/>
+              <a:t>the</a:t>
+            </a:r>
+            <a:r>
+              <a:rPr lang="de-DE" dirty="0"/>
+              <a:t> </a:t>
+            </a:r>
+            <a:r>
+              <a:rPr lang="de-DE" dirty="0" err="1"/>
+              <a:t>project</a:t>
+            </a:r>
+            <a:endParaRPr lang="de-DE" dirty="0"/>
+          </a:p>
         </p:txBody>
       </p:sp>
       <p:sp>
@@ -3525,7 +3521,7 @@
           <a:p>
             <a:fld id="{10D08ABD-147D-43D8-AD0E-C56070E2C69D}" type="slidenum">
               <a:rPr lang="de-DE" smtClean="0"/>
-              <a:t>29</a:t>
+              <a:t>28</a:t>
             </a:fld>
             <a:endParaRPr lang="de-DE"/>
           </a:p>
@@ -3534,7 +3530,7 @@
     </p:spTree>
     <p:extLst>
       <p:ext uri="{BB962C8B-B14F-4D97-AF65-F5344CB8AC3E}">
-        <p14:creationId xmlns:p14="http://schemas.microsoft.com/office/powerpoint/2010/main" val="923184506"/>
+        <p14:creationId xmlns:p14="http://schemas.microsoft.com/office/powerpoint/2010/main" val="3234012776"/>
       </p:ext>
     </p:extLst>
   </p:cSld>
@@ -3590,7 +3586,7 @@
           <a:p>
             <a:r>
               <a:rPr lang="de-DE" dirty="0"/>
-              <a:t>All</a:t>
+              <a:t>Till</a:t>
             </a:r>
           </a:p>
         </p:txBody>
@@ -3612,7 +3608,7 @@
           <a:p>
             <a:fld id="{10D08ABD-147D-43D8-AD0E-C56070E2C69D}" type="slidenum">
               <a:rPr lang="de-DE" smtClean="0"/>
-              <a:t>30</a:t>
+              <a:t>29</a:t>
             </a:fld>
             <a:endParaRPr lang="de-DE"/>
           </a:p>
@@ -3621,7 +3617,7 @@
     </p:spTree>
     <p:extLst>
       <p:ext uri="{BB962C8B-B14F-4D97-AF65-F5344CB8AC3E}">
-        <p14:creationId xmlns:p14="http://schemas.microsoft.com/office/powerpoint/2010/main" val="3239764954"/>
+        <p14:creationId xmlns:p14="http://schemas.microsoft.com/office/powerpoint/2010/main" val="923184506"/>
       </p:ext>
     </p:extLst>
   </p:cSld>
@@ -3650,7 +3646,7 @@
       </p:grpSpPr>
       <p:sp>
         <p:nvSpPr>
-          <p:cNvPr id="2" name="Folienbildplatzhalter 1"/>
+          <p:cNvPr id="2" name="Espace réservé de l'image des diapositives 1"/>
           <p:cNvSpPr>
             <a:spLocks noGrp="1" noRot="1" noChangeAspect="1"/>
           </p:cNvSpPr>
@@ -3662,7 +3658,7 @@
       </p:sp>
       <p:sp>
         <p:nvSpPr>
-          <p:cNvPr id="3" name="Notizenplatzhalter 2"/>
+          <p:cNvPr id="3" name="Espace réservé des commentaires 2"/>
           <p:cNvSpPr>
             <a:spLocks noGrp="1"/>
           </p:cNvSpPr>
@@ -3676,20 +3672,21 @@
           <a:lstStyle/>
           <a:p>
             <a:r>
-              <a:rPr lang="de-DE" dirty="0"/>
-              <a:t>Khaled</a:t>
-            </a:r>
-          </a:p>
-        </p:txBody>
-      </p:sp>
-      <p:sp>
-        <p:nvSpPr>
-          <p:cNvPr id="4" name="Foliennummernplatzhalter 3"/>
-          <p:cNvSpPr>
-            <a:spLocks noGrp="1"/>
-          </p:cNvSpPr>
-          <p:nvPr>
-            <p:ph type="sldNum" sz="quarter" idx="5"/>
+              <a:rPr lang="en-US" dirty="0" smtClean="0"/>
+              <a:t>Lisa</a:t>
+            </a:r>
+            <a:endParaRPr lang="en-US" dirty="0"/>
+          </a:p>
+        </p:txBody>
+      </p:sp>
+      <p:sp>
+        <p:nvSpPr>
+          <p:cNvPr id="4" name="Espace réservé du numéro de diapositive 3"/>
+          <p:cNvSpPr>
+            <a:spLocks noGrp="1"/>
+          </p:cNvSpPr>
+          <p:nvPr>
+            <p:ph type="sldNum" sz="quarter" idx="10"/>
           </p:nvPr>
         </p:nvSpPr>
         <p:spPr/>
@@ -3699,7 +3696,7 @@
           <a:p>
             <a:fld id="{10D08ABD-147D-43D8-AD0E-C56070E2C69D}" type="slidenum">
               <a:rPr lang="de-DE" smtClean="0"/>
-              <a:t>4</a:t>
+              <a:t>3</a:t>
             </a:fld>
             <a:endParaRPr lang="de-DE"/>
           </a:p>
@@ -3708,7 +3705,94 @@
     </p:spTree>
     <p:extLst>
       <p:ext uri="{BB962C8B-B14F-4D97-AF65-F5344CB8AC3E}">
-        <p14:creationId xmlns:p14="http://schemas.microsoft.com/office/powerpoint/2010/main" val="1712933737"/>
+        <p14:creationId xmlns:p14="http://schemas.microsoft.com/office/powerpoint/2010/main" val="73749541"/>
+      </p:ext>
+    </p:extLst>
+  </p:cSld>
+  <p:clrMapOvr>
+    <a:masterClrMapping/>
+  </p:clrMapOvr>
+</p:notes>
+</file>
+
+<file path=ppt/notesSlides/notesSlide30.xml><?xml version="1.0" encoding="utf-8"?>
+<p:notes xmlns:a="http://schemas.openxmlformats.org/drawingml/2006/main" xmlns:r="http://schemas.openxmlformats.org/officeDocument/2006/relationships" xmlns:p="http://schemas.openxmlformats.org/presentationml/2006/main">
+  <p:cSld>
+    <p:spTree>
+      <p:nvGrpSpPr>
+        <p:cNvPr id="1" name=""/>
+        <p:cNvGrpSpPr/>
+        <p:nvPr/>
+      </p:nvGrpSpPr>
+      <p:grpSpPr>
+        <a:xfrm>
+          <a:off x="0" y="0"/>
+          <a:ext cx="0" cy="0"/>
+          <a:chOff x="0" y="0"/>
+          <a:chExt cx="0" cy="0"/>
+        </a:xfrm>
+      </p:grpSpPr>
+      <p:sp>
+        <p:nvSpPr>
+          <p:cNvPr id="2" name="Folienbildplatzhalter 1"/>
+          <p:cNvSpPr>
+            <a:spLocks noGrp="1" noRot="1" noChangeAspect="1"/>
+          </p:cNvSpPr>
+          <p:nvPr>
+            <p:ph type="sldImg"/>
+          </p:nvPr>
+        </p:nvSpPr>
+        <p:spPr/>
+      </p:sp>
+      <p:sp>
+        <p:nvSpPr>
+          <p:cNvPr id="3" name="Notizenplatzhalter 2"/>
+          <p:cNvSpPr>
+            <a:spLocks noGrp="1"/>
+          </p:cNvSpPr>
+          <p:nvPr>
+            <p:ph type="body" idx="1"/>
+          </p:nvPr>
+        </p:nvSpPr>
+        <p:spPr/>
+        <p:txBody>
+          <a:bodyPr/>
+          <a:lstStyle/>
+          <a:p>
+            <a:r>
+              <a:rPr lang="de-DE" dirty="0"/>
+              <a:t>All</a:t>
+            </a:r>
+          </a:p>
+        </p:txBody>
+      </p:sp>
+      <p:sp>
+        <p:nvSpPr>
+          <p:cNvPr id="4" name="Foliennummernplatzhalter 3"/>
+          <p:cNvSpPr>
+            <a:spLocks noGrp="1"/>
+          </p:cNvSpPr>
+          <p:nvPr>
+            <p:ph type="sldNum" sz="quarter" idx="5"/>
+          </p:nvPr>
+        </p:nvSpPr>
+        <p:spPr/>
+        <p:txBody>
+          <a:bodyPr/>
+          <a:lstStyle/>
+          <a:p>
+            <a:fld id="{10D08ABD-147D-43D8-AD0E-C56070E2C69D}" type="slidenum">
+              <a:rPr lang="de-DE" smtClean="0"/>
+              <a:t>30</a:t>
+            </a:fld>
+            <a:endParaRPr lang="de-DE"/>
+          </a:p>
+        </p:txBody>
+      </p:sp>
+    </p:spTree>
+    <p:extLst>
+      <p:ext uri="{BB962C8B-B14F-4D97-AF65-F5344CB8AC3E}">
+        <p14:creationId xmlns:p14="http://schemas.microsoft.com/office/powerpoint/2010/main" val="3239764954"/>
       </p:ext>
     </p:extLst>
   </p:cSld>
@@ -3763,9 +3847,10 @@
           <a:lstStyle/>
           <a:p>
             <a:r>
-              <a:rPr lang="de-DE" dirty="0"/>
+              <a:rPr lang="de-DE" dirty="0" smtClean="0"/>
               <a:t>Khaled</a:t>
             </a:r>
+            <a:endParaRPr lang="de-DE" dirty="0"/>
           </a:p>
         </p:txBody>
       </p:sp>
@@ -3786,7 +3871,7 @@
           <a:p>
             <a:fld id="{10D08ABD-147D-43D8-AD0E-C56070E2C69D}" type="slidenum">
               <a:rPr lang="de-DE" smtClean="0"/>
-              <a:t>5</a:t>
+              <a:t>4</a:t>
             </a:fld>
             <a:endParaRPr lang="de-DE"/>
           </a:p>
@@ -3795,7 +3880,7 @@
     </p:spTree>
     <p:extLst>
       <p:ext uri="{BB962C8B-B14F-4D97-AF65-F5344CB8AC3E}">
-        <p14:creationId xmlns:p14="http://schemas.microsoft.com/office/powerpoint/2010/main" val="2031205997"/>
+        <p14:creationId xmlns:p14="http://schemas.microsoft.com/office/powerpoint/2010/main" val="1712933737"/>
       </p:ext>
     </p:extLst>
   </p:cSld>
@@ -3850,7 +3935,7 @@
           <a:lstStyle/>
           <a:p>
             <a:r>
-              <a:rPr lang="de-DE" dirty="0"/>
+              <a:rPr lang="de-DE" dirty="0" smtClean="0"/>
               <a:t>Khaled</a:t>
             </a:r>
           </a:p>
@@ -3873,7 +3958,7 @@
           <a:p>
             <a:fld id="{10D08ABD-147D-43D8-AD0E-C56070E2C69D}" type="slidenum">
               <a:rPr lang="de-DE" smtClean="0"/>
-              <a:t>6</a:t>
+              <a:t>5</a:t>
             </a:fld>
             <a:endParaRPr lang="de-DE"/>
           </a:p>
@@ -3937,7 +4022,7 @@
           <a:lstStyle/>
           <a:p>
             <a:r>
-              <a:rPr lang="de-DE" dirty="0"/>
+              <a:rPr lang="de-DE" dirty="0" smtClean="0"/>
               <a:t>Khaled</a:t>
             </a:r>
           </a:p>
@@ -3960,7 +4045,7 @@
           <a:p>
             <a:fld id="{10D08ABD-147D-43D8-AD0E-C56070E2C69D}" type="slidenum">
               <a:rPr lang="de-DE" smtClean="0"/>
-              <a:t>7</a:t>
+              <a:t>6</a:t>
             </a:fld>
             <a:endParaRPr lang="de-DE"/>
           </a:p>
@@ -3969,7 +4054,7 @@
     </p:spTree>
     <p:extLst>
       <p:ext uri="{BB962C8B-B14F-4D97-AF65-F5344CB8AC3E}">
-        <p14:creationId xmlns:p14="http://schemas.microsoft.com/office/powerpoint/2010/main" val="2726345927"/>
+        <p14:creationId xmlns:p14="http://schemas.microsoft.com/office/powerpoint/2010/main" val="2031205997"/>
       </p:ext>
     </p:extLst>
   </p:cSld>
@@ -4047,7 +4132,7 @@
           <a:p>
             <a:fld id="{10D08ABD-147D-43D8-AD0E-C56070E2C69D}" type="slidenum">
               <a:rPr lang="de-DE" smtClean="0"/>
-              <a:t>8</a:t>
+              <a:t>7</a:t>
             </a:fld>
             <a:endParaRPr lang="de-DE"/>
           </a:p>
@@ -4056,7 +4141,7 @@
     </p:spTree>
     <p:extLst>
       <p:ext uri="{BB962C8B-B14F-4D97-AF65-F5344CB8AC3E}">
-        <p14:creationId xmlns:p14="http://schemas.microsoft.com/office/powerpoint/2010/main" val="289808041"/>
+        <p14:creationId xmlns:p14="http://schemas.microsoft.com/office/powerpoint/2010/main" val="2726345927"/>
       </p:ext>
     </p:extLst>
   </p:cSld>
@@ -4134,7 +4219,7 @@
           <a:p>
             <a:fld id="{10D08ABD-147D-43D8-AD0E-C56070E2C69D}" type="slidenum">
               <a:rPr lang="de-DE" smtClean="0"/>
-              <a:t>9</a:t>
+              <a:t>8</a:t>
             </a:fld>
             <a:endParaRPr lang="de-DE"/>
           </a:p>
@@ -4143,7 +4228,7 @@
     </p:spTree>
     <p:extLst>
       <p:ext uri="{BB962C8B-B14F-4D97-AF65-F5344CB8AC3E}">
-        <p14:creationId xmlns:p14="http://schemas.microsoft.com/office/powerpoint/2010/main" val="3612216237"/>
+        <p14:creationId xmlns:p14="http://schemas.microsoft.com/office/powerpoint/2010/main" val="289808041"/>
       </p:ext>
     </p:extLst>
   </p:cSld>
@@ -4221,7 +4306,7 @@
           <a:p>
             <a:fld id="{10D08ABD-147D-43D8-AD0E-C56070E2C69D}" type="slidenum">
               <a:rPr lang="de-DE" smtClean="0"/>
-              <a:t>10</a:t>
+              <a:t>9</a:t>
             </a:fld>
             <a:endParaRPr lang="de-DE"/>
           </a:p>
@@ -4230,7 +4315,7 @@
     </p:spTree>
     <p:extLst>
       <p:ext uri="{BB962C8B-B14F-4D97-AF65-F5344CB8AC3E}">
-        <p14:creationId xmlns:p14="http://schemas.microsoft.com/office/powerpoint/2010/main" val="377713378"/>
+        <p14:creationId xmlns:p14="http://schemas.microsoft.com/office/powerpoint/2010/main" val="3612216237"/>
       </p:ext>
     </p:extLst>
   </p:cSld>
@@ -4262,7 +4347,7 @@
           <p:cNvPr id="2" name="Titel 1">
             <a:extLst>
               <a:ext uri="{FF2B5EF4-FFF2-40B4-BE49-F238E27FC236}">
-                <a16:creationId xmlns:a16="http://schemas.microsoft.com/office/drawing/2014/main" id="{701EABE2-81DB-4A57-87BD-BAC9B81DA953}"/>
+                <a16:creationId xmlns:a16="http://schemas.microsoft.com/office/drawing/2014/main" xmlns="" id="{701EABE2-81DB-4A57-87BD-BAC9B81DA953}"/>
               </a:ext>
             </a:extLst>
           </p:cNvPr>
@@ -4299,7 +4384,7 @@
           <p:cNvPr id="3" name="Untertitel 2">
             <a:extLst>
               <a:ext uri="{FF2B5EF4-FFF2-40B4-BE49-F238E27FC236}">
-                <a16:creationId xmlns:a16="http://schemas.microsoft.com/office/drawing/2014/main" id="{9E44B19B-9953-4462-B98C-34C559DFD4BA}"/>
+                <a16:creationId xmlns:a16="http://schemas.microsoft.com/office/drawing/2014/main" xmlns="" id="{9E44B19B-9953-4462-B98C-34C559DFD4BA}"/>
               </a:ext>
             </a:extLst>
           </p:cNvPr>
@@ -4369,7 +4454,7 @@
           <p:cNvPr id="4" name="Datumsplatzhalter 3">
             <a:extLst>
               <a:ext uri="{FF2B5EF4-FFF2-40B4-BE49-F238E27FC236}">
-                <a16:creationId xmlns:a16="http://schemas.microsoft.com/office/drawing/2014/main" id="{85282A0B-87AA-4F5C-9252-AB7E74ABF29B}"/>
+                <a16:creationId xmlns:a16="http://schemas.microsoft.com/office/drawing/2014/main" xmlns="" id="{85282A0B-87AA-4F5C-9252-AB7E74ABF29B}"/>
               </a:ext>
             </a:extLst>
           </p:cNvPr>
@@ -4398,7 +4483,7 @@
           <p:cNvPr id="5" name="Fußzeilenplatzhalter 4">
             <a:extLst>
               <a:ext uri="{FF2B5EF4-FFF2-40B4-BE49-F238E27FC236}">
-                <a16:creationId xmlns:a16="http://schemas.microsoft.com/office/drawing/2014/main" id="{CCE46F71-BCF6-41F3-8C17-381DF36140FE}"/>
+                <a16:creationId xmlns:a16="http://schemas.microsoft.com/office/drawing/2014/main" xmlns="" id="{CCE46F71-BCF6-41F3-8C17-381DF36140FE}"/>
               </a:ext>
             </a:extLst>
           </p:cNvPr>
@@ -4427,7 +4512,7 @@
           <p:cNvPr id="6" name="Foliennummernplatzhalter 5">
             <a:extLst>
               <a:ext uri="{FF2B5EF4-FFF2-40B4-BE49-F238E27FC236}">
-                <a16:creationId xmlns:a16="http://schemas.microsoft.com/office/drawing/2014/main" id="{DF41A37E-A33B-4798-9922-3B8B5AE5A27B}"/>
+                <a16:creationId xmlns:a16="http://schemas.microsoft.com/office/drawing/2014/main" xmlns="" id="{DF41A37E-A33B-4798-9922-3B8B5AE5A27B}"/>
               </a:ext>
             </a:extLst>
           </p:cNvPr>
@@ -4453,7 +4538,7 @@
           <a:p>
             <a:fld id="{9A48FC86-4651-46AF-9E4A-D3FC30E17613}" type="slidenum">
               <a:rPr lang="de-DE" smtClean="0"/>
-              <a:t>‹#›</a:t>
+              <a:t>‹N°›</a:t>
             </a:fld>
             <a:endParaRPr lang="de-DE"/>
           </a:p>
@@ -4494,7 +4579,7 @@
           <p:cNvPr id="2" name="Titel 1">
             <a:extLst>
               <a:ext uri="{FF2B5EF4-FFF2-40B4-BE49-F238E27FC236}">
-                <a16:creationId xmlns:a16="http://schemas.microsoft.com/office/drawing/2014/main" id="{FCE4A30D-3A8C-4B77-B82E-724CCF54EFD5}"/>
+                <a16:creationId xmlns:a16="http://schemas.microsoft.com/office/drawing/2014/main" xmlns="" id="{FCE4A30D-3A8C-4B77-B82E-724CCF54EFD5}"/>
               </a:ext>
             </a:extLst>
           </p:cNvPr>
@@ -4522,7 +4607,7 @@
           <p:cNvPr id="3" name="Vertikaler Textplatzhalter 2">
             <a:extLst>
               <a:ext uri="{FF2B5EF4-FFF2-40B4-BE49-F238E27FC236}">
-                <a16:creationId xmlns:a16="http://schemas.microsoft.com/office/drawing/2014/main" id="{D0312C4C-DD67-420D-AE80-FBF20CAD00FE}"/>
+                <a16:creationId xmlns:a16="http://schemas.microsoft.com/office/drawing/2014/main" xmlns="" id="{D0312C4C-DD67-420D-AE80-FBF20CAD00FE}"/>
               </a:ext>
             </a:extLst>
           </p:cNvPr>
@@ -4579,7 +4664,7 @@
           <p:cNvPr id="4" name="Datumsplatzhalter 3">
             <a:extLst>
               <a:ext uri="{FF2B5EF4-FFF2-40B4-BE49-F238E27FC236}">
-                <a16:creationId xmlns:a16="http://schemas.microsoft.com/office/drawing/2014/main" id="{752D94C2-424D-4096-8FAE-F12A3D4A5C7D}"/>
+                <a16:creationId xmlns:a16="http://schemas.microsoft.com/office/drawing/2014/main" xmlns="" id="{752D94C2-424D-4096-8FAE-F12A3D4A5C7D}"/>
               </a:ext>
             </a:extLst>
           </p:cNvPr>
@@ -4608,7 +4693,7 @@
           <p:cNvPr id="5" name="Fußzeilenplatzhalter 4">
             <a:extLst>
               <a:ext uri="{FF2B5EF4-FFF2-40B4-BE49-F238E27FC236}">
-                <a16:creationId xmlns:a16="http://schemas.microsoft.com/office/drawing/2014/main" id="{02BB29D6-C358-4D1F-90A7-5282C5CF3A2B}"/>
+                <a16:creationId xmlns:a16="http://schemas.microsoft.com/office/drawing/2014/main" xmlns="" id="{02BB29D6-C358-4D1F-90A7-5282C5CF3A2B}"/>
               </a:ext>
             </a:extLst>
           </p:cNvPr>
@@ -4636,7 +4721,7 @@
           <p:cNvPr id="6" name="Foliennummernplatzhalter 5">
             <a:extLst>
               <a:ext uri="{FF2B5EF4-FFF2-40B4-BE49-F238E27FC236}">
-                <a16:creationId xmlns:a16="http://schemas.microsoft.com/office/drawing/2014/main" id="{AE9CFC43-FC34-49A0-9C58-C1BA7EAB4CD1}"/>
+                <a16:creationId xmlns:a16="http://schemas.microsoft.com/office/drawing/2014/main" xmlns="" id="{AE9CFC43-FC34-49A0-9C58-C1BA7EAB4CD1}"/>
               </a:ext>
             </a:extLst>
           </p:cNvPr>
@@ -4662,7 +4747,7 @@
           <a:p>
             <a:fld id="{9A48FC86-4651-46AF-9E4A-D3FC30E17613}" type="slidenum">
               <a:rPr lang="de-DE" smtClean="0"/>
-              <a:t>‹#›</a:t>
+              <a:t>‹N°›</a:t>
             </a:fld>
             <a:endParaRPr lang="de-DE"/>
           </a:p>
@@ -4703,7 +4788,7 @@
           <p:cNvPr id="2" name="Vertikaler Titel 1">
             <a:extLst>
               <a:ext uri="{FF2B5EF4-FFF2-40B4-BE49-F238E27FC236}">
-                <a16:creationId xmlns:a16="http://schemas.microsoft.com/office/drawing/2014/main" id="{C6AE7126-CFA4-458D-B5F5-AA476ABB117D}"/>
+                <a16:creationId xmlns:a16="http://schemas.microsoft.com/office/drawing/2014/main" xmlns="" id="{C6AE7126-CFA4-458D-B5F5-AA476ABB117D}"/>
               </a:ext>
             </a:extLst>
           </p:cNvPr>
@@ -4736,7 +4821,7 @@
           <p:cNvPr id="3" name="Vertikaler Textplatzhalter 2">
             <a:extLst>
               <a:ext uri="{FF2B5EF4-FFF2-40B4-BE49-F238E27FC236}">
-                <a16:creationId xmlns:a16="http://schemas.microsoft.com/office/drawing/2014/main" id="{E4719945-B69E-4CB7-AF62-A8E248C097C4}"/>
+                <a16:creationId xmlns:a16="http://schemas.microsoft.com/office/drawing/2014/main" xmlns="" id="{E4719945-B69E-4CB7-AF62-A8E248C097C4}"/>
               </a:ext>
             </a:extLst>
           </p:cNvPr>
@@ -4798,7 +4883,7 @@
           <p:cNvPr id="4" name="Datumsplatzhalter 3">
             <a:extLst>
               <a:ext uri="{FF2B5EF4-FFF2-40B4-BE49-F238E27FC236}">
-                <a16:creationId xmlns:a16="http://schemas.microsoft.com/office/drawing/2014/main" id="{194C9456-1825-45D5-AFC8-7437C4E58D48}"/>
+                <a16:creationId xmlns:a16="http://schemas.microsoft.com/office/drawing/2014/main" xmlns="" id="{194C9456-1825-45D5-AFC8-7437C4E58D48}"/>
               </a:ext>
             </a:extLst>
           </p:cNvPr>
@@ -4827,7 +4912,7 @@
           <p:cNvPr id="5" name="Fußzeilenplatzhalter 4">
             <a:extLst>
               <a:ext uri="{FF2B5EF4-FFF2-40B4-BE49-F238E27FC236}">
-                <a16:creationId xmlns:a16="http://schemas.microsoft.com/office/drawing/2014/main" id="{0B1CC9B3-FE3E-4DC0-B71D-312C93D1814D}"/>
+                <a16:creationId xmlns:a16="http://schemas.microsoft.com/office/drawing/2014/main" xmlns="" id="{0B1CC9B3-FE3E-4DC0-B71D-312C93D1814D}"/>
               </a:ext>
             </a:extLst>
           </p:cNvPr>
@@ -4855,7 +4940,7 @@
           <p:cNvPr id="6" name="Foliennummernplatzhalter 5">
             <a:extLst>
               <a:ext uri="{FF2B5EF4-FFF2-40B4-BE49-F238E27FC236}">
-                <a16:creationId xmlns:a16="http://schemas.microsoft.com/office/drawing/2014/main" id="{41E050D8-C164-4E85-94F4-BA2B19D46D58}"/>
+                <a16:creationId xmlns:a16="http://schemas.microsoft.com/office/drawing/2014/main" xmlns="" id="{41E050D8-C164-4E85-94F4-BA2B19D46D58}"/>
               </a:ext>
             </a:extLst>
           </p:cNvPr>
@@ -4881,7 +4966,7 @@
           <a:p>
             <a:fld id="{9A48FC86-4651-46AF-9E4A-D3FC30E17613}" type="slidenum">
               <a:rPr lang="de-DE" smtClean="0"/>
-              <a:t>‹#›</a:t>
+              <a:t>‹N°›</a:t>
             </a:fld>
             <a:endParaRPr lang="de-DE"/>
           </a:p>
@@ -4922,7 +5007,7 @@
           <p:cNvPr id="2" name="Titel 1">
             <a:extLst>
               <a:ext uri="{FF2B5EF4-FFF2-40B4-BE49-F238E27FC236}">
-                <a16:creationId xmlns:a16="http://schemas.microsoft.com/office/drawing/2014/main" id="{C9100C2D-6625-4AF5-8937-424086BE0285}"/>
+                <a16:creationId xmlns:a16="http://schemas.microsoft.com/office/drawing/2014/main" xmlns="" id="{C9100C2D-6625-4AF5-8937-424086BE0285}"/>
               </a:ext>
             </a:extLst>
           </p:cNvPr>
@@ -4950,7 +5035,7 @@
           <p:cNvPr id="3" name="Inhaltsplatzhalter 2">
             <a:extLst>
               <a:ext uri="{FF2B5EF4-FFF2-40B4-BE49-F238E27FC236}">
-                <a16:creationId xmlns:a16="http://schemas.microsoft.com/office/drawing/2014/main" id="{38D1AAA1-BE3D-4A43-91C4-A2C3C6173375}"/>
+                <a16:creationId xmlns:a16="http://schemas.microsoft.com/office/drawing/2014/main" xmlns="" id="{38D1AAA1-BE3D-4A43-91C4-A2C3C6173375}"/>
               </a:ext>
             </a:extLst>
           </p:cNvPr>
@@ -5007,7 +5092,7 @@
           <p:cNvPr id="4" name="Datumsplatzhalter 3">
             <a:extLst>
               <a:ext uri="{FF2B5EF4-FFF2-40B4-BE49-F238E27FC236}">
-                <a16:creationId xmlns:a16="http://schemas.microsoft.com/office/drawing/2014/main" id="{48884C8B-06F5-44CC-B1D1-2A02463EC226}"/>
+                <a16:creationId xmlns:a16="http://schemas.microsoft.com/office/drawing/2014/main" xmlns="" id="{48884C8B-06F5-44CC-B1D1-2A02463EC226}"/>
               </a:ext>
             </a:extLst>
           </p:cNvPr>
@@ -5036,7 +5121,7 @@
           <p:cNvPr id="5" name="Fußzeilenplatzhalter 4">
             <a:extLst>
               <a:ext uri="{FF2B5EF4-FFF2-40B4-BE49-F238E27FC236}">
-                <a16:creationId xmlns:a16="http://schemas.microsoft.com/office/drawing/2014/main" id="{2EE480CA-0EC1-4AF7-9F30-F143FE83D99B}"/>
+                <a16:creationId xmlns:a16="http://schemas.microsoft.com/office/drawing/2014/main" xmlns="" id="{2EE480CA-0EC1-4AF7-9F30-F143FE83D99B}"/>
               </a:ext>
             </a:extLst>
           </p:cNvPr>
@@ -5064,7 +5149,7 @@
           <p:cNvPr id="6" name="Foliennummernplatzhalter 5">
             <a:extLst>
               <a:ext uri="{FF2B5EF4-FFF2-40B4-BE49-F238E27FC236}">
-                <a16:creationId xmlns:a16="http://schemas.microsoft.com/office/drawing/2014/main" id="{13337EC3-94DD-4B09-A484-F0141C1CB8B0}"/>
+                <a16:creationId xmlns:a16="http://schemas.microsoft.com/office/drawing/2014/main" xmlns="" id="{13337EC3-94DD-4B09-A484-F0141C1CB8B0}"/>
               </a:ext>
             </a:extLst>
           </p:cNvPr>
@@ -5090,7 +5175,7 @@
           <a:p>
             <a:fld id="{9A48FC86-4651-46AF-9E4A-D3FC30E17613}" type="slidenum">
               <a:rPr lang="de-DE" smtClean="0"/>
-              <a:t>‹#›</a:t>
+              <a:t>‹N°›</a:t>
             </a:fld>
             <a:endParaRPr lang="de-DE"/>
           </a:p>
@@ -5131,7 +5216,7 @@
           <p:cNvPr id="2" name="Titel 1">
             <a:extLst>
               <a:ext uri="{FF2B5EF4-FFF2-40B4-BE49-F238E27FC236}">
-                <a16:creationId xmlns:a16="http://schemas.microsoft.com/office/drawing/2014/main" id="{CBDD584A-A976-4556-9716-DA9197EACC6F}"/>
+                <a16:creationId xmlns:a16="http://schemas.microsoft.com/office/drawing/2014/main" xmlns="" id="{CBDD584A-A976-4556-9716-DA9197EACC6F}"/>
               </a:ext>
             </a:extLst>
           </p:cNvPr>
@@ -5168,7 +5253,7 @@
           <p:cNvPr id="3" name="Textplatzhalter 2">
             <a:extLst>
               <a:ext uri="{FF2B5EF4-FFF2-40B4-BE49-F238E27FC236}">
-                <a16:creationId xmlns:a16="http://schemas.microsoft.com/office/drawing/2014/main" id="{C713F004-8C3B-4899-9F30-C6CC20E50B36}"/>
+                <a16:creationId xmlns:a16="http://schemas.microsoft.com/office/drawing/2014/main" xmlns="" id="{C713F004-8C3B-4899-9F30-C6CC20E50B36}"/>
               </a:ext>
             </a:extLst>
           </p:cNvPr>
@@ -5293,7 +5378,7 @@
           <p:cNvPr id="4" name="Datumsplatzhalter 3">
             <a:extLst>
               <a:ext uri="{FF2B5EF4-FFF2-40B4-BE49-F238E27FC236}">
-                <a16:creationId xmlns:a16="http://schemas.microsoft.com/office/drawing/2014/main" id="{B300BECA-2226-430E-B31A-3A70D7FB0DD4}"/>
+                <a16:creationId xmlns:a16="http://schemas.microsoft.com/office/drawing/2014/main" xmlns="" id="{B300BECA-2226-430E-B31A-3A70D7FB0DD4}"/>
               </a:ext>
             </a:extLst>
           </p:cNvPr>
@@ -5322,7 +5407,7 @@
           <p:cNvPr id="5" name="Fußzeilenplatzhalter 4">
             <a:extLst>
               <a:ext uri="{FF2B5EF4-FFF2-40B4-BE49-F238E27FC236}">
-                <a16:creationId xmlns:a16="http://schemas.microsoft.com/office/drawing/2014/main" id="{9D2C0B24-C4C7-4E3E-A30D-AD2B22A8CAC5}"/>
+                <a16:creationId xmlns:a16="http://schemas.microsoft.com/office/drawing/2014/main" xmlns="" id="{9D2C0B24-C4C7-4E3E-A30D-AD2B22A8CAC5}"/>
               </a:ext>
             </a:extLst>
           </p:cNvPr>
@@ -5350,7 +5435,7 @@
           <p:cNvPr id="6" name="Foliennummernplatzhalter 5">
             <a:extLst>
               <a:ext uri="{FF2B5EF4-FFF2-40B4-BE49-F238E27FC236}">
-                <a16:creationId xmlns:a16="http://schemas.microsoft.com/office/drawing/2014/main" id="{15EF3485-89F1-47E8-AB99-914FE8775138}"/>
+                <a16:creationId xmlns:a16="http://schemas.microsoft.com/office/drawing/2014/main" xmlns="" id="{15EF3485-89F1-47E8-AB99-914FE8775138}"/>
               </a:ext>
             </a:extLst>
           </p:cNvPr>
@@ -5376,7 +5461,7 @@
           <a:p>
             <a:fld id="{9A48FC86-4651-46AF-9E4A-D3FC30E17613}" type="slidenum">
               <a:rPr lang="de-DE" smtClean="0"/>
-              <a:t>‹#›</a:t>
+              <a:t>‹N°›</a:t>
             </a:fld>
             <a:endParaRPr lang="de-DE"/>
           </a:p>
@@ -5417,7 +5502,7 @@
           <p:cNvPr id="2" name="Titel 1">
             <a:extLst>
               <a:ext uri="{FF2B5EF4-FFF2-40B4-BE49-F238E27FC236}">
-                <a16:creationId xmlns:a16="http://schemas.microsoft.com/office/drawing/2014/main" id="{6B45D284-4E4F-4976-80EC-400821F99BCF}"/>
+                <a16:creationId xmlns:a16="http://schemas.microsoft.com/office/drawing/2014/main" xmlns="" id="{6B45D284-4E4F-4976-80EC-400821F99BCF}"/>
               </a:ext>
             </a:extLst>
           </p:cNvPr>
@@ -5445,7 +5530,7 @@
           <p:cNvPr id="3" name="Inhaltsplatzhalter 2">
             <a:extLst>
               <a:ext uri="{FF2B5EF4-FFF2-40B4-BE49-F238E27FC236}">
-                <a16:creationId xmlns:a16="http://schemas.microsoft.com/office/drawing/2014/main" id="{61C980E4-B51F-4860-A848-EB6955BA36AF}"/>
+                <a16:creationId xmlns:a16="http://schemas.microsoft.com/office/drawing/2014/main" xmlns="" id="{61C980E4-B51F-4860-A848-EB6955BA36AF}"/>
               </a:ext>
             </a:extLst>
           </p:cNvPr>
@@ -5507,7 +5592,7 @@
           <p:cNvPr id="4" name="Inhaltsplatzhalter 3">
             <a:extLst>
               <a:ext uri="{FF2B5EF4-FFF2-40B4-BE49-F238E27FC236}">
-                <a16:creationId xmlns:a16="http://schemas.microsoft.com/office/drawing/2014/main" id="{8D7C296F-6044-4CF6-BBE5-CEA4560EEEB9}"/>
+                <a16:creationId xmlns:a16="http://schemas.microsoft.com/office/drawing/2014/main" xmlns="" id="{8D7C296F-6044-4CF6-BBE5-CEA4560EEEB9}"/>
               </a:ext>
             </a:extLst>
           </p:cNvPr>
@@ -5569,7 +5654,7 @@
           <p:cNvPr id="5" name="Datumsplatzhalter 4">
             <a:extLst>
               <a:ext uri="{FF2B5EF4-FFF2-40B4-BE49-F238E27FC236}">
-                <a16:creationId xmlns:a16="http://schemas.microsoft.com/office/drawing/2014/main" id="{F87A09FB-245D-407E-94D1-C81BBB221DC2}"/>
+                <a16:creationId xmlns:a16="http://schemas.microsoft.com/office/drawing/2014/main" xmlns="" id="{F87A09FB-245D-407E-94D1-C81BBB221DC2}"/>
               </a:ext>
             </a:extLst>
           </p:cNvPr>
@@ -5598,7 +5683,7 @@
           <p:cNvPr id="6" name="Fußzeilenplatzhalter 5">
             <a:extLst>
               <a:ext uri="{FF2B5EF4-FFF2-40B4-BE49-F238E27FC236}">
-                <a16:creationId xmlns:a16="http://schemas.microsoft.com/office/drawing/2014/main" id="{7713AD3F-FB16-4761-97DD-7D2895FBAF79}"/>
+                <a16:creationId xmlns:a16="http://schemas.microsoft.com/office/drawing/2014/main" xmlns="" id="{7713AD3F-FB16-4761-97DD-7D2895FBAF79}"/>
               </a:ext>
             </a:extLst>
           </p:cNvPr>
@@ -5626,7 +5711,7 @@
           <p:cNvPr id="7" name="Foliennummernplatzhalter 6">
             <a:extLst>
               <a:ext uri="{FF2B5EF4-FFF2-40B4-BE49-F238E27FC236}">
-                <a16:creationId xmlns:a16="http://schemas.microsoft.com/office/drawing/2014/main" id="{E08B0646-8FC5-4829-A454-55B654DBA3C4}"/>
+                <a16:creationId xmlns:a16="http://schemas.microsoft.com/office/drawing/2014/main" xmlns="" id="{E08B0646-8FC5-4829-A454-55B654DBA3C4}"/>
               </a:ext>
             </a:extLst>
           </p:cNvPr>
@@ -5652,7 +5737,7 @@
           <a:p>
             <a:fld id="{9A48FC86-4651-46AF-9E4A-D3FC30E17613}" type="slidenum">
               <a:rPr lang="de-DE" smtClean="0"/>
-              <a:t>‹#›</a:t>
+              <a:t>‹N°›</a:t>
             </a:fld>
             <a:endParaRPr lang="de-DE"/>
           </a:p>
@@ -5693,7 +5778,7 @@
           <p:cNvPr id="2" name="Titel 1">
             <a:extLst>
               <a:ext uri="{FF2B5EF4-FFF2-40B4-BE49-F238E27FC236}">
-                <a16:creationId xmlns:a16="http://schemas.microsoft.com/office/drawing/2014/main" id="{87FFCFA6-D29A-4DD6-8A93-5742D6DB0521}"/>
+                <a16:creationId xmlns:a16="http://schemas.microsoft.com/office/drawing/2014/main" xmlns="" id="{87FFCFA6-D29A-4DD6-8A93-5742D6DB0521}"/>
               </a:ext>
             </a:extLst>
           </p:cNvPr>
@@ -5726,7 +5811,7 @@
           <p:cNvPr id="3" name="Textplatzhalter 2">
             <a:extLst>
               <a:ext uri="{FF2B5EF4-FFF2-40B4-BE49-F238E27FC236}">
-                <a16:creationId xmlns:a16="http://schemas.microsoft.com/office/drawing/2014/main" id="{52A062D5-F9A3-40F3-940E-784410DB79B5}"/>
+                <a16:creationId xmlns:a16="http://schemas.microsoft.com/office/drawing/2014/main" xmlns="" id="{52A062D5-F9A3-40F3-940E-784410DB79B5}"/>
               </a:ext>
             </a:extLst>
           </p:cNvPr>
@@ -5797,7 +5882,7 @@
           <p:cNvPr id="4" name="Inhaltsplatzhalter 3">
             <a:extLst>
               <a:ext uri="{FF2B5EF4-FFF2-40B4-BE49-F238E27FC236}">
-                <a16:creationId xmlns:a16="http://schemas.microsoft.com/office/drawing/2014/main" id="{0F2C725F-CDA6-419C-9990-237B92011EB3}"/>
+                <a16:creationId xmlns:a16="http://schemas.microsoft.com/office/drawing/2014/main" xmlns="" id="{0F2C725F-CDA6-419C-9990-237B92011EB3}"/>
               </a:ext>
             </a:extLst>
           </p:cNvPr>
@@ -5859,7 +5944,7 @@
           <p:cNvPr id="5" name="Textplatzhalter 4">
             <a:extLst>
               <a:ext uri="{FF2B5EF4-FFF2-40B4-BE49-F238E27FC236}">
-                <a16:creationId xmlns:a16="http://schemas.microsoft.com/office/drawing/2014/main" id="{57D0AB86-7ACC-4F81-BA1E-EABC81375E4C}"/>
+                <a16:creationId xmlns:a16="http://schemas.microsoft.com/office/drawing/2014/main" xmlns="" id="{57D0AB86-7ACC-4F81-BA1E-EABC81375E4C}"/>
               </a:ext>
             </a:extLst>
           </p:cNvPr>
@@ -5930,7 +6015,7 @@
           <p:cNvPr id="6" name="Inhaltsplatzhalter 5">
             <a:extLst>
               <a:ext uri="{FF2B5EF4-FFF2-40B4-BE49-F238E27FC236}">
-                <a16:creationId xmlns:a16="http://schemas.microsoft.com/office/drawing/2014/main" id="{1A5FCBEC-2F64-4023-881F-8C2D77F12391}"/>
+                <a16:creationId xmlns:a16="http://schemas.microsoft.com/office/drawing/2014/main" xmlns="" id="{1A5FCBEC-2F64-4023-881F-8C2D77F12391}"/>
               </a:ext>
             </a:extLst>
           </p:cNvPr>
@@ -5992,7 +6077,7 @@
           <p:cNvPr id="7" name="Datumsplatzhalter 6">
             <a:extLst>
               <a:ext uri="{FF2B5EF4-FFF2-40B4-BE49-F238E27FC236}">
-                <a16:creationId xmlns:a16="http://schemas.microsoft.com/office/drawing/2014/main" id="{1B579458-8146-4585-8116-8815B1984C10}"/>
+                <a16:creationId xmlns:a16="http://schemas.microsoft.com/office/drawing/2014/main" xmlns="" id="{1B579458-8146-4585-8116-8815B1984C10}"/>
               </a:ext>
             </a:extLst>
           </p:cNvPr>
@@ -6021,7 +6106,7 @@
           <p:cNvPr id="8" name="Fußzeilenplatzhalter 7">
             <a:extLst>
               <a:ext uri="{FF2B5EF4-FFF2-40B4-BE49-F238E27FC236}">
-                <a16:creationId xmlns:a16="http://schemas.microsoft.com/office/drawing/2014/main" id="{B8FE971A-3252-4BEE-AE2A-ED9DD64D786C}"/>
+                <a16:creationId xmlns:a16="http://schemas.microsoft.com/office/drawing/2014/main" xmlns="" id="{B8FE971A-3252-4BEE-AE2A-ED9DD64D786C}"/>
               </a:ext>
             </a:extLst>
           </p:cNvPr>
@@ -6049,7 +6134,7 @@
           <p:cNvPr id="9" name="Foliennummernplatzhalter 8">
             <a:extLst>
               <a:ext uri="{FF2B5EF4-FFF2-40B4-BE49-F238E27FC236}">
-                <a16:creationId xmlns:a16="http://schemas.microsoft.com/office/drawing/2014/main" id="{224F811E-098E-42CD-BF79-561DBDB14DE9}"/>
+                <a16:creationId xmlns:a16="http://schemas.microsoft.com/office/drawing/2014/main" xmlns="" id="{224F811E-098E-42CD-BF79-561DBDB14DE9}"/>
               </a:ext>
             </a:extLst>
           </p:cNvPr>
@@ -6075,7 +6160,7 @@
           <a:p>
             <a:fld id="{9A48FC86-4651-46AF-9E4A-D3FC30E17613}" type="slidenum">
               <a:rPr lang="de-DE" smtClean="0"/>
-              <a:t>‹#›</a:t>
+              <a:t>‹N°›</a:t>
             </a:fld>
             <a:endParaRPr lang="de-DE"/>
           </a:p>
@@ -6116,7 +6201,7 @@
           <p:cNvPr id="2" name="Titel 1">
             <a:extLst>
               <a:ext uri="{FF2B5EF4-FFF2-40B4-BE49-F238E27FC236}">
-                <a16:creationId xmlns:a16="http://schemas.microsoft.com/office/drawing/2014/main" id="{466DE76C-FB01-463F-B2AD-A897695D3F41}"/>
+                <a16:creationId xmlns:a16="http://schemas.microsoft.com/office/drawing/2014/main" xmlns="" id="{466DE76C-FB01-463F-B2AD-A897695D3F41}"/>
               </a:ext>
             </a:extLst>
           </p:cNvPr>
@@ -6144,7 +6229,7 @@
           <p:cNvPr id="3" name="Datumsplatzhalter 2">
             <a:extLst>
               <a:ext uri="{FF2B5EF4-FFF2-40B4-BE49-F238E27FC236}">
-                <a16:creationId xmlns:a16="http://schemas.microsoft.com/office/drawing/2014/main" id="{6F7936C0-FCFE-4A57-9E63-31F514892227}"/>
+                <a16:creationId xmlns:a16="http://schemas.microsoft.com/office/drawing/2014/main" xmlns="" id="{6F7936C0-FCFE-4A57-9E63-31F514892227}"/>
               </a:ext>
             </a:extLst>
           </p:cNvPr>
@@ -6173,7 +6258,7 @@
           <p:cNvPr id="4" name="Fußzeilenplatzhalter 3">
             <a:extLst>
               <a:ext uri="{FF2B5EF4-FFF2-40B4-BE49-F238E27FC236}">
-                <a16:creationId xmlns:a16="http://schemas.microsoft.com/office/drawing/2014/main" id="{BF4C0BEA-1F74-43B8-B16A-0B93A98AF74A}"/>
+                <a16:creationId xmlns:a16="http://schemas.microsoft.com/office/drawing/2014/main" xmlns="" id="{BF4C0BEA-1F74-43B8-B16A-0B93A98AF74A}"/>
               </a:ext>
             </a:extLst>
           </p:cNvPr>
@@ -6201,7 +6286,7 @@
           <p:cNvPr id="5" name="Foliennummernplatzhalter 4">
             <a:extLst>
               <a:ext uri="{FF2B5EF4-FFF2-40B4-BE49-F238E27FC236}">
-                <a16:creationId xmlns:a16="http://schemas.microsoft.com/office/drawing/2014/main" id="{FDC612F2-A418-4792-A4B4-C0ABBAAB10A0}"/>
+                <a16:creationId xmlns:a16="http://schemas.microsoft.com/office/drawing/2014/main" xmlns="" id="{FDC612F2-A418-4792-A4B4-C0ABBAAB10A0}"/>
               </a:ext>
             </a:extLst>
           </p:cNvPr>
@@ -6227,7 +6312,7 @@
           <a:p>
             <a:fld id="{9A48FC86-4651-46AF-9E4A-D3FC30E17613}" type="slidenum">
               <a:rPr lang="de-DE" smtClean="0"/>
-              <a:t>‹#›</a:t>
+              <a:t>‹N°›</a:t>
             </a:fld>
             <a:endParaRPr lang="de-DE"/>
           </a:p>
@@ -6268,7 +6353,7 @@
           <p:cNvPr id="2" name="Datumsplatzhalter 1">
             <a:extLst>
               <a:ext uri="{FF2B5EF4-FFF2-40B4-BE49-F238E27FC236}">
-                <a16:creationId xmlns:a16="http://schemas.microsoft.com/office/drawing/2014/main" id="{F1A16BA6-C843-4946-87C4-F009F9659E53}"/>
+                <a16:creationId xmlns:a16="http://schemas.microsoft.com/office/drawing/2014/main" xmlns="" id="{F1A16BA6-C843-4946-87C4-F009F9659E53}"/>
               </a:ext>
             </a:extLst>
           </p:cNvPr>
@@ -6297,7 +6382,7 @@
           <p:cNvPr id="3" name="Fußzeilenplatzhalter 2">
             <a:extLst>
               <a:ext uri="{FF2B5EF4-FFF2-40B4-BE49-F238E27FC236}">
-                <a16:creationId xmlns:a16="http://schemas.microsoft.com/office/drawing/2014/main" id="{74AD0BED-584B-4312-BC56-F22A5A97A8EA}"/>
+                <a16:creationId xmlns:a16="http://schemas.microsoft.com/office/drawing/2014/main" xmlns="" id="{74AD0BED-584B-4312-BC56-F22A5A97A8EA}"/>
               </a:ext>
             </a:extLst>
           </p:cNvPr>
@@ -6325,7 +6410,7 @@
           <p:cNvPr id="4" name="Foliennummernplatzhalter 3">
             <a:extLst>
               <a:ext uri="{FF2B5EF4-FFF2-40B4-BE49-F238E27FC236}">
-                <a16:creationId xmlns:a16="http://schemas.microsoft.com/office/drawing/2014/main" id="{ECAC19A7-F328-409E-92C0-6618959AF8AB}"/>
+                <a16:creationId xmlns:a16="http://schemas.microsoft.com/office/drawing/2014/main" xmlns="" id="{ECAC19A7-F328-409E-92C0-6618959AF8AB}"/>
               </a:ext>
             </a:extLst>
           </p:cNvPr>
@@ -6351,7 +6436,7 @@
           <a:p>
             <a:fld id="{9A48FC86-4651-46AF-9E4A-D3FC30E17613}" type="slidenum">
               <a:rPr lang="de-DE" smtClean="0"/>
-              <a:t>‹#›</a:t>
+              <a:t>‹N°›</a:t>
             </a:fld>
             <a:endParaRPr lang="de-DE"/>
           </a:p>
@@ -6392,7 +6477,7 @@
           <p:cNvPr id="2" name="Titel 1">
             <a:extLst>
               <a:ext uri="{FF2B5EF4-FFF2-40B4-BE49-F238E27FC236}">
-                <a16:creationId xmlns:a16="http://schemas.microsoft.com/office/drawing/2014/main" id="{36B5D893-6A5A-4F5D-9559-23E40882374B}"/>
+                <a16:creationId xmlns:a16="http://schemas.microsoft.com/office/drawing/2014/main" xmlns="" id="{36B5D893-6A5A-4F5D-9559-23E40882374B}"/>
               </a:ext>
             </a:extLst>
           </p:cNvPr>
@@ -6429,7 +6514,7 @@
           <p:cNvPr id="3" name="Inhaltsplatzhalter 2">
             <a:extLst>
               <a:ext uri="{FF2B5EF4-FFF2-40B4-BE49-F238E27FC236}">
-                <a16:creationId xmlns:a16="http://schemas.microsoft.com/office/drawing/2014/main" id="{46211E4B-EF89-4D03-A97A-6EB546C0498D}"/>
+                <a16:creationId xmlns:a16="http://schemas.microsoft.com/office/drawing/2014/main" xmlns="" id="{46211E4B-EF89-4D03-A97A-6EB546C0498D}"/>
               </a:ext>
             </a:extLst>
           </p:cNvPr>
@@ -6519,7 +6604,7 @@
           <p:cNvPr id="4" name="Textplatzhalter 3">
             <a:extLst>
               <a:ext uri="{FF2B5EF4-FFF2-40B4-BE49-F238E27FC236}">
-                <a16:creationId xmlns:a16="http://schemas.microsoft.com/office/drawing/2014/main" id="{D4BEF54F-E067-4073-A803-29399235D78F}"/>
+                <a16:creationId xmlns:a16="http://schemas.microsoft.com/office/drawing/2014/main" xmlns="" id="{D4BEF54F-E067-4073-A803-29399235D78F}"/>
               </a:ext>
             </a:extLst>
           </p:cNvPr>
@@ -6590,7 +6675,7 @@
           <p:cNvPr id="5" name="Datumsplatzhalter 4">
             <a:extLst>
               <a:ext uri="{FF2B5EF4-FFF2-40B4-BE49-F238E27FC236}">
-                <a16:creationId xmlns:a16="http://schemas.microsoft.com/office/drawing/2014/main" id="{FF25F891-DBFE-4A5B-99B6-66F48C54174B}"/>
+                <a16:creationId xmlns:a16="http://schemas.microsoft.com/office/drawing/2014/main" xmlns="" id="{FF25F891-DBFE-4A5B-99B6-66F48C54174B}"/>
               </a:ext>
             </a:extLst>
           </p:cNvPr>
@@ -6619,7 +6704,7 @@
           <p:cNvPr id="6" name="Fußzeilenplatzhalter 5">
             <a:extLst>
               <a:ext uri="{FF2B5EF4-FFF2-40B4-BE49-F238E27FC236}">
-                <a16:creationId xmlns:a16="http://schemas.microsoft.com/office/drawing/2014/main" id="{C508CE39-F26E-4C31-84CD-D89EC83686D4}"/>
+                <a16:creationId xmlns:a16="http://schemas.microsoft.com/office/drawing/2014/main" xmlns="" id="{C508CE39-F26E-4C31-84CD-D89EC83686D4}"/>
               </a:ext>
             </a:extLst>
           </p:cNvPr>
@@ -6647,7 +6732,7 @@
           <p:cNvPr id="7" name="Foliennummernplatzhalter 6">
             <a:extLst>
               <a:ext uri="{FF2B5EF4-FFF2-40B4-BE49-F238E27FC236}">
-                <a16:creationId xmlns:a16="http://schemas.microsoft.com/office/drawing/2014/main" id="{5E1B48FE-614D-4BF1-8C39-73558F055C10}"/>
+                <a16:creationId xmlns:a16="http://schemas.microsoft.com/office/drawing/2014/main" xmlns="" id="{5E1B48FE-614D-4BF1-8C39-73558F055C10}"/>
               </a:ext>
             </a:extLst>
           </p:cNvPr>
@@ -6673,7 +6758,7 @@
           <a:p>
             <a:fld id="{9A48FC86-4651-46AF-9E4A-D3FC30E17613}" type="slidenum">
               <a:rPr lang="de-DE" smtClean="0"/>
-              <a:t>‹#›</a:t>
+              <a:t>‹N°›</a:t>
             </a:fld>
             <a:endParaRPr lang="de-DE"/>
           </a:p>
@@ -6714,7 +6799,7 @@
           <p:cNvPr id="2" name="Titel 1">
             <a:extLst>
               <a:ext uri="{FF2B5EF4-FFF2-40B4-BE49-F238E27FC236}">
-                <a16:creationId xmlns:a16="http://schemas.microsoft.com/office/drawing/2014/main" id="{F9563009-E30B-45AC-BDD7-44EA72F78222}"/>
+                <a16:creationId xmlns:a16="http://schemas.microsoft.com/office/drawing/2014/main" xmlns="" id="{F9563009-E30B-45AC-BDD7-44EA72F78222}"/>
               </a:ext>
             </a:extLst>
           </p:cNvPr>
@@ -6751,7 +6836,7 @@
           <p:cNvPr id="3" name="Bildplatzhalter 2">
             <a:extLst>
               <a:ext uri="{FF2B5EF4-FFF2-40B4-BE49-F238E27FC236}">
-                <a16:creationId xmlns:a16="http://schemas.microsoft.com/office/drawing/2014/main" id="{11F2FF9F-8E72-4929-BF76-ED1330B5F674}"/>
+                <a16:creationId xmlns:a16="http://schemas.microsoft.com/office/drawing/2014/main" xmlns="" id="{11F2FF9F-8E72-4929-BF76-ED1330B5F674}"/>
               </a:ext>
             </a:extLst>
           </p:cNvPr>
@@ -6818,7 +6903,7 @@
           <p:cNvPr id="4" name="Textplatzhalter 3">
             <a:extLst>
               <a:ext uri="{FF2B5EF4-FFF2-40B4-BE49-F238E27FC236}">
-                <a16:creationId xmlns:a16="http://schemas.microsoft.com/office/drawing/2014/main" id="{4A21AA90-B6A3-4F03-A71E-8D4EFEBB4E8A}"/>
+                <a16:creationId xmlns:a16="http://schemas.microsoft.com/office/drawing/2014/main" xmlns="" id="{4A21AA90-B6A3-4F03-A71E-8D4EFEBB4E8A}"/>
               </a:ext>
             </a:extLst>
           </p:cNvPr>
@@ -6889,7 +6974,7 @@
           <p:cNvPr id="5" name="Datumsplatzhalter 4">
             <a:extLst>
               <a:ext uri="{FF2B5EF4-FFF2-40B4-BE49-F238E27FC236}">
-                <a16:creationId xmlns:a16="http://schemas.microsoft.com/office/drawing/2014/main" id="{B9A970BA-F10E-430D-9B5F-218F0B6AAD68}"/>
+                <a16:creationId xmlns:a16="http://schemas.microsoft.com/office/drawing/2014/main" xmlns="" id="{B9A970BA-F10E-430D-9B5F-218F0B6AAD68}"/>
               </a:ext>
             </a:extLst>
           </p:cNvPr>
@@ -6918,7 +7003,7 @@
           <p:cNvPr id="6" name="Fußzeilenplatzhalter 5">
             <a:extLst>
               <a:ext uri="{FF2B5EF4-FFF2-40B4-BE49-F238E27FC236}">
-                <a16:creationId xmlns:a16="http://schemas.microsoft.com/office/drawing/2014/main" id="{A141BF1C-61CE-44FF-8ABE-F08D6373AD97}"/>
+                <a16:creationId xmlns:a16="http://schemas.microsoft.com/office/drawing/2014/main" xmlns="" id="{A141BF1C-61CE-44FF-8ABE-F08D6373AD97}"/>
               </a:ext>
             </a:extLst>
           </p:cNvPr>
@@ -6946,7 +7031,7 @@
           <p:cNvPr id="7" name="Foliennummernplatzhalter 6">
             <a:extLst>
               <a:ext uri="{FF2B5EF4-FFF2-40B4-BE49-F238E27FC236}">
-                <a16:creationId xmlns:a16="http://schemas.microsoft.com/office/drawing/2014/main" id="{E76983E8-6FBA-42E6-85DE-B77806E23CA0}"/>
+                <a16:creationId xmlns:a16="http://schemas.microsoft.com/office/drawing/2014/main" xmlns="" id="{E76983E8-6FBA-42E6-85DE-B77806E23CA0}"/>
               </a:ext>
             </a:extLst>
           </p:cNvPr>
@@ -6972,7 +7057,7 @@
           <a:p>
             <a:fld id="{9A48FC86-4651-46AF-9E4A-D3FC30E17613}" type="slidenum">
               <a:rPr lang="de-DE" smtClean="0"/>
-              <a:t>‹#›</a:t>
+              <a:t>‹N°›</a:t>
             </a:fld>
             <a:endParaRPr lang="de-DE"/>
           </a:p>
@@ -7018,7 +7103,7 @@
           <p:cNvPr id="2" name="Titelplatzhalter 1">
             <a:extLst>
               <a:ext uri="{FF2B5EF4-FFF2-40B4-BE49-F238E27FC236}">
-                <a16:creationId xmlns:a16="http://schemas.microsoft.com/office/drawing/2014/main" id="{F1B54F3D-85D6-4E2A-A184-2AD8788616C7}"/>
+                <a16:creationId xmlns:a16="http://schemas.microsoft.com/office/drawing/2014/main" xmlns="" id="{F1B54F3D-85D6-4E2A-A184-2AD8788616C7}"/>
               </a:ext>
             </a:extLst>
           </p:cNvPr>
@@ -7056,7 +7141,7 @@
           <p:cNvPr id="3" name="Textplatzhalter 2">
             <a:extLst>
               <a:ext uri="{FF2B5EF4-FFF2-40B4-BE49-F238E27FC236}">
-                <a16:creationId xmlns:a16="http://schemas.microsoft.com/office/drawing/2014/main" id="{62C62B55-DAE8-4571-9836-D8A9517A6717}"/>
+                <a16:creationId xmlns:a16="http://schemas.microsoft.com/office/drawing/2014/main" xmlns="" id="{62C62B55-DAE8-4571-9836-D8A9517A6717}"/>
               </a:ext>
             </a:extLst>
           </p:cNvPr>
@@ -7123,7 +7208,7 @@
           <p:cNvPr id="4" name="Datumsplatzhalter 3">
             <a:extLst>
               <a:ext uri="{FF2B5EF4-FFF2-40B4-BE49-F238E27FC236}">
-                <a16:creationId xmlns:a16="http://schemas.microsoft.com/office/drawing/2014/main" id="{202396F9-D19B-4197-A727-060829339B6B}"/>
+                <a16:creationId xmlns:a16="http://schemas.microsoft.com/office/drawing/2014/main" xmlns="" id="{202396F9-D19B-4197-A727-060829339B6B}"/>
               </a:ext>
             </a:extLst>
           </p:cNvPr>
@@ -7170,7 +7255,7 @@
           <p:cNvPr id="5" name="Fußzeilenplatzhalter 4">
             <a:extLst>
               <a:ext uri="{FF2B5EF4-FFF2-40B4-BE49-F238E27FC236}">
-                <a16:creationId xmlns:a16="http://schemas.microsoft.com/office/drawing/2014/main" id="{B1EA6A1B-5C13-45F1-9B85-4169FD91138A}"/>
+                <a16:creationId xmlns:a16="http://schemas.microsoft.com/office/drawing/2014/main" xmlns="" id="{B1EA6A1B-5C13-45F1-9B85-4169FD91138A}"/>
               </a:ext>
             </a:extLst>
           </p:cNvPr>
@@ -7237,7 +7322,7 @@
           <p:cNvPr id="7" name="Grafik 6">
             <a:extLst>
               <a:ext uri="{FF2B5EF4-FFF2-40B4-BE49-F238E27FC236}">
-                <a16:creationId xmlns:a16="http://schemas.microsoft.com/office/drawing/2014/main" id="{C59B35B2-0CE6-4FF9-984D-F5719598069C}"/>
+                <a16:creationId xmlns:a16="http://schemas.microsoft.com/office/drawing/2014/main" xmlns="" id="{C59B35B2-0CE6-4FF9-984D-F5719598069C}"/>
               </a:ext>
             </a:extLst>
           </p:cNvPr>
@@ -7247,7 +7332,7 @@
           <p:nvPr userDrawn="1"/>
         </p:nvPicPr>
         <p:blipFill>
-          <a:blip r:embed="rId13">
+          <a:blip r:embed="rId13" cstate="print">
             <a:extLst>
               <a:ext uri="{28A0092B-C50C-407E-A947-70E740481C1C}">
                 <a14:useLocalDpi xmlns:a14="http://schemas.microsoft.com/office/drawing/2010/main" val="0"/>
@@ -7273,7 +7358,7 @@
           <p:cNvPr id="8" name="Foliennummernplatzhalter 7">
             <a:extLst>
               <a:ext uri="{FF2B5EF4-FFF2-40B4-BE49-F238E27FC236}">
-                <a16:creationId xmlns:a16="http://schemas.microsoft.com/office/drawing/2014/main" id="{8B9E18AC-CAF1-4471-BF04-547435D80DDB}"/>
+                <a16:creationId xmlns:a16="http://schemas.microsoft.com/office/drawing/2014/main" xmlns="" id="{8B9E18AC-CAF1-4471-BF04-547435D80DDB}"/>
               </a:ext>
             </a:extLst>
           </p:cNvPr>
@@ -7309,7 +7394,7 @@
           <a:p>
             <a:fld id="{5999A4A4-2D96-49E3-B364-04D265390CD4}" type="slidenum">
               <a:rPr lang="de-DE" smtClean="0"/>
-              <a:t>‹#›</a:t>
+              <a:t>‹N°›</a:t>
             </a:fld>
             <a:endParaRPr lang="de-DE"/>
           </a:p>
@@ -7642,7 +7727,7 @@
           <p:cNvPr id="2" name="Titel 1">
             <a:extLst>
               <a:ext uri="{FF2B5EF4-FFF2-40B4-BE49-F238E27FC236}">
-                <a16:creationId xmlns:a16="http://schemas.microsoft.com/office/drawing/2014/main" id="{19B6AC69-F81D-4459-ACD2-8110FA9FCE24}"/>
+                <a16:creationId xmlns:a16="http://schemas.microsoft.com/office/drawing/2014/main" xmlns="" id="{19B6AC69-F81D-4459-ACD2-8110FA9FCE24}"/>
               </a:ext>
             </a:extLst>
           </p:cNvPr>
@@ -7670,7 +7755,7 @@
           <p:cNvPr id="3" name="Untertitel 2">
             <a:extLst>
               <a:ext uri="{FF2B5EF4-FFF2-40B4-BE49-F238E27FC236}">
-                <a16:creationId xmlns:a16="http://schemas.microsoft.com/office/drawing/2014/main" id="{13737FBA-E6BC-4517-8A74-4336C01F7072}"/>
+                <a16:creationId xmlns:a16="http://schemas.microsoft.com/office/drawing/2014/main" xmlns="" id="{13737FBA-E6BC-4517-8A74-4336C01F7072}"/>
               </a:ext>
             </a:extLst>
           </p:cNvPr>
@@ -7773,6 +7858,13 @@
   <p:clrMapOvr>
     <a:masterClrMapping/>
   </p:clrMapOvr>
+  <p:timing>
+    <p:tnLst>
+      <p:par>
+        <p:cTn id="1" dur="indefinite" restart="never" nodeType="tmRoot"/>
+      </p:par>
+    </p:tnLst>
+  </p:timing>
 </p:sld>
 </file>
 
@@ -7798,7 +7890,7 @@
           <p:cNvPr id="2" name="Titel 1">
             <a:extLst>
               <a:ext uri="{FF2B5EF4-FFF2-40B4-BE49-F238E27FC236}">
-                <a16:creationId xmlns:a16="http://schemas.microsoft.com/office/drawing/2014/main" id="{D63C152A-E451-4C3A-8960-B8F2BE028BE2}"/>
+                <a16:creationId xmlns:a16="http://schemas.microsoft.com/office/drawing/2014/main" xmlns="" id="{D63C152A-E451-4C3A-8960-B8F2BE028BE2}"/>
               </a:ext>
             </a:extLst>
           </p:cNvPr>
@@ -7816,7 +7908,15 @@
           <a:p>
             <a:r>
               <a:rPr lang="de-DE" b="1" dirty="0"/>
-              <a:t>2. Data </a:t>
+              <a:t>4</a:t>
+            </a:r>
+            <a:r>
+              <a:rPr lang="de-DE" b="1" dirty="0" smtClean="0"/>
+              <a:t>. </a:t>
+            </a:r>
+            <a:r>
+              <a:rPr lang="de-DE" b="1" dirty="0"/>
+              <a:t>Data </a:t>
             </a:r>
             <a:r>
               <a:rPr lang="de-DE" b="1" dirty="0" err="1"/>
@@ -7857,7 +7957,7 @@
           <p:cNvPr id="4" name="Datumsplatzhalter 3">
             <a:extLst>
               <a:ext uri="{FF2B5EF4-FFF2-40B4-BE49-F238E27FC236}">
-                <a16:creationId xmlns:a16="http://schemas.microsoft.com/office/drawing/2014/main" id="{B962B6FC-C001-4854-B00F-7F28A27E08AF}"/>
+                <a16:creationId xmlns:a16="http://schemas.microsoft.com/office/drawing/2014/main" xmlns="" id="{B962B6FC-C001-4854-B00F-7F28A27E08AF}"/>
               </a:ext>
             </a:extLst>
           </p:cNvPr>
@@ -7886,7 +7986,7 @@
           <p:cNvPr id="5" name="Fußzeilenplatzhalter 4">
             <a:extLst>
               <a:ext uri="{FF2B5EF4-FFF2-40B4-BE49-F238E27FC236}">
-                <a16:creationId xmlns:a16="http://schemas.microsoft.com/office/drawing/2014/main" id="{DEA88EFC-874C-43E5-B2DA-861F8E71C2C8}"/>
+                <a16:creationId xmlns:a16="http://schemas.microsoft.com/office/drawing/2014/main" xmlns="" id="{DEA88EFC-874C-43E5-B2DA-861F8E71C2C8}"/>
               </a:ext>
             </a:extLst>
           </p:cNvPr>
@@ -7914,7 +8014,7 @@
           <p:cNvPr id="6" name="Foliennummernplatzhalter 5">
             <a:extLst>
               <a:ext uri="{FF2B5EF4-FFF2-40B4-BE49-F238E27FC236}">
-                <a16:creationId xmlns:a16="http://schemas.microsoft.com/office/drawing/2014/main" id="{773E727D-2CF8-4D27-B579-D7455D67EB4A}"/>
+                <a16:creationId xmlns:a16="http://schemas.microsoft.com/office/drawing/2014/main" xmlns="" id="{773E727D-2CF8-4D27-B579-D7455D67EB4A}"/>
               </a:ext>
             </a:extLst>
           </p:cNvPr>
@@ -7943,7 +8043,7 @@
           <p:cNvPr id="10" name="Inhaltsplatzhalter 9">
             <a:extLst>
               <a:ext uri="{FF2B5EF4-FFF2-40B4-BE49-F238E27FC236}">
-                <a16:creationId xmlns:a16="http://schemas.microsoft.com/office/drawing/2014/main" id="{623A80A7-44C3-4E2A-84CC-A4A292D19DD5}"/>
+                <a16:creationId xmlns:a16="http://schemas.microsoft.com/office/drawing/2014/main" xmlns="" id="{623A80A7-44C3-4E2A-84CC-A4A292D19DD5}"/>
               </a:ext>
             </a:extLst>
           </p:cNvPr>
@@ -7983,6 +8083,13 @@
   <p:clrMapOvr>
     <a:masterClrMapping/>
   </p:clrMapOvr>
+  <p:timing>
+    <p:tnLst>
+      <p:par>
+        <p:cTn id="1" dur="indefinite" restart="never" nodeType="tmRoot"/>
+      </p:par>
+    </p:tnLst>
+  </p:timing>
 </p:sld>
 </file>
 
@@ -8008,7 +8115,7 @@
           <p:cNvPr id="2" name="Title 1">
             <a:extLst>
               <a:ext uri="{FF2B5EF4-FFF2-40B4-BE49-F238E27FC236}">
-                <a16:creationId xmlns:a16="http://schemas.microsoft.com/office/drawing/2014/main" id="{975B419B-0A88-F74A-AF88-DC0F1B0F94A5}"/>
+                <a16:creationId xmlns:a16="http://schemas.microsoft.com/office/drawing/2014/main" xmlns="" id="{975B419B-0A88-F74A-AF88-DC0F1B0F94A5}"/>
               </a:ext>
             </a:extLst>
           </p:cNvPr>
@@ -8026,7 +8133,15 @@
           <a:p>
             <a:r>
               <a:rPr lang="en-US" b="1" dirty="0"/>
-              <a:t>2. Data Pre-Processing</a:t>
+              <a:t>4</a:t>
+            </a:r>
+            <a:r>
+              <a:rPr lang="en-US" b="1" dirty="0" smtClean="0"/>
+              <a:t>. </a:t>
+            </a:r>
+            <a:r>
+              <a:rPr lang="en-US" b="1" dirty="0"/>
+              <a:t>Data Pre-Processing</a:t>
             </a:r>
             <a:br>
               <a:rPr lang="en-US" b="1" dirty="0"/>
@@ -8047,7 +8162,7 @@
           <p:cNvPr id="4" name="Date Placeholder 3">
             <a:extLst>
               <a:ext uri="{FF2B5EF4-FFF2-40B4-BE49-F238E27FC236}">
-                <a16:creationId xmlns:a16="http://schemas.microsoft.com/office/drawing/2014/main" id="{DE4EB6DE-51B6-9A4C-9DD3-4215EBC7F6EC}"/>
+                <a16:creationId xmlns:a16="http://schemas.microsoft.com/office/drawing/2014/main" xmlns="" id="{DE4EB6DE-51B6-9A4C-9DD3-4215EBC7F6EC}"/>
               </a:ext>
             </a:extLst>
           </p:cNvPr>
@@ -8076,7 +8191,7 @@
           <p:cNvPr id="5" name="Footer Placeholder 4">
             <a:extLst>
               <a:ext uri="{FF2B5EF4-FFF2-40B4-BE49-F238E27FC236}">
-                <a16:creationId xmlns:a16="http://schemas.microsoft.com/office/drawing/2014/main" id="{32714B70-E330-C243-B46D-7E6FA4ACC83F}"/>
+                <a16:creationId xmlns:a16="http://schemas.microsoft.com/office/drawing/2014/main" xmlns="" id="{32714B70-E330-C243-B46D-7E6FA4ACC83F}"/>
               </a:ext>
             </a:extLst>
           </p:cNvPr>
@@ -8104,7 +8219,7 @@
           <p:cNvPr id="6" name="Slide Number Placeholder 5">
             <a:extLst>
               <a:ext uri="{FF2B5EF4-FFF2-40B4-BE49-F238E27FC236}">
-                <a16:creationId xmlns:a16="http://schemas.microsoft.com/office/drawing/2014/main" id="{DFD0C6B9-202D-9F4E-A450-3C674751135D}"/>
+                <a16:creationId xmlns:a16="http://schemas.microsoft.com/office/drawing/2014/main" xmlns="" id="{DFD0C6B9-202D-9F4E-A450-3C674751135D}"/>
               </a:ext>
             </a:extLst>
           </p:cNvPr>
@@ -8133,7 +8248,7 @@
           <p:cNvPr id="9" name="Content Placeholder 8">
             <a:extLst>
               <a:ext uri="{FF2B5EF4-FFF2-40B4-BE49-F238E27FC236}">
-                <a16:creationId xmlns:a16="http://schemas.microsoft.com/office/drawing/2014/main" id="{FA1BC6AD-99A6-6A46-BADB-5F0A627E3BB8}"/>
+                <a16:creationId xmlns:a16="http://schemas.microsoft.com/office/drawing/2014/main" xmlns="" id="{FA1BC6AD-99A6-6A46-BADB-5F0A627E3BB8}"/>
               </a:ext>
             </a:extLst>
           </p:cNvPr>
@@ -8188,7 +8303,7 @@
           <p:cNvPr id="10" name="Content Placeholder 7">
             <a:extLst>
               <a:ext uri="{FF2B5EF4-FFF2-40B4-BE49-F238E27FC236}">
-                <a16:creationId xmlns:a16="http://schemas.microsoft.com/office/drawing/2014/main" id="{3EB7E642-02A9-E445-A98C-28C43A89AC30}"/>
+                <a16:creationId xmlns:a16="http://schemas.microsoft.com/office/drawing/2014/main" xmlns="" id="{3EB7E642-02A9-E445-A98C-28C43A89AC30}"/>
               </a:ext>
             </a:extLst>
           </p:cNvPr>
@@ -8229,6 +8344,13 @@
   <p:clrMapOvr>
     <a:masterClrMapping/>
   </p:clrMapOvr>
+  <p:timing>
+    <p:tnLst>
+      <p:par>
+        <p:cTn id="1" dur="indefinite" restart="never" nodeType="tmRoot"/>
+      </p:par>
+    </p:tnLst>
+  </p:timing>
 </p:sld>
 </file>
 
@@ -8254,7 +8376,7 @@
           <p:cNvPr id="2" name="Title 1">
             <a:extLst>
               <a:ext uri="{FF2B5EF4-FFF2-40B4-BE49-F238E27FC236}">
-                <a16:creationId xmlns:a16="http://schemas.microsoft.com/office/drawing/2014/main" id="{5D490802-704D-9E47-8FDC-13A2AF8E1798}"/>
+                <a16:creationId xmlns:a16="http://schemas.microsoft.com/office/drawing/2014/main" xmlns="" id="{5D490802-704D-9E47-8FDC-13A2AF8E1798}"/>
               </a:ext>
             </a:extLst>
           </p:cNvPr>
@@ -8272,7 +8394,15 @@
           <a:p>
             <a:r>
               <a:rPr lang="en-US" b="1" dirty="0"/>
-              <a:t>2. Data Pre-Processing</a:t>
+              <a:t>4</a:t>
+            </a:r>
+            <a:r>
+              <a:rPr lang="en-US" b="1" dirty="0" smtClean="0"/>
+              <a:t>. </a:t>
+            </a:r>
+            <a:r>
+              <a:rPr lang="en-US" b="1" dirty="0"/>
+              <a:t>Data Pre-Processing</a:t>
             </a:r>
             <a:br>
               <a:rPr lang="en-US" b="1" dirty="0"/>
@@ -8293,7 +8423,7 @@
           <p:cNvPr id="3" name="Content Placeholder 2">
             <a:extLst>
               <a:ext uri="{FF2B5EF4-FFF2-40B4-BE49-F238E27FC236}">
-                <a16:creationId xmlns:a16="http://schemas.microsoft.com/office/drawing/2014/main" id="{108D9EAB-98A2-574A-9668-224A4E834A60}"/>
+                <a16:creationId xmlns:a16="http://schemas.microsoft.com/office/drawing/2014/main" xmlns="" id="{108D9EAB-98A2-574A-9668-224A4E834A60}"/>
               </a:ext>
             </a:extLst>
           </p:cNvPr>
@@ -8333,7 +8463,7 @@
           <p:cNvPr id="4" name="Date Placeholder 3">
             <a:extLst>
               <a:ext uri="{FF2B5EF4-FFF2-40B4-BE49-F238E27FC236}">
-                <a16:creationId xmlns:a16="http://schemas.microsoft.com/office/drawing/2014/main" id="{D1D7BA0F-9BEF-304E-8AB9-90C605163564}"/>
+                <a16:creationId xmlns:a16="http://schemas.microsoft.com/office/drawing/2014/main" xmlns="" id="{D1D7BA0F-9BEF-304E-8AB9-90C605163564}"/>
               </a:ext>
             </a:extLst>
           </p:cNvPr>
@@ -8362,7 +8492,7 @@
           <p:cNvPr id="5" name="Footer Placeholder 4">
             <a:extLst>
               <a:ext uri="{FF2B5EF4-FFF2-40B4-BE49-F238E27FC236}">
-                <a16:creationId xmlns:a16="http://schemas.microsoft.com/office/drawing/2014/main" id="{C3BB794C-45F8-9D4A-B99F-0CA1E42E75A3}"/>
+                <a16:creationId xmlns:a16="http://schemas.microsoft.com/office/drawing/2014/main" xmlns="" id="{C3BB794C-45F8-9D4A-B99F-0CA1E42E75A3}"/>
               </a:ext>
             </a:extLst>
           </p:cNvPr>
@@ -8390,7 +8520,7 @@
           <p:cNvPr id="6" name="Slide Number Placeholder 5">
             <a:extLst>
               <a:ext uri="{FF2B5EF4-FFF2-40B4-BE49-F238E27FC236}">
-                <a16:creationId xmlns:a16="http://schemas.microsoft.com/office/drawing/2014/main" id="{B1BCE6CC-8C02-8346-B814-A9B1BDE68B88}"/>
+                <a16:creationId xmlns:a16="http://schemas.microsoft.com/office/drawing/2014/main" xmlns="" id="{B1BCE6CC-8C02-8346-B814-A9B1BDE68B88}"/>
               </a:ext>
             </a:extLst>
           </p:cNvPr>
@@ -8419,7 +8549,7 @@
           <p:cNvPr id="8" name="Picture 7">
             <a:extLst>
               <a:ext uri="{FF2B5EF4-FFF2-40B4-BE49-F238E27FC236}">
-                <a16:creationId xmlns:a16="http://schemas.microsoft.com/office/drawing/2014/main" id="{A0BFF18B-5A72-914C-B312-AA7B23200A84}"/>
+                <a16:creationId xmlns:a16="http://schemas.microsoft.com/office/drawing/2014/main" xmlns="" id="{A0BFF18B-5A72-914C-B312-AA7B23200A84}"/>
               </a:ext>
             </a:extLst>
           </p:cNvPr>
@@ -8460,6 +8590,13 @@
   <p:clrMapOvr>
     <a:masterClrMapping/>
   </p:clrMapOvr>
+  <p:timing>
+    <p:tnLst>
+      <p:par>
+        <p:cTn id="1" dur="indefinite" restart="never" nodeType="tmRoot"/>
+      </p:par>
+    </p:tnLst>
+  </p:timing>
 </p:sld>
 </file>
 
@@ -8485,7 +8622,7 @@
           <p:cNvPr id="2" name="Title 1">
             <a:extLst>
               <a:ext uri="{FF2B5EF4-FFF2-40B4-BE49-F238E27FC236}">
-                <a16:creationId xmlns:a16="http://schemas.microsoft.com/office/drawing/2014/main" id="{E2C7F078-8469-5540-9221-9C47A9C3D886}"/>
+                <a16:creationId xmlns:a16="http://schemas.microsoft.com/office/drawing/2014/main" xmlns="" id="{E2C7F078-8469-5540-9221-9C47A9C3D886}"/>
               </a:ext>
             </a:extLst>
           </p:cNvPr>
@@ -8503,7 +8640,15 @@
           <a:p>
             <a:r>
               <a:rPr lang="en-US" b="1" dirty="0"/>
-              <a:t>2. Data Pre-Processing</a:t>
+              <a:t>4</a:t>
+            </a:r>
+            <a:r>
+              <a:rPr lang="en-US" b="1" dirty="0" smtClean="0"/>
+              <a:t>. </a:t>
+            </a:r>
+            <a:r>
+              <a:rPr lang="en-US" b="1" dirty="0"/>
+              <a:t>Data Pre-Processing</a:t>
             </a:r>
             <a:br>
               <a:rPr lang="en-US" b="1" dirty="0"/>
@@ -8524,7 +8669,7 @@
           <p:cNvPr id="3" name="Content Placeholder 2">
             <a:extLst>
               <a:ext uri="{FF2B5EF4-FFF2-40B4-BE49-F238E27FC236}">
-                <a16:creationId xmlns:a16="http://schemas.microsoft.com/office/drawing/2014/main" id="{8BFAB508-23DF-954A-8929-558BAAA458E4}"/>
+                <a16:creationId xmlns:a16="http://schemas.microsoft.com/office/drawing/2014/main" xmlns="" id="{8BFAB508-23DF-954A-8929-558BAAA458E4}"/>
               </a:ext>
             </a:extLst>
           </p:cNvPr>
@@ -8564,7 +8709,7 @@
           <p:cNvPr id="4" name="Date Placeholder 3">
             <a:extLst>
               <a:ext uri="{FF2B5EF4-FFF2-40B4-BE49-F238E27FC236}">
-                <a16:creationId xmlns:a16="http://schemas.microsoft.com/office/drawing/2014/main" id="{5361F3AB-71C9-B34B-8647-44FC5D190EB2}"/>
+                <a16:creationId xmlns:a16="http://schemas.microsoft.com/office/drawing/2014/main" xmlns="" id="{5361F3AB-71C9-B34B-8647-44FC5D190EB2}"/>
               </a:ext>
             </a:extLst>
           </p:cNvPr>
@@ -8593,7 +8738,7 @@
           <p:cNvPr id="5" name="Footer Placeholder 4">
             <a:extLst>
               <a:ext uri="{FF2B5EF4-FFF2-40B4-BE49-F238E27FC236}">
-                <a16:creationId xmlns:a16="http://schemas.microsoft.com/office/drawing/2014/main" id="{33B25363-D9B7-AB40-85F1-12C875D7A3D5}"/>
+                <a16:creationId xmlns:a16="http://schemas.microsoft.com/office/drawing/2014/main" xmlns="" id="{33B25363-D9B7-AB40-85F1-12C875D7A3D5}"/>
               </a:ext>
             </a:extLst>
           </p:cNvPr>
@@ -8621,7 +8766,7 @@
           <p:cNvPr id="6" name="Slide Number Placeholder 5">
             <a:extLst>
               <a:ext uri="{FF2B5EF4-FFF2-40B4-BE49-F238E27FC236}">
-                <a16:creationId xmlns:a16="http://schemas.microsoft.com/office/drawing/2014/main" id="{928D3225-AAA3-1C4B-AB98-D5585F2C2564}"/>
+                <a16:creationId xmlns:a16="http://schemas.microsoft.com/office/drawing/2014/main" xmlns="" id="{928D3225-AAA3-1C4B-AB98-D5585F2C2564}"/>
               </a:ext>
             </a:extLst>
           </p:cNvPr>
@@ -8650,7 +8795,7 @@
           <p:cNvPr id="11" name="Right Arrow 10">
             <a:extLst>
               <a:ext uri="{FF2B5EF4-FFF2-40B4-BE49-F238E27FC236}">
-                <a16:creationId xmlns:a16="http://schemas.microsoft.com/office/drawing/2014/main" id="{55E5075C-96E3-E648-8740-377111F9D031}"/>
+                <a16:creationId xmlns:a16="http://schemas.microsoft.com/office/drawing/2014/main" xmlns="" id="{55E5075C-96E3-E648-8740-377111F9D031}"/>
               </a:ext>
             </a:extLst>
           </p:cNvPr>
@@ -8696,7 +8841,7 @@
           <p:cNvPr id="7" name="Grafik 6">
             <a:extLst>
               <a:ext uri="{FF2B5EF4-FFF2-40B4-BE49-F238E27FC236}">
-                <a16:creationId xmlns:a16="http://schemas.microsoft.com/office/drawing/2014/main" id="{0D5F60F0-E457-4621-8D19-51A915F0BC5E}"/>
+                <a16:creationId xmlns:a16="http://schemas.microsoft.com/office/drawing/2014/main" xmlns="" id="{0D5F60F0-E457-4621-8D19-51A915F0BC5E}"/>
               </a:ext>
             </a:extLst>
           </p:cNvPr>
@@ -8726,7 +8871,7 @@
           <p:cNvPr id="10" name="Picture 9">
             <a:extLst>
               <a:ext uri="{FF2B5EF4-FFF2-40B4-BE49-F238E27FC236}">
-                <a16:creationId xmlns:a16="http://schemas.microsoft.com/office/drawing/2014/main" id="{6FD7B387-C0AC-41E4-BCFC-F7985FE16E83}"/>
+                <a16:creationId xmlns:a16="http://schemas.microsoft.com/office/drawing/2014/main" xmlns="" id="{6FD7B387-C0AC-41E4-BCFC-F7985FE16E83}"/>
               </a:ext>
             </a:extLst>
           </p:cNvPr>
@@ -8761,6 +8906,13 @@
   <p:clrMapOvr>
     <a:masterClrMapping/>
   </p:clrMapOvr>
+  <p:timing>
+    <p:tnLst>
+      <p:par>
+        <p:cTn id="1" dur="indefinite" restart="never" nodeType="tmRoot"/>
+      </p:par>
+    </p:tnLst>
+  </p:timing>
 </p:sld>
 </file>
 
@@ -8786,7 +8938,7 @@
           <p:cNvPr id="2" name="Titel 1">
             <a:extLst>
               <a:ext uri="{FF2B5EF4-FFF2-40B4-BE49-F238E27FC236}">
-                <a16:creationId xmlns:a16="http://schemas.microsoft.com/office/drawing/2014/main" id="{6BE3CDAE-85B9-432B-A073-625CC0F04A53}"/>
+                <a16:creationId xmlns:a16="http://schemas.microsoft.com/office/drawing/2014/main" xmlns="" id="{6BE3CDAE-85B9-432B-A073-625CC0F04A53}"/>
               </a:ext>
             </a:extLst>
           </p:cNvPr>
@@ -8804,7 +8956,15 @@
           <a:p>
             <a:r>
               <a:rPr lang="de-DE" b="1" dirty="0"/>
-              <a:t>3. Modelling</a:t>
+              <a:t>5</a:t>
+            </a:r>
+            <a:r>
+              <a:rPr lang="de-DE" b="1" dirty="0" smtClean="0"/>
+              <a:t>. </a:t>
+            </a:r>
+            <a:r>
+              <a:rPr lang="de-DE" b="1" dirty="0"/>
+              <a:t>Modelling</a:t>
             </a:r>
             <a:br>
               <a:rPr lang="de-DE" b="1" dirty="0"/>
@@ -8842,7 +9002,7 @@
           <p:cNvPr id="3" name="Inhaltsplatzhalter 2">
             <a:extLst>
               <a:ext uri="{FF2B5EF4-FFF2-40B4-BE49-F238E27FC236}">
-                <a16:creationId xmlns:a16="http://schemas.microsoft.com/office/drawing/2014/main" id="{E7C203DE-84FA-4AA3-AD1D-726A21061FFD}"/>
+                <a16:creationId xmlns:a16="http://schemas.microsoft.com/office/drawing/2014/main" xmlns="" id="{E7C203DE-84FA-4AA3-AD1D-726A21061FFD}"/>
               </a:ext>
             </a:extLst>
           </p:cNvPr>
@@ -9612,7 +9772,7 @@
           <p:cNvPr id="4" name="Datumsplatzhalter 3">
             <a:extLst>
               <a:ext uri="{FF2B5EF4-FFF2-40B4-BE49-F238E27FC236}">
-                <a16:creationId xmlns:a16="http://schemas.microsoft.com/office/drawing/2014/main" id="{C3B22A82-2F11-4030-BE68-FD13CE64DDA5}"/>
+                <a16:creationId xmlns:a16="http://schemas.microsoft.com/office/drawing/2014/main" xmlns="" id="{C3B22A82-2F11-4030-BE68-FD13CE64DDA5}"/>
               </a:ext>
             </a:extLst>
           </p:cNvPr>
@@ -9641,7 +9801,7 @@
           <p:cNvPr id="5" name="Fußzeilenplatzhalter 4">
             <a:extLst>
               <a:ext uri="{FF2B5EF4-FFF2-40B4-BE49-F238E27FC236}">
-                <a16:creationId xmlns:a16="http://schemas.microsoft.com/office/drawing/2014/main" id="{6F3EDC4C-634C-4533-8D15-E7B86D3ED2FA}"/>
+                <a16:creationId xmlns:a16="http://schemas.microsoft.com/office/drawing/2014/main" xmlns="" id="{6F3EDC4C-634C-4533-8D15-E7B86D3ED2FA}"/>
               </a:ext>
             </a:extLst>
           </p:cNvPr>
@@ -9669,7 +9829,7 @@
           <p:cNvPr id="6" name="Foliennummernplatzhalter 5">
             <a:extLst>
               <a:ext uri="{FF2B5EF4-FFF2-40B4-BE49-F238E27FC236}">
-                <a16:creationId xmlns:a16="http://schemas.microsoft.com/office/drawing/2014/main" id="{EB91D9A2-6731-4CBF-9910-0F661587FEA4}"/>
+                <a16:creationId xmlns:a16="http://schemas.microsoft.com/office/drawing/2014/main" xmlns="" id="{EB91D9A2-6731-4CBF-9910-0F661587FEA4}"/>
               </a:ext>
             </a:extLst>
           </p:cNvPr>
@@ -9703,6 +9863,13 @@
   <p:clrMapOvr>
     <a:masterClrMapping/>
   </p:clrMapOvr>
+  <p:timing>
+    <p:tnLst>
+      <p:par>
+        <p:cTn id="1" dur="indefinite" restart="never" nodeType="tmRoot"/>
+      </p:par>
+    </p:tnLst>
+  </p:timing>
 </p:sld>
 </file>
 
@@ -9728,7 +9895,7 @@
           <p:cNvPr id="2" name="Title 1">
             <a:extLst>
               <a:ext uri="{FF2B5EF4-FFF2-40B4-BE49-F238E27FC236}">
-                <a16:creationId xmlns:a16="http://schemas.microsoft.com/office/drawing/2014/main" id="{6D9263DE-30A3-4908-9E6F-440739B288F2}"/>
+                <a16:creationId xmlns:a16="http://schemas.microsoft.com/office/drawing/2014/main" xmlns="" id="{6D9263DE-30A3-4908-9E6F-440739B288F2}"/>
               </a:ext>
             </a:extLst>
           </p:cNvPr>
@@ -9746,7 +9913,15 @@
           <a:p>
             <a:r>
               <a:rPr lang="de-DE" b="1" dirty="0"/>
-              <a:t>3. Modelling</a:t>
+              <a:t>5</a:t>
+            </a:r>
+            <a:r>
+              <a:rPr lang="de-DE" b="1" dirty="0" smtClean="0"/>
+              <a:t>. </a:t>
+            </a:r>
+            <a:r>
+              <a:rPr lang="de-DE" b="1" dirty="0"/>
+              <a:t>Modelling</a:t>
             </a:r>
             <a:br>
               <a:rPr lang="de-DE" b="1" dirty="0"/>
@@ -9786,7 +9961,7 @@
           <p:cNvPr id="4" name="Date Placeholder 3">
             <a:extLst>
               <a:ext uri="{FF2B5EF4-FFF2-40B4-BE49-F238E27FC236}">
-                <a16:creationId xmlns:a16="http://schemas.microsoft.com/office/drawing/2014/main" id="{01027744-DF30-41FE-9EE5-A37323F6D148}"/>
+                <a16:creationId xmlns:a16="http://schemas.microsoft.com/office/drawing/2014/main" xmlns="" id="{01027744-DF30-41FE-9EE5-A37323F6D148}"/>
               </a:ext>
             </a:extLst>
           </p:cNvPr>
@@ -9815,7 +9990,7 @@
           <p:cNvPr id="5" name="Footer Placeholder 4">
             <a:extLst>
               <a:ext uri="{FF2B5EF4-FFF2-40B4-BE49-F238E27FC236}">
-                <a16:creationId xmlns:a16="http://schemas.microsoft.com/office/drawing/2014/main" id="{032924BF-1467-49D5-A6A6-918AE46E7A77}"/>
+                <a16:creationId xmlns:a16="http://schemas.microsoft.com/office/drawing/2014/main" xmlns="" id="{032924BF-1467-49D5-A6A6-918AE46E7A77}"/>
               </a:ext>
             </a:extLst>
           </p:cNvPr>
@@ -9843,7 +10018,7 @@
           <p:cNvPr id="6" name="Slide Number Placeholder 5">
             <a:extLst>
               <a:ext uri="{FF2B5EF4-FFF2-40B4-BE49-F238E27FC236}">
-                <a16:creationId xmlns:a16="http://schemas.microsoft.com/office/drawing/2014/main" id="{B1992A49-6EB0-4007-BD6A-B88FECDB9040}"/>
+                <a16:creationId xmlns:a16="http://schemas.microsoft.com/office/drawing/2014/main" xmlns="" id="{B1992A49-6EB0-4007-BD6A-B88FECDB9040}"/>
               </a:ext>
             </a:extLst>
           </p:cNvPr>
@@ -9872,7 +10047,7 @@
           <p:cNvPr id="7" name="Picture 7" descr="A close up of text on a white background&#10;&#10;Description generated with high confidence">
             <a:extLst>
               <a:ext uri="{FF2B5EF4-FFF2-40B4-BE49-F238E27FC236}">
-                <a16:creationId xmlns:a16="http://schemas.microsoft.com/office/drawing/2014/main" id="{0B231408-DE64-4C5C-873A-AAA3D5E7DB38}"/>
+                <a16:creationId xmlns:a16="http://schemas.microsoft.com/office/drawing/2014/main" xmlns="" id="{0B231408-DE64-4C5C-873A-AAA3D5E7DB38}"/>
               </a:ext>
             </a:extLst>
           </p:cNvPr>
@@ -9902,7 +10077,7 @@
           <p:cNvPr id="3" name="Content Placeholder 2">
             <a:extLst>
               <a:ext uri="{FF2B5EF4-FFF2-40B4-BE49-F238E27FC236}">
-                <a16:creationId xmlns:a16="http://schemas.microsoft.com/office/drawing/2014/main" id="{2E801F55-8E3C-4A72-AFA7-D42A10B2B979}"/>
+                <a16:creationId xmlns:a16="http://schemas.microsoft.com/office/drawing/2014/main" xmlns="" id="{2E801F55-8E3C-4A72-AFA7-D42A10B2B979}"/>
               </a:ext>
             </a:extLst>
           </p:cNvPr>
@@ -10190,6 +10365,13 @@
   <p:clrMapOvr>
     <a:masterClrMapping/>
   </p:clrMapOvr>
+  <p:timing>
+    <p:tnLst>
+      <p:par>
+        <p:cTn id="1" dur="indefinite" restart="never" nodeType="tmRoot"/>
+      </p:par>
+    </p:tnLst>
+  </p:timing>
 </p:sld>
 </file>
 
@@ -10215,7 +10397,7 @@
           <p:cNvPr id="2" name="Title 1">
             <a:extLst>
               <a:ext uri="{FF2B5EF4-FFF2-40B4-BE49-F238E27FC236}">
-                <a16:creationId xmlns:a16="http://schemas.microsoft.com/office/drawing/2014/main" id="{A13BABD6-54D4-4886-9758-F4B5C110AAAB}"/>
+                <a16:creationId xmlns:a16="http://schemas.microsoft.com/office/drawing/2014/main" xmlns="" id="{A13BABD6-54D4-4886-9758-F4B5C110AAAB}"/>
               </a:ext>
             </a:extLst>
           </p:cNvPr>
@@ -10233,7 +10415,15 @@
           <a:p>
             <a:r>
               <a:rPr lang="de-DE" b="1" dirty="0"/>
-              <a:t>3. Modelling</a:t>
+              <a:t>5</a:t>
+            </a:r>
+            <a:r>
+              <a:rPr lang="de-DE" b="1" dirty="0" smtClean="0"/>
+              <a:t>. </a:t>
+            </a:r>
+            <a:r>
+              <a:rPr lang="de-DE" b="1" dirty="0"/>
+              <a:t>Modelling</a:t>
             </a:r>
             <a:br>
               <a:rPr lang="de-DE" b="1" dirty="0"/>
@@ -10274,7 +10464,7 @@
           <p:cNvPr id="3" name="Content Placeholder 2">
             <a:extLst>
               <a:ext uri="{FF2B5EF4-FFF2-40B4-BE49-F238E27FC236}">
-                <a16:creationId xmlns:a16="http://schemas.microsoft.com/office/drawing/2014/main" id="{C786C6C8-0AFA-4B9C-8706-130A7982483C}"/>
+                <a16:creationId xmlns:a16="http://schemas.microsoft.com/office/drawing/2014/main" xmlns="" id="{C786C6C8-0AFA-4B9C-8706-130A7982483C}"/>
               </a:ext>
             </a:extLst>
           </p:cNvPr>
@@ -10758,7 +10948,7 @@
           <p:cNvPr id="4" name="Date Placeholder 3">
             <a:extLst>
               <a:ext uri="{FF2B5EF4-FFF2-40B4-BE49-F238E27FC236}">
-                <a16:creationId xmlns:a16="http://schemas.microsoft.com/office/drawing/2014/main" id="{1584B566-C78B-43C1-BB87-20292B3F6AE8}"/>
+                <a16:creationId xmlns:a16="http://schemas.microsoft.com/office/drawing/2014/main" xmlns="" id="{1584B566-C78B-43C1-BB87-20292B3F6AE8}"/>
               </a:ext>
             </a:extLst>
           </p:cNvPr>
@@ -10787,7 +10977,7 @@
           <p:cNvPr id="5" name="Footer Placeholder 4">
             <a:extLst>
               <a:ext uri="{FF2B5EF4-FFF2-40B4-BE49-F238E27FC236}">
-                <a16:creationId xmlns:a16="http://schemas.microsoft.com/office/drawing/2014/main" id="{B4BD4570-BC54-428E-B394-6E0C57AD3025}"/>
+                <a16:creationId xmlns:a16="http://schemas.microsoft.com/office/drawing/2014/main" xmlns="" id="{B4BD4570-BC54-428E-B394-6E0C57AD3025}"/>
               </a:ext>
             </a:extLst>
           </p:cNvPr>
@@ -10815,7 +11005,7 @@
           <p:cNvPr id="6" name="Slide Number Placeholder 5">
             <a:extLst>
               <a:ext uri="{FF2B5EF4-FFF2-40B4-BE49-F238E27FC236}">
-                <a16:creationId xmlns:a16="http://schemas.microsoft.com/office/drawing/2014/main" id="{4B814037-644F-4C6F-B1C7-C07607308BDB}"/>
+                <a16:creationId xmlns:a16="http://schemas.microsoft.com/office/drawing/2014/main" xmlns="" id="{4B814037-644F-4C6F-B1C7-C07607308BDB}"/>
               </a:ext>
             </a:extLst>
           </p:cNvPr>
@@ -10849,6 +11039,13 @@
   <p:clrMapOvr>
     <a:masterClrMapping/>
   </p:clrMapOvr>
+  <p:timing>
+    <p:tnLst>
+      <p:par>
+        <p:cTn id="1" dur="indefinite" restart="never" nodeType="tmRoot"/>
+      </p:par>
+    </p:tnLst>
+  </p:timing>
 </p:sld>
 </file>
 
@@ -10874,7 +11071,7 @@
           <p:cNvPr id="2" name="Title 1">
             <a:extLst>
               <a:ext uri="{FF2B5EF4-FFF2-40B4-BE49-F238E27FC236}">
-                <a16:creationId xmlns:a16="http://schemas.microsoft.com/office/drawing/2014/main" id="{CF578E4F-5184-4B43-A241-F5663F637B4A}"/>
+                <a16:creationId xmlns:a16="http://schemas.microsoft.com/office/drawing/2014/main" xmlns="" id="{CF578E4F-5184-4B43-A241-F5663F637B4A}"/>
               </a:ext>
             </a:extLst>
           </p:cNvPr>
@@ -10892,7 +11089,15 @@
           <a:p>
             <a:r>
               <a:rPr lang="de-DE" b="1" dirty="0"/>
-              <a:t>3. Modelling</a:t>
+              <a:t>5</a:t>
+            </a:r>
+            <a:r>
+              <a:rPr lang="de-DE" b="1" dirty="0" smtClean="0"/>
+              <a:t>. </a:t>
+            </a:r>
+            <a:r>
+              <a:rPr lang="de-DE" b="1" dirty="0"/>
+              <a:t>Modelling</a:t>
             </a:r>
             <a:br>
               <a:rPr lang="de-DE" b="1" dirty="0"/>
@@ -10933,7 +11138,7 @@
           <p:cNvPr id="3" name="Content Placeholder 2">
             <a:extLst>
               <a:ext uri="{FF2B5EF4-FFF2-40B4-BE49-F238E27FC236}">
-                <a16:creationId xmlns:a16="http://schemas.microsoft.com/office/drawing/2014/main" id="{1FA38C43-3C76-44A7-8EB8-D6AB0D5BC114}"/>
+                <a16:creationId xmlns:a16="http://schemas.microsoft.com/office/drawing/2014/main" xmlns="" id="{1FA38C43-3C76-44A7-8EB8-D6AB0D5BC114}"/>
               </a:ext>
             </a:extLst>
           </p:cNvPr>
@@ -11853,7 +12058,7 @@
           <p:cNvPr id="4" name="Date Placeholder 3">
             <a:extLst>
               <a:ext uri="{FF2B5EF4-FFF2-40B4-BE49-F238E27FC236}">
-                <a16:creationId xmlns:a16="http://schemas.microsoft.com/office/drawing/2014/main" id="{6251D258-E6B3-4A09-A483-4199F7EDA62B}"/>
+                <a16:creationId xmlns:a16="http://schemas.microsoft.com/office/drawing/2014/main" xmlns="" id="{6251D258-E6B3-4A09-A483-4199F7EDA62B}"/>
               </a:ext>
             </a:extLst>
           </p:cNvPr>
@@ -11882,7 +12087,7 @@
           <p:cNvPr id="5" name="Footer Placeholder 4">
             <a:extLst>
               <a:ext uri="{FF2B5EF4-FFF2-40B4-BE49-F238E27FC236}">
-                <a16:creationId xmlns:a16="http://schemas.microsoft.com/office/drawing/2014/main" id="{1389F5D5-5BCF-4561-B04B-FD38EEDB34A8}"/>
+                <a16:creationId xmlns:a16="http://schemas.microsoft.com/office/drawing/2014/main" xmlns="" id="{1389F5D5-5BCF-4561-B04B-FD38EEDB34A8}"/>
               </a:ext>
             </a:extLst>
           </p:cNvPr>
@@ -11910,7 +12115,7 @@
           <p:cNvPr id="6" name="Slide Number Placeholder 5">
             <a:extLst>
               <a:ext uri="{FF2B5EF4-FFF2-40B4-BE49-F238E27FC236}">
-                <a16:creationId xmlns:a16="http://schemas.microsoft.com/office/drawing/2014/main" id="{E86DB2A8-C7A7-400D-B8CF-390EA609717D}"/>
+                <a16:creationId xmlns:a16="http://schemas.microsoft.com/office/drawing/2014/main" xmlns="" id="{E86DB2A8-C7A7-400D-B8CF-390EA609717D}"/>
               </a:ext>
             </a:extLst>
           </p:cNvPr>
@@ -11944,6 +12149,13 @@
   <p:clrMapOvr>
     <a:masterClrMapping/>
   </p:clrMapOvr>
+  <p:timing>
+    <p:tnLst>
+      <p:par>
+        <p:cTn id="1" dur="indefinite" restart="never" nodeType="tmRoot"/>
+      </p:par>
+    </p:tnLst>
+  </p:timing>
 </p:sld>
 </file>
 
@@ -11969,7 +12181,7 @@
           <p:cNvPr id="2" name="Title 1">
             <a:extLst>
               <a:ext uri="{FF2B5EF4-FFF2-40B4-BE49-F238E27FC236}">
-                <a16:creationId xmlns:a16="http://schemas.microsoft.com/office/drawing/2014/main" id="{0968BC5D-37A2-004C-9376-EABCE19B4166}"/>
+                <a16:creationId xmlns:a16="http://schemas.microsoft.com/office/drawing/2014/main" xmlns="" id="{0968BC5D-37A2-004C-9376-EABCE19B4166}"/>
               </a:ext>
             </a:extLst>
           </p:cNvPr>
@@ -11987,7 +12199,15 @@
           <a:p>
             <a:r>
               <a:rPr lang="de-DE" b="1" dirty="0"/>
-              <a:t>3. Modelling</a:t>
+              <a:t>5</a:t>
+            </a:r>
+            <a:r>
+              <a:rPr lang="de-DE" b="1" dirty="0" smtClean="0"/>
+              <a:t>. </a:t>
+            </a:r>
+            <a:r>
+              <a:rPr lang="de-DE" b="1" dirty="0"/>
+              <a:t>Modelling</a:t>
             </a:r>
             <a:br>
               <a:rPr lang="de-DE" b="1" dirty="0"/>
@@ -12025,7 +12245,7 @@
           <p:cNvPr id="3" name="Content Placeholder 2">
             <a:extLst>
               <a:ext uri="{FF2B5EF4-FFF2-40B4-BE49-F238E27FC236}">
-                <a16:creationId xmlns:a16="http://schemas.microsoft.com/office/drawing/2014/main" id="{A7DD8496-1CD0-2A4C-9F97-18865E3BFCCE}"/>
+                <a16:creationId xmlns:a16="http://schemas.microsoft.com/office/drawing/2014/main" xmlns="" id="{A7DD8496-1CD0-2A4C-9F97-18865E3BFCCE}"/>
               </a:ext>
             </a:extLst>
           </p:cNvPr>
@@ -12135,7 +12355,7 @@
           <p:cNvPr id="4" name="Date Placeholder 3">
             <a:extLst>
               <a:ext uri="{FF2B5EF4-FFF2-40B4-BE49-F238E27FC236}">
-                <a16:creationId xmlns:a16="http://schemas.microsoft.com/office/drawing/2014/main" id="{0BD4AFA6-BD4A-794C-BAC7-36ADFA669813}"/>
+                <a16:creationId xmlns:a16="http://schemas.microsoft.com/office/drawing/2014/main" xmlns="" id="{0BD4AFA6-BD4A-794C-BAC7-36ADFA669813}"/>
               </a:ext>
             </a:extLst>
           </p:cNvPr>
@@ -12164,7 +12384,7 @@
           <p:cNvPr id="5" name="Footer Placeholder 4">
             <a:extLst>
               <a:ext uri="{FF2B5EF4-FFF2-40B4-BE49-F238E27FC236}">
-                <a16:creationId xmlns:a16="http://schemas.microsoft.com/office/drawing/2014/main" id="{5C59FF0C-5B78-E447-AA50-5E4F03F5B043}"/>
+                <a16:creationId xmlns:a16="http://schemas.microsoft.com/office/drawing/2014/main" xmlns="" id="{5C59FF0C-5B78-E447-AA50-5E4F03F5B043}"/>
               </a:ext>
             </a:extLst>
           </p:cNvPr>
@@ -12192,7 +12412,7 @@
           <p:cNvPr id="6" name="Slide Number Placeholder 5">
             <a:extLst>
               <a:ext uri="{FF2B5EF4-FFF2-40B4-BE49-F238E27FC236}">
-                <a16:creationId xmlns:a16="http://schemas.microsoft.com/office/drawing/2014/main" id="{D987BC40-B826-3943-A9B2-863912AA7E97}"/>
+                <a16:creationId xmlns:a16="http://schemas.microsoft.com/office/drawing/2014/main" xmlns="" id="{D987BC40-B826-3943-A9B2-863912AA7E97}"/>
               </a:ext>
             </a:extLst>
           </p:cNvPr>
@@ -12221,7 +12441,7 @@
           <p:cNvPr id="8" name="Picture 7">
             <a:extLst>
               <a:ext uri="{FF2B5EF4-FFF2-40B4-BE49-F238E27FC236}">
-                <a16:creationId xmlns:a16="http://schemas.microsoft.com/office/drawing/2014/main" id="{9A940264-04A3-8F43-9508-9746CDE699E8}"/>
+                <a16:creationId xmlns:a16="http://schemas.microsoft.com/office/drawing/2014/main" xmlns="" id="{9A940264-04A3-8F43-9508-9746CDE699E8}"/>
               </a:ext>
             </a:extLst>
           </p:cNvPr>
@@ -12262,6 +12482,13 @@
   <p:clrMapOvr>
     <a:masterClrMapping/>
   </p:clrMapOvr>
+  <p:timing>
+    <p:tnLst>
+      <p:par>
+        <p:cTn id="1" dur="indefinite" restart="never" nodeType="tmRoot"/>
+      </p:par>
+    </p:tnLst>
+  </p:timing>
 </p:sld>
 </file>
 
@@ -12299,7 +12526,19 @@
           <a:p>
             <a:r>
               <a:rPr lang="en-US" b="1" dirty="0"/>
-              <a:t>3. Modelling</a:t>
+              <a:t>5</a:t>
+            </a:r>
+            <a:r>
+              <a:rPr lang="en-US" b="1" dirty="0" smtClean="0"/>
+              <a:t>. </a:t>
+            </a:r>
+            <a:r>
+              <a:rPr lang="en-US" b="1" dirty="0"/>
+              <a:t>Modelling</a:t>
+            </a:r>
+            <a:r>
+              <a:rPr lang="de-DE" b="1" dirty="0"/>
+              <a:t/>
             </a:r>
             <a:br>
               <a:rPr lang="de-DE" b="1" dirty="0"/>
@@ -12396,7 +12635,7 @@
           <p:cNvPr id="3" name="Foliennummernplatzhalter 2">
             <a:extLst>
               <a:ext uri="{FF2B5EF4-FFF2-40B4-BE49-F238E27FC236}">
-                <a16:creationId xmlns:a16="http://schemas.microsoft.com/office/drawing/2014/main" id="{13FB55AE-2413-4B2D-AAE8-51AD3F8A934E}"/>
+                <a16:creationId xmlns:a16="http://schemas.microsoft.com/office/drawing/2014/main" xmlns="" id="{13FB55AE-2413-4B2D-AAE8-51AD3F8A934E}"/>
               </a:ext>
             </a:extLst>
           </p:cNvPr>
@@ -12430,6 +12669,13 @@
   <p:clrMapOvr>
     <a:masterClrMapping/>
   </p:clrMapOvr>
+  <p:timing>
+    <p:tnLst>
+      <p:par>
+        <p:cTn id="1" dur="indefinite" restart="never" nodeType="tmRoot"/>
+      </p:par>
+    </p:tnLst>
+  </p:timing>
 </p:sld>
 </file>
 
@@ -12455,7 +12701,7 @@
           <p:cNvPr id="2" name="Titel 1">
             <a:extLst>
               <a:ext uri="{FF2B5EF4-FFF2-40B4-BE49-F238E27FC236}">
-                <a16:creationId xmlns:a16="http://schemas.microsoft.com/office/drawing/2014/main" id="{B8A03A1C-3C7D-4F08-AA46-CCF513DED4F6}"/>
+                <a16:creationId xmlns:a16="http://schemas.microsoft.com/office/drawing/2014/main" xmlns="" id="{B8A03A1C-3C7D-4F08-AA46-CCF513DED4F6}"/>
               </a:ext>
             </a:extLst>
           </p:cNvPr>
@@ -12483,7 +12729,7 @@
           <p:cNvPr id="3" name="Inhaltsplatzhalter 2">
             <a:extLst>
               <a:ext uri="{FF2B5EF4-FFF2-40B4-BE49-F238E27FC236}">
-                <a16:creationId xmlns:a16="http://schemas.microsoft.com/office/drawing/2014/main" id="{4A9903FB-8364-4E7B-8B22-DE3FC68F46A0}"/>
+                <a16:creationId xmlns:a16="http://schemas.microsoft.com/office/drawing/2014/main" xmlns="" id="{4A9903FB-8364-4E7B-8B22-DE3FC68F46A0}"/>
               </a:ext>
             </a:extLst>
           </p:cNvPr>
@@ -12584,13 +12830,12 @@
               <a:t>Data </a:t>
             </a:r>
             <a:r>
-              <a:rPr lang="de-DE" dirty="0" err="1">
+              <a:rPr lang="de-DE" dirty="0" smtClean="0">
                 <a:ea typeface="+mn-lt"/>
                 <a:cs typeface="+mn-lt"/>
               </a:rPr>
-              <a:t>Profiling</a:t>
-            </a:r>
-            <a:endParaRPr lang="de-DE" dirty="0" err="1"/>
+              <a:t>Understanding</a:t>
+            </a:r>
           </a:p>
           <a:p>
             <a:pPr marL="914400" lvl="1" indent="-457200">
@@ -12598,17 +12843,20 @@
               <a:buAutoNum type="arabicPeriod"/>
             </a:pPr>
             <a:r>
-              <a:rPr lang="de-DE" dirty="0"/>
-              <a:t>Data </a:t>
-            </a:r>
-            <a:r>
-              <a:rPr lang="de-DE" dirty="0" err="1"/>
-              <a:t>Pre</a:t>
-            </a:r>
-            <a:r>
-              <a:rPr lang="de-DE" dirty="0"/>
-              <a:t>-Processing</a:t>
-            </a:r>
+              <a:rPr lang="de-DE" dirty="0" smtClean="0">
+                <a:ea typeface="+mn-lt"/>
+                <a:cs typeface="+mn-lt"/>
+              </a:rPr>
+              <a:t>Feature </a:t>
+            </a:r>
+            <a:r>
+              <a:rPr lang="de-DE" dirty="0" err="1" smtClean="0">
+                <a:ea typeface="+mn-lt"/>
+                <a:cs typeface="+mn-lt"/>
+              </a:rPr>
+              <a:t>Extraction</a:t>
+            </a:r>
+            <a:endParaRPr lang="de-DE" dirty="0"/>
           </a:p>
           <a:p>
             <a:pPr marL="914400" lvl="1" indent="-457200">
@@ -12617,7 +12865,15 @@
             </a:pPr>
             <a:r>
               <a:rPr lang="de-DE" dirty="0"/>
-              <a:t>Modelling</a:t>
+              <a:t>Data </a:t>
+            </a:r>
+            <a:r>
+              <a:rPr lang="de-DE" dirty="0" err="1"/>
+              <a:t>Pre</a:t>
+            </a:r>
+            <a:r>
+              <a:rPr lang="de-DE" dirty="0"/>
+              <a:t>-Processing</a:t>
             </a:r>
           </a:p>
           <a:p>
@@ -12626,10 +12882,9 @@
               <a:buAutoNum type="arabicPeriod"/>
             </a:pPr>
             <a:r>
-              <a:rPr lang="de-DE" dirty="0" err="1"/>
-              <a:t>Deployment</a:t>
-            </a:r>
-            <a:endParaRPr lang="de-DE" dirty="0"/>
+              <a:rPr lang="de-DE" dirty="0"/>
+              <a:t>Modelling</a:t>
+            </a:r>
           </a:p>
           <a:p>
             <a:pPr marL="914400" lvl="1" indent="-457200">
@@ -12638,7 +12893,7 @@
             </a:pPr>
             <a:r>
               <a:rPr lang="de-DE" dirty="0" err="1"/>
-              <a:t>Conclusion</a:t>
+              <a:t>Deployment</a:t>
             </a:r>
             <a:endParaRPr lang="de-DE" dirty="0"/>
           </a:p>
@@ -12648,6 +12903,17 @@
               <a:buAutoNum type="arabicPeriod"/>
             </a:pPr>
             <a:r>
+              <a:rPr lang="de-DE" dirty="0" err="1"/>
+              <a:t>Conclusion</a:t>
+            </a:r>
+            <a:endParaRPr lang="de-DE" dirty="0"/>
+          </a:p>
+          <a:p>
+            <a:pPr marL="914400" lvl="1" indent="-457200">
+              <a:buFont typeface="+mj-lt"/>
+              <a:buAutoNum type="arabicPeriod"/>
+            </a:pPr>
+            <a:r>
               <a:rPr lang="de-DE" dirty="0"/>
               <a:t>Outlook</a:t>
             </a:r>
@@ -12659,7 +12925,7 @@
           <p:cNvPr id="4" name="Datumsplatzhalter 3">
             <a:extLst>
               <a:ext uri="{FF2B5EF4-FFF2-40B4-BE49-F238E27FC236}">
-                <a16:creationId xmlns:a16="http://schemas.microsoft.com/office/drawing/2014/main" id="{0EE0CED9-646A-4EAD-8D37-D57176C9782D}"/>
+                <a16:creationId xmlns:a16="http://schemas.microsoft.com/office/drawing/2014/main" xmlns="" id="{0EE0CED9-646A-4EAD-8D37-D57176C9782D}"/>
               </a:ext>
             </a:extLst>
           </p:cNvPr>
@@ -12688,7 +12954,7 @@
           <p:cNvPr id="5" name="Fußzeilenplatzhalter 4">
             <a:extLst>
               <a:ext uri="{FF2B5EF4-FFF2-40B4-BE49-F238E27FC236}">
-                <a16:creationId xmlns:a16="http://schemas.microsoft.com/office/drawing/2014/main" id="{2C64776A-0A1D-45E5-8EFB-55A8CACA0550}"/>
+                <a16:creationId xmlns:a16="http://schemas.microsoft.com/office/drawing/2014/main" xmlns="" id="{2C64776A-0A1D-45E5-8EFB-55A8CACA0550}"/>
               </a:ext>
             </a:extLst>
           </p:cNvPr>
@@ -12737,7 +13003,7 @@
           <p:cNvPr id="7" name="Foliennummernplatzhalter 6">
             <a:extLst>
               <a:ext uri="{FF2B5EF4-FFF2-40B4-BE49-F238E27FC236}">
-                <a16:creationId xmlns:a16="http://schemas.microsoft.com/office/drawing/2014/main" id="{402A303F-A077-40A3-AFAC-E5A88D4E408E}"/>
+                <a16:creationId xmlns:a16="http://schemas.microsoft.com/office/drawing/2014/main" xmlns="" id="{402A303F-A077-40A3-AFAC-E5A88D4E408E}"/>
               </a:ext>
             </a:extLst>
           </p:cNvPr>
@@ -12771,6 +13037,13 @@
   <p:clrMapOvr>
     <a:masterClrMapping/>
   </p:clrMapOvr>
+  <p:timing>
+    <p:tnLst>
+      <p:par>
+        <p:cTn id="1" dur="indefinite" restart="never" nodeType="tmRoot"/>
+      </p:par>
+    </p:tnLst>
+  </p:timing>
 </p:sld>
 </file>
 
@@ -12808,7 +13081,19 @@
           <a:p>
             <a:r>
               <a:rPr lang="en-US" b="1" dirty="0"/>
-              <a:t>3. Modelling</a:t>
+              <a:t>5</a:t>
+            </a:r>
+            <a:r>
+              <a:rPr lang="en-US" b="1" dirty="0" smtClean="0"/>
+              <a:t>. </a:t>
+            </a:r>
+            <a:r>
+              <a:rPr lang="en-US" b="1" dirty="0"/>
+              <a:t>Modelling</a:t>
+            </a:r>
+            <a:r>
+              <a:rPr lang="de-DE" b="1" dirty="0"/>
+              <a:t/>
             </a:r>
             <a:br>
               <a:rPr lang="de-DE" b="1" dirty="0"/>
@@ -13017,7 +13302,7 @@
           <p:cNvPr id="6" name="Foliennummernplatzhalter 5">
             <a:extLst>
               <a:ext uri="{FF2B5EF4-FFF2-40B4-BE49-F238E27FC236}">
-                <a16:creationId xmlns:a16="http://schemas.microsoft.com/office/drawing/2014/main" id="{86276B9C-EFEB-4640-B9C6-3554F9090A8A}"/>
+                <a16:creationId xmlns:a16="http://schemas.microsoft.com/office/drawing/2014/main" xmlns="" id="{86276B9C-EFEB-4640-B9C6-3554F9090A8A}"/>
               </a:ext>
             </a:extLst>
           </p:cNvPr>
@@ -13051,6 +13336,13 @@
   <p:clrMapOvr>
     <a:masterClrMapping/>
   </p:clrMapOvr>
+  <p:timing>
+    <p:tnLst>
+      <p:par>
+        <p:cTn id="1" dur="indefinite" restart="never" nodeType="tmRoot"/>
+      </p:par>
+    </p:tnLst>
+  </p:timing>
 </p:sld>
 </file>
 
@@ -13076,7 +13368,7 @@
           <p:cNvPr id="2" name="Title 1">
             <a:extLst>
               <a:ext uri="{FF2B5EF4-FFF2-40B4-BE49-F238E27FC236}">
-                <a16:creationId xmlns:a16="http://schemas.microsoft.com/office/drawing/2014/main" id="{E78C2EF9-7E30-BF43-A0CE-B6BA7F97CE94}"/>
+                <a16:creationId xmlns:a16="http://schemas.microsoft.com/office/drawing/2014/main" xmlns="" id="{E78C2EF9-7E30-BF43-A0CE-B6BA7F97CE94}"/>
               </a:ext>
             </a:extLst>
           </p:cNvPr>
@@ -13096,7 +13388,19 @@
           <a:p>
             <a:r>
               <a:rPr lang="en-US" b="1" dirty="0"/>
-              <a:t>3. Modelling</a:t>
+              <a:t>5</a:t>
+            </a:r>
+            <a:r>
+              <a:rPr lang="en-US" b="1" dirty="0" smtClean="0"/>
+              <a:t>. </a:t>
+            </a:r>
+            <a:r>
+              <a:rPr lang="en-US" b="1" dirty="0"/>
+              <a:t>Modelling</a:t>
+            </a:r>
+            <a:r>
+              <a:rPr lang="de-DE" b="1" dirty="0"/>
+              <a:t/>
             </a:r>
             <a:br>
               <a:rPr lang="de-DE" b="1" dirty="0"/>
@@ -13117,7 +13421,7 @@
           <p:cNvPr id="3" name="Content Placeholder 2">
             <a:extLst>
               <a:ext uri="{FF2B5EF4-FFF2-40B4-BE49-F238E27FC236}">
-                <a16:creationId xmlns:a16="http://schemas.microsoft.com/office/drawing/2014/main" id="{217EF918-CD77-A447-9195-A094319297E9}"/>
+                <a16:creationId xmlns:a16="http://schemas.microsoft.com/office/drawing/2014/main" xmlns="" id="{217EF918-CD77-A447-9195-A094319297E9}"/>
               </a:ext>
             </a:extLst>
           </p:cNvPr>
@@ -13312,7 +13616,7 @@
           <p:cNvPr id="4" name="Date Placeholder 3">
             <a:extLst>
               <a:ext uri="{FF2B5EF4-FFF2-40B4-BE49-F238E27FC236}">
-                <a16:creationId xmlns:a16="http://schemas.microsoft.com/office/drawing/2014/main" id="{6FA4FF7B-E299-3A4B-8E33-042963423742}"/>
+                <a16:creationId xmlns:a16="http://schemas.microsoft.com/office/drawing/2014/main" xmlns="" id="{6FA4FF7B-E299-3A4B-8E33-042963423742}"/>
               </a:ext>
             </a:extLst>
           </p:cNvPr>
@@ -13341,7 +13645,7 @@
           <p:cNvPr id="5" name="Footer Placeholder 4">
             <a:extLst>
               <a:ext uri="{FF2B5EF4-FFF2-40B4-BE49-F238E27FC236}">
-                <a16:creationId xmlns:a16="http://schemas.microsoft.com/office/drawing/2014/main" id="{F96D021F-BD94-ED4C-8615-0445AB48C70F}"/>
+                <a16:creationId xmlns:a16="http://schemas.microsoft.com/office/drawing/2014/main" xmlns="" id="{F96D021F-BD94-ED4C-8615-0445AB48C70F}"/>
               </a:ext>
             </a:extLst>
           </p:cNvPr>
@@ -13369,7 +13673,7 @@
           <p:cNvPr id="6" name="Slide Number Placeholder 5">
             <a:extLst>
               <a:ext uri="{FF2B5EF4-FFF2-40B4-BE49-F238E27FC236}">
-                <a16:creationId xmlns:a16="http://schemas.microsoft.com/office/drawing/2014/main" id="{83D71821-2DE4-914B-AC74-FB5B5D007DB3}"/>
+                <a16:creationId xmlns:a16="http://schemas.microsoft.com/office/drawing/2014/main" xmlns="" id="{83D71821-2DE4-914B-AC74-FB5B5D007DB3}"/>
               </a:ext>
             </a:extLst>
           </p:cNvPr>
@@ -13403,6 +13707,13 @@
   <p:clrMapOvr>
     <a:masterClrMapping/>
   </p:clrMapOvr>
+  <p:timing>
+    <p:tnLst>
+      <p:par>
+        <p:cTn id="1" dur="indefinite" restart="never" nodeType="tmRoot"/>
+      </p:par>
+    </p:tnLst>
+  </p:timing>
 </p:sld>
 </file>
 
@@ -13428,7 +13739,7 @@
           <p:cNvPr id="2" name="Title 1">
             <a:extLst>
               <a:ext uri="{FF2B5EF4-FFF2-40B4-BE49-F238E27FC236}">
-                <a16:creationId xmlns:a16="http://schemas.microsoft.com/office/drawing/2014/main" id="{B877C95B-C883-E549-BE75-346DB8072961}"/>
+                <a16:creationId xmlns:a16="http://schemas.microsoft.com/office/drawing/2014/main" xmlns="" id="{B877C95B-C883-E549-BE75-346DB8072961}"/>
               </a:ext>
             </a:extLst>
           </p:cNvPr>
@@ -13453,7 +13764,19 @@
           <a:p>
             <a:r>
               <a:rPr lang="en-US" b="1" dirty="0"/>
-              <a:t>3. Modelling</a:t>
+              <a:t>5</a:t>
+            </a:r>
+            <a:r>
+              <a:rPr lang="en-US" b="1" dirty="0" smtClean="0"/>
+              <a:t>. </a:t>
+            </a:r>
+            <a:r>
+              <a:rPr lang="en-US" b="1" dirty="0"/>
+              <a:t>Modelling</a:t>
+            </a:r>
+            <a:r>
+              <a:rPr lang="de-DE" b="1" dirty="0"/>
+              <a:t/>
             </a:r>
             <a:br>
               <a:rPr lang="de-DE" b="1" dirty="0"/>
@@ -13474,7 +13797,7 @@
           <p:cNvPr id="3" name="Content Placeholder 2">
             <a:extLst>
               <a:ext uri="{FF2B5EF4-FFF2-40B4-BE49-F238E27FC236}">
-                <a16:creationId xmlns:a16="http://schemas.microsoft.com/office/drawing/2014/main" id="{ED73BD12-4ECB-FD41-9333-E0F1B5E15F33}"/>
+                <a16:creationId xmlns:a16="http://schemas.microsoft.com/office/drawing/2014/main" xmlns="" id="{ED73BD12-4ECB-FD41-9333-E0F1B5E15F33}"/>
               </a:ext>
             </a:extLst>
           </p:cNvPr>
@@ -13595,7 +13918,7 @@
           <p:cNvPr id="4" name="Date Placeholder 3">
             <a:extLst>
               <a:ext uri="{FF2B5EF4-FFF2-40B4-BE49-F238E27FC236}">
-                <a16:creationId xmlns:a16="http://schemas.microsoft.com/office/drawing/2014/main" id="{833AB5A6-A4C9-B34B-84D8-BBC2E62C7FB9}"/>
+                <a16:creationId xmlns:a16="http://schemas.microsoft.com/office/drawing/2014/main" xmlns="" id="{833AB5A6-A4C9-B34B-84D8-BBC2E62C7FB9}"/>
               </a:ext>
             </a:extLst>
           </p:cNvPr>
@@ -13624,7 +13947,7 @@
           <p:cNvPr id="5" name="Footer Placeholder 4">
             <a:extLst>
               <a:ext uri="{FF2B5EF4-FFF2-40B4-BE49-F238E27FC236}">
-                <a16:creationId xmlns:a16="http://schemas.microsoft.com/office/drawing/2014/main" id="{9F38D1A9-D7D9-F340-A8A7-9406C37FFD0E}"/>
+                <a16:creationId xmlns:a16="http://schemas.microsoft.com/office/drawing/2014/main" xmlns="" id="{9F38D1A9-D7D9-F340-A8A7-9406C37FFD0E}"/>
               </a:ext>
             </a:extLst>
           </p:cNvPr>
@@ -13652,7 +13975,7 @@
           <p:cNvPr id="6" name="Slide Number Placeholder 5">
             <a:extLst>
               <a:ext uri="{FF2B5EF4-FFF2-40B4-BE49-F238E27FC236}">
-                <a16:creationId xmlns:a16="http://schemas.microsoft.com/office/drawing/2014/main" id="{D5D65B65-FB02-F44B-BDDB-61AE51D5B8B3}"/>
+                <a16:creationId xmlns:a16="http://schemas.microsoft.com/office/drawing/2014/main" xmlns="" id="{D5D65B65-FB02-F44B-BDDB-61AE51D5B8B3}"/>
               </a:ext>
             </a:extLst>
           </p:cNvPr>
@@ -13681,7 +14004,7 @@
           <p:cNvPr id="7" name="Picture 6">
             <a:extLst>
               <a:ext uri="{FF2B5EF4-FFF2-40B4-BE49-F238E27FC236}">
-                <a16:creationId xmlns:a16="http://schemas.microsoft.com/office/drawing/2014/main" id="{262BC9EE-54AB-284E-BBD7-315F0E334D36}"/>
+                <a16:creationId xmlns:a16="http://schemas.microsoft.com/office/drawing/2014/main" xmlns="" id="{262BC9EE-54AB-284E-BBD7-315F0E334D36}"/>
               </a:ext>
             </a:extLst>
           </p:cNvPr>
@@ -13719,6 +14042,13 @@
   <p:clrMapOvr>
     <a:masterClrMapping/>
   </p:clrMapOvr>
+  <p:timing>
+    <p:tnLst>
+      <p:par>
+        <p:cTn id="1" dur="indefinite" restart="never" nodeType="tmRoot"/>
+      </p:par>
+    </p:tnLst>
+  </p:timing>
 </p:sld>
 </file>
 
@@ -13756,7 +14086,19 @@
           <a:p>
             <a:r>
               <a:rPr lang="en-US" b="1" dirty="0"/>
-              <a:t>3. Modelling</a:t>
+              <a:t>5</a:t>
+            </a:r>
+            <a:r>
+              <a:rPr lang="en-US" b="1" dirty="0" smtClean="0"/>
+              <a:t>. </a:t>
+            </a:r>
+            <a:r>
+              <a:rPr lang="en-US" b="1" dirty="0"/>
+              <a:t>Modelling</a:t>
+            </a:r>
+            <a:r>
+              <a:rPr lang="de-DE" b="1" dirty="0"/>
+              <a:t/>
             </a:r>
             <a:br>
               <a:rPr lang="de-DE" b="1" dirty="0"/>
@@ -13801,21 +14143,21 @@
                 <a:gridCol w="3505200">
                   <a:extLst>
                     <a:ext uri="{9D8B030D-6E8A-4147-A177-3AD203B41FA5}">
-                      <a16:colId xmlns:a16="http://schemas.microsoft.com/office/drawing/2014/main" val="20000"/>
+                      <a16:colId xmlns:a16="http://schemas.microsoft.com/office/drawing/2014/main" xmlns="" val="20000"/>
                     </a:ext>
                   </a:extLst>
                 </a:gridCol>
                 <a:gridCol w="3505200">
                   <a:extLst>
                     <a:ext uri="{9D8B030D-6E8A-4147-A177-3AD203B41FA5}">
-                      <a16:colId xmlns:a16="http://schemas.microsoft.com/office/drawing/2014/main" val="20001"/>
+                      <a16:colId xmlns:a16="http://schemas.microsoft.com/office/drawing/2014/main" xmlns="" val="20001"/>
                     </a:ext>
                   </a:extLst>
                 </a:gridCol>
                 <a:gridCol w="3505200">
                   <a:extLst>
                     <a:ext uri="{9D8B030D-6E8A-4147-A177-3AD203B41FA5}">
-                      <a16:colId xmlns:a16="http://schemas.microsoft.com/office/drawing/2014/main" val="20002"/>
+                      <a16:colId xmlns:a16="http://schemas.microsoft.com/office/drawing/2014/main" xmlns="" val="20002"/>
                     </a:ext>
                   </a:extLst>
                 </a:gridCol>
@@ -13872,7 +14214,7 @@
                 </a:tc>
                 <a:extLst>
                   <a:ext uri="{0D108BD9-81ED-4DB2-BD59-A6C34878D82A}">
-                    <a16:rowId xmlns:a16="http://schemas.microsoft.com/office/drawing/2014/main" val="10000"/>
+                    <a16:rowId xmlns:a16="http://schemas.microsoft.com/office/drawing/2014/main" xmlns="" val="10000"/>
                   </a:ext>
                 </a:extLst>
               </a:tr>
@@ -13923,7 +14265,7 @@
                 </a:tc>
                 <a:extLst>
                   <a:ext uri="{0D108BD9-81ED-4DB2-BD59-A6C34878D82A}">
-                    <a16:rowId xmlns:a16="http://schemas.microsoft.com/office/drawing/2014/main" val="10001"/>
+                    <a16:rowId xmlns:a16="http://schemas.microsoft.com/office/drawing/2014/main" xmlns="" val="10001"/>
                   </a:ext>
                 </a:extLst>
               </a:tr>
@@ -13991,7 +14333,7 @@
                 </a:tc>
                 <a:extLst>
                   <a:ext uri="{0D108BD9-81ED-4DB2-BD59-A6C34878D82A}">
-                    <a16:rowId xmlns:a16="http://schemas.microsoft.com/office/drawing/2014/main" val="10002"/>
+                    <a16:rowId xmlns:a16="http://schemas.microsoft.com/office/drawing/2014/main" xmlns="" val="10002"/>
                   </a:ext>
                 </a:extLst>
               </a:tr>
@@ -14059,7 +14401,7 @@
                 </a:tc>
                 <a:extLst>
                   <a:ext uri="{0D108BD9-81ED-4DB2-BD59-A6C34878D82A}">
-                    <a16:rowId xmlns:a16="http://schemas.microsoft.com/office/drawing/2014/main" val="10003"/>
+                    <a16:rowId xmlns:a16="http://schemas.microsoft.com/office/drawing/2014/main" xmlns="" val="10003"/>
                   </a:ext>
                 </a:extLst>
               </a:tr>
@@ -14122,7 +14464,7 @@
                 </a:tc>
                 <a:extLst>
                   <a:ext uri="{0D108BD9-81ED-4DB2-BD59-A6C34878D82A}">
-                    <a16:rowId xmlns:a16="http://schemas.microsoft.com/office/drawing/2014/main" val="3677354426"/>
+                    <a16:rowId xmlns:a16="http://schemas.microsoft.com/office/drawing/2014/main" xmlns="" val="3677354426"/>
                   </a:ext>
                 </a:extLst>
               </a:tr>
@@ -14190,7 +14532,7 @@
                 </a:tc>
                 <a:extLst>
                   <a:ext uri="{0D108BD9-81ED-4DB2-BD59-A6C34878D82A}">
-                    <a16:rowId xmlns:a16="http://schemas.microsoft.com/office/drawing/2014/main" val="10004"/>
+                    <a16:rowId xmlns:a16="http://schemas.microsoft.com/office/drawing/2014/main" xmlns="" val="10004"/>
                   </a:ext>
                 </a:extLst>
               </a:tr>
@@ -14258,7 +14600,7 @@
                 </a:tc>
                 <a:extLst>
                   <a:ext uri="{0D108BD9-81ED-4DB2-BD59-A6C34878D82A}">
-                    <a16:rowId xmlns:a16="http://schemas.microsoft.com/office/drawing/2014/main" val="10005"/>
+                    <a16:rowId xmlns:a16="http://schemas.microsoft.com/office/drawing/2014/main" xmlns="" val="10005"/>
                   </a:ext>
                 </a:extLst>
               </a:tr>
@@ -14374,7 +14716,7 @@
           <p:cNvPr id="3" name="Datumsplatzhalter 2">
             <a:extLst>
               <a:ext uri="{FF2B5EF4-FFF2-40B4-BE49-F238E27FC236}">
-                <a16:creationId xmlns:a16="http://schemas.microsoft.com/office/drawing/2014/main" id="{50E7D065-4347-461E-A310-D077FFA7AEDB}"/>
+                <a16:creationId xmlns:a16="http://schemas.microsoft.com/office/drawing/2014/main" xmlns="" id="{50E7D065-4347-461E-A310-D077FFA7AEDB}"/>
               </a:ext>
             </a:extLst>
           </p:cNvPr>
@@ -14403,7 +14745,7 @@
           <p:cNvPr id="6" name="Foliennummernplatzhalter 5">
             <a:extLst>
               <a:ext uri="{FF2B5EF4-FFF2-40B4-BE49-F238E27FC236}">
-                <a16:creationId xmlns:a16="http://schemas.microsoft.com/office/drawing/2014/main" id="{449E486C-8699-47ED-A562-EFD23DE0D973}"/>
+                <a16:creationId xmlns:a16="http://schemas.microsoft.com/office/drawing/2014/main" xmlns="" id="{449E486C-8699-47ED-A562-EFD23DE0D973}"/>
               </a:ext>
             </a:extLst>
           </p:cNvPr>
@@ -14437,6 +14779,13 @@
   <p:clrMapOvr>
     <a:masterClrMapping/>
   </p:clrMapOvr>
+  <p:timing>
+    <p:tnLst>
+      <p:par>
+        <p:cTn id="1" dur="indefinite" restart="never" nodeType="tmRoot"/>
+      </p:par>
+    </p:tnLst>
+  </p:timing>
 </p:sld>
 </file>
 
@@ -14474,7 +14823,19 @@
           <a:p>
             <a:r>
               <a:rPr lang="en-US" b="1" dirty="0"/>
-              <a:t>3. Modelling</a:t>
+              <a:t>5</a:t>
+            </a:r>
+            <a:r>
+              <a:rPr lang="en-US" b="1" dirty="0" smtClean="0"/>
+              <a:t>. </a:t>
+            </a:r>
+            <a:r>
+              <a:rPr lang="en-US" b="1" dirty="0"/>
+              <a:t>Modelling</a:t>
+            </a:r>
+            <a:r>
+              <a:rPr lang="de-DE" b="1" dirty="0"/>
+              <a:t/>
             </a:r>
             <a:br>
               <a:rPr lang="de-DE" b="1" dirty="0"/>
@@ -14733,14 +15094,14 @@
                 <a:gridCol w="3505200">
                   <a:extLst>
                     <a:ext uri="{9D8B030D-6E8A-4147-A177-3AD203B41FA5}">
-                      <a16:colId xmlns:a16="http://schemas.microsoft.com/office/drawing/2014/main" val="20000"/>
+                      <a16:colId xmlns:a16="http://schemas.microsoft.com/office/drawing/2014/main" xmlns="" val="20000"/>
                     </a:ext>
                   </a:extLst>
                 </a:gridCol>
                 <a:gridCol w="3505200">
                   <a:extLst>
                     <a:ext uri="{9D8B030D-6E8A-4147-A177-3AD203B41FA5}">
-                      <a16:colId xmlns:a16="http://schemas.microsoft.com/office/drawing/2014/main" val="20001"/>
+                      <a16:colId xmlns:a16="http://schemas.microsoft.com/office/drawing/2014/main" xmlns="" val="20001"/>
                     </a:ext>
                   </a:extLst>
                 </a:gridCol>
@@ -14790,7 +15151,7 @@
                 </a:tc>
                 <a:extLst>
                   <a:ext uri="{0D108BD9-81ED-4DB2-BD59-A6C34878D82A}">
-                    <a16:rowId xmlns:a16="http://schemas.microsoft.com/office/drawing/2014/main" val="10000"/>
+                    <a16:rowId xmlns:a16="http://schemas.microsoft.com/office/drawing/2014/main" xmlns="" val="10000"/>
                   </a:ext>
                 </a:extLst>
               </a:tr>
@@ -14823,7 +15184,7 @@
                 </a:tc>
                 <a:extLst>
                   <a:ext uri="{0D108BD9-81ED-4DB2-BD59-A6C34878D82A}">
-                    <a16:rowId xmlns:a16="http://schemas.microsoft.com/office/drawing/2014/main" val="10001"/>
+                    <a16:rowId xmlns:a16="http://schemas.microsoft.com/office/drawing/2014/main" xmlns="" val="10001"/>
                   </a:ext>
                 </a:extLst>
               </a:tr>
@@ -14873,7 +15234,7 @@
                 </a:tc>
                 <a:extLst>
                   <a:ext uri="{0D108BD9-81ED-4DB2-BD59-A6C34878D82A}">
-                    <a16:rowId xmlns:a16="http://schemas.microsoft.com/office/drawing/2014/main" val="10002"/>
+                    <a16:rowId xmlns:a16="http://schemas.microsoft.com/office/drawing/2014/main" xmlns="" val="10002"/>
                   </a:ext>
                 </a:extLst>
               </a:tr>
@@ -14923,7 +15284,7 @@
                 </a:tc>
                 <a:extLst>
                   <a:ext uri="{0D108BD9-81ED-4DB2-BD59-A6C34878D82A}">
-                    <a16:rowId xmlns:a16="http://schemas.microsoft.com/office/drawing/2014/main" val="10003"/>
+                    <a16:rowId xmlns:a16="http://schemas.microsoft.com/office/drawing/2014/main" xmlns="" val="10003"/>
                   </a:ext>
                 </a:extLst>
               </a:tr>
@@ -14973,7 +15334,7 @@
                 </a:tc>
                 <a:extLst>
                   <a:ext uri="{0D108BD9-81ED-4DB2-BD59-A6C34878D82A}">
-                    <a16:rowId xmlns:a16="http://schemas.microsoft.com/office/drawing/2014/main" val="10004"/>
+                    <a16:rowId xmlns:a16="http://schemas.microsoft.com/office/drawing/2014/main" xmlns="" val="10004"/>
                   </a:ext>
                 </a:extLst>
               </a:tr>
@@ -15023,7 +15384,7 @@
                 </a:tc>
                 <a:extLst>
                   <a:ext uri="{0D108BD9-81ED-4DB2-BD59-A6C34878D82A}">
-                    <a16:rowId xmlns:a16="http://schemas.microsoft.com/office/drawing/2014/main" val="10005"/>
+                    <a16:rowId xmlns:a16="http://schemas.microsoft.com/office/drawing/2014/main" xmlns="" val="10005"/>
                   </a:ext>
                 </a:extLst>
               </a:tr>
@@ -15073,7 +15434,7 @@
                 </a:tc>
                 <a:extLst>
                   <a:ext uri="{0D108BD9-81ED-4DB2-BD59-A6C34878D82A}">
-                    <a16:rowId xmlns:a16="http://schemas.microsoft.com/office/drawing/2014/main" val="3142730585"/>
+                    <a16:rowId xmlns:a16="http://schemas.microsoft.com/office/drawing/2014/main" xmlns="" val="3142730585"/>
                   </a:ext>
                 </a:extLst>
               </a:tr>
@@ -15086,7 +15447,7 @@
           <p:cNvPr id="5" name="Datumsplatzhalter 4">
             <a:extLst>
               <a:ext uri="{FF2B5EF4-FFF2-40B4-BE49-F238E27FC236}">
-                <a16:creationId xmlns:a16="http://schemas.microsoft.com/office/drawing/2014/main" id="{CEEACF86-5ED5-4581-8D51-A1F0BE8D0627}"/>
+                <a16:creationId xmlns:a16="http://schemas.microsoft.com/office/drawing/2014/main" xmlns="" id="{CEEACF86-5ED5-4581-8D51-A1F0BE8D0627}"/>
               </a:ext>
             </a:extLst>
           </p:cNvPr>
@@ -15115,7 +15476,7 @@
           <p:cNvPr id="6" name="Foliennummernplatzhalter 5">
             <a:extLst>
               <a:ext uri="{FF2B5EF4-FFF2-40B4-BE49-F238E27FC236}">
-                <a16:creationId xmlns:a16="http://schemas.microsoft.com/office/drawing/2014/main" id="{F038AFD7-1214-42B8-A8A8-7C41D162EA69}"/>
+                <a16:creationId xmlns:a16="http://schemas.microsoft.com/office/drawing/2014/main" xmlns="" id="{F038AFD7-1214-42B8-A8A8-7C41D162EA69}"/>
               </a:ext>
             </a:extLst>
           </p:cNvPr>
@@ -15149,6 +15510,13 @@
   <p:clrMapOvr>
     <a:masterClrMapping/>
   </p:clrMapOvr>
+  <p:timing>
+    <p:tnLst>
+      <p:par>
+        <p:cTn id="1" dur="indefinite" restart="never" nodeType="tmRoot"/>
+      </p:par>
+    </p:tnLst>
+  </p:timing>
 </p:sld>
 </file>
 
@@ -15174,7 +15542,7 @@
           <p:cNvPr id="29" name="Rectangle 28">
             <a:extLst>
               <a:ext uri="{FF2B5EF4-FFF2-40B4-BE49-F238E27FC236}">
-                <a16:creationId xmlns:a16="http://schemas.microsoft.com/office/drawing/2014/main" id="{8702679B-5D5E-4BD1-AEBB-7D5DAE2DB1D4}"/>
+                <a16:creationId xmlns:a16="http://schemas.microsoft.com/office/drawing/2014/main" xmlns="" id="{8702679B-5D5E-4BD1-AEBB-7D5DAE2DB1D4}"/>
               </a:ext>
             </a:extLst>
           </p:cNvPr>
@@ -15221,7 +15589,7 @@
           <a:lstStyle/>
           <a:p>
             <a:pPr algn="ctr"/>
-            <a:endParaRPr lang="en-DE" dirty="0"/>
+            <a:endParaRPr lang="aa-ET" dirty="0"/>
           </a:p>
         </p:txBody>
       </p:sp>
@@ -15230,7 +15598,7 @@
           <p:cNvPr id="2" name="Title 1">
             <a:extLst>
               <a:ext uri="{FF2B5EF4-FFF2-40B4-BE49-F238E27FC236}">
-                <a16:creationId xmlns:a16="http://schemas.microsoft.com/office/drawing/2014/main" id="{98D8E5DC-62D3-C440-B344-56CEF9F4D5E0}"/>
+                <a16:creationId xmlns:a16="http://schemas.microsoft.com/office/drawing/2014/main" xmlns="" id="{98D8E5DC-62D3-C440-B344-56CEF9F4D5E0}"/>
               </a:ext>
             </a:extLst>
           </p:cNvPr>
@@ -15248,7 +15616,15 @@
           <a:p>
             <a:r>
               <a:rPr lang="en-US" b="1" dirty="0"/>
-              <a:t>4. Deployment</a:t>
+              <a:t>6</a:t>
+            </a:r>
+            <a:r>
+              <a:rPr lang="en-US" b="1" dirty="0" smtClean="0"/>
+              <a:t>. </a:t>
+            </a:r>
+            <a:r>
+              <a:rPr lang="en-US" b="1" dirty="0"/>
+              <a:t>Deployment</a:t>
             </a:r>
           </a:p>
         </p:txBody>
@@ -15258,7 +15634,7 @@
           <p:cNvPr id="4" name="Date Placeholder 3">
             <a:extLst>
               <a:ext uri="{FF2B5EF4-FFF2-40B4-BE49-F238E27FC236}">
-                <a16:creationId xmlns:a16="http://schemas.microsoft.com/office/drawing/2014/main" id="{AE4D9406-C977-8A4D-9E9E-FFF8259387A3}"/>
+                <a16:creationId xmlns:a16="http://schemas.microsoft.com/office/drawing/2014/main" xmlns="" id="{AE4D9406-C977-8A4D-9E9E-FFF8259387A3}"/>
               </a:ext>
             </a:extLst>
           </p:cNvPr>
@@ -15287,7 +15663,7 @@
           <p:cNvPr id="5" name="Footer Placeholder 4">
             <a:extLst>
               <a:ext uri="{FF2B5EF4-FFF2-40B4-BE49-F238E27FC236}">
-                <a16:creationId xmlns:a16="http://schemas.microsoft.com/office/drawing/2014/main" id="{0C39908E-F4F2-3642-BB9B-D357FD04EDAC}"/>
+                <a16:creationId xmlns:a16="http://schemas.microsoft.com/office/drawing/2014/main" xmlns="" id="{0C39908E-F4F2-3642-BB9B-D357FD04EDAC}"/>
               </a:ext>
             </a:extLst>
           </p:cNvPr>
@@ -15315,7 +15691,7 @@
           <p:cNvPr id="6" name="Slide Number Placeholder 5">
             <a:extLst>
               <a:ext uri="{FF2B5EF4-FFF2-40B4-BE49-F238E27FC236}">
-                <a16:creationId xmlns:a16="http://schemas.microsoft.com/office/drawing/2014/main" id="{BAD977B4-7D6A-5844-ADAD-CCE2E9FA4404}"/>
+                <a16:creationId xmlns:a16="http://schemas.microsoft.com/office/drawing/2014/main" xmlns="" id="{BAD977B4-7D6A-5844-ADAD-CCE2E9FA4404}"/>
               </a:ext>
             </a:extLst>
           </p:cNvPr>
@@ -15344,7 +15720,7 @@
           <p:cNvPr id="9" name="Rectangle 8">
             <a:extLst>
               <a:ext uri="{FF2B5EF4-FFF2-40B4-BE49-F238E27FC236}">
-                <a16:creationId xmlns:a16="http://schemas.microsoft.com/office/drawing/2014/main" id="{CF1AFBD6-31A5-4D1D-B924-E820538235A8}"/>
+                <a16:creationId xmlns:a16="http://schemas.microsoft.com/office/drawing/2014/main" xmlns="" id="{CF1AFBD6-31A5-4D1D-B924-E820538235A8}"/>
               </a:ext>
             </a:extLst>
           </p:cNvPr>
@@ -15412,7 +15788,7 @@
           <p:cNvPr id="10" name="Rectangle 9">
             <a:extLst>
               <a:ext uri="{FF2B5EF4-FFF2-40B4-BE49-F238E27FC236}">
-                <a16:creationId xmlns:a16="http://schemas.microsoft.com/office/drawing/2014/main" id="{2A8CDD16-A0EC-4050-9BAF-8B80AE57A884}"/>
+                <a16:creationId xmlns:a16="http://schemas.microsoft.com/office/drawing/2014/main" xmlns="" id="{2A8CDD16-A0EC-4050-9BAF-8B80AE57A884}"/>
               </a:ext>
             </a:extLst>
           </p:cNvPr>
@@ -15481,7 +15857,7 @@
           <p:cNvPr id="11" name="Rectangle 10">
             <a:extLst>
               <a:ext uri="{FF2B5EF4-FFF2-40B4-BE49-F238E27FC236}">
-                <a16:creationId xmlns:a16="http://schemas.microsoft.com/office/drawing/2014/main" id="{CA42E028-E77D-4270-89A8-67ED208B97E8}"/>
+                <a16:creationId xmlns:a16="http://schemas.microsoft.com/office/drawing/2014/main" xmlns="" id="{CA42E028-E77D-4270-89A8-67ED208B97E8}"/>
               </a:ext>
             </a:extLst>
           </p:cNvPr>
@@ -15550,7 +15926,7 @@
           <p:cNvPr id="12" name="Rectangle 11">
             <a:extLst>
               <a:ext uri="{FF2B5EF4-FFF2-40B4-BE49-F238E27FC236}">
-                <a16:creationId xmlns:a16="http://schemas.microsoft.com/office/drawing/2014/main" id="{208F8C79-18D5-404E-91BF-77344DFE3393}"/>
+                <a16:creationId xmlns:a16="http://schemas.microsoft.com/office/drawing/2014/main" xmlns="" id="{208F8C79-18D5-404E-91BF-77344DFE3393}"/>
               </a:ext>
             </a:extLst>
           </p:cNvPr>
@@ -15619,7 +15995,7 @@
           <p:cNvPr id="13" name="Rectangle 12">
             <a:extLst>
               <a:ext uri="{FF2B5EF4-FFF2-40B4-BE49-F238E27FC236}">
-                <a16:creationId xmlns:a16="http://schemas.microsoft.com/office/drawing/2014/main" id="{148A9A7B-C844-4C50-BF40-24B090C3CC33}"/>
+                <a16:creationId xmlns:a16="http://schemas.microsoft.com/office/drawing/2014/main" xmlns="" id="{148A9A7B-C844-4C50-BF40-24B090C3CC33}"/>
               </a:ext>
             </a:extLst>
           </p:cNvPr>
@@ -15688,7 +16064,7 @@
           <p:cNvPr id="14" name="Rectangle 13">
             <a:extLst>
               <a:ext uri="{FF2B5EF4-FFF2-40B4-BE49-F238E27FC236}">
-                <a16:creationId xmlns:a16="http://schemas.microsoft.com/office/drawing/2014/main" id="{23E69E37-3868-4A7A-BBB1-6CAAFF31F41D}"/>
+                <a16:creationId xmlns:a16="http://schemas.microsoft.com/office/drawing/2014/main" xmlns="" id="{23E69E37-3868-4A7A-BBB1-6CAAFF31F41D}"/>
               </a:ext>
             </a:extLst>
           </p:cNvPr>
@@ -15756,7 +16132,7 @@
           <p:cNvPr id="15" name="Rectangle 14">
             <a:extLst>
               <a:ext uri="{FF2B5EF4-FFF2-40B4-BE49-F238E27FC236}">
-                <a16:creationId xmlns:a16="http://schemas.microsoft.com/office/drawing/2014/main" id="{7E4A416E-F79B-4D3D-AF66-FDD51153BF76}"/>
+                <a16:creationId xmlns:a16="http://schemas.microsoft.com/office/drawing/2014/main" xmlns="" id="{7E4A416E-F79B-4D3D-AF66-FDD51153BF76}"/>
               </a:ext>
             </a:extLst>
           </p:cNvPr>
@@ -15825,7 +16201,7 @@
           <p:cNvPr id="16" name="Rectangle 15">
             <a:extLst>
               <a:ext uri="{FF2B5EF4-FFF2-40B4-BE49-F238E27FC236}">
-                <a16:creationId xmlns:a16="http://schemas.microsoft.com/office/drawing/2014/main" id="{0FC0A875-BECF-4D70-ABDD-5D1E03EFD4A8}"/>
+                <a16:creationId xmlns:a16="http://schemas.microsoft.com/office/drawing/2014/main" xmlns="" id="{0FC0A875-BECF-4D70-ABDD-5D1E03EFD4A8}"/>
               </a:ext>
             </a:extLst>
           </p:cNvPr>
@@ -15894,7 +16270,7 @@
           <p:cNvPr id="17" name="Rectangle 16">
             <a:extLst>
               <a:ext uri="{FF2B5EF4-FFF2-40B4-BE49-F238E27FC236}">
-                <a16:creationId xmlns:a16="http://schemas.microsoft.com/office/drawing/2014/main" id="{EF9ABB5F-1B4C-415F-991B-B3F33AD6DC6C}"/>
+                <a16:creationId xmlns:a16="http://schemas.microsoft.com/office/drawing/2014/main" xmlns="" id="{EF9ABB5F-1B4C-415F-991B-B3F33AD6DC6C}"/>
               </a:ext>
             </a:extLst>
           </p:cNvPr>
@@ -15962,7 +16338,7 @@
           <p:cNvPr id="18" name="Rectangle 17">
             <a:extLst>
               <a:ext uri="{FF2B5EF4-FFF2-40B4-BE49-F238E27FC236}">
-                <a16:creationId xmlns:a16="http://schemas.microsoft.com/office/drawing/2014/main" id="{F71C3014-7212-4CC1-825E-C8BB1C744C7F}"/>
+                <a16:creationId xmlns:a16="http://schemas.microsoft.com/office/drawing/2014/main" xmlns="" id="{F71C3014-7212-4CC1-825E-C8BB1C744C7F}"/>
               </a:ext>
             </a:extLst>
           </p:cNvPr>
@@ -16031,7 +16407,7 @@
           <p:cNvPr id="19" name="Straight Connector 18">
             <a:extLst>
               <a:ext uri="{FF2B5EF4-FFF2-40B4-BE49-F238E27FC236}">
-                <a16:creationId xmlns:a16="http://schemas.microsoft.com/office/drawing/2014/main" id="{1ECDEC08-8B29-4356-B8E8-01EBF01268E2}"/>
+                <a16:creationId xmlns:a16="http://schemas.microsoft.com/office/drawing/2014/main" xmlns="" id="{1ECDEC08-8B29-4356-B8E8-01EBF01268E2}"/>
               </a:ext>
             </a:extLst>
           </p:cNvPr>
@@ -16075,7 +16451,7 @@
           <p:cNvPr id="20" name="Straight Connector 19">
             <a:extLst>
               <a:ext uri="{FF2B5EF4-FFF2-40B4-BE49-F238E27FC236}">
-                <a16:creationId xmlns:a16="http://schemas.microsoft.com/office/drawing/2014/main" id="{AC8CFF9D-C2E9-430F-8BD4-81B1F13B0367}"/>
+                <a16:creationId xmlns:a16="http://schemas.microsoft.com/office/drawing/2014/main" xmlns="" id="{AC8CFF9D-C2E9-430F-8BD4-81B1F13B0367}"/>
               </a:ext>
             </a:extLst>
           </p:cNvPr>
@@ -16120,7 +16496,7 @@
           <p:cNvPr id="21" name="Straight Connector 20">
             <a:extLst>
               <a:ext uri="{FF2B5EF4-FFF2-40B4-BE49-F238E27FC236}">
-                <a16:creationId xmlns:a16="http://schemas.microsoft.com/office/drawing/2014/main" id="{9636E169-DC67-4027-A77E-65F112947A2A}"/>
+                <a16:creationId xmlns:a16="http://schemas.microsoft.com/office/drawing/2014/main" xmlns="" id="{9636E169-DC67-4027-A77E-65F112947A2A}"/>
               </a:ext>
             </a:extLst>
           </p:cNvPr>
@@ -16165,7 +16541,7 @@
           <p:cNvPr id="22" name="Straight Connector 21">
             <a:extLst>
               <a:ext uri="{FF2B5EF4-FFF2-40B4-BE49-F238E27FC236}">
-                <a16:creationId xmlns:a16="http://schemas.microsoft.com/office/drawing/2014/main" id="{455AA643-776F-4232-A75D-3B4042E1C1FC}"/>
+                <a16:creationId xmlns:a16="http://schemas.microsoft.com/office/drawing/2014/main" xmlns="" id="{455AA643-776F-4232-A75D-3B4042E1C1FC}"/>
               </a:ext>
             </a:extLst>
           </p:cNvPr>
@@ -16210,7 +16586,7 @@
           <p:cNvPr id="23" name="Straight Connector 22">
             <a:extLst>
               <a:ext uri="{FF2B5EF4-FFF2-40B4-BE49-F238E27FC236}">
-                <a16:creationId xmlns:a16="http://schemas.microsoft.com/office/drawing/2014/main" id="{7CFFF585-AF04-4776-96B7-9B399BD8B583}"/>
+                <a16:creationId xmlns:a16="http://schemas.microsoft.com/office/drawing/2014/main" xmlns="" id="{7CFFF585-AF04-4776-96B7-9B399BD8B583}"/>
               </a:ext>
             </a:extLst>
           </p:cNvPr>
@@ -16255,7 +16631,7 @@
           <p:cNvPr id="24" name="Straight Connector 23">
             <a:extLst>
               <a:ext uri="{FF2B5EF4-FFF2-40B4-BE49-F238E27FC236}">
-                <a16:creationId xmlns:a16="http://schemas.microsoft.com/office/drawing/2014/main" id="{11CDE796-0D52-4F6E-B4E8-B405F6C18933}"/>
+                <a16:creationId xmlns:a16="http://schemas.microsoft.com/office/drawing/2014/main" xmlns="" id="{11CDE796-0D52-4F6E-B4E8-B405F6C18933}"/>
               </a:ext>
             </a:extLst>
           </p:cNvPr>
@@ -16298,7 +16674,7 @@
           <p:cNvPr id="25" name="Rectangle 24">
             <a:extLst>
               <a:ext uri="{FF2B5EF4-FFF2-40B4-BE49-F238E27FC236}">
-                <a16:creationId xmlns:a16="http://schemas.microsoft.com/office/drawing/2014/main" id="{91861BA3-047E-44F1-B902-E5DEBBA7DEE0}"/>
+                <a16:creationId xmlns:a16="http://schemas.microsoft.com/office/drawing/2014/main" xmlns="" id="{91861BA3-047E-44F1-B902-E5DEBBA7DEE0}"/>
               </a:ext>
             </a:extLst>
           </p:cNvPr>
@@ -16367,7 +16743,7 @@
           <p:cNvPr id="26" name="Straight Connector 25">
             <a:extLst>
               <a:ext uri="{FF2B5EF4-FFF2-40B4-BE49-F238E27FC236}">
-                <a16:creationId xmlns:a16="http://schemas.microsoft.com/office/drawing/2014/main" id="{8585B8F1-F01D-4350-94FD-24CFC659B013}"/>
+                <a16:creationId xmlns:a16="http://schemas.microsoft.com/office/drawing/2014/main" xmlns="" id="{8585B8F1-F01D-4350-94FD-24CFC659B013}"/>
               </a:ext>
             </a:extLst>
           </p:cNvPr>
@@ -16412,7 +16788,7 @@
           <p:cNvPr id="33" name="TextBox 32">
             <a:extLst>
               <a:ext uri="{FF2B5EF4-FFF2-40B4-BE49-F238E27FC236}">
-                <a16:creationId xmlns:a16="http://schemas.microsoft.com/office/drawing/2014/main" id="{A404B2A1-8B21-4C09-9C27-1B629B6061BA}"/>
+                <a16:creationId xmlns:a16="http://schemas.microsoft.com/office/drawing/2014/main" xmlns="" id="{A404B2A1-8B21-4C09-9C27-1B629B6061BA}"/>
               </a:ext>
             </a:extLst>
           </p:cNvPr>
@@ -16444,7 +16820,7 @@
               <a:rPr lang="en-US" dirty="0"/>
               <a:t>Backend</a:t>
             </a:r>
-            <a:endParaRPr lang="en-DE" dirty="0"/>
+            <a:endParaRPr lang="aa-ET" dirty="0"/>
           </a:p>
         </p:txBody>
       </p:sp>
@@ -16458,6 +16834,13 @@
   <p:clrMapOvr>
     <a:masterClrMapping/>
   </p:clrMapOvr>
+  <p:timing>
+    <p:tnLst>
+      <p:par>
+        <p:cTn id="1" dur="indefinite" restart="never" nodeType="tmRoot"/>
+      </p:par>
+    </p:tnLst>
+  </p:timing>
 </p:sld>
 </file>
 
@@ -16483,7 +16866,7 @@
           <p:cNvPr id="2" name="Title 1">
             <a:extLst>
               <a:ext uri="{FF2B5EF4-FFF2-40B4-BE49-F238E27FC236}">
-                <a16:creationId xmlns:a16="http://schemas.microsoft.com/office/drawing/2014/main" id="{C8219268-6342-4A06-8DA5-6A58A6A244B5}"/>
+                <a16:creationId xmlns:a16="http://schemas.microsoft.com/office/drawing/2014/main" xmlns="" id="{C8219268-6342-4A06-8DA5-6A58A6A244B5}"/>
               </a:ext>
             </a:extLst>
           </p:cNvPr>
@@ -16501,7 +16884,19 @@
           <a:p>
             <a:r>
               <a:rPr lang="en-US" b="1" dirty="0"/>
-              <a:t>4. Deployment</a:t>
+              <a:t>6</a:t>
+            </a:r>
+            <a:r>
+              <a:rPr lang="en-US" b="1" dirty="0" smtClean="0"/>
+              <a:t>. </a:t>
+            </a:r>
+            <a:r>
+              <a:rPr lang="en-US" b="1" dirty="0"/>
+              <a:t>Deployment</a:t>
+            </a:r>
+            <a:r>
+              <a:rPr lang="de-DE" b="1" dirty="0"/>
+              <a:t/>
             </a:r>
             <a:br>
               <a:rPr lang="de-DE" b="1" dirty="0"/>
@@ -16510,7 +16905,7 @@
               <a:rPr lang="de-DE" b="1" dirty="0"/>
               <a:t>     - Frontend</a:t>
             </a:r>
-            <a:endParaRPr lang="en-DE" b="1" dirty="0"/>
+            <a:endParaRPr lang="aa-ET" b="1" dirty="0"/>
           </a:p>
         </p:txBody>
       </p:sp>
@@ -16519,7 +16914,7 @@
           <p:cNvPr id="4" name="Date Placeholder 3">
             <a:extLst>
               <a:ext uri="{FF2B5EF4-FFF2-40B4-BE49-F238E27FC236}">
-                <a16:creationId xmlns:a16="http://schemas.microsoft.com/office/drawing/2014/main" id="{470A81C7-5BEC-4601-A1B8-9043280B9F83}"/>
+                <a16:creationId xmlns:a16="http://schemas.microsoft.com/office/drawing/2014/main" xmlns="" id="{470A81C7-5BEC-4601-A1B8-9043280B9F83}"/>
               </a:ext>
             </a:extLst>
           </p:cNvPr>
@@ -16548,7 +16943,7 @@
           <p:cNvPr id="5" name="Footer Placeholder 4">
             <a:extLst>
               <a:ext uri="{FF2B5EF4-FFF2-40B4-BE49-F238E27FC236}">
-                <a16:creationId xmlns:a16="http://schemas.microsoft.com/office/drawing/2014/main" id="{DBA47D56-BE1D-4430-A036-12B94840ECD6}"/>
+                <a16:creationId xmlns:a16="http://schemas.microsoft.com/office/drawing/2014/main" xmlns="" id="{DBA47D56-BE1D-4430-A036-12B94840ECD6}"/>
               </a:ext>
             </a:extLst>
           </p:cNvPr>
@@ -16576,7 +16971,7 @@
           <p:cNvPr id="6" name="Slide Number Placeholder 5">
             <a:extLst>
               <a:ext uri="{FF2B5EF4-FFF2-40B4-BE49-F238E27FC236}">
-                <a16:creationId xmlns:a16="http://schemas.microsoft.com/office/drawing/2014/main" id="{308BE21A-F306-41D9-9B02-2DB771EB6B3C}"/>
+                <a16:creationId xmlns:a16="http://schemas.microsoft.com/office/drawing/2014/main" xmlns="" id="{308BE21A-F306-41D9-9B02-2DB771EB6B3C}"/>
               </a:ext>
             </a:extLst>
           </p:cNvPr>
@@ -16605,7 +17000,7 @@
           <p:cNvPr id="1026" name="Picture 2" descr="Vue.js: Good, Bad, and Choice | Hacker Noon">
             <a:extLst>
               <a:ext uri="{FF2B5EF4-FFF2-40B4-BE49-F238E27FC236}">
-                <a16:creationId xmlns:a16="http://schemas.microsoft.com/office/drawing/2014/main" id="{C6452138-FFA0-4C7B-BA46-F18847A741A8}"/>
+                <a16:creationId xmlns:a16="http://schemas.microsoft.com/office/drawing/2014/main" xmlns="" id="{C6452138-FFA0-4C7B-BA46-F18847A741A8}"/>
               </a:ext>
             </a:extLst>
           </p:cNvPr>
@@ -16650,7 +17045,7 @@
           <p:cNvPr id="7" name="TextBox 6">
             <a:extLst>
               <a:ext uri="{FF2B5EF4-FFF2-40B4-BE49-F238E27FC236}">
-                <a16:creationId xmlns:a16="http://schemas.microsoft.com/office/drawing/2014/main" id="{21ED647F-5593-41F0-B9DA-288DA9501079}"/>
+                <a16:creationId xmlns:a16="http://schemas.microsoft.com/office/drawing/2014/main" xmlns="" id="{21ED647F-5593-41F0-B9DA-288DA9501079}"/>
               </a:ext>
             </a:extLst>
           </p:cNvPr>
@@ -16681,7 +17076,7 @@
               </a:rPr>
               <a:t>+ AXIOS</a:t>
             </a:r>
-            <a:endParaRPr lang="en-DE" sz="2000" dirty="0">
+            <a:endParaRPr lang="aa-ET" sz="2000" dirty="0">
               <a:latin typeface="Open Sans" panose="020B0606030504020204" pitchFamily="34" charset="0"/>
               <a:ea typeface="Open Sans" panose="020B0606030504020204" pitchFamily="34" charset="0"/>
               <a:cs typeface="Open Sans" panose="020B0606030504020204" pitchFamily="34" charset="0"/>
@@ -16694,7 +17089,7 @@
           <p:cNvPr id="1028" name="Picture 4">
             <a:extLst>
               <a:ext uri="{FF2B5EF4-FFF2-40B4-BE49-F238E27FC236}">
-                <a16:creationId xmlns:a16="http://schemas.microsoft.com/office/drawing/2014/main" id="{319254AE-9258-4697-97A4-4DEC5EA346FF}"/>
+                <a16:creationId xmlns:a16="http://schemas.microsoft.com/office/drawing/2014/main" xmlns="" id="{319254AE-9258-4697-97A4-4DEC5EA346FF}"/>
               </a:ext>
             </a:extLst>
           </p:cNvPr>
@@ -16704,7 +17099,7 @@
           <p:nvPr/>
         </p:nvPicPr>
         <p:blipFill>
-          <a:blip r:embed="rId4">
+          <a:blip r:embed="rId4" cstate="print">
             <a:extLst>
               <a:ext uri="{28A0092B-C50C-407E-A947-70E740481C1C}">
                 <a14:useLocalDpi xmlns:a14="http://schemas.microsoft.com/office/drawing/2010/main" val="0"/>
@@ -16741,7 +17136,7 @@
           <p:cNvPr id="10" name="Image 3">
             <a:extLst>
               <a:ext uri="{FF2B5EF4-FFF2-40B4-BE49-F238E27FC236}">
-                <a16:creationId xmlns:a16="http://schemas.microsoft.com/office/drawing/2014/main" id="{D69FD556-D070-4517-94DA-B1A4AC842CE9}"/>
+                <a16:creationId xmlns:a16="http://schemas.microsoft.com/office/drawing/2014/main" xmlns="" id="{D69FD556-D070-4517-94DA-B1A4AC842CE9}"/>
               </a:ext>
             </a:extLst>
           </p:cNvPr>
@@ -16787,6 +17182,13 @@
   <p:clrMapOvr>
     <a:masterClrMapping/>
   </p:clrMapOvr>
+  <p:timing>
+    <p:tnLst>
+      <p:par>
+        <p:cTn id="1" dur="indefinite" restart="never" nodeType="tmRoot"/>
+      </p:par>
+    </p:tnLst>
+  </p:timing>
 </p:sld>
 </file>
 
@@ -16812,7 +17214,7 @@
           <p:cNvPr id="2" name="Title 1">
             <a:extLst>
               <a:ext uri="{FF2B5EF4-FFF2-40B4-BE49-F238E27FC236}">
-                <a16:creationId xmlns:a16="http://schemas.microsoft.com/office/drawing/2014/main" id="{C8219268-6342-4A06-8DA5-6A58A6A244B5}"/>
+                <a16:creationId xmlns:a16="http://schemas.microsoft.com/office/drawing/2014/main" xmlns="" id="{C8219268-6342-4A06-8DA5-6A58A6A244B5}"/>
               </a:ext>
             </a:extLst>
           </p:cNvPr>
@@ -16830,7 +17232,19 @@
           <a:p>
             <a:r>
               <a:rPr lang="en-US" b="1" dirty="0"/>
-              <a:t>4. Deployment</a:t>
+              <a:t>6</a:t>
+            </a:r>
+            <a:r>
+              <a:rPr lang="en-US" b="1" dirty="0" smtClean="0"/>
+              <a:t>. </a:t>
+            </a:r>
+            <a:r>
+              <a:rPr lang="en-US" b="1" dirty="0"/>
+              <a:t>Deployment</a:t>
+            </a:r>
+            <a:r>
+              <a:rPr lang="de-DE" b="1" dirty="0"/>
+              <a:t/>
             </a:r>
             <a:br>
               <a:rPr lang="de-DE" b="1" dirty="0"/>
@@ -16839,7 +17253,7 @@
               <a:rPr lang="de-DE" b="1" dirty="0"/>
               <a:t>     - API</a:t>
             </a:r>
-            <a:endParaRPr lang="en-DE" b="1" dirty="0"/>
+            <a:endParaRPr lang="aa-ET" b="1" dirty="0"/>
           </a:p>
         </p:txBody>
       </p:sp>
@@ -16848,7 +17262,7 @@
           <p:cNvPr id="3" name="Content Placeholder 2">
             <a:extLst>
               <a:ext uri="{FF2B5EF4-FFF2-40B4-BE49-F238E27FC236}">
-                <a16:creationId xmlns:a16="http://schemas.microsoft.com/office/drawing/2014/main" id="{5D0973F4-358A-4783-8751-673DBA18FE3D}"/>
+                <a16:creationId xmlns:a16="http://schemas.microsoft.com/office/drawing/2014/main" xmlns="" id="{5D0973F4-358A-4783-8751-673DBA18FE3D}"/>
               </a:ext>
             </a:extLst>
           </p:cNvPr>
@@ -17157,7 +17571,7 @@
               <a:rPr lang="en-US" dirty="0"/>
               <a:t>Returns “ok”</a:t>
             </a:r>
-            <a:endParaRPr lang="en-DE" dirty="0"/>
+            <a:endParaRPr lang="aa-ET" dirty="0"/>
           </a:p>
         </p:txBody>
       </p:sp>
@@ -17166,7 +17580,7 @@
           <p:cNvPr id="4" name="Date Placeholder 3">
             <a:extLst>
               <a:ext uri="{FF2B5EF4-FFF2-40B4-BE49-F238E27FC236}">
-                <a16:creationId xmlns:a16="http://schemas.microsoft.com/office/drawing/2014/main" id="{470A81C7-5BEC-4601-A1B8-9043280B9F83}"/>
+                <a16:creationId xmlns:a16="http://schemas.microsoft.com/office/drawing/2014/main" xmlns="" id="{470A81C7-5BEC-4601-A1B8-9043280B9F83}"/>
               </a:ext>
             </a:extLst>
           </p:cNvPr>
@@ -17195,7 +17609,7 @@
           <p:cNvPr id="5" name="Footer Placeholder 4">
             <a:extLst>
               <a:ext uri="{FF2B5EF4-FFF2-40B4-BE49-F238E27FC236}">
-                <a16:creationId xmlns:a16="http://schemas.microsoft.com/office/drawing/2014/main" id="{DBA47D56-BE1D-4430-A036-12B94840ECD6}"/>
+                <a16:creationId xmlns:a16="http://schemas.microsoft.com/office/drawing/2014/main" xmlns="" id="{DBA47D56-BE1D-4430-A036-12B94840ECD6}"/>
               </a:ext>
             </a:extLst>
           </p:cNvPr>
@@ -17223,7 +17637,7 @@
           <p:cNvPr id="6" name="Slide Number Placeholder 5">
             <a:extLst>
               <a:ext uri="{FF2B5EF4-FFF2-40B4-BE49-F238E27FC236}">
-                <a16:creationId xmlns:a16="http://schemas.microsoft.com/office/drawing/2014/main" id="{308BE21A-F306-41D9-9B02-2DB771EB6B3C}"/>
+                <a16:creationId xmlns:a16="http://schemas.microsoft.com/office/drawing/2014/main" xmlns="" id="{308BE21A-F306-41D9-9B02-2DB771EB6B3C}"/>
               </a:ext>
             </a:extLst>
           </p:cNvPr>
@@ -17257,6 +17671,13 @@
   <p:clrMapOvr>
     <a:masterClrMapping/>
   </p:clrMapOvr>
+  <p:timing>
+    <p:tnLst>
+      <p:par>
+        <p:cTn id="1" dur="indefinite" restart="never" nodeType="tmRoot"/>
+      </p:par>
+    </p:tnLst>
+  </p:timing>
 </p:sld>
 </file>
 
@@ -17282,7 +17703,7 @@
           <p:cNvPr id="2" name="Titel 1">
             <a:extLst>
               <a:ext uri="{FF2B5EF4-FFF2-40B4-BE49-F238E27FC236}">
-                <a16:creationId xmlns:a16="http://schemas.microsoft.com/office/drawing/2014/main" id="{08F23371-023C-49B4-B28B-B241B3E22947}"/>
+                <a16:creationId xmlns:a16="http://schemas.microsoft.com/office/drawing/2014/main" xmlns="" id="{08F23371-023C-49B4-B28B-B241B3E22947}"/>
               </a:ext>
             </a:extLst>
           </p:cNvPr>
@@ -17300,7 +17721,11 @@
           <a:p>
             <a:r>
               <a:rPr lang="de-DE" b="1" dirty="0"/>
-              <a:t>5. </a:t>
+              <a:t>7</a:t>
+            </a:r>
+            <a:r>
+              <a:rPr lang="de-DE" b="1" dirty="0" smtClean="0"/>
+              <a:t>. </a:t>
             </a:r>
             <a:r>
               <a:rPr lang="de-DE" b="1" dirty="0" err="1"/>
@@ -17318,7 +17743,7 @@
           <p:cNvPr id="3" name="Inhaltsplatzhalter 2">
             <a:extLst>
               <a:ext uri="{FF2B5EF4-FFF2-40B4-BE49-F238E27FC236}">
-                <a16:creationId xmlns:a16="http://schemas.microsoft.com/office/drawing/2014/main" id="{A32DA918-8FB4-4CB9-A998-4FD5271037AC}"/>
+                <a16:creationId xmlns:a16="http://schemas.microsoft.com/office/drawing/2014/main" xmlns="" id="{A32DA918-8FB4-4CB9-A998-4FD5271037AC}"/>
               </a:ext>
             </a:extLst>
           </p:cNvPr>
@@ -17357,7 +17782,7 @@
           <p:cNvPr id="4" name="Datumsplatzhalter 3">
             <a:extLst>
               <a:ext uri="{FF2B5EF4-FFF2-40B4-BE49-F238E27FC236}">
-                <a16:creationId xmlns:a16="http://schemas.microsoft.com/office/drawing/2014/main" id="{65011D36-990C-4FBA-8059-13AE4933F5D7}"/>
+                <a16:creationId xmlns:a16="http://schemas.microsoft.com/office/drawing/2014/main" xmlns="" id="{65011D36-990C-4FBA-8059-13AE4933F5D7}"/>
               </a:ext>
             </a:extLst>
           </p:cNvPr>
@@ -17386,7 +17811,7 @@
           <p:cNvPr id="5" name="Fußzeilenplatzhalter 4">
             <a:extLst>
               <a:ext uri="{FF2B5EF4-FFF2-40B4-BE49-F238E27FC236}">
-                <a16:creationId xmlns:a16="http://schemas.microsoft.com/office/drawing/2014/main" id="{C48644D9-228F-4A8E-9DC8-1326EECA8DE0}"/>
+                <a16:creationId xmlns:a16="http://schemas.microsoft.com/office/drawing/2014/main" xmlns="" id="{C48644D9-228F-4A8E-9DC8-1326EECA8DE0}"/>
               </a:ext>
             </a:extLst>
           </p:cNvPr>
@@ -17414,7 +17839,7 @@
           <p:cNvPr id="6" name="Foliennummernplatzhalter 5">
             <a:extLst>
               <a:ext uri="{FF2B5EF4-FFF2-40B4-BE49-F238E27FC236}">
-                <a16:creationId xmlns:a16="http://schemas.microsoft.com/office/drawing/2014/main" id="{AE1A0530-6808-438F-B8D5-02AAD33DAB75}"/>
+                <a16:creationId xmlns:a16="http://schemas.microsoft.com/office/drawing/2014/main" xmlns="" id="{AE1A0530-6808-438F-B8D5-02AAD33DAB75}"/>
               </a:ext>
             </a:extLst>
           </p:cNvPr>
@@ -17443,7 +17868,7 @@
           <p:cNvPr id="9" name="Content Placeholder 2">
             <a:extLst>
               <a:ext uri="{FF2B5EF4-FFF2-40B4-BE49-F238E27FC236}">
-                <a16:creationId xmlns:a16="http://schemas.microsoft.com/office/drawing/2014/main" id="{1E8E6687-062E-459F-AB13-CD0C64A4BF22}"/>
+                <a16:creationId xmlns:a16="http://schemas.microsoft.com/office/drawing/2014/main" xmlns="" id="{1E8E6687-062E-459F-AB13-CD0C64A4BF22}"/>
               </a:ext>
             </a:extLst>
           </p:cNvPr>
@@ -17717,6 +18142,13 @@
   <p:clrMapOvr>
     <a:masterClrMapping/>
   </p:clrMapOvr>
+  <p:timing>
+    <p:tnLst>
+      <p:par>
+        <p:cTn id="1" dur="indefinite" restart="never" nodeType="tmRoot"/>
+      </p:par>
+    </p:tnLst>
+  </p:timing>
 </p:sld>
 </file>
 
@@ -17742,7 +18174,7 @@
           <p:cNvPr id="2" name="Title 1">
             <a:extLst>
               <a:ext uri="{FF2B5EF4-FFF2-40B4-BE49-F238E27FC236}">
-                <a16:creationId xmlns:a16="http://schemas.microsoft.com/office/drawing/2014/main" id="{DDAA18D9-7309-46E0-B541-AC707B3E3F2F}"/>
+                <a16:creationId xmlns:a16="http://schemas.microsoft.com/office/drawing/2014/main" xmlns="" id="{DDAA18D9-7309-46E0-B541-AC707B3E3F2F}"/>
               </a:ext>
             </a:extLst>
           </p:cNvPr>
@@ -17763,7 +18195,21 @@
                 <a:ea typeface="+mj-lt"/>
                 <a:cs typeface="+mj-lt"/>
               </a:rPr>
-              <a:t>6. Outlook</a:t>
+              <a:t>8</a:t>
+            </a:r>
+            <a:r>
+              <a:rPr lang="de-DE" b="1" dirty="0" smtClean="0">
+                <a:ea typeface="+mj-lt"/>
+                <a:cs typeface="+mj-lt"/>
+              </a:rPr>
+              <a:t>. </a:t>
+            </a:r>
+            <a:r>
+              <a:rPr lang="de-DE" b="1" dirty="0">
+                <a:ea typeface="+mj-lt"/>
+                <a:cs typeface="+mj-lt"/>
+              </a:rPr>
+              <a:t>Outlook</a:t>
             </a:r>
             <a:endParaRPr lang="en-US" dirty="0"/>
           </a:p>
@@ -17774,7 +18220,7 @@
           <p:cNvPr id="3" name="Content Placeholder 2">
             <a:extLst>
               <a:ext uri="{FF2B5EF4-FFF2-40B4-BE49-F238E27FC236}">
-                <a16:creationId xmlns:a16="http://schemas.microsoft.com/office/drawing/2014/main" id="{D33A9502-DED2-4E90-8634-0A8D34A71FDB}"/>
+                <a16:creationId xmlns:a16="http://schemas.microsoft.com/office/drawing/2014/main" xmlns="" id="{D33A9502-DED2-4E90-8634-0A8D34A71FDB}"/>
               </a:ext>
             </a:extLst>
           </p:cNvPr>
@@ -17903,7 +18349,7 @@
           <p:cNvPr id="4" name="Date Placeholder 3">
             <a:extLst>
               <a:ext uri="{FF2B5EF4-FFF2-40B4-BE49-F238E27FC236}">
-                <a16:creationId xmlns:a16="http://schemas.microsoft.com/office/drawing/2014/main" id="{81F83A7E-41FF-4D51-9BA5-D2559C61D5C8}"/>
+                <a16:creationId xmlns:a16="http://schemas.microsoft.com/office/drawing/2014/main" xmlns="" id="{81F83A7E-41FF-4D51-9BA5-D2559C61D5C8}"/>
               </a:ext>
             </a:extLst>
           </p:cNvPr>
@@ -17932,7 +18378,7 @@
           <p:cNvPr id="5" name="Footer Placeholder 4">
             <a:extLst>
               <a:ext uri="{FF2B5EF4-FFF2-40B4-BE49-F238E27FC236}">
-                <a16:creationId xmlns:a16="http://schemas.microsoft.com/office/drawing/2014/main" id="{6EAB2E56-A5DE-44D8-992B-87232FFB198A}"/>
+                <a16:creationId xmlns:a16="http://schemas.microsoft.com/office/drawing/2014/main" xmlns="" id="{6EAB2E56-A5DE-44D8-992B-87232FFB198A}"/>
               </a:ext>
             </a:extLst>
           </p:cNvPr>
@@ -17960,7 +18406,7 @@
           <p:cNvPr id="6" name="Slide Number Placeholder 5">
             <a:extLst>
               <a:ext uri="{FF2B5EF4-FFF2-40B4-BE49-F238E27FC236}">
-                <a16:creationId xmlns:a16="http://schemas.microsoft.com/office/drawing/2014/main" id="{2652E908-772A-4980-A518-CA3652F8F1E7}"/>
+                <a16:creationId xmlns:a16="http://schemas.microsoft.com/office/drawing/2014/main" xmlns="" id="{2652E908-772A-4980-A518-CA3652F8F1E7}"/>
               </a:ext>
             </a:extLst>
           </p:cNvPr>
@@ -17994,6 +18440,13 @@
   <p:clrMapOvr>
     <a:masterClrMapping/>
   </p:clrMapOvr>
+  <p:timing>
+    <p:tnLst>
+      <p:par>
+        <p:cTn id="1" dur="indefinite" restart="never" nodeType="tmRoot"/>
+      </p:par>
+    </p:tnLst>
+  </p:timing>
 </p:sld>
 </file>
 
@@ -18019,7 +18472,7 @@
           <p:cNvPr id="2" name="Title 1">
             <a:extLst>
               <a:ext uri="{FF2B5EF4-FFF2-40B4-BE49-F238E27FC236}">
-                <a16:creationId xmlns:a16="http://schemas.microsoft.com/office/drawing/2014/main" id="{F39F0255-411A-40C4-82A8-B89DB5DE431E}"/>
+                <a16:creationId xmlns:a16="http://schemas.microsoft.com/office/drawing/2014/main" xmlns="" id="{F39F0255-411A-40C4-82A8-B89DB5DE431E}"/>
               </a:ext>
             </a:extLst>
           </p:cNvPr>
@@ -18039,7 +18492,19 @@
               <a:rPr lang="en-US" b="1" dirty="0">
                 <a:cs typeface="Calibri Light"/>
               </a:rPr>
-              <a:t>0. Goals</a:t>
+              <a:t>1</a:t>
+            </a:r>
+            <a:r>
+              <a:rPr lang="en-US" b="1" dirty="0" smtClean="0">
+                <a:cs typeface="Calibri Light"/>
+              </a:rPr>
+              <a:t>. </a:t>
+            </a:r>
+            <a:r>
+              <a:rPr lang="en-US" b="1" dirty="0">
+                <a:cs typeface="Calibri Light"/>
+              </a:rPr>
+              <a:t>Goals</a:t>
             </a:r>
             <a:endParaRPr lang="en-US" b="1" dirty="0"/>
           </a:p>
@@ -18050,7 +18515,7 @@
           <p:cNvPr id="3" name="Content Placeholder 2">
             <a:extLst>
               <a:ext uri="{FF2B5EF4-FFF2-40B4-BE49-F238E27FC236}">
-                <a16:creationId xmlns:a16="http://schemas.microsoft.com/office/drawing/2014/main" id="{9D298CBA-F72B-498D-B212-BEB339547576}"/>
+                <a16:creationId xmlns:a16="http://schemas.microsoft.com/office/drawing/2014/main" xmlns="" id="{9D298CBA-F72B-498D-B212-BEB339547576}"/>
               </a:ext>
             </a:extLst>
           </p:cNvPr>
@@ -18198,7 +18663,7 @@
           <p:cNvPr id="4" name="Date Placeholder 3">
             <a:extLst>
               <a:ext uri="{FF2B5EF4-FFF2-40B4-BE49-F238E27FC236}">
-                <a16:creationId xmlns:a16="http://schemas.microsoft.com/office/drawing/2014/main" id="{4753D88D-CEC4-4353-ABB6-4A63D7E8FF29}"/>
+                <a16:creationId xmlns:a16="http://schemas.microsoft.com/office/drawing/2014/main" xmlns="" id="{4753D88D-CEC4-4353-ABB6-4A63D7E8FF29}"/>
               </a:ext>
             </a:extLst>
           </p:cNvPr>
@@ -18227,7 +18692,7 @@
           <p:cNvPr id="5" name="Footer Placeholder 4">
             <a:extLst>
               <a:ext uri="{FF2B5EF4-FFF2-40B4-BE49-F238E27FC236}">
-                <a16:creationId xmlns:a16="http://schemas.microsoft.com/office/drawing/2014/main" id="{FD7A82BB-D6D8-4696-803E-7F0B612E4724}"/>
+                <a16:creationId xmlns:a16="http://schemas.microsoft.com/office/drawing/2014/main" xmlns="" id="{FD7A82BB-D6D8-4696-803E-7F0B612E4724}"/>
               </a:ext>
             </a:extLst>
           </p:cNvPr>
@@ -18276,7 +18741,7 @@
           <p:cNvPr id="6" name="Slide Number Placeholder 5">
             <a:extLst>
               <a:ext uri="{FF2B5EF4-FFF2-40B4-BE49-F238E27FC236}">
-                <a16:creationId xmlns:a16="http://schemas.microsoft.com/office/drawing/2014/main" id="{E9D80918-D85A-4F87-B097-2F9897E5608A}"/>
+                <a16:creationId xmlns:a16="http://schemas.microsoft.com/office/drawing/2014/main" xmlns="" id="{E9D80918-D85A-4F87-B097-2F9897E5608A}"/>
               </a:ext>
             </a:extLst>
           </p:cNvPr>
@@ -18310,6 +18775,13 @@
   <p:clrMapOvr>
     <a:masterClrMapping/>
   </p:clrMapOvr>
+  <p:timing>
+    <p:tnLst>
+      <p:par>
+        <p:cTn id="1" dur="indefinite" restart="never" nodeType="tmRoot"/>
+      </p:par>
+    </p:tnLst>
+  </p:timing>
 </p:sld>
 </file>
 
@@ -18335,7 +18807,7 @@
           <p:cNvPr id="3" name="Inhaltsplatzhalter 2">
             <a:extLst>
               <a:ext uri="{FF2B5EF4-FFF2-40B4-BE49-F238E27FC236}">
-                <a16:creationId xmlns:a16="http://schemas.microsoft.com/office/drawing/2014/main" id="{5ACA964D-0C5D-4CFA-A777-5AF9E6C619E6}"/>
+                <a16:creationId xmlns:a16="http://schemas.microsoft.com/office/drawing/2014/main" xmlns="" id="{5ACA964D-0C5D-4CFA-A777-5AF9E6C619E6}"/>
               </a:ext>
             </a:extLst>
           </p:cNvPr>
@@ -18408,7 +18880,7 @@
           <p:cNvPr id="4" name="Datumsplatzhalter 3">
             <a:extLst>
               <a:ext uri="{FF2B5EF4-FFF2-40B4-BE49-F238E27FC236}">
-                <a16:creationId xmlns:a16="http://schemas.microsoft.com/office/drawing/2014/main" id="{52644F5B-A87E-4BA2-8FE3-4CACA83A10A0}"/>
+                <a16:creationId xmlns:a16="http://schemas.microsoft.com/office/drawing/2014/main" xmlns="" id="{52644F5B-A87E-4BA2-8FE3-4CACA83A10A0}"/>
               </a:ext>
             </a:extLst>
           </p:cNvPr>
@@ -18437,7 +18909,7 @@
           <p:cNvPr id="5" name="Fußzeilenplatzhalter 4">
             <a:extLst>
               <a:ext uri="{FF2B5EF4-FFF2-40B4-BE49-F238E27FC236}">
-                <a16:creationId xmlns:a16="http://schemas.microsoft.com/office/drawing/2014/main" id="{BA1788CF-0A35-43B5-B3F8-B60B17AE4A38}"/>
+                <a16:creationId xmlns:a16="http://schemas.microsoft.com/office/drawing/2014/main" xmlns="" id="{BA1788CF-0A35-43B5-B3F8-B60B17AE4A38}"/>
               </a:ext>
             </a:extLst>
           </p:cNvPr>
@@ -18466,7 +18938,7 @@
           <p:cNvPr id="6" name="Foliennummernplatzhalter 5">
             <a:extLst>
               <a:ext uri="{FF2B5EF4-FFF2-40B4-BE49-F238E27FC236}">
-                <a16:creationId xmlns:a16="http://schemas.microsoft.com/office/drawing/2014/main" id="{3576FCEE-945A-4A93-8EF8-18DA542EDA7E}"/>
+                <a16:creationId xmlns:a16="http://schemas.microsoft.com/office/drawing/2014/main" xmlns="" id="{3576FCEE-945A-4A93-8EF8-18DA542EDA7E}"/>
               </a:ext>
             </a:extLst>
           </p:cNvPr>
@@ -18500,6 +18972,13 @@
   <p:clrMapOvr>
     <a:masterClrMapping/>
   </p:clrMapOvr>
+  <p:timing>
+    <p:tnLst>
+      <p:par>
+        <p:cTn id="1" dur="indefinite" restart="never" nodeType="tmRoot"/>
+      </p:par>
+    </p:tnLst>
+  </p:timing>
 </p:sld>
 </file>
 
@@ -18525,7 +19004,7 @@
           <p:cNvPr id="7" name="Titel 6">
             <a:extLst>
               <a:ext uri="{FF2B5EF4-FFF2-40B4-BE49-F238E27FC236}">
-                <a16:creationId xmlns:a16="http://schemas.microsoft.com/office/drawing/2014/main" id="{C8298884-CA89-49EB-A634-49DED813FC9B}"/>
+                <a16:creationId xmlns:a16="http://schemas.microsoft.com/office/drawing/2014/main" xmlns="" id="{C8298884-CA89-49EB-A634-49DED813FC9B}"/>
               </a:ext>
             </a:extLst>
           </p:cNvPr>
@@ -18543,11 +19022,26 @@
           <a:p>
             <a:r>
               <a:rPr lang="de-DE" b="1" dirty="0"/>
-              <a:t>1. Data </a:t>
-            </a:r>
-            <a:r>
-              <a:rPr lang="de-DE" b="1" dirty="0" err="1"/>
-              <a:t>Profiling</a:t>
+              <a:t>2</a:t>
+            </a:r>
+            <a:r>
+              <a:rPr lang="de-DE" b="1" dirty="0" smtClean="0"/>
+              <a:t>. </a:t>
+            </a:r>
+            <a:r>
+              <a:rPr lang="de-DE" b="1" dirty="0"/>
+              <a:t>Data </a:t>
+            </a:r>
+            <a:r>
+              <a:rPr lang="de-DE" b="1" dirty="0" smtClean="0"/>
+              <a:t/>
+            </a:r>
+            <a:br>
+              <a:rPr lang="de-DE" b="1" dirty="0" smtClean="0"/>
+            </a:br>
+            <a:r>
+              <a:rPr lang="de-DE" b="1" dirty="0" smtClean="0"/>
+              <a:t>Understanding</a:t>
             </a:r>
             <a:endParaRPr lang="de-DE" b="1" dirty="0"/>
           </a:p>
@@ -18558,7 +19052,7 @@
           <p:cNvPr id="10" name="Inhaltsplatzhalter 9" descr="Ein Bild, das Screenshot enthält.&#10;&#10;Automatisch generierte Beschreibung">
             <a:extLst>
               <a:ext uri="{FF2B5EF4-FFF2-40B4-BE49-F238E27FC236}">
-                <a16:creationId xmlns:a16="http://schemas.microsoft.com/office/drawing/2014/main" id="{258AFF10-3D0F-4404-B6E4-DBAF503E47B2}"/>
+                <a16:creationId xmlns:a16="http://schemas.microsoft.com/office/drawing/2014/main" xmlns="" id="{258AFF10-3D0F-4404-B6E4-DBAF503E47B2}"/>
               </a:ext>
             </a:extLst>
           </p:cNvPr>
@@ -18593,7 +19087,7 @@
           <p:cNvPr id="4" name="Datumsplatzhalter 3">
             <a:extLst>
               <a:ext uri="{FF2B5EF4-FFF2-40B4-BE49-F238E27FC236}">
-                <a16:creationId xmlns:a16="http://schemas.microsoft.com/office/drawing/2014/main" id="{4B0CBDA2-6370-4FBC-B25A-900C6CA809F9}"/>
+                <a16:creationId xmlns:a16="http://schemas.microsoft.com/office/drawing/2014/main" xmlns="" id="{4B0CBDA2-6370-4FBC-B25A-900C6CA809F9}"/>
               </a:ext>
             </a:extLst>
           </p:cNvPr>
@@ -18622,7 +19116,7 @@
           <p:cNvPr id="5" name="Fußzeilenplatzhalter 4">
             <a:extLst>
               <a:ext uri="{FF2B5EF4-FFF2-40B4-BE49-F238E27FC236}">
-                <a16:creationId xmlns:a16="http://schemas.microsoft.com/office/drawing/2014/main" id="{3C55ECAD-41C9-49A9-889F-0B38F8141A98}"/>
+                <a16:creationId xmlns:a16="http://schemas.microsoft.com/office/drawing/2014/main" xmlns="" id="{3C55ECAD-41C9-49A9-889F-0B38F8141A98}"/>
               </a:ext>
             </a:extLst>
           </p:cNvPr>
@@ -18650,7 +19144,7 @@
           <p:cNvPr id="6" name="Foliennummernplatzhalter 5">
             <a:extLst>
               <a:ext uri="{FF2B5EF4-FFF2-40B4-BE49-F238E27FC236}">
-                <a16:creationId xmlns:a16="http://schemas.microsoft.com/office/drawing/2014/main" id="{5D74B22A-6F3F-42AB-88B9-639608858BBE}"/>
+                <a16:creationId xmlns:a16="http://schemas.microsoft.com/office/drawing/2014/main" xmlns="" id="{5D74B22A-6F3F-42AB-88B9-639608858BBE}"/>
               </a:ext>
             </a:extLst>
           </p:cNvPr>
@@ -18684,6 +19178,13 @@
   <p:clrMapOvr>
     <a:masterClrMapping/>
   </p:clrMapOvr>
+  <p:timing>
+    <p:tnLst>
+      <p:par>
+        <p:cTn id="1" dur="indefinite" restart="never" nodeType="tmRoot"/>
+      </p:par>
+    </p:tnLst>
+  </p:timing>
 </p:sld>
 </file>
 
@@ -18706,10 +19207,10 @@
       </p:grpSpPr>
       <p:sp>
         <p:nvSpPr>
-          <p:cNvPr id="7" name="Titel 6">
-            <a:extLst>
-              <a:ext uri="{FF2B5EF4-FFF2-40B4-BE49-F238E27FC236}">
-                <a16:creationId xmlns:a16="http://schemas.microsoft.com/office/drawing/2014/main" id="{C8298884-CA89-49EB-A634-49DED813FC9B}"/>
+          <p:cNvPr id="2" name="Titel 1">
+            <a:extLst>
+              <a:ext uri="{FF2B5EF4-FFF2-40B4-BE49-F238E27FC236}">
+                <a16:creationId xmlns:a16="http://schemas.microsoft.com/office/drawing/2014/main" xmlns="" id="{D63C152A-E451-4C3A-8960-B8F2BE028BE2}"/>
               </a:ext>
             </a:extLst>
           </p:cNvPr>
@@ -18727,206 +19228,11 @@
           <a:p>
             <a:r>
               <a:rPr lang="de-DE" b="1" dirty="0"/>
-              <a:t>1. Data </a:t>
-            </a:r>
-            <a:r>
-              <a:rPr lang="de-DE" b="1" dirty="0" err="1"/>
-              <a:t>Profiling</a:t>
-            </a:r>
-            <a:endParaRPr lang="de-DE" b="1" dirty="0"/>
-          </a:p>
-        </p:txBody>
-      </p:sp>
-      <p:sp>
-        <p:nvSpPr>
-          <p:cNvPr id="4" name="Datumsplatzhalter 3">
-            <a:extLst>
-              <a:ext uri="{FF2B5EF4-FFF2-40B4-BE49-F238E27FC236}">
-                <a16:creationId xmlns:a16="http://schemas.microsoft.com/office/drawing/2014/main" id="{4B0CBDA2-6370-4FBC-B25A-900C6CA809F9}"/>
-              </a:ext>
-            </a:extLst>
-          </p:cNvPr>
-          <p:cNvSpPr>
-            <a:spLocks noGrp="1"/>
-          </p:cNvSpPr>
-          <p:nvPr>
-            <p:ph type="dt" sz="half" idx="10"/>
-          </p:nvPr>
-        </p:nvSpPr>
-        <p:spPr/>
-        <p:txBody>
-          <a:bodyPr/>
-          <a:lstStyle/>
-          <a:p>
-            <a:fld id="{2FD63A82-654A-43A1-BAA7-24963EF8A3A2}" type="datetime1">
-              <a:rPr lang="de-DE" smtClean="0"/>
-              <a:t>10.07.2020</a:t>
-            </a:fld>
-            <a:endParaRPr lang="de-DE"/>
-          </a:p>
-        </p:txBody>
-      </p:sp>
-      <p:sp>
-        <p:nvSpPr>
-          <p:cNvPr id="5" name="Fußzeilenplatzhalter 4">
-            <a:extLst>
-              <a:ext uri="{FF2B5EF4-FFF2-40B4-BE49-F238E27FC236}">
-                <a16:creationId xmlns:a16="http://schemas.microsoft.com/office/drawing/2014/main" id="{3C55ECAD-41C9-49A9-889F-0B38F8141A98}"/>
-              </a:ext>
-            </a:extLst>
-          </p:cNvPr>
-          <p:cNvSpPr>
-            <a:spLocks noGrp="1"/>
-          </p:cNvSpPr>
-          <p:nvPr>
-            <p:ph type="ftr" sz="quarter" idx="11"/>
-          </p:nvPr>
-        </p:nvSpPr>
-        <p:spPr/>
-        <p:txBody>
-          <a:bodyPr/>
-          <a:lstStyle/>
-          <a:p>
-            <a:r>
-              <a:rPr lang="de-DE"/>
-              <a:t>Lisa Boos, Till Hoffmann, Khaled Jallouli, Hemlata Prajapati</a:t>
-            </a:r>
-          </a:p>
-        </p:txBody>
-      </p:sp>
-      <p:sp>
-        <p:nvSpPr>
-          <p:cNvPr id="6" name="Foliennummernplatzhalter 5">
-            <a:extLst>
-              <a:ext uri="{FF2B5EF4-FFF2-40B4-BE49-F238E27FC236}">
-                <a16:creationId xmlns:a16="http://schemas.microsoft.com/office/drawing/2014/main" id="{5D74B22A-6F3F-42AB-88B9-639608858BBE}"/>
-              </a:ext>
-            </a:extLst>
-          </p:cNvPr>
-          <p:cNvSpPr>
-            <a:spLocks noGrp="1"/>
-          </p:cNvSpPr>
-          <p:nvPr>
-            <p:ph type="sldNum" sz="quarter" idx="12"/>
-          </p:nvPr>
-        </p:nvSpPr>
-        <p:spPr/>
-        <p:txBody>
-          <a:bodyPr/>
-          <a:lstStyle/>
-          <a:p>
-            <a:fld id="{9A48FC86-4651-46AF-9E4A-D3FC30E17613}" type="slidenum">
-              <a:rPr lang="de-DE" smtClean="0"/>
-              <a:t>5</a:t>
-            </a:fld>
-            <a:endParaRPr lang="de-DE"/>
-          </a:p>
-        </p:txBody>
-      </p:sp>
-      <p:pic>
-        <p:nvPicPr>
-          <p:cNvPr id="9" name="Inhaltsplatzhalter 8" descr="Ein Bild, das Text, Screenshot enthält.&#10;&#10;Automatisch generierte Beschreibung">
-            <a:extLst>
-              <a:ext uri="{FF2B5EF4-FFF2-40B4-BE49-F238E27FC236}">
-                <a16:creationId xmlns:a16="http://schemas.microsoft.com/office/drawing/2014/main" id="{4DB065C7-3FE7-4A95-9BA6-F919C69E06F0}"/>
-              </a:ext>
-            </a:extLst>
-          </p:cNvPr>
-          <p:cNvPicPr>
-            <a:picLocks noGrp="1" noChangeAspect="1"/>
-          </p:cNvPicPr>
-          <p:nvPr>
-            <p:ph idx="1"/>
-          </p:nvPr>
-        </p:nvPicPr>
-        <p:blipFill>
-          <a:blip r:embed="rId3">
-            <a:extLst>
-              <a:ext uri="{28A0092B-C50C-407E-A947-70E740481C1C}">
-                <a14:useLocalDpi xmlns:a14="http://schemas.microsoft.com/office/drawing/2010/main" val="0"/>
-              </a:ext>
-            </a:extLst>
-          </a:blip>
-          <a:stretch>
-            <a:fillRect/>
-          </a:stretch>
-        </p:blipFill>
-        <p:spPr>
-          <a:xfrm>
-            <a:off x="2621902" y="1352413"/>
-            <a:ext cx="6787945" cy="4961949"/>
-          </a:xfrm>
-        </p:spPr>
-      </p:pic>
-    </p:spTree>
-    <p:extLst>
-      <p:ext uri="{BB962C8B-B14F-4D97-AF65-F5344CB8AC3E}">
-        <p14:creationId xmlns:p14="http://schemas.microsoft.com/office/powerpoint/2010/main" val="1404306740"/>
-      </p:ext>
-    </p:extLst>
-  </p:cSld>
-  <p:clrMapOvr>
-    <a:masterClrMapping/>
-  </p:clrMapOvr>
-</p:sld>
-</file>
-
-<file path=ppt/slides/slide6.xml><?xml version="1.0" encoding="utf-8"?>
-<p:sld xmlns:a="http://schemas.openxmlformats.org/drawingml/2006/main" xmlns:r="http://schemas.openxmlformats.org/officeDocument/2006/relationships" xmlns:p="http://schemas.openxmlformats.org/presentationml/2006/main">
-  <p:cSld>
-    <p:spTree>
-      <p:nvGrpSpPr>
-        <p:cNvPr id="1" name=""/>
-        <p:cNvGrpSpPr/>
-        <p:nvPr/>
-      </p:nvGrpSpPr>
-      <p:grpSpPr>
-        <a:xfrm>
-          <a:off x="0" y="0"/>
-          <a:ext cx="0" cy="0"/>
-          <a:chOff x="0" y="0"/>
-          <a:chExt cx="0" cy="0"/>
-        </a:xfrm>
-      </p:grpSpPr>
-      <p:sp>
-        <p:nvSpPr>
-          <p:cNvPr id="2" name="Titel 1">
-            <a:extLst>
-              <a:ext uri="{FF2B5EF4-FFF2-40B4-BE49-F238E27FC236}">
-                <a16:creationId xmlns:a16="http://schemas.microsoft.com/office/drawing/2014/main" id="{D63C152A-E451-4C3A-8960-B8F2BE028BE2}"/>
-              </a:ext>
-            </a:extLst>
-          </p:cNvPr>
-          <p:cNvSpPr>
-            <a:spLocks noGrp="1"/>
-          </p:cNvSpPr>
-          <p:nvPr>
-            <p:ph type="title"/>
-          </p:nvPr>
-        </p:nvSpPr>
-        <p:spPr/>
-        <p:txBody>
-          <a:bodyPr/>
-          <a:lstStyle/>
-          <a:p>
-            <a:r>
-              <a:rPr lang="de-DE" b="1" dirty="0"/>
-              <a:t>2. Data </a:t>
-            </a:r>
-            <a:r>
-              <a:rPr lang="de-DE" b="1" dirty="0" err="1"/>
-              <a:t>Pre</a:t>
-            </a:r>
-            <a:r>
-              <a:rPr lang="de-DE" b="1" dirty="0"/>
-              <a:t>-Processing</a:t>
-            </a:r>
-            <a:br>
-              <a:rPr lang="de-DE" b="1" dirty="0"/>
-            </a:br>
-            <a:r>
-              <a:rPr lang="de-DE" b="1" dirty="0"/>
-              <a:t>     - Feature </a:t>
+              <a:t>3</a:t>
+            </a:r>
+            <a:r>
+              <a:rPr lang="de-DE" b="1" dirty="0" smtClean="0"/>
+              <a:t>. Feature </a:t>
             </a:r>
             <a:r>
               <a:rPr lang="de-DE" b="1" dirty="0" err="1"/>
@@ -18941,7 +19247,7 @@
           <p:cNvPr id="8" name="Inhaltsplatzhalter 7" descr="Ein Bild, das Text, Karte enthält.&#10;&#10;Automatisch generierte Beschreibung">
             <a:extLst>
               <a:ext uri="{FF2B5EF4-FFF2-40B4-BE49-F238E27FC236}">
-                <a16:creationId xmlns:a16="http://schemas.microsoft.com/office/drawing/2014/main" id="{5E03A759-62B2-4B89-A201-F90529EB3F53}"/>
+                <a16:creationId xmlns:a16="http://schemas.microsoft.com/office/drawing/2014/main" xmlns="" id="{5E03A759-62B2-4B89-A201-F90529EB3F53}"/>
               </a:ext>
             </a:extLst>
           </p:cNvPr>
@@ -18976,7 +19282,7 @@
           <p:cNvPr id="4" name="Datumsplatzhalter 3">
             <a:extLst>
               <a:ext uri="{FF2B5EF4-FFF2-40B4-BE49-F238E27FC236}">
-                <a16:creationId xmlns:a16="http://schemas.microsoft.com/office/drawing/2014/main" id="{B962B6FC-C001-4854-B00F-7F28A27E08AF}"/>
+                <a16:creationId xmlns:a16="http://schemas.microsoft.com/office/drawing/2014/main" xmlns="" id="{B962B6FC-C001-4854-B00F-7F28A27E08AF}"/>
               </a:ext>
             </a:extLst>
           </p:cNvPr>
@@ -19005,7 +19311,7 @@
           <p:cNvPr id="5" name="Fußzeilenplatzhalter 4">
             <a:extLst>
               <a:ext uri="{FF2B5EF4-FFF2-40B4-BE49-F238E27FC236}">
-                <a16:creationId xmlns:a16="http://schemas.microsoft.com/office/drawing/2014/main" id="{DEA88EFC-874C-43E5-B2DA-861F8E71C2C8}"/>
+                <a16:creationId xmlns:a16="http://schemas.microsoft.com/office/drawing/2014/main" xmlns="" id="{DEA88EFC-874C-43E5-B2DA-861F8E71C2C8}"/>
               </a:ext>
             </a:extLst>
           </p:cNvPr>
@@ -19033,7 +19339,7 @@
           <p:cNvPr id="6" name="Foliennummernplatzhalter 5">
             <a:extLst>
               <a:ext uri="{FF2B5EF4-FFF2-40B4-BE49-F238E27FC236}">
-                <a16:creationId xmlns:a16="http://schemas.microsoft.com/office/drawing/2014/main" id="{773E727D-2CF8-4D27-B579-D7455D67EB4A}"/>
+                <a16:creationId xmlns:a16="http://schemas.microsoft.com/office/drawing/2014/main" xmlns="" id="{773E727D-2CF8-4D27-B579-D7455D67EB4A}"/>
               </a:ext>
             </a:extLst>
           </p:cNvPr>
@@ -19051,7 +19357,7 @@
           <a:p>
             <a:fld id="{9A48FC86-4651-46AF-9E4A-D3FC30E17613}" type="slidenum">
               <a:rPr lang="de-DE" smtClean="0"/>
-              <a:t>6</a:t>
+              <a:t>5</a:t>
             </a:fld>
             <a:endParaRPr lang="de-DE"/>
           </a:p>
@@ -19062,7 +19368,7 @@
           <p:cNvPr id="10" name="Grafik 9">
             <a:extLst>
               <a:ext uri="{FF2B5EF4-FFF2-40B4-BE49-F238E27FC236}">
-                <a16:creationId xmlns:a16="http://schemas.microsoft.com/office/drawing/2014/main" id="{40F248AE-2FD7-4599-8D53-82C49F3CF3F6}"/>
+                <a16:creationId xmlns:a16="http://schemas.microsoft.com/office/drawing/2014/main" xmlns="" id="{40F248AE-2FD7-4599-8D53-82C49F3CF3F6}"/>
               </a:ext>
             </a:extLst>
           </p:cNvPr>
@@ -19103,6 +19409,227 @@
   <p:clrMapOvr>
     <a:masterClrMapping/>
   </p:clrMapOvr>
+  <p:timing>
+    <p:tnLst>
+      <p:par>
+        <p:cTn id="1" dur="indefinite" restart="never" nodeType="tmRoot"/>
+      </p:par>
+    </p:tnLst>
+  </p:timing>
+</p:sld>
+</file>
+
+<file path=ppt/slides/slide6.xml><?xml version="1.0" encoding="utf-8"?>
+<p:sld xmlns:a="http://schemas.openxmlformats.org/drawingml/2006/main" xmlns:r="http://schemas.openxmlformats.org/officeDocument/2006/relationships" xmlns:p="http://schemas.openxmlformats.org/presentationml/2006/main">
+  <p:cSld>
+    <p:spTree>
+      <p:nvGrpSpPr>
+        <p:cNvPr id="1" name=""/>
+        <p:cNvGrpSpPr/>
+        <p:nvPr/>
+      </p:nvGrpSpPr>
+      <p:grpSpPr>
+        <a:xfrm>
+          <a:off x="0" y="0"/>
+          <a:ext cx="0" cy="0"/>
+          <a:chOff x="0" y="0"/>
+          <a:chExt cx="0" cy="0"/>
+        </a:xfrm>
+      </p:grpSpPr>
+      <p:sp>
+        <p:nvSpPr>
+          <p:cNvPr id="7" name="Titel 6">
+            <a:extLst>
+              <a:ext uri="{FF2B5EF4-FFF2-40B4-BE49-F238E27FC236}">
+                <a16:creationId xmlns:a16="http://schemas.microsoft.com/office/drawing/2014/main" xmlns="" id="{C8298884-CA89-49EB-A634-49DED813FC9B}"/>
+              </a:ext>
+            </a:extLst>
+          </p:cNvPr>
+          <p:cNvSpPr>
+            <a:spLocks noGrp="1"/>
+          </p:cNvSpPr>
+          <p:nvPr>
+            <p:ph type="title"/>
+          </p:nvPr>
+        </p:nvSpPr>
+        <p:spPr/>
+        <p:txBody>
+          <a:bodyPr/>
+          <a:lstStyle/>
+          <a:p>
+            <a:r>
+              <a:rPr lang="de-DE" b="1" dirty="0" smtClean="0"/>
+              <a:t>4. </a:t>
+            </a:r>
+            <a:r>
+              <a:rPr lang="de-DE" b="1" dirty="0"/>
+              <a:t>Data </a:t>
+            </a:r>
+            <a:r>
+              <a:rPr lang="de-DE" b="1" dirty="0" err="1"/>
+              <a:t>Pre</a:t>
+            </a:r>
+            <a:r>
+              <a:rPr lang="de-DE" b="1" dirty="0"/>
+              <a:t>-Processing </a:t>
+            </a:r>
+            <a:r>
+              <a:rPr lang="de-DE" b="1" dirty="0" smtClean="0"/>
+              <a:t/>
+            </a:r>
+            <a:br>
+              <a:rPr lang="de-DE" b="1" dirty="0" smtClean="0"/>
+            </a:br>
+            <a:r>
+              <a:rPr lang="de-DE" b="1" dirty="0" smtClean="0"/>
+              <a:t>     - Data </a:t>
+            </a:r>
+            <a:r>
+              <a:rPr lang="de-DE" b="1" dirty="0" err="1"/>
+              <a:t>Profiling</a:t>
+            </a:r>
+            <a:endParaRPr lang="de-DE" b="1" dirty="0"/>
+          </a:p>
+        </p:txBody>
+      </p:sp>
+      <p:sp>
+        <p:nvSpPr>
+          <p:cNvPr id="4" name="Datumsplatzhalter 3">
+            <a:extLst>
+              <a:ext uri="{FF2B5EF4-FFF2-40B4-BE49-F238E27FC236}">
+                <a16:creationId xmlns:a16="http://schemas.microsoft.com/office/drawing/2014/main" xmlns="" id="{4B0CBDA2-6370-4FBC-B25A-900C6CA809F9}"/>
+              </a:ext>
+            </a:extLst>
+          </p:cNvPr>
+          <p:cNvSpPr>
+            <a:spLocks noGrp="1"/>
+          </p:cNvSpPr>
+          <p:nvPr>
+            <p:ph type="dt" sz="half" idx="10"/>
+          </p:nvPr>
+        </p:nvSpPr>
+        <p:spPr/>
+        <p:txBody>
+          <a:bodyPr/>
+          <a:lstStyle/>
+          <a:p>
+            <a:fld id="{2FD63A82-654A-43A1-BAA7-24963EF8A3A2}" type="datetime1">
+              <a:rPr lang="de-DE" smtClean="0"/>
+              <a:t>10.07.2020</a:t>
+            </a:fld>
+            <a:endParaRPr lang="de-DE"/>
+          </a:p>
+        </p:txBody>
+      </p:sp>
+      <p:sp>
+        <p:nvSpPr>
+          <p:cNvPr id="5" name="Fußzeilenplatzhalter 4">
+            <a:extLst>
+              <a:ext uri="{FF2B5EF4-FFF2-40B4-BE49-F238E27FC236}">
+                <a16:creationId xmlns:a16="http://schemas.microsoft.com/office/drawing/2014/main" xmlns="" id="{3C55ECAD-41C9-49A9-889F-0B38F8141A98}"/>
+              </a:ext>
+            </a:extLst>
+          </p:cNvPr>
+          <p:cNvSpPr>
+            <a:spLocks noGrp="1"/>
+          </p:cNvSpPr>
+          <p:nvPr>
+            <p:ph type="ftr" sz="quarter" idx="11"/>
+          </p:nvPr>
+        </p:nvSpPr>
+        <p:spPr/>
+        <p:txBody>
+          <a:bodyPr/>
+          <a:lstStyle/>
+          <a:p>
+            <a:r>
+              <a:rPr lang="de-DE"/>
+              <a:t>Lisa Boos, Till Hoffmann, Khaled Jallouli, Hemlata Prajapati</a:t>
+            </a:r>
+          </a:p>
+        </p:txBody>
+      </p:sp>
+      <p:sp>
+        <p:nvSpPr>
+          <p:cNvPr id="6" name="Foliennummernplatzhalter 5">
+            <a:extLst>
+              <a:ext uri="{FF2B5EF4-FFF2-40B4-BE49-F238E27FC236}">
+                <a16:creationId xmlns:a16="http://schemas.microsoft.com/office/drawing/2014/main" xmlns="" id="{5D74B22A-6F3F-42AB-88B9-639608858BBE}"/>
+              </a:ext>
+            </a:extLst>
+          </p:cNvPr>
+          <p:cNvSpPr>
+            <a:spLocks noGrp="1"/>
+          </p:cNvSpPr>
+          <p:nvPr>
+            <p:ph type="sldNum" sz="quarter" idx="12"/>
+          </p:nvPr>
+        </p:nvSpPr>
+        <p:spPr/>
+        <p:txBody>
+          <a:bodyPr/>
+          <a:lstStyle/>
+          <a:p>
+            <a:fld id="{9A48FC86-4651-46AF-9E4A-D3FC30E17613}" type="slidenum">
+              <a:rPr lang="de-DE" smtClean="0"/>
+              <a:t>6</a:t>
+            </a:fld>
+            <a:endParaRPr lang="de-DE"/>
+          </a:p>
+        </p:txBody>
+      </p:sp>
+      <p:pic>
+        <p:nvPicPr>
+          <p:cNvPr id="9" name="Inhaltsplatzhalter 8" descr="Ein Bild, das Text, Screenshot enthält.&#10;&#10;Automatisch generierte Beschreibung">
+            <a:extLst>
+              <a:ext uri="{FF2B5EF4-FFF2-40B4-BE49-F238E27FC236}">
+                <a16:creationId xmlns:a16="http://schemas.microsoft.com/office/drawing/2014/main" xmlns="" id="{4DB065C7-3FE7-4A95-9BA6-F919C69E06F0}"/>
+              </a:ext>
+            </a:extLst>
+          </p:cNvPr>
+          <p:cNvPicPr>
+            <a:picLocks noGrp="1" noChangeAspect="1"/>
+          </p:cNvPicPr>
+          <p:nvPr>
+            <p:ph idx="1"/>
+          </p:nvPr>
+        </p:nvPicPr>
+        <p:blipFill>
+          <a:blip r:embed="rId3">
+            <a:extLst>
+              <a:ext uri="{28A0092B-C50C-407E-A947-70E740481C1C}">
+                <a14:useLocalDpi xmlns:a14="http://schemas.microsoft.com/office/drawing/2010/main" val="0"/>
+              </a:ext>
+            </a:extLst>
+          </a:blip>
+          <a:stretch>
+            <a:fillRect/>
+          </a:stretch>
+        </p:blipFill>
+        <p:spPr>
+          <a:xfrm>
+            <a:off x="2621902" y="1819065"/>
+            <a:ext cx="6149565" cy="4495297"/>
+          </a:xfrm>
+        </p:spPr>
+      </p:pic>
+    </p:spTree>
+    <p:extLst>
+      <p:ext uri="{BB962C8B-B14F-4D97-AF65-F5344CB8AC3E}">
+        <p14:creationId xmlns:p14="http://schemas.microsoft.com/office/powerpoint/2010/main" val="1404306740"/>
+      </p:ext>
+    </p:extLst>
+  </p:cSld>
+  <p:clrMapOvr>
+    <a:masterClrMapping/>
+  </p:clrMapOvr>
+  <p:timing>
+    <p:tnLst>
+      <p:par>
+        <p:cTn id="1" dur="indefinite" restart="never" nodeType="tmRoot"/>
+      </p:par>
+    </p:tnLst>
+  </p:timing>
 </p:sld>
 </file>
 
@@ -19128,7 +19655,7 @@
           <p:cNvPr id="2" name="Titel 1">
             <a:extLst>
               <a:ext uri="{FF2B5EF4-FFF2-40B4-BE49-F238E27FC236}">
-                <a16:creationId xmlns:a16="http://schemas.microsoft.com/office/drawing/2014/main" id="{D63C152A-E451-4C3A-8960-B8F2BE028BE2}"/>
+                <a16:creationId xmlns:a16="http://schemas.microsoft.com/office/drawing/2014/main" xmlns="" id="{D63C152A-E451-4C3A-8960-B8F2BE028BE2}"/>
               </a:ext>
             </a:extLst>
           </p:cNvPr>
@@ -19146,7 +19673,15 @@
           <a:p>
             <a:r>
               <a:rPr lang="de-DE" b="1" dirty="0"/>
-              <a:t>2. Data </a:t>
+              <a:t>4</a:t>
+            </a:r>
+            <a:r>
+              <a:rPr lang="de-DE" b="1" dirty="0" smtClean="0"/>
+              <a:t>. </a:t>
+            </a:r>
+            <a:r>
+              <a:rPr lang="de-DE" b="1" dirty="0"/>
+              <a:t>Data </a:t>
             </a:r>
             <a:r>
               <a:rPr lang="de-DE" b="1" dirty="0" err="1"/>
@@ -19187,7 +19722,7 @@
           <p:cNvPr id="8" name="Inhaltsplatzhalter 7">
             <a:extLst>
               <a:ext uri="{FF2B5EF4-FFF2-40B4-BE49-F238E27FC236}">
-                <a16:creationId xmlns:a16="http://schemas.microsoft.com/office/drawing/2014/main" id="{BBB5D138-9C7F-4E9D-8765-09478FF67448}"/>
+                <a16:creationId xmlns:a16="http://schemas.microsoft.com/office/drawing/2014/main" xmlns="" id="{BBB5D138-9C7F-4E9D-8765-09478FF67448}"/>
               </a:ext>
             </a:extLst>
           </p:cNvPr>
@@ -19222,7 +19757,7 @@
           <p:cNvPr id="4" name="Datumsplatzhalter 3">
             <a:extLst>
               <a:ext uri="{FF2B5EF4-FFF2-40B4-BE49-F238E27FC236}">
-                <a16:creationId xmlns:a16="http://schemas.microsoft.com/office/drawing/2014/main" id="{B962B6FC-C001-4854-B00F-7F28A27E08AF}"/>
+                <a16:creationId xmlns:a16="http://schemas.microsoft.com/office/drawing/2014/main" xmlns="" id="{B962B6FC-C001-4854-B00F-7F28A27E08AF}"/>
               </a:ext>
             </a:extLst>
           </p:cNvPr>
@@ -19251,7 +19786,7 @@
           <p:cNvPr id="5" name="Fußzeilenplatzhalter 4">
             <a:extLst>
               <a:ext uri="{FF2B5EF4-FFF2-40B4-BE49-F238E27FC236}">
-                <a16:creationId xmlns:a16="http://schemas.microsoft.com/office/drawing/2014/main" id="{DEA88EFC-874C-43E5-B2DA-861F8E71C2C8}"/>
+                <a16:creationId xmlns:a16="http://schemas.microsoft.com/office/drawing/2014/main" xmlns="" id="{DEA88EFC-874C-43E5-B2DA-861F8E71C2C8}"/>
               </a:ext>
             </a:extLst>
           </p:cNvPr>
@@ -19279,7 +19814,7 @@
           <p:cNvPr id="6" name="Foliennummernplatzhalter 5">
             <a:extLst>
               <a:ext uri="{FF2B5EF4-FFF2-40B4-BE49-F238E27FC236}">
-                <a16:creationId xmlns:a16="http://schemas.microsoft.com/office/drawing/2014/main" id="{773E727D-2CF8-4D27-B579-D7455D67EB4A}"/>
+                <a16:creationId xmlns:a16="http://schemas.microsoft.com/office/drawing/2014/main" xmlns="" id="{773E727D-2CF8-4D27-B579-D7455D67EB4A}"/>
               </a:ext>
             </a:extLst>
           </p:cNvPr>
@@ -19308,7 +19843,7 @@
           <p:cNvPr id="7" name="Inhaltsplatzhalter 7">
             <a:extLst>
               <a:ext uri="{FF2B5EF4-FFF2-40B4-BE49-F238E27FC236}">
-                <a16:creationId xmlns:a16="http://schemas.microsoft.com/office/drawing/2014/main" id="{A0489E65-5E09-B245-908E-16E4A8110148}"/>
+                <a16:creationId xmlns:a16="http://schemas.microsoft.com/office/drawing/2014/main" xmlns="" id="{A0489E65-5E09-B245-908E-16E4A8110148}"/>
               </a:ext>
             </a:extLst>
           </p:cNvPr>
@@ -19348,6 +19883,13 @@
   <p:clrMapOvr>
     <a:masterClrMapping/>
   </p:clrMapOvr>
+  <p:timing>
+    <p:tnLst>
+      <p:par>
+        <p:cTn id="1" dur="indefinite" restart="never" nodeType="tmRoot"/>
+      </p:par>
+    </p:tnLst>
+  </p:timing>
 </p:sld>
 </file>
 
@@ -19373,7 +19915,7 @@
           <p:cNvPr id="2" name="Titel 1">
             <a:extLst>
               <a:ext uri="{FF2B5EF4-FFF2-40B4-BE49-F238E27FC236}">
-                <a16:creationId xmlns:a16="http://schemas.microsoft.com/office/drawing/2014/main" id="{D63C152A-E451-4C3A-8960-B8F2BE028BE2}"/>
+                <a16:creationId xmlns:a16="http://schemas.microsoft.com/office/drawing/2014/main" xmlns="" id="{D63C152A-E451-4C3A-8960-B8F2BE028BE2}"/>
               </a:ext>
             </a:extLst>
           </p:cNvPr>
@@ -19391,7 +19933,15 @@
           <a:p>
             <a:r>
               <a:rPr lang="de-DE" b="1" dirty="0"/>
-              <a:t>2. Data </a:t>
+              <a:t>4</a:t>
+            </a:r>
+            <a:r>
+              <a:rPr lang="de-DE" b="1" dirty="0" smtClean="0"/>
+              <a:t>. </a:t>
+            </a:r>
+            <a:r>
+              <a:rPr lang="de-DE" b="1" dirty="0"/>
+              <a:t>Data </a:t>
             </a:r>
             <a:r>
               <a:rPr lang="de-DE" b="1" dirty="0" err="1"/>
@@ -19432,7 +19982,7 @@
           <p:cNvPr id="4" name="Datumsplatzhalter 3">
             <a:extLst>
               <a:ext uri="{FF2B5EF4-FFF2-40B4-BE49-F238E27FC236}">
-                <a16:creationId xmlns:a16="http://schemas.microsoft.com/office/drawing/2014/main" id="{B962B6FC-C001-4854-B00F-7F28A27E08AF}"/>
+                <a16:creationId xmlns:a16="http://schemas.microsoft.com/office/drawing/2014/main" xmlns="" id="{B962B6FC-C001-4854-B00F-7F28A27E08AF}"/>
               </a:ext>
             </a:extLst>
           </p:cNvPr>
@@ -19461,7 +20011,7 @@
           <p:cNvPr id="5" name="Fußzeilenplatzhalter 4">
             <a:extLst>
               <a:ext uri="{FF2B5EF4-FFF2-40B4-BE49-F238E27FC236}">
-                <a16:creationId xmlns:a16="http://schemas.microsoft.com/office/drawing/2014/main" id="{DEA88EFC-874C-43E5-B2DA-861F8E71C2C8}"/>
+                <a16:creationId xmlns:a16="http://schemas.microsoft.com/office/drawing/2014/main" xmlns="" id="{DEA88EFC-874C-43E5-B2DA-861F8E71C2C8}"/>
               </a:ext>
             </a:extLst>
           </p:cNvPr>
@@ -19489,7 +20039,7 @@
           <p:cNvPr id="6" name="Foliennummernplatzhalter 5">
             <a:extLst>
               <a:ext uri="{FF2B5EF4-FFF2-40B4-BE49-F238E27FC236}">
-                <a16:creationId xmlns:a16="http://schemas.microsoft.com/office/drawing/2014/main" id="{773E727D-2CF8-4D27-B579-D7455D67EB4A}"/>
+                <a16:creationId xmlns:a16="http://schemas.microsoft.com/office/drawing/2014/main" xmlns="" id="{773E727D-2CF8-4D27-B579-D7455D67EB4A}"/>
               </a:ext>
             </a:extLst>
           </p:cNvPr>
@@ -19518,7 +20068,7 @@
           <p:cNvPr id="10" name="Inhaltsplatzhalter 9">
             <a:extLst>
               <a:ext uri="{FF2B5EF4-FFF2-40B4-BE49-F238E27FC236}">
-                <a16:creationId xmlns:a16="http://schemas.microsoft.com/office/drawing/2014/main" id="{86962BB9-C1B2-4F5A-8DD0-60316F620334}"/>
+                <a16:creationId xmlns:a16="http://schemas.microsoft.com/office/drawing/2014/main" xmlns="" id="{86962BB9-C1B2-4F5A-8DD0-60316F620334}"/>
               </a:ext>
             </a:extLst>
           </p:cNvPr>
@@ -19558,6 +20108,13 @@
   <p:clrMapOvr>
     <a:masterClrMapping/>
   </p:clrMapOvr>
+  <p:timing>
+    <p:tnLst>
+      <p:par>
+        <p:cTn id="1" dur="indefinite" restart="never" nodeType="tmRoot"/>
+      </p:par>
+    </p:tnLst>
+  </p:timing>
 </p:sld>
 </file>
 
@@ -19583,7 +20140,7 @@
           <p:cNvPr id="2" name="Titel 1">
             <a:extLst>
               <a:ext uri="{FF2B5EF4-FFF2-40B4-BE49-F238E27FC236}">
-                <a16:creationId xmlns:a16="http://schemas.microsoft.com/office/drawing/2014/main" id="{D63C152A-E451-4C3A-8960-B8F2BE028BE2}"/>
+                <a16:creationId xmlns:a16="http://schemas.microsoft.com/office/drawing/2014/main" xmlns="" id="{D63C152A-E451-4C3A-8960-B8F2BE028BE2}"/>
               </a:ext>
             </a:extLst>
           </p:cNvPr>
@@ -19601,7 +20158,15 @@
           <a:p>
             <a:r>
               <a:rPr lang="de-DE" b="1" dirty="0"/>
-              <a:t>2. Data </a:t>
+              <a:t>4</a:t>
+            </a:r>
+            <a:r>
+              <a:rPr lang="de-DE" b="1" dirty="0" smtClean="0"/>
+              <a:t>. </a:t>
+            </a:r>
+            <a:r>
+              <a:rPr lang="de-DE" b="1" dirty="0"/>
+              <a:t>Data </a:t>
             </a:r>
             <a:r>
               <a:rPr lang="de-DE" b="1" dirty="0" err="1"/>
@@ -19642,7 +20207,7 @@
           <p:cNvPr id="4" name="Datumsplatzhalter 3">
             <a:extLst>
               <a:ext uri="{FF2B5EF4-FFF2-40B4-BE49-F238E27FC236}">
-                <a16:creationId xmlns:a16="http://schemas.microsoft.com/office/drawing/2014/main" id="{B962B6FC-C001-4854-B00F-7F28A27E08AF}"/>
+                <a16:creationId xmlns:a16="http://schemas.microsoft.com/office/drawing/2014/main" xmlns="" id="{B962B6FC-C001-4854-B00F-7F28A27E08AF}"/>
               </a:ext>
             </a:extLst>
           </p:cNvPr>
@@ -19671,7 +20236,7 @@
           <p:cNvPr id="5" name="Fußzeilenplatzhalter 4">
             <a:extLst>
               <a:ext uri="{FF2B5EF4-FFF2-40B4-BE49-F238E27FC236}">
-                <a16:creationId xmlns:a16="http://schemas.microsoft.com/office/drawing/2014/main" id="{DEA88EFC-874C-43E5-B2DA-861F8E71C2C8}"/>
+                <a16:creationId xmlns:a16="http://schemas.microsoft.com/office/drawing/2014/main" xmlns="" id="{DEA88EFC-874C-43E5-B2DA-861F8E71C2C8}"/>
               </a:ext>
             </a:extLst>
           </p:cNvPr>
@@ -19699,7 +20264,7 @@
           <p:cNvPr id="6" name="Foliennummernplatzhalter 5">
             <a:extLst>
               <a:ext uri="{FF2B5EF4-FFF2-40B4-BE49-F238E27FC236}">
-                <a16:creationId xmlns:a16="http://schemas.microsoft.com/office/drawing/2014/main" id="{773E727D-2CF8-4D27-B579-D7455D67EB4A}"/>
+                <a16:creationId xmlns:a16="http://schemas.microsoft.com/office/drawing/2014/main" xmlns="" id="{773E727D-2CF8-4D27-B579-D7455D67EB4A}"/>
               </a:ext>
             </a:extLst>
           </p:cNvPr>
@@ -19728,7 +20293,7 @@
           <p:cNvPr id="9" name="Inhaltsplatzhalter 8" descr="Ein Bild, das Screenshot enthält.&#10;&#10;Automatisch generierte Beschreibung">
             <a:extLst>
               <a:ext uri="{FF2B5EF4-FFF2-40B4-BE49-F238E27FC236}">
-                <a16:creationId xmlns:a16="http://schemas.microsoft.com/office/drawing/2014/main" id="{9B3250CE-1878-49CF-B45D-FCD4EF4FA725}"/>
+                <a16:creationId xmlns:a16="http://schemas.microsoft.com/office/drawing/2014/main" xmlns="" id="{9B3250CE-1878-49CF-B45D-FCD4EF4FA725}"/>
               </a:ext>
             </a:extLst>
           </p:cNvPr>
@@ -19768,6 +20333,13 @@
   <p:clrMapOvr>
     <a:masterClrMapping/>
   </p:clrMapOvr>
+  <p:timing>
+    <p:tnLst>
+      <p:par>
+        <p:cTn id="1" dur="indefinite" restart="never" nodeType="tmRoot"/>
+      </p:par>
+    </p:tnLst>
+  </p:timing>
 </p:sld>
 </file>
 

--- a/Daily/sprint9/Final_Presentation_Phase_I.pptx
+++ b/Daily/sprint9/Final_Presentation_Phase_I.pptx
@@ -1570,9 +1570,12 @@
           <a:lstStyle/>
           <a:p>
             <a:r>
-              <a:rPr lang="de-DE" dirty="0"/>
+              <a:rPr lang="de-DE" dirty="0" smtClean="0"/>
               <a:t>Khaled</a:t>
             </a:r>
+          </a:p>
+          <a:p>
+            <a:endParaRPr lang="de-DE" dirty="0"/>
           </a:p>
         </p:txBody>
       </p:sp>
@@ -1921,7 +1924,7 @@
           <a:lstStyle/>
           <a:p>
             <a:r>
-              <a:rPr lang="de-DE" dirty="0"/>
+              <a:rPr lang="de-DE" dirty="0" smtClean="0"/>
               <a:t>Khaled</a:t>
             </a:r>
           </a:p>
@@ -2008,8 +2011,8 @@
           <a:lstStyle/>
           <a:p>
             <a:r>
-              <a:rPr lang="de-DE" dirty="0"/>
-              <a:t>Khaled, Lisa</a:t>
+              <a:rPr lang="de-DE" dirty="0" smtClean="0"/>
+              <a:t>Khaled</a:t>
             </a:r>
           </a:p>
         </p:txBody>
@@ -2095,7 +2098,7 @@
           <a:lstStyle/>
           <a:p>
             <a:r>
-              <a:rPr lang="de-DE" dirty="0"/>
+              <a:rPr lang="de-DE" dirty="0" smtClean="0"/>
               <a:t>Khaled</a:t>
             </a:r>
           </a:p>
@@ -2182,7 +2185,7 @@
           <a:lstStyle/>
           <a:p>
             <a:r>
-              <a:rPr lang="de-DE" dirty="0">
+              <a:rPr lang="de-DE" dirty="0" smtClean="0">
                 <a:cs typeface="Calibri"/>
               </a:rPr>
               <a:t>Khaled</a:t>
@@ -3850,7 +3853,6 @@
               <a:rPr lang="de-DE" dirty="0" smtClean="0"/>
               <a:t>Khaled</a:t>
             </a:r>
-            <a:endParaRPr lang="de-DE" dirty="0"/>
           </a:p>
         </p:txBody>
       </p:sp>
@@ -4109,7 +4111,7 @@
           <a:lstStyle/>
           <a:p>
             <a:r>
-              <a:rPr lang="de-DE" dirty="0"/>
+              <a:rPr lang="de-DE" dirty="0" smtClean="0"/>
               <a:t>Khaled</a:t>
             </a:r>
           </a:p>
@@ -4196,7 +4198,7 @@
           <a:lstStyle/>
           <a:p>
             <a:r>
-              <a:rPr lang="de-DE" dirty="0"/>
+              <a:rPr lang="de-DE" dirty="0" smtClean="0"/>
               <a:t>Khaled</a:t>
             </a:r>
           </a:p>
@@ -4283,7 +4285,7 @@
           <a:lstStyle/>
           <a:p>
             <a:r>
-              <a:rPr lang="de-DE" dirty="0"/>
+              <a:rPr lang="de-DE" dirty="0" smtClean="0"/>
               <a:t>Khaled</a:t>
             </a:r>
           </a:p>
@@ -7901,7 +7903,12 @@
             <p:ph type="title"/>
           </p:nvPr>
         </p:nvSpPr>
-        <p:spPr/>
+        <p:spPr>
+          <a:xfrm>
+            <a:off x="584200" y="396346"/>
+            <a:ext cx="10515600" cy="1325563"/>
+          </a:xfrm>
+        </p:spPr>
         <p:txBody>
           <a:bodyPr/>
           <a:lstStyle/>
@@ -7947,8 +7954,21 @@
             </a:r>
             <a:r>
               <a:rPr lang="de-DE" b="1" dirty="0"/>
-              <a:t> Option 4/5</a:t>
-            </a:r>
+              <a:t> Option </a:t>
+            </a:r>
+            <a:r>
+              <a:rPr lang="de-DE" b="1" dirty="0"/>
+              <a:t>4/5 </a:t>
+            </a:r>
+            <a:r>
+              <a:rPr lang="de-DE" sz="2000" dirty="0" smtClean="0"/>
+              <a:t>(25/33 </a:t>
+            </a:r>
+            <a:r>
+              <a:rPr lang="de-DE" sz="2000" dirty="0"/>
+              <a:t>Features) </a:t>
+            </a:r>
+            <a:endParaRPr lang="de-DE" sz="2000" b="1" dirty="0"/>
           </a:p>
         </p:txBody>
       </p:sp>
@@ -9314,10 +9334,38 @@
               <a:buChar char="►"/>
             </a:pPr>
             <a:r>
+              <a:rPr lang="de-DE" sz="1800" dirty="0" smtClean="0">
+                <a:ea typeface="+mn-lt"/>
+                <a:cs typeface="+mn-lt"/>
+              </a:rPr>
+              <a:t>Test </a:t>
+            </a:r>
+            <a:r>
+              <a:rPr lang="de-DE" sz="1800" dirty="0" err="1">
+                <a:ea typeface="+mn-lt"/>
+                <a:cs typeface="+mn-lt"/>
+              </a:rPr>
+              <a:t>set</a:t>
+            </a:r>
+            <a:r>
               <a:rPr lang="de-DE" sz="1800" dirty="0">
                 <a:ea typeface="+mn-lt"/>
                 <a:cs typeface="+mn-lt"/>
               </a:rPr>
+              <a:t> </a:t>
+            </a:r>
+            <a:r>
+              <a:rPr lang="de-DE" sz="1800" dirty="0" smtClean="0">
+                <a:ea typeface="+mn-lt"/>
+                <a:cs typeface="+mn-lt"/>
+              </a:rPr>
+              <a:t>(10%), </a:t>
+            </a:r>
+            <a:r>
+              <a:rPr lang="de-DE" sz="1800" dirty="0">
+                <a:ea typeface="+mn-lt"/>
+                <a:cs typeface="+mn-lt"/>
+              </a:rPr>
               <a:t>Training </a:t>
             </a:r>
             <a:r>
@@ -9332,33 +9380,127 @@
                 <a:ea typeface="+mn-lt"/>
                 <a:cs typeface="+mn-lt"/>
               </a:rPr>
-              <a:t> (70%) and Test </a:t>
+              <a:t> (80% </a:t>
             </a:r>
             <a:r>
               <a:rPr lang="de-DE" sz="1800" dirty="0" err="1">
                 <a:ea typeface="+mn-lt"/>
                 <a:cs typeface="+mn-lt"/>
               </a:rPr>
-              <a:t>set</a:t>
+              <a:t>of</a:t>
             </a:r>
             <a:r>
               <a:rPr lang="de-DE" sz="1800" dirty="0">
                 <a:ea typeface="+mn-lt"/>
                 <a:cs typeface="+mn-lt"/>
               </a:rPr>
-              <a:t> (30%) not </a:t>
+              <a:t> </a:t>
             </a:r>
             <a:r>
               <a:rPr lang="de-DE" sz="1800" dirty="0" err="1">
                 <a:ea typeface="+mn-lt"/>
                 <a:cs typeface="+mn-lt"/>
               </a:rPr>
-              <a:t>shuffled</a:t>
-            </a:r>
-            <a:endParaRPr lang="de-DE" sz="1400" u="sng" dirty="0">
-              <a:ea typeface="+mn-lt"/>
-              <a:cs typeface="+mn-lt"/>
-            </a:endParaRPr>
+              <a:t>the</a:t>
+            </a:r>
+            <a:r>
+              <a:rPr lang="de-DE" sz="1800" dirty="0">
+                <a:ea typeface="+mn-lt"/>
+                <a:cs typeface="+mn-lt"/>
+              </a:rPr>
+              <a:t> </a:t>
+            </a:r>
+            <a:r>
+              <a:rPr lang="de-DE" sz="1800" dirty="0" err="1">
+                <a:ea typeface="+mn-lt"/>
+                <a:cs typeface="+mn-lt"/>
+              </a:rPr>
+              <a:t>remaining</a:t>
+            </a:r>
+            <a:r>
+              <a:rPr lang="de-DE" sz="1800" dirty="0">
+                <a:ea typeface="+mn-lt"/>
+                <a:cs typeface="+mn-lt"/>
+              </a:rPr>
+              <a:t> </a:t>
+            </a:r>
+            <a:r>
+              <a:rPr lang="de-DE" sz="1800" dirty="0" smtClean="0">
+                <a:ea typeface="+mn-lt"/>
+                <a:cs typeface="+mn-lt"/>
+              </a:rPr>
+              <a:t>90%) </a:t>
+            </a:r>
+            <a:r>
+              <a:rPr lang="de-DE" sz="1800" dirty="0">
+                <a:ea typeface="+mn-lt"/>
+                <a:cs typeface="+mn-lt"/>
+              </a:rPr>
+              <a:t>and Validation </a:t>
+            </a:r>
+            <a:r>
+              <a:rPr lang="de-DE" sz="1800" dirty="0" err="1">
+                <a:ea typeface="+mn-lt"/>
+                <a:cs typeface="+mn-lt"/>
+              </a:rPr>
+              <a:t>set</a:t>
+            </a:r>
+            <a:r>
+              <a:rPr lang="de-DE" sz="1800" dirty="0">
+                <a:ea typeface="+mn-lt"/>
+                <a:cs typeface="+mn-lt"/>
+              </a:rPr>
+              <a:t> (20% </a:t>
+            </a:r>
+            <a:r>
+              <a:rPr lang="de-DE" sz="1800" dirty="0" err="1">
+                <a:ea typeface="+mn-lt"/>
+                <a:cs typeface="+mn-lt"/>
+              </a:rPr>
+              <a:t>of</a:t>
+            </a:r>
+            <a:r>
+              <a:rPr lang="de-DE" sz="1800" dirty="0">
+                <a:ea typeface="+mn-lt"/>
+                <a:cs typeface="+mn-lt"/>
+              </a:rPr>
+              <a:t> </a:t>
+            </a:r>
+            <a:r>
+              <a:rPr lang="de-DE" sz="1800" dirty="0" err="1">
+                <a:ea typeface="+mn-lt"/>
+                <a:cs typeface="+mn-lt"/>
+              </a:rPr>
+              <a:t>the</a:t>
+            </a:r>
+            <a:r>
+              <a:rPr lang="de-DE" sz="1800" dirty="0">
+                <a:ea typeface="+mn-lt"/>
+                <a:cs typeface="+mn-lt"/>
+              </a:rPr>
+              <a:t> </a:t>
+            </a:r>
+            <a:r>
+              <a:rPr lang="de-DE" sz="1800" dirty="0" err="1">
+                <a:ea typeface="+mn-lt"/>
+                <a:cs typeface="+mn-lt"/>
+              </a:rPr>
+              <a:t>remaining</a:t>
+            </a:r>
+            <a:r>
+              <a:rPr lang="de-DE" sz="1800" dirty="0">
+                <a:ea typeface="+mn-lt"/>
+                <a:cs typeface="+mn-lt"/>
+              </a:rPr>
+              <a:t> </a:t>
+            </a:r>
+            <a:r>
+              <a:rPr lang="de-DE" sz="1800" dirty="0" smtClean="0">
+                <a:ea typeface="+mn-lt"/>
+                <a:cs typeface="+mn-lt"/>
+              </a:rPr>
+              <a:t>90%)</a:t>
+            </a:r>
           </a:p>
           <a:p>
             <a:pPr marL="1200150" lvl="2" indent="-285750">
@@ -9372,137 +9514,25 @@
               <a:buChar char="►"/>
             </a:pPr>
             <a:r>
+              <a:rPr lang="de-DE" sz="1800" dirty="0" smtClean="0">
+                <a:ea typeface="+mn-lt"/>
+                <a:cs typeface="+mn-lt"/>
+              </a:rPr>
+              <a:t>Not </a:t>
+            </a:r>
+            <a:r>
+              <a:rPr lang="de-DE" sz="1800" dirty="0" err="1" smtClean="0">
+                <a:ea typeface="+mn-lt"/>
+                <a:cs typeface="+mn-lt"/>
+              </a:rPr>
+              <a:t>shuffled</a:t>
+            </a:r>
+            <a:r>
               <a:rPr lang="de-DE" sz="1800" dirty="0">
                 <a:ea typeface="+mn-lt"/>
                 <a:cs typeface="+mn-lt"/>
               </a:rPr>
-              <a:t>Test </a:t>
-            </a:r>
-            <a:r>
-              <a:rPr lang="de-DE" sz="1800" dirty="0" err="1">
-                <a:ea typeface="+mn-lt"/>
-                <a:cs typeface="+mn-lt"/>
-              </a:rPr>
-              <a:t>set</a:t>
-            </a:r>
-            <a:r>
-              <a:rPr lang="de-DE" sz="1800" dirty="0">
-                <a:ea typeface="+mn-lt"/>
-                <a:cs typeface="+mn-lt"/>
-              </a:rPr>
-              <a:t> (5%), Training </a:t>
-            </a:r>
-            <a:r>
-              <a:rPr lang="de-DE" sz="1800" dirty="0" err="1">
-                <a:ea typeface="+mn-lt"/>
-                <a:cs typeface="+mn-lt"/>
-              </a:rPr>
-              <a:t>set</a:t>
-            </a:r>
-            <a:r>
-              <a:rPr lang="de-DE" sz="1800" dirty="0">
-                <a:ea typeface="+mn-lt"/>
-                <a:cs typeface="+mn-lt"/>
-              </a:rPr>
-              <a:t> (80% </a:t>
-            </a:r>
-            <a:r>
-              <a:rPr lang="de-DE" sz="1800" dirty="0" err="1">
-                <a:ea typeface="+mn-lt"/>
-                <a:cs typeface="+mn-lt"/>
-              </a:rPr>
-              <a:t>of</a:t>
-            </a:r>
-            <a:r>
-              <a:rPr lang="de-DE" sz="1800" dirty="0">
-                <a:ea typeface="+mn-lt"/>
-                <a:cs typeface="+mn-lt"/>
-              </a:rPr>
-              <a:t> </a:t>
-            </a:r>
-            <a:r>
-              <a:rPr lang="de-DE" sz="1800" dirty="0" err="1">
-                <a:ea typeface="+mn-lt"/>
-                <a:cs typeface="+mn-lt"/>
-              </a:rPr>
-              <a:t>the</a:t>
-            </a:r>
-            <a:r>
-              <a:rPr lang="de-DE" sz="1800" dirty="0">
-                <a:ea typeface="+mn-lt"/>
-                <a:cs typeface="+mn-lt"/>
-              </a:rPr>
-              <a:t> </a:t>
-            </a:r>
-            <a:r>
-              <a:rPr lang="de-DE" sz="1800" dirty="0" err="1">
-                <a:ea typeface="+mn-lt"/>
-                <a:cs typeface="+mn-lt"/>
-              </a:rPr>
-              <a:t>remaining</a:t>
-            </a:r>
-            <a:r>
-              <a:rPr lang="de-DE" sz="1800" dirty="0">
-                <a:ea typeface="+mn-lt"/>
-                <a:cs typeface="+mn-lt"/>
-              </a:rPr>
-              <a:t> 95%) and Validation </a:t>
-            </a:r>
-            <a:r>
-              <a:rPr lang="de-DE" sz="1800" dirty="0" err="1">
-                <a:ea typeface="+mn-lt"/>
-                <a:cs typeface="+mn-lt"/>
-              </a:rPr>
-              <a:t>set</a:t>
-            </a:r>
-            <a:r>
-              <a:rPr lang="de-DE" sz="1800" dirty="0">
-                <a:ea typeface="+mn-lt"/>
-                <a:cs typeface="+mn-lt"/>
-              </a:rPr>
-              <a:t> (20% </a:t>
-            </a:r>
-            <a:r>
-              <a:rPr lang="de-DE" sz="1800" dirty="0" err="1">
-                <a:ea typeface="+mn-lt"/>
-                <a:cs typeface="+mn-lt"/>
-              </a:rPr>
-              <a:t>of</a:t>
-            </a:r>
-            <a:r>
-              <a:rPr lang="de-DE" sz="1800" dirty="0">
-                <a:ea typeface="+mn-lt"/>
-                <a:cs typeface="+mn-lt"/>
-              </a:rPr>
-              <a:t> </a:t>
-            </a:r>
-            <a:r>
-              <a:rPr lang="de-DE" sz="1800" dirty="0" err="1">
-                <a:ea typeface="+mn-lt"/>
-                <a:cs typeface="+mn-lt"/>
-              </a:rPr>
-              <a:t>the</a:t>
-            </a:r>
-            <a:r>
-              <a:rPr lang="de-DE" sz="1800" dirty="0">
-                <a:ea typeface="+mn-lt"/>
-                <a:cs typeface="+mn-lt"/>
-              </a:rPr>
-              <a:t> </a:t>
-            </a:r>
-            <a:r>
-              <a:rPr lang="de-DE" sz="1800" dirty="0" err="1">
-                <a:ea typeface="+mn-lt"/>
-                <a:cs typeface="+mn-lt"/>
-              </a:rPr>
-              <a:t>remaining</a:t>
-            </a:r>
-            <a:r>
-              <a:rPr lang="de-DE" sz="1800" dirty="0">
-                <a:ea typeface="+mn-lt"/>
-                <a:cs typeface="+mn-lt"/>
-              </a:rPr>
-              <a:t> 95%) </a:t>
+              <a:t> </a:t>
             </a:r>
             <a:endParaRPr lang="en-US" b="1" dirty="0"/>
           </a:p>
@@ -10633,7 +10663,14 @@
                 <a:ea typeface="+mn-lt"/>
                 <a:cs typeface="+mn-lt"/>
               </a:rPr>
-              <a:t>: 2(52,32 </a:t>
+              <a:t>: </a:t>
+            </a:r>
+            <a:r>
+              <a:rPr lang="de-DE" sz="2400" dirty="0" smtClean="0">
+                <a:ea typeface="+mn-lt"/>
+                <a:cs typeface="+mn-lt"/>
+              </a:rPr>
+              <a:t>3(42,25,10 </a:t>
             </a:r>
             <a:r>
               <a:rPr lang="de-DE" sz="2400" dirty="0" err="1">
@@ -10737,7 +10774,35 @@
                 <a:ea typeface="+mn-lt"/>
                 <a:cs typeface="+mn-lt"/>
               </a:rPr>
-              <a:t>: Sigmoid and </a:t>
+              <a:t>: </a:t>
+            </a:r>
+            <a:r>
+              <a:rPr lang="de-DE" sz="2400" dirty="0" err="1" smtClean="0">
+                <a:ea typeface="+mn-lt"/>
+                <a:cs typeface="+mn-lt"/>
+              </a:rPr>
+              <a:t>ReLU</a:t>
+            </a:r>
+            <a:r>
+              <a:rPr lang="de-DE" sz="2400" dirty="0" smtClean="0">
+                <a:ea typeface="+mn-lt"/>
+                <a:cs typeface="+mn-lt"/>
+              </a:rPr>
+              <a:t> </a:t>
+            </a:r>
+            <a:r>
+              <a:rPr lang="de-DE" sz="2400" dirty="0" err="1" smtClean="0">
+                <a:ea typeface="+mn-lt"/>
+                <a:cs typeface="+mn-lt"/>
+              </a:rPr>
+              <a:t>and</a:t>
+            </a:r>
+            <a:r>
+              <a:rPr lang="de-DE" sz="2400" dirty="0" smtClean="0">
+                <a:ea typeface="+mn-lt"/>
+                <a:cs typeface="+mn-lt"/>
+              </a:rPr>
+              <a:t> </a:t>
             </a:r>
             <a:r>
               <a:rPr lang="de-DE" sz="2400" dirty="0" err="1">
@@ -11166,38 +11231,38 @@
               <a:buChar char="▌"/>
             </a:pPr>
             <a:r>
-              <a:rPr lang="de-DE" sz="2600" u="sng" dirty="0">
+              <a:rPr lang="de-DE" sz="2700" u="sng" dirty="0">
                 <a:cs typeface="Calibri"/>
               </a:rPr>
               <a:t>Keras </a:t>
             </a:r>
             <a:r>
-              <a:rPr lang="de-DE" sz="2600" u="sng" dirty="0" err="1">
+              <a:rPr lang="de-DE" sz="2700" u="sng" dirty="0" err="1">
                 <a:cs typeface="Calibri"/>
               </a:rPr>
               <a:t>Sequential</a:t>
             </a:r>
             <a:r>
-              <a:rPr lang="de-DE" sz="2600" u="sng" dirty="0">
+              <a:rPr lang="de-DE" sz="2700" u="sng" dirty="0">
                 <a:cs typeface="Calibri"/>
               </a:rPr>
               <a:t> </a:t>
             </a:r>
             <a:r>
-              <a:rPr lang="de-DE" sz="2600" u="sng" dirty="0" err="1">
+              <a:rPr lang="de-DE" sz="2700" u="sng" dirty="0" err="1">
                 <a:ea typeface="+mn-lt"/>
                 <a:cs typeface="+mn-lt"/>
               </a:rPr>
               <a:t>Neural</a:t>
             </a:r>
             <a:r>
-              <a:rPr lang="de-DE" sz="2600" u="sng" dirty="0">
+              <a:rPr lang="de-DE" sz="2700" u="sng" dirty="0">
                 <a:ea typeface="+mn-lt"/>
                 <a:cs typeface="+mn-lt"/>
               </a:rPr>
               <a:t> Network</a:t>
             </a:r>
-            <a:endParaRPr lang="en-US" b="1" dirty="0"/>
+            <a:endParaRPr lang="en-US" sz="2700" b="1" dirty="0"/>
           </a:p>
           <a:p>
             <a:pPr marL="742950" lvl="1" indent="-285750">
@@ -11211,80 +11276,80 @@
               <a:buChar char="►"/>
             </a:pPr>
             <a:r>
-              <a:rPr lang="en-US" dirty="0"/>
+              <a:rPr lang="en-US" sz="2700" dirty="0"/>
               <a:t> </a:t>
             </a:r>
             <a:r>
-              <a:rPr lang="de-DE" sz="2400" dirty="0">
+              <a:rPr lang="de-DE" sz="2700" dirty="0">
                 <a:ea typeface="+mn-lt"/>
                 <a:cs typeface="+mn-lt"/>
               </a:rPr>
               <a:t>Different </a:t>
             </a:r>
             <a:r>
-              <a:rPr lang="de-DE" sz="2400" dirty="0" err="1">
+              <a:rPr lang="de-DE" sz="2700" dirty="0" err="1">
                 <a:ea typeface="+mn-lt"/>
                 <a:cs typeface="+mn-lt"/>
               </a:rPr>
               <a:t>depths</a:t>
             </a:r>
             <a:r>
-              <a:rPr lang="de-DE" sz="2400" dirty="0">
+              <a:rPr lang="de-DE" sz="2700" dirty="0">
                 <a:ea typeface="+mn-lt"/>
                 <a:cs typeface="+mn-lt"/>
               </a:rPr>
               <a:t>: </a:t>
             </a:r>
             <a:r>
-              <a:rPr lang="de-DE" sz="2400" dirty="0" err="1">
+              <a:rPr lang="de-DE" sz="2700" dirty="0" err="1">
                 <a:ea typeface="+mn-lt"/>
                 <a:cs typeface="+mn-lt"/>
               </a:rPr>
               <a:t>From</a:t>
             </a:r>
             <a:r>
-              <a:rPr lang="de-DE" sz="2400" dirty="0">
+              <a:rPr lang="de-DE" sz="2700" dirty="0">
                 <a:ea typeface="+mn-lt"/>
                 <a:cs typeface="+mn-lt"/>
               </a:rPr>
               <a:t> 1 </a:t>
             </a:r>
             <a:r>
-              <a:rPr lang="de-DE" sz="2400" dirty="0" err="1">
+              <a:rPr lang="de-DE" sz="2700" dirty="0" err="1">
                 <a:ea typeface="+mn-lt"/>
                 <a:cs typeface="+mn-lt"/>
               </a:rPr>
               <a:t>to</a:t>
             </a:r>
             <a:r>
-              <a:rPr lang="de-DE" sz="2400" dirty="0">
+              <a:rPr lang="de-DE" sz="2700" dirty="0">
                 <a:ea typeface="+mn-lt"/>
                 <a:cs typeface="+mn-lt"/>
               </a:rPr>
               <a:t> 4 </a:t>
             </a:r>
             <a:r>
-              <a:rPr lang="de-DE" sz="2400" dirty="0" err="1">
+              <a:rPr lang="de-DE" sz="2700" dirty="0" err="1">
                 <a:ea typeface="+mn-lt"/>
                 <a:cs typeface="+mn-lt"/>
               </a:rPr>
               <a:t>hidden</a:t>
             </a:r>
             <a:r>
-              <a:rPr lang="de-DE" sz="2400" dirty="0">
+              <a:rPr lang="de-DE" sz="2700" dirty="0">
                 <a:ea typeface="+mn-lt"/>
                 <a:cs typeface="+mn-lt"/>
               </a:rPr>
               <a:t> </a:t>
             </a:r>
             <a:r>
-              <a:rPr lang="de-DE" sz="2400" dirty="0" err="1">
+              <a:rPr lang="de-DE" sz="2700" dirty="0" err="1">
                 <a:ea typeface="+mn-lt"/>
                 <a:cs typeface="+mn-lt"/>
               </a:rPr>
               <a:t>layers</a:t>
             </a:r>
-            <a:endParaRPr lang="en-US" b="1" dirty="0"/>
+            <a:endParaRPr lang="en-US" sz="2700" b="1" dirty="0"/>
           </a:p>
           <a:p>
             <a:pPr marL="742950" lvl="1" indent="-285750">
@@ -11298,11 +11363,11 @@
               <a:buChar char="►"/>
             </a:pPr>
             <a:r>
-              <a:rPr lang="en-US" dirty="0"/>
+              <a:rPr lang="en-US" sz="2700" dirty="0"/>
               <a:t> </a:t>
             </a:r>
             <a:r>
-              <a:rPr lang="de-DE" sz="2400" dirty="0" err="1">
+              <a:rPr lang="de-DE" sz="2700" dirty="0" err="1">
                 <a:solidFill>
                   <a:srgbClr val="000000"/>
                 </a:solidFill>
@@ -11311,7 +11376,7 @@
               <a:t>Activation</a:t>
             </a:r>
             <a:r>
-              <a:rPr lang="de-DE" sz="2400" dirty="0">
+              <a:rPr lang="de-DE" sz="2700" dirty="0">
                 <a:solidFill>
                   <a:srgbClr val="000000"/>
                 </a:solidFill>
@@ -11320,7 +11385,7 @@
               <a:t> </a:t>
             </a:r>
             <a:r>
-              <a:rPr lang="de-DE" sz="2400" dirty="0" err="1">
+              <a:rPr lang="de-DE" sz="2700" dirty="0" err="1">
                 <a:solidFill>
                   <a:srgbClr val="000000"/>
                 </a:solidFill>
@@ -11329,7 +11394,7 @@
               <a:t>functions</a:t>
             </a:r>
             <a:r>
-              <a:rPr lang="de-DE" sz="2400" dirty="0">
+              <a:rPr lang="de-DE" sz="2700" dirty="0">
                 <a:solidFill>
                   <a:srgbClr val="000000"/>
                 </a:solidFill>
@@ -11338,7 +11403,7 @@
               <a:t>: </a:t>
             </a:r>
             <a:r>
-              <a:rPr lang="de-DE" sz="2400" dirty="0" err="1">
+              <a:rPr lang="de-DE" sz="2700" dirty="0" err="1">
                 <a:solidFill>
                   <a:srgbClr val="000000"/>
                 </a:solidFill>
@@ -11347,87 +11412,47 @@
               <a:t>ReLU</a:t>
             </a:r>
             <a:r>
-              <a:rPr lang="de-DE" sz="2400" dirty="0">
+              <a:rPr lang="de-DE" sz="2700" dirty="0">
                 <a:solidFill>
                   <a:srgbClr val="000000"/>
                 </a:solidFill>
                 <a:cs typeface="Calibri"/>
               </a:rPr>
-              <a:t> and </a:t>
-            </a:r>
-            <a:r>
-              <a:rPr lang="de-DE" sz="2400" dirty="0" err="1">
+              <a:t> </a:t>
+            </a:r>
+            <a:r>
+              <a:rPr lang="de-DE" sz="2700" dirty="0" err="1">
                 <a:solidFill>
                   <a:srgbClr val="000000"/>
                 </a:solidFill>
                 <a:cs typeface="Calibri"/>
               </a:rPr>
-              <a:t>Softmax</a:t>
-            </a:r>
-            <a:r>
-              <a:rPr lang="de-DE" sz="2400" dirty="0">
+              <a:t>and</a:t>
+            </a:r>
+            <a:r>
+              <a:rPr lang="de-DE" sz="2700" dirty="0">
                 <a:solidFill>
                   <a:srgbClr val="000000"/>
                 </a:solidFill>
                 <a:cs typeface="Calibri"/>
               </a:rPr>
-              <a:t>(last </a:t>
-            </a:r>
-            <a:r>
-              <a:rPr lang="de-DE" sz="2400" dirty="0" err="1">
+              <a:t> </a:t>
+            </a:r>
+            <a:r>
+              <a:rPr lang="de-DE" sz="2700" dirty="0" err="1" smtClean="0">
                 <a:solidFill>
                   <a:srgbClr val="000000"/>
                 </a:solidFill>
                 <a:cs typeface="Calibri"/>
               </a:rPr>
-              <a:t>layer</a:t>
-            </a:r>
-            <a:r>
-              <a:rPr lang="de-DE" sz="2400" dirty="0">
-                <a:solidFill>
-                  <a:srgbClr val="000000"/>
-                </a:solidFill>
-                <a:cs typeface="Calibri"/>
-              </a:rPr>
-              <a:t>, multi-</a:t>
-            </a:r>
-            <a:r>
-              <a:rPr lang="de-DE" sz="2400" dirty="0" err="1">
-                <a:solidFill>
-                  <a:srgbClr val="000000"/>
-                </a:solidFill>
-                <a:cs typeface="Calibri"/>
-              </a:rPr>
-              <a:t>class</a:t>
-            </a:r>
-            <a:r>
-              <a:rPr lang="de-DE" sz="2400" dirty="0">
-                <a:solidFill>
-                  <a:srgbClr val="000000"/>
-                </a:solidFill>
-                <a:cs typeface="Calibri"/>
-              </a:rPr>
-              <a:t> </a:t>
-            </a:r>
-            <a:r>
-              <a:rPr lang="de-DE" sz="2400" dirty="0" err="1">
-                <a:solidFill>
-                  <a:srgbClr val="000000"/>
-                </a:solidFill>
-                <a:cs typeface="Calibri"/>
-              </a:rPr>
-              <a:t>classification</a:t>
-            </a:r>
-            <a:r>
-              <a:rPr lang="de-DE" sz="2400" dirty="0">
-                <a:solidFill>
-                  <a:srgbClr val="000000"/>
-                </a:solidFill>
-                <a:cs typeface="Calibri"/>
-              </a:rPr>
-              <a:t>)</a:t>
-            </a:r>
-            <a:endParaRPr lang="en-US" b="1" dirty="0"/>
+              <a:t>Softmax</a:t>
+            </a:r>
+            <a:endParaRPr lang="de-DE" sz="2700" dirty="0" smtClean="0">
+              <a:solidFill>
+                <a:srgbClr val="000000"/>
+              </a:solidFill>
+              <a:cs typeface="Calibri"/>
+            </a:endParaRPr>
           </a:p>
           <a:p>
             <a:pPr marL="742950" lvl="1" indent="-285750">
@@ -11441,11 +11466,11 @@
               <a:buChar char="►"/>
             </a:pPr>
             <a:r>
-              <a:rPr lang="en-US" dirty="0"/>
+              <a:rPr lang="en-US" sz="2700" dirty="0" smtClean="0"/>
               <a:t> </a:t>
             </a:r>
             <a:r>
-              <a:rPr lang="de-DE" sz="2400" dirty="0">
+              <a:rPr lang="de-DE" sz="2700" dirty="0">
                 <a:solidFill>
                   <a:srgbClr val="000000"/>
                 </a:solidFill>
@@ -11453,7 +11478,7 @@
               </a:rPr>
               <a:t>Optimizer: Adam</a:t>
             </a:r>
-            <a:endParaRPr lang="en-US" b="1" dirty="0"/>
+            <a:endParaRPr lang="en-US" sz="2700" b="1" dirty="0"/>
           </a:p>
           <a:p>
             <a:pPr marL="742950" lvl="1" indent="-285750">
@@ -11467,199 +11492,78 @@
               <a:buChar char="►"/>
             </a:pPr>
             <a:r>
-              <a:rPr lang="en-US" dirty="0"/>
-              <a:t> </a:t>
-            </a:r>
-            <a:r>
-              <a:rPr lang="de-DE" sz="2400" dirty="0" err="1">
+              <a:rPr lang="de-DE" sz="2700" dirty="0" smtClean="0">
                 <a:solidFill>
                   <a:srgbClr val="000000"/>
                 </a:solidFill>
                 <a:cs typeface="Calibri"/>
               </a:rPr>
-              <a:t>Optimizations</a:t>
-            </a:r>
-            <a:r>
-              <a:rPr lang="de-DE" sz="2400" dirty="0">
+              <a:t>Loss </a:t>
+            </a:r>
+            <a:r>
+              <a:rPr lang="de-DE" sz="2700" dirty="0" err="1">
                 <a:solidFill>
                   <a:srgbClr val="000000"/>
                 </a:solidFill>
                 <a:cs typeface="Calibri"/>
               </a:rPr>
-              <a:t>: Gradual </a:t>
-            </a:r>
-            <a:r>
-              <a:rPr lang="de-DE" sz="2400" dirty="0" err="1">
+              <a:t>function</a:t>
+            </a:r>
+            <a:r>
+              <a:rPr lang="de-DE" sz="2700" dirty="0">
                 <a:solidFill>
                   <a:srgbClr val="000000"/>
                 </a:solidFill>
                 <a:cs typeface="Calibri"/>
               </a:rPr>
-              <a:t>reduction</a:t>
-            </a:r>
-            <a:r>
-              <a:rPr lang="de-DE" sz="2400" dirty="0">
-                <a:solidFill>
-                  <a:srgbClr val="000000"/>
-                </a:solidFill>
-                <a:cs typeface="Calibri"/>
+              <a:t>: </a:t>
+            </a:r>
+            <a:r>
+              <a:rPr lang="de-DE" sz="2700" dirty="0" err="1">
+                <a:ea typeface="+mn-lt"/>
+                <a:cs typeface="+mn-lt"/>
+              </a:rPr>
+              <a:t>Sparse</a:t>
+            </a:r>
+            <a:r>
+              <a:rPr lang="de-DE" sz="2700" dirty="0">
+                <a:ea typeface="+mn-lt"/>
+                <a:cs typeface="+mn-lt"/>
               </a:rPr>
               <a:t> </a:t>
             </a:r>
             <a:r>
-              <a:rPr lang="de-DE" sz="2400" dirty="0" err="1">
-                <a:solidFill>
-                  <a:srgbClr val="000000"/>
-                </a:solidFill>
-                <a:cs typeface="Calibri"/>
-              </a:rPr>
-              <a:t>of</a:t>
-            </a:r>
-            <a:r>
-              <a:rPr lang="de-DE" sz="2400" dirty="0">
-                <a:solidFill>
-                  <a:srgbClr val="000000"/>
-                </a:solidFill>
-                <a:cs typeface="Calibri"/>
+              <a:rPr lang="de-DE" sz="2700" dirty="0" err="1">
+                <a:ea typeface="+mn-lt"/>
+                <a:cs typeface="+mn-lt"/>
+              </a:rPr>
+              <a:t>Categorical</a:t>
+            </a:r>
+            <a:r>
+              <a:rPr lang="de-DE" sz="2700" dirty="0">
+                <a:ea typeface="+mn-lt"/>
+                <a:cs typeface="+mn-lt"/>
               </a:rPr>
               <a:t> </a:t>
             </a:r>
             <a:r>
-              <a:rPr lang="de-DE" sz="2400" dirty="0" err="1">
-                <a:solidFill>
-                  <a:srgbClr val="000000"/>
-                </a:solidFill>
-                <a:cs typeface="Calibri"/>
-              </a:rPr>
-              <a:t>learning</a:t>
-            </a:r>
-            <a:r>
-              <a:rPr lang="de-DE" sz="2400" dirty="0">
-                <a:solidFill>
-                  <a:srgbClr val="000000"/>
-                </a:solidFill>
-                <a:cs typeface="Calibri"/>
-              </a:rPr>
-              <a:t> rate, </a:t>
-            </a:r>
-            <a:r>
-              <a:rPr lang="de-DE" sz="2400" dirty="0" err="1">
-                <a:solidFill>
-                  <a:srgbClr val="000000"/>
-                </a:solidFill>
-                <a:cs typeface="Calibri"/>
-              </a:rPr>
-              <a:t>batch</a:t>
-            </a:r>
-            <a:r>
-              <a:rPr lang="de-DE" sz="2400" dirty="0">
-                <a:solidFill>
-                  <a:srgbClr val="000000"/>
-                </a:solidFill>
-                <a:cs typeface="Calibri"/>
+              <a:rPr lang="de-DE" sz="2700" dirty="0" err="1">
+                <a:ea typeface="+mn-lt"/>
+                <a:cs typeface="+mn-lt"/>
+              </a:rPr>
+              <a:t>Crossentropy</a:t>
+            </a:r>
+            <a:r>
+              <a:rPr lang="de-DE" sz="2700" dirty="0">
+                <a:ea typeface="+mn-lt"/>
+                <a:cs typeface="+mn-lt"/>
               </a:rPr>
               <a:t> </a:t>
             </a:r>
-            <a:r>
-              <a:rPr lang="de-DE" sz="2400" dirty="0" err="1">
-                <a:solidFill>
-                  <a:srgbClr val="000000"/>
-                </a:solidFill>
-                <a:cs typeface="Calibri"/>
-              </a:rPr>
-              <a:t>size</a:t>
-            </a:r>
-            <a:r>
-              <a:rPr lang="de-DE" sz="2400" dirty="0">
-                <a:solidFill>
-                  <a:srgbClr val="000000"/>
-                </a:solidFill>
-                <a:cs typeface="Calibri"/>
-              </a:rPr>
-              <a:t> </a:t>
-            </a:r>
-            <a:r>
-              <a:rPr lang="de-DE" sz="2400" dirty="0" err="1">
-                <a:solidFill>
-                  <a:srgbClr val="000000"/>
-                </a:solidFill>
-                <a:cs typeface="Calibri"/>
-              </a:rPr>
-              <a:t>optimized</a:t>
-            </a:r>
-            <a:r>
-              <a:rPr lang="de-DE" sz="2400" dirty="0">
-                <a:solidFill>
-                  <a:srgbClr val="000000"/>
-                </a:solidFill>
-                <a:cs typeface="Calibri"/>
-              </a:rPr>
-              <a:t> </a:t>
-            </a:r>
-            <a:r>
-              <a:rPr lang="de-DE" sz="2400" dirty="0" err="1">
-                <a:solidFill>
-                  <a:srgbClr val="000000"/>
-                </a:solidFill>
-                <a:cs typeface="Calibri"/>
-              </a:rPr>
-              <a:t>for</a:t>
-            </a:r>
-            <a:r>
-              <a:rPr lang="de-DE" sz="2400" dirty="0">
-                <a:solidFill>
-                  <a:srgbClr val="000000"/>
-                </a:solidFill>
-                <a:cs typeface="Calibri"/>
-              </a:rPr>
-              <a:t> GPUs, </a:t>
-            </a:r>
-            <a:r>
-              <a:rPr lang="de-DE" sz="2400" dirty="0" err="1">
-                <a:solidFill>
-                  <a:srgbClr val="000000"/>
-                </a:solidFill>
-                <a:cs typeface="Calibri"/>
-              </a:rPr>
-              <a:t>patience</a:t>
-            </a:r>
-            <a:r>
-              <a:rPr lang="de-DE" sz="2400" dirty="0">
-                <a:solidFill>
-                  <a:srgbClr val="000000"/>
-                </a:solidFill>
-                <a:cs typeface="Calibri"/>
-              </a:rPr>
-              <a:t> </a:t>
-            </a:r>
-            <a:r>
-              <a:rPr lang="de-DE" sz="2400" dirty="0" err="1">
-                <a:solidFill>
-                  <a:srgbClr val="000000"/>
-                </a:solidFill>
-                <a:cs typeface="Calibri"/>
-              </a:rPr>
-              <a:t>of</a:t>
-            </a:r>
-            <a:r>
-              <a:rPr lang="de-DE" sz="2400" dirty="0">
-                <a:solidFill>
-                  <a:srgbClr val="000000"/>
-                </a:solidFill>
-                <a:cs typeface="Calibri"/>
-              </a:rPr>
-              <a:t> 200 </a:t>
-            </a:r>
-            <a:r>
-              <a:rPr lang="de-DE" sz="2400" dirty="0" err="1">
-                <a:solidFill>
-                  <a:srgbClr val="000000"/>
-                </a:solidFill>
-                <a:cs typeface="Calibri"/>
-              </a:rPr>
-              <a:t>epochs</a:t>
-            </a:r>
-            <a:endParaRPr lang="en-US" b="1" dirty="0"/>
+            <a:endParaRPr lang="de-DE" sz="2700" dirty="0" smtClean="0">
+              <a:ea typeface="+mn-lt"/>
+              <a:cs typeface="+mn-lt"/>
+            </a:endParaRPr>
           </a:p>
           <a:p>
             <a:pPr marL="742950" lvl="1" indent="-285750">
@@ -11673,111 +11577,71 @@
               <a:buChar char="►"/>
             </a:pPr>
             <a:r>
-              <a:rPr lang="en-US" dirty="0"/>
-              <a:t> </a:t>
-            </a:r>
-            <a:r>
-              <a:rPr lang="de-DE" sz="2400" dirty="0">
-                <a:solidFill>
-                  <a:srgbClr val="000000"/>
-                </a:solidFill>
-                <a:cs typeface="Calibri"/>
-              </a:rPr>
-              <a:t>Loss </a:t>
-            </a:r>
-            <a:r>
-              <a:rPr lang="de-DE" sz="2400" dirty="0" err="1">
-                <a:solidFill>
-                  <a:srgbClr val="000000"/>
-                </a:solidFill>
-                <a:cs typeface="Calibri"/>
-              </a:rPr>
-              <a:t>function</a:t>
-            </a:r>
-            <a:r>
-              <a:rPr lang="de-DE" sz="2400" dirty="0">
-                <a:solidFill>
-                  <a:srgbClr val="000000"/>
-                </a:solidFill>
-                <a:cs typeface="Calibri"/>
-              </a:rPr>
-              <a:t>: </a:t>
-            </a:r>
-            <a:r>
-              <a:rPr lang="de-DE" sz="2400" dirty="0" err="1">
+              <a:rPr lang="en-US" sz="2700" dirty="0" smtClean="0">
                 <a:ea typeface="+mn-lt"/>
                 <a:cs typeface="+mn-lt"/>
               </a:rPr>
-              <a:t>Sparse</a:t>
-            </a:r>
-            <a:r>
-              <a:rPr lang="de-DE" sz="2400" dirty="0">
+              <a:t>Regularization </a:t>
+            </a:r>
+            <a:r>
+              <a:rPr lang="en-US" sz="2700" dirty="0">
                 <a:ea typeface="+mn-lt"/>
                 <a:cs typeface="+mn-lt"/>
               </a:rPr>
-              <a:t> </a:t>
-            </a:r>
-            <a:r>
-              <a:rPr lang="de-DE" sz="2400" dirty="0" err="1">
+              <a:t>techniques</a:t>
+            </a:r>
+            <a:r>
+              <a:rPr lang="de-DE" sz="2700" dirty="0">
                 <a:ea typeface="+mn-lt"/>
                 <a:cs typeface="+mn-lt"/>
               </a:rPr>
-              <a:t>Categorical</a:t>
-            </a:r>
-            <a:r>
-              <a:rPr lang="de-DE" sz="2400" dirty="0">
+              <a:t>: </a:t>
+            </a:r>
+            <a:r>
+              <a:rPr lang="de-DE" sz="2700" dirty="0" err="1">
                 <a:ea typeface="+mn-lt"/>
                 <a:cs typeface="+mn-lt"/>
               </a:rPr>
-              <a:t> </a:t>
-            </a:r>
-            <a:r>
-              <a:rPr lang="de-DE" sz="2400" dirty="0" err="1">
+              <a:t>Weight</a:t>
+            </a:r>
+            <a:r>
+              <a:rPr lang="de-DE" sz="2700" dirty="0">
                 <a:ea typeface="+mn-lt"/>
                 <a:cs typeface="+mn-lt"/>
               </a:rPr>
-              <a:t>Crossentropy</a:t>
-            </a:r>
-            <a:r>
-              <a:rPr lang="de-DE" sz="2400" dirty="0">
+              <a:t> </a:t>
+            </a:r>
+            <a:r>
+              <a:rPr lang="en-US" sz="2700" dirty="0">
                 <a:ea typeface="+mn-lt"/>
                 <a:cs typeface="+mn-lt"/>
               </a:rPr>
-              <a:t> (due </a:t>
-            </a:r>
-            <a:r>
-              <a:rPr lang="de-DE" sz="2400" dirty="0" err="1">
+              <a:t>regularization (</a:t>
+            </a:r>
+            <a:r>
+              <a:rPr lang="de-DE" sz="2700" dirty="0">
                 <a:ea typeface="+mn-lt"/>
                 <a:cs typeface="+mn-lt"/>
               </a:rPr>
-              <a:t>to</a:t>
-            </a:r>
-            <a:r>
-              <a:rPr lang="de-DE" sz="2400" dirty="0">
+              <a:t>L2</a:t>
+            </a:r>
+            <a:r>
+              <a:rPr lang="de-DE" sz="2700" dirty="0" smtClean="0">
                 <a:ea typeface="+mn-lt"/>
                 <a:cs typeface="+mn-lt"/>
               </a:rPr>
-              <a:t> </a:t>
-            </a:r>
-            <a:r>
-              <a:rPr lang="de-DE" sz="2400" dirty="0" err="1">
+              <a:t>)/ </a:t>
+            </a:r>
+            <a:r>
+              <a:rPr lang="de-DE" sz="2700" dirty="0" err="1" smtClean="0">
                 <a:ea typeface="+mn-lt"/>
                 <a:cs typeface="+mn-lt"/>
               </a:rPr>
-              <a:t>class-encoding</a:t>
-            </a:r>
-            <a:r>
-              <a:rPr lang="de-DE" sz="2400" dirty="0">
-                <a:ea typeface="+mn-lt"/>
-                <a:cs typeface="+mn-lt"/>
-              </a:rPr>
-              <a:t>)</a:t>
-            </a:r>
-            <a:endParaRPr lang="de-DE" dirty="0">
-              <a:solidFill>
-                <a:srgbClr val="000000"/>
-              </a:solidFill>
-              <a:cs typeface="Calibri"/>
+              <a:t>dropout</a:t>
+            </a:r>
+            <a:endParaRPr lang="de-DE" sz="2700" dirty="0" smtClean="0">
+              <a:ea typeface="+mn-lt"/>
+              <a:cs typeface="+mn-lt"/>
             </a:endParaRPr>
           </a:p>
           <a:p>
@@ -11792,79 +11656,87 @@
               <a:buChar char="►"/>
             </a:pPr>
             <a:r>
-              <a:rPr lang="de-DE" sz="2400" dirty="0">
+              <a:rPr lang="de-DE" sz="2700" b="1" dirty="0" smtClean="0">
                 <a:solidFill>
                   <a:srgbClr val="000000"/>
                 </a:solidFill>
                 <a:ea typeface="+mn-lt"/>
-                <a:cs typeface="Calibri"/>
-              </a:rPr>
-              <a:t> </a:t>
-            </a:r>
-            <a:r>
-              <a:rPr lang="en-US" sz="2400" dirty="0">
+                <a:cs typeface="+mn-lt"/>
+              </a:rPr>
+              <a:t>Best Model: </a:t>
+            </a:r>
+          </a:p>
+          <a:p>
+            <a:pPr marL="1828800" lvl="4" indent="0">
+              <a:buClr>
+                <a:schemeClr val="accent1">
+                  <a:lumMod val="60000"/>
+                  <a:lumOff val="40000"/>
+                </a:schemeClr>
+              </a:buClr>
+              <a:buNone/>
+            </a:pPr>
+            <a:r>
+              <a:rPr lang="de-DE" sz="2100" b="1" dirty="0" err="1" smtClean="0">
+                <a:solidFill>
+                  <a:srgbClr val="000000"/>
+                </a:solidFill>
                 <a:ea typeface="+mn-lt"/>
                 <a:cs typeface="+mn-lt"/>
               </a:rPr>
-              <a:t>Regularization techniques</a:t>
-            </a:r>
-            <a:r>
-              <a:rPr lang="de-DE" sz="2400" dirty="0">
+              <a:t>Sliding</a:t>
+            </a:r>
+            <a:r>
+              <a:rPr lang="de-DE" sz="2100" b="1" dirty="0" smtClean="0">
+                <a:solidFill>
+                  <a:srgbClr val="000000"/>
+                </a:solidFill>
                 <a:ea typeface="+mn-lt"/>
                 <a:cs typeface="+mn-lt"/>
               </a:rPr>
-              <a:t>: </a:t>
-            </a:r>
-            <a:r>
-              <a:rPr lang="de-DE" sz="2400" dirty="0" err="1">
+              <a:t> </a:t>
+            </a:r>
+            <a:r>
+              <a:rPr lang="de-DE" sz="2100" b="1" dirty="0" err="1" smtClean="0">
+                <a:solidFill>
+                  <a:srgbClr val="000000"/>
+                </a:solidFill>
                 <a:ea typeface="+mn-lt"/>
                 <a:cs typeface="+mn-lt"/>
               </a:rPr>
-              <a:t>Weight</a:t>
-            </a:r>
-            <a:r>
-              <a:rPr lang="de-DE" sz="2400" dirty="0">
+              <a:t>Window</a:t>
+            </a:r>
+            <a:r>
+              <a:rPr lang="de-DE" sz="2100" b="1" dirty="0" smtClean="0">
+                <a:solidFill>
+                  <a:srgbClr val="000000"/>
+                </a:solidFill>
                 <a:ea typeface="+mn-lt"/>
                 <a:cs typeface="+mn-lt"/>
               </a:rPr>
-              <a:t> </a:t>
-            </a:r>
-            <a:r>
-              <a:rPr lang="en-US" sz="2400" dirty="0">
+              <a:t> 2 (21 Features), Dropout, 3 Hidden </a:t>
+            </a:r>
+            <a:r>
+              <a:rPr lang="de-DE" sz="2100" b="1" dirty="0" err="1" smtClean="0">
+                <a:solidFill>
+                  <a:srgbClr val="000000"/>
+                </a:solidFill>
                 <a:ea typeface="+mn-lt"/>
                 <a:cs typeface="+mn-lt"/>
               </a:rPr>
-              <a:t>regularization (</a:t>
-            </a:r>
-            <a:r>
-              <a:rPr lang="de-DE" sz="2400" dirty="0">
+              <a:t>layers</a:t>
+            </a:r>
+            <a:r>
+              <a:rPr lang="de-DE" sz="2100" b="1" dirty="0" smtClean="0">
+                <a:solidFill>
+                  <a:srgbClr val="000000"/>
+                </a:solidFill>
                 <a:ea typeface="+mn-lt"/>
                 <a:cs typeface="+mn-lt"/>
               </a:rPr>
-              <a:t>L2) and/</a:t>
-            </a:r>
-            <a:r>
-              <a:rPr lang="de-DE" sz="2400" dirty="0" err="1">
-                <a:ea typeface="+mn-lt"/>
-                <a:cs typeface="+mn-lt"/>
-              </a:rPr>
-              <a:t>or</a:t>
-            </a:r>
-            <a:r>
-              <a:rPr lang="de-DE" sz="2400" dirty="0">
-                <a:ea typeface="+mn-lt"/>
-                <a:cs typeface="+mn-lt"/>
-              </a:rPr>
-              <a:t> </a:t>
-            </a:r>
-            <a:r>
-              <a:rPr lang="de-DE" sz="2400" dirty="0" err="1">
-                <a:ea typeface="+mn-lt"/>
-                <a:cs typeface="+mn-lt"/>
-              </a:rPr>
-              <a:t>dropout</a:t>
-            </a:r>
-            <a:endParaRPr lang="de-DE" dirty="0">
+              <a:t> (21,12,12) </a:t>
+            </a:r>
+            <a:endParaRPr lang="de-DE" sz="2100" b="1" dirty="0">
               <a:solidFill>
                 <a:srgbClr val="000000"/>
               </a:solidFill>
@@ -11873,28 +11745,37 @@
             </a:endParaRPr>
           </a:p>
           <a:p>
-            <a:pPr marL="742950" lvl="1" indent="-285750">
+            <a:pPr marL="457200" lvl="1" indent="0">
               <a:buClr>
                 <a:schemeClr val="accent1">
                   <a:lumMod val="60000"/>
                   <a:lumOff val="40000"/>
                 </a:schemeClr>
               </a:buClr>
-              <a:buFont typeface="Arial" panose="020B0604020202020204" pitchFamily="34" charset="0"/>
-              <a:buChar char="►"/>
+              <a:buNone/>
             </a:pPr>
             <a:r>
-              <a:rPr lang="de-DE" sz="2400" dirty="0">
+              <a:rPr lang="de-DE" sz="2300" dirty="0">
                 <a:solidFill>
                   <a:srgbClr val="000000"/>
                 </a:solidFill>
                 <a:ea typeface="+mn-lt"/>
                 <a:cs typeface="Calibri"/>
               </a:rPr>
-              <a:t> </a:t>
-            </a:r>
-            <a:r>
-              <a:rPr lang="de-DE" sz="2400" dirty="0" err="1">
+              <a:t>	</a:t>
+            </a:r>
+            <a:r>
+              <a:rPr lang="de-DE" sz="2300" dirty="0" smtClean="0">
+                <a:solidFill>
+                  <a:srgbClr val="000000"/>
+                </a:solidFill>
+                <a:ea typeface="+mn-lt"/>
+                <a:cs typeface="Calibri"/>
+              </a:rPr>
+              <a:t>	</a:t>
+            </a:r>
+            <a:r>
+              <a:rPr lang="de-DE" sz="2300" dirty="0" err="1" smtClean="0">
                 <a:solidFill>
                   <a:srgbClr val="000000"/>
                 </a:solidFill>
@@ -11903,7 +11784,7 @@
               <a:t>Accuracy</a:t>
             </a:r>
             <a:r>
-              <a:rPr lang="de-DE" sz="2400" dirty="0">
+              <a:rPr lang="de-DE" sz="2300" dirty="0">
                 <a:solidFill>
                   <a:srgbClr val="000000"/>
                 </a:solidFill>
@@ -11912,7 +11793,7 @@
               <a:t>: </a:t>
             </a:r>
             <a:r>
-              <a:rPr lang="de-DE" sz="2400" dirty="0">
+              <a:rPr lang="de-DE" sz="2300" dirty="0">
                 <a:ea typeface="+mn-lt"/>
                 <a:cs typeface="+mn-lt"/>
               </a:rPr>
@@ -11924,7 +11805,7 @@
               <a:buNone/>
             </a:pPr>
             <a:r>
-              <a:rPr lang="de-DE" sz="2400" b="1" dirty="0">
+              <a:rPr lang="de-DE" sz="2700" b="1" dirty="0">
                 <a:solidFill>
                   <a:srgbClr val="FF0000"/>
                 </a:solidFill>
@@ -11934,7 +11815,7 @@
               <a:t>Problem: </a:t>
             </a:r>
             <a:r>
-              <a:rPr lang="de-DE" sz="2400" b="1" dirty="0" err="1">
+              <a:rPr lang="de-DE" sz="2700" b="1" dirty="0" err="1">
                 <a:solidFill>
                   <a:srgbClr val="FF0000"/>
                 </a:solidFill>
@@ -11944,7 +11825,7 @@
               <a:t>Predicts</a:t>
             </a:r>
             <a:r>
-              <a:rPr lang="de-DE" sz="2400" b="1" dirty="0">
+              <a:rPr lang="de-DE" sz="2700" b="1" dirty="0">
                 <a:solidFill>
                   <a:srgbClr val="FF0000"/>
                 </a:solidFill>
@@ -11954,7 +11835,7 @@
               <a:t> </a:t>
             </a:r>
             <a:r>
-              <a:rPr lang="de-DE" sz="2400" b="1" dirty="0" err="1">
+              <a:rPr lang="de-DE" sz="2700" b="1" dirty="0" err="1">
                 <a:solidFill>
                   <a:srgbClr val="FF0000"/>
                 </a:solidFill>
@@ -11964,7 +11845,7 @@
               <a:t>only</a:t>
             </a:r>
             <a:r>
-              <a:rPr lang="de-DE" sz="2400" b="1" dirty="0">
+              <a:rPr lang="de-DE" sz="2700" b="1" dirty="0">
                 <a:solidFill>
                   <a:srgbClr val="FF0000"/>
                 </a:solidFill>
@@ -11974,7 +11855,7 @@
               <a:t> 2 </a:t>
             </a:r>
             <a:r>
-              <a:rPr lang="de-DE" sz="2400" b="1" dirty="0" err="1">
+              <a:rPr lang="de-DE" sz="2700" b="1" dirty="0" err="1">
                 <a:solidFill>
                   <a:srgbClr val="FF0000"/>
                 </a:solidFill>
@@ -11983,7 +11864,7 @@
               </a:rPr>
               <a:t>classes</a:t>
             </a:r>
-            <a:endParaRPr lang="de-DE" sz="2400" b="1" dirty="0">
+            <a:endParaRPr lang="de-DE" sz="2700" b="1" dirty="0">
               <a:solidFill>
                 <a:srgbClr val="FF0000"/>
               </a:solidFill>
@@ -12292,8 +12173,8 @@
               <a:t> Better </a:t>
             </a:r>
             <a:r>
-              <a:rPr lang="en-US" dirty="0" err="1"/>
-              <a:t>normalizatiob</a:t>
+              <a:rPr lang="en-US" dirty="0" smtClean="0"/>
+              <a:t>normalization</a:t>
             </a:r>
             <a:endParaRPr lang="en-US" dirty="0"/>
           </a:p>
@@ -19712,8 +19593,17 @@
             </a:r>
             <a:r>
               <a:rPr lang="de-DE" b="1" dirty="0"/>
-              <a:t> Option 1</a:t>
-            </a:r>
+              <a:t> Option </a:t>
+            </a:r>
+            <a:r>
+              <a:rPr lang="de-DE" b="1" dirty="0" smtClean="0"/>
+              <a:t>1 </a:t>
+            </a:r>
+            <a:r>
+              <a:rPr lang="de-DE" sz="2000" dirty="0" smtClean="0"/>
+              <a:t>(13 Features) </a:t>
+            </a:r>
+            <a:endParaRPr lang="de-DE" sz="2000" dirty="0"/>
           </a:p>
         </p:txBody>
       </p:sp>
@@ -19972,8 +19862,25 @@
             </a:r>
             <a:r>
               <a:rPr lang="de-DE" b="1" dirty="0"/>
-              <a:t> Option 2</a:t>
-            </a:r>
+              <a:t> Option </a:t>
+            </a:r>
+            <a:r>
+              <a:rPr lang="de-DE" b="1" dirty="0"/>
+              <a:t>2 </a:t>
+            </a:r>
+            <a:r>
+              <a:rPr lang="de-DE" sz="2000" dirty="0" smtClean="0"/>
+              <a:t>(21 </a:t>
+            </a:r>
+            <a:r>
+              <a:rPr lang="de-DE" sz="2000" dirty="0"/>
+              <a:t>Features) </a:t>
+            </a:r>
+            <a:r>
+              <a:rPr lang="de-DE" sz="2000" b="1" dirty="0" smtClean="0"/>
+              <a:t> </a:t>
+            </a:r>
+            <a:endParaRPr lang="de-DE" sz="2000" b="1" dirty="0"/>
           </a:p>
         </p:txBody>
       </p:sp>
@@ -20197,8 +20104,21 @@
             </a:r>
             <a:r>
               <a:rPr lang="de-DE" b="1" dirty="0"/>
-              <a:t> Option 3</a:t>
-            </a:r>
+              <a:t> Option </a:t>
+            </a:r>
+            <a:r>
+              <a:rPr lang="de-DE" b="1" dirty="0"/>
+              <a:t>3  </a:t>
+            </a:r>
+            <a:r>
+              <a:rPr lang="de-DE" sz="2000" dirty="0" smtClean="0"/>
+              <a:t>(29 </a:t>
+            </a:r>
+            <a:r>
+              <a:rPr lang="de-DE" sz="2000" dirty="0"/>
+              <a:t>Features) </a:t>
+            </a:r>
+            <a:endParaRPr lang="de-DE" sz="2000" b="1" dirty="0"/>
           </a:p>
         </p:txBody>
       </p:sp>

--- a/Daily/sprint9/Final_Presentation_Phase_I.pptx
+++ b/Daily/sprint9/Final_Presentation_Phase_I.pptx
@@ -11677,7 +11677,7 @@
               <a:buNone/>
             </a:pPr>
             <a:r>
-              <a:rPr lang="de-DE" sz="2100" b="1" dirty="0" err="1" smtClean="0">
+              <a:rPr lang="de-DE" sz="2100" dirty="0" err="1" smtClean="0">
                 <a:solidFill>
                   <a:srgbClr val="000000"/>
                 </a:solidFill>
@@ -11687,7 +11687,7 @@
               <a:t>Sliding</a:t>
             </a:r>
             <a:r>
-              <a:rPr lang="de-DE" sz="2100" b="1" dirty="0" smtClean="0">
+              <a:rPr lang="de-DE" sz="2100" dirty="0" smtClean="0">
                 <a:solidFill>
                   <a:srgbClr val="000000"/>
                 </a:solidFill>
@@ -11697,7 +11697,7 @@
               <a:t> </a:t>
             </a:r>
             <a:r>
-              <a:rPr lang="de-DE" sz="2100" b="1" dirty="0" err="1" smtClean="0">
+              <a:rPr lang="de-DE" sz="2100" dirty="0" err="1" smtClean="0">
                 <a:solidFill>
                   <a:srgbClr val="000000"/>
                 </a:solidFill>
@@ -11707,7 +11707,7 @@
               <a:t>Window</a:t>
             </a:r>
             <a:r>
-              <a:rPr lang="de-DE" sz="2100" b="1" dirty="0" smtClean="0">
+              <a:rPr lang="de-DE" sz="2100" dirty="0" smtClean="0">
                 <a:solidFill>
                   <a:srgbClr val="000000"/>
                 </a:solidFill>
@@ -11717,7 +11717,7 @@
               <a:t> 2 (21 Features), Dropout, 3 Hidden </a:t>
             </a:r>
             <a:r>
-              <a:rPr lang="de-DE" sz="2100" b="1" dirty="0" err="1" smtClean="0">
+              <a:rPr lang="de-DE" sz="2100" dirty="0" err="1" smtClean="0">
                 <a:solidFill>
                   <a:srgbClr val="000000"/>
                 </a:solidFill>
@@ -11727,7 +11727,7 @@
               <a:t>layers</a:t>
             </a:r>
             <a:r>
-              <a:rPr lang="de-DE" sz="2100" b="1" dirty="0" smtClean="0">
+              <a:rPr lang="de-DE" sz="2100" dirty="0" smtClean="0">
                 <a:solidFill>
                   <a:srgbClr val="000000"/>
                 </a:solidFill>
@@ -11736,7 +11736,7 @@
               </a:rPr>
               <a:t> (21,12,12) </a:t>
             </a:r>
-            <a:endParaRPr lang="de-DE" sz="2100" b="1" dirty="0">
+            <a:endParaRPr lang="de-DE" sz="2100" dirty="0">
               <a:solidFill>
                 <a:srgbClr val="000000"/>
               </a:solidFill>
@@ -11797,13 +11797,40 @@
                 <a:ea typeface="+mn-lt"/>
                 <a:cs typeface="+mn-lt"/>
               </a:rPr>
-              <a:t>56.25% </a:t>
-            </a:r>
-          </a:p>
-          <a:p>
-            <a:pPr marL="914400" lvl="2" indent="0">
+              <a:t>56.25%</a:t>
+            </a:r>
+            <a:r>
+              <a:rPr lang="de-DE" sz="2300">
+                <a:ea typeface="+mn-lt"/>
+                <a:cs typeface="+mn-lt"/>
+              </a:rPr>
+              <a:t> </a:t>
+            </a:r>
+            <a:endParaRPr lang="de-DE" sz="2300" smtClean="0">
+              <a:ea typeface="+mn-lt"/>
+              <a:cs typeface="+mn-lt"/>
+            </a:endParaRPr>
+          </a:p>
+          <a:p>
+            <a:pPr marL="457200" lvl="1" indent="0">
+              <a:buClr>
+                <a:schemeClr val="accent1">
+                  <a:lumMod val="60000"/>
+                  <a:lumOff val="40000"/>
+                </a:schemeClr>
+              </a:buClr>
               <a:buNone/>
             </a:pPr>
+            <a:r>
+              <a:rPr lang="de-DE" sz="2700" b="1" smtClean="0">
+                <a:solidFill>
+                  <a:srgbClr val="FF0000"/>
+                </a:solidFill>
+                <a:ea typeface="+mn-lt"/>
+                <a:cs typeface="+mn-lt"/>
+              </a:rPr>
+              <a:t>=&gt; Problem</a:t>
+            </a:r>
             <a:r>
               <a:rPr lang="de-DE" sz="2700" b="1" dirty="0">
                 <a:solidFill>
@@ -11812,7 +11839,7 @@
                 <a:ea typeface="+mn-lt"/>
                 <a:cs typeface="+mn-lt"/>
               </a:rPr>
-              <a:t>Problem: </a:t>
+              <a:t>: </a:t>
             </a:r>
             <a:r>
               <a:rPr lang="de-DE" sz="2700" b="1" dirty="0" err="1">
